--- a/documents/Presentation.pptx
+++ b/documents/Presentation.pptx
@@ -5,7 +5,7 @@
     <p:sldMasterId id="2147483648" r:id="rId1"/>
   </p:sldMasterIdLst>
   <p:notesMasterIdLst>
-    <p:notesMasterId r:id="rId13"/>
+    <p:notesMasterId r:id="rId20"/>
   </p:notesMasterIdLst>
   <p:sldIdLst>
     <p:sldId id="256" r:id="rId2"/>
@@ -19,6 +19,13 @@
     <p:sldId id="262" r:id="rId10"/>
     <p:sldId id="263" r:id="rId11"/>
     <p:sldId id="264" r:id="rId12"/>
+    <p:sldId id="267" r:id="rId13"/>
+    <p:sldId id="268" r:id="rId14"/>
+    <p:sldId id="269" r:id="rId15"/>
+    <p:sldId id="270" r:id="rId16"/>
+    <p:sldId id="271" r:id="rId17"/>
+    <p:sldId id="272" r:id="rId18"/>
+    <p:sldId id="273" r:id="rId19"/>
   </p:sldIdLst>
   <p:sldSz cx="12192000" cy="6858000"/>
   <p:notesSz cx="6858000" cy="9144000"/>
@@ -207,7 +214,7 @@
           <a:p>
             <a:fld id="{31868129-A059-084A-81AC-1C2D421669D6}" type="datetimeFigureOut">
               <a:rPr lang="en-US" smtClean="0"/>
-              <a:t>4/27/17</a:t>
+              <a:t>4/29/17</a:t>
             </a:fld>
             <a:endParaRPr lang="en-US"/>
           </a:p>
@@ -687,465 +694,6 @@
           <a:bodyPr/>
           <a:lstStyle/>
           <a:p>
-            <a:r>
-              <a:rPr lang="en-US" sz="1200" kern="1200" dirty="0" smtClean="0">
-                <a:solidFill>
-                  <a:schemeClr val="tx1"/>
-                </a:solidFill>
-                <a:effectLst/>
-                <a:latin typeface="+mn-lt"/>
-                <a:ea typeface="+mn-ea"/>
-                <a:cs typeface="+mn-cs"/>
-              </a:rPr>
-              <a:t>As a user, I want to login/logout the system</a:t>
-            </a:r>
-          </a:p>
-          <a:p>
-            <a:r>
-              <a:rPr lang="en-US" sz="1200" kern="1200" dirty="0" smtClean="0">
-                <a:solidFill>
-                  <a:schemeClr val="tx1"/>
-                </a:solidFill>
-                <a:effectLst/>
-                <a:latin typeface="+mn-lt"/>
-                <a:ea typeface="+mn-ea"/>
-                <a:cs typeface="+mn-cs"/>
-              </a:rPr>
-              <a:t>As </a:t>
-            </a:r>
-            <a:r>
-              <a:rPr lang="en-US" sz="1200" kern="1200" dirty="0" smtClean="0">
-                <a:solidFill>
-                  <a:schemeClr val="tx1"/>
-                </a:solidFill>
-                <a:effectLst/>
-                <a:latin typeface="+mn-lt"/>
-                <a:ea typeface="+mn-ea"/>
-                <a:cs typeface="+mn-cs"/>
-              </a:rPr>
-              <a:t>a user, I want to access website online</a:t>
-            </a:r>
-          </a:p>
-          <a:p>
-            <a:r>
-              <a:rPr lang="en-US" sz="1200" kern="1200" dirty="0" smtClean="0">
-                <a:solidFill>
-                  <a:schemeClr val="tx1"/>
-                </a:solidFill>
-                <a:effectLst/>
-                <a:latin typeface="+mn-lt"/>
-                <a:ea typeface="+mn-ea"/>
-                <a:cs typeface="+mn-cs"/>
-              </a:rPr>
-              <a:t> </a:t>
-            </a:r>
-          </a:p>
-          <a:p>
-            <a:r>
-              <a:rPr lang="en-US" sz="1200" kern="1200" dirty="0" smtClean="0">
-                <a:solidFill>
-                  <a:schemeClr val="tx1"/>
-                </a:solidFill>
-                <a:effectLst/>
-                <a:latin typeface="+mn-lt"/>
-                <a:ea typeface="+mn-ea"/>
-                <a:cs typeface="+mn-cs"/>
-              </a:rPr>
-              <a:t>As an administrator, I want to add more situation options (sick, injury, etc.)</a:t>
-            </a:r>
-          </a:p>
-          <a:p>
-            <a:r>
-              <a:rPr lang="en-US" sz="1200" kern="1200" dirty="0" smtClean="0">
-                <a:solidFill>
-                  <a:schemeClr val="tx1"/>
-                </a:solidFill>
-                <a:effectLst/>
-                <a:latin typeface="+mn-lt"/>
-                <a:ea typeface="+mn-ea"/>
-                <a:cs typeface="+mn-cs"/>
-              </a:rPr>
-              <a:t>As an administrator, I can view all claims in the system for each years</a:t>
-            </a:r>
-          </a:p>
-          <a:p>
-            <a:r>
-              <a:rPr lang="en-US" sz="1200" kern="1200" dirty="0" smtClean="0">
-                <a:solidFill>
-                  <a:schemeClr val="tx1"/>
-                </a:solidFill>
-                <a:effectLst/>
-                <a:latin typeface="+mn-lt"/>
-                <a:ea typeface="+mn-ea"/>
-                <a:cs typeface="+mn-cs"/>
-              </a:rPr>
-              <a:t>As an administrator, I want to view items of assessment</a:t>
-            </a:r>
-          </a:p>
-          <a:p>
-            <a:r>
-              <a:rPr lang="en-US" sz="1200" kern="1200" dirty="0" smtClean="0">
-                <a:solidFill>
-                  <a:schemeClr val="tx1"/>
-                </a:solidFill>
-                <a:effectLst/>
-                <a:latin typeface="+mn-lt"/>
-                <a:ea typeface="+mn-ea"/>
-                <a:cs typeface="+mn-cs"/>
-              </a:rPr>
-              <a:t>As an administrator, I want to set up closure date of claim</a:t>
-            </a:r>
-          </a:p>
-          <a:p>
-            <a:r>
-              <a:rPr lang="en-US" sz="1200" kern="1200" dirty="0" smtClean="0">
-                <a:solidFill>
-                  <a:schemeClr val="tx1"/>
-                </a:solidFill>
-                <a:effectLst/>
-                <a:latin typeface="+mn-lt"/>
-                <a:ea typeface="+mn-ea"/>
-                <a:cs typeface="+mn-cs"/>
-              </a:rPr>
-              <a:t>As an administrator, I want to manage account of Users</a:t>
-            </a:r>
-          </a:p>
-          <a:p>
-            <a:r>
-              <a:rPr lang="en-US" sz="1200" kern="1200" dirty="0" smtClean="0">
-                <a:solidFill>
-                  <a:schemeClr val="tx1"/>
-                </a:solidFill>
-                <a:effectLst/>
-                <a:latin typeface="+mn-lt"/>
-                <a:ea typeface="+mn-ea"/>
-                <a:cs typeface="+mn-cs"/>
-              </a:rPr>
-              <a:t>As an administrator, I want to manage system data</a:t>
-            </a:r>
-          </a:p>
-          <a:p>
-            <a:r>
-              <a:rPr lang="en-US" sz="1200" kern="1200" dirty="0" smtClean="0">
-                <a:solidFill>
-                  <a:schemeClr val="tx1"/>
-                </a:solidFill>
-                <a:effectLst/>
-                <a:latin typeface="+mn-lt"/>
-                <a:ea typeface="+mn-ea"/>
-                <a:cs typeface="+mn-cs"/>
-              </a:rPr>
-              <a:t> </a:t>
-            </a:r>
-          </a:p>
-          <a:p>
-            <a:r>
-              <a:rPr lang="en-US" sz="1200" kern="1200" dirty="0" smtClean="0">
-                <a:solidFill>
-                  <a:schemeClr val="tx1"/>
-                </a:solidFill>
-                <a:effectLst/>
-                <a:latin typeface="+mn-lt"/>
-                <a:ea typeface="+mn-ea"/>
-                <a:cs typeface="+mn-cs"/>
-              </a:rPr>
-              <a:t>As an EC manager, I want to see all claims</a:t>
-            </a:r>
-          </a:p>
-          <a:p>
-            <a:r>
-              <a:rPr lang="en-US" sz="1200" kern="1200" dirty="0" smtClean="0">
-                <a:solidFill>
-                  <a:schemeClr val="tx1"/>
-                </a:solidFill>
-                <a:effectLst/>
-                <a:latin typeface="+mn-lt"/>
-                <a:ea typeface="+mn-ea"/>
-                <a:cs typeface="+mn-cs"/>
-              </a:rPr>
-              <a:t>As an EC Manager, I want to see claim Statistical Analysis (</a:t>
-            </a:r>
-            <a:r>
-              <a:rPr lang="en-US" sz="1200" kern="1200" dirty="0" err="1" smtClean="0">
-                <a:solidFill>
-                  <a:schemeClr val="tx1"/>
-                </a:solidFill>
-                <a:effectLst/>
-                <a:latin typeface="+mn-lt"/>
-                <a:ea typeface="+mn-ea"/>
-                <a:cs typeface="+mn-cs"/>
-              </a:rPr>
-              <a:t>e.g</a:t>
-            </a:r>
-            <a:r>
-              <a:rPr lang="en-US" sz="1200" kern="1200" dirty="0" smtClean="0">
-                <a:solidFill>
-                  <a:schemeClr val="tx1"/>
-                </a:solidFill>
-                <a:effectLst/>
-                <a:latin typeface="+mn-lt"/>
-                <a:ea typeface="+mn-ea"/>
-                <a:cs typeface="+mn-cs"/>
-              </a:rPr>
-              <a:t>: Number of claims per year per Faculty...)</a:t>
-            </a:r>
-          </a:p>
-          <a:p>
-            <a:r>
-              <a:rPr lang="en-US" sz="1200" kern="1200" dirty="0" smtClean="0">
-                <a:solidFill>
-                  <a:schemeClr val="tx1"/>
-                </a:solidFill>
-                <a:effectLst/>
-                <a:latin typeface="+mn-lt"/>
-                <a:ea typeface="+mn-ea"/>
-                <a:cs typeface="+mn-cs"/>
-              </a:rPr>
-              <a:t>As admin or manager, I want to see weekly report or customize the report details</a:t>
-            </a:r>
-          </a:p>
-          <a:p>
-            <a:r>
-              <a:rPr lang="en-US" sz="1200" kern="1200" dirty="0" smtClean="0">
-                <a:solidFill>
-                  <a:schemeClr val="tx1"/>
-                </a:solidFill>
-                <a:effectLst/>
-                <a:latin typeface="+mn-lt"/>
-                <a:ea typeface="+mn-ea"/>
-                <a:cs typeface="+mn-cs"/>
-              </a:rPr>
-              <a:t> </a:t>
-            </a:r>
-          </a:p>
-          <a:p>
-            <a:r>
-              <a:rPr lang="en-US" sz="1200" kern="1200" dirty="0" smtClean="0">
-                <a:solidFill>
-                  <a:schemeClr val="tx1"/>
-                </a:solidFill>
-                <a:effectLst/>
-                <a:latin typeface="+mn-lt"/>
-                <a:ea typeface="+mn-ea"/>
-                <a:cs typeface="+mn-cs"/>
-              </a:rPr>
-              <a:t>As an EC Coordinator, I want to receive email of notification when new claim is submitted</a:t>
-            </a:r>
-          </a:p>
-          <a:p>
-            <a:r>
-              <a:rPr lang="en-US" sz="1200" kern="1200" dirty="0" smtClean="0">
-                <a:solidFill>
-                  <a:schemeClr val="tx1"/>
-                </a:solidFill>
-                <a:effectLst/>
-                <a:latin typeface="+mn-lt"/>
-                <a:ea typeface="+mn-ea"/>
-                <a:cs typeface="+mn-cs"/>
-              </a:rPr>
-              <a:t>As an EC Coordinator, </a:t>
-            </a:r>
-            <a:r>
-              <a:rPr lang="en-US" sz="1200" kern="1200" dirty="0" smtClean="0">
-                <a:solidFill>
-                  <a:schemeClr val="tx1"/>
-                </a:solidFill>
-                <a:effectLst/>
-                <a:latin typeface="+mn-lt"/>
-                <a:ea typeface="+mn-ea"/>
-                <a:cs typeface="+mn-cs"/>
-              </a:rPr>
-              <a:t>I </a:t>
-            </a:r>
-            <a:r>
-              <a:rPr lang="en-US" sz="1200" kern="1200" dirty="0" smtClean="0">
-                <a:solidFill>
-                  <a:schemeClr val="tx1"/>
-                </a:solidFill>
-                <a:effectLst/>
-                <a:latin typeface="+mn-lt"/>
-                <a:ea typeface="+mn-ea"/>
-                <a:cs typeface="+mn-cs"/>
-              </a:rPr>
-              <a:t>want to process new claim</a:t>
-            </a:r>
-          </a:p>
-          <a:p>
-            <a:r>
-              <a:rPr lang="en-US" sz="1200" kern="1200" dirty="0" smtClean="0">
-                <a:solidFill>
-                  <a:schemeClr val="tx1"/>
-                </a:solidFill>
-                <a:effectLst/>
-                <a:latin typeface="+mn-lt"/>
-                <a:ea typeface="+mn-ea"/>
-                <a:cs typeface="+mn-cs"/>
-              </a:rPr>
-              <a:t>As an EC Coordinator, I want to see all the process of my Faculty</a:t>
-            </a:r>
-          </a:p>
-          <a:p>
-            <a:r>
-              <a:rPr lang="en-US" sz="1200" kern="1200" dirty="0" smtClean="0">
-                <a:solidFill>
-                  <a:schemeClr val="tx1"/>
-                </a:solidFill>
-                <a:effectLst/>
-                <a:latin typeface="+mn-lt"/>
-                <a:ea typeface="+mn-ea"/>
-                <a:cs typeface="+mn-cs"/>
-              </a:rPr>
-              <a:t> </a:t>
-            </a:r>
-          </a:p>
-          <a:p>
-            <a:r>
-              <a:rPr lang="en-US" sz="1200" kern="1200" dirty="0" smtClean="0">
-                <a:solidFill>
-                  <a:schemeClr val="tx1"/>
-                </a:solidFill>
-                <a:effectLst/>
-                <a:latin typeface="+mn-lt"/>
-                <a:ea typeface="+mn-ea"/>
-                <a:cs typeface="+mn-cs"/>
-              </a:rPr>
-              <a:t>As a Student, I want to submit more than 1 EC claims for my items of assessment. The claim must be </a:t>
-            </a:r>
-            <a:r>
-              <a:rPr lang="en-US" sz="1200" kern="1200" dirty="0" err="1" smtClean="0">
-                <a:solidFill>
-                  <a:schemeClr val="tx1"/>
-                </a:solidFill>
-                <a:effectLst/>
-                <a:latin typeface="+mn-lt"/>
-                <a:ea typeface="+mn-ea"/>
-                <a:cs typeface="+mn-cs"/>
-              </a:rPr>
-              <a:t>submited</a:t>
-            </a:r>
-            <a:r>
-              <a:rPr lang="en-US" sz="1200" kern="1200" dirty="0" smtClean="0">
-                <a:solidFill>
-                  <a:schemeClr val="tx1"/>
-                </a:solidFill>
-                <a:effectLst/>
-                <a:latin typeface="+mn-lt"/>
-                <a:ea typeface="+mn-ea"/>
-                <a:cs typeface="+mn-cs"/>
-              </a:rPr>
-              <a:t> before closure. date. And the claim must belong the faculties' student</a:t>
-            </a:r>
-          </a:p>
-          <a:p>
-            <a:r>
-              <a:rPr lang="en-US" sz="1200" kern="1200" dirty="0" smtClean="0">
-                <a:solidFill>
-                  <a:schemeClr val="tx1"/>
-                </a:solidFill>
-                <a:effectLst/>
-                <a:latin typeface="+mn-lt"/>
-                <a:ea typeface="+mn-ea"/>
-                <a:cs typeface="+mn-cs"/>
-              </a:rPr>
-              <a:t>As a Student, I want to submit evidences for my EC claims (</a:t>
-            </a:r>
-            <a:r>
-              <a:rPr lang="en-US" sz="1200" kern="1200" dirty="0" err="1" smtClean="0">
-                <a:solidFill>
-                  <a:schemeClr val="tx1"/>
-                </a:solidFill>
-                <a:effectLst/>
-                <a:latin typeface="+mn-lt"/>
-                <a:ea typeface="+mn-ea"/>
-                <a:cs typeface="+mn-cs"/>
-              </a:rPr>
-              <a:t>e.g</a:t>
-            </a:r>
-            <a:r>
-              <a:rPr lang="en-US" sz="1200" kern="1200" dirty="0" smtClean="0">
-                <a:solidFill>
-                  <a:schemeClr val="tx1"/>
-                </a:solidFill>
-                <a:effectLst/>
-                <a:latin typeface="+mn-lt"/>
-                <a:ea typeface="+mn-ea"/>
-                <a:cs typeface="+mn-cs"/>
-              </a:rPr>
-              <a:t>: Images, PDFs…) before final closure date</a:t>
-            </a:r>
-          </a:p>
-          <a:p>
-            <a:r>
-              <a:rPr lang="en-US" sz="1200" kern="1200" dirty="0" smtClean="0">
-                <a:solidFill>
-                  <a:schemeClr val="tx1"/>
-                </a:solidFill>
-                <a:effectLst/>
-                <a:latin typeface="+mn-lt"/>
-                <a:ea typeface="+mn-ea"/>
-                <a:cs typeface="+mn-cs"/>
-              </a:rPr>
-              <a:t>As a Student, I want to receive email which containing the decision of my EC claim</a:t>
-            </a:r>
-          </a:p>
-          <a:p>
-            <a:r>
-              <a:rPr lang="en-US" sz="1200" kern="1200" dirty="0" smtClean="0">
-                <a:solidFill>
-                  <a:schemeClr val="tx1"/>
-                </a:solidFill>
-                <a:effectLst/>
-                <a:latin typeface="+mn-lt"/>
-                <a:ea typeface="+mn-ea"/>
-                <a:cs typeface="+mn-cs"/>
-              </a:rPr>
-              <a:t>As a Student, I want to see all my claims which is submitted also the </a:t>
-            </a:r>
-            <a:r>
-              <a:rPr lang="en-US" sz="1200" kern="1200" dirty="0" smtClean="0">
-                <a:solidFill>
-                  <a:schemeClr val="tx1"/>
-                </a:solidFill>
-                <a:effectLst/>
-                <a:latin typeface="+mn-lt"/>
-                <a:ea typeface="+mn-ea"/>
-                <a:cs typeface="+mn-cs"/>
-              </a:rPr>
-              <a:t>decisions</a:t>
-            </a:r>
-          </a:p>
-          <a:p>
-            <a:pPr marL="0" marR="0" indent="0" algn="l" defTabSz="914400" rtl="0" eaLnBrk="1" fontAlgn="auto" latinLnBrk="0" hangingPunct="1">
-              <a:lnSpc>
-                <a:spcPct val="100000"/>
-              </a:lnSpc>
-              <a:spcBef>
-                <a:spcPts val="0"/>
-              </a:spcBef>
-              <a:spcAft>
-                <a:spcPts val="0"/>
-              </a:spcAft>
-              <a:buClrTx/>
-              <a:buSzTx/>
-              <a:buFontTx/>
-              <a:buNone/>
-              <a:tabLst/>
-              <a:defRPr/>
-            </a:pPr>
-            <a:r>
-              <a:rPr lang="en-US" sz="1200" kern="1200" dirty="0" smtClean="0">
-                <a:solidFill>
-                  <a:schemeClr val="tx1"/>
-                </a:solidFill>
-                <a:effectLst/>
-                <a:latin typeface="+mn-lt"/>
-                <a:ea typeface="+mn-ea"/>
-                <a:cs typeface="+mn-cs"/>
-              </a:rPr>
-              <a:t>As a student, I want to searching and sorting claim</a:t>
-            </a:r>
-          </a:p>
-          <a:p>
             <a:endParaRPr lang="en-US" sz="1200" kern="1200" dirty="0">
               <a:solidFill>
                 <a:schemeClr val="tx1"/>
@@ -1420,7 +968,7 @@
           <a:p>
             <a:fld id="{4BDF68E2-58F2-4D09-BE8B-E3BD06533059}" type="datetimeFigureOut">
               <a:rPr lang="en-US" dirty="0"/>
-              <a:t>4/27/17</a:t>
+              <a:t>4/29/17</a:t>
             </a:fld>
             <a:endParaRPr lang="en-US" dirty="0"/>
           </a:p>
@@ -1623,7 +1171,7 @@
           <a:p>
             <a:fld id="{2E2D6473-DF6D-4702-B328-E0DD40540A4E}" type="datetimeFigureOut">
               <a:rPr lang="en-US" dirty="0"/>
-              <a:t>4/27/17</a:t>
+              <a:t>4/29/17</a:t>
             </a:fld>
             <a:endParaRPr lang="en-US" dirty="0"/>
           </a:p>
@@ -1874,7 +1422,7 @@
           <a:p>
             <a:fld id="{E26F7E3A-B166-407D-9866-32884E7D5B37}" type="datetimeFigureOut">
               <a:rPr lang="en-US" dirty="0"/>
-              <a:t>4/27/17</a:t>
+              <a:t>4/29/17</a:t>
             </a:fld>
             <a:endParaRPr lang="en-US" dirty="0"/>
           </a:p>
@@ -2043,7 +1591,7 @@
           <a:p>
             <a:fld id="{528FC5F6-F338-4AE4-BB23-26385BCFC423}" type="datetimeFigureOut">
               <a:rPr lang="en-US" dirty="0"/>
-              <a:t>4/27/17</a:t>
+              <a:t>4/29/17</a:t>
             </a:fld>
             <a:endParaRPr lang="en-US" dirty="0"/>
           </a:p>
@@ -2381,7 +1929,7 @@
           <a:p>
             <a:fld id="{20EBB0C4-6273-4C6E-B9BD-2EDC30F1CD52}" type="datetimeFigureOut">
               <a:rPr lang="en-US" dirty="0"/>
-              <a:t>4/27/17</a:t>
+              <a:t>4/29/17</a:t>
             </a:fld>
             <a:endParaRPr lang="en-US" dirty="0"/>
           </a:p>
@@ -2651,7 +2199,7 @@
           <a:p>
             <a:fld id="{19AB4D41-86C1-4908-B66A-0B50CEB3BF29}" type="datetimeFigureOut">
               <a:rPr lang="en-US" dirty="0"/>
-              <a:t>4/27/17</a:t>
+              <a:t>4/29/17</a:t>
             </a:fld>
             <a:endParaRPr lang="en-US" dirty="0"/>
           </a:p>
@@ -3025,7 +2573,7 @@
           <a:p>
             <a:fld id="{E6426E2C-56C1-4E0D-A793-0088A7FDD37E}" type="datetimeFigureOut">
               <a:rPr lang="en-US" dirty="0"/>
-              <a:t>4/27/17</a:t>
+              <a:t>4/29/17</a:t>
             </a:fld>
             <a:endParaRPr lang="en-US" dirty="0"/>
           </a:p>
@@ -3138,7 +2686,7 @@
           <a:p>
             <a:fld id="{C8C39B41-D8B5-4052-B551-9B5525EAA8B6}" type="datetimeFigureOut">
               <a:rPr lang="en-US" dirty="0"/>
-              <a:t>4/27/17</a:t>
+              <a:t>4/29/17</a:t>
             </a:fld>
             <a:endParaRPr lang="en-US" dirty="0"/>
           </a:p>
@@ -3304,7 +2852,7 @@
           <a:p>
             <a:fld id="{4D94136C-8742-45B2-AF27-D93DF72833A9}" type="datetimeFigureOut">
               <a:rPr lang="en-US" dirty="0"/>
-              <a:t>4/27/17</a:t>
+              <a:t>4/29/17</a:t>
             </a:fld>
             <a:endParaRPr lang="en-US" dirty="0"/>
           </a:p>
@@ -3654,7 +3202,7 @@
           <a:p>
             <a:fld id="{32ABBEA6-7C60-4B02-AE87-00D78D8422AF}" type="datetimeFigureOut">
               <a:rPr lang="en-US" dirty="0"/>
-              <a:t>4/27/17</a:t>
+              <a:t>4/29/17</a:t>
             </a:fld>
             <a:endParaRPr lang="en-US" dirty="0"/>
           </a:p>
@@ -4032,7 +3580,7 @@
           <a:p>
             <a:fld id="{C9CAD897-D46E-4AD2-BD9B-49DD3E640873}" type="datetimeFigureOut">
               <a:rPr lang="en-US" dirty="0"/>
-              <a:t>4/27/17</a:t>
+              <a:t>4/29/17</a:t>
             </a:fld>
             <a:endParaRPr lang="en-US" dirty="0"/>
           </a:p>
@@ -4314,7 +3862,7 @@
           <a:p>
             <a:fld id="{98624D31-43A5-475A-80CF-332C9F6DCF35}" type="datetimeFigureOut">
               <a:rPr lang="en-US" dirty="0"/>
-              <a:t>4/27/17</a:t>
+              <a:t>4/29/17</a:t>
             </a:fld>
             <a:endParaRPr lang="en-US" dirty="0"/>
           </a:p>
@@ -4935,7 +4483,7 @@
             <a:pPr algn="ctr"/>
             <a:r>
               <a:rPr lang="en-US" b="1" dirty="0" smtClean="0"/>
-              <a:t>DEMO</a:t>
+              <a:t>Demo Plan</a:t>
             </a:r>
             <a:endParaRPr lang="en-US" b="1" dirty="0"/>
           </a:p>
@@ -4956,46 +4504,60 @@
           <a:bodyPr/>
           <a:lstStyle/>
           <a:p>
-            <a:r>
-              <a:rPr lang="en-US" dirty="0" smtClean="0"/>
-              <a:t>- </a:t>
-            </a:r>
-            <a:r>
-              <a:rPr lang="en-US" dirty="0" smtClean="0"/>
-              <a:t>each function</a:t>
-            </a:r>
-            <a:endParaRPr lang="en-US" dirty="0" smtClean="0"/>
-          </a:p>
-          <a:p>
-            <a:pPr lvl="1"/>
-            <a:r>
-              <a:rPr lang="en-US" dirty="0" smtClean="0"/>
-              <a:t>description</a:t>
-            </a:r>
-            <a:endParaRPr lang="en-US" dirty="0" smtClean="0"/>
-          </a:p>
-          <a:p>
-            <a:pPr lvl="1"/>
-            <a:r>
-              <a:rPr lang="en-US" dirty="0" smtClean="0"/>
-              <a:t>screenshots</a:t>
-            </a:r>
-            <a:endParaRPr lang="en-US" dirty="0" smtClean="0"/>
-          </a:p>
-          <a:p>
-            <a:pPr lvl="1"/>
-            <a:r>
-              <a:rPr lang="en-US" dirty="0" smtClean="0"/>
-              <a:t>code</a:t>
-            </a:r>
-            <a:endParaRPr lang="en-US" dirty="0" smtClean="0"/>
-          </a:p>
-          <a:p>
-            <a:pPr lvl="1"/>
-            <a:endParaRPr lang="en-US" dirty="0" smtClean="0"/>
-          </a:p>
-          <a:p>
-            <a:pPr lvl="1"/>
+            <a:pPr>
+              <a:buFont typeface="Wingdings" charset="2"/>
+              <a:buChar char="Ø"/>
+            </a:pPr>
+            <a:r>
+              <a:rPr lang="en-US" sz="2800" dirty="0" smtClean="0"/>
+              <a:t>Demo all system features</a:t>
+            </a:r>
+          </a:p>
+          <a:p>
+            <a:pPr>
+              <a:buFont typeface="Wingdings" charset="2"/>
+              <a:buChar char="Ø"/>
+            </a:pPr>
+            <a:r>
+              <a:rPr lang="en-US" sz="2800" dirty="0" smtClean="0"/>
+              <a:t>Demo data validation</a:t>
+            </a:r>
+          </a:p>
+          <a:p>
+            <a:pPr>
+              <a:buFont typeface="Wingdings" charset="2"/>
+              <a:buChar char="Ø"/>
+            </a:pPr>
+            <a:r>
+              <a:rPr lang="en-US" sz="2800" dirty="0" smtClean="0"/>
+              <a:t>Demo date-time relations</a:t>
+            </a:r>
+          </a:p>
+          <a:p>
+            <a:pPr>
+              <a:buFont typeface="Wingdings" charset="2"/>
+              <a:buChar char="Ø"/>
+            </a:pPr>
+            <a:r>
+              <a:rPr lang="en-US" sz="2800" dirty="0" smtClean="0"/>
+              <a:t>Demo authorization (different roles or authorities)</a:t>
+            </a:r>
+          </a:p>
+          <a:p>
+            <a:pPr>
+              <a:buFont typeface="Wingdings" charset="2"/>
+              <a:buChar char="Ø"/>
+            </a:pPr>
+            <a:r>
+              <a:rPr lang="en-US" sz="2800" dirty="0" smtClean="0"/>
+              <a:t>Demo all system reports</a:t>
+            </a:r>
+          </a:p>
+          <a:p>
+            <a:pPr>
+              <a:buFont typeface="Wingdings" charset="2"/>
+              <a:buChar char="Ø"/>
+            </a:pPr>
             <a:endParaRPr lang="en-US" dirty="0" smtClean="0"/>
           </a:p>
         </p:txBody>
@@ -5045,6 +4607,14 @@
           <a:bodyPr/>
           <a:lstStyle/>
           <a:p>
+            <a:r>
+              <a:rPr lang="en-US" dirty="0" smtClean="0"/>
+              <a:t>Demo 1: a</a:t>
+            </a:r>
+            <a:r>
+              <a:rPr lang="en-US" dirty="0" smtClean="0"/>
+              <a:t>ll system features</a:t>
+            </a:r>
             <a:endParaRPr lang="en-US" dirty="0"/>
           </a:p>
         </p:txBody>
@@ -5066,6 +4636,77 @@
           </a:bodyPr>
           <a:lstStyle/>
           <a:p>
+            <a:pPr>
+              <a:buFont typeface="Wingdings" charset="2"/>
+              <a:buChar char="Ø"/>
+            </a:pPr>
+            <a:r>
+              <a:rPr lang="en-US" sz="2800" dirty="0" smtClean="0"/>
+              <a:t>Authentication (login, logout)</a:t>
+            </a:r>
+          </a:p>
+          <a:p>
+            <a:pPr>
+              <a:buFont typeface="Wingdings" charset="2"/>
+              <a:buChar char="Ø"/>
+            </a:pPr>
+            <a:r>
+              <a:rPr lang="en-US" sz="2800" dirty="0" smtClean="0"/>
+              <a:t>Student submits claims</a:t>
+            </a:r>
+          </a:p>
+          <a:p>
+            <a:pPr>
+              <a:buFont typeface="Wingdings" charset="2"/>
+              <a:buChar char="Ø"/>
+            </a:pPr>
+            <a:r>
+              <a:rPr lang="en-US" sz="2800" dirty="0" smtClean="0"/>
+              <a:t>Student submits evidences</a:t>
+            </a:r>
+          </a:p>
+          <a:p>
+            <a:pPr>
+              <a:buFont typeface="Wingdings" charset="2"/>
+              <a:buChar char="Ø"/>
+            </a:pPr>
+            <a:r>
+              <a:rPr lang="en-US" sz="2800" dirty="0" smtClean="0"/>
+              <a:t>Student receive email which contains the decision of claim</a:t>
+            </a:r>
+          </a:p>
+          <a:p>
+            <a:pPr>
+              <a:buFont typeface="Wingdings" charset="2"/>
+              <a:buChar char="Ø"/>
+            </a:pPr>
+            <a:r>
+              <a:rPr lang="en-US" sz="2800" dirty="0" smtClean="0"/>
+              <a:t>Student views all submitted claims</a:t>
+            </a:r>
+          </a:p>
+          <a:p>
+            <a:pPr>
+              <a:buFont typeface="Wingdings" charset="2"/>
+              <a:buChar char="Ø"/>
+            </a:pPr>
+            <a:r>
+              <a:rPr lang="en-US" sz="2800" dirty="0" smtClean="0"/>
+              <a:t>Student searches and sorts claims</a:t>
+            </a:r>
+          </a:p>
+          <a:p>
+            <a:pPr>
+              <a:buFont typeface="Wingdings" charset="2"/>
+              <a:buChar char="Ø"/>
+            </a:pPr>
+            <a:endParaRPr lang="en-US" dirty="0" smtClean="0"/>
+          </a:p>
+          <a:p>
+            <a:pPr>
+              <a:buFont typeface="Wingdings" charset="2"/>
+              <a:buChar char="Ø"/>
+            </a:pPr>
             <a:endParaRPr lang="en-US" dirty="0"/>
           </a:p>
         </p:txBody>
@@ -5080,6 +4721,1141 @@
   <p:clrMapOvr>
     <a:masterClrMapping/>
   </p:clrMapOvr>
+</p:sld>
+</file>
+
+<file path=ppt/slides/slide12.xml><?xml version="1.0" encoding="utf-8"?>
+<p:sld xmlns:a="http://schemas.openxmlformats.org/drawingml/2006/main" xmlns:r="http://schemas.openxmlformats.org/officeDocument/2006/relationships" xmlns:p="http://schemas.openxmlformats.org/presentationml/2006/main">
+  <p:cSld>
+    <p:spTree>
+      <p:nvGrpSpPr>
+        <p:cNvPr id="1" name=""/>
+        <p:cNvGrpSpPr/>
+        <p:nvPr/>
+      </p:nvGrpSpPr>
+      <p:grpSpPr>
+        <a:xfrm>
+          <a:off x="0" y="0"/>
+          <a:ext cx="0" cy="0"/>
+          <a:chOff x="0" y="0"/>
+          <a:chExt cx="0" cy="0"/>
+        </a:xfrm>
+      </p:grpSpPr>
+      <p:sp>
+        <p:nvSpPr>
+          <p:cNvPr id="2" name="Title 1"/>
+          <p:cNvSpPr>
+            <a:spLocks noGrp="1"/>
+          </p:cNvSpPr>
+          <p:nvPr>
+            <p:ph type="title"/>
+          </p:nvPr>
+        </p:nvSpPr>
+        <p:spPr/>
+        <p:txBody>
+          <a:bodyPr/>
+          <a:lstStyle/>
+          <a:p>
+            <a:r>
+              <a:rPr lang="en-US" dirty="0" smtClean="0"/>
+              <a:t>Demo 1: </a:t>
+            </a:r>
+            <a:r>
+              <a:rPr lang="en-US" dirty="0"/>
+              <a:t>all system </a:t>
+            </a:r>
+            <a:r>
+              <a:rPr lang="en-US" dirty="0" smtClean="0"/>
+              <a:t>features (cont.)</a:t>
+            </a:r>
+            <a:endParaRPr lang="en-US" dirty="0"/>
+          </a:p>
+        </p:txBody>
+      </p:sp>
+      <p:sp>
+        <p:nvSpPr>
+          <p:cNvPr id="3" name="Content Placeholder 2"/>
+          <p:cNvSpPr>
+            <a:spLocks noGrp="1"/>
+          </p:cNvSpPr>
+          <p:nvPr>
+            <p:ph idx="1"/>
+          </p:nvPr>
+        </p:nvSpPr>
+        <p:spPr/>
+        <p:txBody>
+          <a:bodyPr>
+            <a:normAutofit fontScale="92500"/>
+          </a:bodyPr>
+          <a:lstStyle/>
+          <a:p>
+            <a:pPr>
+              <a:buFont typeface="Wingdings" charset="2"/>
+              <a:buChar char="Ø"/>
+            </a:pPr>
+            <a:r>
+              <a:rPr lang="en-US" sz="2800" dirty="0" smtClean="0">
+                <a:solidFill>
+                  <a:schemeClr val="tx1"/>
+                </a:solidFill>
+              </a:rPr>
+              <a:t>Coordinator receives </a:t>
+            </a:r>
+            <a:r>
+              <a:rPr lang="en-US" sz="2800" dirty="0">
+                <a:solidFill>
+                  <a:schemeClr val="tx1"/>
+                </a:solidFill>
+              </a:rPr>
+              <a:t>email of notification when new claim is submitted</a:t>
+            </a:r>
+          </a:p>
+          <a:p>
+            <a:pPr>
+              <a:buFont typeface="Wingdings" charset="2"/>
+              <a:buChar char="Ø"/>
+            </a:pPr>
+            <a:r>
+              <a:rPr lang="en-US" sz="2800" dirty="0" smtClean="0">
+                <a:solidFill>
+                  <a:schemeClr val="tx1"/>
+                </a:solidFill>
+              </a:rPr>
+              <a:t>Coordinator processes </a:t>
+            </a:r>
+            <a:r>
+              <a:rPr lang="en-US" sz="2800" dirty="0">
+                <a:solidFill>
+                  <a:schemeClr val="tx1"/>
+                </a:solidFill>
+              </a:rPr>
+              <a:t>new claim</a:t>
+            </a:r>
+          </a:p>
+          <a:p>
+            <a:pPr>
+              <a:buFont typeface="Wingdings" charset="2"/>
+              <a:buChar char="Ø"/>
+            </a:pPr>
+            <a:r>
+              <a:rPr lang="en-US" sz="2800" dirty="0" smtClean="0">
+                <a:solidFill>
+                  <a:schemeClr val="tx1"/>
+                </a:solidFill>
+              </a:rPr>
+              <a:t>Coordinator views all </a:t>
+            </a:r>
+            <a:r>
+              <a:rPr lang="en-US" sz="2800" dirty="0">
+                <a:solidFill>
+                  <a:schemeClr val="tx1"/>
+                </a:solidFill>
+              </a:rPr>
+              <a:t>the process of my </a:t>
+            </a:r>
+            <a:r>
+              <a:rPr lang="en-US" sz="2800" dirty="0" smtClean="0">
+                <a:solidFill>
+                  <a:schemeClr val="tx1"/>
+                </a:solidFill>
+              </a:rPr>
+              <a:t>Faculty</a:t>
+            </a:r>
+          </a:p>
+          <a:p>
+            <a:pPr>
+              <a:buFont typeface="Wingdings" charset="2"/>
+              <a:buChar char="Ø"/>
+            </a:pPr>
+            <a:endParaRPr lang="en-US" sz="2800" dirty="0" smtClean="0">
+              <a:solidFill>
+                <a:schemeClr val="tx1"/>
+              </a:solidFill>
+            </a:endParaRPr>
+          </a:p>
+          <a:p>
+            <a:pPr>
+              <a:buFont typeface="Wingdings" charset="2"/>
+              <a:buChar char="Ø"/>
+            </a:pPr>
+            <a:r>
+              <a:rPr lang="en-US" sz="2800" dirty="0">
+                <a:solidFill>
+                  <a:schemeClr val="tx1"/>
+                </a:solidFill>
+              </a:rPr>
+              <a:t>Manager views all </a:t>
+            </a:r>
+            <a:r>
+              <a:rPr lang="en-US" sz="2800" dirty="0" smtClean="0">
+                <a:solidFill>
+                  <a:schemeClr val="tx1"/>
+                </a:solidFill>
+              </a:rPr>
+              <a:t>claims</a:t>
+            </a:r>
+          </a:p>
+          <a:p>
+            <a:pPr>
+              <a:buFont typeface="Wingdings" charset="2"/>
+              <a:buChar char="Ø"/>
+            </a:pPr>
+            <a:r>
+              <a:rPr lang="en-US" sz="2800" dirty="0">
+                <a:solidFill>
+                  <a:schemeClr val="tx1"/>
+                </a:solidFill>
+              </a:rPr>
+              <a:t>Manager view claim reports (statistics</a:t>
+            </a:r>
+            <a:r>
+              <a:rPr lang="en-US" sz="2800" dirty="0" smtClean="0">
+                <a:solidFill>
+                  <a:schemeClr val="tx1"/>
+                </a:solidFill>
+              </a:rPr>
+              <a:t>)</a:t>
+            </a:r>
+          </a:p>
+          <a:p>
+            <a:pPr marL="91440" lvl="1" indent="-91440">
+              <a:spcBef>
+                <a:spcPts val="1200"/>
+              </a:spcBef>
+              <a:spcAft>
+                <a:spcPts val="200"/>
+              </a:spcAft>
+              <a:buSzPct val="100000"/>
+              <a:buFont typeface="Wingdings" charset="2"/>
+              <a:buChar char="Ø"/>
+            </a:pPr>
+            <a:r>
+              <a:rPr lang="en-US" sz="2800" dirty="0" smtClean="0">
+                <a:solidFill>
+                  <a:schemeClr val="tx1"/>
+                </a:solidFill>
+              </a:rPr>
+              <a:t>Admin </a:t>
+            </a:r>
+            <a:r>
+              <a:rPr lang="en-US" sz="2800" dirty="0">
+                <a:solidFill>
+                  <a:schemeClr val="tx1"/>
+                </a:solidFill>
+              </a:rPr>
+              <a:t>or </a:t>
+            </a:r>
+            <a:r>
+              <a:rPr lang="en-US" sz="2800" dirty="0" smtClean="0">
+                <a:solidFill>
+                  <a:schemeClr val="tx1"/>
+                </a:solidFill>
+              </a:rPr>
+              <a:t>manager views weekly </a:t>
+            </a:r>
+            <a:r>
+              <a:rPr lang="en-US" sz="2800" dirty="0">
+                <a:solidFill>
+                  <a:schemeClr val="tx1"/>
+                </a:solidFill>
+              </a:rPr>
+              <a:t>report or customize the report details</a:t>
+            </a:r>
+          </a:p>
+          <a:p>
+            <a:endParaRPr lang="en-US" dirty="0"/>
+          </a:p>
+        </p:txBody>
+      </p:sp>
+    </p:spTree>
+    <p:extLst>
+      <p:ext uri="{BB962C8B-B14F-4D97-AF65-F5344CB8AC3E}">
+        <p14:creationId xmlns:p14="http://schemas.microsoft.com/office/powerpoint/2010/main" val="562138506"/>
+      </p:ext>
+    </p:extLst>
+  </p:cSld>
+  <p:clrMapOvr>
+    <a:masterClrMapping/>
+  </p:clrMapOvr>
+</p:sld>
+</file>
+
+<file path=ppt/slides/slide13.xml><?xml version="1.0" encoding="utf-8"?>
+<p:sld xmlns:a="http://schemas.openxmlformats.org/drawingml/2006/main" xmlns:r="http://schemas.openxmlformats.org/officeDocument/2006/relationships" xmlns:p="http://schemas.openxmlformats.org/presentationml/2006/main">
+  <p:cSld>
+    <p:spTree>
+      <p:nvGrpSpPr>
+        <p:cNvPr id="1" name=""/>
+        <p:cNvGrpSpPr/>
+        <p:nvPr/>
+      </p:nvGrpSpPr>
+      <p:grpSpPr>
+        <a:xfrm>
+          <a:off x="0" y="0"/>
+          <a:ext cx="0" cy="0"/>
+          <a:chOff x="0" y="0"/>
+          <a:chExt cx="0" cy="0"/>
+        </a:xfrm>
+      </p:grpSpPr>
+      <p:sp>
+        <p:nvSpPr>
+          <p:cNvPr id="2" name="Title 1"/>
+          <p:cNvSpPr>
+            <a:spLocks noGrp="1"/>
+          </p:cNvSpPr>
+          <p:nvPr>
+            <p:ph type="title"/>
+          </p:nvPr>
+        </p:nvSpPr>
+        <p:spPr/>
+        <p:txBody>
+          <a:bodyPr/>
+          <a:lstStyle/>
+          <a:p>
+            <a:r>
+              <a:rPr lang="en-US" dirty="0" smtClean="0"/>
+              <a:t>Demo 1: </a:t>
+            </a:r>
+            <a:r>
+              <a:rPr lang="en-US" dirty="0"/>
+              <a:t>all system features (cont.)</a:t>
+            </a:r>
+          </a:p>
+        </p:txBody>
+      </p:sp>
+      <p:sp>
+        <p:nvSpPr>
+          <p:cNvPr id="3" name="Content Placeholder 2"/>
+          <p:cNvSpPr>
+            <a:spLocks noGrp="1"/>
+          </p:cNvSpPr>
+          <p:nvPr>
+            <p:ph idx="1"/>
+          </p:nvPr>
+        </p:nvSpPr>
+        <p:spPr/>
+        <p:txBody>
+          <a:bodyPr>
+            <a:normAutofit lnSpcReduction="10000"/>
+          </a:bodyPr>
+          <a:lstStyle/>
+          <a:p>
+            <a:pPr marL="0" indent="-292608">
+              <a:buFont typeface="Wingdings" charset="2"/>
+              <a:buChar char="Ø"/>
+            </a:pPr>
+            <a:r>
+              <a:rPr lang="en-US" sz="2600" dirty="0" smtClean="0">
+                <a:solidFill>
+                  <a:schemeClr val="tx1"/>
+                </a:solidFill>
+              </a:rPr>
+              <a:t>Admin </a:t>
+            </a:r>
+            <a:r>
+              <a:rPr lang="en-US" sz="2600" dirty="0">
+                <a:solidFill>
+                  <a:schemeClr val="tx1"/>
+                </a:solidFill>
+              </a:rPr>
+              <a:t>manages account of Users</a:t>
+            </a:r>
+          </a:p>
+          <a:p>
+            <a:pPr>
+              <a:buFont typeface="Wingdings" charset="2"/>
+              <a:buChar char="Ø"/>
+            </a:pPr>
+            <a:r>
+              <a:rPr lang="en-US" sz="2600" dirty="0">
+                <a:solidFill>
+                  <a:schemeClr val="tx1"/>
+                </a:solidFill>
+              </a:rPr>
+              <a:t>Admin manages system data</a:t>
+            </a:r>
+          </a:p>
+          <a:p>
+            <a:pPr>
+              <a:buFont typeface="Wingdings" charset="2"/>
+              <a:buChar char="Ø"/>
+            </a:pPr>
+            <a:r>
+              <a:rPr lang="en-US" sz="2600" dirty="0">
+                <a:solidFill>
+                  <a:schemeClr val="tx1"/>
+                </a:solidFill>
+              </a:rPr>
+              <a:t>Admin adds more situation options (sick, injury, etc.) as circumstances</a:t>
+            </a:r>
+          </a:p>
+          <a:p>
+            <a:pPr>
+              <a:buFont typeface="Wingdings" charset="2"/>
+              <a:buChar char="Ø"/>
+            </a:pPr>
+            <a:r>
+              <a:rPr lang="en-US" sz="2600" dirty="0">
+                <a:solidFill>
+                  <a:schemeClr val="tx1"/>
+                </a:solidFill>
+              </a:rPr>
+              <a:t>Admin views all claims in the system for each years</a:t>
+            </a:r>
+          </a:p>
+          <a:p>
+            <a:pPr>
+              <a:buFont typeface="Wingdings" charset="2"/>
+              <a:buChar char="Ø"/>
+            </a:pPr>
+            <a:r>
+              <a:rPr lang="en-US" sz="2600" dirty="0">
+                <a:solidFill>
+                  <a:schemeClr val="tx1"/>
+                </a:solidFill>
+              </a:rPr>
+              <a:t>Admin views items of assessment</a:t>
+            </a:r>
+          </a:p>
+          <a:p>
+            <a:pPr>
+              <a:buFont typeface="Wingdings" charset="2"/>
+              <a:buChar char="Ø"/>
+            </a:pPr>
+            <a:r>
+              <a:rPr lang="en-US" sz="2600" dirty="0">
+                <a:solidFill>
+                  <a:schemeClr val="tx1"/>
+                </a:solidFill>
+              </a:rPr>
+              <a:t>Admin sets up closure date of </a:t>
+            </a:r>
+            <a:r>
+              <a:rPr lang="en-US" sz="2600" dirty="0" smtClean="0">
+                <a:solidFill>
+                  <a:schemeClr val="tx1"/>
+                </a:solidFill>
+              </a:rPr>
+              <a:t>claims</a:t>
+            </a:r>
+            <a:endParaRPr lang="en-US" sz="2600" dirty="0">
+              <a:solidFill>
+                <a:schemeClr val="tx1"/>
+              </a:solidFill>
+            </a:endParaRPr>
+          </a:p>
+          <a:p>
+            <a:pPr>
+              <a:buFont typeface="Wingdings" charset="2"/>
+              <a:buChar char="Ø"/>
+            </a:pPr>
+            <a:r>
+              <a:rPr lang="en-US" sz="2600" dirty="0">
+                <a:solidFill>
+                  <a:schemeClr val="tx1"/>
+                </a:solidFill>
+              </a:rPr>
+              <a:t>Admin sets up closure date of </a:t>
+            </a:r>
+            <a:r>
+              <a:rPr lang="en-US" sz="2600" dirty="0" smtClean="0">
+                <a:solidFill>
+                  <a:schemeClr val="tx1"/>
+                </a:solidFill>
+              </a:rPr>
+              <a:t>items</a:t>
+            </a:r>
+          </a:p>
+          <a:p>
+            <a:pPr>
+              <a:buFont typeface="Wingdings" charset="2"/>
+              <a:buChar char="Ø"/>
+            </a:pPr>
+            <a:r>
+              <a:rPr lang="en-US" sz="2600" dirty="0" smtClean="0">
+                <a:solidFill>
+                  <a:schemeClr val="tx1"/>
+                </a:solidFill>
+              </a:rPr>
+              <a:t>User accesses website online</a:t>
+            </a:r>
+            <a:endParaRPr lang="en-US" sz="2600" dirty="0">
+              <a:solidFill>
+                <a:schemeClr val="tx1"/>
+              </a:solidFill>
+            </a:endParaRPr>
+          </a:p>
+          <a:p>
+            <a:pPr>
+              <a:buFont typeface="Wingdings" charset="2"/>
+              <a:buChar char="Ø"/>
+            </a:pPr>
+            <a:endParaRPr lang="en-US" dirty="0" smtClean="0"/>
+          </a:p>
+          <a:p>
+            <a:pPr>
+              <a:buFont typeface="Wingdings" charset="2"/>
+              <a:buChar char="Ø"/>
+            </a:pPr>
+            <a:endParaRPr lang="en-US" dirty="0"/>
+          </a:p>
+        </p:txBody>
+      </p:sp>
+    </p:spTree>
+    <p:extLst>
+      <p:ext uri="{BB962C8B-B14F-4D97-AF65-F5344CB8AC3E}">
+        <p14:creationId xmlns:p14="http://schemas.microsoft.com/office/powerpoint/2010/main" val="1963626366"/>
+      </p:ext>
+    </p:extLst>
+  </p:cSld>
+  <p:clrMapOvr>
+    <a:masterClrMapping/>
+  </p:clrMapOvr>
+</p:sld>
+</file>
+
+<file path=ppt/slides/slide14.xml><?xml version="1.0" encoding="utf-8"?>
+<p:sld xmlns:a="http://schemas.openxmlformats.org/drawingml/2006/main" xmlns:r="http://schemas.openxmlformats.org/officeDocument/2006/relationships" xmlns:p="http://schemas.openxmlformats.org/presentationml/2006/main">
+  <p:cSld>
+    <p:spTree>
+      <p:nvGrpSpPr>
+        <p:cNvPr id="1" name=""/>
+        <p:cNvGrpSpPr/>
+        <p:nvPr/>
+      </p:nvGrpSpPr>
+      <p:grpSpPr>
+        <a:xfrm>
+          <a:off x="0" y="0"/>
+          <a:ext cx="0" cy="0"/>
+          <a:chOff x="0" y="0"/>
+          <a:chExt cx="0" cy="0"/>
+        </a:xfrm>
+      </p:grpSpPr>
+      <p:sp>
+        <p:nvSpPr>
+          <p:cNvPr id="2" name="Title 1"/>
+          <p:cNvSpPr>
+            <a:spLocks noGrp="1"/>
+          </p:cNvSpPr>
+          <p:nvPr>
+            <p:ph type="title"/>
+          </p:nvPr>
+        </p:nvSpPr>
+        <p:spPr/>
+        <p:txBody>
+          <a:bodyPr/>
+          <a:lstStyle/>
+          <a:p>
+            <a:r>
+              <a:rPr lang="en-US" dirty="0" smtClean="0"/>
+              <a:t>Demo 2: data validation (form)</a:t>
+            </a:r>
+            <a:endParaRPr lang="en-US" dirty="0"/>
+          </a:p>
+        </p:txBody>
+      </p:sp>
+      <p:sp>
+        <p:nvSpPr>
+          <p:cNvPr id="3" name="Content Placeholder 2"/>
+          <p:cNvSpPr>
+            <a:spLocks noGrp="1"/>
+          </p:cNvSpPr>
+          <p:nvPr>
+            <p:ph idx="1"/>
+          </p:nvPr>
+        </p:nvSpPr>
+        <p:spPr/>
+        <p:txBody>
+          <a:bodyPr/>
+          <a:lstStyle/>
+          <a:p>
+            <a:pPr>
+              <a:buFont typeface="Wingdings" charset="2"/>
+              <a:buChar char="Ø"/>
+            </a:pPr>
+            <a:r>
+              <a:rPr lang="en-US" sz="3000" dirty="0"/>
+              <a:t>Text </a:t>
+            </a:r>
+            <a:r>
+              <a:rPr lang="en-US" sz="3000" dirty="0" smtClean="0"/>
+              <a:t>validation (title, content, name, username, code</a:t>
+            </a:r>
+            <a:r>
+              <a:rPr lang="mr-IN" sz="3000" dirty="0" smtClean="0"/>
+              <a:t>…</a:t>
+            </a:r>
+            <a:r>
+              <a:rPr lang="en-US" sz="3000" dirty="0" smtClean="0"/>
+              <a:t>)</a:t>
+            </a:r>
+            <a:endParaRPr lang="en-US" sz="3000" dirty="0"/>
+          </a:p>
+          <a:p>
+            <a:pPr>
+              <a:buFont typeface="Wingdings" charset="2"/>
+              <a:buChar char="Ø"/>
+            </a:pPr>
+            <a:r>
+              <a:rPr lang="en-US" sz="3000" dirty="0"/>
+              <a:t>Date </a:t>
+            </a:r>
+            <a:r>
+              <a:rPr lang="en-US" sz="3000" dirty="0" smtClean="0"/>
+              <a:t>validation (closure date)</a:t>
+            </a:r>
+          </a:p>
+          <a:p>
+            <a:pPr>
+              <a:buFont typeface="Wingdings" charset="2"/>
+              <a:buChar char="Ø"/>
+            </a:pPr>
+            <a:r>
+              <a:rPr lang="en-US" sz="3000" dirty="0" smtClean="0"/>
+              <a:t>File validation (upload file)</a:t>
+            </a:r>
+            <a:endParaRPr lang="en-US" sz="3000" dirty="0"/>
+          </a:p>
+        </p:txBody>
+      </p:sp>
+    </p:spTree>
+    <p:extLst>
+      <p:ext uri="{BB962C8B-B14F-4D97-AF65-F5344CB8AC3E}">
+        <p14:creationId xmlns:p14="http://schemas.microsoft.com/office/powerpoint/2010/main" val="756852199"/>
+      </p:ext>
+    </p:extLst>
+  </p:cSld>
+  <p:clrMapOvr>
+    <a:masterClrMapping/>
+  </p:clrMapOvr>
+</p:sld>
+</file>
+
+<file path=ppt/slides/slide15.xml><?xml version="1.0" encoding="utf-8"?>
+<p:sld xmlns:a="http://schemas.openxmlformats.org/drawingml/2006/main" xmlns:r="http://schemas.openxmlformats.org/officeDocument/2006/relationships" xmlns:p="http://schemas.openxmlformats.org/presentationml/2006/main">
+  <p:cSld>
+    <p:spTree>
+      <p:nvGrpSpPr>
+        <p:cNvPr id="1" name=""/>
+        <p:cNvGrpSpPr/>
+        <p:nvPr/>
+      </p:nvGrpSpPr>
+      <p:grpSpPr>
+        <a:xfrm>
+          <a:off x="0" y="0"/>
+          <a:ext cx="0" cy="0"/>
+          <a:chOff x="0" y="0"/>
+          <a:chExt cx="0" cy="0"/>
+        </a:xfrm>
+      </p:grpSpPr>
+      <p:sp>
+        <p:nvSpPr>
+          <p:cNvPr id="2" name="Title 1"/>
+          <p:cNvSpPr>
+            <a:spLocks noGrp="1"/>
+          </p:cNvSpPr>
+          <p:nvPr>
+            <p:ph type="title"/>
+          </p:nvPr>
+        </p:nvSpPr>
+        <p:spPr/>
+        <p:txBody>
+          <a:bodyPr/>
+          <a:lstStyle/>
+          <a:p>
+            <a:r>
+              <a:rPr lang="en-US" dirty="0" smtClean="0"/>
+              <a:t>Demo 3: date-time relations </a:t>
+            </a:r>
+            <a:endParaRPr lang="en-US" dirty="0"/>
+          </a:p>
+        </p:txBody>
+      </p:sp>
+      <p:sp>
+        <p:nvSpPr>
+          <p:cNvPr id="3" name="Content Placeholder 2"/>
+          <p:cNvSpPr>
+            <a:spLocks noGrp="1"/>
+          </p:cNvSpPr>
+          <p:nvPr>
+            <p:ph idx="1"/>
+          </p:nvPr>
+        </p:nvSpPr>
+        <p:spPr/>
+        <p:txBody>
+          <a:bodyPr/>
+          <a:lstStyle/>
+          <a:p>
+            <a:pPr>
+              <a:buFont typeface="Wingdings" charset="2"/>
+              <a:buChar char="Ø"/>
+            </a:pPr>
+            <a:r>
+              <a:rPr lang="en-US" sz="2800" dirty="0" smtClean="0"/>
+              <a:t>Date of claim submissions</a:t>
+            </a:r>
+          </a:p>
+          <a:p>
+            <a:pPr>
+              <a:buFont typeface="Wingdings" charset="2"/>
+              <a:buChar char="Ø"/>
+            </a:pPr>
+            <a:r>
+              <a:rPr lang="en-US" sz="2800" dirty="0" smtClean="0"/>
+              <a:t>Date of evidence submissions</a:t>
+            </a:r>
+          </a:p>
+          <a:p>
+            <a:pPr>
+              <a:buFont typeface="Wingdings" charset="2"/>
+              <a:buChar char="Ø"/>
+            </a:pPr>
+            <a:r>
+              <a:rPr lang="en-US" sz="2800" dirty="0" smtClean="0"/>
+              <a:t>Closure date of claims</a:t>
+            </a:r>
+          </a:p>
+          <a:p>
+            <a:pPr>
+              <a:buFont typeface="Wingdings" charset="2"/>
+              <a:buChar char="Ø"/>
+            </a:pPr>
+            <a:r>
+              <a:rPr lang="en-US" sz="2800" dirty="0"/>
+              <a:t>Closure date of </a:t>
+            </a:r>
+            <a:r>
+              <a:rPr lang="en-US" sz="2800" dirty="0" smtClean="0"/>
+              <a:t>items</a:t>
+            </a:r>
+          </a:p>
+          <a:p>
+            <a:pPr>
+              <a:buFont typeface="Wingdings" charset="2"/>
+              <a:buChar char="Ø"/>
+            </a:pPr>
+            <a:r>
+              <a:rPr lang="en-US" sz="2800" dirty="0" smtClean="0"/>
+              <a:t>Processed date of claims</a:t>
+            </a:r>
+            <a:endParaRPr lang="en-US" sz="2800" dirty="0"/>
+          </a:p>
+          <a:p>
+            <a:pPr>
+              <a:buFont typeface="Wingdings" charset="2"/>
+              <a:buChar char="Ø"/>
+            </a:pPr>
+            <a:endParaRPr lang="en-US" dirty="0"/>
+          </a:p>
+        </p:txBody>
+      </p:sp>
+    </p:spTree>
+    <p:extLst>
+      <p:ext uri="{BB962C8B-B14F-4D97-AF65-F5344CB8AC3E}">
+        <p14:creationId xmlns:p14="http://schemas.microsoft.com/office/powerpoint/2010/main" val="132336000"/>
+      </p:ext>
+    </p:extLst>
+  </p:cSld>
+  <p:clrMapOvr>
+    <a:masterClrMapping/>
+  </p:clrMapOvr>
+</p:sld>
+</file>
+
+<file path=ppt/slides/slide16.xml><?xml version="1.0" encoding="utf-8"?>
+<p:sld xmlns:a="http://schemas.openxmlformats.org/drawingml/2006/main" xmlns:r="http://schemas.openxmlformats.org/officeDocument/2006/relationships" xmlns:p="http://schemas.openxmlformats.org/presentationml/2006/main">
+  <p:cSld>
+    <p:spTree>
+      <p:nvGrpSpPr>
+        <p:cNvPr id="1" name=""/>
+        <p:cNvGrpSpPr/>
+        <p:nvPr/>
+      </p:nvGrpSpPr>
+      <p:grpSpPr>
+        <a:xfrm>
+          <a:off x="0" y="0"/>
+          <a:ext cx="0" cy="0"/>
+          <a:chOff x="0" y="0"/>
+          <a:chExt cx="0" cy="0"/>
+        </a:xfrm>
+      </p:grpSpPr>
+      <p:sp>
+        <p:nvSpPr>
+          <p:cNvPr id="2" name="Title 1"/>
+          <p:cNvSpPr>
+            <a:spLocks noGrp="1"/>
+          </p:cNvSpPr>
+          <p:nvPr>
+            <p:ph type="title"/>
+          </p:nvPr>
+        </p:nvSpPr>
+        <p:spPr/>
+        <p:txBody>
+          <a:bodyPr/>
+          <a:lstStyle/>
+          <a:p>
+            <a:r>
+              <a:rPr lang="en-US" dirty="0" smtClean="0"/>
+              <a:t>Demo 4: authorization</a:t>
+            </a:r>
+            <a:endParaRPr lang="en-US" dirty="0"/>
+          </a:p>
+        </p:txBody>
+      </p:sp>
+      <p:sp>
+        <p:nvSpPr>
+          <p:cNvPr id="3" name="Content Placeholder 2"/>
+          <p:cNvSpPr>
+            <a:spLocks noGrp="1"/>
+          </p:cNvSpPr>
+          <p:nvPr>
+            <p:ph idx="1"/>
+          </p:nvPr>
+        </p:nvSpPr>
+        <p:spPr/>
+        <p:txBody>
+          <a:bodyPr/>
+          <a:lstStyle/>
+          <a:p>
+            <a:pPr>
+              <a:buFont typeface="Wingdings" charset="2"/>
+              <a:buChar char="Ø"/>
+            </a:pPr>
+            <a:r>
+              <a:rPr lang="en-US" sz="2800" dirty="0" smtClean="0"/>
+              <a:t>List all system roles or authorities</a:t>
+            </a:r>
+          </a:p>
+          <a:p>
+            <a:pPr>
+              <a:buFont typeface="Wingdings" charset="2"/>
+              <a:buChar char="Ø"/>
+            </a:pPr>
+            <a:r>
+              <a:rPr lang="en-US" sz="2800" dirty="0" smtClean="0"/>
+              <a:t>Authorized areas of each role</a:t>
+            </a:r>
+          </a:p>
+          <a:p>
+            <a:pPr>
+              <a:buFont typeface="Wingdings" charset="2"/>
+              <a:buChar char="Ø"/>
+            </a:pPr>
+            <a:r>
+              <a:rPr lang="en-US" sz="2800" dirty="0" smtClean="0"/>
+              <a:t>Reponses unauthorized messages</a:t>
+            </a:r>
+          </a:p>
+          <a:p>
+            <a:pPr>
+              <a:buFont typeface="Wingdings" charset="2"/>
+              <a:buChar char="Ø"/>
+            </a:pPr>
+            <a:r>
+              <a:rPr lang="en-US" sz="2800" dirty="0"/>
+              <a:t>Reponses </a:t>
+            </a:r>
+            <a:r>
+              <a:rPr lang="en-US" sz="2800" dirty="0" smtClean="0"/>
+              <a:t>not found messages</a:t>
+            </a:r>
+            <a:endParaRPr lang="en-US" sz="2800" dirty="0"/>
+          </a:p>
+          <a:p>
+            <a:pPr>
+              <a:buFont typeface="Wingdings" charset="2"/>
+              <a:buChar char="Ø"/>
+            </a:pPr>
+            <a:endParaRPr lang="en-US" dirty="0"/>
+          </a:p>
+        </p:txBody>
+      </p:sp>
+    </p:spTree>
+    <p:extLst>
+      <p:ext uri="{BB962C8B-B14F-4D97-AF65-F5344CB8AC3E}">
+        <p14:creationId xmlns:p14="http://schemas.microsoft.com/office/powerpoint/2010/main" val="1495225163"/>
+      </p:ext>
+    </p:extLst>
+  </p:cSld>
+  <p:clrMapOvr>
+    <a:masterClrMapping/>
+  </p:clrMapOvr>
+</p:sld>
+</file>
+
+<file path=ppt/slides/slide17.xml><?xml version="1.0" encoding="utf-8"?>
+<p:sld xmlns:a="http://schemas.openxmlformats.org/drawingml/2006/main" xmlns:r="http://schemas.openxmlformats.org/officeDocument/2006/relationships" xmlns:p="http://schemas.openxmlformats.org/presentationml/2006/main">
+  <p:cSld>
+    <p:spTree>
+      <p:nvGrpSpPr>
+        <p:cNvPr id="1" name=""/>
+        <p:cNvGrpSpPr/>
+        <p:nvPr/>
+      </p:nvGrpSpPr>
+      <p:grpSpPr>
+        <a:xfrm>
+          <a:off x="0" y="0"/>
+          <a:ext cx="0" cy="0"/>
+          <a:chOff x="0" y="0"/>
+          <a:chExt cx="0" cy="0"/>
+        </a:xfrm>
+      </p:grpSpPr>
+      <p:sp>
+        <p:nvSpPr>
+          <p:cNvPr id="2" name="Title 1"/>
+          <p:cNvSpPr>
+            <a:spLocks noGrp="1"/>
+          </p:cNvSpPr>
+          <p:nvPr>
+            <p:ph type="title"/>
+          </p:nvPr>
+        </p:nvSpPr>
+        <p:spPr/>
+        <p:txBody>
+          <a:bodyPr/>
+          <a:lstStyle/>
+          <a:p>
+            <a:r>
+              <a:rPr lang="en-US" dirty="0" smtClean="0"/>
+              <a:t>Demo 5: system reports </a:t>
+            </a:r>
+            <a:endParaRPr lang="en-US" dirty="0"/>
+          </a:p>
+        </p:txBody>
+      </p:sp>
+      <p:sp>
+        <p:nvSpPr>
+          <p:cNvPr id="3" name="Content Placeholder 2"/>
+          <p:cNvSpPr>
+            <a:spLocks noGrp="1"/>
+          </p:cNvSpPr>
+          <p:nvPr>
+            <p:ph idx="1"/>
+          </p:nvPr>
+        </p:nvSpPr>
+        <p:spPr/>
+        <p:txBody>
+          <a:bodyPr>
+            <a:normAutofit/>
+          </a:bodyPr>
+          <a:lstStyle/>
+          <a:p>
+            <a:pPr>
+              <a:buFont typeface="Wingdings" charset="2"/>
+              <a:buChar char="Ø"/>
+            </a:pPr>
+            <a:r>
+              <a:rPr lang="en-US" sz="2800" dirty="0" smtClean="0"/>
+              <a:t>Claims per year</a:t>
+            </a:r>
+          </a:p>
+          <a:p>
+            <a:pPr>
+              <a:buFont typeface="Wingdings" charset="2"/>
+              <a:buChar char="Ø"/>
+            </a:pPr>
+            <a:r>
+              <a:rPr lang="en-US" sz="2800" dirty="0" smtClean="0"/>
+              <a:t>Claims per faculty</a:t>
+            </a:r>
+          </a:p>
+          <a:p>
+            <a:pPr>
+              <a:buFont typeface="Wingdings" charset="2"/>
+              <a:buChar char="Ø"/>
+            </a:pPr>
+            <a:r>
+              <a:rPr lang="en-US" sz="2800" dirty="0" smtClean="0"/>
+              <a:t>Processed claims per year</a:t>
+            </a:r>
+          </a:p>
+          <a:p>
+            <a:pPr>
+              <a:buFont typeface="Wingdings" charset="2"/>
+              <a:buChar char="Ø"/>
+            </a:pPr>
+            <a:r>
+              <a:rPr lang="en-US" sz="2800" dirty="0" smtClean="0"/>
+              <a:t>Claims per circumstance</a:t>
+            </a:r>
+          </a:p>
+          <a:p>
+            <a:pPr>
+              <a:buFont typeface="Wingdings" charset="2"/>
+              <a:buChar char="Ø"/>
+            </a:pPr>
+            <a:r>
+              <a:rPr lang="en-US" sz="2800" dirty="0" smtClean="0"/>
+              <a:t>Claims per validation</a:t>
+            </a:r>
+          </a:p>
+          <a:p>
+            <a:pPr>
+              <a:buFont typeface="Wingdings" charset="2"/>
+              <a:buChar char="Ø"/>
+            </a:pPr>
+            <a:r>
+              <a:rPr lang="en-US" sz="2800" dirty="0" smtClean="0"/>
+              <a:t>Custom claim reports</a:t>
+            </a:r>
+            <a:endParaRPr lang="en-US" sz="2800" dirty="0"/>
+          </a:p>
+        </p:txBody>
+      </p:sp>
+    </p:spTree>
+    <p:extLst>
+      <p:ext uri="{BB962C8B-B14F-4D97-AF65-F5344CB8AC3E}">
+        <p14:creationId xmlns:p14="http://schemas.microsoft.com/office/powerpoint/2010/main" val="1496077575"/>
+      </p:ext>
+    </p:extLst>
+  </p:cSld>
+  <p:clrMapOvr>
+    <a:masterClrMapping/>
+  </p:clrMapOvr>
+  <p:timing>
+    <p:tnLst>
+      <p:par>
+        <p:cTn id="1" dur="indefinite" restart="never" nodeType="tmRoot"/>
+      </p:par>
+    </p:tnLst>
+  </p:timing>
+</p:sld>
+</file>
+
+<file path=ppt/slides/slide18.xml><?xml version="1.0" encoding="utf-8"?>
+<p:sld xmlns:a="http://schemas.openxmlformats.org/drawingml/2006/main" xmlns:r="http://schemas.openxmlformats.org/officeDocument/2006/relationships" xmlns:p="http://schemas.openxmlformats.org/presentationml/2006/main">
+  <p:cSld>
+    <p:spTree>
+      <p:nvGrpSpPr>
+        <p:cNvPr id="1" name=""/>
+        <p:cNvGrpSpPr/>
+        <p:nvPr/>
+      </p:nvGrpSpPr>
+      <p:grpSpPr>
+        <a:xfrm>
+          <a:off x="0" y="0"/>
+          <a:ext cx="0" cy="0"/>
+          <a:chOff x="0" y="0"/>
+          <a:chExt cx="0" cy="0"/>
+        </a:xfrm>
+      </p:grpSpPr>
+      <p:sp>
+        <p:nvSpPr>
+          <p:cNvPr id="2" name="Title 1"/>
+          <p:cNvSpPr>
+            <a:spLocks noGrp="1"/>
+          </p:cNvSpPr>
+          <p:nvPr>
+            <p:ph type="title"/>
+          </p:nvPr>
+        </p:nvSpPr>
+        <p:spPr/>
+        <p:txBody>
+          <a:bodyPr/>
+          <a:lstStyle/>
+          <a:p>
+            <a:pPr algn="ctr"/>
+            <a:r>
+              <a:rPr lang="en-US" b="1" dirty="0" err="1" smtClean="0"/>
+              <a:t>ECManagement</a:t>
+            </a:r>
+            <a:r>
+              <a:rPr lang="en-US" b="1" dirty="0" smtClean="0"/>
+              <a:t> System</a:t>
+            </a:r>
+            <a:endParaRPr lang="en-US" b="1" dirty="0"/>
+          </a:p>
+        </p:txBody>
+      </p:sp>
+      <p:sp>
+        <p:nvSpPr>
+          <p:cNvPr id="3" name="Content Placeholder 2"/>
+          <p:cNvSpPr>
+            <a:spLocks noGrp="1"/>
+          </p:cNvSpPr>
+          <p:nvPr>
+            <p:ph idx="1"/>
+          </p:nvPr>
+        </p:nvSpPr>
+        <p:spPr/>
+        <p:txBody>
+          <a:bodyPr/>
+          <a:lstStyle/>
+          <a:p>
+            <a:pPr algn="ctr"/>
+            <a:endParaRPr lang="en-US" dirty="0" smtClean="0">
+              <a:hlinkClick r:id="rId2"/>
+            </a:endParaRPr>
+          </a:p>
+          <a:p>
+            <a:pPr algn="ctr"/>
+            <a:r>
+              <a:rPr lang="en-US" sz="2800" dirty="0" smtClean="0"/>
+              <a:t>Website: </a:t>
+            </a:r>
+            <a:r>
+              <a:rPr lang="en-US" sz="2800" dirty="0">
+                <a:hlinkClick r:id="rId2"/>
+              </a:rPr>
+              <a:t>http://ecmsystem.ga/</a:t>
+            </a:r>
+            <a:r>
+              <a:rPr lang="en-US" sz="2800" dirty="0"/>
+              <a:t> </a:t>
+            </a:r>
+          </a:p>
+          <a:p>
+            <a:pPr algn="ctr"/>
+            <a:endParaRPr lang="en-US" sz="2800" dirty="0" smtClean="0"/>
+          </a:p>
+          <a:p>
+            <a:pPr algn="ctr"/>
+            <a:r>
+              <a:rPr lang="en-US" sz="2800" dirty="0" smtClean="0"/>
+              <a:t>Screencast: </a:t>
+            </a:r>
+            <a:r>
+              <a:rPr lang="en-US" sz="2800" dirty="0">
+                <a:hlinkClick r:id="rId3"/>
+              </a:rPr>
+              <a:t>http://rebrand.ly/ewsd_g2_cw_kaka</a:t>
+            </a:r>
+            <a:r>
+              <a:rPr lang="en-US" sz="2800" dirty="0"/>
+              <a:t> </a:t>
+            </a:r>
+            <a:r>
+              <a:rPr lang="en-US" sz="2800" dirty="0"/>
+              <a:t/>
+            </a:r>
+            <a:br>
+              <a:rPr lang="en-US" sz="2800" dirty="0"/>
+            </a:br>
+            <a:endParaRPr lang="en-US" sz="2800" dirty="0"/>
+          </a:p>
+          <a:p>
+            <a:pPr algn="ctr"/>
+            <a:endParaRPr lang="en-US" sz="2800" dirty="0"/>
+          </a:p>
+        </p:txBody>
+      </p:sp>
+    </p:spTree>
+    <p:extLst>
+      <p:ext uri="{BB962C8B-B14F-4D97-AF65-F5344CB8AC3E}">
+        <p14:creationId xmlns:p14="http://schemas.microsoft.com/office/powerpoint/2010/main" val="401412654"/>
+      </p:ext>
+    </p:extLst>
+  </p:cSld>
+  <p:clrMapOvr>
+    <a:masterClrMapping/>
+  </p:clrMapOvr>
+  <p:timing>
+    <p:tnLst>
+      <p:par>
+        <p:cTn id="1" dur="indefinite" restart="never" nodeType="tmRoot"/>
+      </p:par>
+    </p:tnLst>
+  </p:timing>
 </p:sld>
 </file>
 
@@ -5119,11 +5895,7 @@
           <a:p>
             <a:r>
               <a:rPr lang="en-US" sz="6000" dirty="0" smtClean="0"/>
-              <a:t>1. </a:t>
-            </a:r>
-            <a:r>
-              <a:rPr lang="en-US" sz="6000" dirty="0" smtClean="0"/>
-              <a:t>Introduction</a:t>
+              <a:t>1. Introduction</a:t>
             </a:r>
             <a:endParaRPr lang="en-US" sz="6000" dirty="0"/>
           </a:p>
@@ -5420,11 +6192,7 @@
           <a:p>
             <a:r>
               <a:rPr lang="en-US" dirty="0" smtClean="0"/>
-              <a:t>2. </a:t>
-            </a:r>
-            <a:r>
-              <a:rPr lang="en-US" dirty="0" smtClean="0"/>
-              <a:t>Database</a:t>
+              <a:t>2. Database</a:t>
             </a:r>
             <a:endParaRPr lang="en-US" dirty="0"/>
           </a:p>
@@ -5964,9 +6732,14 @@
           <a:lstStyle/>
           <a:p>
             <a:r>
-              <a:rPr lang="en-US" dirty="0"/>
-              <a:t>Functionality (user stories)</a:t>
-            </a:r>
+              <a:rPr lang="en-US" dirty="0" smtClean="0"/>
+              <a:t>F</a:t>
+            </a:r>
+            <a:r>
+              <a:rPr lang="en-US" dirty="0" smtClean="0"/>
+              <a:t>unctionality (cont.)</a:t>
+            </a:r>
+            <a:endParaRPr lang="en-US" dirty="0"/>
           </a:p>
         </p:txBody>
       </p:sp>

--- a/documents/Presentation.pptx
+++ b/documents/Presentation.pptx
@@ -5,27 +5,30 @@
     <p:sldMasterId id="2147483648" r:id="rId1"/>
   </p:sldMasterIdLst>
   <p:notesMasterIdLst>
-    <p:notesMasterId r:id="rId20"/>
+    <p:notesMasterId r:id="rId23"/>
   </p:notesMasterIdLst>
   <p:sldIdLst>
     <p:sldId id="256" r:id="rId2"/>
     <p:sldId id="257" r:id="rId3"/>
-    <p:sldId id="258" r:id="rId4"/>
-    <p:sldId id="259" r:id="rId5"/>
-    <p:sldId id="260" r:id="rId6"/>
-    <p:sldId id="265" r:id="rId7"/>
-    <p:sldId id="266" r:id="rId8"/>
-    <p:sldId id="261" r:id="rId9"/>
-    <p:sldId id="262" r:id="rId10"/>
-    <p:sldId id="263" r:id="rId11"/>
-    <p:sldId id="264" r:id="rId12"/>
-    <p:sldId id="267" r:id="rId13"/>
-    <p:sldId id="268" r:id="rId14"/>
-    <p:sldId id="269" r:id="rId15"/>
-    <p:sldId id="270" r:id="rId16"/>
-    <p:sldId id="271" r:id="rId17"/>
-    <p:sldId id="272" r:id="rId18"/>
-    <p:sldId id="273" r:id="rId19"/>
+    <p:sldId id="274" r:id="rId4"/>
+    <p:sldId id="275" r:id="rId5"/>
+    <p:sldId id="276" r:id="rId6"/>
+    <p:sldId id="277" r:id="rId7"/>
+    <p:sldId id="278" r:id="rId8"/>
+    <p:sldId id="259" r:id="rId9"/>
+    <p:sldId id="260" r:id="rId10"/>
+    <p:sldId id="265" r:id="rId11"/>
+    <p:sldId id="261" r:id="rId12"/>
+    <p:sldId id="262" r:id="rId13"/>
+    <p:sldId id="263" r:id="rId14"/>
+    <p:sldId id="264" r:id="rId15"/>
+    <p:sldId id="267" r:id="rId16"/>
+    <p:sldId id="268" r:id="rId17"/>
+    <p:sldId id="269" r:id="rId18"/>
+    <p:sldId id="270" r:id="rId19"/>
+    <p:sldId id="271" r:id="rId20"/>
+    <p:sldId id="272" r:id="rId21"/>
+    <p:sldId id="273" r:id="rId22"/>
   </p:sldIdLst>
   <p:sldSz cx="12192000" cy="6858000"/>
   <p:notesSz cx="6858000" cy="9144000"/>
@@ -125,6 +128,35 @@
     </a:lvl9pPr>
   </p:defaultTextStyle>
   <p:extLst>
+    <p:ext uri="{521415D9-36F7-43E2-AB2F-B90AF26B5E84}">
+      <p14:sectionLst xmlns:p14="http://schemas.microsoft.com/office/powerpoint/2010/main">
+        <p14:section name="Default Section" id="{196283CB-62E7-1147-B0B1-1A5ED0F72629}">
+          <p14:sldIdLst>
+            <p14:sldId id="256"/>
+            <p14:sldId id="257"/>
+            <p14:sldId id="274"/>
+            <p14:sldId id="275"/>
+            <p14:sldId id="276"/>
+            <p14:sldId id="277"/>
+            <p14:sldId id="278"/>
+            <p14:sldId id="259"/>
+            <p14:sldId id="260"/>
+            <p14:sldId id="265"/>
+            <p14:sldId id="261"/>
+            <p14:sldId id="262"/>
+            <p14:sldId id="263"/>
+            <p14:sldId id="264"/>
+            <p14:sldId id="267"/>
+            <p14:sldId id="268"/>
+            <p14:sldId id="269"/>
+            <p14:sldId id="270"/>
+            <p14:sldId id="271"/>
+            <p14:sldId id="272"/>
+            <p14:sldId id="273"/>
+          </p14:sldIdLst>
+        </p14:section>
+      </p14:sectionLst>
+    </p:ext>
     <p:ext uri="{EFAFB233-063F-42B5-8137-9DF3F51BA10A}">
       <p15:sldGuideLst xmlns:p15="http://schemas.microsoft.com/office/powerpoint/2012/main"/>
     </p:ext>
@@ -501,7 +533,7 @@
       </p:grpSpPr>
       <p:sp>
         <p:nvSpPr>
-          <p:cNvPr id="2" name="Slide Image Placeholder 1"/>
+          <p:cNvPr id="2" name="Chỗ dành sẵn cho Hình ảnh của Bản chiếu 1"/>
           <p:cNvSpPr>
             <a:spLocks noGrp="1" noRot="1" noChangeAspect="1"/>
           </p:cNvSpPr>
@@ -513,7 +545,7 @@
       </p:sp>
       <p:sp>
         <p:nvSpPr>
-          <p:cNvPr id="3" name="Notes Placeholder 2"/>
+          <p:cNvPr id="3" name="Chỗ dành sẵn cho Ghi chú 2"/>
           <p:cNvSpPr>
             <a:spLocks noGrp="1"/>
           </p:cNvSpPr>
@@ -526,13 +558,13 @@
           <a:bodyPr/>
           <a:lstStyle/>
           <a:p>
-            <a:endParaRPr lang="en-US" dirty="0"/>
-          </a:p>
-        </p:txBody>
-      </p:sp>
-      <p:sp>
-        <p:nvSpPr>
-          <p:cNvPr id="4" name="Slide Number Placeholder 3"/>
+            <a:endParaRPr lang="vi-VN" dirty="0"/>
+          </a:p>
+        </p:txBody>
+      </p:sp>
+      <p:sp>
+        <p:nvSpPr>
+          <p:cNvPr id="4" name="Chỗ dành sẵn cho Số hiệu Bản chiếu 3"/>
           <p:cNvSpPr>
             <a:spLocks noGrp="1"/>
           </p:cNvSpPr>
@@ -547,7 +579,7 @@
           <a:p>
             <a:fld id="{38B8B00D-0D5C-9F47-A927-FE449AEE3FE3}" type="slidenum">
               <a:rPr lang="en-US" smtClean="0"/>
-              <a:t>5</a:t>
+              <a:t>4</a:t>
             </a:fld>
             <a:endParaRPr lang="en-US"/>
           </a:p>
@@ -556,7 +588,7 @@
     </p:spTree>
     <p:extLst>
       <p:ext uri="{BB962C8B-B14F-4D97-AF65-F5344CB8AC3E}">
-        <p14:creationId xmlns:p14="http://schemas.microsoft.com/office/powerpoint/2010/main" val="2065465174"/>
+        <p14:creationId xmlns:p14="http://schemas.microsoft.com/office/powerpoint/2010/main" val="401580273"/>
       </p:ext>
     </p:extLst>
   </p:cSld>
@@ -585,7 +617,7 @@
       </p:grpSpPr>
       <p:sp>
         <p:nvSpPr>
-          <p:cNvPr id="2" name="Slide Image Placeholder 1"/>
+          <p:cNvPr id="2" name="Chỗ dành sẵn cho Hình ảnh của Bản chiếu 1"/>
           <p:cNvSpPr>
             <a:spLocks noGrp="1" noRot="1" noChangeAspect="1"/>
           </p:cNvSpPr>
@@ -597,7 +629,7 @@
       </p:sp>
       <p:sp>
         <p:nvSpPr>
-          <p:cNvPr id="3" name="Notes Placeholder 2"/>
+          <p:cNvPr id="3" name="Chỗ dành sẵn cho Ghi chú 2"/>
           <p:cNvSpPr>
             <a:spLocks noGrp="1"/>
           </p:cNvSpPr>
@@ -610,13 +642,13 @@
           <a:bodyPr/>
           <a:lstStyle/>
           <a:p>
-            <a:endParaRPr lang="en-US" dirty="0"/>
-          </a:p>
-        </p:txBody>
-      </p:sp>
-      <p:sp>
-        <p:nvSpPr>
-          <p:cNvPr id="4" name="Slide Number Placeholder 3"/>
+            <a:endParaRPr lang="vi-VN" dirty="0"/>
+          </a:p>
+        </p:txBody>
+      </p:sp>
+      <p:sp>
+        <p:nvSpPr>
+          <p:cNvPr id="4" name="Chỗ dành sẵn cho Số hiệu Bản chiếu 3"/>
           <p:cNvSpPr>
             <a:spLocks noGrp="1"/>
           </p:cNvSpPr>
@@ -631,7 +663,7 @@
           <a:p>
             <a:fld id="{38B8B00D-0D5C-9F47-A927-FE449AEE3FE3}" type="slidenum">
               <a:rPr lang="en-US" smtClean="0"/>
-              <a:t>10</a:t>
+              <a:t>5</a:t>
             </a:fld>
             <a:endParaRPr lang="en-US"/>
           </a:p>
@@ -640,7 +672,7 @@
     </p:spTree>
     <p:extLst>
       <p:ext uri="{BB962C8B-B14F-4D97-AF65-F5344CB8AC3E}">
-        <p14:creationId xmlns:p14="http://schemas.microsoft.com/office/powerpoint/2010/main" val="1245467173"/>
+        <p14:creationId xmlns:p14="http://schemas.microsoft.com/office/powerpoint/2010/main" val="1873354917"/>
       </p:ext>
     </p:extLst>
   </p:cSld>
@@ -669,6 +701,342 @@
       </p:grpSpPr>
       <p:sp>
         <p:nvSpPr>
+          <p:cNvPr id="2" name="Chỗ dành sẵn cho Hình ảnh của Bản chiếu 1"/>
+          <p:cNvSpPr>
+            <a:spLocks noGrp="1" noRot="1" noChangeAspect="1"/>
+          </p:cNvSpPr>
+          <p:nvPr>
+            <p:ph type="sldImg"/>
+          </p:nvPr>
+        </p:nvSpPr>
+        <p:spPr/>
+      </p:sp>
+      <p:sp>
+        <p:nvSpPr>
+          <p:cNvPr id="3" name="Chỗ dành sẵn cho Ghi chú 2"/>
+          <p:cNvSpPr>
+            <a:spLocks noGrp="1"/>
+          </p:cNvSpPr>
+          <p:nvPr>
+            <p:ph type="body" idx="1"/>
+          </p:nvPr>
+        </p:nvSpPr>
+        <p:spPr/>
+        <p:txBody>
+          <a:bodyPr/>
+          <a:lstStyle/>
+          <a:p>
+            <a:endParaRPr lang="vi-VN" dirty="0"/>
+          </a:p>
+        </p:txBody>
+      </p:sp>
+      <p:sp>
+        <p:nvSpPr>
+          <p:cNvPr id="4" name="Chỗ dành sẵn cho Số hiệu Bản chiếu 3"/>
+          <p:cNvSpPr>
+            <a:spLocks noGrp="1"/>
+          </p:cNvSpPr>
+          <p:nvPr>
+            <p:ph type="sldNum" sz="quarter" idx="10"/>
+          </p:nvPr>
+        </p:nvSpPr>
+        <p:spPr/>
+        <p:txBody>
+          <a:bodyPr/>
+          <a:lstStyle/>
+          <a:p>
+            <a:fld id="{38B8B00D-0D5C-9F47-A927-FE449AEE3FE3}" type="slidenum">
+              <a:rPr lang="en-US" smtClean="0"/>
+              <a:t>6</a:t>
+            </a:fld>
+            <a:endParaRPr lang="en-US"/>
+          </a:p>
+        </p:txBody>
+      </p:sp>
+    </p:spTree>
+    <p:extLst>
+      <p:ext uri="{BB962C8B-B14F-4D97-AF65-F5344CB8AC3E}">
+        <p14:creationId xmlns:p14="http://schemas.microsoft.com/office/powerpoint/2010/main" val="406528919"/>
+      </p:ext>
+    </p:extLst>
+  </p:cSld>
+  <p:clrMapOvr>
+    <a:masterClrMapping/>
+  </p:clrMapOvr>
+</p:notes>
+</file>
+
+<file path=ppt/notesSlides/notesSlide4.xml><?xml version="1.0" encoding="utf-8"?>
+<p:notes xmlns:a="http://schemas.openxmlformats.org/drawingml/2006/main" xmlns:r="http://schemas.openxmlformats.org/officeDocument/2006/relationships" xmlns:p="http://schemas.openxmlformats.org/presentationml/2006/main">
+  <p:cSld>
+    <p:spTree>
+      <p:nvGrpSpPr>
+        <p:cNvPr id="1" name=""/>
+        <p:cNvGrpSpPr/>
+        <p:nvPr/>
+      </p:nvGrpSpPr>
+      <p:grpSpPr>
+        <a:xfrm>
+          <a:off x="0" y="0"/>
+          <a:ext cx="0" cy="0"/>
+          <a:chOff x="0" y="0"/>
+          <a:chExt cx="0" cy="0"/>
+        </a:xfrm>
+      </p:grpSpPr>
+      <p:sp>
+        <p:nvSpPr>
+          <p:cNvPr id="2" name="Chỗ dành sẵn cho Hình ảnh của Bản chiếu 1"/>
+          <p:cNvSpPr>
+            <a:spLocks noGrp="1" noRot="1" noChangeAspect="1"/>
+          </p:cNvSpPr>
+          <p:nvPr>
+            <p:ph type="sldImg"/>
+          </p:nvPr>
+        </p:nvSpPr>
+        <p:spPr/>
+      </p:sp>
+      <p:sp>
+        <p:nvSpPr>
+          <p:cNvPr id="3" name="Chỗ dành sẵn cho Ghi chú 2"/>
+          <p:cNvSpPr>
+            <a:spLocks noGrp="1"/>
+          </p:cNvSpPr>
+          <p:nvPr>
+            <p:ph type="body" idx="1"/>
+          </p:nvPr>
+        </p:nvSpPr>
+        <p:spPr/>
+        <p:txBody>
+          <a:bodyPr/>
+          <a:lstStyle/>
+          <a:p>
+            <a:endParaRPr lang="vi-VN" dirty="0"/>
+          </a:p>
+        </p:txBody>
+      </p:sp>
+      <p:sp>
+        <p:nvSpPr>
+          <p:cNvPr id="4" name="Chỗ dành sẵn cho Số hiệu Bản chiếu 3"/>
+          <p:cNvSpPr>
+            <a:spLocks noGrp="1"/>
+          </p:cNvSpPr>
+          <p:nvPr>
+            <p:ph type="sldNum" sz="quarter" idx="10"/>
+          </p:nvPr>
+        </p:nvSpPr>
+        <p:spPr/>
+        <p:txBody>
+          <a:bodyPr/>
+          <a:lstStyle/>
+          <a:p>
+            <a:fld id="{38B8B00D-0D5C-9F47-A927-FE449AEE3FE3}" type="slidenum">
+              <a:rPr lang="en-US" smtClean="0"/>
+              <a:t>7</a:t>
+            </a:fld>
+            <a:endParaRPr lang="en-US"/>
+          </a:p>
+        </p:txBody>
+      </p:sp>
+    </p:spTree>
+    <p:extLst>
+      <p:ext uri="{BB962C8B-B14F-4D97-AF65-F5344CB8AC3E}">
+        <p14:creationId xmlns:p14="http://schemas.microsoft.com/office/powerpoint/2010/main" val="1764141473"/>
+      </p:ext>
+    </p:extLst>
+  </p:cSld>
+  <p:clrMapOvr>
+    <a:masterClrMapping/>
+  </p:clrMapOvr>
+</p:notes>
+</file>
+
+<file path=ppt/notesSlides/notesSlide5.xml><?xml version="1.0" encoding="utf-8"?>
+<p:notes xmlns:a="http://schemas.openxmlformats.org/drawingml/2006/main" xmlns:r="http://schemas.openxmlformats.org/officeDocument/2006/relationships" xmlns:p="http://schemas.openxmlformats.org/presentationml/2006/main">
+  <p:cSld>
+    <p:spTree>
+      <p:nvGrpSpPr>
+        <p:cNvPr id="1" name=""/>
+        <p:cNvGrpSpPr/>
+        <p:nvPr/>
+      </p:nvGrpSpPr>
+      <p:grpSpPr>
+        <a:xfrm>
+          <a:off x="0" y="0"/>
+          <a:ext cx="0" cy="0"/>
+          <a:chOff x="0" y="0"/>
+          <a:chExt cx="0" cy="0"/>
+        </a:xfrm>
+      </p:grpSpPr>
+      <p:sp>
+        <p:nvSpPr>
+          <p:cNvPr id="2" name="Slide Image Placeholder 1"/>
+          <p:cNvSpPr>
+            <a:spLocks noGrp="1" noRot="1" noChangeAspect="1"/>
+          </p:cNvSpPr>
+          <p:nvPr>
+            <p:ph type="sldImg"/>
+          </p:nvPr>
+        </p:nvSpPr>
+        <p:spPr/>
+      </p:sp>
+      <p:sp>
+        <p:nvSpPr>
+          <p:cNvPr id="3" name="Notes Placeholder 2"/>
+          <p:cNvSpPr>
+            <a:spLocks noGrp="1"/>
+          </p:cNvSpPr>
+          <p:nvPr>
+            <p:ph type="body" idx="1"/>
+          </p:nvPr>
+        </p:nvSpPr>
+        <p:spPr/>
+        <p:txBody>
+          <a:bodyPr/>
+          <a:lstStyle/>
+          <a:p>
+            <a:endParaRPr lang="en-US" dirty="0"/>
+          </a:p>
+        </p:txBody>
+      </p:sp>
+      <p:sp>
+        <p:nvSpPr>
+          <p:cNvPr id="4" name="Slide Number Placeholder 3"/>
+          <p:cNvSpPr>
+            <a:spLocks noGrp="1"/>
+          </p:cNvSpPr>
+          <p:nvPr>
+            <p:ph type="sldNum" sz="quarter" idx="10"/>
+          </p:nvPr>
+        </p:nvSpPr>
+        <p:spPr/>
+        <p:txBody>
+          <a:bodyPr/>
+          <a:lstStyle/>
+          <a:p>
+            <a:fld id="{38B8B00D-0D5C-9F47-A927-FE449AEE3FE3}" type="slidenum">
+              <a:rPr lang="en-US" smtClean="0"/>
+              <a:t>9</a:t>
+            </a:fld>
+            <a:endParaRPr lang="en-US"/>
+          </a:p>
+        </p:txBody>
+      </p:sp>
+    </p:spTree>
+    <p:extLst>
+      <p:ext uri="{BB962C8B-B14F-4D97-AF65-F5344CB8AC3E}">
+        <p14:creationId xmlns:p14="http://schemas.microsoft.com/office/powerpoint/2010/main" val="2065465174"/>
+      </p:ext>
+    </p:extLst>
+  </p:cSld>
+  <p:clrMapOvr>
+    <a:masterClrMapping/>
+  </p:clrMapOvr>
+</p:notes>
+</file>
+
+<file path=ppt/notesSlides/notesSlide6.xml><?xml version="1.0" encoding="utf-8"?>
+<p:notes xmlns:a="http://schemas.openxmlformats.org/drawingml/2006/main" xmlns:r="http://schemas.openxmlformats.org/officeDocument/2006/relationships" xmlns:p="http://schemas.openxmlformats.org/presentationml/2006/main">
+  <p:cSld>
+    <p:spTree>
+      <p:nvGrpSpPr>
+        <p:cNvPr id="1" name=""/>
+        <p:cNvGrpSpPr/>
+        <p:nvPr/>
+      </p:nvGrpSpPr>
+      <p:grpSpPr>
+        <a:xfrm>
+          <a:off x="0" y="0"/>
+          <a:ext cx="0" cy="0"/>
+          <a:chOff x="0" y="0"/>
+          <a:chExt cx="0" cy="0"/>
+        </a:xfrm>
+      </p:grpSpPr>
+      <p:sp>
+        <p:nvSpPr>
+          <p:cNvPr id="2" name="Slide Image Placeholder 1"/>
+          <p:cNvSpPr>
+            <a:spLocks noGrp="1" noRot="1" noChangeAspect="1"/>
+          </p:cNvSpPr>
+          <p:nvPr>
+            <p:ph type="sldImg"/>
+          </p:nvPr>
+        </p:nvSpPr>
+        <p:spPr/>
+      </p:sp>
+      <p:sp>
+        <p:nvSpPr>
+          <p:cNvPr id="3" name="Notes Placeholder 2"/>
+          <p:cNvSpPr>
+            <a:spLocks noGrp="1"/>
+          </p:cNvSpPr>
+          <p:nvPr>
+            <p:ph type="body" idx="1"/>
+          </p:nvPr>
+        </p:nvSpPr>
+        <p:spPr/>
+        <p:txBody>
+          <a:bodyPr/>
+          <a:lstStyle/>
+          <a:p>
+            <a:endParaRPr lang="en-US" dirty="0"/>
+          </a:p>
+        </p:txBody>
+      </p:sp>
+      <p:sp>
+        <p:nvSpPr>
+          <p:cNvPr id="4" name="Slide Number Placeholder 3"/>
+          <p:cNvSpPr>
+            <a:spLocks noGrp="1"/>
+          </p:cNvSpPr>
+          <p:nvPr>
+            <p:ph type="sldNum" sz="quarter" idx="10"/>
+          </p:nvPr>
+        </p:nvSpPr>
+        <p:spPr/>
+        <p:txBody>
+          <a:bodyPr/>
+          <a:lstStyle/>
+          <a:p>
+            <a:fld id="{38B8B00D-0D5C-9F47-A927-FE449AEE3FE3}" type="slidenum">
+              <a:rPr lang="en-US" smtClean="0"/>
+              <a:t>13</a:t>
+            </a:fld>
+            <a:endParaRPr lang="en-US"/>
+          </a:p>
+        </p:txBody>
+      </p:sp>
+    </p:spTree>
+    <p:extLst>
+      <p:ext uri="{BB962C8B-B14F-4D97-AF65-F5344CB8AC3E}">
+        <p14:creationId xmlns:p14="http://schemas.microsoft.com/office/powerpoint/2010/main" val="1245467173"/>
+      </p:ext>
+    </p:extLst>
+  </p:cSld>
+  <p:clrMapOvr>
+    <a:masterClrMapping/>
+  </p:clrMapOvr>
+</p:notes>
+</file>
+
+<file path=ppt/notesSlides/notesSlide7.xml><?xml version="1.0" encoding="utf-8"?>
+<p:notes xmlns:a="http://schemas.openxmlformats.org/drawingml/2006/main" xmlns:r="http://schemas.openxmlformats.org/officeDocument/2006/relationships" xmlns:p="http://schemas.openxmlformats.org/presentationml/2006/main">
+  <p:cSld>
+    <p:spTree>
+      <p:nvGrpSpPr>
+        <p:cNvPr id="1" name=""/>
+        <p:cNvGrpSpPr/>
+        <p:nvPr/>
+      </p:nvGrpSpPr>
+      <p:grpSpPr>
+        <a:xfrm>
+          <a:off x="0" y="0"/>
+          <a:ext cx="0" cy="0"/>
+          <a:chOff x="0" y="0"/>
+          <a:chExt cx="0" cy="0"/>
+        </a:xfrm>
+      </p:grpSpPr>
+      <p:sp>
+        <p:nvSpPr>
           <p:cNvPr id="2" name="Slide Image Placeholder 1"/>
           <p:cNvSpPr>
             <a:spLocks noGrp="1" noRot="1" noChangeAspect="1"/>
@@ -723,7 +1091,7 @@
           <a:p>
             <a:fld id="{38B8B00D-0D5C-9F47-A927-FE449AEE3FE3}" type="slidenum">
               <a:rPr lang="en-US" smtClean="0"/>
-              <a:t>11</a:t>
+              <a:t>14</a:t>
             </a:fld>
             <a:endParaRPr lang="en-US"/>
           </a:p>
@@ -4480,12 +4848,11 @@
           <a:bodyPr/>
           <a:lstStyle/>
           <a:p>
-            <a:pPr algn="ctr"/>
-            <a:r>
-              <a:rPr lang="en-US" b="1" dirty="0" smtClean="0"/>
-              <a:t>Demo Plan</a:t>
-            </a:r>
-            <a:endParaRPr lang="en-US" b="1" dirty="0"/>
+            <a:r>
+              <a:rPr lang="en-US" dirty="0" smtClean="0"/>
+              <a:t>Functionality (cont.)</a:t>
+            </a:r>
+            <a:endParaRPr lang="en-US" dirty="0"/>
           </a:p>
         </p:txBody>
       </p:sp>
@@ -4499,9 +4866,16 @@
             <p:ph idx="1"/>
           </p:nvPr>
         </p:nvSpPr>
-        <p:spPr/>
-        <p:txBody>
-          <a:bodyPr/>
+        <p:spPr>
+          <a:xfrm>
+            <a:off x="1097280" y="1845734"/>
+            <a:ext cx="10058400" cy="4273712"/>
+          </a:xfrm>
+        </p:spPr>
+        <p:txBody>
+          <a:bodyPr>
+            <a:normAutofit/>
+          </a:bodyPr>
           <a:lstStyle/>
           <a:p>
             <a:pPr>
@@ -4509,8 +4883,41 @@
               <a:buChar char="Ø"/>
             </a:pPr>
             <a:r>
-              <a:rPr lang="en-US" sz="2800" dirty="0" smtClean="0"/>
-              <a:t>Demo all system features</a:t>
+              <a:rPr lang="en-US" b="1" dirty="0" smtClean="0"/>
+              <a:t>Coordinator:</a:t>
+            </a:r>
+          </a:p>
+          <a:p>
+            <a:pPr lvl="1"/>
+            <a:r>
+              <a:rPr lang="en-US" sz="2000" dirty="0">
+                <a:solidFill>
+                  <a:schemeClr val="tx1"/>
+                </a:solidFill>
+              </a:rPr>
+              <a:t>As an EC Coordinator, I want to receive email of notification when new claim is submitted</a:t>
+            </a:r>
+          </a:p>
+          <a:p>
+            <a:pPr lvl="1"/>
+            <a:r>
+              <a:rPr lang="en-US" sz="2000" dirty="0">
+                <a:solidFill>
+                  <a:schemeClr val="tx1"/>
+                </a:solidFill>
+              </a:rPr>
+              <a:t>As an EC Coordinator, I want to process new claim</a:t>
+            </a:r>
+          </a:p>
+          <a:p>
+            <a:pPr lvl="1"/>
+            <a:r>
+              <a:rPr lang="en-US" sz="2000" dirty="0">
+                <a:solidFill>
+                  <a:schemeClr val="tx1"/>
+                </a:solidFill>
+              </a:rPr>
+              <a:t>As an EC Coordinator, I want to see all the process of my Faculty</a:t>
             </a:r>
           </a:p>
           <a:p>
@@ -4519,59 +4926,139 @@
               <a:buChar char="Ø"/>
             </a:pPr>
             <a:r>
-              <a:rPr lang="en-US" sz="2800" dirty="0" smtClean="0"/>
-              <a:t>Demo data validation</a:t>
-            </a:r>
-          </a:p>
-          <a:p>
-            <a:pPr>
+              <a:rPr lang="en-US" b="1" dirty="0" smtClean="0"/>
+              <a:t>Student:</a:t>
+            </a:r>
+          </a:p>
+          <a:p>
+            <a:pPr lvl="1"/>
+            <a:r>
+              <a:rPr lang="en-US" sz="2000" dirty="0">
+                <a:solidFill>
+                  <a:schemeClr val="tx1"/>
+                </a:solidFill>
+              </a:rPr>
+              <a:t>As a Student, I want to submit more than 1 EC claims for my items of assessment. The claim must be </a:t>
+            </a:r>
+            <a:r>
+              <a:rPr lang="en-US" sz="2000" dirty="0" smtClean="0">
+                <a:solidFill>
+                  <a:schemeClr val="tx1"/>
+                </a:solidFill>
+              </a:rPr>
+              <a:t>submitted </a:t>
+            </a:r>
+            <a:r>
+              <a:rPr lang="en-US" sz="2000" dirty="0">
+                <a:solidFill>
+                  <a:schemeClr val="tx1"/>
+                </a:solidFill>
+              </a:rPr>
+              <a:t>before closure. date. And the claim must belong the faculties' student</a:t>
+            </a:r>
+          </a:p>
+          <a:p>
+            <a:pPr lvl="1"/>
+            <a:r>
+              <a:rPr lang="en-US" sz="2000" dirty="0">
+                <a:solidFill>
+                  <a:schemeClr val="tx1"/>
+                </a:solidFill>
+              </a:rPr>
+              <a:t>As a Student, I want to submit evidences for my EC claims (</a:t>
+            </a:r>
+            <a:r>
+              <a:rPr lang="en-US" sz="2000" dirty="0" err="1">
+                <a:solidFill>
+                  <a:schemeClr val="tx1"/>
+                </a:solidFill>
+              </a:rPr>
+              <a:t>e.g</a:t>
+            </a:r>
+            <a:r>
+              <a:rPr lang="en-US" sz="2000" dirty="0">
+                <a:solidFill>
+                  <a:schemeClr val="tx1"/>
+                </a:solidFill>
+              </a:rPr>
+              <a:t>: Images, PDFs…) before final closure date</a:t>
+            </a:r>
+          </a:p>
+          <a:p>
+            <a:pPr lvl="1"/>
+            <a:r>
+              <a:rPr lang="en-US" sz="2000" dirty="0">
+                <a:solidFill>
+                  <a:schemeClr val="tx1"/>
+                </a:solidFill>
+              </a:rPr>
+              <a:t>As a Student, I want to receive email which containing the decision of my EC claim</a:t>
+            </a:r>
+          </a:p>
+          <a:p>
+            <a:pPr lvl="1"/>
+            <a:r>
+              <a:rPr lang="en-US" sz="2000" dirty="0">
+                <a:solidFill>
+                  <a:schemeClr val="tx1"/>
+                </a:solidFill>
+              </a:rPr>
+              <a:t>As a Student, I want to see all my claims which is submitted also the </a:t>
+            </a:r>
+            <a:r>
+              <a:rPr lang="en-US" sz="2000" dirty="0" smtClean="0">
+                <a:solidFill>
+                  <a:schemeClr val="tx1"/>
+                </a:solidFill>
+              </a:rPr>
+              <a:t>decisions</a:t>
+            </a:r>
+          </a:p>
+          <a:p>
+            <a:pPr lvl="1"/>
+            <a:r>
+              <a:rPr lang="en-US" sz="2000" dirty="0">
+                <a:solidFill>
+                  <a:schemeClr val="tx1"/>
+                </a:solidFill>
+              </a:rPr>
+              <a:t>As a student, I want to searching and sorting claim</a:t>
+            </a:r>
+          </a:p>
+          <a:p>
+            <a:pPr lvl="1"/>
+            <a:endParaRPr lang="en-US" sz="2000" dirty="0">
+              <a:solidFill>
+                <a:schemeClr val="tx1"/>
+              </a:solidFill>
+            </a:endParaRPr>
+          </a:p>
+          <a:p>
+            <a:pPr lvl="1">
               <a:buFont typeface="Wingdings" charset="2"/>
               <a:buChar char="Ø"/>
             </a:pPr>
-            <a:r>
-              <a:rPr lang="en-US" sz="2800" dirty="0" smtClean="0"/>
-              <a:t>Demo date-time relations</a:t>
-            </a:r>
-          </a:p>
-          <a:p>
-            <a:pPr>
-              <a:buFont typeface="Wingdings" charset="2"/>
-              <a:buChar char="Ø"/>
-            </a:pPr>
-            <a:r>
-              <a:rPr lang="en-US" sz="2800" dirty="0" smtClean="0"/>
-              <a:t>Demo authorization (different roles or authorities)</a:t>
-            </a:r>
-          </a:p>
-          <a:p>
-            <a:pPr>
-              <a:buFont typeface="Wingdings" charset="2"/>
-              <a:buChar char="Ø"/>
-            </a:pPr>
-            <a:r>
-              <a:rPr lang="en-US" sz="2800" dirty="0" smtClean="0"/>
-              <a:t>Demo all system reports</a:t>
-            </a:r>
-          </a:p>
-          <a:p>
-            <a:pPr>
-              <a:buFont typeface="Wingdings" charset="2"/>
-              <a:buChar char="Ø"/>
-            </a:pPr>
-            <a:endParaRPr lang="en-US" dirty="0" smtClean="0"/>
+            <a:endParaRPr lang="en-US" dirty="0"/>
           </a:p>
         </p:txBody>
       </p:sp>
     </p:spTree>
     <p:extLst>
       <p:ext uri="{BB962C8B-B14F-4D97-AF65-F5344CB8AC3E}">
-        <p14:creationId xmlns:p14="http://schemas.microsoft.com/office/powerpoint/2010/main" val="233902115"/>
+        <p14:creationId xmlns:p14="http://schemas.microsoft.com/office/powerpoint/2010/main" val="990038662"/>
       </p:ext>
     </p:extLst>
   </p:cSld>
   <p:clrMapOvr>
     <a:masterClrMapping/>
   </p:clrMapOvr>
+  <p:timing>
+    <p:tnLst>
+      <p:par>
+        <p:cTn id="1" dur="indefinite" restart="never" nodeType="tmRoot"/>
+      </p:par>
+    </p:tnLst>
+  </p:timing>
 </p:sld>
 </file>
 
@@ -4607,13 +5094,10 @@
           <a:bodyPr/>
           <a:lstStyle/>
           <a:p>
+            <a:pPr lvl="0"/>
             <a:r>
               <a:rPr lang="en-US" dirty="0" smtClean="0"/>
-              <a:t>Demo 1: a</a:t>
-            </a:r>
-            <a:r>
-              <a:rPr lang="en-US" dirty="0" smtClean="0"/>
-              <a:t>ll system features</a:t>
+              <a:t>5. Testing</a:t>
             </a:r>
             <a:endParaRPr lang="en-US" dirty="0"/>
           </a:p>
@@ -4631,82 +5115,9 @@
         </p:nvSpPr>
         <p:spPr/>
         <p:txBody>
-          <a:bodyPr>
-            <a:normAutofit/>
-          </a:bodyPr>
-          <a:lstStyle/>
-          <a:p>
-            <a:pPr>
-              <a:buFont typeface="Wingdings" charset="2"/>
-              <a:buChar char="Ø"/>
-            </a:pPr>
-            <a:r>
-              <a:rPr lang="en-US" sz="2800" dirty="0" smtClean="0"/>
-              <a:t>Authentication (login, logout)</a:t>
-            </a:r>
-          </a:p>
-          <a:p>
-            <a:pPr>
-              <a:buFont typeface="Wingdings" charset="2"/>
-              <a:buChar char="Ø"/>
-            </a:pPr>
-            <a:r>
-              <a:rPr lang="en-US" sz="2800" dirty="0" smtClean="0"/>
-              <a:t>Student submits claims</a:t>
-            </a:r>
-          </a:p>
-          <a:p>
-            <a:pPr>
-              <a:buFont typeface="Wingdings" charset="2"/>
-              <a:buChar char="Ø"/>
-            </a:pPr>
-            <a:r>
-              <a:rPr lang="en-US" sz="2800" dirty="0" smtClean="0"/>
-              <a:t>Student submits evidences</a:t>
-            </a:r>
-          </a:p>
-          <a:p>
-            <a:pPr>
-              <a:buFont typeface="Wingdings" charset="2"/>
-              <a:buChar char="Ø"/>
-            </a:pPr>
-            <a:r>
-              <a:rPr lang="en-US" sz="2800" dirty="0" smtClean="0"/>
-              <a:t>Student receive email which contains the decision of claim</a:t>
-            </a:r>
-          </a:p>
-          <a:p>
-            <a:pPr>
-              <a:buFont typeface="Wingdings" charset="2"/>
-              <a:buChar char="Ø"/>
-            </a:pPr>
-            <a:r>
-              <a:rPr lang="en-US" sz="2800" dirty="0" smtClean="0"/>
-              <a:t>Student views all submitted claims</a:t>
-            </a:r>
-          </a:p>
-          <a:p>
-            <a:pPr>
-              <a:buFont typeface="Wingdings" charset="2"/>
-              <a:buChar char="Ø"/>
-            </a:pPr>
-            <a:r>
-              <a:rPr lang="en-US" sz="2800" dirty="0" smtClean="0"/>
-              <a:t>Student searches and sorts claims</a:t>
-            </a:r>
-          </a:p>
-          <a:p>
-            <a:pPr>
-              <a:buFont typeface="Wingdings" charset="2"/>
-              <a:buChar char="Ø"/>
-            </a:pPr>
-            <a:endParaRPr lang="en-US" dirty="0" smtClean="0"/>
-          </a:p>
-          <a:p>
-            <a:pPr>
-              <a:buFont typeface="Wingdings" charset="2"/>
-              <a:buChar char="Ø"/>
-            </a:pPr>
+          <a:bodyPr/>
+          <a:lstStyle/>
+          <a:p>
             <a:endParaRPr lang="en-US" dirty="0"/>
           </a:p>
         </p:txBody>
@@ -4714,13 +5125,20 @@
     </p:spTree>
     <p:extLst>
       <p:ext uri="{BB962C8B-B14F-4D97-AF65-F5344CB8AC3E}">
-        <p14:creationId xmlns:p14="http://schemas.microsoft.com/office/powerpoint/2010/main" val="913001290"/>
+        <p14:creationId xmlns:p14="http://schemas.microsoft.com/office/powerpoint/2010/main" val="391672032"/>
       </p:ext>
     </p:extLst>
   </p:cSld>
   <p:clrMapOvr>
     <a:masterClrMapping/>
   </p:clrMapOvr>
+  <p:timing>
+    <p:tnLst>
+      <p:par>
+        <p:cTn id="1" dur="indefinite" restart="never" nodeType="tmRoot"/>
+      </p:par>
+    </p:tnLst>
+  </p:timing>
 </p:sld>
 </file>
 
@@ -4753,215 +5171,34 @@
         </p:nvSpPr>
         <p:spPr/>
         <p:txBody>
+          <a:bodyPr>
+            <a:normAutofit/>
+          </a:bodyPr>
+          <a:lstStyle/>
+          <a:p>
+            <a:pPr lvl="0"/>
+            <a:r>
+              <a:rPr lang="en-US" dirty="0" smtClean="0"/>
+              <a:t>6. Agile methodology</a:t>
+            </a:r>
+            <a:endParaRPr lang="en-US" dirty="0"/>
+          </a:p>
+        </p:txBody>
+      </p:sp>
+      <p:sp>
+        <p:nvSpPr>
+          <p:cNvPr id="3" name="Content Placeholder 2"/>
+          <p:cNvSpPr>
+            <a:spLocks noGrp="1"/>
+          </p:cNvSpPr>
+          <p:nvPr>
+            <p:ph idx="1"/>
+          </p:nvPr>
+        </p:nvSpPr>
+        <p:spPr/>
+        <p:txBody>
           <a:bodyPr/>
           <a:lstStyle/>
-          <a:p>
-            <a:r>
-              <a:rPr lang="en-US" dirty="0" smtClean="0"/>
-              <a:t>Demo 1: </a:t>
-            </a:r>
-            <a:r>
-              <a:rPr lang="en-US" dirty="0"/>
-              <a:t>all system </a:t>
-            </a:r>
-            <a:r>
-              <a:rPr lang="en-US" dirty="0" smtClean="0"/>
-              <a:t>features (cont.)</a:t>
-            </a:r>
-            <a:endParaRPr lang="en-US" dirty="0"/>
-          </a:p>
-        </p:txBody>
-      </p:sp>
-      <p:sp>
-        <p:nvSpPr>
-          <p:cNvPr id="3" name="Content Placeholder 2"/>
-          <p:cNvSpPr>
-            <a:spLocks noGrp="1"/>
-          </p:cNvSpPr>
-          <p:nvPr>
-            <p:ph idx="1"/>
-          </p:nvPr>
-        </p:nvSpPr>
-        <p:spPr/>
-        <p:txBody>
-          <a:bodyPr>
-            <a:normAutofit fontScale="92500"/>
-          </a:bodyPr>
-          <a:lstStyle/>
-          <a:p>
-            <a:pPr>
-              <a:buFont typeface="Wingdings" charset="2"/>
-              <a:buChar char="Ø"/>
-            </a:pPr>
-            <a:r>
-              <a:rPr lang="en-US" sz="2800" dirty="0" smtClean="0">
-                <a:solidFill>
-                  <a:schemeClr val="tx1"/>
-                </a:solidFill>
-              </a:rPr>
-              <a:t>Coordinator receives </a:t>
-            </a:r>
-            <a:r>
-              <a:rPr lang="en-US" sz="2800" dirty="0">
-                <a:solidFill>
-                  <a:schemeClr val="tx1"/>
-                </a:solidFill>
-              </a:rPr>
-              <a:t>email of notification when new claim is submitted</a:t>
-            </a:r>
-          </a:p>
-          <a:p>
-            <a:pPr>
-              <a:buFont typeface="Wingdings" charset="2"/>
-              <a:buChar char="Ø"/>
-            </a:pPr>
-            <a:r>
-              <a:rPr lang="en-US" sz="2800" dirty="0" smtClean="0">
-                <a:solidFill>
-                  <a:schemeClr val="tx1"/>
-                </a:solidFill>
-              </a:rPr>
-              <a:t>Coordinator processes </a:t>
-            </a:r>
-            <a:r>
-              <a:rPr lang="en-US" sz="2800" dirty="0">
-                <a:solidFill>
-                  <a:schemeClr val="tx1"/>
-                </a:solidFill>
-              </a:rPr>
-              <a:t>new claim</a:t>
-            </a:r>
-          </a:p>
-          <a:p>
-            <a:pPr>
-              <a:buFont typeface="Wingdings" charset="2"/>
-              <a:buChar char="Ø"/>
-            </a:pPr>
-            <a:r>
-              <a:rPr lang="en-US" sz="2800" dirty="0" smtClean="0">
-                <a:solidFill>
-                  <a:schemeClr val="tx1"/>
-                </a:solidFill>
-              </a:rPr>
-              <a:t>Coordinator views all </a:t>
-            </a:r>
-            <a:r>
-              <a:rPr lang="en-US" sz="2800" dirty="0">
-                <a:solidFill>
-                  <a:schemeClr val="tx1"/>
-                </a:solidFill>
-              </a:rPr>
-              <a:t>the process of my </a:t>
-            </a:r>
-            <a:r>
-              <a:rPr lang="en-US" sz="2800" dirty="0" smtClean="0">
-                <a:solidFill>
-                  <a:schemeClr val="tx1"/>
-                </a:solidFill>
-              </a:rPr>
-              <a:t>Faculty</a:t>
-            </a:r>
-          </a:p>
-          <a:p>
-            <a:pPr>
-              <a:buFont typeface="Wingdings" charset="2"/>
-              <a:buChar char="Ø"/>
-            </a:pPr>
-            <a:endParaRPr lang="en-US" sz="2800" dirty="0" smtClean="0">
-              <a:solidFill>
-                <a:schemeClr val="tx1"/>
-              </a:solidFill>
-            </a:endParaRPr>
-          </a:p>
-          <a:p>
-            <a:pPr>
-              <a:buFont typeface="Wingdings" charset="2"/>
-              <a:buChar char="Ø"/>
-            </a:pPr>
-            <a:r>
-              <a:rPr lang="en-US" sz="2800" dirty="0">
-                <a:solidFill>
-                  <a:schemeClr val="tx1"/>
-                </a:solidFill>
-              </a:rPr>
-              <a:t>Manager views all </a:t>
-            </a:r>
-            <a:r>
-              <a:rPr lang="en-US" sz="2800" dirty="0" smtClean="0">
-                <a:solidFill>
-                  <a:schemeClr val="tx1"/>
-                </a:solidFill>
-              </a:rPr>
-              <a:t>claims</a:t>
-            </a:r>
-          </a:p>
-          <a:p>
-            <a:pPr>
-              <a:buFont typeface="Wingdings" charset="2"/>
-              <a:buChar char="Ø"/>
-            </a:pPr>
-            <a:r>
-              <a:rPr lang="en-US" sz="2800" dirty="0">
-                <a:solidFill>
-                  <a:schemeClr val="tx1"/>
-                </a:solidFill>
-              </a:rPr>
-              <a:t>Manager view claim reports (statistics</a:t>
-            </a:r>
-            <a:r>
-              <a:rPr lang="en-US" sz="2800" dirty="0" smtClean="0">
-                <a:solidFill>
-                  <a:schemeClr val="tx1"/>
-                </a:solidFill>
-              </a:rPr>
-              <a:t>)</a:t>
-            </a:r>
-          </a:p>
-          <a:p>
-            <a:pPr marL="91440" lvl="1" indent="-91440">
-              <a:spcBef>
-                <a:spcPts val="1200"/>
-              </a:spcBef>
-              <a:spcAft>
-                <a:spcPts val="200"/>
-              </a:spcAft>
-              <a:buSzPct val="100000"/>
-              <a:buFont typeface="Wingdings" charset="2"/>
-              <a:buChar char="Ø"/>
-            </a:pPr>
-            <a:r>
-              <a:rPr lang="en-US" sz="2800" dirty="0" smtClean="0">
-                <a:solidFill>
-                  <a:schemeClr val="tx1"/>
-                </a:solidFill>
-              </a:rPr>
-              <a:t>Admin </a:t>
-            </a:r>
-            <a:r>
-              <a:rPr lang="en-US" sz="2800" dirty="0">
-                <a:solidFill>
-                  <a:schemeClr val="tx1"/>
-                </a:solidFill>
-              </a:rPr>
-              <a:t>or </a:t>
-            </a:r>
-            <a:r>
-              <a:rPr lang="en-US" sz="2800" dirty="0" smtClean="0">
-                <a:solidFill>
-                  <a:schemeClr val="tx1"/>
-                </a:solidFill>
-              </a:rPr>
-              <a:t>manager views weekly </a:t>
-            </a:r>
-            <a:r>
-              <a:rPr lang="en-US" sz="2800" dirty="0">
-                <a:solidFill>
-                  <a:schemeClr val="tx1"/>
-                </a:solidFill>
-              </a:rPr>
-              <a:t>report or customize the report details</a:t>
-            </a:r>
-          </a:p>
           <a:p>
             <a:endParaRPr lang="en-US" dirty="0"/>
           </a:p>
@@ -4970,13 +5207,20 @@
     </p:spTree>
     <p:extLst>
       <p:ext uri="{BB962C8B-B14F-4D97-AF65-F5344CB8AC3E}">
-        <p14:creationId xmlns:p14="http://schemas.microsoft.com/office/powerpoint/2010/main" val="562138506"/>
+        <p14:creationId xmlns:p14="http://schemas.microsoft.com/office/powerpoint/2010/main" val="2006057599"/>
       </p:ext>
     </p:extLst>
   </p:cSld>
   <p:clrMapOvr>
     <a:masterClrMapping/>
   </p:clrMapOvr>
+  <p:timing>
+    <p:tnLst>
+      <p:par>
+        <p:cTn id="1" dur="indefinite" restart="never" nodeType="tmRoot"/>
+      </p:par>
+    </p:tnLst>
+  </p:timing>
 </p:sld>
 </file>
 
@@ -5012,14 +5256,12 @@
           <a:bodyPr/>
           <a:lstStyle/>
           <a:p>
-            <a:r>
-              <a:rPr lang="en-US" dirty="0" smtClean="0"/>
-              <a:t>Demo 1: </a:t>
-            </a:r>
-            <a:r>
-              <a:rPr lang="en-US" dirty="0"/>
-              <a:t>all system features (cont.)</a:t>
-            </a:r>
+            <a:pPr algn="ctr"/>
+            <a:r>
+              <a:rPr lang="en-US" b="1" dirty="0" smtClean="0"/>
+              <a:t>Demo Plan</a:t>
+            </a:r>
+            <a:endParaRPr lang="en-US" b="1" dirty="0"/>
           </a:p>
         </p:txBody>
       </p:sp>
@@ -5035,44 +5277,16 @@
         </p:nvSpPr>
         <p:spPr/>
         <p:txBody>
-          <a:bodyPr>
-            <a:normAutofit lnSpcReduction="10000"/>
-          </a:bodyPr>
-          <a:lstStyle/>
-          <a:p>
-            <a:pPr marL="0" indent="-292608">
-              <a:buFont typeface="Wingdings" charset="2"/>
-              <a:buChar char="Ø"/>
-            </a:pPr>
-            <a:r>
-              <a:rPr lang="en-US" sz="2600" dirty="0" smtClean="0">
-                <a:solidFill>
-                  <a:schemeClr val="tx1"/>
-                </a:solidFill>
-              </a:rPr>
-              <a:t>Admin </a:t>
-            </a:r>
-            <a:r>
-              <a:rPr lang="en-US" sz="2600" dirty="0">
-                <a:solidFill>
-                  <a:schemeClr val="tx1"/>
-                </a:solidFill>
-              </a:rPr>
-              <a:t>manages account of Users</a:t>
-            </a:r>
-          </a:p>
+          <a:bodyPr/>
+          <a:lstStyle/>
           <a:p>
             <a:pPr>
               <a:buFont typeface="Wingdings" charset="2"/>
               <a:buChar char="Ø"/>
             </a:pPr>
             <a:r>
-              <a:rPr lang="en-US" sz="2600" dirty="0">
-                <a:solidFill>
-                  <a:schemeClr val="tx1"/>
-                </a:solidFill>
-              </a:rPr>
-              <a:t>Admin manages system data</a:t>
+              <a:rPr lang="en-US" sz="2800" dirty="0" smtClean="0"/>
+              <a:t>Demo all system features</a:t>
             </a:r>
           </a:p>
           <a:p>
@@ -5081,12 +5295,8 @@
               <a:buChar char="Ø"/>
             </a:pPr>
             <a:r>
-              <a:rPr lang="en-US" sz="2600" dirty="0">
-                <a:solidFill>
-                  <a:schemeClr val="tx1"/>
-                </a:solidFill>
-              </a:rPr>
-              <a:t>Admin adds more situation options (sick, injury, etc.) as circumstances</a:t>
+              <a:rPr lang="en-US" sz="2800" dirty="0" smtClean="0"/>
+              <a:t>Demo data validation</a:t>
             </a:r>
           </a:p>
           <a:p>
@@ -5095,12 +5305,8 @@
               <a:buChar char="Ø"/>
             </a:pPr>
             <a:r>
-              <a:rPr lang="en-US" sz="2600" dirty="0">
-                <a:solidFill>
-                  <a:schemeClr val="tx1"/>
-                </a:solidFill>
-              </a:rPr>
-              <a:t>Admin views all claims in the system for each years</a:t>
+              <a:rPr lang="en-US" sz="2800" dirty="0" smtClean="0"/>
+              <a:t>Demo date-time relations</a:t>
             </a:r>
           </a:p>
           <a:p>
@@ -5109,12 +5315,8 @@
               <a:buChar char="Ø"/>
             </a:pPr>
             <a:r>
-              <a:rPr lang="en-US" sz="2600" dirty="0">
-                <a:solidFill>
-                  <a:schemeClr val="tx1"/>
-                </a:solidFill>
-              </a:rPr>
-              <a:t>Admin views items of assessment</a:t>
+              <a:rPr lang="en-US" sz="2800" dirty="0" smtClean="0"/>
+              <a:t>Demo authorization (different roles or authorities)</a:t>
             </a:r>
           </a:p>
           <a:p>
@@ -5123,94 +5325,36 @@
               <a:buChar char="Ø"/>
             </a:pPr>
             <a:r>
-              <a:rPr lang="en-US" sz="2600" dirty="0">
-                <a:solidFill>
-                  <a:schemeClr val="tx1"/>
-                </a:solidFill>
-              </a:rPr>
-              <a:t>Admin sets up closure date of </a:t>
-            </a:r>
-            <a:r>
-              <a:rPr lang="en-US" sz="2600" dirty="0" smtClean="0">
-                <a:solidFill>
-                  <a:schemeClr val="tx1"/>
-                </a:solidFill>
-              </a:rPr>
-              <a:t>claims</a:t>
-            </a:r>
-            <a:endParaRPr lang="en-US" sz="2600" dirty="0">
-              <a:solidFill>
-                <a:schemeClr val="tx1"/>
-              </a:solidFill>
-            </a:endParaRPr>
+              <a:rPr lang="en-US" sz="2800" dirty="0" smtClean="0"/>
+              <a:t>Demo all system reports</a:t>
+            </a:r>
           </a:p>
           <a:p>
             <a:pPr>
               <a:buFont typeface="Wingdings" charset="2"/>
               <a:buChar char="Ø"/>
             </a:pPr>
-            <a:r>
-              <a:rPr lang="en-US" sz="2600" dirty="0">
-                <a:solidFill>
-                  <a:schemeClr val="tx1"/>
-                </a:solidFill>
-              </a:rPr>
-              <a:t>Admin sets up closure date of </a:t>
-            </a:r>
-            <a:r>
-              <a:rPr lang="en-US" sz="2600" dirty="0" smtClean="0">
-                <a:solidFill>
-                  <a:schemeClr val="tx1"/>
-                </a:solidFill>
-              </a:rPr>
-              <a:t>items</a:t>
-            </a:r>
-          </a:p>
-          <a:p>
-            <a:pPr>
-              <a:buFont typeface="Wingdings" charset="2"/>
-              <a:buChar char="Ø"/>
-            </a:pPr>
-            <a:r>
-              <a:rPr lang="en-US" sz="2600" dirty="0" smtClean="0">
-                <a:solidFill>
-                  <a:schemeClr val="tx1"/>
-                </a:solidFill>
-              </a:rPr>
-              <a:t>User accesses website online</a:t>
-            </a:r>
-            <a:endParaRPr lang="en-US" sz="2600" dirty="0">
-              <a:solidFill>
-                <a:schemeClr val="tx1"/>
-              </a:solidFill>
-            </a:endParaRPr>
-          </a:p>
-          <a:p>
-            <a:pPr>
-              <a:buFont typeface="Wingdings" charset="2"/>
-              <a:buChar char="Ø"/>
-            </a:pPr>
             <a:endParaRPr lang="en-US" dirty="0" smtClean="0"/>
-          </a:p>
-          <a:p>
-            <a:pPr>
-              <a:buFont typeface="Wingdings" charset="2"/>
-              <a:buChar char="Ø"/>
-            </a:pPr>
-            <a:endParaRPr lang="en-US" dirty="0"/>
           </a:p>
         </p:txBody>
       </p:sp>
     </p:spTree>
     <p:extLst>
       <p:ext uri="{BB962C8B-B14F-4D97-AF65-F5344CB8AC3E}">
-        <p14:creationId xmlns:p14="http://schemas.microsoft.com/office/powerpoint/2010/main" val="1963626366"/>
+        <p14:creationId xmlns:p14="http://schemas.microsoft.com/office/powerpoint/2010/main" val="233902115"/>
       </p:ext>
     </p:extLst>
   </p:cSld>
   <p:clrMapOvr>
     <a:masterClrMapping/>
   </p:clrMapOvr>
+  <p:timing>
+    <p:tnLst>
+      <p:par>
+        <p:cTn id="1" dur="indefinite" restart="never" nodeType="tmRoot"/>
+      </p:par>
+    </p:tnLst>
+  </p:timing>
 </p:sld>
 </file>
 
@@ -5248,7 +5392,7 @@
           <a:p>
             <a:r>
               <a:rPr lang="en-US" dirty="0" smtClean="0"/>
-              <a:t>Demo 2: data validation (form)</a:t>
+              <a:t>Demo 1: all system features</a:t>
             </a:r>
             <a:endParaRPr lang="en-US" dirty="0"/>
           </a:p>
@@ -5266,7 +5410,9 @@
         </p:nvSpPr>
         <p:spPr/>
         <p:txBody>
-          <a:bodyPr/>
+          <a:bodyPr>
+            <a:normAutofit/>
+          </a:bodyPr>
           <a:lstStyle/>
           <a:p>
             <a:pPr>
@@ -5274,22 +5420,9 @@
               <a:buChar char="Ø"/>
             </a:pPr>
             <a:r>
-              <a:rPr lang="en-US" sz="3000" dirty="0"/>
-              <a:t>Text </a:t>
-            </a:r>
-            <a:r>
-              <a:rPr lang="en-US" sz="3000" dirty="0" smtClean="0"/>
-              <a:t>validation (title, content, name, username, code</a:t>
-            </a:r>
-            <a:r>
-              <a:rPr lang="mr-IN" sz="3000" dirty="0" smtClean="0"/>
-              <a:t>…</a:t>
-            </a:r>
-            <a:r>
-              <a:rPr lang="en-US" sz="3000" dirty="0" smtClean="0"/>
-              <a:t>)</a:t>
-            </a:r>
-            <a:endParaRPr lang="en-US" sz="3000" dirty="0"/>
+              <a:rPr lang="en-US" sz="2800" dirty="0" smtClean="0"/>
+              <a:t>Authentication (login, logout)</a:t>
+            </a:r>
           </a:p>
           <a:p>
             <a:pPr>
@@ -5297,12 +5430,8 @@
               <a:buChar char="Ø"/>
             </a:pPr>
             <a:r>
-              <a:rPr lang="en-US" sz="3000" dirty="0"/>
-              <a:t>Date </a:t>
-            </a:r>
-            <a:r>
-              <a:rPr lang="en-US" sz="3000" dirty="0" smtClean="0"/>
-              <a:t>validation (closure date)</a:t>
+              <a:rPr lang="en-US" sz="2800" dirty="0" smtClean="0"/>
+              <a:t>Student submits claims</a:t>
             </a:r>
           </a:p>
           <a:p>
@@ -5311,23 +5440,73 @@
               <a:buChar char="Ø"/>
             </a:pPr>
             <a:r>
-              <a:rPr lang="en-US" sz="3000" dirty="0" smtClean="0"/>
-              <a:t>File validation (upload file)</a:t>
-            </a:r>
-            <a:endParaRPr lang="en-US" sz="3000" dirty="0"/>
+              <a:rPr lang="en-US" sz="2800" dirty="0" smtClean="0"/>
+              <a:t>Student submits evidences</a:t>
+            </a:r>
+          </a:p>
+          <a:p>
+            <a:pPr>
+              <a:buFont typeface="Wingdings" charset="2"/>
+              <a:buChar char="Ø"/>
+            </a:pPr>
+            <a:r>
+              <a:rPr lang="en-US" sz="2800" dirty="0" smtClean="0"/>
+              <a:t>Student receive email which contains the decision of claim</a:t>
+            </a:r>
+          </a:p>
+          <a:p>
+            <a:pPr>
+              <a:buFont typeface="Wingdings" charset="2"/>
+              <a:buChar char="Ø"/>
+            </a:pPr>
+            <a:r>
+              <a:rPr lang="en-US" sz="2800" dirty="0" smtClean="0"/>
+              <a:t>Student views all submitted claims</a:t>
+            </a:r>
+          </a:p>
+          <a:p>
+            <a:pPr>
+              <a:buFont typeface="Wingdings" charset="2"/>
+              <a:buChar char="Ø"/>
+            </a:pPr>
+            <a:r>
+              <a:rPr lang="en-US" sz="2800" dirty="0" smtClean="0"/>
+              <a:t>Student searches and sorts claims</a:t>
+            </a:r>
+          </a:p>
+          <a:p>
+            <a:pPr>
+              <a:buFont typeface="Wingdings" charset="2"/>
+              <a:buChar char="Ø"/>
+            </a:pPr>
+            <a:endParaRPr lang="en-US" dirty="0" smtClean="0"/>
+          </a:p>
+          <a:p>
+            <a:pPr>
+              <a:buFont typeface="Wingdings" charset="2"/>
+              <a:buChar char="Ø"/>
+            </a:pPr>
+            <a:endParaRPr lang="en-US" dirty="0"/>
           </a:p>
         </p:txBody>
       </p:sp>
     </p:spTree>
     <p:extLst>
       <p:ext uri="{BB962C8B-B14F-4D97-AF65-F5344CB8AC3E}">
-        <p14:creationId xmlns:p14="http://schemas.microsoft.com/office/powerpoint/2010/main" val="756852199"/>
+        <p14:creationId xmlns:p14="http://schemas.microsoft.com/office/powerpoint/2010/main" val="913001290"/>
       </p:ext>
     </p:extLst>
   </p:cSld>
   <p:clrMapOvr>
     <a:masterClrMapping/>
   </p:clrMapOvr>
+  <p:timing>
+    <p:tnLst>
+      <p:par>
+        <p:cTn id="1" dur="indefinite" restart="never" nodeType="tmRoot"/>
+      </p:par>
+    </p:tnLst>
+  </p:timing>
 </p:sld>
 </file>
 
@@ -5365,7 +5544,15 @@
           <a:p>
             <a:r>
               <a:rPr lang="en-US" dirty="0" smtClean="0"/>
-              <a:t>Demo 3: date-time relations </a:t>
+              <a:t>Demo 1: </a:t>
+            </a:r>
+            <a:r>
+              <a:rPr lang="en-US" dirty="0"/>
+              <a:t>all system </a:t>
+            </a:r>
+            <a:r>
+              <a:rPr lang="en-US" dirty="0" smtClean="0"/>
+              <a:t>features (cont.)</a:t>
             </a:r>
             <a:endParaRPr lang="en-US" dirty="0"/>
           </a:p>
@@ -5383,7 +5570,9 @@
         </p:nvSpPr>
         <p:spPr/>
         <p:txBody>
-          <a:bodyPr/>
+          <a:bodyPr>
+            <a:normAutofit fontScale="92500"/>
+          </a:bodyPr>
           <a:lstStyle/>
           <a:p>
             <a:pPr>
@@ -5391,8 +5580,20 @@
               <a:buChar char="Ø"/>
             </a:pPr>
             <a:r>
-              <a:rPr lang="en-US" sz="2800" dirty="0" smtClean="0"/>
-              <a:t>Date of claim submissions</a:t>
+              <a:rPr lang="en-US" sz="2800" dirty="0" smtClean="0">
+                <a:solidFill>
+                  <a:schemeClr val="tx1"/>
+                </a:solidFill>
+              </a:rPr>
+              <a:t>Coordinator receives </a:t>
+            </a:r>
+            <a:r>
+              <a:rPr lang="en-US" sz="2800" dirty="0">
+                <a:solidFill>
+                  <a:schemeClr val="tx1"/>
+                </a:solidFill>
+              </a:rPr>
+              <a:t>email of notification when new claim is submitted</a:t>
             </a:r>
           </a:p>
           <a:p>
@@ -5401,8 +5602,20 @@
               <a:buChar char="Ø"/>
             </a:pPr>
             <a:r>
-              <a:rPr lang="en-US" sz="2800" dirty="0" smtClean="0"/>
-              <a:t>Date of evidence submissions</a:t>
+              <a:rPr lang="en-US" sz="2800" dirty="0" smtClean="0">
+                <a:solidFill>
+                  <a:schemeClr val="tx1"/>
+                </a:solidFill>
+              </a:rPr>
+              <a:t>Coordinator processes </a:t>
+            </a:r>
+            <a:r>
+              <a:rPr lang="en-US" sz="2800" dirty="0">
+                <a:solidFill>
+                  <a:schemeClr val="tx1"/>
+                </a:solidFill>
+              </a:rPr>
+              <a:t>new claim</a:t>
             </a:r>
           </a:p>
           <a:p>
@@ -5411,8 +5624,28 @@
               <a:buChar char="Ø"/>
             </a:pPr>
             <a:r>
-              <a:rPr lang="en-US" sz="2800" dirty="0" smtClean="0"/>
-              <a:t>Closure date of claims</a:t>
+              <a:rPr lang="en-US" sz="2800" dirty="0" smtClean="0">
+                <a:solidFill>
+                  <a:schemeClr val="tx1"/>
+                </a:solidFill>
+              </a:rPr>
+              <a:t>Coordinator views all </a:t>
+            </a:r>
+            <a:r>
+              <a:rPr lang="en-US" sz="2800" dirty="0">
+                <a:solidFill>
+                  <a:schemeClr val="tx1"/>
+                </a:solidFill>
+              </a:rPr>
+              <a:t>the process of my </a:t>
+            </a:r>
+            <a:r>
+              <a:rPr lang="en-US" sz="2800" dirty="0" smtClean="0">
+                <a:solidFill>
+                  <a:schemeClr val="tx1"/>
+                </a:solidFill>
+              </a:rPr>
+              <a:t>Faculty</a:t>
             </a:r>
           </a:p>
           <a:p>
@@ -5420,14 +5653,11 @@
               <a:buFont typeface="Wingdings" charset="2"/>
               <a:buChar char="Ø"/>
             </a:pPr>
-            <a:r>
-              <a:rPr lang="en-US" sz="2800" dirty="0"/>
-              <a:t>Closure date of </a:t>
-            </a:r>
-            <a:r>
-              <a:rPr lang="en-US" sz="2800" dirty="0" smtClean="0"/>
-              <a:t>items</a:t>
-            </a:r>
+            <a:endParaRPr lang="en-US" sz="2800" dirty="0" smtClean="0">
+              <a:solidFill>
+                <a:schemeClr val="tx1"/>
+              </a:solidFill>
+            </a:endParaRPr>
           </a:p>
           <a:p>
             <a:pPr>
@@ -5435,16 +5665,90 @@
               <a:buChar char="Ø"/>
             </a:pPr>
             <a:r>
-              <a:rPr lang="en-US" sz="2800" dirty="0" smtClean="0"/>
-              <a:t>Processed date of claims</a:t>
-            </a:r>
-            <a:endParaRPr lang="en-US" sz="2800" dirty="0"/>
+              <a:rPr lang="en-US" sz="2800" dirty="0">
+                <a:solidFill>
+                  <a:schemeClr val="tx1"/>
+                </a:solidFill>
+              </a:rPr>
+              <a:t>Manager views all </a:t>
+            </a:r>
+            <a:r>
+              <a:rPr lang="en-US" sz="2800" dirty="0" smtClean="0">
+                <a:solidFill>
+                  <a:schemeClr val="tx1"/>
+                </a:solidFill>
+              </a:rPr>
+              <a:t>claims</a:t>
+            </a:r>
           </a:p>
           <a:p>
             <a:pPr>
               <a:buFont typeface="Wingdings" charset="2"/>
               <a:buChar char="Ø"/>
             </a:pPr>
+            <a:r>
+              <a:rPr lang="en-US" sz="2800" dirty="0">
+                <a:solidFill>
+                  <a:schemeClr val="tx1"/>
+                </a:solidFill>
+              </a:rPr>
+              <a:t>Manager view claim reports (statistics</a:t>
+            </a:r>
+            <a:r>
+              <a:rPr lang="en-US" sz="2800" dirty="0" smtClean="0">
+                <a:solidFill>
+                  <a:schemeClr val="tx1"/>
+                </a:solidFill>
+              </a:rPr>
+              <a:t>)</a:t>
+            </a:r>
+          </a:p>
+          <a:p>
+            <a:pPr marL="91440" lvl="1" indent="-91440">
+              <a:spcBef>
+                <a:spcPts val="1200"/>
+              </a:spcBef>
+              <a:spcAft>
+                <a:spcPts val="200"/>
+              </a:spcAft>
+              <a:buSzPct val="100000"/>
+              <a:buFont typeface="Wingdings" charset="2"/>
+              <a:buChar char="Ø"/>
+            </a:pPr>
+            <a:r>
+              <a:rPr lang="en-US" sz="2800" dirty="0" smtClean="0">
+                <a:solidFill>
+                  <a:schemeClr val="tx1"/>
+                </a:solidFill>
+              </a:rPr>
+              <a:t>Admin </a:t>
+            </a:r>
+            <a:r>
+              <a:rPr lang="en-US" sz="2800" dirty="0">
+                <a:solidFill>
+                  <a:schemeClr val="tx1"/>
+                </a:solidFill>
+              </a:rPr>
+              <a:t>or </a:t>
+            </a:r>
+            <a:r>
+              <a:rPr lang="en-US" sz="2800" dirty="0" smtClean="0">
+                <a:solidFill>
+                  <a:schemeClr val="tx1"/>
+                </a:solidFill>
+              </a:rPr>
+              <a:t>manager views weekly </a:t>
+            </a:r>
+            <a:r>
+              <a:rPr lang="en-US" sz="2800" dirty="0">
+                <a:solidFill>
+                  <a:schemeClr val="tx1"/>
+                </a:solidFill>
+              </a:rPr>
+              <a:t>report or customize the report details</a:t>
+            </a:r>
+          </a:p>
+          <a:p>
             <a:endParaRPr lang="en-US" dirty="0"/>
           </a:p>
         </p:txBody>
@@ -5452,13 +5756,20 @@
     </p:spTree>
     <p:extLst>
       <p:ext uri="{BB962C8B-B14F-4D97-AF65-F5344CB8AC3E}">
-        <p14:creationId xmlns:p14="http://schemas.microsoft.com/office/powerpoint/2010/main" val="132336000"/>
+        <p14:creationId xmlns:p14="http://schemas.microsoft.com/office/powerpoint/2010/main" val="562138506"/>
       </p:ext>
     </p:extLst>
   </p:cSld>
   <p:clrMapOvr>
     <a:masterClrMapping/>
   </p:clrMapOvr>
+  <p:timing>
+    <p:tnLst>
+      <p:par>
+        <p:cTn id="1" dur="indefinite" restart="never" nodeType="tmRoot"/>
+      </p:par>
+    </p:tnLst>
+  </p:timing>
 </p:sld>
 </file>
 
@@ -5496,9 +5807,12 @@
           <a:p>
             <a:r>
               <a:rPr lang="en-US" dirty="0" smtClean="0"/>
-              <a:t>Demo 4: authorization</a:t>
-            </a:r>
-            <a:endParaRPr lang="en-US" dirty="0"/>
+              <a:t>Demo 1: </a:t>
+            </a:r>
+            <a:r>
+              <a:rPr lang="en-US" dirty="0"/>
+              <a:t>all system features (cont.)</a:t>
+            </a:r>
           </a:p>
         </p:txBody>
       </p:sp>
@@ -5514,16 +5828,44 @@
         </p:nvSpPr>
         <p:spPr/>
         <p:txBody>
-          <a:bodyPr/>
-          <a:lstStyle/>
+          <a:bodyPr>
+            <a:normAutofit/>
+          </a:bodyPr>
+          <a:lstStyle/>
+          <a:p>
+            <a:pPr marL="0" indent="-292608">
+              <a:buFont typeface="Wingdings" charset="2"/>
+              <a:buChar char="Ø"/>
+            </a:pPr>
+            <a:r>
+              <a:rPr lang="en-US" sz="2600" dirty="0" smtClean="0">
+                <a:solidFill>
+                  <a:schemeClr val="tx1"/>
+                </a:solidFill>
+              </a:rPr>
+              <a:t>Admin </a:t>
+            </a:r>
+            <a:r>
+              <a:rPr lang="en-US" sz="2600" dirty="0">
+                <a:solidFill>
+                  <a:schemeClr val="tx1"/>
+                </a:solidFill>
+              </a:rPr>
+              <a:t>manages account of Users</a:t>
+            </a:r>
+          </a:p>
           <a:p>
             <a:pPr>
               <a:buFont typeface="Wingdings" charset="2"/>
               <a:buChar char="Ø"/>
             </a:pPr>
             <a:r>
-              <a:rPr lang="en-US" sz="2800" dirty="0" smtClean="0"/>
-              <a:t>List all system roles or authorities</a:t>
+              <a:rPr lang="en-US" sz="2600" dirty="0">
+                <a:solidFill>
+                  <a:schemeClr val="tx1"/>
+                </a:solidFill>
+              </a:rPr>
+              <a:t>Admin manages system data</a:t>
             </a:r>
           </a:p>
           <a:p>
@@ -5532,8 +5874,20 @@
               <a:buChar char="Ø"/>
             </a:pPr>
             <a:r>
-              <a:rPr lang="en-US" sz="2800" dirty="0" smtClean="0"/>
-              <a:t>Authorized areas of each role</a:t>
+              <a:rPr lang="en-US" sz="2600" smtClean="0">
+                <a:solidFill>
+                  <a:schemeClr val="tx1"/>
+                </a:solidFill>
+              </a:rPr>
+              <a:t>Admin </a:t>
+            </a:r>
+            <a:r>
+              <a:rPr lang="en-US" sz="2600" dirty="0">
+                <a:solidFill>
+                  <a:schemeClr val="tx1"/>
+                </a:solidFill>
+              </a:rPr>
+              <a:t>views all claims in the system for each years</a:t>
             </a:r>
           </a:p>
           <a:p>
@@ -5542,8 +5896,12 @@
               <a:buChar char="Ø"/>
             </a:pPr>
             <a:r>
-              <a:rPr lang="en-US" sz="2800" dirty="0" smtClean="0"/>
-              <a:t>Reponses unauthorized messages</a:t>
+              <a:rPr lang="en-US" sz="2600" dirty="0">
+                <a:solidFill>
+                  <a:schemeClr val="tx1"/>
+                </a:solidFill>
+              </a:rPr>
+              <a:t>Admin views items of assessment</a:t>
             </a:r>
           </a:p>
           <a:p>
@@ -5552,20 +5910,80 @@
               <a:buChar char="Ø"/>
             </a:pPr>
             <a:r>
-              <a:rPr lang="en-US" sz="2800" dirty="0"/>
-              <a:t>Reponses </a:t>
-            </a:r>
-            <a:r>
-              <a:rPr lang="en-US" sz="2800" dirty="0" smtClean="0"/>
-              <a:t>not found messages</a:t>
-            </a:r>
-            <a:endParaRPr lang="en-US" sz="2800" dirty="0"/>
+              <a:rPr lang="en-US" sz="2600" dirty="0">
+                <a:solidFill>
+                  <a:schemeClr val="tx1"/>
+                </a:solidFill>
+              </a:rPr>
+              <a:t>Admin sets up closure date of </a:t>
+            </a:r>
+            <a:r>
+              <a:rPr lang="en-US" sz="2600" dirty="0" smtClean="0">
+                <a:solidFill>
+                  <a:schemeClr val="tx1"/>
+                </a:solidFill>
+              </a:rPr>
+              <a:t>claims</a:t>
+            </a:r>
+            <a:endParaRPr lang="en-US" sz="2600" dirty="0">
+              <a:solidFill>
+                <a:schemeClr val="tx1"/>
+              </a:solidFill>
+            </a:endParaRPr>
           </a:p>
           <a:p>
             <a:pPr>
               <a:buFont typeface="Wingdings" charset="2"/>
               <a:buChar char="Ø"/>
             </a:pPr>
+            <a:r>
+              <a:rPr lang="en-US" sz="2600" dirty="0">
+                <a:solidFill>
+                  <a:schemeClr val="tx1"/>
+                </a:solidFill>
+              </a:rPr>
+              <a:t>Admin sets up closure date of </a:t>
+            </a:r>
+            <a:r>
+              <a:rPr lang="en-US" sz="2600" dirty="0" smtClean="0">
+                <a:solidFill>
+                  <a:schemeClr val="tx1"/>
+                </a:solidFill>
+              </a:rPr>
+              <a:t>items</a:t>
+            </a:r>
+          </a:p>
+          <a:p>
+            <a:pPr>
+              <a:buFont typeface="Wingdings" charset="2"/>
+              <a:buChar char="Ø"/>
+            </a:pPr>
+            <a:r>
+              <a:rPr lang="en-US" sz="2600" dirty="0" smtClean="0">
+                <a:solidFill>
+                  <a:schemeClr val="tx1"/>
+                </a:solidFill>
+              </a:rPr>
+              <a:t>User accesses website online</a:t>
+            </a:r>
+            <a:endParaRPr lang="en-US" sz="2600" dirty="0">
+              <a:solidFill>
+                <a:schemeClr val="tx1"/>
+              </a:solidFill>
+            </a:endParaRPr>
+          </a:p>
+          <a:p>
+            <a:pPr>
+              <a:buFont typeface="Wingdings" charset="2"/>
+              <a:buChar char="Ø"/>
+            </a:pPr>
+            <a:endParaRPr lang="en-US" dirty="0" smtClean="0"/>
+          </a:p>
+          <a:p>
+            <a:pPr>
+              <a:buFont typeface="Wingdings" charset="2"/>
+              <a:buChar char="Ø"/>
+            </a:pPr>
             <a:endParaRPr lang="en-US" dirty="0"/>
           </a:p>
         </p:txBody>
@@ -5573,7 +5991,7 @@
     </p:spTree>
     <p:extLst>
       <p:ext uri="{BB962C8B-B14F-4D97-AF65-F5344CB8AC3E}">
-        <p14:creationId xmlns:p14="http://schemas.microsoft.com/office/powerpoint/2010/main" val="1495225163"/>
+        <p14:creationId xmlns:p14="http://schemas.microsoft.com/office/powerpoint/2010/main" val="1963626366"/>
       </p:ext>
     </p:extLst>
   </p:cSld>
@@ -5617,6 +6035,719 @@
           <a:p>
             <a:r>
               <a:rPr lang="en-US" dirty="0" smtClean="0"/>
+              <a:t>Demo 2: data validation (form)</a:t>
+            </a:r>
+            <a:endParaRPr lang="en-US" dirty="0"/>
+          </a:p>
+        </p:txBody>
+      </p:sp>
+      <p:sp>
+        <p:nvSpPr>
+          <p:cNvPr id="3" name="Content Placeholder 2"/>
+          <p:cNvSpPr>
+            <a:spLocks noGrp="1"/>
+          </p:cNvSpPr>
+          <p:nvPr>
+            <p:ph idx="1"/>
+          </p:nvPr>
+        </p:nvSpPr>
+        <p:spPr/>
+        <p:txBody>
+          <a:bodyPr/>
+          <a:lstStyle/>
+          <a:p>
+            <a:pPr>
+              <a:buFont typeface="Wingdings" charset="2"/>
+              <a:buChar char="Ø"/>
+            </a:pPr>
+            <a:r>
+              <a:rPr lang="en-US" sz="3000" dirty="0"/>
+              <a:t>Text </a:t>
+            </a:r>
+            <a:r>
+              <a:rPr lang="en-US" sz="3000" dirty="0" smtClean="0"/>
+              <a:t>validation (title, content, name, username, code</a:t>
+            </a:r>
+            <a:r>
+              <a:rPr lang="mr-IN" sz="3000" dirty="0" smtClean="0"/>
+              <a:t>…</a:t>
+            </a:r>
+            <a:r>
+              <a:rPr lang="en-US" sz="3000" dirty="0" smtClean="0"/>
+              <a:t>)</a:t>
+            </a:r>
+            <a:endParaRPr lang="en-US" sz="3000" dirty="0"/>
+          </a:p>
+          <a:p>
+            <a:pPr>
+              <a:buFont typeface="Wingdings" charset="2"/>
+              <a:buChar char="Ø"/>
+            </a:pPr>
+            <a:r>
+              <a:rPr lang="en-US" sz="3000" dirty="0"/>
+              <a:t>Date </a:t>
+            </a:r>
+            <a:r>
+              <a:rPr lang="en-US" sz="3000" dirty="0" smtClean="0"/>
+              <a:t>validation (closure date)</a:t>
+            </a:r>
+          </a:p>
+          <a:p>
+            <a:pPr>
+              <a:buFont typeface="Wingdings" charset="2"/>
+              <a:buChar char="Ø"/>
+            </a:pPr>
+            <a:r>
+              <a:rPr lang="en-US" sz="3000" dirty="0" smtClean="0"/>
+              <a:t>File validation (upload file)</a:t>
+            </a:r>
+            <a:endParaRPr lang="en-US" sz="3000" dirty="0"/>
+          </a:p>
+        </p:txBody>
+      </p:sp>
+    </p:spTree>
+    <p:extLst>
+      <p:ext uri="{BB962C8B-B14F-4D97-AF65-F5344CB8AC3E}">
+        <p14:creationId xmlns:p14="http://schemas.microsoft.com/office/powerpoint/2010/main" val="756852199"/>
+      </p:ext>
+    </p:extLst>
+  </p:cSld>
+  <p:clrMapOvr>
+    <a:masterClrMapping/>
+  </p:clrMapOvr>
+</p:sld>
+</file>
+
+<file path=ppt/slides/slide18.xml><?xml version="1.0" encoding="utf-8"?>
+<p:sld xmlns:a="http://schemas.openxmlformats.org/drawingml/2006/main" xmlns:r="http://schemas.openxmlformats.org/officeDocument/2006/relationships" xmlns:p="http://schemas.openxmlformats.org/presentationml/2006/main">
+  <p:cSld>
+    <p:spTree>
+      <p:nvGrpSpPr>
+        <p:cNvPr id="1" name=""/>
+        <p:cNvGrpSpPr/>
+        <p:nvPr/>
+      </p:nvGrpSpPr>
+      <p:grpSpPr>
+        <a:xfrm>
+          <a:off x="0" y="0"/>
+          <a:ext cx="0" cy="0"/>
+          <a:chOff x="0" y="0"/>
+          <a:chExt cx="0" cy="0"/>
+        </a:xfrm>
+      </p:grpSpPr>
+      <p:sp>
+        <p:nvSpPr>
+          <p:cNvPr id="2" name="Title 1"/>
+          <p:cNvSpPr>
+            <a:spLocks noGrp="1"/>
+          </p:cNvSpPr>
+          <p:nvPr>
+            <p:ph type="title"/>
+          </p:nvPr>
+        </p:nvSpPr>
+        <p:spPr/>
+        <p:txBody>
+          <a:bodyPr/>
+          <a:lstStyle/>
+          <a:p>
+            <a:r>
+              <a:rPr lang="en-US" dirty="0" smtClean="0"/>
+              <a:t>Demo 3: date-time relations </a:t>
+            </a:r>
+            <a:endParaRPr lang="en-US" dirty="0"/>
+          </a:p>
+        </p:txBody>
+      </p:sp>
+      <p:sp>
+        <p:nvSpPr>
+          <p:cNvPr id="3" name="Content Placeholder 2"/>
+          <p:cNvSpPr>
+            <a:spLocks noGrp="1"/>
+          </p:cNvSpPr>
+          <p:nvPr>
+            <p:ph idx="1"/>
+          </p:nvPr>
+        </p:nvSpPr>
+        <p:spPr/>
+        <p:txBody>
+          <a:bodyPr/>
+          <a:lstStyle/>
+          <a:p>
+            <a:pPr>
+              <a:buFont typeface="Wingdings" charset="2"/>
+              <a:buChar char="Ø"/>
+            </a:pPr>
+            <a:r>
+              <a:rPr lang="en-US" sz="2800" dirty="0" smtClean="0"/>
+              <a:t>Date of claim submissions</a:t>
+            </a:r>
+          </a:p>
+          <a:p>
+            <a:pPr>
+              <a:buFont typeface="Wingdings" charset="2"/>
+              <a:buChar char="Ø"/>
+            </a:pPr>
+            <a:r>
+              <a:rPr lang="en-US" sz="2800" dirty="0" smtClean="0"/>
+              <a:t>Date of evidence submissions</a:t>
+            </a:r>
+          </a:p>
+          <a:p>
+            <a:pPr>
+              <a:buFont typeface="Wingdings" charset="2"/>
+              <a:buChar char="Ø"/>
+            </a:pPr>
+            <a:r>
+              <a:rPr lang="en-US" sz="2800" dirty="0" smtClean="0"/>
+              <a:t>Closure date of claims</a:t>
+            </a:r>
+          </a:p>
+          <a:p>
+            <a:pPr>
+              <a:buFont typeface="Wingdings" charset="2"/>
+              <a:buChar char="Ø"/>
+            </a:pPr>
+            <a:r>
+              <a:rPr lang="en-US" sz="2800" dirty="0"/>
+              <a:t>Closure date of </a:t>
+            </a:r>
+            <a:r>
+              <a:rPr lang="en-US" sz="2800" dirty="0" smtClean="0"/>
+              <a:t>items</a:t>
+            </a:r>
+          </a:p>
+          <a:p>
+            <a:pPr>
+              <a:buFont typeface="Wingdings" charset="2"/>
+              <a:buChar char="Ø"/>
+            </a:pPr>
+            <a:r>
+              <a:rPr lang="en-US" sz="2800" dirty="0" smtClean="0"/>
+              <a:t>Processed date of claims</a:t>
+            </a:r>
+            <a:endParaRPr lang="en-US" sz="2800" dirty="0"/>
+          </a:p>
+          <a:p>
+            <a:pPr>
+              <a:buFont typeface="Wingdings" charset="2"/>
+              <a:buChar char="Ø"/>
+            </a:pPr>
+            <a:endParaRPr lang="en-US" dirty="0"/>
+          </a:p>
+        </p:txBody>
+      </p:sp>
+    </p:spTree>
+    <p:extLst>
+      <p:ext uri="{BB962C8B-B14F-4D97-AF65-F5344CB8AC3E}">
+        <p14:creationId xmlns:p14="http://schemas.microsoft.com/office/powerpoint/2010/main" val="132336000"/>
+      </p:ext>
+    </p:extLst>
+  </p:cSld>
+  <p:clrMapOvr>
+    <a:masterClrMapping/>
+  </p:clrMapOvr>
+</p:sld>
+</file>
+
+<file path=ppt/slides/slide19.xml><?xml version="1.0" encoding="utf-8"?>
+<p:sld xmlns:a="http://schemas.openxmlformats.org/drawingml/2006/main" xmlns:r="http://schemas.openxmlformats.org/officeDocument/2006/relationships" xmlns:p="http://schemas.openxmlformats.org/presentationml/2006/main">
+  <p:cSld>
+    <p:spTree>
+      <p:nvGrpSpPr>
+        <p:cNvPr id="1" name=""/>
+        <p:cNvGrpSpPr/>
+        <p:nvPr/>
+      </p:nvGrpSpPr>
+      <p:grpSpPr>
+        <a:xfrm>
+          <a:off x="0" y="0"/>
+          <a:ext cx="0" cy="0"/>
+          <a:chOff x="0" y="0"/>
+          <a:chExt cx="0" cy="0"/>
+        </a:xfrm>
+      </p:grpSpPr>
+      <p:sp>
+        <p:nvSpPr>
+          <p:cNvPr id="2" name="Title 1"/>
+          <p:cNvSpPr>
+            <a:spLocks noGrp="1"/>
+          </p:cNvSpPr>
+          <p:nvPr>
+            <p:ph type="title"/>
+          </p:nvPr>
+        </p:nvSpPr>
+        <p:spPr/>
+        <p:txBody>
+          <a:bodyPr/>
+          <a:lstStyle/>
+          <a:p>
+            <a:r>
+              <a:rPr lang="en-US" dirty="0" smtClean="0"/>
+              <a:t>Demo 4: authorization</a:t>
+            </a:r>
+            <a:endParaRPr lang="en-US" dirty="0"/>
+          </a:p>
+        </p:txBody>
+      </p:sp>
+      <p:sp>
+        <p:nvSpPr>
+          <p:cNvPr id="3" name="Content Placeholder 2"/>
+          <p:cNvSpPr>
+            <a:spLocks noGrp="1"/>
+          </p:cNvSpPr>
+          <p:nvPr>
+            <p:ph idx="1"/>
+          </p:nvPr>
+        </p:nvSpPr>
+        <p:spPr/>
+        <p:txBody>
+          <a:bodyPr/>
+          <a:lstStyle/>
+          <a:p>
+            <a:pPr>
+              <a:buFont typeface="Wingdings" charset="2"/>
+              <a:buChar char="Ø"/>
+            </a:pPr>
+            <a:r>
+              <a:rPr lang="en-US" sz="2800" dirty="0" smtClean="0"/>
+              <a:t>List all system roles or authorities</a:t>
+            </a:r>
+          </a:p>
+          <a:p>
+            <a:pPr>
+              <a:buFont typeface="Wingdings" charset="2"/>
+              <a:buChar char="Ø"/>
+            </a:pPr>
+            <a:r>
+              <a:rPr lang="en-US" sz="2800" dirty="0" smtClean="0"/>
+              <a:t>Authorized areas of each role</a:t>
+            </a:r>
+          </a:p>
+          <a:p>
+            <a:pPr>
+              <a:buFont typeface="Wingdings" charset="2"/>
+              <a:buChar char="Ø"/>
+            </a:pPr>
+            <a:r>
+              <a:rPr lang="en-US" sz="2800" dirty="0" smtClean="0"/>
+              <a:t>Reponses unauthorized messages</a:t>
+            </a:r>
+          </a:p>
+          <a:p>
+            <a:pPr>
+              <a:buFont typeface="Wingdings" charset="2"/>
+              <a:buChar char="Ø"/>
+            </a:pPr>
+            <a:r>
+              <a:rPr lang="en-US" sz="2800" dirty="0"/>
+              <a:t>Reponses </a:t>
+            </a:r>
+            <a:r>
+              <a:rPr lang="en-US" sz="2800" dirty="0" smtClean="0"/>
+              <a:t>not found messages</a:t>
+            </a:r>
+            <a:endParaRPr lang="en-US" sz="2800" dirty="0"/>
+          </a:p>
+          <a:p>
+            <a:pPr>
+              <a:buFont typeface="Wingdings" charset="2"/>
+              <a:buChar char="Ø"/>
+            </a:pPr>
+            <a:endParaRPr lang="en-US" dirty="0"/>
+          </a:p>
+        </p:txBody>
+      </p:sp>
+    </p:spTree>
+    <p:extLst>
+      <p:ext uri="{BB962C8B-B14F-4D97-AF65-F5344CB8AC3E}">
+        <p14:creationId xmlns:p14="http://schemas.microsoft.com/office/powerpoint/2010/main" val="1495225163"/>
+      </p:ext>
+    </p:extLst>
+  </p:cSld>
+  <p:clrMapOvr>
+    <a:masterClrMapping/>
+  </p:clrMapOvr>
+</p:sld>
+</file>
+
+<file path=ppt/slides/slide2.xml><?xml version="1.0" encoding="utf-8"?>
+<p:sld xmlns:a="http://schemas.openxmlformats.org/drawingml/2006/main" xmlns:r="http://schemas.openxmlformats.org/officeDocument/2006/relationships" xmlns:p="http://schemas.openxmlformats.org/presentationml/2006/main">
+  <p:cSld>
+    <p:spTree>
+      <p:nvGrpSpPr>
+        <p:cNvPr id="1" name=""/>
+        <p:cNvGrpSpPr/>
+        <p:nvPr/>
+      </p:nvGrpSpPr>
+      <p:grpSpPr>
+        <a:xfrm>
+          <a:off x="0" y="0"/>
+          <a:ext cx="0" cy="0"/>
+          <a:chOff x="0" y="0"/>
+          <a:chExt cx="0" cy="0"/>
+        </a:xfrm>
+      </p:grpSpPr>
+      <p:sp>
+        <p:nvSpPr>
+          <p:cNvPr id="2" name="Title 1"/>
+          <p:cNvSpPr>
+            <a:spLocks noGrp="1"/>
+          </p:cNvSpPr>
+          <p:nvPr>
+            <p:ph type="title"/>
+          </p:nvPr>
+        </p:nvSpPr>
+        <p:spPr/>
+        <p:txBody>
+          <a:bodyPr>
+            <a:normAutofit/>
+          </a:bodyPr>
+          <a:lstStyle/>
+          <a:p>
+            <a:r>
+              <a:rPr lang="en-US" sz="6000" dirty="0" smtClean="0"/>
+              <a:t>1. Introduction</a:t>
+            </a:r>
+            <a:endParaRPr lang="en-US" sz="6000" dirty="0"/>
+          </a:p>
+        </p:txBody>
+      </p:sp>
+      <p:sp>
+        <p:nvSpPr>
+          <p:cNvPr id="3" name="Content Placeholder 2"/>
+          <p:cNvSpPr>
+            <a:spLocks noGrp="1"/>
+          </p:cNvSpPr>
+          <p:nvPr>
+            <p:ph idx="1"/>
+          </p:nvPr>
+        </p:nvSpPr>
+        <p:spPr/>
+        <p:txBody>
+          <a:bodyPr>
+            <a:normAutofit fontScale="92500" lnSpcReduction="20000"/>
+          </a:bodyPr>
+          <a:lstStyle/>
+          <a:p>
+            <a:pPr>
+              <a:buFont typeface="Wingdings" charset="2"/>
+              <a:buChar char="Ø"/>
+            </a:pPr>
+            <a:r>
+              <a:rPr lang="en-US" sz="2800" dirty="0" smtClean="0"/>
+              <a:t>System description: </a:t>
+            </a:r>
+          </a:p>
+          <a:p>
+            <a:pPr lvl="1">
+              <a:buFont typeface="Wingdings" charset="2"/>
+              <a:buChar char="Ø"/>
+            </a:pPr>
+            <a:r>
+              <a:rPr lang="en-US" sz="2600" dirty="0" smtClean="0"/>
+              <a:t>ECM system is developed to </a:t>
+            </a:r>
+            <a:r>
+              <a:rPr lang="en-GB" sz="2600" dirty="0" smtClean="0"/>
+              <a:t>collect </a:t>
+            </a:r>
+            <a:r>
+              <a:rPr lang="en-GB" sz="2600" dirty="0"/>
+              <a:t>and </a:t>
+            </a:r>
+            <a:r>
+              <a:rPr lang="en-GB" sz="2600" dirty="0" smtClean="0"/>
+              <a:t>process </a:t>
+            </a:r>
+            <a:r>
+              <a:rPr lang="en-GB" sz="2600" dirty="0"/>
+              <a:t>Extenuating Circumstances (EC) </a:t>
+            </a:r>
+            <a:r>
+              <a:rPr lang="en-GB" sz="2600" dirty="0" smtClean="0"/>
+              <a:t>claims by students</a:t>
+            </a:r>
+            <a:r>
+              <a:rPr lang="en-US" sz="2600" dirty="0" smtClean="0"/>
+              <a:t>.  </a:t>
+            </a:r>
+          </a:p>
+          <a:p>
+            <a:pPr lvl="1">
+              <a:buFont typeface="Wingdings" charset="2"/>
+              <a:buChar char="Ø"/>
+            </a:pPr>
+            <a:r>
+              <a:rPr lang="en-US" sz="2600" dirty="0" smtClean="0"/>
+              <a:t>It is web-based secure role-based and has its own data management.</a:t>
+            </a:r>
+          </a:p>
+          <a:p>
+            <a:pPr>
+              <a:buFont typeface="Wingdings" charset="2"/>
+              <a:buChar char="Ø"/>
+            </a:pPr>
+            <a:r>
+              <a:rPr lang="en-US" sz="2800" dirty="0" smtClean="0"/>
+              <a:t>Members:</a:t>
+            </a:r>
+          </a:p>
+          <a:p>
+            <a:pPr lvl="1">
+              <a:buFont typeface="Wingdings" charset="2"/>
+              <a:buChar char="Ø"/>
+            </a:pPr>
+            <a:r>
+              <a:rPr lang="en-US" sz="2400" b="1" dirty="0" smtClean="0"/>
+              <a:t>Scrum master</a:t>
+            </a:r>
+            <a:r>
+              <a:rPr lang="en-US" sz="2400" dirty="0" smtClean="0"/>
+              <a:t>:</a:t>
+            </a:r>
+          </a:p>
+          <a:p>
+            <a:pPr lvl="2">
+              <a:buFont typeface="Wingdings" charset="2"/>
+              <a:buChar char="Ø"/>
+            </a:pPr>
+            <a:r>
+              <a:rPr lang="en-US" sz="2400" dirty="0"/>
+              <a:t>Phan </a:t>
+            </a:r>
+            <a:r>
+              <a:rPr lang="en-US" sz="2400" dirty="0" err="1"/>
+              <a:t>Tiến</a:t>
+            </a:r>
+            <a:r>
+              <a:rPr lang="en-US" sz="2400" dirty="0"/>
+              <a:t> </a:t>
+            </a:r>
+            <a:r>
+              <a:rPr lang="en-US" sz="2400" dirty="0" err="1" smtClean="0"/>
+              <a:t>Tùng</a:t>
+            </a:r>
+            <a:r>
+              <a:rPr lang="en-US" sz="2400" dirty="0" smtClean="0"/>
+              <a:t>: </a:t>
+            </a:r>
+            <a:r>
+              <a:rPr lang="en-US" sz="2400" dirty="0"/>
+              <a:t>product owner, product tester </a:t>
+            </a:r>
+            <a:endParaRPr lang="en-US" sz="2400" dirty="0" smtClean="0"/>
+          </a:p>
+          <a:p>
+            <a:pPr lvl="1">
+              <a:buFont typeface="Wingdings" charset="2"/>
+              <a:buChar char="Ø"/>
+            </a:pPr>
+            <a:r>
+              <a:rPr lang="en-US" sz="2400" b="1" dirty="0" smtClean="0"/>
+              <a:t>Scrum members</a:t>
+            </a:r>
+            <a:r>
+              <a:rPr lang="en-US" sz="2800" dirty="0" smtClean="0"/>
+              <a:t>:</a:t>
+            </a:r>
+          </a:p>
+          <a:p>
+            <a:pPr lvl="2">
+              <a:buFont typeface="Wingdings" charset="2"/>
+              <a:buChar char="Ø"/>
+            </a:pPr>
+            <a:r>
+              <a:rPr lang="en-US" sz="2400" dirty="0" err="1"/>
+              <a:t>Nguyễn</a:t>
+            </a:r>
+            <a:r>
+              <a:rPr lang="en-US" sz="2400" dirty="0"/>
+              <a:t> </a:t>
+            </a:r>
+            <a:r>
+              <a:rPr lang="en-US" sz="2400" dirty="0" err="1"/>
+              <a:t>Đức</a:t>
+            </a:r>
+            <a:r>
+              <a:rPr lang="en-US" sz="2400" dirty="0"/>
+              <a:t> </a:t>
+            </a:r>
+            <a:r>
+              <a:rPr lang="en-US" sz="2400" dirty="0" smtClean="0"/>
+              <a:t>Anh: </a:t>
+            </a:r>
+            <a:r>
+              <a:rPr lang="en-US" sz="2400" dirty="0"/>
+              <a:t>product tester </a:t>
+            </a:r>
+          </a:p>
+          <a:p>
+            <a:pPr lvl="2">
+              <a:buFont typeface="Wingdings" charset="2"/>
+              <a:buChar char="Ø"/>
+            </a:pPr>
+            <a:r>
+              <a:rPr lang="en-US" sz="2400" dirty="0" err="1" smtClean="0"/>
+              <a:t>Đàm</a:t>
+            </a:r>
+            <a:r>
+              <a:rPr lang="en-US" sz="2400" dirty="0" smtClean="0"/>
+              <a:t> </a:t>
+            </a:r>
+            <a:r>
+              <a:rPr lang="en-US" sz="2400" dirty="0"/>
+              <a:t>Cao </a:t>
+            </a:r>
+            <a:r>
+              <a:rPr lang="en-US" sz="2400" dirty="0" err="1"/>
+              <a:t>Sơn</a:t>
+            </a:r>
+            <a:r>
+              <a:rPr lang="en-US" sz="2400" dirty="0"/>
+              <a:t> </a:t>
+            </a:r>
+            <a:r>
+              <a:rPr lang="en-US" sz="2400" dirty="0" smtClean="0"/>
+              <a:t>: </a:t>
+            </a:r>
+            <a:r>
+              <a:rPr lang="en-US" sz="2400" dirty="0"/>
+              <a:t>programmer, designer </a:t>
+            </a:r>
+            <a:endParaRPr lang="en-US" sz="2400" dirty="0" smtClean="0"/>
+          </a:p>
+          <a:p>
+            <a:pPr lvl="2">
+              <a:buFont typeface="Wingdings" charset="2"/>
+              <a:buChar char="Ø"/>
+            </a:pPr>
+            <a:r>
+              <a:rPr lang="en-US" sz="2400" dirty="0" err="1" smtClean="0"/>
+              <a:t>Nguyễn</a:t>
+            </a:r>
+            <a:r>
+              <a:rPr lang="en-US" sz="2400" dirty="0" smtClean="0"/>
+              <a:t> </a:t>
+            </a:r>
+            <a:r>
+              <a:rPr lang="en-US" sz="2400" dirty="0" err="1"/>
+              <a:t>Hải</a:t>
+            </a:r>
+            <a:r>
+              <a:rPr lang="en-US" sz="2400" dirty="0"/>
+              <a:t> </a:t>
+            </a:r>
+            <a:r>
+              <a:rPr lang="en-US" sz="2400" dirty="0" smtClean="0"/>
+              <a:t>Nam: </a:t>
+            </a:r>
+            <a:r>
+              <a:rPr lang="en-US" sz="2400" dirty="0"/>
+              <a:t>programmer, </a:t>
+            </a:r>
+            <a:r>
+              <a:rPr lang="en-US" sz="2400" dirty="0" smtClean="0"/>
+              <a:t>designer</a:t>
+            </a:r>
+          </a:p>
+          <a:p>
+            <a:pPr lvl="2">
+              <a:buFont typeface="Wingdings" charset="2"/>
+              <a:buChar char="Ø"/>
+            </a:pPr>
+            <a:r>
+              <a:rPr lang="en-US" sz="2400" dirty="0" err="1" smtClean="0"/>
+              <a:t>Nguyễn</a:t>
+            </a:r>
+            <a:r>
+              <a:rPr lang="en-US" sz="2400" dirty="0" smtClean="0"/>
+              <a:t> </a:t>
+            </a:r>
+            <a:r>
+              <a:rPr lang="en-US" sz="2400" dirty="0" err="1"/>
+              <a:t>Văn</a:t>
+            </a:r>
+            <a:r>
+              <a:rPr lang="en-US" sz="2400" dirty="0"/>
+              <a:t> </a:t>
+            </a:r>
+            <a:r>
+              <a:rPr lang="en-US" sz="2400" dirty="0" err="1" smtClean="0"/>
+              <a:t>Ái</a:t>
+            </a:r>
+            <a:r>
+              <a:rPr lang="en-US" sz="2400" dirty="0" smtClean="0"/>
+              <a:t>: </a:t>
+            </a:r>
+            <a:r>
+              <a:rPr lang="en-US" sz="2400" dirty="0"/>
+              <a:t>programmer, unit tester</a:t>
+            </a:r>
+            <a:endParaRPr lang="en-US" sz="2400" dirty="0" smtClean="0"/>
+          </a:p>
+          <a:p>
+            <a:pPr lvl="2">
+              <a:buFont typeface="Wingdings" charset="2"/>
+              <a:buChar char="Ø"/>
+            </a:pPr>
+            <a:endParaRPr lang="en-US" sz="2000" dirty="0"/>
+          </a:p>
+          <a:p>
+            <a:pPr>
+              <a:buFont typeface="Wingdings" charset="2"/>
+              <a:buChar char="Ø"/>
+            </a:pPr>
+            <a:endParaRPr lang="en-US" sz="2800" dirty="0"/>
+          </a:p>
+        </p:txBody>
+      </p:sp>
+    </p:spTree>
+    <p:extLst>
+      <p:ext uri="{BB962C8B-B14F-4D97-AF65-F5344CB8AC3E}">
+        <p14:creationId xmlns:p14="http://schemas.microsoft.com/office/powerpoint/2010/main" val="2111819576"/>
+      </p:ext>
+    </p:extLst>
+  </p:cSld>
+  <p:clrMapOvr>
+    <a:masterClrMapping/>
+  </p:clrMapOvr>
+</p:sld>
+</file>
+
+<file path=ppt/slides/slide20.xml><?xml version="1.0" encoding="utf-8"?>
+<p:sld xmlns:a="http://schemas.openxmlformats.org/drawingml/2006/main" xmlns:r="http://schemas.openxmlformats.org/officeDocument/2006/relationships" xmlns:p="http://schemas.openxmlformats.org/presentationml/2006/main">
+  <p:cSld>
+    <p:spTree>
+      <p:nvGrpSpPr>
+        <p:cNvPr id="1" name=""/>
+        <p:cNvGrpSpPr/>
+        <p:nvPr/>
+      </p:nvGrpSpPr>
+      <p:grpSpPr>
+        <a:xfrm>
+          <a:off x="0" y="0"/>
+          <a:ext cx="0" cy="0"/>
+          <a:chOff x="0" y="0"/>
+          <a:chExt cx="0" cy="0"/>
+        </a:xfrm>
+      </p:grpSpPr>
+      <p:sp>
+        <p:nvSpPr>
+          <p:cNvPr id="2" name="Title 1"/>
+          <p:cNvSpPr>
+            <a:spLocks noGrp="1"/>
+          </p:cNvSpPr>
+          <p:nvPr>
+            <p:ph type="title"/>
+          </p:nvPr>
+        </p:nvSpPr>
+        <p:spPr/>
+        <p:txBody>
+          <a:bodyPr/>
+          <a:lstStyle/>
+          <a:p>
+            <a:r>
+              <a:rPr lang="en-US" dirty="0" smtClean="0"/>
               <a:t>Demo 5: system reports </a:t>
             </a:r>
             <a:endParaRPr lang="en-US" dirty="0"/>
@@ -5722,7 +6853,7 @@
 </p:sld>
 </file>
 
-<file path=ppt/slides/slide18.xml><?xml version="1.0" encoding="utf-8"?>
+<file path=ppt/slides/slide21.xml><?xml version="1.0" encoding="utf-8"?>
 <p:sld xmlns:a="http://schemas.openxmlformats.org/drawingml/2006/main" xmlns:r="http://schemas.openxmlformats.org/officeDocument/2006/relationships" xmlns:p="http://schemas.openxmlformats.org/presentationml/2006/main">
   <p:cSld>
     <p:spTree>
@@ -5823,10 +6954,6 @@
             <a:r>
               <a:rPr lang="en-US" sz="2800" dirty="0"/>
               <a:t> </a:t>
-            </a:r>
-            <a:r>
-              <a:rPr lang="en-US" sz="2800" dirty="0"/>
-              <a:t/>
             </a:r>
             <a:br>
               <a:rPr lang="en-US" sz="2800" dirty="0"/>
@@ -5859,305 +6986,6 @@
 </p:sld>
 </file>
 
-<file path=ppt/slides/slide2.xml><?xml version="1.0" encoding="utf-8"?>
-<p:sld xmlns:a="http://schemas.openxmlformats.org/drawingml/2006/main" xmlns:r="http://schemas.openxmlformats.org/officeDocument/2006/relationships" xmlns:p="http://schemas.openxmlformats.org/presentationml/2006/main">
-  <p:cSld>
-    <p:spTree>
-      <p:nvGrpSpPr>
-        <p:cNvPr id="1" name=""/>
-        <p:cNvGrpSpPr/>
-        <p:nvPr/>
-      </p:nvGrpSpPr>
-      <p:grpSpPr>
-        <a:xfrm>
-          <a:off x="0" y="0"/>
-          <a:ext cx="0" cy="0"/>
-          <a:chOff x="0" y="0"/>
-          <a:chExt cx="0" cy="0"/>
-        </a:xfrm>
-      </p:grpSpPr>
-      <p:sp>
-        <p:nvSpPr>
-          <p:cNvPr id="2" name="Title 1"/>
-          <p:cNvSpPr>
-            <a:spLocks noGrp="1"/>
-          </p:cNvSpPr>
-          <p:nvPr>
-            <p:ph type="title"/>
-          </p:nvPr>
-        </p:nvSpPr>
-        <p:spPr/>
-        <p:txBody>
-          <a:bodyPr>
-            <a:normAutofit/>
-          </a:bodyPr>
-          <a:lstStyle/>
-          <a:p>
-            <a:r>
-              <a:rPr lang="en-US" sz="6000" dirty="0" smtClean="0"/>
-              <a:t>1. Introduction</a:t>
-            </a:r>
-            <a:endParaRPr lang="en-US" sz="6000" dirty="0"/>
-          </a:p>
-        </p:txBody>
-      </p:sp>
-      <p:sp>
-        <p:nvSpPr>
-          <p:cNvPr id="3" name="Content Placeholder 2"/>
-          <p:cNvSpPr>
-            <a:spLocks noGrp="1"/>
-          </p:cNvSpPr>
-          <p:nvPr>
-            <p:ph idx="1"/>
-          </p:nvPr>
-        </p:nvSpPr>
-        <p:spPr/>
-        <p:txBody>
-          <a:bodyPr>
-            <a:normAutofit fontScale="92500" lnSpcReduction="10000"/>
-          </a:bodyPr>
-          <a:lstStyle/>
-          <a:p>
-            <a:pPr>
-              <a:buFont typeface="Wingdings" charset="2"/>
-              <a:buChar char="Ø"/>
-            </a:pPr>
-            <a:r>
-              <a:rPr lang="en-US" sz="2800" dirty="0" smtClean="0"/>
-              <a:t>System description: </a:t>
-            </a:r>
-          </a:p>
-          <a:p>
-            <a:pPr>
-              <a:buFont typeface="Wingdings" charset="2"/>
-              <a:buChar char="Ø"/>
-            </a:pPr>
-            <a:endParaRPr lang="en-US" sz="2800" dirty="0" smtClean="0"/>
-          </a:p>
-          <a:p>
-            <a:pPr>
-              <a:buFont typeface="Wingdings" charset="2"/>
-              <a:buChar char="Ø"/>
-            </a:pPr>
-            <a:r>
-              <a:rPr lang="en-US" sz="2800" dirty="0" smtClean="0"/>
-              <a:t>Members:</a:t>
-            </a:r>
-          </a:p>
-          <a:p>
-            <a:pPr lvl="1">
-              <a:buFont typeface="Wingdings" charset="2"/>
-              <a:buChar char="Ø"/>
-            </a:pPr>
-            <a:r>
-              <a:rPr lang="en-US" sz="2400" dirty="0" smtClean="0"/>
-              <a:t>Scrum master:</a:t>
-            </a:r>
-          </a:p>
-          <a:p>
-            <a:pPr lvl="2">
-              <a:buFont typeface="Wingdings" charset="2"/>
-              <a:buChar char="Ø"/>
-            </a:pPr>
-            <a:r>
-              <a:rPr lang="en-US" sz="2000" dirty="0"/>
-              <a:t>Phan </a:t>
-            </a:r>
-            <a:r>
-              <a:rPr lang="en-US" sz="2000" dirty="0" err="1"/>
-              <a:t>Tiến</a:t>
-            </a:r>
-            <a:r>
-              <a:rPr lang="en-US" sz="2000" dirty="0"/>
-              <a:t> </a:t>
-            </a:r>
-            <a:r>
-              <a:rPr lang="en-US" sz="2000" dirty="0" err="1" smtClean="0"/>
-              <a:t>Tùng</a:t>
-            </a:r>
-            <a:r>
-              <a:rPr lang="en-US" sz="2000" dirty="0" smtClean="0"/>
-              <a:t>: </a:t>
-            </a:r>
-            <a:r>
-              <a:rPr lang="en-US" sz="2000" dirty="0"/>
-              <a:t>product owner, product tester </a:t>
-            </a:r>
-            <a:endParaRPr lang="en-US" sz="2000" dirty="0" smtClean="0"/>
-          </a:p>
-          <a:p>
-            <a:pPr lvl="1">
-              <a:buFont typeface="Wingdings" charset="2"/>
-              <a:buChar char="Ø"/>
-            </a:pPr>
-            <a:r>
-              <a:rPr lang="en-US" sz="2800" dirty="0" smtClean="0"/>
-              <a:t>Scrum members:</a:t>
-            </a:r>
-          </a:p>
-          <a:p>
-            <a:pPr lvl="2">
-              <a:buFont typeface="Wingdings" charset="2"/>
-              <a:buChar char="Ø"/>
-            </a:pPr>
-            <a:r>
-              <a:rPr lang="en-US" sz="2400" dirty="0" err="1"/>
-              <a:t>Nguyễn</a:t>
-            </a:r>
-            <a:r>
-              <a:rPr lang="en-US" sz="2400" dirty="0"/>
-              <a:t> </a:t>
-            </a:r>
-            <a:r>
-              <a:rPr lang="en-US" sz="2400" dirty="0" err="1"/>
-              <a:t>Đức</a:t>
-            </a:r>
-            <a:r>
-              <a:rPr lang="en-US" sz="2400" dirty="0"/>
-              <a:t> </a:t>
-            </a:r>
-            <a:r>
-              <a:rPr lang="en-US" sz="2400" dirty="0" smtClean="0"/>
-              <a:t>Anh: </a:t>
-            </a:r>
-            <a:r>
-              <a:rPr lang="en-US" sz="2400" dirty="0"/>
-              <a:t>product tester </a:t>
-            </a:r>
-          </a:p>
-          <a:p>
-            <a:pPr lvl="2">
-              <a:buFont typeface="Wingdings" charset="2"/>
-              <a:buChar char="Ø"/>
-            </a:pPr>
-            <a:r>
-              <a:rPr lang="en-US" sz="2400" dirty="0" err="1" smtClean="0"/>
-              <a:t>Đàm</a:t>
-            </a:r>
-            <a:r>
-              <a:rPr lang="en-US" sz="2400" dirty="0" smtClean="0"/>
-              <a:t> </a:t>
-            </a:r>
-            <a:r>
-              <a:rPr lang="en-US" sz="2400" dirty="0"/>
-              <a:t>Cao </a:t>
-            </a:r>
-            <a:r>
-              <a:rPr lang="en-US" sz="2400" dirty="0" err="1"/>
-              <a:t>Sơn</a:t>
-            </a:r>
-            <a:r>
-              <a:rPr lang="en-US" sz="2400" dirty="0"/>
-              <a:t> </a:t>
-            </a:r>
-            <a:r>
-              <a:rPr lang="en-US" sz="2400" dirty="0" smtClean="0"/>
-              <a:t>: </a:t>
-            </a:r>
-            <a:r>
-              <a:rPr lang="en-US" sz="2400" dirty="0"/>
-              <a:t>programmer, designer </a:t>
-            </a:r>
-            <a:endParaRPr lang="en-US" sz="2400" dirty="0" smtClean="0"/>
-          </a:p>
-          <a:p>
-            <a:pPr lvl="2">
-              <a:buFont typeface="Wingdings" charset="2"/>
-              <a:buChar char="Ø"/>
-            </a:pPr>
-            <a:r>
-              <a:rPr lang="en-US" sz="2400" dirty="0" err="1" smtClean="0"/>
-              <a:t>Nguyễn</a:t>
-            </a:r>
-            <a:r>
-              <a:rPr lang="en-US" sz="2400" dirty="0" smtClean="0"/>
-              <a:t> </a:t>
-            </a:r>
-            <a:r>
-              <a:rPr lang="en-US" sz="2400" dirty="0" err="1"/>
-              <a:t>Hải</a:t>
-            </a:r>
-            <a:r>
-              <a:rPr lang="en-US" sz="2400" dirty="0"/>
-              <a:t> </a:t>
-            </a:r>
-            <a:r>
-              <a:rPr lang="en-US" sz="2400" dirty="0" smtClean="0"/>
-              <a:t>Nam: </a:t>
-            </a:r>
-            <a:r>
-              <a:rPr lang="en-US" sz="2400" dirty="0"/>
-              <a:t>programmer, </a:t>
-            </a:r>
-            <a:r>
-              <a:rPr lang="en-US" sz="2400" dirty="0" smtClean="0"/>
-              <a:t>designer</a:t>
-            </a:r>
-          </a:p>
-          <a:p>
-            <a:pPr lvl="2">
-              <a:buFont typeface="Wingdings" charset="2"/>
-              <a:buChar char="Ø"/>
-            </a:pPr>
-            <a:r>
-              <a:rPr lang="en-US" sz="2400" dirty="0" err="1" smtClean="0"/>
-              <a:t>Nguyễn</a:t>
-            </a:r>
-            <a:r>
-              <a:rPr lang="en-US" sz="2400" dirty="0" smtClean="0"/>
-              <a:t> </a:t>
-            </a:r>
-            <a:r>
-              <a:rPr lang="en-US" sz="2400" dirty="0" err="1"/>
-              <a:t>Văn</a:t>
-            </a:r>
-            <a:r>
-              <a:rPr lang="en-US" sz="2400" dirty="0"/>
-              <a:t> </a:t>
-            </a:r>
-            <a:r>
-              <a:rPr lang="en-US" sz="2400" dirty="0" err="1" smtClean="0"/>
-              <a:t>Ái</a:t>
-            </a:r>
-            <a:r>
-              <a:rPr lang="en-US" sz="2400" dirty="0" smtClean="0"/>
-              <a:t>: </a:t>
-            </a:r>
-            <a:r>
-              <a:rPr lang="en-US" sz="2400" dirty="0"/>
-              <a:t>programmer, unit tester</a:t>
-            </a:r>
-            <a:endParaRPr lang="en-US" sz="2400" dirty="0" smtClean="0"/>
-          </a:p>
-          <a:p>
-            <a:pPr lvl="2">
-              <a:buFont typeface="Wingdings" charset="2"/>
-              <a:buChar char="Ø"/>
-            </a:pPr>
-            <a:endParaRPr lang="en-US" sz="2000" dirty="0"/>
-          </a:p>
-          <a:p>
-            <a:pPr>
-              <a:buFont typeface="Wingdings" charset="2"/>
-              <a:buChar char="Ø"/>
-            </a:pPr>
-            <a:endParaRPr lang="en-US" sz="2800" dirty="0"/>
-          </a:p>
-        </p:txBody>
-      </p:sp>
-    </p:spTree>
-    <p:extLst>
-      <p:ext uri="{BB962C8B-B14F-4D97-AF65-F5344CB8AC3E}">
-        <p14:creationId xmlns:p14="http://schemas.microsoft.com/office/powerpoint/2010/main" val="2111819576"/>
-      </p:ext>
-    </p:extLst>
-  </p:cSld>
-  <p:clrMapOvr>
-    <a:masterClrMapping/>
-  </p:clrMapOvr>
-</p:sld>
-</file>
-
 <file path=ppt/slides/slide3.xml><?xml version="1.0" encoding="utf-8"?>
 <p:sld xmlns:a="http://schemas.openxmlformats.org/drawingml/2006/main" xmlns:r="http://schemas.openxmlformats.org/officeDocument/2006/relationships" xmlns:p="http://schemas.openxmlformats.org/presentationml/2006/main">
   <p:cSld>
@@ -6230,14 +7058,241 @@
               <a:tabLst/>
               <a:defRPr/>
             </a:pPr>
+            <a:r>
+              <a:rPr lang="en-US" dirty="0" smtClean="0"/>
+              <a:t>System ERD:</a:t>
+            </a:r>
+          </a:p>
+          <a:p>
+            <a:pPr marL="285750" marR="0" lvl="1" indent="-285750" defTabSz="914400" eaLnBrk="1" fontAlgn="auto" latinLnBrk="0" hangingPunct="1">
+              <a:lnSpc>
+                <a:spcPct val="100000"/>
+              </a:lnSpc>
+              <a:spcBef>
+                <a:spcPts val="0"/>
+              </a:spcBef>
+              <a:spcAft>
+                <a:spcPts val="0"/>
+              </a:spcAft>
+              <a:buClrTx/>
+              <a:buSzTx/>
+              <a:buFontTx/>
+              <a:buChar char="-"/>
+              <a:tabLst/>
+              <a:defRPr/>
+            </a:pPr>
+            <a:r>
+              <a:rPr lang="en-US" dirty="0" smtClean="0"/>
+              <a:t>Based on the Greenwich’s EC claim system</a:t>
+            </a:r>
+          </a:p>
+          <a:p>
+            <a:pPr marL="285750" marR="0" lvl="1" indent="-285750" defTabSz="914400" eaLnBrk="1" fontAlgn="auto" latinLnBrk="0" hangingPunct="1">
+              <a:lnSpc>
+                <a:spcPct val="100000"/>
+              </a:lnSpc>
+              <a:spcBef>
+                <a:spcPts val="0"/>
+              </a:spcBef>
+              <a:spcAft>
+                <a:spcPts val="0"/>
+              </a:spcAft>
+              <a:buClrTx/>
+              <a:buSzTx/>
+              <a:buFontTx/>
+              <a:buChar char="-"/>
+              <a:tabLst/>
+              <a:defRPr/>
+            </a:pPr>
             <a:endParaRPr lang="en-US" dirty="0"/>
           </a:p>
-        </p:txBody>
-      </p:sp>
+          <a:p>
+            <a:pPr marL="0" marR="0" lvl="1" indent="0" defTabSz="914400" eaLnBrk="1" fontAlgn="auto" latinLnBrk="0" hangingPunct="1">
+              <a:lnSpc>
+                <a:spcPct val="100000"/>
+              </a:lnSpc>
+              <a:spcBef>
+                <a:spcPts val="0"/>
+              </a:spcBef>
+              <a:spcAft>
+                <a:spcPts val="0"/>
+              </a:spcAft>
+              <a:buClrTx/>
+              <a:buSzTx/>
+              <a:buNone/>
+              <a:tabLst/>
+              <a:defRPr/>
+            </a:pPr>
+            <a:r>
+              <a:rPr lang="en-US" dirty="0" smtClean="0"/>
+              <a:t>Database focus on: </a:t>
+            </a:r>
+          </a:p>
+          <a:p>
+            <a:pPr marL="0" marR="0" lvl="1" indent="0" defTabSz="914400" eaLnBrk="1" fontAlgn="auto" latinLnBrk="0" hangingPunct="1">
+              <a:lnSpc>
+                <a:spcPct val="100000"/>
+              </a:lnSpc>
+              <a:spcBef>
+                <a:spcPts val="0"/>
+              </a:spcBef>
+              <a:spcAft>
+                <a:spcPts val="0"/>
+              </a:spcAft>
+              <a:buClrTx/>
+              <a:buSzTx/>
+              <a:buNone/>
+              <a:tabLst/>
+              <a:defRPr/>
+            </a:pPr>
+            <a:r>
+              <a:rPr lang="en-US" dirty="0" smtClean="0"/>
+              <a:t>- Users and Roles</a:t>
+            </a:r>
+          </a:p>
+          <a:p>
+            <a:pPr marL="0" marR="0" lvl="1" indent="0" defTabSz="914400" eaLnBrk="1" fontAlgn="auto" latinLnBrk="0" hangingPunct="1">
+              <a:lnSpc>
+                <a:spcPct val="100000"/>
+              </a:lnSpc>
+              <a:spcBef>
+                <a:spcPts val="0"/>
+              </a:spcBef>
+              <a:spcAft>
+                <a:spcPts val="0"/>
+              </a:spcAft>
+              <a:buClrTx/>
+              <a:buSzTx/>
+              <a:buNone/>
+              <a:tabLst/>
+              <a:defRPr/>
+            </a:pPr>
+            <a:r>
+              <a:rPr lang="en-US" dirty="0" smtClean="0"/>
+              <a:t>- Claims</a:t>
+            </a:r>
+          </a:p>
+          <a:p>
+            <a:pPr marL="0" marR="0" lvl="1" indent="0" defTabSz="914400" eaLnBrk="1" fontAlgn="auto" latinLnBrk="0" hangingPunct="1">
+              <a:lnSpc>
+                <a:spcPct val="100000"/>
+              </a:lnSpc>
+              <a:spcBef>
+                <a:spcPts val="0"/>
+              </a:spcBef>
+              <a:spcAft>
+                <a:spcPts val="0"/>
+              </a:spcAft>
+              <a:buClrTx/>
+              <a:buSzTx/>
+              <a:buNone/>
+              <a:tabLst/>
+              <a:defRPr/>
+            </a:pPr>
+            <a:r>
+              <a:rPr lang="en-US" dirty="0" smtClean="0"/>
+              <a:t>- Assessments</a:t>
+            </a:r>
+          </a:p>
+          <a:p>
+            <a:pPr marL="0" marR="0" lvl="1" indent="0" defTabSz="914400" eaLnBrk="1" fontAlgn="auto" latinLnBrk="0" hangingPunct="1">
+              <a:lnSpc>
+                <a:spcPct val="100000"/>
+              </a:lnSpc>
+              <a:spcBef>
+                <a:spcPts val="0"/>
+              </a:spcBef>
+              <a:spcAft>
+                <a:spcPts val="0"/>
+              </a:spcAft>
+              <a:buClrTx/>
+              <a:buSzTx/>
+              <a:buNone/>
+              <a:tabLst/>
+              <a:defRPr/>
+            </a:pPr>
+            <a:endParaRPr lang="en-US" dirty="0" smtClean="0"/>
+          </a:p>
+          <a:p>
+            <a:pPr marL="285750" marR="0" lvl="1" indent="-285750" defTabSz="914400" eaLnBrk="1" fontAlgn="auto" latinLnBrk="0" hangingPunct="1">
+              <a:lnSpc>
+                <a:spcPct val="100000"/>
+              </a:lnSpc>
+              <a:spcBef>
+                <a:spcPts val="0"/>
+              </a:spcBef>
+              <a:spcAft>
+                <a:spcPts val="0"/>
+              </a:spcAft>
+              <a:buClrTx/>
+              <a:buSzTx/>
+              <a:buFontTx/>
+              <a:buChar char="-"/>
+              <a:tabLst/>
+              <a:defRPr/>
+            </a:pPr>
+            <a:endParaRPr lang="en-US" dirty="0"/>
+          </a:p>
+        </p:txBody>
+      </p:sp>
+      <p:pic>
+        <p:nvPicPr>
+          <p:cNvPr id="1027" name="Picture 3"/>
+          <p:cNvPicPr>
+            <a:picLocks noChangeAspect="1" noChangeArrowheads="1"/>
+          </p:cNvPicPr>
+          <p:nvPr/>
+        </p:nvPicPr>
+        <p:blipFill>
+          <a:blip r:embed="rId2">
+            <a:extLst>
+              <a:ext uri="{28A0092B-C50C-407E-A947-70E740481C1C}">
+                <a14:useLocalDpi xmlns:a14="http://schemas.microsoft.com/office/drawing/2010/main" val="0"/>
+              </a:ext>
+            </a:extLst>
+          </a:blip>
+          <a:srcRect/>
+          <a:stretch>
+            <a:fillRect/>
+          </a:stretch>
+        </p:blipFill>
+        <p:spPr bwMode="auto">
+          <a:xfrm>
+            <a:off x="5732255" y="800953"/>
+            <a:ext cx="5423425" cy="5361722"/>
+          </a:xfrm>
+          <a:prstGeom prst="rect">
+            <a:avLst/>
+          </a:prstGeom>
+          <a:noFill/>
+          <a:ln>
+            <a:noFill/>
+          </a:ln>
+          <a:extLst>
+            <a:ext uri="{909E8E84-426E-40DD-AFC4-6F175D3DCCD1}">
+              <a14:hiddenFill xmlns:a14="http://schemas.microsoft.com/office/drawing/2010/main">
+                <a:solidFill>
+                  <a:schemeClr val="accent1"/>
+                </a:solidFill>
+              </a14:hiddenFill>
+            </a:ext>
+            <a:ext uri="{91240B29-F687-4F45-9708-019B960494DF}">
+              <a14:hiddenLine xmlns:a14="http://schemas.microsoft.com/office/drawing/2010/main" w="9525">
+                <a:solidFill>
+                  <a:schemeClr val="tx1"/>
+                </a:solidFill>
+                <a:miter lim="800000"/>
+                <a:headEnd/>
+                <a:tailEnd/>
+              </a14:hiddenLine>
+            </a:ext>
+          </a:extLst>
+        </p:spPr>
+      </p:pic>
     </p:spTree>
     <p:extLst>
       <p:ext uri="{BB962C8B-B14F-4D97-AF65-F5344CB8AC3E}">
-        <p14:creationId xmlns:p14="http://schemas.microsoft.com/office/powerpoint/2010/main" val="1296703226"/>
+        <p14:creationId xmlns:p14="http://schemas.microsoft.com/office/powerpoint/2010/main" val="1313473456"/>
       </p:ext>
     </p:extLst>
   </p:cSld>
@@ -6283,15 +7338,12 @@
         </p:nvSpPr>
         <p:spPr/>
         <p:txBody>
-          <a:bodyPr>
-            <a:normAutofit/>
-          </a:bodyPr>
-          <a:lstStyle/>
-          <a:p>
-            <a:pPr lvl="0"/>
+          <a:bodyPr/>
+          <a:lstStyle/>
+          <a:p>
             <a:r>
               <a:rPr lang="en-US" dirty="0" smtClean="0"/>
-              <a:t>3. Site design</a:t>
+              <a:t>2. Database – Users and Roles (cont.)</a:t>
             </a:r>
             <a:endParaRPr lang="en-US" dirty="0"/>
           </a:p>
@@ -6312,42 +7364,371 @@
           <a:bodyPr/>
           <a:lstStyle/>
           <a:p>
-            <a:pPr lvl="1"/>
+            <a:pPr marL="0" marR="0" lvl="1" indent="0" defTabSz="914400" eaLnBrk="1" fontAlgn="auto" latinLnBrk="0" hangingPunct="1">
+              <a:lnSpc>
+                <a:spcPct val="100000"/>
+              </a:lnSpc>
+              <a:spcBef>
+                <a:spcPts val="0"/>
+              </a:spcBef>
+              <a:spcAft>
+                <a:spcPts val="0"/>
+              </a:spcAft>
+              <a:buClrTx/>
+              <a:buSzTx/>
+              <a:buNone/>
+              <a:tabLst/>
+              <a:defRPr/>
+            </a:pPr>
+            <a:r>
+              <a:rPr lang="en-US" dirty="0" smtClean="0"/>
+              <a:t>User </a:t>
+            </a:r>
             <a:r>
               <a:rPr lang="en-US" dirty="0"/>
-              <a:t>Implementation of responsive design</a:t>
-            </a:r>
-          </a:p>
-          <a:p>
-            <a:pPr lvl="1"/>
+              <a:t>table: store </a:t>
+            </a:r>
+            <a:r>
+              <a:rPr lang="en-US" dirty="0" smtClean="0"/>
+              <a:t>user’s information.</a:t>
+            </a:r>
+          </a:p>
+          <a:p>
+            <a:pPr marL="0" marR="0" lvl="1" indent="0" defTabSz="914400" eaLnBrk="1" fontAlgn="auto" latinLnBrk="0" hangingPunct="1">
+              <a:lnSpc>
+                <a:spcPct val="100000"/>
+              </a:lnSpc>
+              <a:spcBef>
+                <a:spcPts val="0"/>
+              </a:spcBef>
+              <a:spcAft>
+                <a:spcPts val="0"/>
+              </a:spcAft>
+              <a:buClrTx/>
+              <a:buSzTx/>
+              <a:buNone/>
+              <a:tabLst/>
+              <a:defRPr/>
+            </a:pPr>
+            <a:r>
+              <a:rPr lang="en-US" dirty="0" smtClean="0"/>
+              <a:t>Authority </a:t>
+            </a:r>
             <a:r>
               <a:rPr lang="en-US" dirty="0"/>
-              <a:t>Testing in different screen resolution</a:t>
-            </a:r>
-          </a:p>
-          <a:p>
-            <a:pPr lvl="1"/>
+              <a:t>table: </a:t>
+            </a:r>
+            <a:r>
+              <a:rPr lang="en-US" dirty="0" smtClean="0"/>
+              <a:t>store role </a:t>
+            </a:r>
             <a:r>
               <a:rPr lang="en-US" dirty="0"/>
-              <a:t>Usability</a:t>
-            </a:r>
-          </a:p>
-          <a:p>
-            <a:pPr lvl="1"/>
-            <a:r>
-              <a:rPr lang="en-US" dirty="0"/>
-              <a:t>Accessibility</a:t>
-            </a:r>
-          </a:p>
-          <a:p>
+              <a:t>of user</a:t>
+            </a:r>
+          </a:p>
+          <a:p>
+            <a:pPr marL="0" indent="0">
+              <a:lnSpc>
+                <a:spcPct val="100000"/>
+              </a:lnSpc>
+              <a:spcBef>
+                <a:spcPts val="0"/>
+              </a:spcBef>
+              <a:spcAft>
+                <a:spcPts val="0"/>
+              </a:spcAft>
+              <a:buClrTx/>
+              <a:buSzTx/>
+              <a:buNone/>
+              <a:defRPr/>
+            </a:pPr>
             <a:endParaRPr lang="en-US" dirty="0"/>
           </a:p>
-        </p:txBody>
-      </p:sp>
+          <a:p>
+            <a:pPr marL="0" indent="0">
+              <a:lnSpc>
+                <a:spcPct val="100000"/>
+              </a:lnSpc>
+              <a:spcBef>
+                <a:spcPts val="0"/>
+              </a:spcBef>
+              <a:spcAft>
+                <a:spcPts val="0"/>
+              </a:spcAft>
+              <a:buClrTx/>
+              <a:buSzTx/>
+              <a:buNone/>
+              <a:defRPr/>
+            </a:pPr>
+            <a:r>
+              <a:rPr lang="en-US" sz="1800" dirty="0" smtClean="0"/>
+              <a:t>User’s role:</a:t>
+            </a:r>
+            <a:endParaRPr lang="en-US" sz="1800" dirty="0"/>
+          </a:p>
+          <a:p>
+            <a:pPr marL="0" indent="0">
+              <a:lnSpc>
+                <a:spcPct val="100000"/>
+              </a:lnSpc>
+              <a:spcBef>
+                <a:spcPts val="0"/>
+              </a:spcBef>
+              <a:spcAft>
+                <a:spcPts val="0"/>
+              </a:spcAft>
+              <a:buClrTx/>
+              <a:buSzTx/>
+              <a:buNone/>
+              <a:defRPr/>
+            </a:pPr>
+            <a:r>
+              <a:rPr lang="en-US" sz="1800" dirty="0" smtClean="0"/>
+              <a:t>- Administrator</a:t>
+            </a:r>
+            <a:endParaRPr lang="en-US" sz="1800" dirty="0"/>
+          </a:p>
+          <a:p>
+            <a:pPr>
+              <a:lnSpc>
+                <a:spcPct val="100000"/>
+              </a:lnSpc>
+              <a:spcBef>
+                <a:spcPts val="0"/>
+              </a:spcBef>
+              <a:spcAft>
+                <a:spcPts val="0"/>
+              </a:spcAft>
+              <a:buClrTx/>
+              <a:buSzTx/>
+              <a:buFontTx/>
+              <a:buChar char="-"/>
+              <a:defRPr/>
+            </a:pPr>
+            <a:r>
+              <a:rPr lang="en-US" sz="1800" dirty="0"/>
+              <a:t>EC Manager</a:t>
+            </a:r>
+          </a:p>
+          <a:p>
+            <a:pPr>
+              <a:lnSpc>
+                <a:spcPct val="100000"/>
+              </a:lnSpc>
+              <a:spcBef>
+                <a:spcPts val="0"/>
+              </a:spcBef>
+              <a:spcAft>
+                <a:spcPts val="0"/>
+              </a:spcAft>
+              <a:buClrTx/>
+              <a:buSzTx/>
+              <a:buFontTx/>
+              <a:buChar char="-"/>
+              <a:defRPr/>
+            </a:pPr>
+            <a:r>
+              <a:rPr lang="en-US" sz="1800" dirty="0"/>
+              <a:t>EC Coordinator</a:t>
+            </a:r>
+          </a:p>
+          <a:p>
+            <a:pPr>
+              <a:lnSpc>
+                <a:spcPct val="100000"/>
+              </a:lnSpc>
+              <a:spcBef>
+                <a:spcPts val="0"/>
+              </a:spcBef>
+              <a:spcAft>
+                <a:spcPts val="0"/>
+              </a:spcAft>
+              <a:buClrTx/>
+              <a:buSzTx/>
+              <a:buFontTx/>
+              <a:buChar char="-"/>
+              <a:defRPr/>
+            </a:pPr>
+            <a:r>
+              <a:rPr lang="en-US" sz="1800" dirty="0" smtClean="0"/>
+              <a:t>Student</a:t>
+            </a:r>
+          </a:p>
+          <a:p>
+            <a:pPr>
+              <a:lnSpc>
+                <a:spcPct val="100000"/>
+              </a:lnSpc>
+              <a:spcBef>
+                <a:spcPts val="0"/>
+              </a:spcBef>
+              <a:spcAft>
+                <a:spcPts val="0"/>
+              </a:spcAft>
+              <a:buClrTx/>
+              <a:buSzTx/>
+              <a:buFontTx/>
+              <a:buChar char="-"/>
+              <a:defRPr/>
+            </a:pPr>
+            <a:endParaRPr lang="en-US" sz="1800" dirty="0"/>
+          </a:p>
+          <a:p>
+            <a:pPr marL="0" indent="0">
+              <a:lnSpc>
+                <a:spcPct val="100000"/>
+              </a:lnSpc>
+              <a:spcBef>
+                <a:spcPts val="0"/>
+              </a:spcBef>
+              <a:spcAft>
+                <a:spcPts val="0"/>
+              </a:spcAft>
+              <a:buClrTx/>
+              <a:buSzTx/>
+              <a:buNone/>
+              <a:defRPr/>
+            </a:pPr>
+            <a:endParaRPr lang="en-US" sz="1800" dirty="0"/>
+          </a:p>
+          <a:p>
+            <a:pPr>
+              <a:lnSpc>
+                <a:spcPct val="100000"/>
+              </a:lnSpc>
+              <a:spcBef>
+                <a:spcPts val="0"/>
+              </a:spcBef>
+              <a:spcAft>
+                <a:spcPts val="0"/>
+              </a:spcAft>
+              <a:buClrTx/>
+              <a:buSzTx/>
+              <a:buFontTx/>
+              <a:buChar char="-"/>
+              <a:defRPr/>
+            </a:pPr>
+            <a:endParaRPr lang="en-US" sz="1800" dirty="0"/>
+          </a:p>
+          <a:p>
+            <a:pPr marL="0" indent="0">
+              <a:lnSpc>
+                <a:spcPct val="100000"/>
+              </a:lnSpc>
+              <a:spcBef>
+                <a:spcPts val="0"/>
+              </a:spcBef>
+              <a:spcAft>
+                <a:spcPts val="0"/>
+              </a:spcAft>
+              <a:buClrTx/>
+              <a:buSzTx/>
+              <a:buNone/>
+              <a:defRPr/>
+            </a:pPr>
+            <a:endParaRPr lang="en-US" sz="1800" dirty="0"/>
+          </a:p>
+          <a:p>
+            <a:pPr marL="285750" marR="0" lvl="1" indent="-285750" defTabSz="914400" eaLnBrk="1" fontAlgn="auto" latinLnBrk="0" hangingPunct="1">
+              <a:lnSpc>
+                <a:spcPct val="100000"/>
+              </a:lnSpc>
+              <a:spcBef>
+                <a:spcPts val="0"/>
+              </a:spcBef>
+              <a:spcAft>
+                <a:spcPts val="0"/>
+              </a:spcAft>
+              <a:buClrTx/>
+              <a:buSzTx/>
+              <a:buFontTx/>
+              <a:buChar char="-"/>
+              <a:tabLst/>
+              <a:defRPr/>
+            </a:pPr>
+            <a:endParaRPr lang="en-US" dirty="0" smtClean="0"/>
+          </a:p>
+          <a:p>
+            <a:pPr marL="285750" marR="0" lvl="1" indent="-285750" defTabSz="914400" eaLnBrk="1" fontAlgn="auto" latinLnBrk="0" hangingPunct="1">
+              <a:lnSpc>
+                <a:spcPct val="100000"/>
+              </a:lnSpc>
+              <a:spcBef>
+                <a:spcPts val="0"/>
+              </a:spcBef>
+              <a:spcAft>
+                <a:spcPts val="0"/>
+              </a:spcAft>
+              <a:buClrTx/>
+              <a:buSzTx/>
+              <a:buFontTx/>
+              <a:buChar char="-"/>
+              <a:tabLst/>
+              <a:defRPr/>
+            </a:pPr>
+            <a:endParaRPr lang="en-US" dirty="0"/>
+          </a:p>
+        </p:txBody>
+      </p:sp>
+      <p:pic>
+        <p:nvPicPr>
+          <p:cNvPr id="2052" name="Picture 4"/>
+          <p:cNvPicPr>
+            <a:picLocks noChangeAspect="1" noChangeArrowheads="1"/>
+          </p:cNvPicPr>
+          <p:nvPr/>
+        </p:nvPicPr>
+        <p:blipFill>
+          <a:blip r:embed="rId3">
+            <a:extLst>
+              <a:ext uri="{28A0092B-C50C-407E-A947-70E740481C1C}">
+                <a14:useLocalDpi xmlns:a14="http://schemas.microsoft.com/office/drawing/2010/main" val="0"/>
+              </a:ext>
+            </a:extLst>
+          </a:blip>
+          <a:srcRect/>
+          <a:stretch>
+            <a:fillRect/>
+          </a:stretch>
+        </p:blipFill>
+        <p:spPr bwMode="auto">
+          <a:xfrm>
+            <a:off x="7098030" y="2019300"/>
+            <a:ext cx="4210050" cy="3181350"/>
+          </a:xfrm>
+          <a:prstGeom prst="rect">
+            <a:avLst/>
+          </a:prstGeom>
+          <a:noFill/>
+          <a:ln>
+            <a:noFill/>
+          </a:ln>
+          <a:extLst>
+            <a:ext uri="{909E8E84-426E-40DD-AFC4-6F175D3DCCD1}">
+              <a14:hiddenFill xmlns:a14="http://schemas.microsoft.com/office/drawing/2010/main">
+                <a:solidFill>
+                  <a:schemeClr val="accent1"/>
+                </a:solidFill>
+              </a14:hiddenFill>
+            </a:ext>
+            <a:ext uri="{91240B29-F687-4F45-9708-019B960494DF}">
+              <a14:hiddenLine xmlns:a14="http://schemas.microsoft.com/office/drawing/2010/main" w="9525">
+                <a:solidFill>
+                  <a:schemeClr val="tx1"/>
+                </a:solidFill>
+                <a:miter lim="800000"/>
+                <a:headEnd/>
+                <a:tailEnd/>
+              </a14:hiddenLine>
+            </a:ext>
+          </a:extLst>
+        </p:spPr>
+      </p:pic>
     </p:spTree>
     <p:extLst>
       <p:ext uri="{BB962C8B-B14F-4D97-AF65-F5344CB8AC3E}">
-        <p14:creationId xmlns:p14="http://schemas.microsoft.com/office/powerpoint/2010/main" val="1582991963"/>
+        <p14:creationId xmlns:p14="http://schemas.microsoft.com/office/powerpoint/2010/main" val="1563967479"/>
       </p:ext>
     </p:extLst>
   </p:cSld>
@@ -6393,15 +7774,12 @@
         </p:nvSpPr>
         <p:spPr/>
         <p:txBody>
-          <a:bodyPr>
-            <a:normAutofit/>
-          </a:bodyPr>
-          <a:lstStyle/>
-          <a:p>
-            <a:pPr lvl="0"/>
+          <a:bodyPr/>
+          <a:lstStyle/>
+          <a:p>
             <a:r>
               <a:rPr lang="en-US" dirty="0" smtClean="0"/>
-              <a:t>4. Functionality (user stories)</a:t>
+              <a:t>2. Database – Claims (cont.)</a:t>
             </a:r>
             <a:endParaRPr lang="en-US" dirty="0"/>
           </a:p>
@@ -6419,270 +7797,235 @@
         </p:nvSpPr>
         <p:spPr>
           <a:xfrm>
-            <a:off x="1097280" y="1737359"/>
-            <a:ext cx="10058400" cy="4470009"/>
+            <a:off x="1097280" y="1845734"/>
+            <a:ext cx="5198745" cy="4023360"/>
           </a:xfrm>
         </p:spPr>
         <p:txBody>
-          <a:bodyPr>
-            <a:normAutofit fontScale="77500" lnSpcReduction="20000"/>
-          </a:bodyPr>
-          <a:lstStyle/>
+          <a:bodyPr/>
+          <a:lstStyle/>
+          <a:p>
+            <a:pPr marL="0" lvl="1" indent="0">
+              <a:lnSpc>
+                <a:spcPct val="100000"/>
+              </a:lnSpc>
+              <a:spcBef>
+                <a:spcPts val="0"/>
+              </a:spcBef>
+              <a:spcAft>
+                <a:spcPts val="0"/>
+              </a:spcAft>
+              <a:buClrTx/>
+              <a:buNone/>
+              <a:defRPr/>
+            </a:pPr>
+            <a:r>
+              <a:rPr lang="en-US" dirty="0" smtClean="0"/>
+              <a:t>Claim table: </a:t>
+            </a:r>
+            <a:r>
+              <a:rPr lang="en-US" dirty="0"/>
+              <a:t>store </a:t>
+            </a:r>
+            <a:r>
+              <a:rPr lang="en-US" dirty="0" smtClean="0"/>
+              <a:t>claim’s information</a:t>
+            </a:r>
+            <a:endParaRPr lang="en-US" dirty="0"/>
+          </a:p>
+          <a:p>
+            <a:pPr marL="0" lvl="1" indent="0">
+              <a:lnSpc>
+                <a:spcPct val="100000"/>
+              </a:lnSpc>
+              <a:spcBef>
+                <a:spcPts val="0"/>
+              </a:spcBef>
+              <a:spcAft>
+                <a:spcPts val="0"/>
+              </a:spcAft>
+              <a:buClrTx/>
+              <a:buNone/>
+              <a:defRPr/>
+            </a:pPr>
+            <a:r>
+              <a:rPr lang="en-US" dirty="0" smtClean="0"/>
+              <a:t>Circumstances table: type of claim’s circumstance</a:t>
+            </a:r>
+          </a:p>
+          <a:p>
+            <a:pPr marL="0" indent="0">
+              <a:lnSpc>
+                <a:spcPct val="100000"/>
+              </a:lnSpc>
+              <a:spcBef>
+                <a:spcPts val="0"/>
+              </a:spcBef>
+              <a:spcAft>
+                <a:spcPts val="0"/>
+              </a:spcAft>
+              <a:buClrTx/>
+              <a:buSzTx/>
+              <a:buNone/>
+              <a:defRPr/>
+            </a:pPr>
+            <a:endParaRPr lang="en-US" sz="1800" dirty="0" smtClean="0"/>
+          </a:p>
+          <a:p>
+            <a:pPr marL="0" indent="0">
+              <a:lnSpc>
+                <a:spcPct val="100000"/>
+              </a:lnSpc>
+              <a:spcBef>
+                <a:spcPts val="0"/>
+              </a:spcBef>
+              <a:spcAft>
+                <a:spcPts val="0"/>
+              </a:spcAft>
+              <a:buClrTx/>
+              <a:buSzTx/>
+              <a:buNone/>
+              <a:defRPr/>
+            </a:pPr>
+            <a:endParaRPr lang="en-US" sz="1800" dirty="0"/>
+          </a:p>
           <a:p>
             <a:pPr>
-              <a:buFont typeface="Wingdings" charset="2"/>
-              <a:buChar char="Ø"/>
-            </a:pPr>
-            <a:endParaRPr lang="en-US" sz="800" b="1" dirty="0" smtClean="0"/>
-          </a:p>
-          <a:p>
-            <a:pPr>
-              <a:buFont typeface="Wingdings" charset="2"/>
-              <a:buChar char="Ø"/>
-            </a:pPr>
-            <a:r>
-              <a:rPr lang="en-US" b="1" dirty="0" smtClean="0"/>
-              <a:t>User:</a:t>
-            </a:r>
-          </a:p>
-          <a:p>
-            <a:pPr lvl="1"/>
-            <a:r>
-              <a:rPr lang="en-US" sz="2600" dirty="0" smtClean="0">
+              <a:lnSpc>
+                <a:spcPct val="100000"/>
+              </a:lnSpc>
+              <a:spcBef>
+                <a:spcPts val="0"/>
+              </a:spcBef>
+              <a:spcAft>
+                <a:spcPts val="0"/>
+              </a:spcAft>
+              <a:buClrTx/>
+              <a:buSzTx/>
+              <a:buFontTx/>
+              <a:buChar char="-"/>
+              <a:defRPr/>
+            </a:pPr>
+            <a:endParaRPr lang="en-US" sz="1800" dirty="0"/>
+          </a:p>
+          <a:p>
+            <a:pPr marL="0" indent="0">
+              <a:lnSpc>
+                <a:spcPct val="100000"/>
+              </a:lnSpc>
+              <a:spcBef>
+                <a:spcPts val="0"/>
+              </a:spcBef>
+              <a:spcAft>
+                <a:spcPts val="0"/>
+              </a:spcAft>
+              <a:buClrTx/>
+              <a:buSzTx/>
+              <a:buNone/>
+              <a:defRPr/>
+            </a:pPr>
+            <a:endParaRPr lang="en-US" sz="1800" dirty="0"/>
+          </a:p>
+          <a:p>
+            <a:pPr marL="285750" marR="0" lvl="1" indent="-285750" defTabSz="914400" eaLnBrk="1" fontAlgn="auto" latinLnBrk="0" hangingPunct="1">
+              <a:lnSpc>
+                <a:spcPct val="100000"/>
+              </a:lnSpc>
+              <a:spcBef>
+                <a:spcPts val="0"/>
+              </a:spcBef>
+              <a:spcAft>
+                <a:spcPts val="0"/>
+              </a:spcAft>
+              <a:buClrTx/>
+              <a:buSzTx/>
+              <a:buFontTx/>
+              <a:buChar char="-"/>
+              <a:tabLst/>
+              <a:defRPr/>
+            </a:pPr>
+            <a:endParaRPr lang="en-US" dirty="0" smtClean="0"/>
+          </a:p>
+          <a:p>
+            <a:pPr marL="285750" marR="0" lvl="1" indent="-285750" defTabSz="914400" eaLnBrk="1" fontAlgn="auto" latinLnBrk="0" hangingPunct="1">
+              <a:lnSpc>
+                <a:spcPct val="100000"/>
+              </a:lnSpc>
+              <a:spcBef>
+                <a:spcPts val="0"/>
+              </a:spcBef>
+              <a:spcAft>
+                <a:spcPts val="0"/>
+              </a:spcAft>
+              <a:buClrTx/>
+              <a:buSzTx/>
+              <a:buFontTx/>
+              <a:buChar char="-"/>
+              <a:tabLst/>
+              <a:defRPr/>
+            </a:pPr>
+            <a:endParaRPr lang="en-US" dirty="0"/>
+          </a:p>
+        </p:txBody>
+      </p:sp>
+      <p:pic>
+        <p:nvPicPr>
+          <p:cNvPr id="2050" name="Picture 2"/>
+          <p:cNvPicPr>
+            <a:picLocks noChangeAspect="1" noChangeArrowheads="1"/>
+          </p:cNvPicPr>
+          <p:nvPr/>
+        </p:nvPicPr>
+        <p:blipFill>
+          <a:blip r:embed="rId3">
+            <a:extLst>
+              <a:ext uri="{28A0092B-C50C-407E-A947-70E740481C1C}">
+                <a14:useLocalDpi xmlns:a14="http://schemas.microsoft.com/office/drawing/2010/main" val="0"/>
+              </a:ext>
+            </a:extLst>
+          </a:blip>
+          <a:srcRect/>
+          <a:stretch>
+            <a:fillRect/>
+          </a:stretch>
+        </p:blipFill>
+        <p:spPr bwMode="auto">
+          <a:xfrm>
+            <a:off x="6859905" y="2045758"/>
+            <a:ext cx="4419600" cy="3190875"/>
+          </a:xfrm>
+          <a:prstGeom prst="rect">
+            <a:avLst/>
+          </a:prstGeom>
+          <a:noFill/>
+          <a:ln>
+            <a:noFill/>
+          </a:ln>
+          <a:extLst>
+            <a:ext uri="{909E8E84-426E-40DD-AFC4-6F175D3DCCD1}">
+              <a14:hiddenFill xmlns:a14="http://schemas.microsoft.com/office/drawing/2010/main">
+                <a:solidFill>
+                  <a:schemeClr val="accent1"/>
+                </a:solidFill>
+              </a14:hiddenFill>
+            </a:ext>
+            <a:ext uri="{91240B29-F687-4F45-9708-019B960494DF}">
+              <a14:hiddenLine xmlns:a14="http://schemas.microsoft.com/office/drawing/2010/main" w="9525">
                 <a:solidFill>
                   <a:schemeClr val="tx1"/>
                 </a:solidFill>
-              </a:rPr>
-              <a:t>As a user, I want to login/logout the system</a:t>
-            </a:r>
-          </a:p>
-          <a:p>
-            <a:pPr lvl="1"/>
-            <a:r>
-              <a:rPr lang="en-US" sz="2600" dirty="0" smtClean="0">
-                <a:solidFill>
-                  <a:schemeClr val="tx1"/>
-                </a:solidFill>
-              </a:rPr>
-              <a:t>As a user, I want to access website online</a:t>
-            </a:r>
-            <a:endParaRPr lang="en-US" sz="2600" b="1" dirty="0" smtClean="0"/>
-          </a:p>
-          <a:p>
-            <a:pPr>
-              <a:buFont typeface="Wingdings" charset="2"/>
-              <a:buChar char="Ø"/>
-            </a:pPr>
-            <a:r>
-              <a:rPr lang="en-US" b="1" dirty="0" smtClean="0"/>
-              <a:t>Admin:</a:t>
-            </a:r>
-          </a:p>
-          <a:p>
-            <a:pPr lvl="1"/>
-            <a:r>
-              <a:rPr lang="en-US" sz="2400" dirty="0">
-                <a:solidFill>
-                  <a:schemeClr val="tx1"/>
-                </a:solidFill>
-              </a:rPr>
-              <a:t>As an administrator, I want to manage account of Users</a:t>
-            </a:r>
-          </a:p>
-          <a:p>
-            <a:pPr lvl="1"/>
-            <a:r>
-              <a:rPr lang="en-US" sz="2400" dirty="0">
-                <a:solidFill>
-                  <a:schemeClr val="tx1"/>
-                </a:solidFill>
-              </a:rPr>
-              <a:t>As an administrator, I want to manage system </a:t>
-            </a:r>
-            <a:r>
-              <a:rPr lang="en-US" sz="2400" dirty="0" smtClean="0">
-                <a:solidFill>
-                  <a:schemeClr val="tx1"/>
-                </a:solidFill>
-              </a:rPr>
-              <a:t>data</a:t>
-            </a:r>
-          </a:p>
-          <a:p>
-            <a:pPr lvl="1"/>
-            <a:r>
-              <a:rPr lang="en-US" sz="2400" dirty="0" smtClean="0">
-                <a:solidFill>
-                  <a:schemeClr val="tx1"/>
-                </a:solidFill>
-              </a:rPr>
-              <a:t>As </a:t>
-            </a:r>
-            <a:r>
-              <a:rPr lang="en-US" sz="2400" dirty="0">
-                <a:solidFill>
-                  <a:schemeClr val="tx1"/>
-                </a:solidFill>
-              </a:rPr>
-              <a:t>an administrator, I want to add more situation options (sick, injury, etc</a:t>
-            </a:r>
-            <a:r>
-              <a:rPr lang="en-US" sz="2400" dirty="0" smtClean="0">
-                <a:solidFill>
-                  <a:schemeClr val="tx1"/>
-                </a:solidFill>
-              </a:rPr>
-              <a:t>.) as </a:t>
-            </a:r>
-            <a:endParaRPr lang="en-US" sz="2400" dirty="0">
-              <a:solidFill>
-                <a:schemeClr val="tx1"/>
-              </a:solidFill>
-            </a:endParaRPr>
-          </a:p>
-          <a:p>
-            <a:pPr lvl="1"/>
-            <a:r>
-              <a:rPr lang="en-US" sz="2400" dirty="0">
-                <a:solidFill>
-                  <a:schemeClr val="tx1"/>
-                </a:solidFill>
-              </a:rPr>
-              <a:t>As an administrator, I can view all claims in the system for each years</a:t>
-            </a:r>
-          </a:p>
-          <a:p>
-            <a:pPr lvl="1"/>
-            <a:r>
-              <a:rPr lang="en-US" sz="2400" dirty="0">
-                <a:solidFill>
-                  <a:schemeClr val="tx1"/>
-                </a:solidFill>
-              </a:rPr>
-              <a:t>As an administrator, I want to view items of assessment</a:t>
-            </a:r>
-          </a:p>
-          <a:p>
-            <a:pPr lvl="1"/>
-            <a:r>
-              <a:rPr lang="en-US" sz="2400" dirty="0">
-                <a:solidFill>
-                  <a:schemeClr val="tx1"/>
-                </a:solidFill>
-              </a:rPr>
-              <a:t>As an administrator, I want to set up closure date of claim</a:t>
-            </a:r>
-          </a:p>
-          <a:p>
-            <a:pPr>
-              <a:buFont typeface="Wingdings" charset="2"/>
-              <a:buChar char="Ø"/>
-            </a:pPr>
-            <a:r>
-              <a:rPr lang="en-US" b="1" dirty="0" smtClean="0"/>
-              <a:t>Manager:</a:t>
-            </a:r>
-            <a:endParaRPr lang="en-US" b="1" dirty="0"/>
-          </a:p>
-          <a:p>
-            <a:pPr lvl="1"/>
-            <a:r>
-              <a:rPr lang="en-US" sz="2400" dirty="0" smtClean="0">
-                <a:solidFill>
-                  <a:schemeClr val="tx1"/>
-                </a:solidFill>
-              </a:rPr>
-              <a:t>As </a:t>
-            </a:r>
-            <a:r>
-              <a:rPr lang="en-US" sz="2400" dirty="0">
-                <a:solidFill>
-                  <a:schemeClr val="tx1"/>
-                </a:solidFill>
-              </a:rPr>
-              <a:t>admin or manager, I want to see weekly report or customize the report details</a:t>
-            </a:r>
-          </a:p>
-          <a:p>
-            <a:pPr lvl="1"/>
-            <a:r>
-              <a:rPr lang="en-US" sz="2400" dirty="0">
-                <a:solidFill>
-                  <a:schemeClr val="tx1"/>
-                </a:solidFill>
-              </a:rPr>
-              <a:t>As an EC manager, I want to see all </a:t>
-            </a:r>
-            <a:r>
-              <a:rPr lang="en-US" sz="2400" dirty="0" smtClean="0">
-                <a:solidFill>
-                  <a:schemeClr val="tx1"/>
-                </a:solidFill>
-              </a:rPr>
-              <a:t>claims</a:t>
-            </a:r>
-            <a:endParaRPr lang="en-US" sz="2400" dirty="0">
-              <a:solidFill>
-                <a:schemeClr val="tx1"/>
-              </a:solidFill>
-            </a:endParaRPr>
-          </a:p>
-          <a:p>
-            <a:pPr lvl="1"/>
-            <a:r>
-              <a:rPr lang="en-US" sz="2400" dirty="0">
-                <a:solidFill>
-                  <a:schemeClr val="tx1"/>
-                </a:solidFill>
-              </a:rPr>
-              <a:t>As an EC Manager, I want to see claim Statistical Analysis </a:t>
-            </a:r>
-            <a:r>
-              <a:rPr lang="en-US" sz="2400" dirty="0" smtClean="0">
-                <a:solidFill>
-                  <a:schemeClr val="tx1"/>
-                </a:solidFill>
-              </a:rPr>
-              <a:t>(claims </a:t>
-            </a:r>
-            <a:r>
-              <a:rPr lang="en-US" sz="2400" dirty="0">
-                <a:solidFill>
-                  <a:schemeClr val="tx1"/>
-                </a:solidFill>
-              </a:rPr>
-              <a:t>per </a:t>
-            </a:r>
-            <a:r>
-              <a:rPr lang="en-US" sz="2400" dirty="0" smtClean="0">
-                <a:solidFill>
-                  <a:schemeClr val="tx1"/>
-                </a:solidFill>
-              </a:rPr>
-              <a:t>year, </a:t>
-            </a:r>
-            <a:r>
-              <a:rPr lang="en-US" sz="2400" dirty="0">
-                <a:solidFill>
-                  <a:schemeClr val="tx1"/>
-                </a:solidFill>
-              </a:rPr>
-              <a:t>per Faculty...)</a:t>
-            </a:r>
-          </a:p>
-          <a:p>
-            <a:pPr>
-              <a:buFont typeface="Wingdings" charset="2"/>
-              <a:buChar char="Ø"/>
-            </a:pPr>
-            <a:endParaRPr lang="en-US" dirty="0"/>
-          </a:p>
-        </p:txBody>
-      </p:sp>
+                <a:miter lim="800000"/>
+                <a:headEnd/>
+                <a:tailEnd/>
+              </a14:hiddenLine>
+            </a:ext>
+          </a:extLst>
+        </p:spPr>
+      </p:pic>
     </p:spTree>
     <p:extLst>
       <p:ext uri="{BB962C8B-B14F-4D97-AF65-F5344CB8AC3E}">
-        <p14:creationId xmlns:p14="http://schemas.microsoft.com/office/powerpoint/2010/main" val="504149955"/>
+        <p14:creationId xmlns:p14="http://schemas.microsoft.com/office/powerpoint/2010/main" val="1966029437"/>
       </p:ext>
     </p:extLst>
   </p:cSld>
@@ -6733,11 +8076,7 @@
           <a:p>
             <a:r>
               <a:rPr lang="en-US" dirty="0" smtClean="0"/>
-              <a:t>F</a:t>
-            </a:r>
-            <a:r>
-              <a:rPr lang="en-US" dirty="0" smtClean="0"/>
-              <a:t>unctionality (cont.)</a:t>
+              <a:t>2. Database – Assessments (cont.)</a:t>
             </a:r>
             <a:endParaRPr lang="en-US" dirty="0"/>
           </a:p>
@@ -6756,183 +8095,226 @@
         <p:spPr>
           <a:xfrm>
             <a:off x="1097280" y="1845734"/>
-            <a:ext cx="10058400" cy="4273712"/>
+            <a:ext cx="7189470" cy="4023360"/>
           </a:xfrm>
         </p:spPr>
         <p:txBody>
-          <a:bodyPr>
-            <a:normAutofit/>
-          </a:bodyPr>
-          <a:lstStyle/>
+          <a:bodyPr/>
+          <a:lstStyle/>
+          <a:p>
+            <a:pPr marL="0" lvl="1" indent="0">
+              <a:lnSpc>
+                <a:spcPct val="100000"/>
+              </a:lnSpc>
+              <a:spcBef>
+                <a:spcPts val="0"/>
+              </a:spcBef>
+              <a:spcAft>
+                <a:spcPts val="0"/>
+              </a:spcAft>
+              <a:buClrTx/>
+              <a:buNone/>
+              <a:defRPr/>
+            </a:pPr>
+            <a:r>
+              <a:rPr lang="en-US" dirty="0" smtClean="0"/>
+              <a:t>Assessment table: store course information</a:t>
+            </a:r>
+          </a:p>
+          <a:p>
+            <a:pPr marL="0" lvl="1" indent="0">
+              <a:lnSpc>
+                <a:spcPct val="100000"/>
+              </a:lnSpc>
+              <a:spcBef>
+                <a:spcPts val="0"/>
+              </a:spcBef>
+              <a:spcAft>
+                <a:spcPts val="0"/>
+              </a:spcAft>
+              <a:buClrTx/>
+              <a:buNone/>
+              <a:defRPr/>
+            </a:pPr>
+            <a:r>
+              <a:rPr lang="en-US" dirty="0" smtClean="0"/>
+              <a:t>Item table: store the type of point for each course, such as Examination or Coursework.</a:t>
+            </a:r>
+            <a:endParaRPr lang="en-US" dirty="0"/>
+          </a:p>
+          <a:p>
+            <a:pPr marL="0" indent="0">
+              <a:lnSpc>
+                <a:spcPct val="100000"/>
+              </a:lnSpc>
+              <a:spcBef>
+                <a:spcPts val="0"/>
+              </a:spcBef>
+              <a:spcAft>
+                <a:spcPts val="0"/>
+              </a:spcAft>
+              <a:buClrTx/>
+              <a:buSzTx/>
+              <a:buNone/>
+              <a:defRPr/>
+            </a:pPr>
+            <a:endParaRPr lang="en-US" sz="1800" dirty="0" smtClean="0"/>
+          </a:p>
+          <a:p>
+            <a:pPr marL="0" indent="0">
+              <a:lnSpc>
+                <a:spcPct val="100000"/>
+              </a:lnSpc>
+              <a:spcBef>
+                <a:spcPts val="0"/>
+              </a:spcBef>
+              <a:spcAft>
+                <a:spcPts val="0"/>
+              </a:spcAft>
+              <a:buClrTx/>
+              <a:buSzTx/>
+              <a:buNone/>
+              <a:defRPr/>
+            </a:pPr>
+            <a:endParaRPr lang="en-US" sz="1800" dirty="0"/>
+          </a:p>
           <a:p>
             <a:pPr>
-              <a:buFont typeface="Wingdings" charset="2"/>
-              <a:buChar char="Ø"/>
-            </a:pPr>
-            <a:r>
-              <a:rPr lang="en-US" b="1" dirty="0" smtClean="0"/>
-              <a:t>Coordinator:</a:t>
-            </a:r>
-          </a:p>
-          <a:p>
-            <a:pPr lvl="1"/>
-            <a:r>
-              <a:rPr lang="en-US" sz="2000" dirty="0">
+              <a:lnSpc>
+                <a:spcPct val="100000"/>
+              </a:lnSpc>
+              <a:spcBef>
+                <a:spcPts val="0"/>
+              </a:spcBef>
+              <a:spcAft>
+                <a:spcPts val="0"/>
+              </a:spcAft>
+              <a:buClrTx/>
+              <a:buSzTx/>
+              <a:buFontTx/>
+              <a:buChar char="-"/>
+              <a:defRPr/>
+            </a:pPr>
+            <a:endParaRPr lang="en-US" sz="1800" dirty="0"/>
+          </a:p>
+          <a:p>
+            <a:pPr marL="0" indent="0">
+              <a:lnSpc>
+                <a:spcPct val="100000"/>
+              </a:lnSpc>
+              <a:spcBef>
+                <a:spcPts val="0"/>
+              </a:spcBef>
+              <a:spcAft>
+                <a:spcPts val="0"/>
+              </a:spcAft>
+              <a:buClrTx/>
+              <a:buSzTx/>
+              <a:buNone/>
+              <a:defRPr/>
+            </a:pPr>
+            <a:endParaRPr lang="en-US" sz="1800" dirty="0"/>
+          </a:p>
+          <a:p>
+            <a:pPr marL="285750" marR="0" lvl="1" indent="-285750" defTabSz="914400" eaLnBrk="1" fontAlgn="auto" latinLnBrk="0" hangingPunct="1">
+              <a:lnSpc>
+                <a:spcPct val="100000"/>
+              </a:lnSpc>
+              <a:spcBef>
+                <a:spcPts val="0"/>
+              </a:spcBef>
+              <a:spcAft>
+                <a:spcPts val="0"/>
+              </a:spcAft>
+              <a:buClrTx/>
+              <a:buSzTx/>
+              <a:buFontTx/>
+              <a:buChar char="-"/>
+              <a:tabLst/>
+              <a:defRPr/>
+            </a:pPr>
+            <a:endParaRPr lang="en-US" dirty="0" smtClean="0"/>
+          </a:p>
+          <a:p>
+            <a:pPr marL="285750" marR="0" lvl="1" indent="-285750" defTabSz="914400" eaLnBrk="1" fontAlgn="auto" latinLnBrk="0" hangingPunct="1">
+              <a:lnSpc>
+                <a:spcPct val="100000"/>
+              </a:lnSpc>
+              <a:spcBef>
+                <a:spcPts val="0"/>
+              </a:spcBef>
+              <a:spcAft>
+                <a:spcPts val="0"/>
+              </a:spcAft>
+              <a:buClrTx/>
+              <a:buSzTx/>
+              <a:buFontTx/>
+              <a:buChar char="-"/>
+              <a:tabLst/>
+              <a:defRPr/>
+            </a:pPr>
+            <a:endParaRPr lang="en-US" dirty="0"/>
+          </a:p>
+        </p:txBody>
+      </p:sp>
+      <p:pic>
+        <p:nvPicPr>
+          <p:cNvPr id="4098" name="Picture 2"/>
+          <p:cNvPicPr>
+            <a:picLocks noChangeAspect="1" noChangeArrowheads="1"/>
+          </p:cNvPicPr>
+          <p:nvPr/>
+        </p:nvPicPr>
+        <p:blipFill>
+          <a:blip r:embed="rId3">
+            <a:extLst>
+              <a:ext uri="{28A0092B-C50C-407E-A947-70E740481C1C}">
+                <a14:useLocalDpi xmlns:a14="http://schemas.microsoft.com/office/drawing/2010/main" val="0"/>
+              </a:ext>
+            </a:extLst>
+          </a:blip>
+          <a:srcRect/>
+          <a:stretch>
+            <a:fillRect/>
+          </a:stretch>
+        </p:blipFill>
+        <p:spPr bwMode="auto">
+          <a:xfrm>
+            <a:off x="8410575" y="2209800"/>
+            <a:ext cx="1981200" cy="2438400"/>
+          </a:xfrm>
+          <a:prstGeom prst="rect">
+            <a:avLst/>
+          </a:prstGeom>
+          <a:noFill/>
+          <a:ln>
+            <a:noFill/>
+          </a:ln>
+          <a:extLst>
+            <a:ext uri="{909E8E84-426E-40DD-AFC4-6F175D3DCCD1}">
+              <a14:hiddenFill xmlns:a14="http://schemas.microsoft.com/office/drawing/2010/main">
+                <a:solidFill>
+                  <a:schemeClr val="accent1"/>
+                </a:solidFill>
+              </a14:hiddenFill>
+            </a:ext>
+            <a:ext uri="{91240B29-F687-4F45-9708-019B960494DF}">
+              <a14:hiddenLine xmlns:a14="http://schemas.microsoft.com/office/drawing/2010/main" w="9525">
                 <a:solidFill>
                   <a:schemeClr val="tx1"/>
                 </a:solidFill>
-              </a:rPr>
-              <a:t>As an EC Coordinator, I want to receive email of notification when new claim is submitted</a:t>
-            </a:r>
-          </a:p>
-          <a:p>
-            <a:pPr lvl="1"/>
-            <a:r>
-              <a:rPr lang="en-US" sz="2000" dirty="0">
-                <a:solidFill>
-                  <a:schemeClr val="tx1"/>
-                </a:solidFill>
-              </a:rPr>
-              <a:t>As an EC Coordinator, I want to process new claim</a:t>
-            </a:r>
-          </a:p>
-          <a:p>
-            <a:pPr lvl="1"/>
-            <a:r>
-              <a:rPr lang="en-US" sz="2000" dirty="0">
-                <a:solidFill>
-                  <a:schemeClr val="tx1"/>
-                </a:solidFill>
-              </a:rPr>
-              <a:t>As an EC Coordinator, I want to see all the process of my Faculty</a:t>
-            </a:r>
-          </a:p>
-          <a:p>
-            <a:pPr>
-              <a:buFont typeface="Wingdings" charset="2"/>
-              <a:buChar char="Ø"/>
-            </a:pPr>
-            <a:r>
-              <a:rPr lang="en-US" b="1" dirty="0" smtClean="0"/>
-              <a:t>Student:</a:t>
-            </a:r>
-          </a:p>
-          <a:p>
-            <a:pPr lvl="1"/>
-            <a:r>
-              <a:rPr lang="en-US" sz="2000" dirty="0">
-                <a:solidFill>
-                  <a:schemeClr val="tx1"/>
-                </a:solidFill>
-              </a:rPr>
-              <a:t>As a Student, I want to submit more than 1 EC claims for my items of assessment. The claim must be </a:t>
-            </a:r>
-            <a:r>
-              <a:rPr lang="en-US" sz="2000" dirty="0" smtClean="0">
-                <a:solidFill>
-                  <a:schemeClr val="tx1"/>
-                </a:solidFill>
-              </a:rPr>
-              <a:t>submitted </a:t>
-            </a:r>
-            <a:r>
-              <a:rPr lang="en-US" sz="2000" dirty="0">
-                <a:solidFill>
-                  <a:schemeClr val="tx1"/>
-                </a:solidFill>
-              </a:rPr>
-              <a:t>before closure. date. And the claim must belong the faculties' student</a:t>
-            </a:r>
-          </a:p>
-          <a:p>
-            <a:pPr lvl="1"/>
-            <a:r>
-              <a:rPr lang="en-US" sz="2000" dirty="0">
-                <a:solidFill>
-                  <a:schemeClr val="tx1"/>
-                </a:solidFill>
-              </a:rPr>
-              <a:t>As a Student, I want to submit evidences for my EC claims (</a:t>
-            </a:r>
-            <a:r>
-              <a:rPr lang="en-US" sz="2000" dirty="0" err="1">
-                <a:solidFill>
-                  <a:schemeClr val="tx1"/>
-                </a:solidFill>
-              </a:rPr>
-              <a:t>e.g</a:t>
-            </a:r>
-            <a:r>
-              <a:rPr lang="en-US" sz="2000" dirty="0">
-                <a:solidFill>
-                  <a:schemeClr val="tx1"/>
-                </a:solidFill>
-              </a:rPr>
-              <a:t>: Images, PDFs…) before final closure date</a:t>
-            </a:r>
-          </a:p>
-          <a:p>
-            <a:pPr lvl="1"/>
-            <a:r>
-              <a:rPr lang="en-US" sz="2000" dirty="0">
-                <a:solidFill>
-                  <a:schemeClr val="tx1"/>
-                </a:solidFill>
-              </a:rPr>
-              <a:t>As a Student, I want to receive email which containing the decision of my EC claim</a:t>
-            </a:r>
-          </a:p>
-          <a:p>
-            <a:pPr lvl="1"/>
-            <a:r>
-              <a:rPr lang="en-US" sz="2000" dirty="0">
-                <a:solidFill>
-                  <a:schemeClr val="tx1"/>
-                </a:solidFill>
-              </a:rPr>
-              <a:t>As a Student, I want to see all my claims which is submitted also the </a:t>
-            </a:r>
-            <a:r>
-              <a:rPr lang="en-US" sz="2000" dirty="0" smtClean="0">
-                <a:solidFill>
-                  <a:schemeClr val="tx1"/>
-                </a:solidFill>
-              </a:rPr>
-              <a:t>decisions</a:t>
-            </a:r>
-          </a:p>
-          <a:p>
-            <a:pPr lvl="1"/>
-            <a:r>
-              <a:rPr lang="en-US" sz="2000" dirty="0">
-                <a:solidFill>
-                  <a:schemeClr val="tx1"/>
-                </a:solidFill>
-              </a:rPr>
-              <a:t>As a student, I want to searching and sorting claim</a:t>
-            </a:r>
-          </a:p>
-          <a:p>
-            <a:pPr lvl="1"/>
-            <a:endParaRPr lang="en-US" sz="2000" dirty="0">
-              <a:solidFill>
-                <a:schemeClr val="tx1"/>
-              </a:solidFill>
-            </a:endParaRPr>
-          </a:p>
-          <a:p>
-            <a:pPr lvl="1">
-              <a:buFont typeface="Wingdings" charset="2"/>
-              <a:buChar char="Ø"/>
-            </a:pPr>
-            <a:endParaRPr lang="en-US" dirty="0"/>
-          </a:p>
-        </p:txBody>
-      </p:sp>
+                <a:miter lim="800000"/>
+                <a:headEnd/>
+                <a:tailEnd/>
+              </a14:hiddenLine>
+            </a:ext>
+          </a:extLst>
+        </p:spPr>
+      </p:pic>
     </p:spTree>
     <p:extLst>
       <p:ext uri="{BB962C8B-B14F-4D97-AF65-F5344CB8AC3E}">
-        <p14:creationId xmlns:p14="http://schemas.microsoft.com/office/powerpoint/2010/main" val="990038662"/>
+        <p14:creationId xmlns:p14="http://schemas.microsoft.com/office/powerpoint/2010/main" val="1218341352"/>
       </p:ext>
     </p:extLst>
   </p:cSld>
@@ -6976,15 +8358,21 @@
             <p:ph type="title"/>
           </p:nvPr>
         </p:nvSpPr>
-        <p:spPr/>
+        <p:spPr>
+          <a:xfrm>
+            <a:off x="1097280" y="286603"/>
+            <a:ext cx="6827520" cy="1450757"/>
+          </a:xfrm>
+        </p:spPr>
         <p:txBody>
           <a:bodyPr/>
           <a:lstStyle/>
           <a:p>
             <a:r>
-              <a:rPr lang="en-US" dirty="0"/>
-              <a:t>Functionality (user stories)</a:t>
-            </a:r>
+              <a:rPr lang="en-US" dirty="0" smtClean="0"/>
+              <a:t>2. Database – Model</a:t>
+            </a:r>
+            <a:endParaRPr lang="en-US" dirty="0"/>
           </a:p>
         </p:txBody>
       </p:sp>
@@ -6998,19 +8386,225 @@
             <p:ph idx="1"/>
           </p:nvPr>
         </p:nvSpPr>
-        <p:spPr/>
+        <p:spPr>
+          <a:xfrm>
+            <a:off x="1097280" y="1845734"/>
+            <a:ext cx="7189470" cy="4023360"/>
+          </a:xfrm>
+        </p:spPr>
         <p:txBody>
           <a:bodyPr/>
           <a:lstStyle/>
           <a:p>
+            <a:pPr marL="0" lvl="1" indent="0">
+              <a:lnSpc>
+                <a:spcPct val="100000"/>
+              </a:lnSpc>
+              <a:spcBef>
+                <a:spcPts val="0"/>
+              </a:spcBef>
+              <a:spcAft>
+                <a:spcPts val="0"/>
+              </a:spcAft>
+              <a:buClrTx/>
+              <a:buNone/>
+              <a:defRPr/>
+            </a:pPr>
+            <a:r>
+              <a:rPr lang="en-US" dirty="0" smtClean="0"/>
+              <a:t>UML Diagram based on Database ERD</a:t>
+            </a:r>
+          </a:p>
+          <a:p>
+            <a:pPr marL="0" lvl="1" indent="0">
+              <a:lnSpc>
+                <a:spcPct val="100000"/>
+              </a:lnSpc>
+              <a:spcBef>
+                <a:spcPts val="0"/>
+              </a:spcBef>
+              <a:spcAft>
+                <a:spcPts val="0"/>
+              </a:spcAft>
+              <a:buClrTx/>
+              <a:buNone/>
+              <a:defRPr/>
+            </a:pPr>
             <a:endParaRPr lang="en-US" dirty="0"/>
           </a:p>
-        </p:txBody>
-      </p:sp>
+          <a:p>
+            <a:pPr marL="0" indent="0">
+              <a:lnSpc>
+                <a:spcPct val="100000"/>
+              </a:lnSpc>
+              <a:spcBef>
+                <a:spcPts val="0"/>
+              </a:spcBef>
+              <a:spcAft>
+                <a:spcPts val="0"/>
+              </a:spcAft>
+              <a:buClrTx/>
+              <a:buSzTx/>
+              <a:buNone/>
+              <a:defRPr/>
+            </a:pPr>
+            <a:endParaRPr lang="en-US" sz="1800" dirty="0" smtClean="0"/>
+          </a:p>
+          <a:p>
+            <a:pPr marL="0" indent="0">
+              <a:lnSpc>
+                <a:spcPct val="100000"/>
+              </a:lnSpc>
+              <a:spcBef>
+                <a:spcPts val="0"/>
+              </a:spcBef>
+              <a:spcAft>
+                <a:spcPts val="0"/>
+              </a:spcAft>
+              <a:buClrTx/>
+              <a:buSzTx/>
+              <a:buNone/>
+              <a:defRPr/>
+            </a:pPr>
+            <a:endParaRPr lang="en-US" sz="1800" dirty="0"/>
+          </a:p>
+          <a:p>
+            <a:pPr>
+              <a:lnSpc>
+                <a:spcPct val="100000"/>
+              </a:lnSpc>
+              <a:spcBef>
+                <a:spcPts val="0"/>
+              </a:spcBef>
+              <a:spcAft>
+                <a:spcPts val="0"/>
+              </a:spcAft>
+              <a:buClrTx/>
+              <a:buSzTx/>
+              <a:buFontTx/>
+              <a:buChar char="-"/>
+              <a:defRPr/>
+            </a:pPr>
+            <a:endParaRPr lang="en-US" sz="1800" dirty="0"/>
+          </a:p>
+          <a:p>
+            <a:pPr marL="0" indent="0">
+              <a:lnSpc>
+                <a:spcPct val="100000"/>
+              </a:lnSpc>
+              <a:spcBef>
+                <a:spcPts val="0"/>
+              </a:spcBef>
+              <a:spcAft>
+                <a:spcPts val="0"/>
+              </a:spcAft>
+              <a:buClrTx/>
+              <a:buSzTx/>
+              <a:buNone/>
+              <a:defRPr/>
+            </a:pPr>
+            <a:endParaRPr lang="en-US" sz="1800" dirty="0"/>
+          </a:p>
+          <a:p>
+            <a:pPr marL="285750" marR="0" lvl="1" indent="-285750" defTabSz="914400" eaLnBrk="1" fontAlgn="auto" latinLnBrk="0" hangingPunct="1">
+              <a:lnSpc>
+                <a:spcPct val="100000"/>
+              </a:lnSpc>
+              <a:spcBef>
+                <a:spcPts val="0"/>
+              </a:spcBef>
+              <a:spcAft>
+                <a:spcPts val="0"/>
+              </a:spcAft>
+              <a:buClrTx/>
+              <a:buSzTx/>
+              <a:buFontTx/>
+              <a:buChar char="-"/>
+              <a:tabLst/>
+              <a:defRPr/>
+            </a:pPr>
+            <a:endParaRPr lang="en-US" dirty="0" smtClean="0"/>
+          </a:p>
+          <a:p>
+            <a:pPr marL="285750" marR="0" lvl="1" indent="-285750" defTabSz="914400" eaLnBrk="1" fontAlgn="auto" latinLnBrk="0" hangingPunct="1">
+              <a:lnSpc>
+                <a:spcPct val="100000"/>
+              </a:lnSpc>
+              <a:spcBef>
+                <a:spcPts val="0"/>
+              </a:spcBef>
+              <a:spcAft>
+                <a:spcPts val="0"/>
+              </a:spcAft>
+              <a:buClrTx/>
+              <a:buSzTx/>
+              <a:buFontTx/>
+              <a:buChar char="-"/>
+              <a:tabLst/>
+              <a:defRPr/>
+            </a:pPr>
+            <a:endParaRPr lang="en-US" dirty="0"/>
+          </a:p>
+        </p:txBody>
+      </p:sp>
+      <p:pic>
+        <p:nvPicPr>
+          <p:cNvPr id="3075" name="Picture 3"/>
+          <p:cNvPicPr>
+            <a:picLocks noChangeAspect="1" noChangeArrowheads="1"/>
+          </p:cNvPicPr>
+          <p:nvPr/>
+        </p:nvPicPr>
+        <p:blipFill>
+          <a:blip r:embed="rId3">
+            <a:extLst>
+              <a:ext uri="{28A0092B-C50C-407E-A947-70E740481C1C}">
+                <a14:useLocalDpi xmlns:a14="http://schemas.microsoft.com/office/drawing/2010/main" val="0"/>
+              </a:ext>
+            </a:extLst>
+          </a:blip>
+          <a:srcRect/>
+          <a:stretch>
+            <a:fillRect/>
+          </a:stretch>
+        </p:blipFill>
+        <p:spPr bwMode="auto">
+          <a:xfrm>
+            <a:off x="5163196" y="1737360"/>
+            <a:ext cx="6247107" cy="4511040"/>
+          </a:xfrm>
+          <a:prstGeom prst="rect">
+            <a:avLst/>
+          </a:prstGeom>
+          <a:noFill/>
+          <a:ln>
+            <a:noFill/>
+          </a:ln>
+          <a:extLst>
+            <a:ext uri="{909E8E84-426E-40DD-AFC4-6F175D3DCCD1}">
+              <a14:hiddenFill xmlns:a14="http://schemas.microsoft.com/office/drawing/2010/main">
+                <a:solidFill>
+                  <a:schemeClr val="accent1"/>
+                </a:solidFill>
+              </a14:hiddenFill>
+            </a:ext>
+            <a:ext uri="{91240B29-F687-4F45-9708-019B960494DF}">
+              <a14:hiddenLine xmlns:a14="http://schemas.microsoft.com/office/drawing/2010/main" w="9525">
+                <a:solidFill>
+                  <a:schemeClr val="tx1"/>
+                </a:solidFill>
+                <a:miter lim="800000"/>
+                <a:headEnd/>
+                <a:tailEnd/>
+              </a14:hiddenLine>
+            </a:ext>
+          </a:extLst>
+        </p:spPr>
+      </p:pic>
     </p:spTree>
     <p:extLst>
       <p:ext uri="{BB962C8B-B14F-4D97-AF65-F5344CB8AC3E}">
-        <p14:creationId xmlns:p14="http://schemas.microsoft.com/office/powerpoint/2010/main" val="493055197"/>
+        <p14:creationId xmlns:p14="http://schemas.microsoft.com/office/powerpoint/2010/main" val="1386060526"/>
       </p:ext>
     </p:extLst>
   </p:cSld>
@@ -7056,32 +8650,62 @@
         </p:nvSpPr>
         <p:spPr/>
         <p:txBody>
+          <a:bodyPr>
+            <a:normAutofit/>
+          </a:bodyPr>
+          <a:lstStyle/>
+          <a:p>
+            <a:pPr lvl="0"/>
+            <a:r>
+              <a:rPr lang="en-US" dirty="0" smtClean="0"/>
+              <a:t>3. Site design</a:t>
+            </a:r>
+            <a:endParaRPr lang="en-US" dirty="0"/>
+          </a:p>
+        </p:txBody>
+      </p:sp>
+      <p:sp>
+        <p:nvSpPr>
+          <p:cNvPr id="3" name="Content Placeholder 2"/>
+          <p:cNvSpPr>
+            <a:spLocks noGrp="1"/>
+          </p:cNvSpPr>
+          <p:nvPr>
+            <p:ph idx="1"/>
+          </p:nvPr>
+        </p:nvSpPr>
+        <p:spPr/>
+        <p:txBody>
           <a:bodyPr/>
           <a:lstStyle/>
           <a:p>
-            <a:pPr lvl="0"/>
-            <a:r>
-              <a:rPr lang="en-US" dirty="0" smtClean="0"/>
-              <a:t>5. Testing</a:t>
-            </a:r>
-            <a:endParaRPr lang="en-US" dirty="0"/>
-          </a:p>
-        </p:txBody>
-      </p:sp>
-      <p:sp>
-        <p:nvSpPr>
-          <p:cNvPr id="3" name="Content Placeholder 2"/>
-          <p:cNvSpPr>
-            <a:spLocks noGrp="1"/>
-          </p:cNvSpPr>
-          <p:nvPr>
-            <p:ph idx="1"/>
-          </p:nvPr>
-        </p:nvSpPr>
-        <p:spPr/>
-        <p:txBody>
-          <a:bodyPr/>
-          <a:lstStyle/>
+            <a:pPr lvl="1"/>
+            <a:r>
+              <a:rPr lang="en-US" dirty="0"/>
+              <a:t>Implementation of responsive design</a:t>
+            </a:r>
+          </a:p>
+          <a:p>
+            <a:pPr lvl="1"/>
+            <a:r>
+              <a:rPr lang="en-US" dirty="0"/>
+              <a:t>Testing in different screen resolution</a:t>
+            </a:r>
+          </a:p>
+          <a:p>
+            <a:pPr lvl="1"/>
+            <a:r>
+              <a:rPr lang="en-US" dirty="0"/>
+              <a:t>Usability</a:t>
+            </a:r>
+          </a:p>
+          <a:p>
+            <a:pPr lvl="1"/>
+            <a:r>
+              <a:rPr lang="en-US" dirty="0"/>
+              <a:t>Accessibility</a:t>
+            </a:r>
+          </a:p>
           <a:p>
             <a:endParaRPr lang="en-US" dirty="0"/>
           </a:p>
@@ -7090,7 +8714,7 @@
     </p:spTree>
     <p:extLst>
       <p:ext uri="{BB962C8B-B14F-4D97-AF65-F5344CB8AC3E}">
-        <p14:creationId xmlns:p14="http://schemas.microsoft.com/office/powerpoint/2010/main" val="391672032"/>
+        <p14:creationId xmlns:p14="http://schemas.microsoft.com/office/powerpoint/2010/main" val="1582991963"/>
       </p:ext>
     </p:extLst>
   </p:cSld>
@@ -7136,21 +8760,16 @@
         </p:nvSpPr>
         <p:spPr/>
         <p:txBody>
-          <a:bodyPr/>
+          <a:bodyPr>
+            <a:normAutofit/>
+          </a:bodyPr>
           <a:lstStyle/>
           <a:p>
             <a:pPr lvl="0"/>
             <a:r>
               <a:rPr lang="en-US" dirty="0" smtClean="0"/>
-              <a:t>6. Agile </a:t>
-            </a:r>
-            <a:r>
-              <a:rPr lang="en-US" dirty="0"/>
-              <a:t>methodology</a:t>
-            </a:r>
-            <a:br>
-              <a:rPr lang="en-US" dirty="0"/>
-            </a:br>
+              <a:t>4. Functionality (user stories)</a:t>
+            </a:r>
             <a:endParaRPr lang="en-US" dirty="0"/>
           </a:p>
         </p:txBody>
@@ -7165,25 +8784,285 @@
             <p:ph idx="1"/>
           </p:nvPr>
         </p:nvSpPr>
-        <p:spPr/>
-        <p:txBody>
-          <a:bodyPr/>
-          <a:lstStyle/>
-          <a:p>
-            <a:endParaRPr lang="en-US"/>
+        <p:spPr>
+          <a:xfrm>
+            <a:off x="1097280" y="1737359"/>
+            <a:ext cx="10058400" cy="4470009"/>
+          </a:xfrm>
+        </p:spPr>
+        <p:txBody>
+          <a:bodyPr>
+            <a:normAutofit fontScale="77500" lnSpcReduction="20000"/>
+          </a:bodyPr>
+          <a:lstStyle/>
+          <a:p>
+            <a:pPr>
+              <a:buFont typeface="Wingdings" charset="2"/>
+              <a:buChar char="Ø"/>
+            </a:pPr>
+            <a:endParaRPr lang="en-US" sz="800" b="1" dirty="0" smtClean="0"/>
+          </a:p>
+          <a:p>
+            <a:pPr>
+              <a:buFont typeface="Wingdings" charset="2"/>
+              <a:buChar char="Ø"/>
+            </a:pPr>
+            <a:r>
+              <a:rPr lang="en-US" b="1" dirty="0" smtClean="0"/>
+              <a:t>User:</a:t>
+            </a:r>
+          </a:p>
+          <a:p>
+            <a:pPr lvl="1"/>
+            <a:r>
+              <a:rPr lang="en-US" sz="2600" dirty="0" smtClean="0">
+                <a:solidFill>
+                  <a:schemeClr val="tx1"/>
+                </a:solidFill>
+              </a:rPr>
+              <a:t>As a user, I want to login/logout the system</a:t>
+            </a:r>
+          </a:p>
+          <a:p>
+            <a:pPr lvl="1"/>
+            <a:r>
+              <a:rPr lang="en-US" sz="2600" dirty="0" smtClean="0">
+                <a:solidFill>
+                  <a:schemeClr val="tx1"/>
+                </a:solidFill>
+              </a:rPr>
+              <a:t>As a user, I want to access website online</a:t>
+            </a:r>
+            <a:endParaRPr lang="en-US" sz="2600" b="1" dirty="0" smtClean="0"/>
+          </a:p>
+          <a:p>
+            <a:pPr>
+              <a:buFont typeface="Wingdings" charset="2"/>
+              <a:buChar char="Ø"/>
+            </a:pPr>
+            <a:r>
+              <a:rPr lang="en-US" b="1" dirty="0" smtClean="0"/>
+              <a:t>Admin:</a:t>
+            </a:r>
+          </a:p>
+          <a:p>
+            <a:pPr lvl="1"/>
+            <a:r>
+              <a:rPr lang="en-US" sz="2400" dirty="0">
+                <a:solidFill>
+                  <a:schemeClr val="tx1"/>
+                </a:solidFill>
+              </a:rPr>
+              <a:t>As an administrator, I want to manage account of Users</a:t>
+            </a:r>
+          </a:p>
+          <a:p>
+            <a:pPr lvl="1"/>
+            <a:r>
+              <a:rPr lang="en-US" sz="2400" dirty="0">
+                <a:solidFill>
+                  <a:schemeClr val="tx1"/>
+                </a:solidFill>
+              </a:rPr>
+              <a:t>As an administrator, I want to manage system </a:t>
+            </a:r>
+            <a:r>
+              <a:rPr lang="en-US" sz="2400" dirty="0" smtClean="0">
+                <a:solidFill>
+                  <a:schemeClr val="tx1"/>
+                </a:solidFill>
+              </a:rPr>
+              <a:t>data</a:t>
+            </a:r>
+          </a:p>
+          <a:p>
+            <a:pPr lvl="1"/>
+            <a:r>
+              <a:rPr lang="en-US" sz="2400" dirty="0" smtClean="0">
+                <a:solidFill>
+                  <a:schemeClr val="tx1"/>
+                </a:solidFill>
+              </a:rPr>
+              <a:t>As </a:t>
+            </a:r>
+            <a:r>
+              <a:rPr lang="en-US" sz="2400" dirty="0">
+                <a:solidFill>
+                  <a:schemeClr val="tx1"/>
+                </a:solidFill>
+              </a:rPr>
+              <a:t>an administrator, I want to add more situation options (sick, injury, etc</a:t>
+            </a:r>
+            <a:r>
+              <a:rPr lang="en-US" sz="2400" dirty="0" smtClean="0">
+                <a:solidFill>
+                  <a:schemeClr val="tx1"/>
+                </a:solidFill>
+              </a:rPr>
+              <a:t>.) as </a:t>
+            </a:r>
+            <a:endParaRPr lang="en-US" sz="2400" dirty="0">
+              <a:solidFill>
+                <a:schemeClr val="tx1"/>
+              </a:solidFill>
+            </a:endParaRPr>
+          </a:p>
+          <a:p>
+            <a:pPr lvl="1"/>
+            <a:r>
+              <a:rPr lang="en-US" sz="2400" dirty="0">
+                <a:solidFill>
+                  <a:schemeClr val="tx1"/>
+                </a:solidFill>
+              </a:rPr>
+              <a:t>As an administrator, I can view all claims in the system for each years</a:t>
+            </a:r>
+          </a:p>
+          <a:p>
+            <a:pPr lvl="1"/>
+            <a:r>
+              <a:rPr lang="en-US" sz="2400" dirty="0">
+                <a:solidFill>
+                  <a:schemeClr val="tx1"/>
+                </a:solidFill>
+              </a:rPr>
+              <a:t>As an administrator, I want to view items of assessment</a:t>
+            </a:r>
+          </a:p>
+          <a:p>
+            <a:pPr lvl="1"/>
+            <a:r>
+              <a:rPr lang="en-US" sz="2400" dirty="0">
+                <a:solidFill>
+                  <a:schemeClr val="tx1"/>
+                </a:solidFill>
+              </a:rPr>
+              <a:t>As an administrator, I want to set up closure date of claim</a:t>
+            </a:r>
+          </a:p>
+          <a:p>
+            <a:pPr>
+              <a:buFont typeface="Wingdings" charset="2"/>
+              <a:buChar char="Ø"/>
+            </a:pPr>
+            <a:r>
+              <a:rPr lang="en-US" b="1" dirty="0" smtClean="0"/>
+              <a:t>Manager:</a:t>
+            </a:r>
+            <a:endParaRPr lang="en-US" b="1" dirty="0"/>
+          </a:p>
+          <a:p>
+            <a:pPr lvl="1"/>
+            <a:r>
+              <a:rPr lang="en-US" sz="2400" dirty="0" smtClean="0">
+                <a:solidFill>
+                  <a:schemeClr val="tx1"/>
+                </a:solidFill>
+              </a:rPr>
+              <a:t>As </a:t>
+            </a:r>
+            <a:r>
+              <a:rPr lang="en-US" sz="2400" dirty="0">
+                <a:solidFill>
+                  <a:schemeClr val="tx1"/>
+                </a:solidFill>
+              </a:rPr>
+              <a:t>admin or manager, I want to see weekly report or customize the report details</a:t>
+            </a:r>
+          </a:p>
+          <a:p>
+            <a:pPr lvl="1"/>
+            <a:r>
+              <a:rPr lang="en-US" sz="2400" dirty="0">
+                <a:solidFill>
+                  <a:schemeClr val="tx1"/>
+                </a:solidFill>
+              </a:rPr>
+              <a:t>As an EC manager, I want to see all </a:t>
+            </a:r>
+            <a:r>
+              <a:rPr lang="en-US" sz="2400" dirty="0" smtClean="0">
+                <a:solidFill>
+                  <a:schemeClr val="tx1"/>
+                </a:solidFill>
+              </a:rPr>
+              <a:t>claims</a:t>
+            </a:r>
+            <a:endParaRPr lang="en-US" sz="2400" dirty="0">
+              <a:solidFill>
+                <a:schemeClr val="tx1"/>
+              </a:solidFill>
+            </a:endParaRPr>
+          </a:p>
+          <a:p>
+            <a:pPr lvl="1"/>
+            <a:r>
+              <a:rPr lang="en-US" sz="2400" dirty="0">
+                <a:solidFill>
+                  <a:schemeClr val="tx1"/>
+                </a:solidFill>
+              </a:rPr>
+              <a:t>As an EC Manager, I want to see claim Statistical Analysis </a:t>
+            </a:r>
+            <a:r>
+              <a:rPr lang="en-US" sz="2400" dirty="0" smtClean="0">
+                <a:solidFill>
+                  <a:schemeClr val="tx1"/>
+                </a:solidFill>
+              </a:rPr>
+              <a:t>(claims </a:t>
+            </a:r>
+            <a:r>
+              <a:rPr lang="en-US" sz="2400" dirty="0">
+                <a:solidFill>
+                  <a:schemeClr val="tx1"/>
+                </a:solidFill>
+              </a:rPr>
+              <a:t>per </a:t>
+            </a:r>
+            <a:r>
+              <a:rPr lang="en-US" sz="2400" dirty="0" smtClean="0">
+                <a:solidFill>
+                  <a:schemeClr val="tx1"/>
+                </a:solidFill>
+              </a:rPr>
+              <a:t>year, </a:t>
+            </a:r>
+            <a:r>
+              <a:rPr lang="en-US" sz="2400" dirty="0">
+                <a:solidFill>
+                  <a:schemeClr val="tx1"/>
+                </a:solidFill>
+              </a:rPr>
+              <a:t>per Faculty...)</a:t>
+            </a:r>
+          </a:p>
+          <a:p>
+            <a:pPr>
+              <a:buFont typeface="Wingdings" charset="2"/>
+              <a:buChar char="Ø"/>
+            </a:pPr>
+            <a:endParaRPr lang="en-US" dirty="0"/>
           </a:p>
         </p:txBody>
       </p:sp>
     </p:spTree>
     <p:extLst>
       <p:ext uri="{BB962C8B-B14F-4D97-AF65-F5344CB8AC3E}">
-        <p14:creationId xmlns:p14="http://schemas.microsoft.com/office/powerpoint/2010/main" val="2006057599"/>
+        <p14:creationId xmlns:p14="http://schemas.microsoft.com/office/powerpoint/2010/main" val="504149955"/>
       </p:ext>
     </p:extLst>
   </p:cSld>
   <p:clrMapOvr>
     <a:masterClrMapping/>
   </p:clrMapOvr>
+  <p:timing>
+    <p:tnLst>
+      <p:par>
+        <p:cTn id="1" dur="indefinite" restart="never" nodeType="tmRoot"/>
+      </p:par>
+    </p:tnLst>
+  </p:timing>
 </p:sld>
 </file>
 

--- a/documents/Presentation.pptx
+++ b/documents/Presentation.pptx
@@ -5,30 +5,48 @@
     <p:sldMasterId id="2147483648" r:id="rId1"/>
   </p:sldMasterIdLst>
   <p:notesMasterIdLst>
-    <p:notesMasterId r:id="rId23"/>
+    <p:notesMasterId r:id="rId41"/>
   </p:notesMasterIdLst>
   <p:sldIdLst>
     <p:sldId id="256" r:id="rId2"/>
     <p:sldId id="257" r:id="rId3"/>
-    <p:sldId id="274" r:id="rId4"/>
-    <p:sldId id="275" r:id="rId5"/>
-    <p:sldId id="276" r:id="rId6"/>
-    <p:sldId id="277" r:id="rId7"/>
-    <p:sldId id="278" r:id="rId8"/>
-    <p:sldId id="259" r:id="rId9"/>
-    <p:sldId id="260" r:id="rId10"/>
-    <p:sldId id="265" r:id="rId11"/>
-    <p:sldId id="261" r:id="rId12"/>
-    <p:sldId id="262" r:id="rId13"/>
-    <p:sldId id="263" r:id="rId14"/>
-    <p:sldId id="264" r:id="rId15"/>
-    <p:sldId id="267" r:id="rId16"/>
-    <p:sldId id="268" r:id="rId17"/>
-    <p:sldId id="269" r:id="rId18"/>
-    <p:sldId id="270" r:id="rId19"/>
-    <p:sldId id="271" r:id="rId20"/>
-    <p:sldId id="272" r:id="rId21"/>
-    <p:sldId id="273" r:id="rId22"/>
+    <p:sldId id="280" r:id="rId4"/>
+    <p:sldId id="281" r:id="rId5"/>
+    <p:sldId id="282" r:id="rId6"/>
+    <p:sldId id="299" r:id="rId7"/>
+    <p:sldId id="300" r:id="rId8"/>
+    <p:sldId id="274" r:id="rId9"/>
+    <p:sldId id="275" r:id="rId10"/>
+    <p:sldId id="276" r:id="rId11"/>
+    <p:sldId id="277" r:id="rId12"/>
+    <p:sldId id="278" r:id="rId13"/>
+    <p:sldId id="259" r:id="rId14"/>
+    <p:sldId id="261" r:id="rId15"/>
+    <p:sldId id="283" r:id="rId16"/>
+    <p:sldId id="284" r:id="rId17"/>
+    <p:sldId id="285" r:id="rId18"/>
+    <p:sldId id="286" r:id="rId19"/>
+    <p:sldId id="287" r:id="rId20"/>
+    <p:sldId id="288" r:id="rId21"/>
+    <p:sldId id="289" r:id="rId22"/>
+    <p:sldId id="290" r:id="rId23"/>
+    <p:sldId id="291" r:id="rId24"/>
+    <p:sldId id="292" r:id="rId25"/>
+    <p:sldId id="293" r:id="rId26"/>
+    <p:sldId id="294" r:id="rId27"/>
+    <p:sldId id="295" r:id="rId28"/>
+    <p:sldId id="296" r:id="rId29"/>
+    <p:sldId id="297" r:id="rId30"/>
+    <p:sldId id="298" r:id="rId31"/>
+    <p:sldId id="263" r:id="rId32"/>
+    <p:sldId id="264" r:id="rId33"/>
+    <p:sldId id="267" r:id="rId34"/>
+    <p:sldId id="268" r:id="rId35"/>
+    <p:sldId id="269" r:id="rId36"/>
+    <p:sldId id="270" r:id="rId37"/>
+    <p:sldId id="271" r:id="rId38"/>
+    <p:sldId id="272" r:id="rId39"/>
+    <p:sldId id="273" r:id="rId40"/>
   </p:sldIdLst>
   <p:sldSz cx="12192000" cy="6858000"/>
   <p:notesSz cx="6858000" cy="9144000"/>
@@ -134,16 +152,34 @@
           <p14:sldIdLst>
             <p14:sldId id="256"/>
             <p14:sldId id="257"/>
+            <p14:sldId id="280"/>
+            <p14:sldId id="281"/>
+            <p14:sldId id="282"/>
+            <p14:sldId id="299"/>
+            <p14:sldId id="300"/>
             <p14:sldId id="274"/>
             <p14:sldId id="275"/>
             <p14:sldId id="276"/>
             <p14:sldId id="277"/>
             <p14:sldId id="278"/>
             <p14:sldId id="259"/>
-            <p14:sldId id="260"/>
-            <p14:sldId id="265"/>
             <p14:sldId id="261"/>
-            <p14:sldId id="262"/>
+            <p14:sldId id="283"/>
+            <p14:sldId id="284"/>
+            <p14:sldId id="285"/>
+            <p14:sldId id="286"/>
+            <p14:sldId id="287"/>
+            <p14:sldId id="288"/>
+            <p14:sldId id="289"/>
+            <p14:sldId id="290"/>
+            <p14:sldId id="291"/>
+            <p14:sldId id="292"/>
+            <p14:sldId id="293"/>
+            <p14:sldId id="294"/>
+            <p14:sldId id="295"/>
+            <p14:sldId id="296"/>
+            <p14:sldId id="297"/>
+            <p14:sldId id="298"/>
             <p14:sldId id="263"/>
             <p14:sldId id="264"/>
             <p14:sldId id="267"/>
@@ -533,7 +569,7 @@
       </p:grpSpPr>
       <p:sp>
         <p:nvSpPr>
-          <p:cNvPr id="2" name="Chỗ dành sẵn cho Hình ảnh của Bản chiếu 1"/>
+          <p:cNvPr id="2" name="Slide Image Placeholder 1"/>
           <p:cNvSpPr>
             <a:spLocks noGrp="1" noRot="1" noChangeAspect="1"/>
           </p:cNvSpPr>
@@ -545,7 +581,7 @@
       </p:sp>
       <p:sp>
         <p:nvSpPr>
-          <p:cNvPr id="3" name="Chỗ dành sẵn cho Ghi chú 2"/>
+          <p:cNvPr id="3" name="Notes Placeholder 2"/>
           <p:cNvSpPr>
             <a:spLocks noGrp="1"/>
           </p:cNvSpPr>
@@ -558,13 +594,117 @@
           <a:bodyPr/>
           <a:lstStyle/>
           <a:p>
-            <a:endParaRPr lang="vi-VN" dirty="0"/>
-          </a:p>
-        </p:txBody>
-      </p:sp>
-      <p:sp>
-        <p:nvSpPr>
-          <p:cNvPr id="4" name="Chỗ dành sẵn cho Số hiệu Bản chiếu 3"/>
+            <a:r>
+              <a:rPr lang="en-US" sz="1200" b="0" i="0" kern="1200" dirty="0" smtClean="0">
+                <a:solidFill>
+                  <a:schemeClr val="tx1"/>
+                </a:solidFill>
+                <a:effectLst/>
+                <a:latin typeface="+mn-lt"/>
+                <a:ea typeface="+mn-ea"/>
+                <a:cs typeface="+mn-cs"/>
+              </a:rPr>
+              <a:t>During student period of study any number of circumstances may affect their</a:t>
+            </a:r>
+            <a:r>
+              <a:rPr lang="en-US" sz="1200" b="0" i="0" kern="1200" baseline="0" dirty="0" smtClean="0">
+                <a:solidFill>
+                  <a:schemeClr val="tx1"/>
+                </a:solidFill>
+                <a:effectLst/>
+                <a:latin typeface="+mn-lt"/>
+                <a:ea typeface="+mn-ea"/>
+                <a:cs typeface="+mn-cs"/>
+              </a:rPr>
+              <a:t> </a:t>
+            </a:r>
+            <a:r>
+              <a:rPr lang="en-US" sz="1200" b="0" i="0" kern="1200" dirty="0" smtClean="0">
+                <a:solidFill>
+                  <a:schemeClr val="tx1"/>
+                </a:solidFill>
+                <a:effectLst/>
+                <a:latin typeface="+mn-lt"/>
+                <a:ea typeface="+mn-ea"/>
+                <a:cs typeface="+mn-cs"/>
+              </a:rPr>
+              <a:t>ability </a:t>
+            </a:r>
+          </a:p>
+          <a:p>
+            <a:r>
+              <a:rPr lang="en-US" sz="1200" b="0" i="0" kern="1200" dirty="0" smtClean="0">
+                <a:solidFill>
+                  <a:schemeClr val="tx1"/>
+                </a:solidFill>
+                <a:effectLst/>
+                <a:latin typeface="+mn-lt"/>
+                <a:ea typeface="+mn-ea"/>
+                <a:cs typeface="+mn-cs"/>
+              </a:rPr>
+              <a:t>to perform well in assessments (this includes essays, class tests and final examinations).</a:t>
+            </a:r>
+          </a:p>
+          <a:p>
+            <a:r>
+              <a:rPr lang="en-US" sz="1200" b="0" i="0" kern="1200" dirty="0" smtClean="0">
+                <a:solidFill>
+                  <a:schemeClr val="tx1"/>
+                </a:solidFill>
+                <a:effectLst/>
+                <a:latin typeface="+mn-lt"/>
+                <a:ea typeface="+mn-ea"/>
+                <a:cs typeface="+mn-cs"/>
+              </a:rPr>
+              <a:t>Injury</a:t>
+            </a:r>
+          </a:p>
+          <a:p>
+            <a:r>
+              <a:rPr lang="en-US" sz="1200" b="0" i="0" kern="1200" dirty="0" smtClean="0">
+                <a:solidFill>
+                  <a:schemeClr val="tx1"/>
+                </a:solidFill>
+                <a:effectLst/>
+                <a:latin typeface="+mn-lt"/>
+                <a:ea typeface="+mn-ea"/>
+                <a:cs typeface="+mn-cs"/>
+              </a:rPr>
+              <a:t>Financial</a:t>
+            </a:r>
+            <a:r>
+              <a:rPr lang="en-US" sz="1200" b="0" i="0" kern="1200" baseline="0" dirty="0" smtClean="0">
+                <a:solidFill>
+                  <a:schemeClr val="tx1"/>
+                </a:solidFill>
+                <a:effectLst/>
+                <a:latin typeface="+mn-lt"/>
+                <a:ea typeface="+mn-ea"/>
+                <a:cs typeface="+mn-cs"/>
+              </a:rPr>
+              <a:t> </a:t>
+            </a:r>
+          </a:p>
+          <a:p>
+            <a:r>
+              <a:rPr lang="en-US" sz="1200" b="0" i="0" kern="1200" baseline="0" dirty="0" smtClean="0">
+                <a:solidFill>
+                  <a:schemeClr val="tx1"/>
+                </a:solidFill>
+                <a:effectLst/>
+                <a:latin typeface="+mn-lt"/>
+                <a:ea typeface="+mn-ea"/>
+                <a:cs typeface="+mn-cs"/>
+              </a:rPr>
+              <a:t>Crime</a:t>
+            </a:r>
+            <a:endParaRPr lang="en-US" dirty="0"/>
+          </a:p>
+        </p:txBody>
+      </p:sp>
+      <p:sp>
+        <p:nvSpPr>
+          <p:cNvPr id="4" name="Slide Number Placeholder 3"/>
           <p:cNvSpPr>
             <a:spLocks noGrp="1"/>
           </p:cNvSpPr>
@@ -579,7 +719,7 @@
           <a:p>
             <a:fld id="{38B8B00D-0D5C-9F47-A927-FE449AEE3FE3}" type="slidenum">
               <a:rPr lang="en-US" smtClean="0"/>
-              <a:t>4</a:t>
+              <a:t>3</a:t>
             </a:fld>
             <a:endParaRPr lang="en-US"/>
           </a:p>
@@ -588,7 +728,267 @@
     </p:spTree>
     <p:extLst>
       <p:ext uri="{BB962C8B-B14F-4D97-AF65-F5344CB8AC3E}">
-        <p14:creationId xmlns:p14="http://schemas.microsoft.com/office/powerpoint/2010/main" val="401580273"/>
+        <p14:creationId xmlns:p14="http://schemas.microsoft.com/office/powerpoint/2010/main" val="63037434"/>
+      </p:ext>
+    </p:extLst>
+  </p:cSld>
+  <p:clrMapOvr>
+    <a:masterClrMapping/>
+  </p:clrMapOvr>
+</p:notes>
+</file>
+
+<file path=ppt/notesSlides/notesSlide10.xml><?xml version="1.0" encoding="utf-8"?>
+<p:notes xmlns:a="http://schemas.openxmlformats.org/drawingml/2006/main" xmlns:r="http://schemas.openxmlformats.org/officeDocument/2006/relationships" xmlns:p="http://schemas.openxmlformats.org/presentationml/2006/main">
+  <p:cSld>
+    <p:spTree>
+      <p:nvGrpSpPr>
+        <p:cNvPr id="1" name=""/>
+        <p:cNvGrpSpPr/>
+        <p:nvPr/>
+      </p:nvGrpSpPr>
+      <p:grpSpPr>
+        <a:xfrm>
+          <a:off x="0" y="0"/>
+          <a:ext cx="0" cy="0"/>
+          <a:chOff x="0" y="0"/>
+          <a:chExt cx="0" cy="0"/>
+        </a:xfrm>
+      </p:grpSpPr>
+      <p:sp>
+        <p:nvSpPr>
+          <p:cNvPr id="2" name="Slide Image Placeholder 1"/>
+          <p:cNvSpPr>
+            <a:spLocks noGrp="1" noRot="1" noChangeAspect="1"/>
+          </p:cNvSpPr>
+          <p:nvPr>
+            <p:ph type="sldImg"/>
+          </p:nvPr>
+        </p:nvSpPr>
+        <p:spPr/>
+      </p:sp>
+      <p:sp>
+        <p:nvSpPr>
+          <p:cNvPr id="3" name="Notes Placeholder 2"/>
+          <p:cNvSpPr>
+            <a:spLocks noGrp="1"/>
+          </p:cNvSpPr>
+          <p:nvPr>
+            <p:ph type="body" idx="1"/>
+          </p:nvPr>
+        </p:nvSpPr>
+        <p:spPr/>
+        <p:txBody>
+          <a:bodyPr/>
+          <a:lstStyle/>
+          <a:p>
+            <a:endParaRPr lang="en-US" dirty="0"/>
+          </a:p>
+        </p:txBody>
+      </p:sp>
+      <p:sp>
+        <p:nvSpPr>
+          <p:cNvPr id="4" name="Slide Number Placeholder 3"/>
+          <p:cNvSpPr>
+            <a:spLocks noGrp="1"/>
+          </p:cNvSpPr>
+          <p:nvPr>
+            <p:ph type="sldNum" sz="quarter" idx="10"/>
+          </p:nvPr>
+        </p:nvSpPr>
+        <p:spPr/>
+        <p:txBody>
+          <a:bodyPr/>
+          <a:lstStyle/>
+          <a:p>
+            <a:fld id="{38B8B00D-0D5C-9F47-A927-FE449AEE3FE3}" type="slidenum">
+              <a:rPr lang="en-US" smtClean="0"/>
+              <a:t>16</a:t>
+            </a:fld>
+            <a:endParaRPr lang="en-US"/>
+          </a:p>
+        </p:txBody>
+      </p:sp>
+    </p:spTree>
+    <p:extLst>
+      <p:ext uri="{BB962C8B-B14F-4D97-AF65-F5344CB8AC3E}">
+        <p14:creationId xmlns:p14="http://schemas.microsoft.com/office/powerpoint/2010/main" val="1758193405"/>
+      </p:ext>
+    </p:extLst>
+  </p:cSld>
+  <p:clrMapOvr>
+    <a:masterClrMapping/>
+  </p:clrMapOvr>
+</p:notes>
+</file>
+
+<file path=ppt/notesSlides/notesSlide11.xml><?xml version="1.0" encoding="utf-8"?>
+<p:notes xmlns:a="http://schemas.openxmlformats.org/drawingml/2006/main" xmlns:r="http://schemas.openxmlformats.org/officeDocument/2006/relationships" xmlns:p="http://schemas.openxmlformats.org/presentationml/2006/main">
+  <p:cSld>
+    <p:spTree>
+      <p:nvGrpSpPr>
+        <p:cNvPr id="1" name=""/>
+        <p:cNvGrpSpPr/>
+        <p:nvPr/>
+      </p:nvGrpSpPr>
+      <p:grpSpPr>
+        <a:xfrm>
+          <a:off x="0" y="0"/>
+          <a:ext cx="0" cy="0"/>
+          <a:chOff x="0" y="0"/>
+          <a:chExt cx="0" cy="0"/>
+        </a:xfrm>
+      </p:grpSpPr>
+      <p:sp>
+        <p:nvSpPr>
+          <p:cNvPr id="2" name="Slide Image Placeholder 1"/>
+          <p:cNvSpPr>
+            <a:spLocks noGrp="1" noRot="1" noChangeAspect="1"/>
+          </p:cNvSpPr>
+          <p:nvPr>
+            <p:ph type="sldImg"/>
+          </p:nvPr>
+        </p:nvSpPr>
+        <p:spPr/>
+      </p:sp>
+      <p:sp>
+        <p:nvSpPr>
+          <p:cNvPr id="3" name="Notes Placeholder 2"/>
+          <p:cNvSpPr>
+            <a:spLocks noGrp="1"/>
+          </p:cNvSpPr>
+          <p:nvPr>
+            <p:ph type="body" idx="1"/>
+          </p:nvPr>
+        </p:nvSpPr>
+        <p:spPr/>
+        <p:txBody>
+          <a:bodyPr/>
+          <a:lstStyle/>
+          <a:p>
+            <a:endParaRPr lang="en-US" dirty="0"/>
+          </a:p>
+        </p:txBody>
+      </p:sp>
+      <p:sp>
+        <p:nvSpPr>
+          <p:cNvPr id="4" name="Slide Number Placeholder 3"/>
+          <p:cNvSpPr>
+            <a:spLocks noGrp="1"/>
+          </p:cNvSpPr>
+          <p:nvPr>
+            <p:ph type="sldNum" sz="quarter" idx="10"/>
+          </p:nvPr>
+        </p:nvSpPr>
+        <p:spPr/>
+        <p:txBody>
+          <a:bodyPr/>
+          <a:lstStyle/>
+          <a:p>
+            <a:fld id="{38B8B00D-0D5C-9F47-A927-FE449AEE3FE3}" type="slidenum">
+              <a:rPr lang="en-US" smtClean="0"/>
+              <a:t>31</a:t>
+            </a:fld>
+            <a:endParaRPr lang="en-US"/>
+          </a:p>
+        </p:txBody>
+      </p:sp>
+    </p:spTree>
+    <p:extLst>
+      <p:ext uri="{BB962C8B-B14F-4D97-AF65-F5344CB8AC3E}">
+        <p14:creationId xmlns:p14="http://schemas.microsoft.com/office/powerpoint/2010/main" val="1245467173"/>
+      </p:ext>
+    </p:extLst>
+  </p:cSld>
+  <p:clrMapOvr>
+    <a:masterClrMapping/>
+  </p:clrMapOvr>
+</p:notes>
+</file>
+
+<file path=ppt/notesSlides/notesSlide12.xml><?xml version="1.0" encoding="utf-8"?>
+<p:notes xmlns:a="http://schemas.openxmlformats.org/drawingml/2006/main" xmlns:r="http://schemas.openxmlformats.org/officeDocument/2006/relationships" xmlns:p="http://schemas.openxmlformats.org/presentationml/2006/main">
+  <p:cSld>
+    <p:spTree>
+      <p:nvGrpSpPr>
+        <p:cNvPr id="1" name=""/>
+        <p:cNvGrpSpPr/>
+        <p:nvPr/>
+      </p:nvGrpSpPr>
+      <p:grpSpPr>
+        <a:xfrm>
+          <a:off x="0" y="0"/>
+          <a:ext cx="0" cy="0"/>
+          <a:chOff x="0" y="0"/>
+          <a:chExt cx="0" cy="0"/>
+        </a:xfrm>
+      </p:grpSpPr>
+      <p:sp>
+        <p:nvSpPr>
+          <p:cNvPr id="2" name="Slide Image Placeholder 1"/>
+          <p:cNvSpPr>
+            <a:spLocks noGrp="1" noRot="1" noChangeAspect="1"/>
+          </p:cNvSpPr>
+          <p:nvPr>
+            <p:ph type="sldImg"/>
+          </p:nvPr>
+        </p:nvSpPr>
+        <p:spPr/>
+      </p:sp>
+      <p:sp>
+        <p:nvSpPr>
+          <p:cNvPr id="3" name="Notes Placeholder 2"/>
+          <p:cNvSpPr>
+            <a:spLocks noGrp="1"/>
+          </p:cNvSpPr>
+          <p:nvPr>
+            <p:ph type="body" idx="1"/>
+          </p:nvPr>
+        </p:nvSpPr>
+        <p:spPr/>
+        <p:txBody>
+          <a:bodyPr/>
+          <a:lstStyle/>
+          <a:p>
+            <a:endParaRPr lang="en-US" sz="1200" kern="1200" dirty="0">
+              <a:solidFill>
+                <a:schemeClr val="tx1"/>
+              </a:solidFill>
+              <a:effectLst/>
+              <a:latin typeface="+mn-lt"/>
+              <a:ea typeface="+mn-ea"/>
+              <a:cs typeface="+mn-cs"/>
+            </a:endParaRPr>
+          </a:p>
+        </p:txBody>
+      </p:sp>
+      <p:sp>
+        <p:nvSpPr>
+          <p:cNvPr id="4" name="Slide Number Placeholder 3"/>
+          <p:cNvSpPr>
+            <a:spLocks noGrp="1"/>
+          </p:cNvSpPr>
+          <p:nvPr>
+            <p:ph type="sldNum" sz="quarter" idx="10"/>
+          </p:nvPr>
+        </p:nvSpPr>
+        <p:spPr/>
+        <p:txBody>
+          <a:bodyPr/>
+          <a:lstStyle/>
+          <a:p>
+            <a:fld id="{38B8B00D-0D5C-9F47-A927-FE449AEE3FE3}" type="slidenum">
+              <a:rPr lang="en-US" smtClean="0"/>
+              <a:t>32</a:t>
+            </a:fld>
+            <a:endParaRPr lang="en-US"/>
+          </a:p>
+        </p:txBody>
+      </p:sp>
+    </p:spTree>
+    <p:extLst>
+      <p:ext uri="{BB962C8B-B14F-4D97-AF65-F5344CB8AC3E}">
+        <p14:creationId xmlns:p14="http://schemas.microsoft.com/office/powerpoint/2010/main" val="655953700"/>
       </p:ext>
     </p:extLst>
   </p:cSld>
@@ -617,7 +1017,7 @@
       </p:grpSpPr>
       <p:sp>
         <p:nvSpPr>
-          <p:cNvPr id="2" name="Chỗ dành sẵn cho Hình ảnh của Bản chiếu 1"/>
+          <p:cNvPr id="2" name="Slide Image Placeholder 1"/>
           <p:cNvSpPr>
             <a:spLocks noGrp="1" noRot="1" noChangeAspect="1"/>
           </p:cNvSpPr>
@@ -629,7 +1029,7 @@
       </p:sp>
       <p:sp>
         <p:nvSpPr>
-          <p:cNvPr id="3" name="Chỗ dành sẵn cho Ghi chú 2"/>
+          <p:cNvPr id="3" name="Notes Placeholder 2"/>
           <p:cNvSpPr>
             <a:spLocks noGrp="1"/>
           </p:cNvSpPr>
@@ -642,13 +1042,53 @@
           <a:bodyPr/>
           <a:lstStyle/>
           <a:p>
-            <a:endParaRPr lang="vi-VN" dirty="0"/>
-          </a:p>
-        </p:txBody>
-      </p:sp>
-      <p:sp>
-        <p:nvSpPr>
-          <p:cNvPr id="4" name="Chỗ dành sẵn cho Số hiệu Bản chiếu 3"/>
+            <a:r>
+              <a:rPr lang="en-US" sz="1200" b="0" i="0" kern="1200" dirty="0" smtClean="0">
+                <a:solidFill>
+                  <a:schemeClr val="tx1"/>
+                </a:solidFill>
+                <a:effectLst/>
+                <a:latin typeface="+mn-lt"/>
+                <a:ea typeface="+mn-ea"/>
+                <a:cs typeface="+mn-cs"/>
+              </a:rPr>
+              <a:t>Depending upon the nature and severity of these circumstances </a:t>
+            </a:r>
+          </a:p>
+          <a:p>
+            <a:r>
+              <a:rPr lang="en-US" sz="1200" b="0" i="0" kern="1200" dirty="0" smtClean="0">
+                <a:solidFill>
+                  <a:schemeClr val="tx1"/>
+                </a:solidFill>
+                <a:effectLst/>
+                <a:latin typeface="+mn-lt"/>
+                <a:ea typeface="+mn-ea"/>
+                <a:cs typeface="+mn-cs"/>
+              </a:rPr>
+              <a:t>your School may wish to take them into account when the </a:t>
+            </a:r>
+          </a:p>
+          <a:p>
+            <a:r>
+              <a:rPr lang="en-US" sz="1200" b="0" i="0" kern="1200" dirty="0" smtClean="0">
+                <a:solidFill>
+                  <a:schemeClr val="tx1"/>
+                </a:solidFill>
+                <a:effectLst/>
+                <a:latin typeface="+mn-lt"/>
+                <a:ea typeface="+mn-ea"/>
+                <a:cs typeface="+mn-cs"/>
+              </a:rPr>
+              <a:t>Board of Examiners meet to decide what your progress decision should be.</a:t>
+            </a:r>
+            <a:endParaRPr lang="en-US" dirty="0"/>
+          </a:p>
+        </p:txBody>
+      </p:sp>
+      <p:sp>
+        <p:nvSpPr>
+          <p:cNvPr id="4" name="Slide Number Placeholder 3"/>
           <p:cNvSpPr>
             <a:spLocks noGrp="1"/>
           </p:cNvSpPr>
@@ -663,7 +1103,7 @@
           <a:p>
             <a:fld id="{38B8B00D-0D5C-9F47-A927-FE449AEE3FE3}" type="slidenum">
               <a:rPr lang="en-US" smtClean="0"/>
-              <a:t>5</a:t>
+              <a:t>4</a:t>
             </a:fld>
             <a:endParaRPr lang="en-US"/>
           </a:p>
@@ -672,7 +1112,7 @@
     </p:spTree>
     <p:extLst>
       <p:ext uri="{BB962C8B-B14F-4D97-AF65-F5344CB8AC3E}">
-        <p14:creationId xmlns:p14="http://schemas.microsoft.com/office/powerpoint/2010/main" val="1873354917"/>
+        <p14:creationId xmlns:p14="http://schemas.microsoft.com/office/powerpoint/2010/main" val="1371341878"/>
       </p:ext>
     </p:extLst>
   </p:cSld>
@@ -701,7 +1141,7 @@
       </p:grpSpPr>
       <p:sp>
         <p:nvSpPr>
-          <p:cNvPr id="2" name="Chỗ dành sẵn cho Hình ảnh của Bản chiếu 1"/>
+          <p:cNvPr id="2" name="Slide Image Placeholder 1"/>
           <p:cNvSpPr>
             <a:spLocks noGrp="1" noRot="1" noChangeAspect="1"/>
           </p:cNvSpPr>
@@ -713,7 +1153,7 @@
       </p:sp>
       <p:sp>
         <p:nvSpPr>
-          <p:cNvPr id="3" name="Chỗ dành sẵn cho Ghi chú 2"/>
+          <p:cNvPr id="3" name="Notes Placeholder 2"/>
           <p:cNvSpPr>
             <a:spLocks noGrp="1"/>
           </p:cNvSpPr>
@@ -726,13 +1166,92 @@
           <a:bodyPr/>
           <a:lstStyle/>
           <a:p>
-            <a:endParaRPr lang="vi-VN" dirty="0"/>
-          </a:p>
-        </p:txBody>
-      </p:sp>
-      <p:sp>
-        <p:nvSpPr>
-          <p:cNvPr id="4" name="Chỗ dành sẵn cho Số hiệu Bản chiếu 3"/>
+            <a:r>
+              <a:rPr lang="en-GB" sz="1200" kern="1200" dirty="0" smtClean="0">
+                <a:solidFill>
+                  <a:schemeClr val="tx1"/>
+                </a:solidFill>
+                <a:effectLst/>
+                <a:latin typeface="+mn-lt"/>
+                <a:ea typeface="+mn-ea"/>
+                <a:cs typeface="+mn-cs"/>
+              </a:rPr>
+              <a:t>collecting and processing Extenuating Circumstances (EC) claims by students in a large university. </a:t>
+            </a:r>
+            <a:endParaRPr lang="en-US" sz="1200" kern="1200" dirty="0" smtClean="0">
+              <a:solidFill>
+                <a:schemeClr val="tx1"/>
+              </a:solidFill>
+              <a:effectLst/>
+              <a:latin typeface="+mn-lt"/>
+              <a:ea typeface="+mn-ea"/>
+              <a:cs typeface="+mn-cs"/>
+            </a:endParaRPr>
+          </a:p>
+          <a:p>
+            <a:r>
+              <a:rPr lang="en-GB" sz="1200" kern="1200" dirty="0" smtClean="0">
+                <a:solidFill>
+                  <a:schemeClr val="tx1"/>
+                </a:solidFill>
+                <a:effectLst/>
+                <a:latin typeface="+mn-lt"/>
+                <a:ea typeface="+mn-ea"/>
+                <a:cs typeface="+mn-cs"/>
+              </a:rPr>
+              <a:t> </a:t>
+            </a:r>
+            <a:endParaRPr lang="en-US" sz="1200" kern="1200" dirty="0" smtClean="0">
+              <a:solidFill>
+                <a:schemeClr val="tx1"/>
+              </a:solidFill>
+              <a:effectLst/>
+              <a:latin typeface="+mn-lt"/>
+              <a:ea typeface="+mn-ea"/>
+              <a:cs typeface="+mn-cs"/>
+            </a:endParaRPr>
+          </a:p>
+          <a:p>
+            <a:r>
+              <a:rPr lang="en-US" dirty="0" smtClean="0"/>
+              <a:t>Along with the Specification is provided</a:t>
+            </a:r>
+          </a:p>
+          <a:p>
+            <a:r>
+              <a:rPr lang="en-US" dirty="0" smtClean="0"/>
+              <a:t>Plus other system exploration (</a:t>
+            </a:r>
+            <a:r>
+              <a:rPr lang="en-US" dirty="0" err="1" smtClean="0"/>
+              <a:t>GreenWich</a:t>
+            </a:r>
+            <a:r>
+              <a:rPr lang="en-US" dirty="0" smtClean="0"/>
+              <a:t>)</a:t>
+            </a:r>
+          </a:p>
+          <a:p>
+            <a:r>
+              <a:rPr lang="en-US" dirty="0" smtClean="0"/>
+              <a:t>We have come up with a table of specific functions...</a:t>
+            </a:r>
+          </a:p>
+          <a:p>
+            <a:endParaRPr lang="en-US" dirty="0" smtClean="0"/>
+          </a:p>
+          <a:p>
+            <a:r>
+              <a:rPr lang="en-US" dirty="0" smtClean="0"/>
+              <a:t>Function path</a:t>
+            </a:r>
+            <a:endParaRPr lang="en-US" dirty="0"/>
+          </a:p>
+        </p:txBody>
+      </p:sp>
+      <p:sp>
+        <p:nvSpPr>
+          <p:cNvPr id="4" name="Slide Number Placeholder 3"/>
           <p:cNvSpPr>
             <a:spLocks noGrp="1"/>
           </p:cNvSpPr>
@@ -747,7 +1266,7 @@
           <a:p>
             <a:fld id="{38B8B00D-0D5C-9F47-A927-FE449AEE3FE3}" type="slidenum">
               <a:rPr lang="en-US" smtClean="0"/>
-              <a:t>6</a:t>
+              <a:t>5</a:t>
             </a:fld>
             <a:endParaRPr lang="en-US"/>
           </a:p>
@@ -756,7 +1275,7 @@
     </p:spTree>
     <p:extLst>
       <p:ext uri="{BB962C8B-B14F-4D97-AF65-F5344CB8AC3E}">
-        <p14:creationId xmlns:p14="http://schemas.microsoft.com/office/powerpoint/2010/main" val="406528919"/>
+        <p14:creationId xmlns:p14="http://schemas.microsoft.com/office/powerpoint/2010/main" val="902406403"/>
       </p:ext>
     </p:extLst>
   </p:cSld>
@@ -785,7 +1304,7 @@
       </p:grpSpPr>
       <p:sp>
         <p:nvSpPr>
-          <p:cNvPr id="2" name="Chỗ dành sẵn cho Hình ảnh của Bản chiếu 1"/>
+          <p:cNvPr id="2" name="Slide Image Placeholder 1"/>
           <p:cNvSpPr>
             <a:spLocks noGrp="1" noRot="1" noChangeAspect="1"/>
           </p:cNvSpPr>
@@ -797,7 +1316,7 @@
       </p:sp>
       <p:sp>
         <p:nvSpPr>
-          <p:cNvPr id="3" name="Chỗ dành sẵn cho Ghi chú 2"/>
+          <p:cNvPr id="3" name="Notes Placeholder 2"/>
           <p:cNvSpPr>
             <a:spLocks noGrp="1"/>
           </p:cNvSpPr>
@@ -810,13 +1329,13 @@
           <a:bodyPr/>
           <a:lstStyle/>
           <a:p>
-            <a:endParaRPr lang="vi-VN" dirty="0"/>
-          </a:p>
-        </p:txBody>
-      </p:sp>
-      <p:sp>
-        <p:nvSpPr>
-          <p:cNvPr id="4" name="Chỗ dành sẵn cho Số hiệu Bản chiếu 3"/>
+            <a:endParaRPr lang="en-US" dirty="0"/>
+          </a:p>
+        </p:txBody>
+      </p:sp>
+      <p:sp>
+        <p:nvSpPr>
+          <p:cNvPr id="4" name="Slide Number Placeholder 3"/>
           <p:cNvSpPr>
             <a:spLocks noGrp="1"/>
           </p:cNvSpPr>
@@ -831,7 +1350,7 @@
           <a:p>
             <a:fld id="{38B8B00D-0D5C-9F47-A927-FE449AEE3FE3}" type="slidenum">
               <a:rPr lang="en-US" smtClean="0"/>
-              <a:t>7</a:t>
+              <a:t>6</a:t>
             </a:fld>
             <a:endParaRPr lang="en-US"/>
           </a:p>
@@ -840,7 +1359,7 @@
     </p:spTree>
     <p:extLst>
       <p:ext uri="{BB962C8B-B14F-4D97-AF65-F5344CB8AC3E}">
-        <p14:creationId xmlns:p14="http://schemas.microsoft.com/office/powerpoint/2010/main" val="1764141473"/>
+        <p14:creationId xmlns:p14="http://schemas.microsoft.com/office/powerpoint/2010/main" val="1499505915"/>
       </p:ext>
     </p:extLst>
   </p:cSld>
@@ -869,7 +1388,7 @@
       </p:grpSpPr>
       <p:sp>
         <p:nvSpPr>
-          <p:cNvPr id="2" name="Slide Image Placeholder 1"/>
+          <p:cNvPr id="2" name="Chỗ dành sẵn cho Hình ảnh của Bản chiếu 1"/>
           <p:cNvSpPr>
             <a:spLocks noGrp="1" noRot="1" noChangeAspect="1"/>
           </p:cNvSpPr>
@@ -881,7 +1400,7 @@
       </p:sp>
       <p:sp>
         <p:nvSpPr>
-          <p:cNvPr id="3" name="Notes Placeholder 2"/>
+          <p:cNvPr id="3" name="Chỗ dành sẵn cho Ghi chú 2"/>
           <p:cNvSpPr>
             <a:spLocks noGrp="1"/>
           </p:cNvSpPr>
@@ -894,13 +1413,13 @@
           <a:bodyPr/>
           <a:lstStyle/>
           <a:p>
-            <a:endParaRPr lang="en-US" dirty="0"/>
-          </a:p>
-        </p:txBody>
-      </p:sp>
-      <p:sp>
-        <p:nvSpPr>
-          <p:cNvPr id="4" name="Slide Number Placeholder 3"/>
+            <a:endParaRPr lang="vi-VN" dirty="0"/>
+          </a:p>
+        </p:txBody>
+      </p:sp>
+      <p:sp>
+        <p:nvSpPr>
+          <p:cNvPr id="4" name="Chỗ dành sẵn cho Số hiệu Bản chiếu 3"/>
           <p:cNvSpPr>
             <a:spLocks noGrp="1"/>
           </p:cNvSpPr>
@@ -924,7 +1443,7 @@
     </p:spTree>
     <p:extLst>
       <p:ext uri="{BB962C8B-B14F-4D97-AF65-F5344CB8AC3E}">
-        <p14:creationId xmlns:p14="http://schemas.microsoft.com/office/powerpoint/2010/main" val="2065465174"/>
+        <p14:creationId xmlns:p14="http://schemas.microsoft.com/office/powerpoint/2010/main" val="401580273"/>
       </p:ext>
     </p:extLst>
   </p:cSld>
@@ -953,7 +1472,7 @@
       </p:grpSpPr>
       <p:sp>
         <p:nvSpPr>
-          <p:cNvPr id="2" name="Slide Image Placeholder 1"/>
+          <p:cNvPr id="2" name="Chỗ dành sẵn cho Hình ảnh của Bản chiếu 1"/>
           <p:cNvSpPr>
             <a:spLocks noGrp="1" noRot="1" noChangeAspect="1"/>
           </p:cNvSpPr>
@@ -965,7 +1484,7 @@
       </p:sp>
       <p:sp>
         <p:nvSpPr>
-          <p:cNvPr id="3" name="Notes Placeholder 2"/>
+          <p:cNvPr id="3" name="Chỗ dành sẵn cho Ghi chú 2"/>
           <p:cNvSpPr>
             <a:spLocks noGrp="1"/>
           </p:cNvSpPr>
@@ -978,13 +1497,13 @@
           <a:bodyPr/>
           <a:lstStyle/>
           <a:p>
-            <a:endParaRPr lang="en-US" dirty="0"/>
-          </a:p>
-        </p:txBody>
-      </p:sp>
-      <p:sp>
-        <p:nvSpPr>
-          <p:cNvPr id="4" name="Slide Number Placeholder 3"/>
+            <a:endParaRPr lang="vi-VN" dirty="0"/>
+          </a:p>
+        </p:txBody>
+      </p:sp>
+      <p:sp>
+        <p:nvSpPr>
+          <p:cNvPr id="4" name="Chỗ dành sẵn cho Số hiệu Bản chiếu 3"/>
           <p:cNvSpPr>
             <a:spLocks noGrp="1"/>
           </p:cNvSpPr>
@@ -999,7 +1518,7 @@
           <a:p>
             <a:fld id="{38B8B00D-0D5C-9F47-A927-FE449AEE3FE3}" type="slidenum">
               <a:rPr lang="en-US" smtClean="0"/>
-              <a:t>13</a:t>
+              <a:t>10</a:t>
             </a:fld>
             <a:endParaRPr lang="en-US"/>
           </a:p>
@@ -1008,7 +1527,7 @@
     </p:spTree>
     <p:extLst>
       <p:ext uri="{BB962C8B-B14F-4D97-AF65-F5344CB8AC3E}">
-        <p14:creationId xmlns:p14="http://schemas.microsoft.com/office/powerpoint/2010/main" val="1245467173"/>
+        <p14:creationId xmlns:p14="http://schemas.microsoft.com/office/powerpoint/2010/main" val="1873354917"/>
       </p:ext>
     </p:extLst>
   </p:cSld>
@@ -1037,7 +1556,7 @@
       </p:grpSpPr>
       <p:sp>
         <p:nvSpPr>
-          <p:cNvPr id="2" name="Slide Image Placeholder 1"/>
+          <p:cNvPr id="2" name="Chỗ dành sẵn cho Hình ảnh của Bản chiếu 1"/>
           <p:cNvSpPr>
             <a:spLocks noGrp="1" noRot="1" noChangeAspect="1"/>
           </p:cNvSpPr>
@@ -1049,7 +1568,7 @@
       </p:sp>
       <p:sp>
         <p:nvSpPr>
-          <p:cNvPr id="3" name="Notes Placeholder 2"/>
+          <p:cNvPr id="3" name="Chỗ dành sẵn cho Ghi chú 2"/>
           <p:cNvSpPr>
             <a:spLocks noGrp="1"/>
           </p:cNvSpPr>
@@ -1062,21 +1581,13 @@
           <a:bodyPr/>
           <a:lstStyle/>
           <a:p>
-            <a:endParaRPr lang="en-US" sz="1200" kern="1200" dirty="0">
-              <a:solidFill>
-                <a:schemeClr val="tx1"/>
-              </a:solidFill>
-              <a:effectLst/>
-              <a:latin typeface="+mn-lt"/>
-              <a:ea typeface="+mn-ea"/>
-              <a:cs typeface="+mn-cs"/>
-            </a:endParaRPr>
-          </a:p>
-        </p:txBody>
-      </p:sp>
-      <p:sp>
-        <p:nvSpPr>
-          <p:cNvPr id="4" name="Slide Number Placeholder 3"/>
+            <a:endParaRPr lang="vi-VN" dirty="0"/>
+          </a:p>
+        </p:txBody>
+      </p:sp>
+      <p:sp>
+        <p:nvSpPr>
+          <p:cNvPr id="4" name="Chỗ dành sẵn cho Số hiệu Bản chiếu 3"/>
           <p:cNvSpPr>
             <a:spLocks noGrp="1"/>
           </p:cNvSpPr>
@@ -1091,7 +1602,7 @@
           <a:p>
             <a:fld id="{38B8B00D-0D5C-9F47-A927-FE449AEE3FE3}" type="slidenum">
               <a:rPr lang="en-US" smtClean="0"/>
-              <a:t>14</a:t>
+              <a:t>11</a:t>
             </a:fld>
             <a:endParaRPr lang="en-US"/>
           </a:p>
@@ -1100,7 +1611,193 @@
     </p:spTree>
     <p:extLst>
       <p:ext uri="{BB962C8B-B14F-4D97-AF65-F5344CB8AC3E}">
-        <p14:creationId xmlns:p14="http://schemas.microsoft.com/office/powerpoint/2010/main" val="655953700"/>
+        <p14:creationId xmlns:p14="http://schemas.microsoft.com/office/powerpoint/2010/main" val="406528919"/>
+      </p:ext>
+    </p:extLst>
+  </p:cSld>
+  <p:clrMapOvr>
+    <a:masterClrMapping/>
+  </p:clrMapOvr>
+</p:notes>
+</file>
+
+<file path=ppt/notesSlides/notesSlide8.xml><?xml version="1.0" encoding="utf-8"?>
+<p:notes xmlns:a="http://schemas.openxmlformats.org/drawingml/2006/main" xmlns:r="http://schemas.openxmlformats.org/officeDocument/2006/relationships" xmlns:p="http://schemas.openxmlformats.org/presentationml/2006/main">
+  <p:cSld>
+    <p:spTree>
+      <p:nvGrpSpPr>
+        <p:cNvPr id="1" name=""/>
+        <p:cNvGrpSpPr/>
+        <p:nvPr/>
+      </p:nvGrpSpPr>
+      <p:grpSpPr>
+        <a:xfrm>
+          <a:off x="0" y="0"/>
+          <a:ext cx="0" cy="0"/>
+          <a:chOff x="0" y="0"/>
+          <a:chExt cx="0" cy="0"/>
+        </a:xfrm>
+      </p:grpSpPr>
+      <p:sp>
+        <p:nvSpPr>
+          <p:cNvPr id="2" name="Chỗ dành sẵn cho Hình ảnh của Bản chiếu 1"/>
+          <p:cNvSpPr>
+            <a:spLocks noGrp="1" noRot="1" noChangeAspect="1"/>
+          </p:cNvSpPr>
+          <p:nvPr>
+            <p:ph type="sldImg"/>
+          </p:nvPr>
+        </p:nvSpPr>
+        <p:spPr/>
+      </p:sp>
+      <p:sp>
+        <p:nvSpPr>
+          <p:cNvPr id="3" name="Chỗ dành sẵn cho Ghi chú 2"/>
+          <p:cNvSpPr>
+            <a:spLocks noGrp="1"/>
+          </p:cNvSpPr>
+          <p:nvPr>
+            <p:ph type="body" idx="1"/>
+          </p:nvPr>
+        </p:nvSpPr>
+        <p:spPr/>
+        <p:txBody>
+          <a:bodyPr/>
+          <a:lstStyle/>
+          <a:p>
+            <a:endParaRPr lang="vi-VN" dirty="0"/>
+          </a:p>
+        </p:txBody>
+      </p:sp>
+      <p:sp>
+        <p:nvSpPr>
+          <p:cNvPr id="4" name="Chỗ dành sẵn cho Số hiệu Bản chiếu 3"/>
+          <p:cNvSpPr>
+            <a:spLocks noGrp="1"/>
+          </p:cNvSpPr>
+          <p:nvPr>
+            <p:ph type="sldNum" sz="quarter" idx="10"/>
+          </p:nvPr>
+        </p:nvSpPr>
+        <p:spPr/>
+        <p:txBody>
+          <a:bodyPr/>
+          <a:lstStyle/>
+          <a:p>
+            <a:fld id="{38B8B00D-0D5C-9F47-A927-FE449AEE3FE3}" type="slidenum">
+              <a:rPr lang="en-US" smtClean="0"/>
+              <a:t>12</a:t>
+            </a:fld>
+            <a:endParaRPr lang="en-US"/>
+          </a:p>
+        </p:txBody>
+      </p:sp>
+    </p:spTree>
+    <p:extLst>
+      <p:ext uri="{BB962C8B-B14F-4D97-AF65-F5344CB8AC3E}">
+        <p14:creationId xmlns:p14="http://schemas.microsoft.com/office/powerpoint/2010/main" val="1764141473"/>
+      </p:ext>
+    </p:extLst>
+  </p:cSld>
+  <p:clrMapOvr>
+    <a:masterClrMapping/>
+  </p:clrMapOvr>
+</p:notes>
+</file>
+
+<file path=ppt/notesSlides/notesSlide9.xml><?xml version="1.0" encoding="utf-8"?>
+<p:notes xmlns:a="http://schemas.openxmlformats.org/drawingml/2006/main" xmlns:r="http://schemas.openxmlformats.org/officeDocument/2006/relationships" xmlns:p="http://schemas.openxmlformats.org/presentationml/2006/main">
+  <p:cSld>
+    <p:spTree>
+      <p:nvGrpSpPr>
+        <p:cNvPr id="1" name=""/>
+        <p:cNvGrpSpPr/>
+        <p:nvPr/>
+      </p:nvGrpSpPr>
+      <p:grpSpPr>
+        <a:xfrm>
+          <a:off x="0" y="0"/>
+          <a:ext cx="0" cy="0"/>
+          <a:chOff x="0" y="0"/>
+          <a:chExt cx="0" cy="0"/>
+        </a:xfrm>
+      </p:grpSpPr>
+      <p:sp>
+        <p:nvSpPr>
+          <p:cNvPr id="2" name="Slide Image Placeholder 1"/>
+          <p:cNvSpPr>
+            <a:spLocks noGrp="1" noRot="1" noChangeAspect="1"/>
+          </p:cNvSpPr>
+          <p:nvPr>
+            <p:ph type="sldImg"/>
+          </p:nvPr>
+        </p:nvSpPr>
+        <p:spPr/>
+      </p:sp>
+      <p:sp>
+        <p:nvSpPr>
+          <p:cNvPr id="3" name="Notes Placeholder 2"/>
+          <p:cNvSpPr>
+            <a:spLocks noGrp="1"/>
+          </p:cNvSpPr>
+          <p:nvPr>
+            <p:ph type="body" idx="1"/>
+          </p:nvPr>
+        </p:nvSpPr>
+        <p:spPr/>
+        <p:txBody>
+          <a:bodyPr/>
+          <a:lstStyle/>
+          <a:p>
+            <a:r>
+              <a:rPr lang="en-US" dirty="0" smtClean="0"/>
+              <a:t>In this section we will provide the proof</a:t>
+            </a:r>
+          </a:p>
+          <a:p>
+            <a:r>
+              <a:rPr lang="en-US" dirty="0" smtClean="0"/>
+              <a:t>Demonstrate that we</a:t>
+            </a:r>
+            <a:r>
+              <a:rPr lang="en-US" baseline="0" dirty="0" smtClean="0"/>
+              <a:t> </a:t>
+            </a:r>
+            <a:r>
+              <a:rPr lang="en-US" dirty="0" smtClean="0"/>
+              <a:t>have used the Agile software development approach, namely Scrum</a:t>
+            </a:r>
+            <a:endParaRPr lang="en-US" dirty="0"/>
+          </a:p>
+        </p:txBody>
+      </p:sp>
+      <p:sp>
+        <p:nvSpPr>
+          <p:cNvPr id="4" name="Slide Number Placeholder 3"/>
+          <p:cNvSpPr>
+            <a:spLocks noGrp="1"/>
+          </p:cNvSpPr>
+          <p:nvPr>
+            <p:ph type="sldNum" sz="quarter" idx="10"/>
+          </p:nvPr>
+        </p:nvSpPr>
+        <p:spPr/>
+        <p:txBody>
+          <a:bodyPr/>
+          <a:lstStyle/>
+          <a:p>
+            <a:fld id="{38B8B00D-0D5C-9F47-A927-FE449AEE3FE3}" type="slidenum">
+              <a:rPr lang="en-US" smtClean="0"/>
+              <a:t>15</a:t>
+            </a:fld>
+            <a:endParaRPr lang="en-US"/>
+          </a:p>
+        </p:txBody>
+      </p:sp>
+    </p:spTree>
+    <p:extLst>
+      <p:ext uri="{BB962C8B-B14F-4D97-AF65-F5344CB8AC3E}">
+        <p14:creationId xmlns:p14="http://schemas.microsoft.com/office/powerpoint/2010/main" val="917539321"/>
       </p:ext>
     </p:extLst>
   </p:cSld>
@@ -4850,7 +5547,11 @@
           <a:p>
             <a:r>
               <a:rPr lang="en-US" dirty="0" smtClean="0"/>
-              <a:t>Functionality (cont.)</a:t>
+              <a:t>Database </a:t>
+            </a:r>
+            <a:r>
+              <a:rPr lang="en-US" dirty="0" smtClean="0"/>
+              <a:t>– Claims (cont.)</a:t>
             </a:r>
             <a:endParaRPr lang="en-US" dirty="0"/>
           </a:p>
@@ -4869,183 +5570,234 @@
         <p:spPr>
           <a:xfrm>
             <a:off x="1097280" y="1845734"/>
-            <a:ext cx="10058400" cy="4273712"/>
+            <a:ext cx="5198745" cy="4023360"/>
           </a:xfrm>
         </p:spPr>
         <p:txBody>
-          <a:bodyPr>
-            <a:normAutofit/>
-          </a:bodyPr>
-          <a:lstStyle/>
+          <a:bodyPr/>
+          <a:lstStyle/>
+          <a:p>
+            <a:pPr marL="0" lvl="1" indent="0">
+              <a:lnSpc>
+                <a:spcPct val="100000"/>
+              </a:lnSpc>
+              <a:spcBef>
+                <a:spcPts val="0"/>
+              </a:spcBef>
+              <a:spcAft>
+                <a:spcPts val="0"/>
+              </a:spcAft>
+              <a:buClrTx/>
+              <a:buNone/>
+              <a:defRPr/>
+            </a:pPr>
+            <a:r>
+              <a:rPr lang="en-US" dirty="0" smtClean="0"/>
+              <a:t>Claim table: </a:t>
+            </a:r>
+            <a:r>
+              <a:rPr lang="en-US" dirty="0"/>
+              <a:t>store </a:t>
+            </a:r>
+            <a:r>
+              <a:rPr lang="en-US" dirty="0" smtClean="0"/>
+              <a:t>claim’s information</a:t>
+            </a:r>
+            <a:endParaRPr lang="en-US" dirty="0"/>
+          </a:p>
+          <a:p>
+            <a:pPr marL="0" lvl="1" indent="0">
+              <a:lnSpc>
+                <a:spcPct val="100000"/>
+              </a:lnSpc>
+              <a:spcBef>
+                <a:spcPts val="0"/>
+              </a:spcBef>
+              <a:spcAft>
+                <a:spcPts val="0"/>
+              </a:spcAft>
+              <a:buClrTx/>
+              <a:buNone/>
+              <a:defRPr/>
+            </a:pPr>
+            <a:r>
+              <a:rPr lang="en-US" dirty="0" smtClean="0"/>
+              <a:t>Circumstances table: type of claim’s circumstance</a:t>
+            </a:r>
+          </a:p>
+          <a:p>
+            <a:pPr marL="0" indent="0">
+              <a:lnSpc>
+                <a:spcPct val="100000"/>
+              </a:lnSpc>
+              <a:spcBef>
+                <a:spcPts val="0"/>
+              </a:spcBef>
+              <a:spcAft>
+                <a:spcPts val="0"/>
+              </a:spcAft>
+              <a:buClrTx/>
+              <a:buSzTx/>
+              <a:buNone/>
+              <a:defRPr/>
+            </a:pPr>
+            <a:endParaRPr lang="en-US" sz="1800" dirty="0" smtClean="0"/>
+          </a:p>
+          <a:p>
+            <a:pPr marL="0" indent="0">
+              <a:lnSpc>
+                <a:spcPct val="100000"/>
+              </a:lnSpc>
+              <a:spcBef>
+                <a:spcPts val="0"/>
+              </a:spcBef>
+              <a:spcAft>
+                <a:spcPts val="0"/>
+              </a:spcAft>
+              <a:buClrTx/>
+              <a:buSzTx/>
+              <a:buNone/>
+              <a:defRPr/>
+            </a:pPr>
+            <a:endParaRPr lang="en-US" sz="1800" dirty="0"/>
+          </a:p>
           <a:p>
             <a:pPr>
-              <a:buFont typeface="Wingdings" charset="2"/>
-              <a:buChar char="Ø"/>
+              <a:lnSpc>
+                <a:spcPct val="100000"/>
+              </a:lnSpc>
+              <a:spcBef>
+                <a:spcPts val="0"/>
+              </a:spcBef>
+              <a:spcAft>
+                <a:spcPts val="0"/>
+              </a:spcAft>
+              <a:buClrTx/>
+              <a:buSzTx/>
+              <a:buFontTx/>
+              <a:buChar char="-"/>
+              <a:defRPr/>
             </a:pPr>
-            <a:r>
-              <a:rPr lang="en-US" b="1" dirty="0" smtClean="0"/>
-              <a:t>Coordinator:</a:t>
-            </a:r>
-          </a:p>
-          <a:p>
-            <a:pPr lvl="1"/>
-            <a:r>
-              <a:rPr lang="en-US" sz="2000" dirty="0">
+            <a:endParaRPr lang="en-US" sz="1800" dirty="0"/>
+          </a:p>
+          <a:p>
+            <a:pPr marL="0" indent="0">
+              <a:lnSpc>
+                <a:spcPct val="100000"/>
+              </a:lnSpc>
+              <a:spcBef>
+                <a:spcPts val="0"/>
+              </a:spcBef>
+              <a:spcAft>
+                <a:spcPts val="0"/>
+              </a:spcAft>
+              <a:buClrTx/>
+              <a:buSzTx/>
+              <a:buNone/>
+              <a:defRPr/>
+            </a:pPr>
+            <a:endParaRPr lang="en-US" sz="1800" dirty="0"/>
+          </a:p>
+          <a:p>
+            <a:pPr marL="285750" marR="0" lvl="1" indent="-285750" defTabSz="914400" eaLnBrk="1" fontAlgn="auto" latinLnBrk="0" hangingPunct="1">
+              <a:lnSpc>
+                <a:spcPct val="100000"/>
+              </a:lnSpc>
+              <a:spcBef>
+                <a:spcPts val="0"/>
+              </a:spcBef>
+              <a:spcAft>
+                <a:spcPts val="0"/>
+              </a:spcAft>
+              <a:buClrTx/>
+              <a:buSzTx/>
+              <a:buFontTx/>
+              <a:buChar char="-"/>
+              <a:tabLst/>
+              <a:defRPr/>
+            </a:pPr>
+            <a:endParaRPr lang="en-US" dirty="0" smtClean="0"/>
+          </a:p>
+          <a:p>
+            <a:pPr marL="285750" marR="0" lvl="1" indent="-285750" defTabSz="914400" eaLnBrk="1" fontAlgn="auto" latinLnBrk="0" hangingPunct="1">
+              <a:lnSpc>
+                <a:spcPct val="100000"/>
+              </a:lnSpc>
+              <a:spcBef>
+                <a:spcPts val="0"/>
+              </a:spcBef>
+              <a:spcAft>
+                <a:spcPts val="0"/>
+              </a:spcAft>
+              <a:buClrTx/>
+              <a:buSzTx/>
+              <a:buFontTx/>
+              <a:buChar char="-"/>
+              <a:tabLst/>
+              <a:defRPr/>
+            </a:pPr>
+            <a:endParaRPr lang="en-US" dirty="0"/>
+          </a:p>
+        </p:txBody>
+      </p:sp>
+      <p:pic>
+        <p:nvPicPr>
+          <p:cNvPr id="2050" name="Picture 2"/>
+          <p:cNvPicPr>
+            <a:picLocks noChangeAspect="1" noChangeArrowheads="1"/>
+          </p:cNvPicPr>
+          <p:nvPr/>
+        </p:nvPicPr>
+        <p:blipFill>
+          <a:blip r:embed="rId3">
+            <a:extLst>
+              <a:ext uri="{28A0092B-C50C-407E-A947-70E740481C1C}">
+                <a14:useLocalDpi xmlns:a14="http://schemas.microsoft.com/office/drawing/2010/main" val="0"/>
+              </a:ext>
+            </a:extLst>
+          </a:blip>
+          <a:srcRect/>
+          <a:stretch>
+            <a:fillRect/>
+          </a:stretch>
+        </p:blipFill>
+        <p:spPr bwMode="auto">
+          <a:xfrm>
+            <a:off x="6859905" y="2045758"/>
+            <a:ext cx="4419600" cy="3190875"/>
+          </a:xfrm>
+          <a:prstGeom prst="rect">
+            <a:avLst/>
+          </a:prstGeom>
+          <a:noFill/>
+          <a:ln>
+            <a:noFill/>
+          </a:ln>
+          <a:extLst>
+            <a:ext uri="{909E8E84-426E-40DD-AFC4-6F175D3DCCD1}">
+              <a14:hiddenFill xmlns:a14="http://schemas.microsoft.com/office/drawing/2010/main">
+                <a:solidFill>
+                  <a:schemeClr val="accent1"/>
+                </a:solidFill>
+              </a14:hiddenFill>
+            </a:ext>
+            <a:ext uri="{91240B29-F687-4F45-9708-019B960494DF}">
+              <a14:hiddenLine xmlns:a14="http://schemas.microsoft.com/office/drawing/2010/main" w="9525">
                 <a:solidFill>
                   <a:schemeClr val="tx1"/>
                 </a:solidFill>
-              </a:rPr>
-              <a:t>As an EC Coordinator, I want to receive email of notification when new claim is submitted</a:t>
-            </a:r>
-          </a:p>
-          <a:p>
-            <a:pPr lvl="1"/>
-            <a:r>
-              <a:rPr lang="en-US" sz="2000" dirty="0">
-                <a:solidFill>
-                  <a:schemeClr val="tx1"/>
-                </a:solidFill>
-              </a:rPr>
-              <a:t>As an EC Coordinator, I want to process new claim</a:t>
-            </a:r>
-          </a:p>
-          <a:p>
-            <a:pPr lvl="1"/>
-            <a:r>
-              <a:rPr lang="en-US" sz="2000" dirty="0">
-                <a:solidFill>
-                  <a:schemeClr val="tx1"/>
-                </a:solidFill>
-              </a:rPr>
-              <a:t>As an EC Coordinator, I want to see all the process of my Faculty</a:t>
-            </a:r>
-          </a:p>
-          <a:p>
-            <a:pPr>
-              <a:buFont typeface="Wingdings" charset="2"/>
-              <a:buChar char="Ø"/>
-            </a:pPr>
-            <a:r>
-              <a:rPr lang="en-US" b="1" dirty="0" smtClean="0"/>
-              <a:t>Student:</a:t>
-            </a:r>
-          </a:p>
-          <a:p>
-            <a:pPr lvl="1"/>
-            <a:r>
-              <a:rPr lang="en-US" sz="2000" dirty="0">
-                <a:solidFill>
-                  <a:schemeClr val="tx1"/>
-                </a:solidFill>
-              </a:rPr>
-              <a:t>As a Student, I want to submit more than 1 EC claims for my items of assessment. The claim must be </a:t>
-            </a:r>
-            <a:r>
-              <a:rPr lang="en-US" sz="2000" dirty="0" smtClean="0">
-                <a:solidFill>
-                  <a:schemeClr val="tx1"/>
-                </a:solidFill>
-              </a:rPr>
-              <a:t>submitted </a:t>
-            </a:r>
-            <a:r>
-              <a:rPr lang="en-US" sz="2000" dirty="0">
-                <a:solidFill>
-                  <a:schemeClr val="tx1"/>
-                </a:solidFill>
-              </a:rPr>
-              <a:t>before closure. date. And the claim must belong the faculties' student</a:t>
-            </a:r>
-          </a:p>
-          <a:p>
-            <a:pPr lvl="1"/>
-            <a:r>
-              <a:rPr lang="en-US" sz="2000" dirty="0">
-                <a:solidFill>
-                  <a:schemeClr val="tx1"/>
-                </a:solidFill>
-              </a:rPr>
-              <a:t>As a Student, I want to submit evidences for my EC claims (</a:t>
-            </a:r>
-            <a:r>
-              <a:rPr lang="en-US" sz="2000" dirty="0" err="1">
-                <a:solidFill>
-                  <a:schemeClr val="tx1"/>
-                </a:solidFill>
-              </a:rPr>
-              <a:t>e.g</a:t>
-            </a:r>
-            <a:r>
-              <a:rPr lang="en-US" sz="2000" dirty="0">
-                <a:solidFill>
-                  <a:schemeClr val="tx1"/>
-                </a:solidFill>
-              </a:rPr>
-              <a:t>: Images, PDFs…) before final closure date</a:t>
-            </a:r>
-          </a:p>
-          <a:p>
-            <a:pPr lvl="1"/>
-            <a:r>
-              <a:rPr lang="en-US" sz="2000" dirty="0">
-                <a:solidFill>
-                  <a:schemeClr val="tx1"/>
-                </a:solidFill>
-              </a:rPr>
-              <a:t>As a Student, I want to receive email which containing the decision of my EC claim</a:t>
-            </a:r>
-          </a:p>
-          <a:p>
-            <a:pPr lvl="1"/>
-            <a:r>
-              <a:rPr lang="en-US" sz="2000" dirty="0">
-                <a:solidFill>
-                  <a:schemeClr val="tx1"/>
-                </a:solidFill>
-              </a:rPr>
-              <a:t>As a Student, I want to see all my claims which is submitted also the </a:t>
-            </a:r>
-            <a:r>
-              <a:rPr lang="en-US" sz="2000" dirty="0" smtClean="0">
-                <a:solidFill>
-                  <a:schemeClr val="tx1"/>
-                </a:solidFill>
-              </a:rPr>
-              <a:t>decisions</a:t>
-            </a:r>
-          </a:p>
-          <a:p>
-            <a:pPr lvl="1"/>
-            <a:r>
-              <a:rPr lang="en-US" sz="2000" dirty="0">
-                <a:solidFill>
-                  <a:schemeClr val="tx1"/>
-                </a:solidFill>
-              </a:rPr>
-              <a:t>As a student, I want to searching and sorting claim</a:t>
-            </a:r>
-          </a:p>
-          <a:p>
-            <a:pPr lvl="1"/>
-            <a:endParaRPr lang="en-US" sz="2000" dirty="0">
-              <a:solidFill>
-                <a:schemeClr val="tx1"/>
-              </a:solidFill>
-            </a:endParaRPr>
-          </a:p>
-          <a:p>
-            <a:pPr lvl="1">
-              <a:buFont typeface="Wingdings" charset="2"/>
-              <a:buChar char="Ø"/>
-            </a:pPr>
-            <a:endParaRPr lang="en-US" dirty="0"/>
-          </a:p>
-        </p:txBody>
-      </p:sp>
+                <a:miter lim="800000"/>
+                <a:headEnd/>
+                <a:tailEnd/>
+              </a14:hiddenLine>
+            </a:ext>
+          </a:extLst>
+        </p:spPr>
+      </p:pic>
     </p:spTree>
     <p:extLst>
       <p:ext uri="{BB962C8B-B14F-4D97-AF65-F5344CB8AC3E}">
-        <p14:creationId xmlns:p14="http://schemas.microsoft.com/office/powerpoint/2010/main" val="990038662"/>
+        <p14:creationId xmlns:p14="http://schemas.microsoft.com/office/powerpoint/2010/main" val="1966029437"/>
       </p:ext>
     </p:extLst>
   </p:cSld>
@@ -5094,10 +5846,13 @@
           <a:bodyPr/>
           <a:lstStyle/>
           <a:p>
-            <a:pPr lvl="0"/>
             <a:r>
               <a:rPr lang="en-US" dirty="0" smtClean="0"/>
-              <a:t>5. Testing</a:t>
+              <a:t>Database </a:t>
+            </a:r>
+            <a:r>
+              <a:rPr lang="en-US" dirty="0" smtClean="0"/>
+              <a:t>– Assessments (cont.)</a:t>
             </a:r>
             <a:endParaRPr lang="en-US" dirty="0"/>
           </a:p>
@@ -5113,19 +5868,229 @@
             <p:ph idx="1"/>
           </p:nvPr>
         </p:nvSpPr>
-        <p:spPr/>
+        <p:spPr>
+          <a:xfrm>
+            <a:off x="1097280" y="1845734"/>
+            <a:ext cx="7189470" cy="4023360"/>
+          </a:xfrm>
+        </p:spPr>
         <p:txBody>
           <a:bodyPr/>
           <a:lstStyle/>
           <a:p>
+            <a:pPr marL="0" lvl="1" indent="0">
+              <a:lnSpc>
+                <a:spcPct val="100000"/>
+              </a:lnSpc>
+              <a:spcBef>
+                <a:spcPts val="0"/>
+              </a:spcBef>
+              <a:spcAft>
+                <a:spcPts val="0"/>
+              </a:spcAft>
+              <a:buClrTx/>
+              <a:buNone/>
+              <a:defRPr/>
+            </a:pPr>
+            <a:r>
+              <a:rPr lang="en-US" dirty="0" smtClean="0"/>
+              <a:t>Assessment table: store course information</a:t>
+            </a:r>
+          </a:p>
+          <a:p>
+            <a:pPr marL="0" lvl="1" indent="0">
+              <a:lnSpc>
+                <a:spcPct val="100000"/>
+              </a:lnSpc>
+              <a:spcBef>
+                <a:spcPts val="0"/>
+              </a:spcBef>
+              <a:spcAft>
+                <a:spcPts val="0"/>
+              </a:spcAft>
+              <a:buClrTx/>
+              <a:buNone/>
+              <a:defRPr/>
+            </a:pPr>
+            <a:r>
+              <a:rPr lang="en-US" dirty="0" smtClean="0"/>
+              <a:t>Item table: store the type of point for each course, such as Examination or Coursework.</a:t>
+            </a:r>
             <a:endParaRPr lang="en-US" dirty="0"/>
           </a:p>
-        </p:txBody>
-      </p:sp>
+          <a:p>
+            <a:pPr marL="0" indent="0">
+              <a:lnSpc>
+                <a:spcPct val="100000"/>
+              </a:lnSpc>
+              <a:spcBef>
+                <a:spcPts val="0"/>
+              </a:spcBef>
+              <a:spcAft>
+                <a:spcPts val="0"/>
+              </a:spcAft>
+              <a:buClrTx/>
+              <a:buSzTx/>
+              <a:buNone/>
+              <a:defRPr/>
+            </a:pPr>
+            <a:endParaRPr lang="en-US" sz="1800" dirty="0" smtClean="0"/>
+          </a:p>
+          <a:p>
+            <a:pPr marL="0" indent="0">
+              <a:lnSpc>
+                <a:spcPct val="100000"/>
+              </a:lnSpc>
+              <a:spcBef>
+                <a:spcPts val="0"/>
+              </a:spcBef>
+              <a:spcAft>
+                <a:spcPts val="0"/>
+              </a:spcAft>
+              <a:buClrTx/>
+              <a:buSzTx/>
+              <a:buNone/>
+              <a:defRPr/>
+            </a:pPr>
+            <a:endParaRPr lang="en-US" sz="1800" dirty="0"/>
+          </a:p>
+          <a:p>
+            <a:pPr>
+              <a:lnSpc>
+                <a:spcPct val="100000"/>
+              </a:lnSpc>
+              <a:spcBef>
+                <a:spcPts val="0"/>
+              </a:spcBef>
+              <a:spcAft>
+                <a:spcPts val="0"/>
+              </a:spcAft>
+              <a:buClrTx/>
+              <a:buSzTx/>
+              <a:buFontTx/>
+              <a:buChar char="-"/>
+              <a:defRPr/>
+            </a:pPr>
+            <a:endParaRPr lang="en-US" sz="1800" dirty="0"/>
+          </a:p>
+          <a:p>
+            <a:pPr marL="0" indent="0">
+              <a:lnSpc>
+                <a:spcPct val="100000"/>
+              </a:lnSpc>
+              <a:spcBef>
+                <a:spcPts val="0"/>
+              </a:spcBef>
+              <a:spcAft>
+                <a:spcPts val="0"/>
+              </a:spcAft>
+              <a:buClrTx/>
+              <a:buSzTx/>
+              <a:buNone/>
+              <a:defRPr/>
+            </a:pPr>
+            <a:endParaRPr lang="en-US" sz="1800" dirty="0"/>
+          </a:p>
+          <a:p>
+            <a:pPr marL="285750" marR="0" lvl="1" indent="-285750" defTabSz="914400" eaLnBrk="1" fontAlgn="auto" latinLnBrk="0" hangingPunct="1">
+              <a:lnSpc>
+                <a:spcPct val="100000"/>
+              </a:lnSpc>
+              <a:spcBef>
+                <a:spcPts val="0"/>
+              </a:spcBef>
+              <a:spcAft>
+                <a:spcPts val="0"/>
+              </a:spcAft>
+              <a:buClrTx/>
+              <a:buSzTx/>
+              <a:buFontTx/>
+              <a:buChar char="-"/>
+              <a:tabLst/>
+              <a:defRPr/>
+            </a:pPr>
+            <a:endParaRPr lang="en-US" dirty="0" smtClean="0"/>
+          </a:p>
+          <a:p>
+            <a:pPr marL="285750" marR="0" lvl="1" indent="-285750" defTabSz="914400" eaLnBrk="1" fontAlgn="auto" latinLnBrk="0" hangingPunct="1">
+              <a:lnSpc>
+                <a:spcPct val="100000"/>
+              </a:lnSpc>
+              <a:spcBef>
+                <a:spcPts val="0"/>
+              </a:spcBef>
+              <a:spcAft>
+                <a:spcPts val="0"/>
+              </a:spcAft>
+              <a:buClrTx/>
+              <a:buSzTx/>
+              <a:buFontTx/>
+              <a:buChar char="-"/>
+              <a:tabLst/>
+              <a:defRPr/>
+            </a:pPr>
+            <a:endParaRPr lang="en-US" dirty="0"/>
+          </a:p>
+        </p:txBody>
+      </p:sp>
+      <p:pic>
+        <p:nvPicPr>
+          <p:cNvPr id="4098" name="Picture 2"/>
+          <p:cNvPicPr>
+            <a:picLocks noChangeAspect="1" noChangeArrowheads="1"/>
+          </p:cNvPicPr>
+          <p:nvPr/>
+        </p:nvPicPr>
+        <p:blipFill>
+          <a:blip r:embed="rId3">
+            <a:extLst>
+              <a:ext uri="{28A0092B-C50C-407E-A947-70E740481C1C}">
+                <a14:useLocalDpi xmlns:a14="http://schemas.microsoft.com/office/drawing/2010/main" val="0"/>
+              </a:ext>
+            </a:extLst>
+          </a:blip>
+          <a:srcRect/>
+          <a:stretch>
+            <a:fillRect/>
+          </a:stretch>
+        </p:blipFill>
+        <p:spPr bwMode="auto">
+          <a:xfrm>
+            <a:off x="8410575" y="2209800"/>
+            <a:ext cx="1981200" cy="2438400"/>
+          </a:xfrm>
+          <a:prstGeom prst="rect">
+            <a:avLst/>
+          </a:prstGeom>
+          <a:noFill/>
+          <a:ln>
+            <a:noFill/>
+          </a:ln>
+          <a:extLst>
+            <a:ext uri="{909E8E84-426E-40DD-AFC4-6F175D3DCCD1}">
+              <a14:hiddenFill xmlns:a14="http://schemas.microsoft.com/office/drawing/2010/main">
+                <a:solidFill>
+                  <a:schemeClr val="accent1"/>
+                </a:solidFill>
+              </a14:hiddenFill>
+            </a:ext>
+            <a:ext uri="{91240B29-F687-4F45-9708-019B960494DF}">
+              <a14:hiddenLine xmlns:a14="http://schemas.microsoft.com/office/drawing/2010/main" w="9525">
+                <a:solidFill>
+                  <a:schemeClr val="tx1"/>
+                </a:solidFill>
+                <a:miter lim="800000"/>
+                <a:headEnd/>
+                <a:tailEnd/>
+              </a14:hiddenLine>
+            </a:ext>
+          </a:extLst>
+        </p:spPr>
+      </p:pic>
     </p:spTree>
     <p:extLst>
       <p:ext uri="{BB962C8B-B14F-4D97-AF65-F5344CB8AC3E}">
-        <p14:creationId xmlns:p14="http://schemas.microsoft.com/office/powerpoint/2010/main" val="391672032"/>
+        <p14:creationId xmlns:p14="http://schemas.microsoft.com/office/powerpoint/2010/main" val="1218341352"/>
       </p:ext>
     </p:extLst>
   </p:cSld>
@@ -5169,17 +6134,23 @@
             <p:ph type="title"/>
           </p:nvPr>
         </p:nvSpPr>
-        <p:spPr/>
-        <p:txBody>
-          <a:bodyPr>
-            <a:normAutofit/>
-          </a:bodyPr>
-          <a:lstStyle/>
-          <a:p>
-            <a:pPr lvl="0"/>
+        <p:spPr>
+          <a:xfrm>
+            <a:off x="1097280" y="286603"/>
+            <a:ext cx="6827520" cy="1450757"/>
+          </a:xfrm>
+        </p:spPr>
+        <p:txBody>
+          <a:bodyPr/>
+          <a:lstStyle/>
+          <a:p>
             <a:r>
               <a:rPr lang="en-US" dirty="0" smtClean="0"/>
-              <a:t>6. Agile methodology</a:t>
+              <a:t>Database </a:t>
+            </a:r>
+            <a:r>
+              <a:rPr lang="en-US" dirty="0" smtClean="0"/>
+              <a:t>– Model</a:t>
             </a:r>
             <a:endParaRPr lang="en-US" dirty="0"/>
           </a:p>
@@ -5195,19 +6166,225 @@
             <p:ph idx="1"/>
           </p:nvPr>
         </p:nvSpPr>
-        <p:spPr/>
+        <p:spPr>
+          <a:xfrm>
+            <a:off x="1097280" y="1845734"/>
+            <a:ext cx="7189470" cy="4023360"/>
+          </a:xfrm>
+        </p:spPr>
         <p:txBody>
           <a:bodyPr/>
           <a:lstStyle/>
           <a:p>
+            <a:pPr marL="0" lvl="1" indent="0">
+              <a:lnSpc>
+                <a:spcPct val="100000"/>
+              </a:lnSpc>
+              <a:spcBef>
+                <a:spcPts val="0"/>
+              </a:spcBef>
+              <a:spcAft>
+                <a:spcPts val="0"/>
+              </a:spcAft>
+              <a:buClrTx/>
+              <a:buNone/>
+              <a:defRPr/>
+            </a:pPr>
+            <a:r>
+              <a:rPr lang="en-US" dirty="0" smtClean="0"/>
+              <a:t>UML Diagram based on Database ERD</a:t>
+            </a:r>
+          </a:p>
+          <a:p>
+            <a:pPr marL="0" lvl="1" indent="0">
+              <a:lnSpc>
+                <a:spcPct val="100000"/>
+              </a:lnSpc>
+              <a:spcBef>
+                <a:spcPts val="0"/>
+              </a:spcBef>
+              <a:spcAft>
+                <a:spcPts val="0"/>
+              </a:spcAft>
+              <a:buClrTx/>
+              <a:buNone/>
+              <a:defRPr/>
+            </a:pPr>
             <a:endParaRPr lang="en-US" dirty="0"/>
           </a:p>
-        </p:txBody>
-      </p:sp>
+          <a:p>
+            <a:pPr marL="0" indent="0">
+              <a:lnSpc>
+                <a:spcPct val="100000"/>
+              </a:lnSpc>
+              <a:spcBef>
+                <a:spcPts val="0"/>
+              </a:spcBef>
+              <a:spcAft>
+                <a:spcPts val="0"/>
+              </a:spcAft>
+              <a:buClrTx/>
+              <a:buSzTx/>
+              <a:buNone/>
+              <a:defRPr/>
+            </a:pPr>
+            <a:endParaRPr lang="en-US" sz="1800" dirty="0" smtClean="0"/>
+          </a:p>
+          <a:p>
+            <a:pPr marL="0" indent="0">
+              <a:lnSpc>
+                <a:spcPct val="100000"/>
+              </a:lnSpc>
+              <a:spcBef>
+                <a:spcPts val="0"/>
+              </a:spcBef>
+              <a:spcAft>
+                <a:spcPts val="0"/>
+              </a:spcAft>
+              <a:buClrTx/>
+              <a:buSzTx/>
+              <a:buNone/>
+              <a:defRPr/>
+            </a:pPr>
+            <a:endParaRPr lang="en-US" sz="1800" dirty="0"/>
+          </a:p>
+          <a:p>
+            <a:pPr>
+              <a:lnSpc>
+                <a:spcPct val="100000"/>
+              </a:lnSpc>
+              <a:spcBef>
+                <a:spcPts val="0"/>
+              </a:spcBef>
+              <a:spcAft>
+                <a:spcPts val="0"/>
+              </a:spcAft>
+              <a:buClrTx/>
+              <a:buSzTx/>
+              <a:buFontTx/>
+              <a:buChar char="-"/>
+              <a:defRPr/>
+            </a:pPr>
+            <a:endParaRPr lang="en-US" sz="1800" dirty="0"/>
+          </a:p>
+          <a:p>
+            <a:pPr marL="0" indent="0">
+              <a:lnSpc>
+                <a:spcPct val="100000"/>
+              </a:lnSpc>
+              <a:spcBef>
+                <a:spcPts val="0"/>
+              </a:spcBef>
+              <a:spcAft>
+                <a:spcPts val="0"/>
+              </a:spcAft>
+              <a:buClrTx/>
+              <a:buSzTx/>
+              <a:buNone/>
+              <a:defRPr/>
+            </a:pPr>
+            <a:endParaRPr lang="en-US" sz="1800" dirty="0"/>
+          </a:p>
+          <a:p>
+            <a:pPr marL="285750" marR="0" lvl="1" indent="-285750" defTabSz="914400" eaLnBrk="1" fontAlgn="auto" latinLnBrk="0" hangingPunct="1">
+              <a:lnSpc>
+                <a:spcPct val="100000"/>
+              </a:lnSpc>
+              <a:spcBef>
+                <a:spcPts val="0"/>
+              </a:spcBef>
+              <a:spcAft>
+                <a:spcPts val="0"/>
+              </a:spcAft>
+              <a:buClrTx/>
+              <a:buSzTx/>
+              <a:buFontTx/>
+              <a:buChar char="-"/>
+              <a:tabLst/>
+              <a:defRPr/>
+            </a:pPr>
+            <a:endParaRPr lang="en-US" dirty="0" smtClean="0"/>
+          </a:p>
+          <a:p>
+            <a:pPr marL="285750" marR="0" lvl="1" indent="-285750" defTabSz="914400" eaLnBrk="1" fontAlgn="auto" latinLnBrk="0" hangingPunct="1">
+              <a:lnSpc>
+                <a:spcPct val="100000"/>
+              </a:lnSpc>
+              <a:spcBef>
+                <a:spcPts val="0"/>
+              </a:spcBef>
+              <a:spcAft>
+                <a:spcPts val="0"/>
+              </a:spcAft>
+              <a:buClrTx/>
+              <a:buSzTx/>
+              <a:buFontTx/>
+              <a:buChar char="-"/>
+              <a:tabLst/>
+              <a:defRPr/>
+            </a:pPr>
+            <a:endParaRPr lang="en-US" dirty="0"/>
+          </a:p>
+        </p:txBody>
+      </p:sp>
+      <p:pic>
+        <p:nvPicPr>
+          <p:cNvPr id="3075" name="Picture 3"/>
+          <p:cNvPicPr>
+            <a:picLocks noChangeAspect="1" noChangeArrowheads="1"/>
+          </p:cNvPicPr>
+          <p:nvPr/>
+        </p:nvPicPr>
+        <p:blipFill>
+          <a:blip r:embed="rId3">
+            <a:extLst>
+              <a:ext uri="{28A0092B-C50C-407E-A947-70E740481C1C}">
+                <a14:useLocalDpi xmlns:a14="http://schemas.microsoft.com/office/drawing/2010/main" val="0"/>
+              </a:ext>
+            </a:extLst>
+          </a:blip>
+          <a:srcRect/>
+          <a:stretch>
+            <a:fillRect/>
+          </a:stretch>
+        </p:blipFill>
+        <p:spPr bwMode="auto">
+          <a:xfrm>
+            <a:off x="5163196" y="1737360"/>
+            <a:ext cx="6247107" cy="4511040"/>
+          </a:xfrm>
+          <a:prstGeom prst="rect">
+            <a:avLst/>
+          </a:prstGeom>
+          <a:noFill/>
+          <a:ln>
+            <a:noFill/>
+          </a:ln>
+          <a:extLst>
+            <a:ext uri="{909E8E84-426E-40DD-AFC4-6F175D3DCCD1}">
+              <a14:hiddenFill xmlns:a14="http://schemas.microsoft.com/office/drawing/2010/main">
+                <a:solidFill>
+                  <a:schemeClr val="accent1"/>
+                </a:solidFill>
+              </a14:hiddenFill>
+            </a:ext>
+            <a:ext uri="{91240B29-F687-4F45-9708-019B960494DF}">
+              <a14:hiddenLine xmlns:a14="http://schemas.microsoft.com/office/drawing/2010/main" w="9525">
+                <a:solidFill>
+                  <a:schemeClr val="tx1"/>
+                </a:solidFill>
+                <a:miter lim="800000"/>
+                <a:headEnd/>
+                <a:tailEnd/>
+              </a14:hiddenLine>
+            </a:ext>
+          </a:extLst>
+        </p:spPr>
+      </p:pic>
     </p:spTree>
     <p:extLst>
       <p:ext uri="{BB962C8B-B14F-4D97-AF65-F5344CB8AC3E}">
-        <p14:creationId xmlns:p14="http://schemas.microsoft.com/office/powerpoint/2010/main" val="2006057599"/>
+        <p14:creationId xmlns:p14="http://schemas.microsoft.com/office/powerpoint/2010/main" val="1386060526"/>
       </p:ext>
     </p:extLst>
   </p:cSld>
@@ -5253,95 +6430,79 @@
         </p:nvSpPr>
         <p:spPr/>
         <p:txBody>
+          <a:bodyPr>
+            <a:normAutofit/>
+          </a:bodyPr>
+          <a:lstStyle/>
+          <a:p>
+            <a:pPr lvl="0"/>
+            <a:r>
+              <a:rPr lang="en-US" dirty="0"/>
+              <a:t>4</a:t>
+            </a:r>
+            <a:r>
+              <a:rPr lang="en-US" dirty="0" smtClean="0"/>
+              <a:t>. </a:t>
+            </a:r>
+            <a:r>
+              <a:rPr lang="en-US" dirty="0" smtClean="0"/>
+              <a:t>Site design</a:t>
+            </a:r>
+            <a:endParaRPr lang="en-US" dirty="0"/>
+          </a:p>
+        </p:txBody>
+      </p:sp>
+      <p:sp>
+        <p:nvSpPr>
+          <p:cNvPr id="3" name="Content Placeholder 2"/>
+          <p:cNvSpPr>
+            <a:spLocks noGrp="1"/>
+          </p:cNvSpPr>
+          <p:nvPr>
+            <p:ph idx="1"/>
+          </p:nvPr>
+        </p:nvSpPr>
+        <p:spPr/>
+        <p:txBody>
           <a:bodyPr/>
           <a:lstStyle/>
           <a:p>
-            <a:pPr algn="ctr"/>
-            <a:r>
-              <a:rPr lang="en-US" b="1" dirty="0" smtClean="0"/>
-              <a:t>Demo Plan</a:t>
-            </a:r>
-            <a:endParaRPr lang="en-US" b="1" dirty="0"/>
-          </a:p>
-        </p:txBody>
-      </p:sp>
-      <p:sp>
-        <p:nvSpPr>
-          <p:cNvPr id="3" name="Content Placeholder 2"/>
-          <p:cNvSpPr>
-            <a:spLocks noGrp="1"/>
-          </p:cNvSpPr>
-          <p:nvPr>
-            <p:ph idx="1"/>
-          </p:nvPr>
-        </p:nvSpPr>
-        <p:spPr/>
-        <p:txBody>
-          <a:bodyPr/>
-          <a:lstStyle/>
-          <a:p>
-            <a:pPr>
-              <a:buFont typeface="Wingdings" charset="2"/>
-              <a:buChar char="Ø"/>
-            </a:pPr>
-            <a:r>
-              <a:rPr lang="en-US" sz="2800" dirty="0" smtClean="0"/>
-              <a:t>Demo all system features</a:t>
-            </a:r>
-          </a:p>
-          <a:p>
-            <a:pPr>
-              <a:buFont typeface="Wingdings" charset="2"/>
-              <a:buChar char="Ø"/>
-            </a:pPr>
-            <a:r>
-              <a:rPr lang="en-US" sz="2800" dirty="0" smtClean="0"/>
-              <a:t>Demo data validation</a:t>
-            </a:r>
-          </a:p>
-          <a:p>
-            <a:pPr>
-              <a:buFont typeface="Wingdings" charset="2"/>
-              <a:buChar char="Ø"/>
-            </a:pPr>
-            <a:r>
-              <a:rPr lang="en-US" sz="2800" dirty="0" smtClean="0"/>
-              <a:t>Demo date-time relations</a:t>
-            </a:r>
-          </a:p>
-          <a:p>
-            <a:pPr>
-              <a:buFont typeface="Wingdings" charset="2"/>
-              <a:buChar char="Ø"/>
-            </a:pPr>
-            <a:r>
-              <a:rPr lang="en-US" sz="2800" dirty="0" smtClean="0"/>
-              <a:t>Demo authorization (different roles or authorities)</a:t>
-            </a:r>
-          </a:p>
-          <a:p>
-            <a:pPr>
-              <a:buFont typeface="Wingdings" charset="2"/>
-              <a:buChar char="Ø"/>
-            </a:pPr>
-            <a:r>
-              <a:rPr lang="en-US" sz="2800" dirty="0" smtClean="0"/>
-              <a:t>Demo all system reports</a:t>
-            </a:r>
-          </a:p>
-          <a:p>
-            <a:pPr>
-              <a:buFont typeface="Wingdings" charset="2"/>
-              <a:buChar char="Ø"/>
-            </a:pPr>
-            <a:endParaRPr lang="en-US" dirty="0" smtClean="0"/>
+            <a:pPr lvl="1"/>
+            <a:r>
+              <a:rPr lang="en-US" dirty="0"/>
+              <a:t>Implementation of responsive design</a:t>
+            </a:r>
+          </a:p>
+          <a:p>
+            <a:pPr lvl="1"/>
+            <a:r>
+              <a:rPr lang="en-US" dirty="0"/>
+              <a:t>Testing in different screen resolution</a:t>
+            </a:r>
+          </a:p>
+          <a:p>
+            <a:pPr lvl="1"/>
+            <a:r>
+              <a:rPr lang="en-US" dirty="0"/>
+              <a:t>Usability</a:t>
+            </a:r>
+          </a:p>
+          <a:p>
+            <a:pPr lvl="1"/>
+            <a:r>
+              <a:rPr lang="en-US" dirty="0"/>
+              <a:t>Accessibility</a:t>
+            </a:r>
+          </a:p>
+          <a:p>
+            <a:endParaRPr lang="en-US" dirty="0"/>
           </a:p>
         </p:txBody>
       </p:sp>
     </p:spTree>
     <p:extLst>
       <p:ext uri="{BB962C8B-B14F-4D97-AF65-F5344CB8AC3E}">
-        <p14:creationId xmlns:p14="http://schemas.microsoft.com/office/powerpoint/2010/main" val="233902115"/>
+        <p14:creationId xmlns:p14="http://schemas.microsoft.com/office/powerpoint/2010/main" val="1582991963"/>
       </p:ext>
     </p:extLst>
   </p:cSld>
@@ -5390,9 +6551,18 @@
           <a:bodyPr/>
           <a:lstStyle/>
           <a:p>
+            <a:pPr lvl="0"/>
             <a:r>
               <a:rPr lang="en-US" dirty="0" smtClean="0"/>
-              <a:t>Demo 1: all system features</a:t>
+              <a:t>5</a:t>
+            </a:r>
+            <a:r>
+              <a:rPr lang="en-US" dirty="0" smtClean="0"/>
+              <a:t>. </a:t>
+            </a:r>
+            <a:r>
+              <a:rPr lang="en-US" dirty="0" smtClean="0"/>
+              <a:t>Testing</a:t>
             </a:r>
             <a:endParaRPr lang="en-US" dirty="0"/>
           </a:p>
@@ -5410,82 +6580,9 @@
         </p:nvSpPr>
         <p:spPr/>
         <p:txBody>
-          <a:bodyPr>
-            <a:normAutofit/>
-          </a:bodyPr>
-          <a:lstStyle/>
-          <a:p>
-            <a:pPr>
-              <a:buFont typeface="Wingdings" charset="2"/>
-              <a:buChar char="Ø"/>
-            </a:pPr>
-            <a:r>
-              <a:rPr lang="en-US" sz="2800" dirty="0" smtClean="0"/>
-              <a:t>Authentication (login, logout)</a:t>
-            </a:r>
-          </a:p>
-          <a:p>
-            <a:pPr>
-              <a:buFont typeface="Wingdings" charset="2"/>
-              <a:buChar char="Ø"/>
-            </a:pPr>
-            <a:r>
-              <a:rPr lang="en-US" sz="2800" dirty="0" smtClean="0"/>
-              <a:t>Student submits claims</a:t>
-            </a:r>
-          </a:p>
-          <a:p>
-            <a:pPr>
-              <a:buFont typeface="Wingdings" charset="2"/>
-              <a:buChar char="Ø"/>
-            </a:pPr>
-            <a:r>
-              <a:rPr lang="en-US" sz="2800" dirty="0" smtClean="0"/>
-              <a:t>Student submits evidences</a:t>
-            </a:r>
-          </a:p>
-          <a:p>
-            <a:pPr>
-              <a:buFont typeface="Wingdings" charset="2"/>
-              <a:buChar char="Ø"/>
-            </a:pPr>
-            <a:r>
-              <a:rPr lang="en-US" sz="2800" dirty="0" smtClean="0"/>
-              <a:t>Student receive email which contains the decision of claim</a:t>
-            </a:r>
-          </a:p>
-          <a:p>
-            <a:pPr>
-              <a:buFont typeface="Wingdings" charset="2"/>
-              <a:buChar char="Ø"/>
-            </a:pPr>
-            <a:r>
-              <a:rPr lang="en-US" sz="2800" dirty="0" smtClean="0"/>
-              <a:t>Student views all submitted claims</a:t>
-            </a:r>
-          </a:p>
-          <a:p>
-            <a:pPr>
-              <a:buFont typeface="Wingdings" charset="2"/>
-              <a:buChar char="Ø"/>
-            </a:pPr>
-            <a:r>
-              <a:rPr lang="en-US" sz="2800" dirty="0" smtClean="0"/>
-              <a:t>Student searches and sorts claims</a:t>
-            </a:r>
-          </a:p>
-          <a:p>
-            <a:pPr>
-              <a:buFont typeface="Wingdings" charset="2"/>
-              <a:buChar char="Ø"/>
-            </a:pPr>
-            <a:endParaRPr lang="en-US" dirty="0" smtClean="0"/>
-          </a:p>
-          <a:p>
-            <a:pPr>
-              <a:buFont typeface="Wingdings" charset="2"/>
-              <a:buChar char="Ø"/>
-            </a:pPr>
+          <a:bodyPr/>
+          <a:lstStyle/>
+          <a:p>
             <a:endParaRPr lang="en-US" dirty="0"/>
           </a:p>
         </p:txBody>
@@ -5493,7 +6590,7 @@
     </p:spTree>
     <p:extLst>
       <p:ext uri="{BB962C8B-B14F-4D97-AF65-F5344CB8AC3E}">
-        <p14:creationId xmlns:p14="http://schemas.microsoft.com/office/powerpoint/2010/main" val="913001290"/>
+        <p14:creationId xmlns:p14="http://schemas.microsoft.com/office/powerpoint/2010/main" val="391672032"/>
       </p:ext>
     </p:extLst>
   </p:cSld>
@@ -5542,17 +6639,14 @@
           <a:bodyPr/>
           <a:lstStyle/>
           <a:p>
+            <a:pPr lvl="0"/>
             <a:r>
               <a:rPr lang="en-US" dirty="0" smtClean="0"/>
-              <a:t>Demo 1: </a:t>
-            </a:r>
-            <a:r>
-              <a:rPr lang="en-US" dirty="0"/>
-              <a:t>all system </a:t>
+              <a:t>6. Agile </a:t>
             </a:r>
             <a:r>
               <a:rPr lang="en-US" dirty="0" smtClean="0"/>
-              <a:t>features (cont.)</a:t>
+              <a:t>methodology</a:t>
             </a:r>
             <a:endParaRPr lang="en-US" dirty="0"/>
           </a:p>
@@ -5570,193 +6664,74 @@
         </p:nvSpPr>
         <p:spPr/>
         <p:txBody>
-          <a:bodyPr>
-            <a:normAutofit fontScale="92500"/>
-          </a:bodyPr>
+          <a:bodyPr/>
           <a:lstStyle/>
           <a:p>
             <a:pPr>
-              <a:buFont typeface="Wingdings" charset="2"/>
+              <a:buFont typeface="Wingdings" panose="05000000000000000000" pitchFamily="2" charset="2"/>
               <a:buChar char="Ø"/>
             </a:pPr>
             <a:r>
-              <a:rPr lang="en-US" sz="2800" dirty="0" smtClean="0">
-                <a:solidFill>
-                  <a:schemeClr val="tx1"/>
-                </a:solidFill>
-              </a:rPr>
-              <a:t>Coordinator receives </a:t>
-            </a:r>
-            <a:r>
-              <a:rPr lang="en-US" sz="2800" dirty="0">
-                <a:solidFill>
-                  <a:schemeClr val="tx1"/>
-                </a:solidFill>
-              </a:rPr>
-              <a:t>email of notification when new claim is submitted</a:t>
+              <a:rPr lang="en-US" dirty="0"/>
+              <a:t>Product backlog</a:t>
             </a:r>
           </a:p>
           <a:p>
             <a:pPr>
-              <a:buFont typeface="Wingdings" charset="2"/>
+              <a:buFont typeface="Wingdings" panose="05000000000000000000" pitchFamily="2" charset="2"/>
               <a:buChar char="Ø"/>
             </a:pPr>
-            <a:r>
-              <a:rPr lang="en-US" sz="2800" dirty="0" smtClean="0">
-                <a:solidFill>
-                  <a:schemeClr val="tx1"/>
-                </a:solidFill>
-              </a:rPr>
-              <a:t>Coordinator processes </a:t>
-            </a:r>
-            <a:r>
-              <a:rPr lang="en-US" sz="2800" dirty="0">
-                <a:solidFill>
-                  <a:schemeClr val="tx1"/>
-                </a:solidFill>
-              </a:rPr>
-              <a:t>new claim</a:t>
-            </a:r>
+            <a:endParaRPr lang="en-US" dirty="0"/>
           </a:p>
           <a:p>
             <a:pPr>
-              <a:buFont typeface="Wingdings" charset="2"/>
+              <a:buFont typeface="Wingdings" panose="05000000000000000000" pitchFamily="2" charset="2"/>
               <a:buChar char="Ø"/>
             </a:pPr>
             <a:r>
-              <a:rPr lang="en-US" sz="2800" dirty="0" smtClean="0">
-                <a:solidFill>
-                  <a:schemeClr val="tx1"/>
-                </a:solidFill>
-              </a:rPr>
-              <a:t>Coordinator views all </a:t>
-            </a:r>
-            <a:r>
-              <a:rPr lang="en-US" sz="2800" dirty="0">
-                <a:solidFill>
-                  <a:schemeClr val="tx1"/>
-                </a:solidFill>
-              </a:rPr>
-              <a:t>the process of my </a:t>
-            </a:r>
-            <a:r>
-              <a:rPr lang="en-US" sz="2800" dirty="0" smtClean="0">
-                <a:solidFill>
-                  <a:schemeClr val="tx1"/>
-                </a:solidFill>
-              </a:rPr>
-              <a:t>Faculty</a:t>
+              <a:rPr lang="en-US" dirty="0" smtClean="0"/>
+              <a:t>Sprint </a:t>
+            </a:r>
+            <a:r>
+              <a:rPr lang="en-US" dirty="0"/>
+              <a:t>(backlog, </a:t>
+            </a:r>
+            <a:r>
+              <a:rPr lang="en-US" dirty="0" err="1"/>
+              <a:t>burndown</a:t>
+            </a:r>
+            <a:r>
+              <a:rPr lang="en-US" dirty="0"/>
+              <a:t> chart)</a:t>
             </a:r>
           </a:p>
           <a:p>
             <a:pPr>
-              <a:buFont typeface="Wingdings" charset="2"/>
+              <a:buFont typeface="Wingdings" panose="05000000000000000000" pitchFamily="2" charset="2"/>
               <a:buChar char="Ø"/>
             </a:pPr>
-            <a:endParaRPr lang="en-US" sz="2800" dirty="0" smtClean="0">
-              <a:solidFill>
-                <a:schemeClr val="tx1"/>
-              </a:solidFill>
-            </a:endParaRPr>
+            <a:endParaRPr lang="en-US" dirty="0"/>
           </a:p>
           <a:p>
             <a:pPr>
-              <a:buFont typeface="Wingdings" charset="2"/>
+              <a:buFont typeface="Wingdings" panose="05000000000000000000" pitchFamily="2" charset="2"/>
               <a:buChar char="Ø"/>
             </a:pPr>
             <a:r>
-              <a:rPr lang="en-US" sz="2800" dirty="0">
-                <a:solidFill>
-                  <a:schemeClr val="tx1"/>
-                </a:solidFill>
-              </a:rPr>
-              <a:t>Manager views all </a:t>
-            </a:r>
-            <a:r>
-              <a:rPr lang="en-US" sz="2800" dirty="0" smtClean="0">
-                <a:solidFill>
-                  <a:schemeClr val="tx1"/>
-                </a:solidFill>
-              </a:rPr>
-              <a:t>claims</a:t>
-            </a:r>
-          </a:p>
-          <a:p>
-            <a:pPr>
-              <a:buFont typeface="Wingdings" charset="2"/>
-              <a:buChar char="Ø"/>
-            </a:pPr>
-            <a:r>
-              <a:rPr lang="en-US" sz="2800" dirty="0">
-                <a:solidFill>
-                  <a:schemeClr val="tx1"/>
-                </a:solidFill>
-              </a:rPr>
-              <a:t>Manager view claim reports (statistics</a:t>
-            </a:r>
-            <a:r>
-              <a:rPr lang="en-US" sz="2800" dirty="0" smtClean="0">
-                <a:solidFill>
-                  <a:schemeClr val="tx1"/>
-                </a:solidFill>
-              </a:rPr>
-              <a:t>)</a:t>
-            </a:r>
-          </a:p>
-          <a:p>
-            <a:pPr marL="91440" lvl="1" indent="-91440">
-              <a:spcBef>
-                <a:spcPts val="1200"/>
-              </a:spcBef>
-              <a:spcAft>
-                <a:spcPts val="200"/>
-              </a:spcAft>
-              <a:buSzPct val="100000"/>
-              <a:buFont typeface="Wingdings" charset="2"/>
-              <a:buChar char="Ø"/>
-            </a:pPr>
-            <a:r>
-              <a:rPr lang="en-US" sz="2800" dirty="0" smtClean="0">
-                <a:solidFill>
-                  <a:schemeClr val="tx1"/>
-                </a:solidFill>
-              </a:rPr>
-              <a:t>Admin </a:t>
-            </a:r>
-            <a:r>
-              <a:rPr lang="en-US" sz="2800" dirty="0">
-                <a:solidFill>
-                  <a:schemeClr val="tx1"/>
-                </a:solidFill>
-              </a:rPr>
-              <a:t>or </a:t>
-            </a:r>
-            <a:r>
-              <a:rPr lang="en-US" sz="2800" dirty="0" smtClean="0">
-                <a:solidFill>
-                  <a:schemeClr val="tx1"/>
-                </a:solidFill>
-              </a:rPr>
-              <a:t>manager views weekly </a:t>
-            </a:r>
-            <a:r>
-              <a:rPr lang="en-US" sz="2800" dirty="0">
-                <a:solidFill>
-                  <a:schemeClr val="tx1"/>
-                </a:solidFill>
-              </a:rPr>
-              <a:t>report or customize the report details</a:t>
-            </a:r>
-          </a:p>
-          <a:p>
-            <a:endParaRPr lang="en-US" dirty="0"/>
+              <a:rPr lang="en-US" dirty="0" smtClean="0"/>
+              <a:t>Summary </a:t>
+            </a:r>
+            <a:r>
+              <a:rPr lang="en-US" dirty="0"/>
+              <a:t>of meeting minutes</a:t>
+            </a:r>
           </a:p>
         </p:txBody>
       </p:sp>
     </p:spTree>
     <p:extLst>
       <p:ext uri="{BB962C8B-B14F-4D97-AF65-F5344CB8AC3E}">
-        <p14:creationId xmlns:p14="http://schemas.microsoft.com/office/powerpoint/2010/main" val="562138506"/>
+        <p14:creationId xmlns:p14="http://schemas.microsoft.com/office/powerpoint/2010/main" val="1570770156"/>
       </p:ext>
     </p:extLst>
   </p:cSld>
@@ -5807,197 +6782,58 @@
           <a:p>
             <a:r>
               <a:rPr lang="en-US" dirty="0" smtClean="0"/>
-              <a:t>Demo 1: </a:t>
-            </a:r>
-            <a:r>
-              <a:rPr lang="en-US" dirty="0"/>
-              <a:t>all system features (cont.)</a:t>
-            </a:r>
-          </a:p>
-        </p:txBody>
-      </p:sp>
-      <p:sp>
-        <p:nvSpPr>
-          <p:cNvPr id="3" name="Content Placeholder 2"/>
-          <p:cNvSpPr>
-            <a:spLocks noGrp="1"/>
-          </p:cNvSpPr>
+              <a:t>Product Backlog</a:t>
+            </a:r>
+            <a:endParaRPr lang="en-US" dirty="0"/>
+          </a:p>
+        </p:txBody>
+      </p:sp>
+      <p:pic>
+        <p:nvPicPr>
+          <p:cNvPr id="4" name="Content Placeholder 3"/>
+          <p:cNvPicPr>
+            <a:picLocks noGrp="1" noChangeAspect="1"/>
+          </p:cNvPicPr>
           <p:nvPr>
             <p:ph idx="1"/>
           </p:nvPr>
-        </p:nvSpPr>
-        <p:spPr/>
-        <p:txBody>
-          <a:bodyPr>
-            <a:normAutofit/>
-          </a:bodyPr>
-          <a:lstStyle/>
-          <a:p>
-            <a:pPr marL="0" indent="-292608">
-              <a:buFont typeface="Wingdings" charset="2"/>
-              <a:buChar char="Ø"/>
-            </a:pPr>
-            <a:r>
-              <a:rPr lang="en-US" sz="2600" dirty="0" smtClean="0">
-                <a:solidFill>
-                  <a:schemeClr val="tx1"/>
-                </a:solidFill>
-              </a:rPr>
-              <a:t>Admin </a:t>
-            </a:r>
-            <a:r>
-              <a:rPr lang="en-US" sz="2600" dirty="0">
-                <a:solidFill>
-                  <a:schemeClr val="tx1"/>
-                </a:solidFill>
-              </a:rPr>
-              <a:t>manages account of Users</a:t>
-            </a:r>
-          </a:p>
-          <a:p>
-            <a:pPr>
-              <a:buFont typeface="Wingdings" charset="2"/>
-              <a:buChar char="Ø"/>
-            </a:pPr>
-            <a:r>
-              <a:rPr lang="en-US" sz="2600" dirty="0">
-                <a:solidFill>
-                  <a:schemeClr val="tx1"/>
-                </a:solidFill>
-              </a:rPr>
-              <a:t>Admin manages system data</a:t>
-            </a:r>
-          </a:p>
-          <a:p>
-            <a:pPr>
-              <a:buFont typeface="Wingdings" charset="2"/>
-              <a:buChar char="Ø"/>
-            </a:pPr>
-            <a:r>
-              <a:rPr lang="en-US" sz="2600" smtClean="0">
-                <a:solidFill>
-                  <a:schemeClr val="tx1"/>
-                </a:solidFill>
-              </a:rPr>
-              <a:t>Admin </a:t>
-            </a:r>
-            <a:r>
-              <a:rPr lang="en-US" sz="2600" dirty="0">
-                <a:solidFill>
-                  <a:schemeClr val="tx1"/>
-                </a:solidFill>
-              </a:rPr>
-              <a:t>views all claims in the system for each years</a:t>
-            </a:r>
-          </a:p>
-          <a:p>
-            <a:pPr>
-              <a:buFont typeface="Wingdings" charset="2"/>
-              <a:buChar char="Ø"/>
-            </a:pPr>
-            <a:r>
-              <a:rPr lang="en-US" sz="2600" dirty="0">
-                <a:solidFill>
-                  <a:schemeClr val="tx1"/>
-                </a:solidFill>
-              </a:rPr>
-              <a:t>Admin views items of assessment</a:t>
-            </a:r>
-          </a:p>
-          <a:p>
-            <a:pPr>
-              <a:buFont typeface="Wingdings" charset="2"/>
-              <a:buChar char="Ø"/>
-            </a:pPr>
-            <a:r>
-              <a:rPr lang="en-US" sz="2600" dirty="0">
-                <a:solidFill>
-                  <a:schemeClr val="tx1"/>
-                </a:solidFill>
-              </a:rPr>
-              <a:t>Admin sets up closure date of </a:t>
-            </a:r>
-            <a:r>
-              <a:rPr lang="en-US" sz="2600" dirty="0" smtClean="0">
-                <a:solidFill>
-                  <a:schemeClr val="tx1"/>
-                </a:solidFill>
-              </a:rPr>
-              <a:t>claims</a:t>
-            </a:r>
-            <a:endParaRPr lang="en-US" sz="2600" dirty="0">
-              <a:solidFill>
-                <a:schemeClr val="tx1"/>
-              </a:solidFill>
-            </a:endParaRPr>
-          </a:p>
-          <a:p>
-            <a:pPr>
-              <a:buFont typeface="Wingdings" charset="2"/>
-              <a:buChar char="Ø"/>
-            </a:pPr>
-            <a:r>
-              <a:rPr lang="en-US" sz="2600" dirty="0">
-                <a:solidFill>
-                  <a:schemeClr val="tx1"/>
-                </a:solidFill>
-              </a:rPr>
-              <a:t>Admin sets up closure date of </a:t>
-            </a:r>
-            <a:r>
-              <a:rPr lang="en-US" sz="2600" dirty="0" smtClean="0">
-                <a:solidFill>
-                  <a:schemeClr val="tx1"/>
-                </a:solidFill>
-              </a:rPr>
-              <a:t>items</a:t>
-            </a:r>
-          </a:p>
-          <a:p>
-            <a:pPr>
-              <a:buFont typeface="Wingdings" charset="2"/>
-              <a:buChar char="Ø"/>
-            </a:pPr>
-            <a:r>
-              <a:rPr lang="en-US" sz="2600" dirty="0" smtClean="0">
-                <a:solidFill>
-                  <a:schemeClr val="tx1"/>
-                </a:solidFill>
-              </a:rPr>
-              <a:t>User accesses website online</a:t>
-            </a:r>
-            <a:endParaRPr lang="en-US" sz="2600" dirty="0">
-              <a:solidFill>
-                <a:schemeClr val="tx1"/>
-              </a:solidFill>
-            </a:endParaRPr>
-          </a:p>
-          <a:p>
-            <a:pPr>
-              <a:buFont typeface="Wingdings" charset="2"/>
-              <a:buChar char="Ø"/>
-            </a:pPr>
-            <a:endParaRPr lang="en-US" dirty="0" smtClean="0"/>
-          </a:p>
-          <a:p>
-            <a:pPr>
-              <a:buFont typeface="Wingdings" charset="2"/>
-              <a:buChar char="Ø"/>
-            </a:pPr>
-            <a:endParaRPr lang="en-US" dirty="0"/>
-          </a:p>
-        </p:txBody>
-      </p:sp>
+        </p:nvPicPr>
+        <p:blipFill>
+          <a:blip r:embed="rId3">
+            <a:extLst>
+              <a:ext uri="{28A0092B-C50C-407E-A947-70E740481C1C}">
+                <a14:useLocalDpi xmlns:a14="http://schemas.microsoft.com/office/drawing/2010/main" val="0"/>
+              </a:ext>
+            </a:extLst>
+          </a:blip>
+          <a:stretch>
+            <a:fillRect/>
+          </a:stretch>
+        </p:blipFill>
+        <p:spPr>
+          <a:xfrm>
+            <a:off x="1097280" y="1922466"/>
+            <a:ext cx="10058400" cy="3355968"/>
+          </a:xfrm>
+        </p:spPr>
+      </p:pic>
     </p:spTree>
     <p:extLst>
       <p:ext uri="{BB962C8B-B14F-4D97-AF65-F5344CB8AC3E}">
-        <p14:creationId xmlns:p14="http://schemas.microsoft.com/office/powerpoint/2010/main" val="1963626366"/>
+        <p14:creationId xmlns:p14="http://schemas.microsoft.com/office/powerpoint/2010/main" val="3298940"/>
       </p:ext>
     </p:extLst>
   </p:cSld>
   <p:clrMapOvr>
     <a:masterClrMapping/>
   </p:clrMapOvr>
+  <p:timing>
+    <p:tnLst>
+      <p:par>
+        <p:cTn id="1" dur="indefinite" restart="never" nodeType="tmRoot"/>
+      </p:par>
+    </p:tnLst>
+  </p:timing>
 </p:sld>
 </file>
 
@@ -6034,87 +6870,130 @@
           <a:lstStyle/>
           <a:p>
             <a:r>
+              <a:rPr lang="en-US" dirty="0"/>
+              <a:t>Product </a:t>
+            </a:r>
+            <a:r>
               <a:rPr lang="en-US" dirty="0" smtClean="0"/>
-              <a:t>Demo 2: data validation (form)</a:t>
-            </a:r>
-            <a:endParaRPr lang="en-US" dirty="0"/>
-          </a:p>
-        </p:txBody>
-      </p:sp>
-      <p:sp>
-        <p:nvSpPr>
-          <p:cNvPr id="3" name="Content Placeholder 2"/>
-          <p:cNvSpPr>
-            <a:spLocks noGrp="1"/>
-          </p:cNvSpPr>
+              <a:t>Backlog (</a:t>
+            </a:r>
+            <a:r>
+              <a:rPr lang="en-US" dirty="0" err="1" smtClean="0"/>
+              <a:t>cont</a:t>
+            </a:r>
+            <a:r>
+              <a:rPr lang="en-US" dirty="0"/>
+              <a:t>)</a:t>
+            </a:r>
+          </a:p>
+        </p:txBody>
+      </p:sp>
+      <p:pic>
+        <p:nvPicPr>
+          <p:cNvPr id="4" name="Content Placeholder 3"/>
+          <p:cNvPicPr>
+            <a:picLocks noGrp="1" noChangeAspect="1"/>
+          </p:cNvPicPr>
           <p:nvPr>
             <p:ph idx="1"/>
           </p:nvPr>
-        </p:nvSpPr>
-        <p:spPr/>
-        <p:txBody>
-          <a:bodyPr/>
-          <a:lstStyle/>
-          <a:p>
-            <a:pPr>
-              <a:buFont typeface="Wingdings" charset="2"/>
-              <a:buChar char="Ø"/>
-            </a:pPr>
-            <a:r>
-              <a:rPr lang="en-US" sz="3000" dirty="0"/>
-              <a:t>Text </a:t>
-            </a:r>
-            <a:r>
-              <a:rPr lang="en-US" sz="3000" dirty="0" smtClean="0"/>
-              <a:t>validation (title, content, name, username, code</a:t>
-            </a:r>
-            <a:r>
-              <a:rPr lang="mr-IN" sz="3000" dirty="0" smtClean="0"/>
-              <a:t>…</a:t>
-            </a:r>
-            <a:r>
-              <a:rPr lang="en-US" sz="3000" dirty="0" smtClean="0"/>
-              <a:t>)</a:t>
-            </a:r>
-            <a:endParaRPr lang="en-US" sz="3000" dirty="0"/>
-          </a:p>
-          <a:p>
-            <a:pPr>
-              <a:buFont typeface="Wingdings" charset="2"/>
-              <a:buChar char="Ø"/>
-            </a:pPr>
-            <a:r>
-              <a:rPr lang="en-US" sz="3000" dirty="0"/>
-              <a:t>Date </a:t>
-            </a:r>
-            <a:r>
-              <a:rPr lang="en-US" sz="3000" dirty="0" smtClean="0"/>
-              <a:t>validation (closure date)</a:t>
-            </a:r>
-          </a:p>
-          <a:p>
-            <a:pPr>
-              <a:buFont typeface="Wingdings" charset="2"/>
-              <a:buChar char="Ø"/>
-            </a:pPr>
-            <a:r>
-              <a:rPr lang="en-US" sz="3000" dirty="0" smtClean="0"/>
-              <a:t>File validation (upload file)</a:t>
-            </a:r>
-            <a:endParaRPr lang="en-US" sz="3000" dirty="0"/>
-          </a:p>
-        </p:txBody>
-      </p:sp>
+        </p:nvPicPr>
+        <p:blipFill>
+          <a:blip r:embed="rId2">
+            <a:extLst>
+              <a:ext uri="{28A0092B-C50C-407E-A947-70E740481C1C}">
+                <a14:useLocalDpi xmlns:a14="http://schemas.microsoft.com/office/drawing/2010/main" val="0"/>
+              </a:ext>
+            </a:extLst>
+          </a:blip>
+          <a:stretch>
+            <a:fillRect/>
+          </a:stretch>
+        </p:blipFill>
+        <p:spPr>
+          <a:xfrm>
+            <a:off x="1249726" y="2057903"/>
+            <a:ext cx="5363323" cy="990738"/>
+          </a:xfrm>
+        </p:spPr>
+      </p:pic>
+      <p:pic>
+        <p:nvPicPr>
+          <p:cNvPr id="5" name="Picture 4"/>
+          <p:cNvPicPr>
+            <a:picLocks noChangeAspect="1"/>
+          </p:cNvPicPr>
+          <p:nvPr/>
+        </p:nvPicPr>
+        <p:blipFill>
+          <a:blip r:embed="rId3">
+            <a:extLst>
+              <a:ext uri="{28A0092B-C50C-407E-A947-70E740481C1C}">
+                <a14:useLocalDpi xmlns:a14="http://schemas.microsoft.com/office/drawing/2010/main" val="0"/>
+              </a:ext>
+            </a:extLst>
+          </a:blip>
+          <a:stretch>
+            <a:fillRect/>
+          </a:stretch>
+        </p:blipFill>
+        <p:spPr>
+          <a:xfrm>
+            <a:off x="1249726" y="4017698"/>
+            <a:ext cx="5896798" cy="647790"/>
+          </a:xfrm>
+          <a:prstGeom prst="rect">
+            <a:avLst/>
+          </a:prstGeom>
+        </p:spPr>
+      </p:pic>
+      <p:pic>
+        <p:nvPicPr>
+          <p:cNvPr id="6" name="Picture 5"/>
+          <p:cNvPicPr>
+            <a:picLocks noChangeAspect="1"/>
+          </p:cNvPicPr>
+          <p:nvPr/>
+        </p:nvPicPr>
+        <p:blipFill>
+          <a:blip r:embed="rId4">
+            <a:extLst>
+              <a:ext uri="{28A0092B-C50C-407E-A947-70E740481C1C}">
+                <a14:useLocalDpi xmlns:a14="http://schemas.microsoft.com/office/drawing/2010/main" val="0"/>
+              </a:ext>
+            </a:extLst>
+          </a:blip>
+          <a:stretch>
+            <a:fillRect/>
+          </a:stretch>
+        </p:blipFill>
+        <p:spPr>
+          <a:xfrm>
+            <a:off x="1249726" y="3048641"/>
+            <a:ext cx="4686954" cy="952633"/>
+          </a:xfrm>
+          <a:prstGeom prst="rect">
+            <a:avLst/>
+          </a:prstGeom>
+        </p:spPr>
+      </p:pic>
     </p:spTree>
     <p:extLst>
       <p:ext uri="{BB962C8B-B14F-4D97-AF65-F5344CB8AC3E}">
-        <p14:creationId xmlns:p14="http://schemas.microsoft.com/office/powerpoint/2010/main" val="756852199"/>
+        <p14:creationId xmlns:p14="http://schemas.microsoft.com/office/powerpoint/2010/main" val="581575115"/>
       </p:ext>
     </p:extLst>
   </p:cSld>
   <p:clrMapOvr>
     <a:masterClrMapping/>
   </p:clrMapOvr>
+  <p:timing>
+    <p:tnLst>
+      <p:par>
+        <p:cTn id="1" dur="indefinite" restart="never" nodeType="tmRoot"/>
+      </p:par>
+    </p:tnLst>
+  </p:timing>
 </p:sld>
 </file>
 
@@ -6152,100 +7031,58 @@
           <a:p>
             <a:r>
               <a:rPr lang="en-US" dirty="0" smtClean="0"/>
-              <a:t>Demo 3: date-time relations </a:t>
+              <a:t>Sprint 1</a:t>
             </a:r>
             <a:endParaRPr lang="en-US" dirty="0"/>
           </a:p>
         </p:txBody>
       </p:sp>
-      <p:sp>
-        <p:nvSpPr>
-          <p:cNvPr id="3" name="Content Placeholder 2"/>
-          <p:cNvSpPr>
-            <a:spLocks noGrp="1"/>
-          </p:cNvSpPr>
+      <p:pic>
+        <p:nvPicPr>
+          <p:cNvPr id="4" name="Content Placeholder 3"/>
+          <p:cNvPicPr>
+            <a:picLocks noGrp="1" noChangeAspect="1"/>
+          </p:cNvPicPr>
           <p:nvPr>
             <p:ph idx="1"/>
           </p:nvPr>
-        </p:nvSpPr>
-        <p:spPr/>
-        <p:txBody>
-          <a:bodyPr/>
-          <a:lstStyle/>
-          <a:p>
-            <a:pPr>
-              <a:buFont typeface="Wingdings" charset="2"/>
-              <a:buChar char="Ø"/>
-            </a:pPr>
-            <a:r>
-              <a:rPr lang="en-US" sz="2800" dirty="0" smtClean="0"/>
-              <a:t>Date of claim submissions</a:t>
-            </a:r>
-          </a:p>
-          <a:p>
-            <a:pPr>
-              <a:buFont typeface="Wingdings" charset="2"/>
-              <a:buChar char="Ø"/>
-            </a:pPr>
-            <a:r>
-              <a:rPr lang="en-US" sz="2800" dirty="0" smtClean="0"/>
-              <a:t>Date of evidence submissions</a:t>
-            </a:r>
-          </a:p>
-          <a:p>
-            <a:pPr>
-              <a:buFont typeface="Wingdings" charset="2"/>
-              <a:buChar char="Ø"/>
-            </a:pPr>
-            <a:r>
-              <a:rPr lang="en-US" sz="2800" dirty="0" smtClean="0"/>
-              <a:t>Closure date of claims</a:t>
-            </a:r>
-          </a:p>
-          <a:p>
-            <a:pPr>
-              <a:buFont typeface="Wingdings" charset="2"/>
-              <a:buChar char="Ø"/>
-            </a:pPr>
-            <a:r>
-              <a:rPr lang="en-US" sz="2800" dirty="0"/>
-              <a:t>Closure date of </a:t>
-            </a:r>
-            <a:r>
-              <a:rPr lang="en-US" sz="2800" dirty="0" smtClean="0"/>
-              <a:t>items</a:t>
-            </a:r>
-          </a:p>
-          <a:p>
-            <a:pPr>
-              <a:buFont typeface="Wingdings" charset="2"/>
-              <a:buChar char="Ø"/>
-            </a:pPr>
-            <a:r>
-              <a:rPr lang="en-US" sz="2800" dirty="0" smtClean="0"/>
-              <a:t>Processed date of claims</a:t>
-            </a:r>
-            <a:endParaRPr lang="en-US" sz="2800" dirty="0"/>
-          </a:p>
-          <a:p>
-            <a:pPr>
-              <a:buFont typeface="Wingdings" charset="2"/>
-              <a:buChar char="Ø"/>
-            </a:pPr>
-            <a:endParaRPr lang="en-US" dirty="0"/>
-          </a:p>
-        </p:txBody>
-      </p:sp>
+        </p:nvPicPr>
+        <p:blipFill>
+          <a:blip r:embed="rId2">
+            <a:extLst>
+              <a:ext uri="{28A0092B-C50C-407E-A947-70E740481C1C}">
+                <a14:useLocalDpi xmlns:a14="http://schemas.microsoft.com/office/drawing/2010/main" val="0"/>
+              </a:ext>
+            </a:extLst>
+          </a:blip>
+          <a:stretch>
+            <a:fillRect/>
+          </a:stretch>
+        </p:blipFill>
+        <p:spPr>
+          <a:xfrm>
+            <a:off x="1584009" y="1804035"/>
+            <a:ext cx="9084942" cy="4403791"/>
+          </a:xfrm>
+        </p:spPr>
+      </p:pic>
     </p:spTree>
     <p:extLst>
       <p:ext uri="{BB962C8B-B14F-4D97-AF65-F5344CB8AC3E}">
-        <p14:creationId xmlns:p14="http://schemas.microsoft.com/office/powerpoint/2010/main" val="132336000"/>
+        <p14:creationId xmlns:p14="http://schemas.microsoft.com/office/powerpoint/2010/main" val="1334880308"/>
       </p:ext>
     </p:extLst>
   </p:cSld>
   <p:clrMapOvr>
     <a:masterClrMapping/>
   </p:clrMapOvr>
+  <p:timing>
+    <p:tnLst>
+      <p:par>
+        <p:cTn id="1" dur="indefinite" restart="never" nodeType="tmRoot"/>
+      </p:par>
+    </p:tnLst>
+  </p:timing>
 </p:sld>
 </file>
 
@@ -6283,90 +7120,58 @@
           <a:p>
             <a:r>
               <a:rPr lang="en-US" dirty="0" smtClean="0"/>
-              <a:t>Demo 4: authorization</a:t>
+              <a:t>Sprint 2</a:t>
             </a:r>
             <a:endParaRPr lang="en-US" dirty="0"/>
           </a:p>
         </p:txBody>
       </p:sp>
-      <p:sp>
-        <p:nvSpPr>
-          <p:cNvPr id="3" name="Content Placeholder 2"/>
-          <p:cNvSpPr>
-            <a:spLocks noGrp="1"/>
-          </p:cNvSpPr>
+      <p:pic>
+        <p:nvPicPr>
+          <p:cNvPr id="4" name="Content Placeholder 3"/>
+          <p:cNvPicPr>
+            <a:picLocks noGrp="1" noChangeAspect="1"/>
+          </p:cNvPicPr>
           <p:nvPr>
             <p:ph idx="1"/>
           </p:nvPr>
-        </p:nvSpPr>
-        <p:spPr/>
-        <p:txBody>
-          <a:bodyPr/>
-          <a:lstStyle/>
-          <a:p>
-            <a:pPr>
-              <a:buFont typeface="Wingdings" charset="2"/>
-              <a:buChar char="Ø"/>
-            </a:pPr>
-            <a:r>
-              <a:rPr lang="en-US" sz="2800" dirty="0" smtClean="0"/>
-              <a:t>List all system roles or authorities</a:t>
-            </a:r>
-          </a:p>
-          <a:p>
-            <a:pPr>
-              <a:buFont typeface="Wingdings" charset="2"/>
-              <a:buChar char="Ø"/>
-            </a:pPr>
-            <a:r>
-              <a:rPr lang="en-US" sz="2800" dirty="0" smtClean="0"/>
-              <a:t>Authorized areas of each role</a:t>
-            </a:r>
-          </a:p>
-          <a:p>
-            <a:pPr>
-              <a:buFont typeface="Wingdings" charset="2"/>
-              <a:buChar char="Ø"/>
-            </a:pPr>
-            <a:r>
-              <a:rPr lang="en-US" sz="2800" dirty="0" smtClean="0"/>
-              <a:t>Reponses unauthorized messages</a:t>
-            </a:r>
-          </a:p>
-          <a:p>
-            <a:pPr>
-              <a:buFont typeface="Wingdings" charset="2"/>
-              <a:buChar char="Ø"/>
-            </a:pPr>
-            <a:r>
-              <a:rPr lang="en-US" sz="2800" dirty="0"/>
-              <a:t>Reponses </a:t>
-            </a:r>
-            <a:r>
-              <a:rPr lang="en-US" sz="2800" dirty="0" smtClean="0"/>
-              <a:t>not found messages</a:t>
-            </a:r>
-            <a:endParaRPr lang="en-US" sz="2800" dirty="0"/>
-          </a:p>
-          <a:p>
-            <a:pPr>
-              <a:buFont typeface="Wingdings" charset="2"/>
-              <a:buChar char="Ø"/>
-            </a:pPr>
-            <a:endParaRPr lang="en-US" dirty="0"/>
-          </a:p>
-        </p:txBody>
-      </p:sp>
+        </p:nvPicPr>
+        <p:blipFill>
+          <a:blip r:embed="rId2">
+            <a:extLst>
+              <a:ext uri="{28A0092B-C50C-407E-A947-70E740481C1C}">
+                <a14:useLocalDpi xmlns:a14="http://schemas.microsoft.com/office/drawing/2010/main" val="0"/>
+              </a:ext>
+            </a:extLst>
+          </a:blip>
+          <a:stretch>
+            <a:fillRect/>
+          </a:stretch>
+        </p:blipFill>
+        <p:spPr>
+          <a:xfrm>
+            <a:off x="1097280" y="1875638"/>
+            <a:ext cx="10058400" cy="3144825"/>
+          </a:xfrm>
+        </p:spPr>
+      </p:pic>
     </p:spTree>
     <p:extLst>
       <p:ext uri="{BB962C8B-B14F-4D97-AF65-F5344CB8AC3E}">
-        <p14:creationId xmlns:p14="http://schemas.microsoft.com/office/powerpoint/2010/main" val="1495225163"/>
+        <p14:creationId xmlns:p14="http://schemas.microsoft.com/office/powerpoint/2010/main" val="571676347"/>
       </p:ext>
     </p:extLst>
   </p:cSld>
   <p:clrMapOvr>
     <a:masterClrMapping/>
   </p:clrMapOvr>
+  <p:timing>
+    <p:tnLst>
+      <p:par>
+        <p:cTn id="1" dur="indefinite" restart="never" nodeType="tmRoot"/>
+      </p:par>
+    </p:tnLst>
+  </p:timing>
 </p:sld>
 </file>
 
@@ -6748,95 +7553,53 @@
           <a:p>
             <a:r>
               <a:rPr lang="en-US" dirty="0" smtClean="0"/>
-              <a:t>Demo 5: system reports </a:t>
+              <a:t>Sprint 2 (</a:t>
+            </a:r>
+            <a:r>
+              <a:rPr lang="en-US" dirty="0" err="1" smtClean="0"/>
+              <a:t>cont</a:t>
+            </a:r>
+            <a:r>
+              <a:rPr lang="en-US" dirty="0" smtClean="0"/>
+              <a:t>)</a:t>
             </a:r>
             <a:endParaRPr lang="en-US" dirty="0"/>
           </a:p>
         </p:txBody>
       </p:sp>
-      <p:sp>
-        <p:nvSpPr>
-          <p:cNvPr id="3" name="Content Placeholder 2"/>
-          <p:cNvSpPr>
-            <a:spLocks noGrp="1"/>
-          </p:cNvSpPr>
+      <p:pic>
+        <p:nvPicPr>
+          <p:cNvPr id="4" name="Content Placeholder 3"/>
+          <p:cNvPicPr>
+            <a:picLocks noGrp="1" noChangeAspect="1"/>
+          </p:cNvPicPr>
           <p:nvPr>
             <p:ph idx="1"/>
           </p:nvPr>
-        </p:nvSpPr>
-        <p:spPr/>
-        <p:txBody>
-          <a:bodyPr>
-            <a:normAutofit/>
-          </a:bodyPr>
-          <a:lstStyle/>
-          <a:p>
-            <a:pPr>
-              <a:buFont typeface="Wingdings" charset="2"/>
-              <a:buChar char="Ø"/>
-            </a:pPr>
-            <a:r>
-              <a:rPr lang="en-US" sz="2800" dirty="0" smtClean="0"/>
-              <a:t>Claims per year</a:t>
-            </a:r>
-          </a:p>
-          <a:p>
-            <a:pPr>
-              <a:buFont typeface="Wingdings" charset="2"/>
-              <a:buChar char="Ø"/>
-            </a:pPr>
-            <a:r>
-              <a:rPr lang="en-US" sz="2800" dirty="0" smtClean="0"/>
-              <a:t>Claims per faculty</a:t>
-            </a:r>
-          </a:p>
-          <a:p>
-            <a:pPr>
-              <a:buFont typeface="Wingdings" charset="2"/>
-              <a:buChar char="Ø"/>
-            </a:pPr>
-            <a:r>
-              <a:rPr lang="en-US" sz="2800" dirty="0" smtClean="0"/>
-              <a:t>Processed claims per year</a:t>
-            </a:r>
-          </a:p>
-          <a:p>
-            <a:pPr>
-              <a:buFont typeface="Wingdings" charset="2"/>
-              <a:buChar char="Ø"/>
-            </a:pPr>
-            <a:r>
-              <a:rPr lang="en-US" sz="2800" dirty="0" smtClean="0"/>
-              <a:t>Claims per circumstance</a:t>
-            </a:r>
-          </a:p>
-          <a:p>
-            <a:pPr>
-              <a:buFont typeface="Wingdings" charset="2"/>
-              <a:buChar char="Ø"/>
-            </a:pPr>
-            <a:r>
-              <a:rPr lang="en-US" sz="2800" dirty="0" smtClean="0"/>
-              <a:t>Claims per validation</a:t>
-            </a:r>
-          </a:p>
-          <a:p>
-            <a:pPr>
-              <a:buFont typeface="Wingdings" charset="2"/>
-              <a:buChar char="Ø"/>
-            </a:pPr>
-            <a:r>
-              <a:rPr lang="en-US" sz="2800" dirty="0" smtClean="0"/>
-              <a:t>Custom claim reports</a:t>
-            </a:r>
-            <a:endParaRPr lang="en-US" sz="2800" dirty="0"/>
-          </a:p>
-        </p:txBody>
-      </p:sp>
+        </p:nvPicPr>
+        <p:blipFill>
+          <a:blip r:embed="rId2">
+            <a:extLst>
+              <a:ext uri="{28A0092B-C50C-407E-A947-70E740481C1C}">
+                <a14:useLocalDpi xmlns:a14="http://schemas.microsoft.com/office/drawing/2010/main" val="0"/>
+              </a:ext>
+            </a:extLst>
+          </a:blip>
+          <a:stretch>
+            <a:fillRect/>
+          </a:stretch>
+        </p:blipFill>
+        <p:spPr>
+          <a:xfrm>
+            <a:off x="1391918" y="1813560"/>
+            <a:ext cx="9469124" cy="4476960"/>
+          </a:xfrm>
+        </p:spPr>
+      </p:pic>
     </p:spTree>
     <p:extLst>
       <p:ext uri="{BB962C8B-B14F-4D97-AF65-F5344CB8AC3E}">
-        <p14:creationId xmlns:p14="http://schemas.microsoft.com/office/powerpoint/2010/main" val="1496077575"/>
+        <p14:creationId xmlns:p14="http://schemas.microsoft.com/office/powerpoint/2010/main" val="322527351"/>
       </p:ext>
     </p:extLst>
   </p:cSld>
@@ -6885,91 +7648,816 @@
           <a:bodyPr/>
           <a:lstStyle/>
           <a:p>
-            <a:pPr algn="ctr"/>
-            <a:r>
-              <a:rPr lang="en-US" b="1" dirty="0" err="1" smtClean="0"/>
-              <a:t>ECManagement</a:t>
-            </a:r>
-            <a:r>
-              <a:rPr lang="en-US" b="1" dirty="0" smtClean="0"/>
-              <a:t> System</a:t>
-            </a:r>
-            <a:endParaRPr lang="en-US" b="1" dirty="0"/>
-          </a:p>
-        </p:txBody>
-      </p:sp>
-      <p:sp>
-        <p:nvSpPr>
-          <p:cNvPr id="3" name="Content Placeholder 2"/>
-          <p:cNvSpPr>
-            <a:spLocks noGrp="1"/>
-          </p:cNvSpPr>
+            <a:r>
+              <a:rPr lang="en-US" dirty="0"/>
+              <a:t>Sprint 2 (</a:t>
+            </a:r>
+            <a:r>
+              <a:rPr lang="en-US" dirty="0" err="1"/>
+              <a:t>cont</a:t>
+            </a:r>
+            <a:r>
+              <a:rPr lang="en-US" dirty="0"/>
+              <a:t>)</a:t>
+            </a:r>
+          </a:p>
+        </p:txBody>
+      </p:sp>
+      <p:pic>
+        <p:nvPicPr>
+          <p:cNvPr id="4" name="Content Placeholder 3"/>
+          <p:cNvPicPr>
+            <a:picLocks noGrp="1" noChangeAspect="1"/>
+          </p:cNvPicPr>
           <p:nvPr>
             <p:ph idx="1"/>
           </p:nvPr>
-        </p:nvSpPr>
-        <p:spPr/>
-        <p:txBody>
-          <a:bodyPr/>
-          <a:lstStyle/>
-          <a:p>
-            <a:pPr algn="ctr"/>
-            <a:endParaRPr lang="en-US" dirty="0" smtClean="0">
-              <a:hlinkClick r:id="rId2"/>
-            </a:endParaRPr>
-          </a:p>
-          <a:p>
-            <a:pPr algn="ctr"/>
-            <a:r>
-              <a:rPr lang="en-US" sz="2800" dirty="0" smtClean="0"/>
-              <a:t>Website: </a:t>
-            </a:r>
-            <a:r>
-              <a:rPr lang="en-US" sz="2800" dirty="0">
-                <a:hlinkClick r:id="rId2"/>
-              </a:rPr>
-              <a:t>http://ecmsystem.ga/</a:t>
-            </a:r>
-            <a:r>
-              <a:rPr lang="en-US" sz="2800" dirty="0"/>
-              <a:t> </a:t>
-            </a:r>
-          </a:p>
-          <a:p>
-            <a:pPr algn="ctr"/>
-            <a:endParaRPr lang="en-US" sz="2800" dirty="0" smtClean="0"/>
-          </a:p>
-          <a:p>
-            <a:pPr algn="ctr"/>
-            <a:r>
-              <a:rPr lang="en-US" sz="2800" dirty="0" smtClean="0"/>
-              <a:t>Screencast: </a:t>
-            </a:r>
-            <a:r>
-              <a:rPr lang="en-US" sz="2800" dirty="0">
-                <a:hlinkClick r:id="rId3"/>
-              </a:rPr>
-              <a:t>http://rebrand.ly/ewsd_g2_cw_kaka</a:t>
-            </a:r>
-            <a:r>
-              <a:rPr lang="en-US" sz="2800" dirty="0"/>
-              <a:t> </a:t>
-            </a:r>
-            <a:br>
-              <a:rPr lang="en-US" sz="2800" dirty="0"/>
-            </a:br>
-            <a:endParaRPr lang="en-US" sz="2800" dirty="0"/>
-          </a:p>
-          <a:p>
-            <a:pPr algn="ctr"/>
-            <a:endParaRPr lang="en-US" sz="2800" dirty="0"/>
-          </a:p>
-        </p:txBody>
-      </p:sp>
+        </p:nvPicPr>
+        <p:blipFill>
+          <a:blip r:embed="rId2">
+            <a:extLst>
+              <a:ext uri="{28A0092B-C50C-407E-A947-70E740481C1C}">
+                <a14:useLocalDpi xmlns:a14="http://schemas.microsoft.com/office/drawing/2010/main" val="0"/>
+              </a:ext>
+            </a:extLst>
+          </a:blip>
+          <a:stretch>
+            <a:fillRect/>
+          </a:stretch>
+        </p:blipFill>
+        <p:spPr>
+          <a:xfrm>
+            <a:off x="1773924" y="1846263"/>
+            <a:ext cx="8705111" cy="4208827"/>
+          </a:xfrm>
+        </p:spPr>
+      </p:pic>
     </p:spTree>
     <p:extLst>
       <p:ext uri="{BB962C8B-B14F-4D97-AF65-F5344CB8AC3E}">
-        <p14:creationId xmlns:p14="http://schemas.microsoft.com/office/powerpoint/2010/main" val="401412654"/>
+        <p14:creationId xmlns:p14="http://schemas.microsoft.com/office/powerpoint/2010/main" val="468463229"/>
+      </p:ext>
+    </p:extLst>
+  </p:cSld>
+  <p:clrMapOvr>
+    <a:masterClrMapping/>
+  </p:clrMapOvr>
+  <p:timing>
+    <p:tnLst>
+      <p:par>
+        <p:cTn id="1" dur="indefinite" restart="never" nodeType="tmRoot"/>
+      </p:par>
+    </p:tnLst>
+  </p:timing>
+</p:sld>
+</file>
+
+<file path=ppt/slides/slide22.xml><?xml version="1.0" encoding="utf-8"?>
+<p:sld xmlns:a="http://schemas.openxmlformats.org/drawingml/2006/main" xmlns:r="http://schemas.openxmlformats.org/officeDocument/2006/relationships" xmlns:p="http://schemas.openxmlformats.org/presentationml/2006/main">
+  <p:cSld>
+    <p:spTree>
+      <p:nvGrpSpPr>
+        <p:cNvPr id="1" name=""/>
+        <p:cNvGrpSpPr/>
+        <p:nvPr/>
+      </p:nvGrpSpPr>
+      <p:grpSpPr>
+        <a:xfrm>
+          <a:off x="0" y="0"/>
+          <a:ext cx="0" cy="0"/>
+          <a:chOff x="0" y="0"/>
+          <a:chExt cx="0" cy="0"/>
+        </a:xfrm>
+      </p:grpSpPr>
+      <p:sp>
+        <p:nvSpPr>
+          <p:cNvPr id="2" name="Title 1"/>
+          <p:cNvSpPr>
+            <a:spLocks noGrp="1"/>
+          </p:cNvSpPr>
+          <p:nvPr>
+            <p:ph type="title"/>
+          </p:nvPr>
+        </p:nvSpPr>
+        <p:spPr/>
+        <p:txBody>
+          <a:bodyPr/>
+          <a:lstStyle/>
+          <a:p>
+            <a:r>
+              <a:rPr lang="en-US" dirty="0"/>
+              <a:t>Sprint 2 (</a:t>
+            </a:r>
+            <a:r>
+              <a:rPr lang="en-US" dirty="0" err="1"/>
+              <a:t>cont</a:t>
+            </a:r>
+            <a:r>
+              <a:rPr lang="en-US" dirty="0"/>
+              <a:t>)</a:t>
+            </a:r>
+          </a:p>
+        </p:txBody>
+      </p:sp>
+      <p:pic>
+        <p:nvPicPr>
+          <p:cNvPr id="4" name="Content Placeholder 3"/>
+          <p:cNvPicPr>
+            <a:picLocks noGrp="1" noChangeAspect="1"/>
+          </p:cNvPicPr>
+          <p:nvPr>
+            <p:ph idx="1"/>
+          </p:nvPr>
+        </p:nvPicPr>
+        <p:blipFill>
+          <a:blip r:embed="rId2">
+            <a:extLst>
+              <a:ext uri="{28A0092B-C50C-407E-A947-70E740481C1C}">
+                <a14:useLocalDpi xmlns:a14="http://schemas.microsoft.com/office/drawing/2010/main" val="0"/>
+              </a:ext>
+            </a:extLst>
+          </a:blip>
+          <a:stretch>
+            <a:fillRect/>
+          </a:stretch>
+        </p:blipFill>
+        <p:spPr>
+          <a:xfrm>
+            <a:off x="1096963" y="2081607"/>
+            <a:ext cx="10058400" cy="2199487"/>
+          </a:xfrm>
+        </p:spPr>
+      </p:pic>
+    </p:spTree>
+    <p:extLst>
+      <p:ext uri="{BB962C8B-B14F-4D97-AF65-F5344CB8AC3E}">
+        <p14:creationId xmlns:p14="http://schemas.microsoft.com/office/powerpoint/2010/main" val="786439901"/>
+      </p:ext>
+    </p:extLst>
+  </p:cSld>
+  <p:clrMapOvr>
+    <a:masterClrMapping/>
+  </p:clrMapOvr>
+  <p:timing>
+    <p:tnLst>
+      <p:par>
+        <p:cTn id="1" dur="indefinite" restart="never" nodeType="tmRoot"/>
+      </p:par>
+    </p:tnLst>
+  </p:timing>
+</p:sld>
+</file>
+
+<file path=ppt/slides/slide23.xml><?xml version="1.0" encoding="utf-8"?>
+<p:sld xmlns:a="http://schemas.openxmlformats.org/drawingml/2006/main" xmlns:r="http://schemas.openxmlformats.org/officeDocument/2006/relationships" xmlns:p="http://schemas.openxmlformats.org/presentationml/2006/main">
+  <p:cSld>
+    <p:spTree>
+      <p:nvGrpSpPr>
+        <p:cNvPr id="1" name=""/>
+        <p:cNvGrpSpPr/>
+        <p:nvPr/>
+      </p:nvGrpSpPr>
+      <p:grpSpPr>
+        <a:xfrm>
+          <a:off x="0" y="0"/>
+          <a:ext cx="0" cy="0"/>
+          <a:chOff x="0" y="0"/>
+          <a:chExt cx="0" cy="0"/>
+        </a:xfrm>
+      </p:grpSpPr>
+      <p:sp>
+        <p:nvSpPr>
+          <p:cNvPr id="2" name="Title 1"/>
+          <p:cNvSpPr>
+            <a:spLocks noGrp="1"/>
+          </p:cNvSpPr>
+          <p:nvPr>
+            <p:ph type="title"/>
+          </p:nvPr>
+        </p:nvSpPr>
+        <p:spPr/>
+        <p:txBody>
+          <a:bodyPr/>
+          <a:lstStyle/>
+          <a:p>
+            <a:r>
+              <a:rPr lang="en-US" dirty="0"/>
+              <a:t>Sprint 3</a:t>
+            </a:r>
+          </a:p>
+        </p:txBody>
+      </p:sp>
+      <p:pic>
+        <p:nvPicPr>
+          <p:cNvPr id="4" name="Content Placeholder 3"/>
+          <p:cNvPicPr>
+            <a:picLocks noGrp="1" noChangeAspect="1"/>
+          </p:cNvPicPr>
+          <p:nvPr>
+            <p:ph idx="1"/>
+          </p:nvPr>
+        </p:nvPicPr>
+        <p:blipFill>
+          <a:blip r:embed="rId2">
+            <a:extLst>
+              <a:ext uri="{28A0092B-C50C-407E-A947-70E740481C1C}">
+                <a14:useLocalDpi xmlns:a14="http://schemas.microsoft.com/office/drawing/2010/main" val="0"/>
+              </a:ext>
+            </a:extLst>
+          </a:blip>
+          <a:stretch>
+            <a:fillRect/>
+          </a:stretch>
+        </p:blipFill>
+        <p:spPr>
+          <a:xfrm>
+            <a:off x="1583352" y="1846263"/>
+            <a:ext cx="9086256" cy="4173537"/>
+          </a:xfrm>
+        </p:spPr>
+      </p:pic>
+    </p:spTree>
+    <p:extLst>
+      <p:ext uri="{BB962C8B-B14F-4D97-AF65-F5344CB8AC3E}">
+        <p14:creationId xmlns:p14="http://schemas.microsoft.com/office/powerpoint/2010/main" val="2081052469"/>
+      </p:ext>
+    </p:extLst>
+  </p:cSld>
+  <p:clrMapOvr>
+    <a:masterClrMapping/>
+  </p:clrMapOvr>
+  <p:timing>
+    <p:tnLst>
+      <p:par>
+        <p:cTn id="1" dur="indefinite" restart="never" nodeType="tmRoot"/>
+      </p:par>
+    </p:tnLst>
+  </p:timing>
+</p:sld>
+</file>
+
+<file path=ppt/slides/slide24.xml><?xml version="1.0" encoding="utf-8"?>
+<p:sld xmlns:a="http://schemas.openxmlformats.org/drawingml/2006/main" xmlns:r="http://schemas.openxmlformats.org/officeDocument/2006/relationships" xmlns:p="http://schemas.openxmlformats.org/presentationml/2006/main">
+  <p:cSld>
+    <p:spTree>
+      <p:nvGrpSpPr>
+        <p:cNvPr id="1" name=""/>
+        <p:cNvGrpSpPr/>
+        <p:nvPr/>
+      </p:nvGrpSpPr>
+      <p:grpSpPr>
+        <a:xfrm>
+          <a:off x="0" y="0"/>
+          <a:ext cx="0" cy="0"/>
+          <a:chOff x="0" y="0"/>
+          <a:chExt cx="0" cy="0"/>
+        </a:xfrm>
+      </p:grpSpPr>
+      <p:sp>
+        <p:nvSpPr>
+          <p:cNvPr id="2" name="Title 1"/>
+          <p:cNvSpPr>
+            <a:spLocks noGrp="1"/>
+          </p:cNvSpPr>
+          <p:nvPr>
+            <p:ph type="title"/>
+          </p:nvPr>
+        </p:nvSpPr>
+        <p:spPr/>
+        <p:txBody>
+          <a:bodyPr/>
+          <a:lstStyle/>
+          <a:p>
+            <a:r>
+              <a:rPr lang="en-US" dirty="0" smtClean="0"/>
+              <a:t>Sprint 4</a:t>
+            </a:r>
+            <a:endParaRPr lang="en-US" dirty="0"/>
+          </a:p>
+        </p:txBody>
+      </p:sp>
+      <p:pic>
+        <p:nvPicPr>
+          <p:cNvPr id="5" name="Content Placeholder 4"/>
+          <p:cNvPicPr>
+            <a:picLocks noGrp="1" noChangeAspect="1"/>
+          </p:cNvPicPr>
+          <p:nvPr>
+            <p:ph idx="1"/>
+          </p:nvPr>
+        </p:nvPicPr>
+        <p:blipFill>
+          <a:blip r:embed="rId2">
+            <a:extLst>
+              <a:ext uri="{28A0092B-C50C-407E-A947-70E740481C1C}">
+                <a14:useLocalDpi xmlns:a14="http://schemas.microsoft.com/office/drawing/2010/main" val="0"/>
+              </a:ext>
+            </a:extLst>
+          </a:blip>
+          <a:stretch>
+            <a:fillRect/>
+          </a:stretch>
+        </p:blipFill>
+        <p:spPr>
+          <a:xfrm>
+            <a:off x="1819595" y="1846263"/>
+            <a:ext cx="8613769" cy="4183062"/>
+          </a:xfrm>
+        </p:spPr>
+      </p:pic>
+    </p:spTree>
+    <p:extLst>
+      <p:ext uri="{BB962C8B-B14F-4D97-AF65-F5344CB8AC3E}">
+        <p14:creationId xmlns:p14="http://schemas.microsoft.com/office/powerpoint/2010/main" val="182687794"/>
+      </p:ext>
+    </p:extLst>
+  </p:cSld>
+  <p:clrMapOvr>
+    <a:masterClrMapping/>
+  </p:clrMapOvr>
+  <p:timing>
+    <p:tnLst>
+      <p:par>
+        <p:cTn id="1" dur="indefinite" restart="never" nodeType="tmRoot"/>
+      </p:par>
+    </p:tnLst>
+  </p:timing>
+</p:sld>
+</file>
+
+<file path=ppt/slides/slide25.xml><?xml version="1.0" encoding="utf-8"?>
+<p:sld xmlns:a="http://schemas.openxmlformats.org/drawingml/2006/main" xmlns:r="http://schemas.openxmlformats.org/officeDocument/2006/relationships" xmlns:p="http://schemas.openxmlformats.org/presentationml/2006/main">
+  <p:cSld>
+    <p:spTree>
+      <p:nvGrpSpPr>
+        <p:cNvPr id="1" name=""/>
+        <p:cNvGrpSpPr/>
+        <p:nvPr/>
+      </p:nvGrpSpPr>
+      <p:grpSpPr>
+        <a:xfrm>
+          <a:off x="0" y="0"/>
+          <a:ext cx="0" cy="0"/>
+          <a:chOff x="0" y="0"/>
+          <a:chExt cx="0" cy="0"/>
+        </a:xfrm>
+      </p:grpSpPr>
+      <p:sp>
+        <p:nvSpPr>
+          <p:cNvPr id="2" name="Title 1"/>
+          <p:cNvSpPr>
+            <a:spLocks noGrp="1"/>
+          </p:cNvSpPr>
+          <p:nvPr>
+            <p:ph type="title"/>
+          </p:nvPr>
+        </p:nvSpPr>
+        <p:spPr/>
+        <p:txBody>
+          <a:bodyPr/>
+          <a:lstStyle/>
+          <a:p>
+            <a:r>
+              <a:rPr lang="en-US" dirty="0" err="1" smtClean="0"/>
+              <a:t>Burndown</a:t>
+            </a:r>
+            <a:r>
+              <a:rPr lang="en-US" dirty="0" smtClean="0"/>
+              <a:t> Chart</a:t>
+            </a:r>
+            <a:endParaRPr lang="en-US" dirty="0"/>
+          </a:p>
+        </p:txBody>
+      </p:sp>
+      <p:pic>
+        <p:nvPicPr>
+          <p:cNvPr id="6" name="Content Placeholder 5"/>
+          <p:cNvPicPr>
+            <a:picLocks noGrp="1" noChangeAspect="1"/>
+          </p:cNvPicPr>
+          <p:nvPr>
+            <p:ph idx="1"/>
+          </p:nvPr>
+        </p:nvPicPr>
+        <p:blipFill>
+          <a:blip r:embed="rId2">
+            <a:extLst>
+              <a:ext uri="{28A0092B-C50C-407E-A947-70E740481C1C}">
+                <a14:useLocalDpi xmlns:a14="http://schemas.microsoft.com/office/drawing/2010/main" val="0"/>
+              </a:ext>
+            </a:extLst>
+          </a:blip>
+          <a:stretch>
+            <a:fillRect/>
+          </a:stretch>
+        </p:blipFill>
+        <p:spPr>
+          <a:xfrm>
+            <a:off x="2487263" y="2008188"/>
+            <a:ext cx="7277799" cy="4022725"/>
+          </a:xfrm>
+        </p:spPr>
+      </p:pic>
+    </p:spTree>
+    <p:extLst>
+      <p:ext uri="{BB962C8B-B14F-4D97-AF65-F5344CB8AC3E}">
+        <p14:creationId xmlns:p14="http://schemas.microsoft.com/office/powerpoint/2010/main" val="1679622195"/>
+      </p:ext>
+    </p:extLst>
+  </p:cSld>
+  <p:clrMapOvr>
+    <a:masterClrMapping/>
+  </p:clrMapOvr>
+  <p:timing>
+    <p:tnLst>
+      <p:par>
+        <p:cTn id="1" dur="indefinite" restart="never" nodeType="tmRoot"/>
+      </p:par>
+    </p:tnLst>
+  </p:timing>
+</p:sld>
+</file>
+
+<file path=ppt/slides/slide26.xml><?xml version="1.0" encoding="utf-8"?>
+<p:sld xmlns:a="http://schemas.openxmlformats.org/drawingml/2006/main" xmlns:r="http://schemas.openxmlformats.org/officeDocument/2006/relationships" xmlns:p="http://schemas.openxmlformats.org/presentationml/2006/main">
+  <p:cSld>
+    <p:spTree>
+      <p:nvGrpSpPr>
+        <p:cNvPr id="1" name=""/>
+        <p:cNvGrpSpPr/>
+        <p:nvPr/>
+      </p:nvGrpSpPr>
+      <p:grpSpPr>
+        <a:xfrm>
+          <a:off x="0" y="0"/>
+          <a:ext cx="0" cy="0"/>
+          <a:chOff x="0" y="0"/>
+          <a:chExt cx="0" cy="0"/>
+        </a:xfrm>
+      </p:grpSpPr>
+      <p:sp>
+        <p:nvSpPr>
+          <p:cNvPr id="2" name="Title 1"/>
+          <p:cNvSpPr>
+            <a:spLocks noGrp="1"/>
+          </p:cNvSpPr>
+          <p:nvPr>
+            <p:ph type="title"/>
+          </p:nvPr>
+        </p:nvSpPr>
+        <p:spPr/>
+        <p:txBody>
+          <a:bodyPr/>
+          <a:lstStyle/>
+          <a:p>
+            <a:r>
+              <a:rPr lang="en-US" dirty="0" err="1"/>
+              <a:t>Burndown</a:t>
+            </a:r>
+            <a:r>
+              <a:rPr lang="en-US" dirty="0"/>
+              <a:t> </a:t>
+            </a:r>
+            <a:r>
+              <a:rPr lang="en-US" dirty="0" smtClean="0"/>
+              <a:t>Chart (</a:t>
+            </a:r>
+            <a:r>
+              <a:rPr lang="en-US" dirty="0" err="1" smtClean="0"/>
+              <a:t>cont</a:t>
+            </a:r>
+            <a:r>
+              <a:rPr lang="en-US" dirty="0" smtClean="0"/>
+              <a:t>)</a:t>
+            </a:r>
+            <a:endParaRPr lang="en-US" dirty="0"/>
+          </a:p>
+        </p:txBody>
+      </p:sp>
+      <p:pic>
+        <p:nvPicPr>
+          <p:cNvPr id="4" name="Content Placeholder 3"/>
+          <p:cNvPicPr>
+            <a:picLocks noGrp="1" noChangeAspect="1"/>
+          </p:cNvPicPr>
+          <p:nvPr>
+            <p:ph idx="1"/>
+          </p:nvPr>
+        </p:nvPicPr>
+        <p:blipFill>
+          <a:blip r:embed="rId2">
+            <a:extLst>
+              <a:ext uri="{28A0092B-C50C-407E-A947-70E740481C1C}">
+                <a14:useLocalDpi xmlns:a14="http://schemas.microsoft.com/office/drawing/2010/main" val="0"/>
+              </a:ext>
+            </a:extLst>
+          </a:blip>
+          <a:stretch>
+            <a:fillRect/>
+          </a:stretch>
+        </p:blipFill>
+        <p:spPr>
+          <a:xfrm>
+            <a:off x="2481130" y="1846263"/>
+            <a:ext cx="7290065" cy="4022725"/>
+          </a:xfrm>
+        </p:spPr>
+      </p:pic>
+    </p:spTree>
+    <p:extLst>
+      <p:ext uri="{BB962C8B-B14F-4D97-AF65-F5344CB8AC3E}">
+        <p14:creationId xmlns:p14="http://schemas.microsoft.com/office/powerpoint/2010/main" val="737691550"/>
+      </p:ext>
+    </p:extLst>
+  </p:cSld>
+  <p:clrMapOvr>
+    <a:masterClrMapping/>
+  </p:clrMapOvr>
+  <p:timing>
+    <p:tnLst>
+      <p:par>
+        <p:cTn id="1" dur="indefinite" restart="never" nodeType="tmRoot"/>
+      </p:par>
+    </p:tnLst>
+  </p:timing>
+</p:sld>
+</file>
+
+<file path=ppt/slides/slide27.xml><?xml version="1.0" encoding="utf-8"?>
+<p:sld xmlns:a="http://schemas.openxmlformats.org/drawingml/2006/main" xmlns:r="http://schemas.openxmlformats.org/officeDocument/2006/relationships" xmlns:p="http://schemas.openxmlformats.org/presentationml/2006/main">
+  <p:cSld>
+    <p:spTree>
+      <p:nvGrpSpPr>
+        <p:cNvPr id="1" name=""/>
+        <p:cNvGrpSpPr/>
+        <p:nvPr/>
+      </p:nvGrpSpPr>
+      <p:grpSpPr>
+        <a:xfrm>
+          <a:off x="0" y="0"/>
+          <a:ext cx="0" cy="0"/>
+          <a:chOff x="0" y="0"/>
+          <a:chExt cx="0" cy="0"/>
+        </a:xfrm>
+      </p:grpSpPr>
+      <p:sp>
+        <p:nvSpPr>
+          <p:cNvPr id="2" name="Title 1"/>
+          <p:cNvSpPr>
+            <a:spLocks noGrp="1"/>
+          </p:cNvSpPr>
+          <p:nvPr>
+            <p:ph type="title"/>
+          </p:nvPr>
+        </p:nvSpPr>
+        <p:spPr/>
+        <p:txBody>
+          <a:bodyPr/>
+          <a:lstStyle/>
+          <a:p>
+            <a:r>
+              <a:rPr lang="en-US" dirty="0" err="1"/>
+              <a:t>Burndown</a:t>
+            </a:r>
+            <a:r>
+              <a:rPr lang="en-US" dirty="0"/>
+              <a:t> Chart (</a:t>
+            </a:r>
+            <a:r>
+              <a:rPr lang="en-US" dirty="0" err="1"/>
+              <a:t>cont</a:t>
+            </a:r>
+            <a:r>
+              <a:rPr lang="en-US" dirty="0"/>
+              <a:t>)</a:t>
+            </a:r>
+          </a:p>
+        </p:txBody>
+      </p:sp>
+      <p:pic>
+        <p:nvPicPr>
+          <p:cNvPr id="4" name="Content Placeholder 3"/>
+          <p:cNvPicPr>
+            <a:picLocks noGrp="1" noChangeAspect="1"/>
+          </p:cNvPicPr>
+          <p:nvPr>
+            <p:ph idx="1"/>
+          </p:nvPr>
+        </p:nvPicPr>
+        <p:blipFill>
+          <a:blip r:embed="rId2">
+            <a:extLst>
+              <a:ext uri="{28A0092B-C50C-407E-A947-70E740481C1C}">
+                <a14:useLocalDpi xmlns:a14="http://schemas.microsoft.com/office/drawing/2010/main" val="0"/>
+              </a:ext>
+            </a:extLst>
+          </a:blip>
+          <a:stretch>
+            <a:fillRect/>
+          </a:stretch>
+        </p:blipFill>
+        <p:spPr>
+          <a:xfrm>
+            <a:off x="2481130" y="1846263"/>
+            <a:ext cx="7290065" cy="4022725"/>
+          </a:xfrm>
+        </p:spPr>
+      </p:pic>
+    </p:spTree>
+    <p:extLst>
+      <p:ext uri="{BB962C8B-B14F-4D97-AF65-F5344CB8AC3E}">
+        <p14:creationId xmlns:p14="http://schemas.microsoft.com/office/powerpoint/2010/main" val="958786719"/>
+      </p:ext>
+    </p:extLst>
+  </p:cSld>
+  <p:clrMapOvr>
+    <a:masterClrMapping/>
+  </p:clrMapOvr>
+  <p:timing>
+    <p:tnLst>
+      <p:par>
+        <p:cTn id="1" dur="indefinite" restart="never" nodeType="tmRoot"/>
+      </p:par>
+    </p:tnLst>
+  </p:timing>
+</p:sld>
+</file>
+
+<file path=ppt/slides/slide28.xml><?xml version="1.0" encoding="utf-8"?>
+<p:sld xmlns:a="http://schemas.openxmlformats.org/drawingml/2006/main" xmlns:r="http://schemas.openxmlformats.org/officeDocument/2006/relationships" xmlns:p="http://schemas.openxmlformats.org/presentationml/2006/main">
+  <p:cSld>
+    <p:spTree>
+      <p:nvGrpSpPr>
+        <p:cNvPr id="1" name=""/>
+        <p:cNvGrpSpPr/>
+        <p:nvPr/>
+      </p:nvGrpSpPr>
+      <p:grpSpPr>
+        <a:xfrm>
+          <a:off x="0" y="0"/>
+          <a:ext cx="0" cy="0"/>
+          <a:chOff x="0" y="0"/>
+          <a:chExt cx="0" cy="0"/>
+        </a:xfrm>
+      </p:grpSpPr>
+      <p:sp>
+        <p:nvSpPr>
+          <p:cNvPr id="2" name="Title 1"/>
+          <p:cNvSpPr>
+            <a:spLocks noGrp="1"/>
+          </p:cNvSpPr>
+          <p:nvPr>
+            <p:ph type="title"/>
+          </p:nvPr>
+        </p:nvSpPr>
+        <p:spPr/>
+        <p:txBody>
+          <a:bodyPr/>
+          <a:lstStyle/>
+          <a:p>
+            <a:r>
+              <a:rPr lang="en-US" dirty="0" err="1"/>
+              <a:t>Burndown</a:t>
+            </a:r>
+            <a:r>
+              <a:rPr lang="en-US" dirty="0"/>
+              <a:t> Chart (</a:t>
+            </a:r>
+            <a:r>
+              <a:rPr lang="en-US" dirty="0" err="1"/>
+              <a:t>cont</a:t>
+            </a:r>
+            <a:r>
+              <a:rPr lang="en-US" dirty="0"/>
+              <a:t>)</a:t>
+            </a:r>
+          </a:p>
+        </p:txBody>
+      </p:sp>
+      <p:pic>
+        <p:nvPicPr>
+          <p:cNvPr id="4" name="Content Placeholder 3"/>
+          <p:cNvPicPr>
+            <a:picLocks noGrp="1" noChangeAspect="1"/>
+          </p:cNvPicPr>
+          <p:nvPr>
+            <p:ph idx="1"/>
+          </p:nvPr>
+        </p:nvPicPr>
+        <p:blipFill>
+          <a:blip r:embed="rId2">
+            <a:extLst>
+              <a:ext uri="{28A0092B-C50C-407E-A947-70E740481C1C}">
+                <a14:useLocalDpi xmlns:a14="http://schemas.microsoft.com/office/drawing/2010/main" val="0"/>
+              </a:ext>
+            </a:extLst>
+          </a:blip>
+          <a:stretch>
+            <a:fillRect/>
+          </a:stretch>
+        </p:blipFill>
+        <p:spPr>
+          <a:xfrm>
+            <a:off x="2560832" y="1846263"/>
+            <a:ext cx="7130661" cy="4022725"/>
+          </a:xfrm>
+        </p:spPr>
+      </p:pic>
+    </p:spTree>
+    <p:extLst>
+      <p:ext uri="{BB962C8B-B14F-4D97-AF65-F5344CB8AC3E}">
+        <p14:creationId xmlns:p14="http://schemas.microsoft.com/office/powerpoint/2010/main" val="1758582792"/>
+      </p:ext>
+    </p:extLst>
+  </p:cSld>
+  <p:clrMapOvr>
+    <a:masterClrMapping/>
+  </p:clrMapOvr>
+  <p:timing>
+    <p:tnLst>
+      <p:par>
+        <p:cTn id="1" dur="indefinite" restart="never" nodeType="tmRoot"/>
+      </p:par>
+    </p:tnLst>
+  </p:timing>
+</p:sld>
+</file>
+
+<file path=ppt/slides/slide29.xml><?xml version="1.0" encoding="utf-8"?>
+<p:sld xmlns:a="http://schemas.openxmlformats.org/drawingml/2006/main" xmlns:r="http://schemas.openxmlformats.org/officeDocument/2006/relationships" xmlns:p="http://schemas.openxmlformats.org/presentationml/2006/main">
+  <p:cSld>
+    <p:spTree>
+      <p:nvGrpSpPr>
+        <p:cNvPr id="1" name=""/>
+        <p:cNvGrpSpPr/>
+        <p:nvPr/>
+      </p:nvGrpSpPr>
+      <p:grpSpPr>
+        <a:xfrm>
+          <a:off x="0" y="0"/>
+          <a:ext cx="0" cy="0"/>
+          <a:chOff x="0" y="0"/>
+          <a:chExt cx="0" cy="0"/>
+        </a:xfrm>
+      </p:grpSpPr>
+      <p:sp>
+        <p:nvSpPr>
+          <p:cNvPr id="2" name="Title 1"/>
+          <p:cNvSpPr>
+            <a:spLocks noGrp="1"/>
+          </p:cNvSpPr>
+          <p:nvPr>
+            <p:ph type="title"/>
+          </p:nvPr>
+        </p:nvSpPr>
+        <p:spPr/>
+        <p:txBody>
+          <a:bodyPr/>
+          <a:lstStyle/>
+          <a:p>
+            <a:r>
+              <a:rPr lang="en-US" dirty="0" smtClean="0"/>
+              <a:t>Daily Meeting</a:t>
+            </a:r>
+            <a:endParaRPr lang="en-US" dirty="0"/>
+          </a:p>
+        </p:txBody>
+      </p:sp>
+      <p:sp>
+        <p:nvSpPr>
+          <p:cNvPr id="3" name="Content Placeholder 2"/>
+          <p:cNvSpPr>
+            <a:spLocks noGrp="1"/>
+          </p:cNvSpPr>
+          <p:nvPr>
+            <p:ph idx="1"/>
+          </p:nvPr>
+        </p:nvSpPr>
+        <p:spPr/>
+        <p:txBody>
+          <a:bodyPr/>
+          <a:lstStyle/>
+          <a:p>
+            <a:r>
+              <a:rPr lang="en-US" dirty="0" smtClean="0"/>
+              <a:t>From day: 6/3/2017 – 31/3/2017</a:t>
+            </a:r>
+          </a:p>
+          <a:p>
+            <a:r>
+              <a:rPr lang="en-US" dirty="0" smtClean="0"/>
+              <a:t>Total meetings minutes: 380 minutes</a:t>
+            </a:r>
+          </a:p>
+          <a:p>
+            <a:endParaRPr lang="en-US" dirty="0" smtClean="0"/>
+          </a:p>
+        </p:txBody>
+      </p:sp>
+    </p:spTree>
+    <p:extLst>
+      <p:ext uri="{BB962C8B-B14F-4D97-AF65-F5344CB8AC3E}">
+        <p14:creationId xmlns:p14="http://schemas.microsoft.com/office/powerpoint/2010/main" val="683551483"/>
       </p:ext>
     </p:extLst>
   </p:cSld>
@@ -7015,12 +8503,2471 @@
         </p:nvSpPr>
         <p:spPr/>
         <p:txBody>
+          <a:bodyPr>
+            <a:normAutofit/>
+          </a:bodyPr>
+          <a:lstStyle/>
+          <a:p>
+            <a:r>
+              <a:rPr lang="en-US" dirty="0" smtClean="0"/>
+              <a:t>What’s </a:t>
+            </a:r>
+            <a:r>
+              <a:rPr lang="en-GB" dirty="0"/>
+              <a:t>Extenuating </a:t>
+            </a:r>
+            <a:r>
+              <a:rPr lang="en-GB" dirty="0" smtClean="0"/>
+              <a:t>Circumstances </a:t>
+            </a:r>
+            <a:r>
+              <a:rPr lang="en-US" dirty="0" smtClean="0"/>
+              <a:t>process	</a:t>
+            </a:r>
+            <a:endParaRPr lang="en-US" dirty="0"/>
+          </a:p>
+        </p:txBody>
+      </p:sp>
+      <p:pic>
+        <p:nvPicPr>
+          <p:cNvPr id="4" name="Content Placeholder 3"/>
+          <p:cNvPicPr>
+            <a:picLocks noGrp="1" noChangeAspect="1"/>
+          </p:cNvPicPr>
+          <p:nvPr>
+            <p:ph idx="1"/>
+          </p:nvPr>
+        </p:nvPicPr>
+        <p:blipFill>
+          <a:blip r:embed="rId3">
+            <a:extLst>
+              <a:ext uri="{28A0092B-C50C-407E-A947-70E740481C1C}">
+                <a14:useLocalDpi xmlns:a14="http://schemas.microsoft.com/office/drawing/2010/main" val="0"/>
+              </a:ext>
+            </a:extLst>
+          </a:blip>
+          <a:stretch>
+            <a:fillRect/>
+          </a:stretch>
+        </p:blipFill>
+        <p:spPr>
+          <a:xfrm>
+            <a:off x="4173201" y="2428913"/>
+            <a:ext cx="3694112" cy="2774514"/>
+          </a:xfrm>
+        </p:spPr>
+      </p:pic>
+      <p:pic>
+        <p:nvPicPr>
+          <p:cNvPr id="5" name="Picture 4"/>
+          <p:cNvPicPr>
+            <a:picLocks noChangeAspect="1"/>
+          </p:cNvPicPr>
+          <p:nvPr/>
+        </p:nvPicPr>
+        <p:blipFill>
+          <a:blip r:embed="rId4">
+            <a:extLst>
+              <a:ext uri="{28A0092B-C50C-407E-A947-70E740481C1C}">
+                <a14:useLocalDpi xmlns:a14="http://schemas.microsoft.com/office/drawing/2010/main" val="0"/>
+              </a:ext>
+            </a:extLst>
+          </a:blip>
+          <a:stretch>
+            <a:fillRect/>
+          </a:stretch>
+        </p:blipFill>
+        <p:spPr>
+          <a:xfrm>
+            <a:off x="1097280" y="2505113"/>
+            <a:ext cx="2543137" cy="2543137"/>
+          </a:xfrm>
+          <a:prstGeom prst="rect">
+            <a:avLst/>
+          </a:prstGeom>
+        </p:spPr>
+      </p:pic>
+      <p:pic>
+        <p:nvPicPr>
+          <p:cNvPr id="6" name="Picture 5"/>
+          <p:cNvPicPr>
+            <a:picLocks noChangeAspect="1"/>
+          </p:cNvPicPr>
+          <p:nvPr/>
+        </p:nvPicPr>
+        <p:blipFill>
+          <a:blip r:embed="rId5">
+            <a:extLst>
+              <a:ext uri="{28A0092B-C50C-407E-A947-70E740481C1C}">
+                <a14:useLocalDpi xmlns:a14="http://schemas.microsoft.com/office/drawing/2010/main" val="0"/>
+              </a:ext>
+            </a:extLst>
+          </a:blip>
+          <a:stretch>
+            <a:fillRect/>
+          </a:stretch>
+        </p:blipFill>
+        <p:spPr>
+          <a:xfrm>
+            <a:off x="8674875" y="2428913"/>
+            <a:ext cx="2745844" cy="2928900"/>
+          </a:xfrm>
+          <a:prstGeom prst="rect">
+            <a:avLst/>
+          </a:prstGeom>
+        </p:spPr>
+      </p:pic>
+    </p:spTree>
+    <p:extLst>
+      <p:ext uri="{BB962C8B-B14F-4D97-AF65-F5344CB8AC3E}">
+        <p14:creationId xmlns:p14="http://schemas.microsoft.com/office/powerpoint/2010/main" val="256955593"/>
+      </p:ext>
+    </p:extLst>
+  </p:cSld>
+  <p:clrMapOvr>
+    <a:masterClrMapping/>
+  </p:clrMapOvr>
+  <p:timing>
+    <p:tnLst>
+      <p:par>
+        <p:cTn id="1" dur="indefinite" restart="never" nodeType="tmRoot"/>
+      </p:par>
+    </p:tnLst>
+  </p:timing>
+</p:sld>
+</file>
+
+<file path=ppt/slides/slide30.xml><?xml version="1.0" encoding="utf-8"?>
+<p:sld xmlns:a="http://schemas.openxmlformats.org/drawingml/2006/main" xmlns:r="http://schemas.openxmlformats.org/officeDocument/2006/relationships" xmlns:p="http://schemas.openxmlformats.org/presentationml/2006/main">
+  <p:cSld>
+    <p:spTree>
+      <p:nvGrpSpPr>
+        <p:cNvPr id="1" name=""/>
+        <p:cNvGrpSpPr/>
+        <p:nvPr/>
+      </p:nvGrpSpPr>
+      <p:grpSpPr>
+        <a:xfrm>
+          <a:off x="0" y="0"/>
+          <a:ext cx="0" cy="0"/>
+          <a:chOff x="0" y="0"/>
+          <a:chExt cx="0" cy="0"/>
+        </a:xfrm>
+      </p:grpSpPr>
+      <p:sp>
+        <p:nvSpPr>
+          <p:cNvPr id="2" name="Title 1"/>
+          <p:cNvSpPr>
+            <a:spLocks noGrp="1"/>
+          </p:cNvSpPr>
+          <p:nvPr>
+            <p:ph type="title"/>
+          </p:nvPr>
+        </p:nvSpPr>
+        <p:spPr/>
+        <p:txBody>
           <a:bodyPr/>
           <a:lstStyle/>
           <a:p>
             <a:r>
               <a:rPr lang="en-US" dirty="0" smtClean="0"/>
-              <a:t>2. Database</a:t>
+              <a:t>Daily meeting Logs(demo)</a:t>
+            </a:r>
+            <a:endParaRPr lang="en-US" dirty="0"/>
+          </a:p>
+        </p:txBody>
+      </p:sp>
+      <p:pic>
+        <p:nvPicPr>
+          <p:cNvPr id="4" name="Content Placeholder 3"/>
+          <p:cNvPicPr>
+            <a:picLocks noGrp="1" noChangeAspect="1"/>
+          </p:cNvPicPr>
+          <p:nvPr>
+            <p:ph idx="1"/>
+          </p:nvPr>
+        </p:nvPicPr>
+        <p:blipFill>
+          <a:blip r:embed="rId2">
+            <a:extLst>
+              <a:ext uri="{28A0092B-C50C-407E-A947-70E740481C1C}">
+                <a14:useLocalDpi xmlns:a14="http://schemas.microsoft.com/office/drawing/2010/main" val="0"/>
+              </a:ext>
+            </a:extLst>
+          </a:blip>
+          <a:stretch>
+            <a:fillRect/>
+          </a:stretch>
+        </p:blipFill>
+        <p:spPr>
+          <a:xfrm>
+            <a:off x="2442210" y="1846263"/>
+            <a:ext cx="7368578" cy="4022725"/>
+          </a:xfrm>
+        </p:spPr>
+      </p:pic>
+    </p:spTree>
+    <p:extLst>
+      <p:ext uri="{BB962C8B-B14F-4D97-AF65-F5344CB8AC3E}">
+        <p14:creationId xmlns:p14="http://schemas.microsoft.com/office/powerpoint/2010/main" val="1559746978"/>
+      </p:ext>
+    </p:extLst>
+  </p:cSld>
+  <p:clrMapOvr>
+    <a:masterClrMapping/>
+  </p:clrMapOvr>
+  <p:timing>
+    <p:tnLst>
+      <p:par>
+        <p:cTn id="1" dur="indefinite" restart="never" nodeType="tmRoot"/>
+      </p:par>
+    </p:tnLst>
+  </p:timing>
+</p:sld>
+</file>
+
+<file path=ppt/slides/slide31.xml><?xml version="1.0" encoding="utf-8"?>
+<p:sld xmlns:a="http://schemas.openxmlformats.org/drawingml/2006/main" xmlns:r="http://schemas.openxmlformats.org/officeDocument/2006/relationships" xmlns:p="http://schemas.openxmlformats.org/presentationml/2006/main">
+  <p:cSld>
+    <p:spTree>
+      <p:nvGrpSpPr>
+        <p:cNvPr id="1" name=""/>
+        <p:cNvGrpSpPr/>
+        <p:nvPr/>
+      </p:nvGrpSpPr>
+      <p:grpSpPr>
+        <a:xfrm>
+          <a:off x="0" y="0"/>
+          <a:ext cx="0" cy="0"/>
+          <a:chOff x="0" y="0"/>
+          <a:chExt cx="0" cy="0"/>
+        </a:xfrm>
+      </p:grpSpPr>
+      <p:sp>
+        <p:nvSpPr>
+          <p:cNvPr id="2" name="Title 1"/>
+          <p:cNvSpPr>
+            <a:spLocks noGrp="1"/>
+          </p:cNvSpPr>
+          <p:nvPr>
+            <p:ph type="title"/>
+          </p:nvPr>
+        </p:nvSpPr>
+        <p:spPr/>
+        <p:txBody>
+          <a:bodyPr/>
+          <a:lstStyle/>
+          <a:p>
+            <a:pPr algn="ctr"/>
+            <a:r>
+              <a:rPr lang="en-US" b="1" dirty="0" smtClean="0"/>
+              <a:t>Demo Plan</a:t>
+            </a:r>
+            <a:endParaRPr lang="en-US" b="1" dirty="0"/>
+          </a:p>
+        </p:txBody>
+      </p:sp>
+      <p:sp>
+        <p:nvSpPr>
+          <p:cNvPr id="3" name="Content Placeholder 2"/>
+          <p:cNvSpPr>
+            <a:spLocks noGrp="1"/>
+          </p:cNvSpPr>
+          <p:nvPr>
+            <p:ph idx="1"/>
+          </p:nvPr>
+        </p:nvSpPr>
+        <p:spPr/>
+        <p:txBody>
+          <a:bodyPr/>
+          <a:lstStyle/>
+          <a:p>
+            <a:pPr>
+              <a:buFont typeface="Wingdings" charset="2"/>
+              <a:buChar char="Ø"/>
+            </a:pPr>
+            <a:r>
+              <a:rPr lang="en-US" sz="2800" dirty="0" smtClean="0"/>
+              <a:t>Demo all system features</a:t>
+            </a:r>
+          </a:p>
+          <a:p>
+            <a:pPr>
+              <a:buFont typeface="Wingdings" charset="2"/>
+              <a:buChar char="Ø"/>
+            </a:pPr>
+            <a:r>
+              <a:rPr lang="en-US" sz="2800" dirty="0" smtClean="0"/>
+              <a:t>Demo data validation</a:t>
+            </a:r>
+          </a:p>
+          <a:p>
+            <a:pPr>
+              <a:buFont typeface="Wingdings" charset="2"/>
+              <a:buChar char="Ø"/>
+            </a:pPr>
+            <a:r>
+              <a:rPr lang="en-US" sz="2800" dirty="0" smtClean="0"/>
+              <a:t>Demo date-time relations</a:t>
+            </a:r>
+          </a:p>
+          <a:p>
+            <a:pPr>
+              <a:buFont typeface="Wingdings" charset="2"/>
+              <a:buChar char="Ø"/>
+            </a:pPr>
+            <a:r>
+              <a:rPr lang="en-US" sz="2800" dirty="0" smtClean="0"/>
+              <a:t>Demo authorization (different roles or authorities)</a:t>
+            </a:r>
+          </a:p>
+          <a:p>
+            <a:pPr>
+              <a:buFont typeface="Wingdings" charset="2"/>
+              <a:buChar char="Ø"/>
+            </a:pPr>
+            <a:r>
+              <a:rPr lang="en-US" sz="2800" dirty="0" smtClean="0"/>
+              <a:t>Demo all system reports</a:t>
+            </a:r>
+          </a:p>
+          <a:p>
+            <a:pPr>
+              <a:buFont typeface="Wingdings" charset="2"/>
+              <a:buChar char="Ø"/>
+            </a:pPr>
+            <a:endParaRPr lang="en-US" dirty="0" smtClean="0"/>
+          </a:p>
+        </p:txBody>
+      </p:sp>
+    </p:spTree>
+    <p:extLst>
+      <p:ext uri="{BB962C8B-B14F-4D97-AF65-F5344CB8AC3E}">
+        <p14:creationId xmlns:p14="http://schemas.microsoft.com/office/powerpoint/2010/main" val="233902115"/>
+      </p:ext>
+    </p:extLst>
+  </p:cSld>
+  <p:clrMapOvr>
+    <a:masterClrMapping/>
+  </p:clrMapOvr>
+  <p:timing>
+    <p:tnLst>
+      <p:par>
+        <p:cTn id="1" dur="indefinite" restart="never" nodeType="tmRoot"/>
+      </p:par>
+    </p:tnLst>
+  </p:timing>
+</p:sld>
+</file>
+
+<file path=ppt/slides/slide32.xml><?xml version="1.0" encoding="utf-8"?>
+<p:sld xmlns:a="http://schemas.openxmlformats.org/drawingml/2006/main" xmlns:r="http://schemas.openxmlformats.org/officeDocument/2006/relationships" xmlns:p="http://schemas.openxmlformats.org/presentationml/2006/main">
+  <p:cSld>
+    <p:spTree>
+      <p:nvGrpSpPr>
+        <p:cNvPr id="1" name=""/>
+        <p:cNvGrpSpPr/>
+        <p:nvPr/>
+      </p:nvGrpSpPr>
+      <p:grpSpPr>
+        <a:xfrm>
+          <a:off x="0" y="0"/>
+          <a:ext cx="0" cy="0"/>
+          <a:chOff x="0" y="0"/>
+          <a:chExt cx="0" cy="0"/>
+        </a:xfrm>
+      </p:grpSpPr>
+      <p:sp>
+        <p:nvSpPr>
+          <p:cNvPr id="2" name="Title 1"/>
+          <p:cNvSpPr>
+            <a:spLocks noGrp="1"/>
+          </p:cNvSpPr>
+          <p:nvPr>
+            <p:ph type="title"/>
+          </p:nvPr>
+        </p:nvSpPr>
+        <p:spPr/>
+        <p:txBody>
+          <a:bodyPr/>
+          <a:lstStyle/>
+          <a:p>
+            <a:r>
+              <a:rPr lang="en-US" dirty="0" smtClean="0"/>
+              <a:t>Demo 1: all system features</a:t>
+            </a:r>
+            <a:endParaRPr lang="en-US" dirty="0"/>
+          </a:p>
+        </p:txBody>
+      </p:sp>
+      <p:sp>
+        <p:nvSpPr>
+          <p:cNvPr id="3" name="Content Placeholder 2"/>
+          <p:cNvSpPr>
+            <a:spLocks noGrp="1"/>
+          </p:cNvSpPr>
+          <p:nvPr>
+            <p:ph idx="1"/>
+          </p:nvPr>
+        </p:nvSpPr>
+        <p:spPr/>
+        <p:txBody>
+          <a:bodyPr>
+            <a:normAutofit/>
+          </a:bodyPr>
+          <a:lstStyle/>
+          <a:p>
+            <a:pPr>
+              <a:buFont typeface="Wingdings" charset="2"/>
+              <a:buChar char="Ø"/>
+            </a:pPr>
+            <a:r>
+              <a:rPr lang="en-US" sz="2800" dirty="0" smtClean="0"/>
+              <a:t>Authentication (login, logout)</a:t>
+            </a:r>
+          </a:p>
+          <a:p>
+            <a:pPr>
+              <a:buFont typeface="Wingdings" charset="2"/>
+              <a:buChar char="Ø"/>
+            </a:pPr>
+            <a:r>
+              <a:rPr lang="en-US" sz="2800" dirty="0" smtClean="0"/>
+              <a:t>Student submits claims</a:t>
+            </a:r>
+          </a:p>
+          <a:p>
+            <a:pPr>
+              <a:buFont typeface="Wingdings" charset="2"/>
+              <a:buChar char="Ø"/>
+            </a:pPr>
+            <a:r>
+              <a:rPr lang="en-US" sz="2800" dirty="0" smtClean="0"/>
+              <a:t>Student submits evidences</a:t>
+            </a:r>
+          </a:p>
+          <a:p>
+            <a:pPr>
+              <a:buFont typeface="Wingdings" charset="2"/>
+              <a:buChar char="Ø"/>
+            </a:pPr>
+            <a:r>
+              <a:rPr lang="en-US" sz="2800" dirty="0" smtClean="0"/>
+              <a:t>Student receive email which contains the decision of claim</a:t>
+            </a:r>
+          </a:p>
+          <a:p>
+            <a:pPr>
+              <a:buFont typeface="Wingdings" charset="2"/>
+              <a:buChar char="Ø"/>
+            </a:pPr>
+            <a:r>
+              <a:rPr lang="en-US" sz="2800" dirty="0" smtClean="0"/>
+              <a:t>Student views all submitted claims</a:t>
+            </a:r>
+          </a:p>
+          <a:p>
+            <a:pPr>
+              <a:buFont typeface="Wingdings" charset="2"/>
+              <a:buChar char="Ø"/>
+            </a:pPr>
+            <a:r>
+              <a:rPr lang="en-US" sz="2800" dirty="0" smtClean="0"/>
+              <a:t>Student searches and sorts claims</a:t>
+            </a:r>
+          </a:p>
+          <a:p>
+            <a:pPr>
+              <a:buFont typeface="Wingdings" charset="2"/>
+              <a:buChar char="Ø"/>
+            </a:pPr>
+            <a:endParaRPr lang="en-US" dirty="0" smtClean="0"/>
+          </a:p>
+          <a:p>
+            <a:pPr>
+              <a:buFont typeface="Wingdings" charset="2"/>
+              <a:buChar char="Ø"/>
+            </a:pPr>
+            <a:endParaRPr lang="en-US" dirty="0"/>
+          </a:p>
+        </p:txBody>
+      </p:sp>
+    </p:spTree>
+    <p:extLst>
+      <p:ext uri="{BB962C8B-B14F-4D97-AF65-F5344CB8AC3E}">
+        <p14:creationId xmlns:p14="http://schemas.microsoft.com/office/powerpoint/2010/main" val="913001290"/>
+      </p:ext>
+    </p:extLst>
+  </p:cSld>
+  <p:clrMapOvr>
+    <a:masterClrMapping/>
+  </p:clrMapOvr>
+  <p:timing>
+    <p:tnLst>
+      <p:par>
+        <p:cTn id="1" dur="indefinite" restart="never" nodeType="tmRoot"/>
+      </p:par>
+    </p:tnLst>
+  </p:timing>
+</p:sld>
+</file>
+
+<file path=ppt/slides/slide33.xml><?xml version="1.0" encoding="utf-8"?>
+<p:sld xmlns:a="http://schemas.openxmlformats.org/drawingml/2006/main" xmlns:r="http://schemas.openxmlformats.org/officeDocument/2006/relationships" xmlns:p="http://schemas.openxmlformats.org/presentationml/2006/main">
+  <p:cSld>
+    <p:spTree>
+      <p:nvGrpSpPr>
+        <p:cNvPr id="1" name=""/>
+        <p:cNvGrpSpPr/>
+        <p:nvPr/>
+      </p:nvGrpSpPr>
+      <p:grpSpPr>
+        <a:xfrm>
+          <a:off x="0" y="0"/>
+          <a:ext cx="0" cy="0"/>
+          <a:chOff x="0" y="0"/>
+          <a:chExt cx="0" cy="0"/>
+        </a:xfrm>
+      </p:grpSpPr>
+      <p:sp>
+        <p:nvSpPr>
+          <p:cNvPr id="2" name="Title 1"/>
+          <p:cNvSpPr>
+            <a:spLocks noGrp="1"/>
+          </p:cNvSpPr>
+          <p:nvPr>
+            <p:ph type="title"/>
+          </p:nvPr>
+        </p:nvSpPr>
+        <p:spPr/>
+        <p:txBody>
+          <a:bodyPr/>
+          <a:lstStyle/>
+          <a:p>
+            <a:r>
+              <a:rPr lang="en-US" dirty="0" smtClean="0"/>
+              <a:t>Demo 1: </a:t>
+            </a:r>
+            <a:r>
+              <a:rPr lang="en-US" dirty="0"/>
+              <a:t>all system </a:t>
+            </a:r>
+            <a:r>
+              <a:rPr lang="en-US" dirty="0" smtClean="0"/>
+              <a:t>features (cont.)</a:t>
+            </a:r>
+            <a:endParaRPr lang="en-US" dirty="0"/>
+          </a:p>
+        </p:txBody>
+      </p:sp>
+      <p:sp>
+        <p:nvSpPr>
+          <p:cNvPr id="3" name="Content Placeholder 2"/>
+          <p:cNvSpPr>
+            <a:spLocks noGrp="1"/>
+          </p:cNvSpPr>
+          <p:nvPr>
+            <p:ph idx="1"/>
+          </p:nvPr>
+        </p:nvSpPr>
+        <p:spPr/>
+        <p:txBody>
+          <a:bodyPr>
+            <a:normAutofit fontScale="92500"/>
+          </a:bodyPr>
+          <a:lstStyle/>
+          <a:p>
+            <a:pPr>
+              <a:buFont typeface="Wingdings" charset="2"/>
+              <a:buChar char="Ø"/>
+            </a:pPr>
+            <a:r>
+              <a:rPr lang="en-US" sz="2800" dirty="0" smtClean="0">
+                <a:solidFill>
+                  <a:schemeClr val="tx1"/>
+                </a:solidFill>
+              </a:rPr>
+              <a:t>Coordinator receives </a:t>
+            </a:r>
+            <a:r>
+              <a:rPr lang="en-US" sz="2800" dirty="0">
+                <a:solidFill>
+                  <a:schemeClr val="tx1"/>
+                </a:solidFill>
+              </a:rPr>
+              <a:t>email of notification when new claim is submitted</a:t>
+            </a:r>
+          </a:p>
+          <a:p>
+            <a:pPr>
+              <a:buFont typeface="Wingdings" charset="2"/>
+              <a:buChar char="Ø"/>
+            </a:pPr>
+            <a:r>
+              <a:rPr lang="en-US" sz="2800" dirty="0" smtClean="0">
+                <a:solidFill>
+                  <a:schemeClr val="tx1"/>
+                </a:solidFill>
+              </a:rPr>
+              <a:t>Coordinator processes </a:t>
+            </a:r>
+            <a:r>
+              <a:rPr lang="en-US" sz="2800" dirty="0">
+                <a:solidFill>
+                  <a:schemeClr val="tx1"/>
+                </a:solidFill>
+              </a:rPr>
+              <a:t>new claim</a:t>
+            </a:r>
+          </a:p>
+          <a:p>
+            <a:pPr>
+              <a:buFont typeface="Wingdings" charset="2"/>
+              <a:buChar char="Ø"/>
+            </a:pPr>
+            <a:r>
+              <a:rPr lang="en-US" sz="2800" dirty="0" smtClean="0">
+                <a:solidFill>
+                  <a:schemeClr val="tx1"/>
+                </a:solidFill>
+              </a:rPr>
+              <a:t>Coordinator views all </a:t>
+            </a:r>
+            <a:r>
+              <a:rPr lang="en-US" sz="2800" dirty="0">
+                <a:solidFill>
+                  <a:schemeClr val="tx1"/>
+                </a:solidFill>
+              </a:rPr>
+              <a:t>the process of my </a:t>
+            </a:r>
+            <a:r>
+              <a:rPr lang="en-US" sz="2800" dirty="0" smtClean="0">
+                <a:solidFill>
+                  <a:schemeClr val="tx1"/>
+                </a:solidFill>
+              </a:rPr>
+              <a:t>Faculty</a:t>
+            </a:r>
+          </a:p>
+          <a:p>
+            <a:pPr>
+              <a:buFont typeface="Wingdings" charset="2"/>
+              <a:buChar char="Ø"/>
+            </a:pPr>
+            <a:endParaRPr lang="en-US" sz="2800" dirty="0" smtClean="0">
+              <a:solidFill>
+                <a:schemeClr val="tx1"/>
+              </a:solidFill>
+            </a:endParaRPr>
+          </a:p>
+          <a:p>
+            <a:pPr>
+              <a:buFont typeface="Wingdings" charset="2"/>
+              <a:buChar char="Ø"/>
+            </a:pPr>
+            <a:r>
+              <a:rPr lang="en-US" sz="2800" dirty="0">
+                <a:solidFill>
+                  <a:schemeClr val="tx1"/>
+                </a:solidFill>
+              </a:rPr>
+              <a:t>Manager views all </a:t>
+            </a:r>
+            <a:r>
+              <a:rPr lang="en-US" sz="2800" dirty="0" smtClean="0">
+                <a:solidFill>
+                  <a:schemeClr val="tx1"/>
+                </a:solidFill>
+              </a:rPr>
+              <a:t>claims</a:t>
+            </a:r>
+          </a:p>
+          <a:p>
+            <a:pPr>
+              <a:buFont typeface="Wingdings" charset="2"/>
+              <a:buChar char="Ø"/>
+            </a:pPr>
+            <a:r>
+              <a:rPr lang="en-US" sz="2800" dirty="0">
+                <a:solidFill>
+                  <a:schemeClr val="tx1"/>
+                </a:solidFill>
+              </a:rPr>
+              <a:t>Manager view claim reports (statistics</a:t>
+            </a:r>
+            <a:r>
+              <a:rPr lang="en-US" sz="2800" dirty="0" smtClean="0">
+                <a:solidFill>
+                  <a:schemeClr val="tx1"/>
+                </a:solidFill>
+              </a:rPr>
+              <a:t>)</a:t>
+            </a:r>
+          </a:p>
+          <a:p>
+            <a:pPr marL="91440" lvl="1" indent="-91440">
+              <a:spcBef>
+                <a:spcPts val="1200"/>
+              </a:spcBef>
+              <a:spcAft>
+                <a:spcPts val="200"/>
+              </a:spcAft>
+              <a:buSzPct val="100000"/>
+              <a:buFont typeface="Wingdings" charset="2"/>
+              <a:buChar char="Ø"/>
+            </a:pPr>
+            <a:r>
+              <a:rPr lang="en-US" sz="2800" dirty="0" smtClean="0">
+                <a:solidFill>
+                  <a:schemeClr val="tx1"/>
+                </a:solidFill>
+              </a:rPr>
+              <a:t>Admin </a:t>
+            </a:r>
+            <a:r>
+              <a:rPr lang="en-US" sz="2800" dirty="0">
+                <a:solidFill>
+                  <a:schemeClr val="tx1"/>
+                </a:solidFill>
+              </a:rPr>
+              <a:t>or </a:t>
+            </a:r>
+            <a:r>
+              <a:rPr lang="en-US" sz="2800" dirty="0" smtClean="0">
+                <a:solidFill>
+                  <a:schemeClr val="tx1"/>
+                </a:solidFill>
+              </a:rPr>
+              <a:t>manager views weekly </a:t>
+            </a:r>
+            <a:r>
+              <a:rPr lang="en-US" sz="2800" dirty="0">
+                <a:solidFill>
+                  <a:schemeClr val="tx1"/>
+                </a:solidFill>
+              </a:rPr>
+              <a:t>report or customize the report details</a:t>
+            </a:r>
+          </a:p>
+          <a:p>
+            <a:endParaRPr lang="en-US" dirty="0"/>
+          </a:p>
+        </p:txBody>
+      </p:sp>
+    </p:spTree>
+    <p:extLst>
+      <p:ext uri="{BB962C8B-B14F-4D97-AF65-F5344CB8AC3E}">
+        <p14:creationId xmlns:p14="http://schemas.microsoft.com/office/powerpoint/2010/main" val="562138506"/>
+      </p:ext>
+    </p:extLst>
+  </p:cSld>
+  <p:clrMapOvr>
+    <a:masterClrMapping/>
+  </p:clrMapOvr>
+  <p:timing>
+    <p:tnLst>
+      <p:par>
+        <p:cTn id="1" dur="indefinite" restart="never" nodeType="tmRoot"/>
+      </p:par>
+    </p:tnLst>
+  </p:timing>
+</p:sld>
+</file>
+
+<file path=ppt/slides/slide34.xml><?xml version="1.0" encoding="utf-8"?>
+<p:sld xmlns:a="http://schemas.openxmlformats.org/drawingml/2006/main" xmlns:r="http://schemas.openxmlformats.org/officeDocument/2006/relationships" xmlns:p="http://schemas.openxmlformats.org/presentationml/2006/main">
+  <p:cSld>
+    <p:spTree>
+      <p:nvGrpSpPr>
+        <p:cNvPr id="1" name=""/>
+        <p:cNvGrpSpPr/>
+        <p:nvPr/>
+      </p:nvGrpSpPr>
+      <p:grpSpPr>
+        <a:xfrm>
+          <a:off x="0" y="0"/>
+          <a:ext cx="0" cy="0"/>
+          <a:chOff x="0" y="0"/>
+          <a:chExt cx="0" cy="0"/>
+        </a:xfrm>
+      </p:grpSpPr>
+      <p:sp>
+        <p:nvSpPr>
+          <p:cNvPr id="2" name="Title 1"/>
+          <p:cNvSpPr>
+            <a:spLocks noGrp="1"/>
+          </p:cNvSpPr>
+          <p:nvPr>
+            <p:ph type="title"/>
+          </p:nvPr>
+        </p:nvSpPr>
+        <p:spPr/>
+        <p:txBody>
+          <a:bodyPr/>
+          <a:lstStyle/>
+          <a:p>
+            <a:r>
+              <a:rPr lang="en-US" dirty="0" smtClean="0"/>
+              <a:t>Demo 1: </a:t>
+            </a:r>
+            <a:r>
+              <a:rPr lang="en-US" dirty="0"/>
+              <a:t>all system features (cont.)</a:t>
+            </a:r>
+          </a:p>
+        </p:txBody>
+      </p:sp>
+      <p:sp>
+        <p:nvSpPr>
+          <p:cNvPr id="3" name="Content Placeholder 2"/>
+          <p:cNvSpPr>
+            <a:spLocks noGrp="1"/>
+          </p:cNvSpPr>
+          <p:nvPr>
+            <p:ph idx="1"/>
+          </p:nvPr>
+        </p:nvSpPr>
+        <p:spPr/>
+        <p:txBody>
+          <a:bodyPr>
+            <a:normAutofit/>
+          </a:bodyPr>
+          <a:lstStyle/>
+          <a:p>
+            <a:pPr marL="0" indent="-292608">
+              <a:buFont typeface="Wingdings" charset="2"/>
+              <a:buChar char="Ø"/>
+            </a:pPr>
+            <a:r>
+              <a:rPr lang="en-US" sz="2600" dirty="0" smtClean="0">
+                <a:solidFill>
+                  <a:schemeClr val="tx1"/>
+                </a:solidFill>
+              </a:rPr>
+              <a:t>Admin </a:t>
+            </a:r>
+            <a:r>
+              <a:rPr lang="en-US" sz="2600" dirty="0">
+                <a:solidFill>
+                  <a:schemeClr val="tx1"/>
+                </a:solidFill>
+              </a:rPr>
+              <a:t>manages account of Users</a:t>
+            </a:r>
+          </a:p>
+          <a:p>
+            <a:pPr>
+              <a:buFont typeface="Wingdings" charset="2"/>
+              <a:buChar char="Ø"/>
+            </a:pPr>
+            <a:r>
+              <a:rPr lang="en-US" sz="2600" dirty="0">
+                <a:solidFill>
+                  <a:schemeClr val="tx1"/>
+                </a:solidFill>
+              </a:rPr>
+              <a:t>Admin manages system data</a:t>
+            </a:r>
+          </a:p>
+          <a:p>
+            <a:pPr>
+              <a:buFont typeface="Wingdings" charset="2"/>
+              <a:buChar char="Ø"/>
+            </a:pPr>
+            <a:r>
+              <a:rPr lang="en-US" sz="2600" dirty="0" smtClean="0">
+                <a:solidFill>
+                  <a:schemeClr val="tx1"/>
+                </a:solidFill>
+              </a:rPr>
+              <a:t>Admin </a:t>
+            </a:r>
+            <a:r>
+              <a:rPr lang="en-US" sz="2600" dirty="0">
+                <a:solidFill>
+                  <a:schemeClr val="tx1"/>
+                </a:solidFill>
+              </a:rPr>
+              <a:t>views all claims in the system for each years</a:t>
+            </a:r>
+          </a:p>
+          <a:p>
+            <a:pPr>
+              <a:buFont typeface="Wingdings" charset="2"/>
+              <a:buChar char="Ø"/>
+            </a:pPr>
+            <a:r>
+              <a:rPr lang="en-US" sz="2600" dirty="0">
+                <a:solidFill>
+                  <a:schemeClr val="tx1"/>
+                </a:solidFill>
+              </a:rPr>
+              <a:t>Admin views items of assessment</a:t>
+            </a:r>
+          </a:p>
+          <a:p>
+            <a:pPr>
+              <a:buFont typeface="Wingdings" charset="2"/>
+              <a:buChar char="Ø"/>
+            </a:pPr>
+            <a:r>
+              <a:rPr lang="en-US" sz="2600" dirty="0">
+                <a:solidFill>
+                  <a:schemeClr val="tx1"/>
+                </a:solidFill>
+              </a:rPr>
+              <a:t>Admin sets up closure date of </a:t>
+            </a:r>
+            <a:r>
+              <a:rPr lang="en-US" sz="2600" dirty="0" smtClean="0">
+                <a:solidFill>
+                  <a:schemeClr val="tx1"/>
+                </a:solidFill>
+              </a:rPr>
+              <a:t>claims</a:t>
+            </a:r>
+            <a:endParaRPr lang="en-US" sz="2600" dirty="0">
+              <a:solidFill>
+                <a:schemeClr val="tx1"/>
+              </a:solidFill>
+            </a:endParaRPr>
+          </a:p>
+          <a:p>
+            <a:pPr>
+              <a:buFont typeface="Wingdings" charset="2"/>
+              <a:buChar char="Ø"/>
+            </a:pPr>
+            <a:r>
+              <a:rPr lang="en-US" sz="2600" dirty="0">
+                <a:solidFill>
+                  <a:schemeClr val="tx1"/>
+                </a:solidFill>
+              </a:rPr>
+              <a:t>Admin sets up closure date of </a:t>
+            </a:r>
+            <a:r>
+              <a:rPr lang="en-US" sz="2600" dirty="0" smtClean="0">
+                <a:solidFill>
+                  <a:schemeClr val="tx1"/>
+                </a:solidFill>
+              </a:rPr>
+              <a:t>items</a:t>
+            </a:r>
+          </a:p>
+          <a:p>
+            <a:pPr>
+              <a:buFont typeface="Wingdings" charset="2"/>
+              <a:buChar char="Ø"/>
+            </a:pPr>
+            <a:r>
+              <a:rPr lang="en-US" sz="2600" dirty="0" smtClean="0">
+                <a:solidFill>
+                  <a:schemeClr val="tx1"/>
+                </a:solidFill>
+              </a:rPr>
+              <a:t>User accesses website online</a:t>
+            </a:r>
+            <a:endParaRPr lang="en-US" sz="2600" dirty="0">
+              <a:solidFill>
+                <a:schemeClr val="tx1"/>
+              </a:solidFill>
+            </a:endParaRPr>
+          </a:p>
+          <a:p>
+            <a:pPr>
+              <a:buFont typeface="Wingdings" charset="2"/>
+              <a:buChar char="Ø"/>
+            </a:pPr>
+            <a:endParaRPr lang="en-US" dirty="0" smtClean="0"/>
+          </a:p>
+          <a:p>
+            <a:pPr>
+              <a:buFont typeface="Wingdings" charset="2"/>
+              <a:buChar char="Ø"/>
+            </a:pPr>
+            <a:endParaRPr lang="en-US" dirty="0"/>
+          </a:p>
+        </p:txBody>
+      </p:sp>
+    </p:spTree>
+    <p:extLst>
+      <p:ext uri="{BB962C8B-B14F-4D97-AF65-F5344CB8AC3E}">
+        <p14:creationId xmlns:p14="http://schemas.microsoft.com/office/powerpoint/2010/main" val="1963626366"/>
+      </p:ext>
+    </p:extLst>
+  </p:cSld>
+  <p:clrMapOvr>
+    <a:masterClrMapping/>
+  </p:clrMapOvr>
+</p:sld>
+</file>
+
+<file path=ppt/slides/slide35.xml><?xml version="1.0" encoding="utf-8"?>
+<p:sld xmlns:a="http://schemas.openxmlformats.org/drawingml/2006/main" xmlns:r="http://schemas.openxmlformats.org/officeDocument/2006/relationships" xmlns:p="http://schemas.openxmlformats.org/presentationml/2006/main">
+  <p:cSld>
+    <p:spTree>
+      <p:nvGrpSpPr>
+        <p:cNvPr id="1" name=""/>
+        <p:cNvGrpSpPr/>
+        <p:nvPr/>
+      </p:nvGrpSpPr>
+      <p:grpSpPr>
+        <a:xfrm>
+          <a:off x="0" y="0"/>
+          <a:ext cx="0" cy="0"/>
+          <a:chOff x="0" y="0"/>
+          <a:chExt cx="0" cy="0"/>
+        </a:xfrm>
+      </p:grpSpPr>
+      <p:sp>
+        <p:nvSpPr>
+          <p:cNvPr id="2" name="Title 1"/>
+          <p:cNvSpPr>
+            <a:spLocks noGrp="1"/>
+          </p:cNvSpPr>
+          <p:nvPr>
+            <p:ph type="title"/>
+          </p:nvPr>
+        </p:nvSpPr>
+        <p:spPr/>
+        <p:txBody>
+          <a:bodyPr/>
+          <a:lstStyle/>
+          <a:p>
+            <a:r>
+              <a:rPr lang="en-US" dirty="0" smtClean="0"/>
+              <a:t>Demo 2: data validation (form)</a:t>
+            </a:r>
+            <a:endParaRPr lang="en-US" dirty="0"/>
+          </a:p>
+        </p:txBody>
+      </p:sp>
+      <p:sp>
+        <p:nvSpPr>
+          <p:cNvPr id="3" name="Content Placeholder 2"/>
+          <p:cNvSpPr>
+            <a:spLocks noGrp="1"/>
+          </p:cNvSpPr>
+          <p:nvPr>
+            <p:ph idx="1"/>
+          </p:nvPr>
+        </p:nvSpPr>
+        <p:spPr/>
+        <p:txBody>
+          <a:bodyPr/>
+          <a:lstStyle/>
+          <a:p>
+            <a:pPr>
+              <a:buFont typeface="Wingdings" charset="2"/>
+              <a:buChar char="Ø"/>
+            </a:pPr>
+            <a:r>
+              <a:rPr lang="en-US" sz="3000" dirty="0"/>
+              <a:t>Text </a:t>
+            </a:r>
+            <a:r>
+              <a:rPr lang="en-US" sz="3000" dirty="0" smtClean="0"/>
+              <a:t>validation (title, content, name, username, code</a:t>
+            </a:r>
+            <a:r>
+              <a:rPr lang="mr-IN" sz="3000" dirty="0" smtClean="0"/>
+              <a:t>…</a:t>
+            </a:r>
+            <a:r>
+              <a:rPr lang="en-US" sz="3000" dirty="0" smtClean="0"/>
+              <a:t>)</a:t>
+            </a:r>
+            <a:endParaRPr lang="en-US" sz="3000" dirty="0"/>
+          </a:p>
+          <a:p>
+            <a:pPr>
+              <a:buFont typeface="Wingdings" charset="2"/>
+              <a:buChar char="Ø"/>
+            </a:pPr>
+            <a:r>
+              <a:rPr lang="en-US" sz="3000" dirty="0"/>
+              <a:t>Date </a:t>
+            </a:r>
+            <a:r>
+              <a:rPr lang="en-US" sz="3000" dirty="0" smtClean="0"/>
+              <a:t>validation (closure date)</a:t>
+            </a:r>
+          </a:p>
+          <a:p>
+            <a:pPr>
+              <a:buFont typeface="Wingdings" charset="2"/>
+              <a:buChar char="Ø"/>
+            </a:pPr>
+            <a:r>
+              <a:rPr lang="en-US" sz="3000" dirty="0" smtClean="0"/>
+              <a:t>File validation (upload file)</a:t>
+            </a:r>
+            <a:endParaRPr lang="en-US" sz="3000" dirty="0"/>
+          </a:p>
+        </p:txBody>
+      </p:sp>
+    </p:spTree>
+    <p:extLst>
+      <p:ext uri="{BB962C8B-B14F-4D97-AF65-F5344CB8AC3E}">
+        <p14:creationId xmlns:p14="http://schemas.microsoft.com/office/powerpoint/2010/main" val="756852199"/>
+      </p:ext>
+    </p:extLst>
+  </p:cSld>
+  <p:clrMapOvr>
+    <a:masterClrMapping/>
+  </p:clrMapOvr>
+</p:sld>
+</file>
+
+<file path=ppt/slides/slide36.xml><?xml version="1.0" encoding="utf-8"?>
+<p:sld xmlns:a="http://schemas.openxmlformats.org/drawingml/2006/main" xmlns:r="http://schemas.openxmlformats.org/officeDocument/2006/relationships" xmlns:p="http://schemas.openxmlformats.org/presentationml/2006/main">
+  <p:cSld>
+    <p:spTree>
+      <p:nvGrpSpPr>
+        <p:cNvPr id="1" name=""/>
+        <p:cNvGrpSpPr/>
+        <p:nvPr/>
+      </p:nvGrpSpPr>
+      <p:grpSpPr>
+        <a:xfrm>
+          <a:off x="0" y="0"/>
+          <a:ext cx="0" cy="0"/>
+          <a:chOff x="0" y="0"/>
+          <a:chExt cx="0" cy="0"/>
+        </a:xfrm>
+      </p:grpSpPr>
+      <p:sp>
+        <p:nvSpPr>
+          <p:cNvPr id="2" name="Title 1"/>
+          <p:cNvSpPr>
+            <a:spLocks noGrp="1"/>
+          </p:cNvSpPr>
+          <p:nvPr>
+            <p:ph type="title"/>
+          </p:nvPr>
+        </p:nvSpPr>
+        <p:spPr/>
+        <p:txBody>
+          <a:bodyPr/>
+          <a:lstStyle/>
+          <a:p>
+            <a:r>
+              <a:rPr lang="en-US" dirty="0" smtClean="0"/>
+              <a:t>Demo 3: date-time relations </a:t>
+            </a:r>
+            <a:endParaRPr lang="en-US" dirty="0"/>
+          </a:p>
+        </p:txBody>
+      </p:sp>
+      <p:sp>
+        <p:nvSpPr>
+          <p:cNvPr id="3" name="Content Placeholder 2"/>
+          <p:cNvSpPr>
+            <a:spLocks noGrp="1"/>
+          </p:cNvSpPr>
+          <p:nvPr>
+            <p:ph idx="1"/>
+          </p:nvPr>
+        </p:nvSpPr>
+        <p:spPr/>
+        <p:txBody>
+          <a:bodyPr/>
+          <a:lstStyle/>
+          <a:p>
+            <a:pPr>
+              <a:buFont typeface="Wingdings" charset="2"/>
+              <a:buChar char="Ø"/>
+            </a:pPr>
+            <a:r>
+              <a:rPr lang="en-US" sz="2800" dirty="0" smtClean="0"/>
+              <a:t>Date of claim submissions</a:t>
+            </a:r>
+          </a:p>
+          <a:p>
+            <a:pPr>
+              <a:buFont typeface="Wingdings" charset="2"/>
+              <a:buChar char="Ø"/>
+            </a:pPr>
+            <a:r>
+              <a:rPr lang="en-US" sz="2800" dirty="0" smtClean="0"/>
+              <a:t>Date of evidence submissions</a:t>
+            </a:r>
+          </a:p>
+          <a:p>
+            <a:pPr>
+              <a:buFont typeface="Wingdings" charset="2"/>
+              <a:buChar char="Ø"/>
+            </a:pPr>
+            <a:r>
+              <a:rPr lang="en-US" sz="2800" dirty="0" smtClean="0"/>
+              <a:t>Closure date of claims</a:t>
+            </a:r>
+          </a:p>
+          <a:p>
+            <a:pPr>
+              <a:buFont typeface="Wingdings" charset="2"/>
+              <a:buChar char="Ø"/>
+            </a:pPr>
+            <a:r>
+              <a:rPr lang="en-US" sz="2800" dirty="0"/>
+              <a:t>Closure date of </a:t>
+            </a:r>
+            <a:r>
+              <a:rPr lang="en-US" sz="2800" dirty="0" smtClean="0"/>
+              <a:t>items</a:t>
+            </a:r>
+          </a:p>
+          <a:p>
+            <a:pPr>
+              <a:buFont typeface="Wingdings" charset="2"/>
+              <a:buChar char="Ø"/>
+            </a:pPr>
+            <a:r>
+              <a:rPr lang="en-US" sz="2800" dirty="0" smtClean="0"/>
+              <a:t>Processed date of claims</a:t>
+            </a:r>
+            <a:endParaRPr lang="en-US" sz="2800" dirty="0"/>
+          </a:p>
+          <a:p>
+            <a:pPr>
+              <a:buFont typeface="Wingdings" charset="2"/>
+              <a:buChar char="Ø"/>
+            </a:pPr>
+            <a:endParaRPr lang="en-US" dirty="0"/>
+          </a:p>
+        </p:txBody>
+      </p:sp>
+    </p:spTree>
+    <p:extLst>
+      <p:ext uri="{BB962C8B-B14F-4D97-AF65-F5344CB8AC3E}">
+        <p14:creationId xmlns:p14="http://schemas.microsoft.com/office/powerpoint/2010/main" val="132336000"/>
+      </p:ext>
+    </p:extLst>
+  </p:cSld>
+  <p:clrMapOvr>
+    <a:masterClrMapping/>
+  </p:clrMapOvr>
+</p:sld>
+</file>
+
+<file path=ppt/slides/slide37.xml><?xml version="1.0" encoding="utf-8"?>
+<p:sld xmlns:a="http://schemas.openxmlformats.org/drawingml/2006/main" xmlns:r="http://schemas.openxmlformats.org/officeDocument/2006/relationships" xmlns:p="http://schemas.openxmlformats.org/presentationml/2006/main">
+  <p:cSld>
+    <p:spTree>
+      <p:nvGrpSpPr>
+        <p:cNvPr id="1" name=""/>
+        <p:cNvGrpSpPr/>
+        <p:nvPr/>
+      </p:nvGrpSpPr>
+      <p:grpSpPr>
+        <a:xfrm>
+          <a:off x="0" y="0"/>
+          <a:ext cx="0" cy="0"/>
+          <a:chOff x="0" y="0"/>
+          <a:chExt cx="0" cy="0"/>
+        </a:xfrm>
+      </p:grpSpPr>
+      <p:sp>
+        <p:nvSpPr>
+          <p:cNvPr id="2" name="Title 1"/>
+          <p:cNvSpPr>
+            <a:spLocks noGrp="1"/>
+          </p:cNvSpPr>
+          <p:nvPr>
+            <p:ph type="title"/>
+          </p:nvPr>
+        </p:nvSpPr>
+        <p:spPr/>
+        <p:txBody>
+          <a:bodyPr/>
+          <a:lstStyle/>
+          <a:p>
+            <a:r>
+              <a:rPr lang="en-US" dirty="0" smtClean="0"/>
+              <a:t>Demo 4: authorization</a:t>
+            </a:r>
+            <a:endParaRPr lang="en-US" dirty="0"/>
+          </a:p>
+        </p:txBody>
+      </p:sp>
+      <p:sp>
+        <p:nvSpPr>
+          <p:cNvPr id="3" name="Content Placeholder 2"/>
+          <p:cNvSpPr>
+            <a:spLocks noGrp="1"/>
+          </p:cNvSpPr>
+          <p:nvPr>
+            <p:ph idx="1"/>
+          </p:nvPr>
+        </p:nvSpPr>
+        <p:spPr/>
+        <p:txBody>
+          <a:bodyPr/>
+          <a:lstStyle/>
+          <a:p>
+            <a:pPr>
+              <a:buFont typeface="Wingdings" charset="2"/>
+              <a:buChar char="Ø"/>
+            </a:pPr>
+            <a:r>
+              <a:rPr lang="en-US" sz="2800" dirty="0" smtClean="0"/>
+              <a:t>List all system roles or authorities</a:t>
+            </a:r>
+          </a:p>
+          <a:p>
+            <a:pPr>
+              <a:buFont typeface="Wingdings" charset="2"/>
+              <a:buChar char="Ø"/>
+            </a:pPr>
+            <a:r>
+              <a:rPr lang="en-US" sz="2800" dirty="0" smtClean="0"/>
+              <a:t>Authorized areas of each role</a:t>
+            </a:r>
+          </a:p>
+          <a:p>
+            <a:pPr>
+              <a:buFont typeface="Wingdings" charset="2"/>
+              <a:buChar char="Ø"/>
+            </a:pPr>
+            <a:r>
+              <a:rPr lang="en-US" sz="2800" dirty="0" smtClean="0"/>
+              <a:t>Reponses unauthorized messages</a:t>
+            </a:r>
+          </a:p>
+          <a:p>
+            <a:pPr>
+              <a:buFont typeface="Wingdings" charset="2"/>
+              <a:buChar char="Ø"/>
+            </a:pPr>
+            <a:r>
+              <a:rPr lang="en-US" sz="2800" dirty="0"/>
+              <a:t>Reponses </a:t>
+            </a:r>
+            <a:r>
+              <a:rPr lang="en-US" sz="2800" dirty="0" smtClean="0"/>
+              <a:t>not found messages</a:t>
+            </a:r>
+            <a:endParaRPr lang="en-US" sz="2800" dirty="0"/>
+          </a:p>
+          <a:p>
+            <a:pPr>
+              <a:buFont typeface="Wingdings" charset="2"/>
+              <a:buChar char="Ø"/>
+            </a:pPr>
+            <a:endParaRPr lang="en-US" dirty="0"/>
+          </a:p>
+        </p:txBody>
+      </p:sp>
+    </p:spTree>
+    <p:extLst>
+      <p:ext uri="{BB962C8B-B14F-4D97-AF65-F5344CB8AC3E}">
+        <p14:creationId xmlns:p14="http://schemas.microsoft.com/office/powerpoint/2010/main" val="1495225163"/>
+      </p:ext>
+    </p:extLst>
+  </p:cSld>
+  <p:clrMapOvr>
+    <a:masterClrMapping/>
+  </p:clrMapOvr>
+</p:sld>
+</file>
+
+<file path=ppt/slides/slide38.xml><?xml version="1.0" encoding="utf-8"?>
+<p:sld xmlns:a="http://schemas.openxmlformats.org/drawingml/2006/main" xmlns:r="http://schemas.openxmlformats.org/officeDocument/2006/relationships" xmlns:p="http://schemas.openxmlformats.org/presentationml/2006/main">
+  <p:cSld>
+    <p:spTree>
+      <p:nvGrpSpPr>
+        <p:cNvPr id="1" name=""/>
+        <p:cNvGrpSpPr/>
+        <p:nvPr/>
+      </p:nvGrpSpPr>
+      <p:grpSpPr>
+        <a:xfrm>
+          <a:off x="0" y="0"/>
+          <a:ext cx="0" cy="0"/>
+          <a:chOff x="0" y="0"/>
+          <a:chExt cx="0" cy="0"/>
+        </a:xfrm>
+      </p:grpSpPr>
+      <p:sp>
+        <p:nvSpPr>
+          <p:cNvPr id="2" name="Title 1"/>
+          <p:cNvSpPr>
+            <a:spLocks noGrp="1"/>
+          </p:cNvSpPr>
+          <p:nvPr>
+            <p:ph type="title"/>
+          </p:nvPr>
+        </p:nvSpPr>
+        <p:spPr/>
+        <p:txBody>
+          <a:bodyPr/>
+          <a:lstStyle/>
+          <a:p>
+            <a:r>
+              <a:rPr lang="en-US" dirty="0" smtClean="0"/>
+              <a:t>Demo 5: system reports </a:t>
+            </a:r>
+            <a:endParaRPr lang="en-US" dirty="0"/>
+          </a:p>
+        </p:txBody>
+      </p:sp>
+      <p:sp>
+        <p:nvSpPr>
+          <p:cNvPr id="3" name="Content Placeholder 2"/>
+          <p:cNvSpPr>
+            <a:spLocks noGrp="1"/>
+          </p:cNvSpPr>
+          <p:nvPr>
+            <p:ph idx="1"/>
+          </p:nvPr>
+        </p:nvSpPr>
+        <p:spPr/>
+        <p:txBody>
+          <a:bodyPr>
+            <a:normAutofit/>
+          </a:bodyPr>
+          <a:lstStyle/>
+          <a:p>
+            <a:pPr>
+              <a:buFont typeface="Wingdings" charset="2"/>
+              <a:buChar char="Ø"/>
+            </a:pPr>
+            <a:r>
+              <a:rPr lang="en-US" sz="2800" dirty="0" smtClean="0"/>
+              <a:t>Claims per year</a:t>
+            </a:r>
+          </a:p>
+          <a:p>
+            <a:pPr>
+              <a:buFont typeface="Wingdings" charset="2"/>
+              <a:buChar char="Ø"/>
+            </a:pPr>
+            <a:r>
+              <a:rPr lang="en-US" sz="2800" dirty="0" smtClean="0"/>
+              <a:t>Claims per faculty</a:t>
+            </a:r>
+          </a:p>
+          <a:p>
+            <a:pPr>
+              <a:buFont typeface="Wingdings" charset="2"/>
+              <a:buChar char="Ø"/>
+            </a:pPr>
+            <a:r>
+              <a:rPr lang="en-US" sz="2800" dirty="0" smtClean="0"/>
+              <a:t>Processed claims per year</a:t>
+            </a:r>
+          </a:p>
+          <a:p>
+            <a:pPr>
+              <a:buFont typeface="Wingdings" charset="2"/>
+              <a:buChar char="Ø"/>
+            </a:pPr>
+            <a:r>
+              <a:rPr lang="en-US" sz="2800" dirty="0" smtClean="0"/>
+              <a:t>Claims per circumstance</a:t>
+            </a:r>
+          </a:p>
+          <a:p>
+            <a:pPr>
+              <a:buFont typeface="Wingdings" charset="2"/>
+              <a:buChar char="Ø"/>
+            </a:pPr>
+            <a:r>
+              <a:rPr lang="en-US" sz="2800" dirty="0" smtClean="0"/>
+              <a:t>Claims per validation</a:t>
+            </a:r>
+          </a:p>
+          <a:p>
+            <a:pPr>
+              <a:buFont typeface="Wingdings" charset="2"/>
+              <a:buChar char="Ø"/>
+            </a:pPr>
+            <a:r>
+              <a:rPr lang="en-US" sz="2800" dirty="0" smtClean="0"/>
+              <a:t>Custom claim reports</a:t>
+            </a:r>
+            <a:endParaRPr lang="en-US" sz="2800" dirty="0"/>
+          </a:p>
+        </p:txBody>
+      </p:sp>
+    </p:spTree>
+    <p:extLst>
+      <p:ext uri="{BB962C8B-B14F-4D97-AF65-F5344CB8AC3E}">
+        <p14:creationId xmlns:p14="http://schemas.microsoft.com/office/powerpoint/2010/main" val="1496077575"/>
+      </p:ext>
+    </p:extLst>
+  </p:cSld>
+  <p:clrMapOvr>
+    <a:masterClrMapping/>
+  </p:clrMapOvr>
+  <p:timing>
+    <p:tnLst>
+      <p:par>
+        <p:cTn id="1" dur="indefinite" restart="never" nodeType="tmRoot"/>
+      </p:par>
+    </p:tnLst>
+  </p:timing>
+</p:sld>
+</file>
+
+<file path=ppt/slides/slide39.xml><?xml version="1.0" encoding="utf-8"?>
+<p:sld xmlns:a="http://schemas.openxmlformats.org/drawingml/2006/main" xmlns:r="http://schemas.openxmlformats.org/officeDocument/2006/relationships" xmlns:p="http://schemas.openxmlformats.org/presentationml/2006/main">
+  <p:cSld>
+    <p:spTree>
+      <p:nvGrpSpPr>
+        <p:cNvPr id="1" name=""/>
+        <p:cNvGrpSpPr/>
+        <p:nvPr/>
+      </p:nvGrpSpPr>
+      <p:grpSpPr>
+        <a:xfrm>
+          <a:off x="0" y="0"/>
+          <a:ext cx="0" cy="0"/>
+          <a:chOff x="0" y="0"/>
+          <a:chExt cx="0" cy="0"/>
+        </a:xfrm>
+      </p:grpSpPr>
+      <p:sp>
+        <p:nvSpPr>
+          <p:cNvPr id="2" name="Title 1"/>
+          <p:cNvSpPr>
+            <a:spLocks noGrp="1"/>
+          </p:cNvSpPr>
+          <p:nvPr>
+            <p:ph type="title"/>
+          </p:nvPr>
+        </p:nvSpPr>
+        <p:spPr/>
+        <p:txBody>
+          <a:bodyPr/>
+          <a:lstStyle/>
+          <a:p>
+            <a:pPr algn="ctr"/>
+            <a:r>
+              <a:rPr lang="en-US" b="1" dirty="0" err="1" smtClean="0"/>
+              <a:t>ECManagement</a:t>
+            </a:r>
+            <a:r>
+              <a:rPr lang="en-US" b="1" dirty="0" smtClean="0"/>
+              <a:t> System</a:t>
+            </a:r>
+            <a:endParaRPr lang="en-US" b="1" dirty="0"/>
+          </a:p>
+        </p:txBody>
+      </p:sp>
+      <p:sp>
+        <p:nvSpPr>
+          <p:cNvPr id="3" name="Content Placeholder 2"/>
+          <p:cNvSpPr>
+            <a:spLocks noGrp="1"/>
+          </p:cNvSpPr>
+          <p:nvPr>
+            <p:ph idx="1"/>
+          </p:nvPr>
+        </p:nvSpPr>
+        <p:spPr/>
+        <p:txBody>
+          <a:bodyPr/>
+          <a:lstStyle/>
+          <a:p>
+            <a:pPr algn="ctr"/>
+            <a:endParaRPr lang="en-US" dirty="0" smtClean="0">
+              <a:hlinkClick r:id="rId2"/>
+            </a:endParaRPr>
+          </a:p>
+          <a:p>
+            <a:pPr algn="ctr"/>
+            <a:r>
+              <a:rPr lang="en-US" sz="2800" dirty="0" smtClean="0"/>
+              <a:t>Website: </a:t>
+            </a:r>
+            <a:r>
+              <a:rPr lang="en-US" sz="2800" dirty="0">
+                <a:hlinkClick r:id="rId2"/>
+              </a:rPr>
+              <a:t>http://ecmsystem.ga/</a:t>
+            </a:r>
+            <a:r>
+              <a:rPr lang="en-US" sz="2800" dirty="0"/>
+              <a:t> </a:t>
+            </a:r>
+          </a:p>
+          <a:p>
+            <a:pPr algn="ctr"/>
+            <a:endParaRPr lang="en-US" sz="2800" dirty="0" smtClean="0"/>
+          </a:p>
+          <a:p>
+            <a:pPr algn="ctr"/>
+            <a:r>
+              <a:rPr lang="en-US" sz="2800" dirty="0" smtClean="0"/>
+              <a:t>Screencast: </a:t>
+            </a:r>
+            <a:r>
+              <a:rPr lang="en-US" sz="2800" dirty="0">
+                <a:hlinkClick r:id="rId3"/>
+              </a:rPr>
+              <a:t>http://rebrand.ly/ewsd_g2_cw_kaka</a:t>
+            </a:r>
+            <a:r>
+              <a:rPr lang="en-US" sz="2800" dirty="0"/>
+              <a:t> </a:t>
+            </a:r>
+            <a:br>
+              <a:rPr lang="en-US" sz="2800" dirty="0"/>
+            </a:br>
+            <a:endParaRPr lang="en-US" sz="2800" dirty="0"/>
+          </a:p>
+          <a:p>
+            <a:pPr algn="ctr"/>
+            <a:endParaRPr lang="en-US" sz="2800" dirty="0"/>
+          </a:p>
+        </p:txBody>
+      </p:sp>
+    </p:spTree>
+    <p:extLst>
+      <p:ext uri="{BB962C8B-B14F-4D97-AF65-F5344CB8AC3E}">
+        <p14:creationId xmlns:p14="http://schemas.microsoft.com/office/powerpoint/2010/main" val="401412654"/>
+      </p:ext>
+    </p:extLst>
+  </p:cSld>
+  <p:clrMapOvr>
+    <a:masterClrMapping/>
+  </p:clrMapOvr>
+  <p:timing>
+    <p:tnLst>
+      <p:par>
+        <p:cTn id="1" dur="indefinite" restart="never" nodeType="tmRoot"/>
+      </p:par>
+    </p:tnLst>
+  </p:timing>
+</p:sld>
+</file>
+
+<file path=ppt/slides/slide4.xml><?xml version="1.0" encoding="utf-8"?>
+<p:sld xmlns:a="http://schemas.openxmlformats.org/drawingml/2006/main" xmlns:r="http://schemas.openxmlformats.org/officeDocument/2006/relationships" xmlns:p="http://schemas.openxmlformats.org/presentationml/2006/main">
+  <p:cSld>
+    <p:spTree>
+      <p:nvGrpSpPr>
+        <p:cNvPr id="1" name=""/>
+        <p:cNvGrpSpPr/>
+        <p:nvPr/>
+      </p:nvGrpSpPr>
+      <p:grpSpPr>
+        <a:xfrm>
+          <a:off x="0" y="0"/>
+          <a:ext cx="0" cy="0"/>
+          <a:chOff x="0" y="0"/>
+          <a:chExt cx="0" cy="0"/>
+        </a:xfrm>
+      </p:grpSpPr>
+      <p:sp>
+        <p:nvSpPr>
+          <p:cNvPr id="18" name="Title 17"/>
+          <p:cNvSpPr>
+            <a:spLocks noGrp="1"/>
+          </p:cNvSpPr>
+          <p:nvPr>
+            <p:ph type="title"/>
+          </p:nvPr>
+        </p:nvSpPr>
+        <p:spPr/>
+        <p:txBody>
+          <a:bodyPr/>
+          <a:lstStyle/>
+          <a:p>
+            <a:r>
+              <a:rPr lang="en-US" dirty="0" smtClean="0"/>
+              <a:t>Extenuating circumstances</a:t>
+            </a:r>
+            <a:endParaRPr lang="en-US" dirty="0"/>
+          </a:p>
+        </p:txBody>
+      </p:sp>
+      <p:sp>
+        <p:nvSpPr>
+          <p:cNvPr id="19" name="Content Placeholder 18"/>
+          <p:cNvSpPr>
+            <a:spLocks noGrp="1"/>
+          </p:cNvSpPr>
+          <p:nvPr>
+            <p:ph idx="1"/>
+          </p:nvPr>
+        </p:nvSpPr>
+        <p:spPr/>
+        <p:txBody>
+          <a:bodyPr>
+            <a:normAutofit/>
+          </a:bodyPr>
+          <a:lstStyle/>
+          <a:p>
+            <a:r>
+              <a:rPr lang="en-US" sz="2400" dirty="0" smtClean="0"/>
+              <a:t>- The process</a:t>
+            </a:r>
+          </a:p>
+          <a:p>
+            <a:r>
+              <a:rPr lang="en-US" sz="2400" dirty="0"/>
+              <a:t>- </a:t>
+            </a:r>
+            <a:r>
+              <a:rPr lang="en-US" sz="2400" dirty="0" smtClean="0"/>
+              <a:t>Informing school </a:t>
+            </a:r>
+            <a:r>
+              <a:rPr lang="en-US" sz="2400" dirty="0"/>
+              <a:t>of the circumstances that have affected </a:t>
+            </a:r>
+            <a:r>
+              <a:rPr lang="en-US" sz="2400" dirty="0" smtClean="0"/>
+              <a:t>student</a:t>
+            </a:r>
+            <a:endParaRPr lang="en-US" sz="2400" dirty="0"/>
+          </a:p>
+        </p:txBody>
+      </p:sp>
+    </p:spTree>
+    <p:extLst>
+      <p:ext uri="{BB962C8B-B14F-4D97-AF65-F5344CB8AC3E}">
+        <p14:creationId xmlns:p14="http://schemas.microsoft.com/office/powerpoint/2010/main" val="760715267"/>
+      </p:ext>
+    </p:extLst>
+  </p:cSld>
+  <p:clrMapOvr>
+    <a:masterClrMapping/>
+  </p:clrMapOvr>
+  <p:timing>
+    <p:tnLst>
+      <p:par>
+        <p:cTn id="1" dur="indefinite" restart="never" nodeType="tmRoot"/>
+      </p:par>
+    </p:tnLst>
+  </p:timing>
+</p:sld>
+</file>
+
+<file path=ppt/slides/slide5.xml><?xml version="1.0" encoding="utf-8"?>
+<p:sld xmlns:a="http://schemas.openxmlformats.org/drawingml/2006/main" xmlns:r="http://schemas.openxmlformats.org/officeDocument/2006/relationships" xmlns:p="http://schemas.openxmlformats.org/presentationml/2006/main">
+  <p:cSld>
+    <p:spTree>
+      <p:nvGrpSpPr>
+        <p:cNvPr id="1" name=""/>
+        <p:cNvGrpSpPr/>
+        <p:nvPr/>
+      </p:nvGrpSpPr>
+      <p:grpSpPr>
+        <a:xfrm>
+          <a:off x="0" y="0"/>
+          <a:ext cx="0" cy="0"/>
+          <a:chOff x="0" y="0"/>
+          <a:chExt cx="0" cy="0"/>
+        </a:xfrm>
+      </p:grpSpPr>
+      <p:sp>
+        <p:nvSpPr>
+          <p:cNvPr id="2" name="Title 1"/>
+          <p:cNvSpPr>
+            <a:spLocks noGrp="1"/>
+          </p:cNvSpPr>
+          <p:nvPr>
+            <p:ph type="title"/>
+          </p:nvPr>
+        </p:nvSpPr>
+        <p:spPr/>
+        <p:txBody>
+          <a:bodyPr/>
+          <a:lstStyle/>
+          <a:p>
+            <a:r>
+              <a:rPr lang="en-US" dirty="0" smtClean="0"/>
+              <a:t>About the System</a:t>
+            </a:r>
+            <a:endParaRPr lang="en-US" dirty="0"/>
+          </a:p>
+        </p:txBody>
+      </p:sp>
+      <p:pic>
+        <p:nvPicPr>
+          <p:cNvPr id="4" name="Content Placeholder 3"/>
+          <p:cNvPicPr>
+            <a:picLocks noGrp="1" noChangeAspect="1"/>
+          </p:cNvPicPr>
+          <p:nvPr>
+            <p:ph idx="1"/>
+          </p:nvPr>
+        </p:nvPicPr>
+        <p:blipFill>
+          <a:blip r:embed="rId3">
+            <a:extLst>
+              <a:ext uri="{28A0092B-C50C-407E-A947-70E740481C1C}">
+                <a14:useLocalDpi xmlns:a14="http://schemas.microsoft.com/office/drawing/2010/main" val="0"/>
+              </a:ext>
+            </a:extLst>
+          </a:blip>
+          <a:stretch>
+            <a:fillRect/>
+          </a:stretch>
+        </p:blipFill>
+        <p:spPr>
+          <a:xfrm>
+            <a:off x="2267999" y="2261965"/>
+            <a:ext cx="7716327" cy="3191320"/>
+          </a:xfrm>
+        </p:spPr>
+      </p:pic>
+    </p:spTree>
+    <p:extLst>
+      <p:ext uri="{BB962C8B-B14F-4D97-AF65-F5344CB8AC3E}">
+        <p14:creationId xmlns:p14="http://schemas.microsoft.com/office/powerpoint/2010/main" val="1348443942"/>
+      </p:ext>
+    </p:extLst>
+  </p:cSld>
+  <p:clrMapOvr>
+    <a:masterClrMapping/>
+  </p:clrMapOvr>
+  <p:timing>
+    <p:tnLst>
+      <p:par>
+        <p:cTn id="1" dur="indefinite" restart="never" nodeType="tmRoot"/>
+      </p:par>
+    </p:tnLst>
+  </p:timing>
+</p:sld>
+</file>
+
+<file path=ppt/slides/slide6.xml><?xml version="1.0" encoding="utf-8"?>
+<p:sld xmlns:a="http://schemas.openxmlformats.org/drawingml/2006/main" xmlns:r="http://schemas.openxmlformats.org/officeDocument/2006/relationships" xmlns:p="http://schemas.openxmlformats.org/presentationml/2006/main">
+  <p:cSld>
+    <p:spTree>
+      <p:nvGrpSpPr>
+        <p:cNvPr id="1" name=""/>
+        <p:cNvGrpSpPr/>
+        <p:nvPr/>
+      </p:nvGrpSpPr>
+      <p:grpSpPr>
+        <a:xfrm>
+          <a:off x="0" y="0"/>
+          <a:ext cx="0" cy="0"/>
+          <a:chOff x="0" y="0"/>
+          <a:chExt cx="0" cy="0"/>
+        </a:xfrm>
+      </p:grpSpPr>
+      <p:sp>
+        <p:nvSpPr>
+          <p:cNvPr id="2" name="Title 1"/>
+          <p:cNvSpPr>
+            <a:spLocks noGrp="1"/>
+          </p:cNvSpPr>
+          <p:nvPr>
+            <p:ph type="title"/>
+          </p:nvPr>
+        </p:nvSpPr>
+        <p:spPr/>
+        <p:txBody>
+          <a:bodyPr>
+            <a:normAutofit/>
+          </a:bodyPr>
+          <a:lstStyle/>
+          <a:p>
+            <a:pPr lvl="0"/>
+            <a:r>
+              <a:rPr lang="en-US" dirty="0"/>
+              <a:t>2</a:t>
+            </a:r>
+            <a:r>
+              <a:rPr lang="en-US" dirty="0" smtClean="0"/>
+              <a:t>. </a:t>
+            </a:r>
+            <a:r>
+              <a:rPr lang="en-US" dirty="0" smtClean="0"/>
+              <a:t>Functionality (user stories)</a:t>
+            </a:r>
+            <a:endParaRPr lang="en-US" dirty="0"/>
+          </a:p>
+        </p:txBody>
+      </p:sp>
+      <p:sp>
+        <p:nvSpPr>
+          <p:cNvPr id="3" name="Content Placeholder 2"/>
+          <p:cNvSpPr>
+            <a:spLocks noGrp="1"/>
+          </p:cNvSpPr>
+          <p:nvPr>
+            <p:ph idx="1"/>
+          </p:nvPr>
+        </p:nvSpPr>
+        <p:spPr>
+          <a:xfrm>
+            <a:off x="1097280" y="1737359"/>
+            <a:ext cx="10058400" cy="4470009"/>
+          </a:xfrm>
+        </p:spPr>
+        <p:txBody>
+          <a:bodyPr>
+            <a:normAutofit fontScale="77500" lnSpcReduction="20000"/>
+          </a:bodyPr>
+          <a:lstStyle/>
+          <a:p>
+            <a:pPr>
+              <a:buFont typeface="Wingdings" charset="2"/>
+              <a:buChar char="Ø"/>
+            </a:pPr>
+            <a:endParaRPr lang="en-US" sz="800" b="1" dirty="0" smtClean="0"/>
+          </a:p>
+          <a:p>
+            <a:pPr>
+              <a:buFont typeface="Wingdings" charset="2"/>
+              <a:buChar char="Ø"/>
+            </a:pPr>
+            <a:r>
+              <a:rPr lang="en-US" b="1" dirty="0" smtClean="0"/>
+              <a:t>User:</a:t>
+            </a:r>
+          </a:p>
+          <a:p>
+            <a:pPr lvl="1"/>
+            <a:r>
+              <a:rPr lang="en-US" sz="2600" dirty="0" smtClean="0">
+                <a:solidFill>
+                  <a:schemeClr val="tx1"/>
+                </a:solidFill>
+              </a:rPr>
+              <a:t>As a user, I want to login/logout the system</a:t>
+            </a:r>
+          </a:p>
+          <a:p>
+            <a:pPr lvl="1"/>
+            <a:r>
+              <a:rPr lang="en-US" sz="2600" dirty="0" smtClean="0">
+                <a:solidFill>
+                  <a:schemeClr val="tx1"/>
+                </a:solidFill>
+              </a:rPr>
+              <a:t>As a user, I want to access website online</a:t>
+            </a:r>
+            <a:endParaRPr lang="en-US" sz="2600" b="1" dirty="0" smtClean="0"/>
+          </a:p>
+          <a:p>
+            <a:pPr>
+              <a:buFont typeface="Wingdings" charset="2"/>
+              <a:buChar char="Ø"/>
+            </a:pPr>
+            <a:r>
+              <a:rPr lang="en-US" b="1" dirty="0" smtClean="0"/>
+              <a:t>Admin:</a:t>
+            </a:r>
+          </a:p>
+          <a:p>
+            <a:pPr lvl="1"/>
+            <a:r>
+              <a:rPr lang="en-US" sz="2400" dirty="0">
+                <a:solidFill>
+                  <a:schemeClr val="tx1"/>
+                </a:solidFill>
+              </a:rPr>
+              <a:t>As an administrator, I want to manage account of Users</a:t>
+            </a:r>
+          </a:p>
+          <a:p>
+            <a:pPr lvl="1"/>
+            <a:r>
+              <a:rPr lang="en-US" sz="2400" dirty="0">
+                <a:solidFill>
+                  <a:schemeClr val="tx1"/>
+                </a:solidFill>
+              </a:rPr>
+              <a:t>As an administrator, I want to manage system </a:t>
+            </a:r>
+            <a:r>
+              <a:rPr lang="en-US" sz="2400" dirty="0" smtClean="0">
+                <a:solidFill>
+                  <a:schemeClr val="tx1"/>
+                </a:solidFill>
+              </a:rPr>
+              <a:t>data</a:t>
+            </a:r>
+          </a:p>
+          <a:p>
+            <a:pPr lvl="1"/>
+            <a:r>
+              <a:rPr lang="en-US" sz="2400" dirty="0" smtClean="0">
+                <a:solidFill>
+                  <a:schemeClr val="tx1"/>
+                </a:solidFill>
+              </a:rPr>
+              <a:t>As </a:t>
+            </a:r>
+            <a:r>
+              <a:rPr lang="en-US" sz="2400" dirty="0">
+                <a:solidFill>
+                  <a:schemeClr val="tx1"/>
+                </a:solidFill>
+              </a:rPr>
+              <a:t>an administrator, I want to add more situation options (sick, injury, etc</a:t>
+            </a:r>
+            <a:r>
+              <a:rPr lang="en-US" sz="2400" dirty="0" smtClean="0">
+                <a:solidFill>
+                  <a:schemeClr val="tx1"/>
+                </a:solidFill>
+              </a:rPr>
+              <a:t>.) as </a:t>
+            </a:r>
+            <a:endParaRPr lang="en-US" sz="2400" dirty="0">
+              <a:solidFill>
+                <a:schemeClr val="tx1"/>
+              </a:solidFill>
+            </a:endParaRPr>
+          </a:p>
+          <a:p>
+            <a:pPr lvl="1"/>
+            <a:r>
+              <a:rPr lang="en-US" sz="2400" dirty="0">
+                <a:solidFill>
+                  <a:schemeClr val="tx1"/>
+                </a:solidFill>
+              </a:rPr>
+              <a:t>As an administrator, I can view all claims in the system for each years</a:t>
+            </a:r>
+          </a:p>
+          <a:p>
+            <a:pPr lvl="1"/>
+            <a:r>
+              <a:rPr lang="en-US" sz="2400" dirty="0">
+                <a:solidFill>
+                  <a:schemeClr val="tx1"/>
+                </a:solidFill>
+              </a:rPr>
+              <a:t>As an administrator, I want to view items of assessment</a:t>
+            </a:r>
+          </a:p>
+          <a:p>
+            <a:pPr lvl="1"/>
+            <a:r>
+              <a:rPr lang="en-US" sz="2400" dirty="0">
+                <a:solidFill>
+                  <a:schemeClr val="tx1"/>
+                </a:solidFill>
+              </a:rPr>
+              <a:t>As an administrator, I want to set up closure date of claim</a:t>
+            </a:r>
+          </a:p>
+          <a:p>
+            <a:pPr>
+              <a:buFont typeface="Wingdings" charset="2"/>
+              <a:buChar char="Ø"/>
+            </a:pPr>
+            <a:r>
+              <a:rPr lang="en-US" b="1" dirty="0" smtClean="0"/>
+              <a:t>Manager:</a:t>
+            </a:r>
+            <a:endParaRPr lang="en-US" b="1" dirty="0"/>
+          </a:p>
+          <a:p>
+            <a:pPr lvl="1"/>
+            <a:r>
+              <a:rPr lang="en-US" sz="2400" dirty="0" smtClean="0">
+                <a:solidFill>
+                  <a:schemeClr val="tx1"/>
+                </a:solidFill>
+              </a:rPr>
+              <a:t>As </a:t>
+            </a:r>
+            <a:r>
+              <a:rPr lang="en-US" sz="2400" dirty="0">
+                <a:solidFill>
+                  <a:schemeClr val="tx1"/>
+                </a:solidFill>
+              </a:rPr>
+              <a:t>admin or manager, I want to see weekly report or customize the report details</a:t>
+            </a:r>
+          </a:p>
+          <a:p>
+            <a:pPr lvl="1"/>
+            <a:r>
+              <a:rPr lang="en-US" sz="2400" dirty="0">
+                <a:solidFill>
+                  <a:schemeClr val="tx1"/>
+                </a:solidFill>
+              </a:rPr>
+              <a:t>As an EC manager, I want to see all </a:t>
+            </a:r>
+            <a:r>
+              <a:rPr lang="en-US" sz="2400" dirty="0" smtClean="0">
+                <a:solidFill>
+                  <a:schemeClr val="tx1"/>
+                </a:solidFill>
+              </a:rPr>
+              <a:t>claims</a:t>
+            </a:r>
+            <a:endParaRPr lang="en-US" sz="2400" dirty="0">
+              <a:solidFill>
+                <a:schemeClr val="tx1"/>
+              </a:solidFill>
+            </a:endParaRPr>
+          </a:p>
+          <a:p>
+            <a:pPr lvl="1"/>
+            <a:r>
+              <a:rPr lang="en-US" sz="2400" dirty="0">
+                <a:solidFill>
+                  <a:schemeClr val="tx1"/>
+                </a:solidFill>
+              </a:rPr>
+              <a:t>As an EC Manager, I want to see claim Statistical Analysis </a:t>
+            </a:r>
+            <a:r>
+              <a:rPr lang="en-US" sz="2400" dirty="0" smtClean="0">
+                <a:solidFill>
+                  <a:schemeClr val="tx1"/>
+                </a:solidFill>
+              </a:rPr>
+              <a:t>(claims </a:t>
+            </a:r>
+            <a:r>
+              <a:rPr lang="en-US" sz="2400" dirty="0">
+                <a:solidFill>
+                  <a:schemeClr val="tx1"/>
+                </a:solidFill>
+              </a:rPr>
+              <a:t>per </a:t>
+            </a:r>
+            <a:r>
+              <a:rPr lang="en-US" sz="2400" dirty="0" smtClean="0">
+                <a:solidFill>
+                  <a:schemeClr val="tx1"/>
+                </a:solidFill>
+              </a:rPr>
+              <a:t>year, </a:t>
+            </a:r>
+            <a:r>
+              <a:rPr lang="en-US" sz="2400" dirty="0">
+                <a:solidFill>
+                  <a:schemeClr val="tx1"/>
+                </a:solidFill>
+              </a:rPr>
+              <a:t>per Faculty...)</a:t>
+            </a:r>
+          </a:p>
+          <a:p>
+            <a:pPr>
+              <a:buFont typeface="Wingdings" charset="2"/>
+              <a:buChar char="Ø"/>
+            </a:pPr>
+            <a:endParaRPr lang="en-US" dirty="0"/>
+          </a:p>
+        </p:txBody>
+      </p:sp>
+    </p:spTree>
+    <p:extLst>
+      <p:ext uri="{BB962C8B-B14F-4D97-AF65-F5344CB8AC3E}">
+        <p14:creationId xmlns:p14="http://schemas.microsoft.com/office/powerpoint/2010/main" val="649688009"/>
+      </p:ext>
+    </p:extLst>
+  </p:cSld>
+  <p:clrMapOvr>
+    <a:masterClrMapping/>
+  </p:clrMapOvr>
+  <p:timing>
+    <p:tnLst>
+      <p:par>
+        <p:cTn id="1" dur="indefinite" restart="never" nodeType="tmRoot"/>
+      </p:par>
+    </p:tnLst>
+  </p:timing>
+</p:sld>
+</file>
+
+<file path=ppt/slides/slide7.xml><?xml version="1.0" encoding="utf-8"?>
+<p:sld xmlns:a="http://schemas.openxmlformats.org/drawingml/2006/main" xmlns:r="http://schemas.openxmlformats.org/officeDocument/2006/relationships" xmlns:p="http://schemas.openxmlformats.org/presentationml/2006/main">
+  <p:cSld>
+    <p:spTree>
+      <p:nvGrpSpPr>
+        <p:cNvPr id="1" name=""/>
+        <p:cNvGrpSpPr/>
+        <p:nvPr/>
+      </p:nvGrpSpPr>
+      <p:grpSpPr>
+        <a:xfrm>
+          <a:off x="0" y="0"/>
+          <a:ext cx="0" cy="0"/>
+          <a:chOff x="0" y="0"/>
+          <a:chExt cx="0" cy="0"/>
+        </a:xfrm>
+      </p:grpSpPr>
+      <p:sp>
+        <p:nvSpPr>
+          <p:cNvPr id="2" name="Title 1"/>
+          <p:cNvSpPr>
+            <a:spLocks noGrp="1"/>
+          </p:cNvSpPr>
+          <p:nvPr>
+            <p:ph type="title"/>
+          </p:nvPr>
+        </p:nvSpPr>
+        <p:spPr/>
+        <p:txBody>
+          <a:bodyPr/>
+          <a:lstStyle/>
+          <a:p>
+            <a:r>
+              <a:rPr lang="en-US" dirty="0" smtClean="0"/>
+              <a:t>Functionality (cont.)</a:t>
+            </a:r>
+            <a:endParaRPr lang="en-US" dirty="0"/>
+          </a:p>
+        </p:txBody>
+      </p:sp>
+      <p:sp>
+        <p:nvSpPr>
+          <p:cNvPr id="3" name="Content Placeholder 2"/>
+          <p:cNvSpPr>
+            <a:spLocks noGrp="1"/>
+          </p:cNvSpPr>
+          <p:nvPr>
+            <p:ph idx="1"/>
+          </p:nvPr>
+        </p:nvSpPr>
+        <p:spPr>
+          <a:xfrm>
+            <a:off x="1097280" y="1845734"/>
+            <a:ext cx="10058400" cy="4273712"/>
+          </a:xfrm>
+        </p:spPr>
+        <p:txBody>
+          <a:bodyPr>
+            <a:normAutofit/>
+          </a:bodyPr>
+          <a:lstStyle/>
+          <a:p>
+            <a:pPr>
+              <a:buFont typeface="Wingdings" charset="2"/>
+              <a:buChar char="Ø"/>
+            </a:pPr>
+            <a:r>
+              <a:rPr lang="en-US" b="1" dirty="0" smtClean="0"/>
+              <a:t>Coordinator:</a:t>
+            </a:r>
+          </a:p>
+          <a:p>
+            <a:pPr lvl="1"/>
+            <a:r>
+              <a:rPr lang="en-US" sz="2000" dirty="0">
+                <a:solidFill>
+                  <a:schemeClr val="tx1"/>
+                </a:solidFill>
+              </a:rPr>
+              <a:t>As an EC Coordinator, I want to receive email of notification when new claim is submitted</a:t>
+            </a:r>
+          </a:p>
+          <a:p>
+            <a:pPr lvl="1"/>
+            <a:r>
+              <a:rPr lang="en-US" sz="2000" dirty="0">
+                <a:solidFill>
+                  <a:schemeClr val="tx1"/>
+                </a:solidFill>
+              </a:rPr>
+              <a:t>As an EC Coordinator, I want to process new claim</a:t>
+            </a:r>
+          </a:p>
+          <a:p>
+            <a:pPr lvl="1"/>
+            <a:r>
+              <a:rPr lang="en-US" sz="2000" dirty="0">
+                <a:solidFill>
+                  <a:schemeClr val="tx1"/>
+                </a:solidFill>
+              </a:rPr>
+              <a:t>As an EC Coordinator, I want to see all the process of my Faculty</a:t>
+            </a:r>
+          </a:p>
+          <a:p>
+            <a:pPr>
+              <a:buFont typeface="Wingdings" charset="2"/>
+              <a:buChar char="Ø"/>
+            </a:pPr>
+            <a:r>
+              <a:rPr lang="en-US" b="1" dirty="0" smtClean="0"/>
+              <a:t>Student:</a:t>
+            </a:r>
+          </a:p>
+          <a:p>
+            <a:pPr lvl="1"/>
+            <a:r>
+              <a:rPr lang="en-US" sz="2000" dirty="0">
+                <a:solidFill>
+                  <a:schemeClr val="tx1"/>
+                </a:solidFill>
+              </a:rPr>
+              <a:t>As a Student, I want to submit more than 1 EC claims for my items of assessment. The claim must be </a:t>
+            </a:r>
+            <a:r>
+              <a:rPr lang="en-US" sz="2000" dirty="0" smtClean="0">
+                <a:solidFill>
+                  <a:schemeClr val="tx1"/>
+                </a:solidFill>
+              </a:rPr>
+              <a:t>submitted </a:t>
+            </a:r>
+            <a:r>
+              <a:rPr lang="en-US" sz="2000" dirty="0">
+                <a:solidFill>
+                  <a:schemeClr val="tx1"/>
+                </a:solidFill>
+              </a:rPr>
+              <a:t>before closure. date. And the claim must belong the faculties' student</a:t>
+            </a:r>
+          </a:p>
+          <a:p>
+            <a:pPr lvl="1"/>
+            <a:r>
+              <a:rPr lang="en-US" sz="2000" dirty="0">
+                <a:solidFill>
+                  <a:schemeClr val="tx1"/>
+                </a:solidFill>
+              </a:rPr>
+              <a:t>As a Student, I want to submit evidences for my EC claims (</a:t>
+            </a:r>
+            <a:r>
+              <a:rPr lang="en-US" sz="2000" dirty="0" err="1">
+                <a:solidFill>
+                  <a:schemeClr val="tx1"/>
+                </a:solidFill>
+              </a:rPr>
+              <a:t>e.g</a:t>
+            </a:r>
+            <a:r>
+              <a:rPr lang="en-US" sz="2000" dirty="0">
+                <a:solidFill>
+                  <a:schemeClr val="tx1"/>
+                </a:solidFill>
+              </a:rPr>
+              <a:t>: Images, PDFs…) before final closure date</a:t>
+            </a:r>
+          </a:p>
+          <a:p>
+            <a:pPr lvl="1"/>
+            <a:r>
+              <a:rPr lang="en-US" sz="2000" dirty="0">
+                <a:solidFill>
+                  <a:schemeClr val="tx1"/>
+                </a:solidFill>
+              </a:rPr>
+              <a:t>As a Student, I want to receive email which containing the decision of my EC claim</a:t>
+            </a:r>
+          </a:p>
+          <a:p>
+            <a:pPr lvl="1"/>
+            <a:r>
+              <a:rPr lang="en-US" sz="2000" dirty="0">
+                <a:solidFill>
+                  <a:schemeClr val="tx1"/>
+                </a:solidFill>
+              </a:rPr>
+              <a:t>As a Student, I want to see all my claims which is submitted also the </a:t>
+            </a:r>
+            <a:r>
+              <a:rPr lang="en-US" sz="2000" dirty="0" smtClean="0">
+                <a:solidFill>
+                  <a:schemeClr val="tx1"/>
+                </a:solidFill>
+              </a:rPr>
+              <a:t>decisions</a:t>
+            </a:r>
+          </a:p>
+          <a:p>
+            <a:pPr lvl="1"/>
+            <a:r>
+              <a:rPr lang="en-US" sz="2000" dirty="0">
+                <a:solidFill>
+                  <a:schemeClr val="tx1"/>
+                </a:solidFill>
+              </a:rPr>
+              <a:t>As a student, I want to searching and sorting claim</a:t>
+            </a:r>
+          </a:p>
+          <a:p>
+            <a:pPr lvl="1"/>
+            <a:endParaRPr lang="en-US" sz="2000" dirty="0">
+              <a:solidFill>
+                <a:schemeClr val="tx1"/>
+              </a:solidFill>
+            </a:endParaRPr>
+          </a:p>
+          <a:p>
+            <a:pPr lvl="1">
+              <a:buFont typeface="Wingdings" charset="2"/>
+              <a:buChar char="Ø"/>
+            </a:pPr>
+            <a:endParaRPr lang="en-US" dirty="0"/>
+          </a:p>
+        </p:txBody>
+      </p:sp>
+    </p:spTree>
+    <p:extLst>
+      <p:ext uri="{BB962C8B-B14F-4D97-AF65-F5344CB8AC3E}">
+        <p14:creationId xmlns:p14="http://schemas.microsoft.com/office/powerpoint/2010/main" val="1475315860"/>
+      </p:ext>
+    </p:extLst>
+  </p:cSld>
+  <p:clrMapOvr>
+    <a:masterClrMapping/>
+  </p:clrMapOvr>
+  <p:timing>
+    <p:tnLst>
+      <p:par>
+        <p:cTn id="1" dur="indefinite" restart="never" nodeType="tmRoot"/>
+      </p:par>
+    </p:tnLst>
+  </p:timing>
+</p:sld>
+</file>
+
+<file path=ppt/slides/slide8.xml><?xml version="1.0" encoding="utf-8"?>
+<p:sld xmlns:a="http://schemas.openxmlformats.org/drawingml/2006/main" xmlns:r="http://schemas.openxmlformats.org/officeDocument/2006/relationships" xmlns:p="http://schemas.openxmlformats.org/presentationml/2006/main">
+  <p:cSld>
+    <p:spTree>
+      <p:nvGrpSpPr>
+        <p:cNvPr id="1" name=""/>
+        <p:cNvGrpSpPr/>
+        <p:nvPr/>
+      </p:nvGrpSpPr>
+      <p:grpSpPr>
+        <a:xfrm>
+          <a:off x="0" y="0"/>
+          <a:ext cx="0" cy="0"/>
+          <a:chOff x="0" y="0"/>
+          <a:chExt cx="0" cy="0"/>
+        </a:xfrm>
+      </p:grpSpPr>
+      <p:sp>
+        <p:nvSpPr>
+          <p:cNvPr id="2" name="Title 1"/>
+          <p:cNvSpPr>
+            <a:spLocks noGrp="1"/>
+          </p:cNvSpPr>
+          <p:nvPr>
+            <p:ph type="title"/>
+          </p:nvPr>
+        </p:nvSpPr>
+        <p:spPr/>
+        <p:txBody>
+          <a:bodyPr/>
+          <a:lstStyle/>
+          <a:p>
+            <a:r>
+              <a:rPr lang="en-US" dirty="0"/>
+              <a:t>3</a:t>
+            </a:r>
+            <a:r>
+              <a:rPr lang="en-US" dirty="0" smtClean="0"/>
+              <a:t>. </a:t>
+            </a:r>
+            <a:r>
+              <a:rPr lang="en-US" dirty="0" smtClean="0"/>
+              <a:t>Database</a:t>
             </a:r>
             <a:endParaRPr lang="en-US" dirty="0"/>
           </a:p>
@@ -7309,7 +11256,7 @@
 </p:sld>
 </file>
 
-<file path=ppt/slides/slide4.xml><?xml version="1.0" encoding="utf-8"?>
+<file path=ppt/slides/slide9.xml><?xml version="1.0" encoding="utf-8"?>
 <p:sld xmlns:a="http://schemas.openxmlformats.org/drawingml/2006/main" xmlns:r="http://schemas.openxmlformats.org/officeDocument/2006/relationships" xmlns:p="http://schemas.openxmlformats.org/presentationml/2006/main">
   <p:cSld>
     <p:spTree>
@@ -7343,7 +11290,11 @@
           <a:p>
             <a:r>
               <a:rPr lang="en-US" dirty="0" smtClean="0"/>
-              <a:t>2. Database – Users and Roles (cont.)</a:t>
+              <a:t>Database </a:t>
+            </a:r>
+            <a:r>
+              <a:rPr lang="en-US" dirty="0" smtClean="0"/>
+              <a:t>– Users and Roles (cont.)</a:t>
             </a:r>
             <a:endParaRPr lang="en-US" dirty="0"/>
           </a:p>
@@ -7729,1327 +11680,6 @@
     <p:extLst>
       <p:ext uri="{BB962C8B-B14F-4D97-AF65-F5344CB8AC3E}">
         <p14:creationId xmlns:p14="http://schemas.microsoft.com/office/powerpoint/2010/main" val="1563967479"/>
-      </p:ext>
-    </p:extLst>
-  </p:cSld>
-  <p:clrMapOvr>
-    <a:masterClrMapping/>
-  </p:clrMapOvr>
-  <p:timing>
-    <p:tnLst>
-      <p:par>
-        <p:cTn id="1" dur="indefinite" restart="never" nodeType="tmRoot"/>
-      </p:par>
-    </p:tnLst>
-  </p:timing>
-</p:sld>
-</file>
-
-<file path=ppt/slides/slide5.xml><?xml version="1.0" encoding="utf-8"?>
-<p:sld xmlns:a="http://schemas.openxmlformats.org/drawingml/2006/main" xmlns:r="http://schemas.openxmlformats.org/officeDocument/2006/relationships" xmlns:p="http://schemas.openxmlformats.org/presentationml/2006/main">
-  <p:cSld>
-    <p:spTree>
-      <p:nvGrpSpPr>
-        <p:cNvPr id="1" name=""/>
-        <p:cNvGrpSpPr/>
-        <p:nvPr/>
-      </p:nvGrpSpPr>
-      <p:grpSpPr>
-        <a:xfrm>
-          <a:off x="0" y="0"/>
-          <a:ext cx="0" cy="0"/>
-          <a:chOff x="0" y="0"/>
-          <a:chExt cx="0" cy="0"/>
-        </a:xfrm>
-      </p:grpSpPr>
-      <p:sp>
-        <p:nvSpPr>
-          <p:cNvPr id="2" name="Title 1"/>
-          <p:cNvSpPr>
-            <a:spLocks noGrp="1"/>
-          </p:cNvSpPr>
-          <p:nvPr>
-            <p:ph type="title"/>
-          </p:nvPr>
-        </p:nvSpPr>
-        <p:spPr/>
-        <p:txBody>
-          <a:bodyPr/>
-          <a:lstStyle/>
-          <a:p>
-            <a:r>
-              <a:rPr lang="en-US" dirty="0" smtClean="0"/>
-              <a:t>2. Database – Claims (cont.)</a:t>
-            </a:r>
-            <a:endParaRPr lang="en-US" dirty="0"/>
-          </a:p>
-        </p:txBody>
-      </p:sp>
-      <p:sp>
-        <p:nvSpPr>
-          <p:cNvPr id="3" name="Content Placeholder 2"/>
-          <p:cNvSpPr>
-            <a:spLocks noGrp="1"/>
-          </p:cNvSpPr>
-          <p:nvPr>
-            <p:ph idx="1"/>
-          </p:nvPr>
-        </p:nvSpPr>
-        <p:spPr>
-          <a:xfrm>
-            <a:off x="1097280" y="1845734"/>
-            <a:ext cx="5198745" cy="4023360"/>
-          </a:xfrm>
-        </p:spPr>
-        <p:txBody>
-          <a:bodyPr/>
-          <a:lstStyle/>
-          <a:p>
-            <a:pPr marL="0" lvl="1" indent="0">
-              <a:lnSpc>
-                <a:spcPct val="100000"/>
-              </a:lnSpc>
-              <a:spcBef>
-                <a:spcPts val="0"/>
-              </a:spcBef>
-              <a:spcAft>
-                <a:spcPts val="0"/>
-              </a:spcAft>
-              <a:buClrTx/>
-              <a:buNone/>
-              <a:defRPr/>
-            </a:pPr>
-            <a:r>
-              <a:rPr lang="en-US" dirty="0" smtClean="0"/>
-              <a:t>Claim table: </a:t>
-            </a:r>
-            <a:r>
-              <a:rPr lang="en-US" dirty="0"/>
-              <a:t>store </a:t>
-            </a:r>
-            <a:r>
-              <a:rPr lang="en-US" dirty="0" smtClean="0"/>
-              <a:t>claim’s information</a:t>
-            </a:r>
-            <a:endParaRPr lang="en-US" dirty="0"/>
-          </a:p>
-          <a:p>
-            <a:pPr marL="0" lvl="1" indent="0">
-              <a:lnSpc>
-                <a:spcPct val="100000"/>
-              </a:lnSpc>
-              <a:spcBef>
-                <a:spcPts val="0"/>
-              </a:spcBef>
-              <a:spcAft>
-                <a:spcPts val="0"/>
-              </a:spcAft>
-              <a:buClrTx/>
-              <a:buNone/>
-              <a:defRPr/>
-            </a:pPr>
-            <a:r>
-              <a:rPr lang="en-US" dirty="0" smtClean="0"/>
-              <a:t>Circumstances table: type of claim’s circumstance</a:t>
-            </a:r>
-          </a:p>
-          <a:p>
-            <a:pPr marL="0" indent="0">
-              <a:lnSpc>
-                <a:spcPct val="100000"/>
-              </a:lnSpc>
-              <a:spcBef>
-                <a:spcPts val="0"/>
-              </a:spcBef>
-              <a:spcAft>
-                <a:spcPts val="0"/>
-              </a:spcAft>
-              <a:buClrTx/>
-              <a:buSzTx/>
-              <a:buNone/>
-              <a:defRPr/>
-            </a:pPr>
-            <a:endParaRPr lang="en-US" sz="1800" dirty="0" smtClean="0"/>
-          </a:p>
-          <a:p>
-            <a:pPr marL="0" indent="0">
-              <a:lnSpc>
-                <a:spcPct val="100000"/>
-              </a:lnSpc>
-              <a:spcBef>
-                <a:spcPts val="0"/>
-              </a:spcBef>
-              <a:spcAft>
-                <a:spcPts val="0"/>
-              </a:spcAft>
-              <a:buClrTx/>
-              <a:buSzTx/>
-              <a:buNone/>
-              <a:defRPr/>
-            </a:pPr>
-            <a:endParaRPr lang="en-US" sz="1800" dirty="0"/>
-          </a:p>
-          <a:p>
-            <a:pPr>
-              <a:lnSpc>
-                <a:spcPct val="100000"/>
-              </a:lnSpc>
-              <a:spcBef>
-                <a:spcPts val="0"/>
-              </a:spcBef>
-              <a:spcAft>
-                <a:spcPts val="0"/>
-              </a:spcAft>
-              <a:buClrTx/>
-              <a:buSzTx/>
-              <a:buFontTx/>
-              <a:buChar char="-"/>
-              <a:defRPr/>
-            </a:pPr>
-            <a:endParaRPr lang="en-US" sz="1800" dirty="0"/>
-          </a:p>
-          <a:p>
-            <a:pPr marL="0" indent="0">
-              <a:lnSpc>
-                <a:spcPct val="100000"/>
-              </a:lnSpc>
-              <a:spcBef>
-                <a:spcPts val="0"/>
-              </a:spcBef>
-              <a:spcAft>
-                <a:spcPts val="0"/>
-              </a:spcAft>
-              <a:buClrTx/>
-              <a:buSzTx/>
-              <a:buNone/>
-              <a:defRPr/>
-            </a:pPr>
-            <a:endParaRPr lang="en-US" sz="1800" dirty="0"/>
-          </a:p>
-          <a:p>
-            <a:pPr marL="285750" marR="0" lvl="1" indent="-285750" defTabSz="914400" eaLnBrk="1" fontAlgn="auto" latinLnBrk="0" hangingPunct="1">
-              <a:lnSpc>
-                <a:spcPct val="100000"/>
-              </a:lnSpc>
-              <a:spcBef>
-                <a:spcPts val="0"/>
-              </a:spcBef>
-              <a:spcAft>
-                <a:spcPts val="0"/>
-              </a:spcAft>
-              <a:buClrTx/>
-              <a:buSzTx/>
-              <a:buFontTx/>
-              <a:buChar char="-"/>
-              <a:tabLst/>
-              <a:defRPr/>
-            </a:pPr>
-            <a:endParaRPr lang="en-US" dirty="0" smtClean="0"/>
-          </a:p>
-          <a:p>
-            <a:pPr marL="285750" marR="0" lvl="1" indent="-285750" defTabSz="914400" eaLnBrk="1" fontAlgn="auto" latinLnBrk="0" hangingPunct="1">
-              <a:lnSpc>
-                <a:spcPct val="100000"/>
-              </a:lnSpc>
-              <a:spcBef>
-                <a:spcPts val="0"/>
-              </a:spcBef>
-              <a:spcAft>
-                <a:spcPts val="0"/>
-              </a:spcAft>
-              <a:buClrTx/>
-              <a:buSzTx/>
-              <a:buFontTx/>
-              <a:buChar char="-"/>
-              <a:tabLst/>
-              <a:defRPr/>
-            </a:pPr>
-            <a:endParaRPr lang="en-US" dirty="0"/>
-          </a:p>
-        </p:txBody>
-      </p:sp>
-      <p:pic>
-        <p:nvPicPr>
-          <p:cNvPr id="2050" name="Picture 2"/>
-          <p:cNvPicPr>
-            <a:picLocks noChangeAspect="1" noChangeArrowheads="1"/>
-          </p:cNvPicPr>
-          <p:nvPr/>
-        </p:nvPicPr>
-        <p:blipFill>
-          <a:blip r:embed="rId3">
-            <a:extLst>
-              <a:ext uri="{28A0092B-C50C-407E-A947-70E740481C1C}">
-                <a14:useLocalDpi xmlns:a14="http://schemas.microsoft.com/office/drawing/2010/main" val="0"/>
-              </a:ext>
-            </a:extLst>
-          </a:blip>
-          <a:srcRect/>
-          <a:stretch>
-            <a:fillRect/>
-          </a:stretch>
-        </p:blipFill>
-        <p:spPr bwMode="auto">
-          <a:xfrm>
-            <a:off x="6859905" y="2045758"/>
-            <a:ext cx="4419600" cy="3190875"/>
-          </a:xfrm>
-          <a:prstGeom prst="rect">
-            <a:avLst/>
-          </a:prstGeom>
-          <a:noFill/>
-          <a:ln>
-            <a:noFill/>
-          </a:ln>
-          <a:extLst>
-            <a:ext uri="{909E8E84-426E-40DD-AFC4-6F175D3DCCD1}">
-              <a14:hiddenFill xmlns:a14="http://schemas.microsoft.com/office/drawing/2010/main">
-                <a:solidFill>
-                  <a:schemeClr val="accent1"/>
-                </a:solidFill>
-              </a14:hiddenFill>
-            </a:ext>
-            <a:ext uri="{91240B29-F687-4F45-9708-019B960494DF}">
-              <a14:hiddenLine xmlns:a14="http://schemas.microsoft.com/office/drawing/2010/main" w="9525">
-                <a:solidFill>
-                  <a:schemeClr val="tx1"/>
-                </a:solidFill>
-                <a:miter lim="800000"/>
-                <a:headEnd/>
-                <a:tailEnd/>
-              </a14:hiddenLine>
-            </a:ext>
-          </a:extLst>
-        </p:spPr>
-      </p:pic>
-    </p:spTree>
-    <p:extLst>
-      <p:ext uri="{BB962C8B-B14F-4D97-AF65-F5344CB8AC3E}">
-        <p14:creationId xmlns:p14="http://schemas.microsoft.com/office/powerpoint/2010/main" val="1966029437"/>
-      </p:ext>
-    </p:extLst>
-  </p:cSld>
-  <p:clrMapOvr>
-    <a:masterClrMapping/>
-  </p:clrMapOvr>
-  <p:timing>
-    <p:tnLst>
-      <p:par>
-        <p:cTn id="1" dur="indefinite" restart="never" nodeType="tmRoot"/>
-      </p:par>
-    </p:tnLst>
-  </p:timing>
-</p:sld>
-</file>
-
-<file path=ppt/slides/slide6.xml><?xml version="1.0" encoding="utf-8"?>
-<p:sld xmlns:a="http://schemas.openxmlformats.org/drawingml/2006/main" xmlns:r="http://schemas.openxmlformats.org/officeDocument/2006/relationships" xmlns:p="http://schemas.openxmlformats.org/presentationml/2006/main">
-  <p:cSld>
-    <p:spTree>
-      <p:nvGrpSpPr>
-        <p:cNvPr id="1" name=""/>
-        <p:cNvGrpSpPr/>
-        <p:nvPr/>
-      </p:nvGrpSpPr>
-      <p:grpSpPr>
-        <a:xfrm>
-          <a:off x="0" y="0"/>
-          <a:ext cx="0" cy="0"/>
-          <a:chOff x="0" y="0"/>
-          <a:chExt cx="0" cy="0"/>
-        </a:xfrm>
-      </p:grpSpPr>
-      <p:sp>
-        <p:nvSpPr>
-          <p:cNvPr id="2" name="Title 1"/>
-          <p:cNvSpPr>
-            <a:spLocks noGrp="1"/>
-          </p:cNvSpPr>
-          <p:nvPr>
-            <p:ph type="title"/>
-          </p:nvPr>
-        </p:nvSpPr>
-        <p:spPr/>
-        <p:txBody>
-          <a:bodyPr/>
-          <a:lstStyle/>
-          <a:p>
-            <a:r>
-              <a:rPr lang="en-US" dirty="0" smtClean="0"/>
-              <a:t>2. Database – Assessments (cont.)</a:t>
-            </a:r>
-            <a:endParaRPr lang="en-US" dirty="0"/>
-          </a:p>
-        </p:txBody>
-      </p:sp>
-      <p:sp>
-        <p:nvSpPr>
-          <p:cNvPr id="3" name="Content Placeholder 2"/>
-          <p:cNvSpPr>
-            <a:spLocks noGrp="1"/>
-          </p:cNvSpPr>
-          <p:nvPr>
-            <p:ph idx="1"/>
-          </p:nvPr>
-        </p:nvSpPr>
-        <p:spPr>
-          <a:xfrm>
-            <a:off x="1097280" y="1845734"/>
-            <a:ext cx="7189470" cy="4023360"/>
-          </a:xfrm>
-        </p:spPr>
-        <p:txBody>
-          <a:bodyPr/>
-          <a:lstStyle/>
-          <a:p>
-            <a:pPr marL="0" lvl="1" indent="0">
-              <a:lnSpc>
-                <a:spcPct val="100000"/>
-              </a:lnSpc>
-              <a:spcBef>
-                <a:spcPts val="0"/>
-              </a:spcBef>
-              <a:spcAft>
-                <a:spcPts val="0"/>
-              </a:spcAft>
-              <a:buClrTx/>
-              <a:buNone/>
-              <a:defRPr/>
-            </a:pPr>
-            <a:r>
-              <a:rPr lang="en-US" dirty="0" smtClean="0"/>
-              <a:t>Assessment table: store course information</a:t>
-            </a:r>
-          </a:p>
-          <a:p>
-            <a:pPr marL="0" lvl="1" indent="0">
-              <a:lnSpc>
-                <a:spcPct val="100000"/>
-              </a:lnSpc>
-              <a:spcBef>
-                <a:spcPts val="0"/>
-              </a:spcBef>
-              <a:spcAft>
-                <a:spcPts val="0"/>
-              </a:spcAft>
-              <a:buClrTx/>
-              <a:buNone/>
-              <a:defRPr/>
-            </a:pPr>
-            <a:r>
-              <a:rPr lang="en-US" dirty="0" smtClean="0"/>
-              <a:t>Item table: store the type of point for each course, such as Examination or Coursework.</a:t>
-            </a:r>
-            <a:endParaRPr lang="en-US" dirty="0"/>
-          </a:p>
-          <a:p>
-            <a:pPr marL="0" indent="0">
-              <a:lnSpc>
-                <a:spcPct val="100000"/>
-              </a:lnSpc>
-              <a:spcBef>
-                <a:spcPts val="0"/>
-              </a:spcBef>
-              <a:spcAft>
-                <a:spcPts val="0"/>
-              </a:spcAft>
-              <a:buClrTx/>
-              <a:buSzTx/>
-              <a:buNone/>
-              <a:defRPr/>
-            </a:pPr>
-            <a:endParaRPr lang="en-US" sz="1800" dirty="0" smtClean="0"/>
-          </a:p>
-          <a:p>
-            <a:pPr marL="0" indent="0">
-              <a:lnSpc>
-                <a:spcPct val="100000"/>
-              </a:lnSpc>
-              <a:spcBef>
-                <a:spcPts val="0"/>
-              </a:spcBef>
-              <a:spcAft>
-                <a:spcPts val="0"/>
-              </a:spcAft>
-              <a:buClrTx/>
-              <a:buSzTx/>
-              <a:buNone/>
-              <a:defRPr/>
-            </a:pPr>
-            <a:endParaRPr lang="en-US" sz="1800" dirty="0"/>
-          </a:p>
-          <a:p>
-            <a:pPr>
-              <a:lnSpc>
-                <a:spcPct val="100000"/>
-              </a:lnSpc>
-              <a:spcBef>
-                <a:spcPts val="0"/>
-              </a:spcBef>
-              <a:spcAft>
-                <a:spcPts val="0"/>
-              </a:spcAft>
-              <a:buClrTx/>
-              <a:buSzTx/>
-              <a:buFontTx/>
-              <a:buChar char="-"/>
-              <a:defRPr/>
-            </a:pPr>
-            <a:endParaRPr lang="en-US" sz="1800" dirty="0"/>
-          </a:p>
-          <a:p>
-            <a:pPr marL="0" indent="0">
-              <a:lnSpc>
-                <a:spcPct val="100000"/>
-              </a:lnSpc>
-              <a:spcBef>
-                <a:spcPts val="0"/>
-              </a:spcBef>
-              <a:spcAft>
-                <a:spcPts val="0"/>
-              </a:spcAft>
-              <a:buClrTx/>
-              <a:buSzTx/>
-              <a:buNone/>
-              <a:defRPr/>
-            </a:pPr>
-            <a:endParaRPr lang="en-US" sz="1800" dirty="0"/>
-          </a:p>
-          <a:p>
-            <a:pPr marL="285750" marR="0" lvl="1" indent="-285750" defTabSz="914400" eaLnBrk="1" fontAlgn="auto" latinLnBrk="0" hangingPunct="1">
-              <a:lnSpc>
-                <a:spcPct val="100000"/>
-              </a:lnSpc>
-              <a:spcBef>
-                <a:spcPts val="0"/>
-              </a:spcBef>
-              <a:spcAft>
-                <a:spcPts val="0"/>
-              </a:spcAft>
-              <a:buClrTx/>
-              <a:buSzTx/>
-              <a:buFontTx/>
-              <a:buChar char="-"/>
-              <a:tabLst/>
-              <a:defRPr/>
-            </a:pPr>
-            <a:endParaRPr lang="en-US" dirty="0" smtClean="0"/>
-          </a:p>
-          <a:p>
-            <a:pPr marL="285750" marR="0" lvl="1" indent="-285750" defTabSz="914400" eaLnBrk="1" fontAlgn="auto" latinLnBrk="0" hangingPunct="1">
-              <a:lnSpc>
-                <a:spcPct val="100000"/>
-              </a:lnSpc>
-              <a:spcBef>
-                <a:spcPts val="0"/>
-              </a:spcBef>
-              <a:spcAft>
-                <a:spcPts val="0"/>
-              </a:spcAft>
-              <a:buClrTx/>
-              <a:buSzTx/>
-              <a:buFontTx/>
-              <a:buChar char="-"/>
-              <a:tabLst/>
-              <a:defRPr/>
-            </a:pPr>
-            <a:endParaRPr lang="en-US" dirty="0"/>
-          </a:p>
-        </p:txBody>
-      </p:sp>
-      <p:pic>
-        <p:nvPicPr>
-          <p:cNvPr id="4098" name="Picture 2"/>
-          <p:cNvPicPr>
-            <a:picLocks noChangeAspect="1" noChangeArrowheads="1"/>
-          </p:cNvPicPr>
-          <p:nvPr/>
-        </p:nvPicPr>
-        <p:blipFill>
-          <a:blip r:embed="rId3">
-            <a:extLst>
-              <a:ext uri="{28A0092B-C50C-407E-A947-70E740481C1C}">
-                <a14:useLocalDpi xmlns:a14="http://schemas.microsoft.com/office/drawing/2010/main" val="0"/>
-              </a:ext>
-            </a:extLst>
-          </a:blip>
-          <a:srcRect/>
-          <a:stretch>
-            <a:fillRect/>
-          </a:stretch>
-        </p:blipFill>
-        <p:spPr bwMode="auto">
-          <a:xfrm>
-            <a:off x="8410575" y="2209800"/>
-            <a:ext cx="1981200" cy="2438400"/>
-          </a:xfrm>
-          <a:prstGeom prst="rect">
-            <a:avLst/>
-          </a:prstGeom>
-          <a:noFill/>
-          <a:ln>
-            <a:noFill/>
-          </a:ln>
-          <a:extLst>
-            <a:ext uri="{909E8E84-426E-40DD-AFC4-6F175D3DCCD1}">
-              <a14:hiddenFill xmlns:a14="http://schemas.microsoft.com/office/drawing/2010/main">
-                <a:solidFill>
-                  <a:schemeClr val="accent1"/>
-                </a:solidFill>
-              </a14:hiddenFill>
-            </a:ext>
-            <a:ext uri="{91240B29-F687-4F45-9708-019B960494DF}">
-              <a14:hiddenLine xmlns:a14="http://schemas.microsoft.com/office/drawing/2010/main" w="9525">
-                <a:solidFill>
-                  <a:schemeClr val="tx1"/>
-                </a:solidFill>
-                <a:miter lim="800000"/>
-                <a:headEnd/>
-                <a:tailEnd/>
-              </a14:hiddenLine>
-            </a:ext>
-          </a:extLst>
-        </p:spPr>
-      </p:pic>
-    </p:spTree>
-    <p:extLst>
-      <p:ext uri="{BB962C8B-B14F-4D97-AF65-F5344CB8AC3E}">
-        <p14:creationId xmlns:p14="http://schemas.microsoft.com/office/powerpoint/2010/main" val="1218341352"/>
-      </p:ext>
-    </p:extLst>
-  </p:cSld>
-  <p:clrMapOvr>
-    <a:masterClrMapping/>
-  </p:clrMapOvr>
-  <p:timing>
-    <p:tnLst>
-      <p:par>
-        <p:cTn id="1" dur="indefinite" restart="never" nodeType="tmRoot"/>
-      </p:par>
-    </p:tnLst>
-  </p:timing>
-</p:sld>
-</file>
-
-<file path=ppt/slides/slide7.xml><?xml version="1.0" encoding="utf-8"?>
-<p:sld xmlns:a="http://schemas.openxmlformats.org/drawingml/2006/main" xmlns:r="http://schemas.openxmlformats.org/officeDocument/2006/relationships" xmlns:p="http://schemas.openxmlformats.org/presentationml/2006/main">
-  <p:cSld>
-    <p:spTree>
-      <p:nvGrpSpPr>
-        <p:cNvPr id="1" name=""/>
-        <p:cNvGrpSpPr/>
-        <p:nvPr/>
-      </p:nvGrpSpPr>
-      <p:grpSpPr>
-        <a:xfrm>
-          <a:off x="0" y="0"/>
-          <a:ext cx="0" cy="0"/>
-          <a:chOff x="0" y="0"/>
-          <a:chExt cx="0" cy="0"/>
-        </a:xfrm>
-      </p:grpSpPr>
-      <p:sp>
-        <p:nvSpPr>
-          <p:cNvPr id="2" name="Title 1"/>
-          <p:cNvSpPr>
-            <a:spLocks noGrp="1"/>
-          </p:cNvSpPr>
-          <p:nvPr>
-            <p:ph type="title"/>
-          </p:nvPr>
-        </p:nvSpPr>
-        <p:spPr>
-          <a:xfrm>
-            <a:off x="1097280" y="286603"/>
-            <a:ext cx="6827520" cy="1450757"/>
-          </a:xfrm>
-        </p:spPr>
-        <p:txBody>
-          <a:bodyPr/>
-          <a:lstStyle/>
-          <a:p>
-            <a:r>
-              <a:rPr lang="en-US" dirty="0" smtClean="0"/>
-              <a:t>2. Database – Model</a:t>
-            </a:r>
-            <a:endParaRPr lang="en-US" dirty="0"/>
-          </a:p>
-        </p:txBody>
-      </p:sp>
-      <p:sp>
-        <p:nvSpPr>
-          <p:cNvPr id="3" name="Content Placeholder 2"/>
-          <p:cNvSpPr>
-            <a:spLocks noGrp="1"/>
-          </p:cNvSpPr>
-          <p:nvPr>
-            <p:ph idx="1"/>
-          </p:nvPr>
-        </p:nvSpPr>
-        <p:spPr>
-          <a:xfrm>
-            <a:off x="1097280" y="1845734"/>
-            <a:ext cx="7189470" cy="4023360"/>
-          </a:xfrm>
-        </p:spPr>
-        <p:txBody>
-          <a:bodyPr/>
-          <a:lstStyle/>
-          <a:p>
-            <a:pPr marL="0" lvl="1" indent="0">
-              <a:lnSpc>
-                <a:spcPct val="100000"/>
-              </a:lnSpc>
-              <a:spcBef>
-                <a:spcPts val="0"/>
-              </a:spcBef>
-              <a:spcAft>
-                <a:spcPts val="0"/>
-              </a:spcAft>
-              <a:buClrTx/>
-              <a:buNone/>
-              <a:defRPr/>
-            </a:pPr>
-            <a:r>
-              <a:rPr lang="en-US" dirty="0" smtClean="0"/>
-              <a:t>UML Diagram based on Database ERD</a:t>
-            </a:r>
-          </a:p>
-          <a:p>
-            <a:pPr marL="0" lvl="1" indent="0">
-              <a:lnSpc>
-                <a:spcPct val="100000"/>
-              </a:lnSpc>
-              <a:spcBef>
-                <a:spcPts val="0"/>
-              </a:spcBef>
-              <a:spcAft>
-                <a:spcPts val="0"/>
-              </a:spcAft>
-              <a:buClrTx/>
-              <a:buNone/>
-              <a:defRPr/>
-            </a:pPr>
-            <a:endParaRPr lang="en-US" dirty="0"/>
-          </a:p>
-          <a:p>
-            <a:pPr marL="0" indent="0">
-              <a:lnSpc>
-                <a:spcPct val="100000"/>
-              </a:lnSpc>
-              <a:spcBef>
-                <a:spcPts val="0"/>
-              </a:spcBef>
-              <a:spcAft>
-                <a:spcPts val="0"/>
-              </a:spcAft>
-              <a:buClrTx/>
-              <a:buSzTx/>
-              <a:buNone/>
-              <a:defRPr/>
-            </a:pPr>
-            <a:endParaRPr lang="en-US" sz="1800" dirty="0" smtClean="0"/>
-          </a:p>
-          <a:p>
-            <a:pPr marL="0" indent="0">
-              <a:lnSpc>
-                <a:spcPct val="100000"/>
-              </a:lnSpc>
-              <a:spcBef>
-                <a:spcPts val="0"/>
-              </a:spcBef>
-              <a:spcAft>
-                <a:spcPts val="0"/>
-              </a:spcAft>
-              <a:buClrTx/>
-              <a:buSzTx/>
-              <a:buNone/>
-              <a:defRPr/>
-            </a:pPr>
-            <a:endParaRPr lang="en-US" sz="1800" dirty="0"/>
-          </a:p>
-          <a:p>
-            <a:pPr>
-              <a:lnSpc>
-                <a:spcPct val="100000"/>
-              </a:lnSpc>
-              <a:spcBef>
-                <a:spcPts val="0"/>
-              </a:spcBef>
-              <a:spcAft>
-                <a:spcPts val="0"/>
-              </a:spcAft>
-              <a:buClrTx/>
-              <a:buSzTx/>
-              <a:buFontTx/>
-              <a:buChar char="-"/>
-              <a:defRPr/>
-            </a:pPr>
-            <a:endParaRPr lang="en-US" sz="1800" dirty="0"/>
-          </a:p>
-          <a:p>
-            <a:pPr marL="0" indent="0">
-              <a:lnSpc>
-                <a:spcPct val="100000"/>
-              </a:lnSpc>
-              <a:spcBef>
-                <a:spcPts val="0"/>
-              </a:spcBef>
-              <a:spcAft>
-                <a:spcPts val="0"/>
-              </a:spcAft>
-              <a:buClrTx/>
-              <a:buSzTx/>
-              <a:buNone/>
-              <a:defRPr/>
-            </a:pPr>
-            <a:endParaRPr lang="en-US" sz="1800" dirty="0"/>
-          </a:p>
-          <a:p>
-            <a:pPr marL="285750" marR="0" lvl="1" indent="-285750" defTabSz="914400" eaLnBrk="1" fontAlgn="auto" latinLnBrk="0" hangingPunct="1">
-              <a:lnSpc>
-                <a:spcPct val="100000"/>
-              </a:lnSpc>
-              <a:spcBef>
-                <a:spcPts val="0"/>
-              </a:spcBef>
-              <a:spcAft>
-                <a:spcPts val="0"/>
-              </a:spcAft>
-              <a:buClrTx/>
-              <a:buSzTx/>
-              <a:buFontTx/>
-              <a:buChar char="-"/>
-              <a:tabLst/>
-              <a:defRPr/>
-            </a:pPr>
-            <a:endParaRPr lang="en-US" dirty="0" smtClean="0"/>
-          </a:p>
-          <a:p>
-            <a:pPr marL="285750" marR="0" lvl="1" indent="-285750" defTabSz="914400" eaLnBrk="1" fontAlgn="auto" latinLnBrk="0" hangingPunct="1">
-              <a:lnSpc>
-                <a:spcPct val="100000"/>
-              </a:lnSpc>
-              <a:spcBef>
-                <a:spcPts val="0"/>
-              </a:spcBef>
-              <a:spcAft>
-                <a:spcPts val="0"/>
-              </a:spcAft>
-              <a:buClrTx/>
-              <a:buSzTx/>
-              <a:buFontTx/>
-              <a:buChar char="-"/>
-              <a:tabLst/>
-              <a:defRPr/>
-            </a:pPr>
-            <a:endParaRPr lang="en-US" dirty="0"/>
-          </a:p>
-        </p:txBody>
-      </p:sp>
-      <p:pic>
-        <p:nvPicPr>
-          <p:cNvPr id="3075" name="Picture 3"/>
-          <p:cNvPicPr>
-            <a:picLocks noChangeAspect="1" noChangeArrowheads="1"/>
-          </p:cNvPicPr>
-          <p:nvPr/>
-        </p:nvPicPr>
-        <p:blipFill>
-          <a:blip r:embed="rId3">
-            <a:extLst>
-              <a:ext uri="{28A0092B-C50C-407E-A947-70E740481C1C}">
-                <a14:useLocalDpi xmlns:a14="http://schemas.microsoft.com/office/drawing/2010/main" val="0"/>
-              </a:ext>
-            </a:extLst>
-          </a:blip>
-          <a:srcRect/>
-          <a:stretch>
-            <a:fillRect/>
-          </a:stretch>
-        </p:blipFill>
-        <p:spPr bwMode="auto">
-          <a:xfrm>
-            <a:off x="5163196" y="1737360"/>
-            <a:ext cx="6247107" cy="4511040"/>
-          </a:xfrm>
-          <a:prstGeom prst="rect">
-            <a:avLst/>
-          </a:prstGeom>
-          <a:noFill/>
-          <a:ln>
-            <a:noFill/>
-          </a:ln>
-          <a:extLst>
-            <a:ext uri="{909E8E84-426E-40DD-AFC4-6F175D3DCCD1}">
-              <a14:hiddenFill xmlns:a14="http://schemas.microsoft.com/office/drawing/2010/main">
-                <a:solidFill>
-                  <a:schemeClr val="accent1"/>
-                </a:solidFill>
-              </a14:hiddenFill>
-            </a:ext>
-            <a:ext uri="{91240B29-F687-4F45-9708-019B960494DF}">
-              <a14:hiddenLine xmlns:a14="http://schemas.microsoft.com/office/drawing/2010/main" w="9525">
-                <a:solidFill>
-                  <a:schemeClr val="tx1"/>
-                </a:solidFill>
-                <a:miter lim="800000"/>
-                <a:headEnd/>
-                <a:tailEnd/>
-              </a14:hiddenLine>
-            </a:ext>
-          </a:extLst>
-        </p:spPr>
-      </p:pic>
-    </p:spTree>
-    <p:extLst>
-      <p:ext uri="{BB962C8B-B14F-4D97-AF65-F5344CB8AC3E}">
-        <p14:creationId xmlns:p14="http://schemas.microsoft.com/office/powerpoint/2010/main" val="1386060526"/>
-      </p:ext>
-    </p:extLst>
-  </p:cSld>
-  <p:clrMapOvr>
-    <a:masterClrMapping/>
-  </p:clrMapOvr>
-  <p:timing>
-    <p:tnLst>
-      <p:par>
-        <p:cTn id="1" dur="indefinite" restart="never" nodeType="tmRoot"/>
-      </p:par>
-    </p:tnLst>
-  </p:timing>
-</p:sld>
-</file>
-
-<file path=ppt/slides/slide8.xml><?xml version="1.0" encoding="utf-8"?>
-<p:sld xmlns:a="http://schemas.openxmlformats.org/drawingml/2006/main" xmlns:r="http://schemas.openxmlformats.org/officeDocument/2006/relationships" xmlns:p="http://schemas.openxmlformats.org/presentationml/2006/main">
-  <p:cSld>
-    <p:spTree>
-      <p:nvGrpSpPr>
-        <p:cNvPr id="1" name=""/>
-        <p:cNvGrpSpPr/>
-        <p:nvPr/>
-      </p:nvGrpSpPr>
-      <p:grpSpPr>
-        <a:xfrm>
-          <a:off x="0" y="0"/>
-          <a:ext cx="0" cy="0"/>
-          <a:chOff x="0" y="0"/>
-          <a:chExt cx="0" cy="0"/>
-        </a:xfrm>
-      </p:grpSpPr>
-      <p:sp>
-        <p:nvSpPr>
-          <p:cNvPr id="2" name="Title 1"/>
-          <p:cNvSpPr>
-            <a:spLocks noGrp="1"/>
-          </p:cNvSpPr>
-          <p:nvPr>
-            <p:ph type="title"/>
-          </p:nvPr>
-        </p:nvSpPr>
-        <p:spPr/>
-        <p:txBody>
-          <a:bodyPr>
-            <a:normAutofit/>
-          </a:bodyPr>
-          <a:lstStyle/>
-          <a:p>
-            <a:pPr lvl="0"/>
-            <a:r>
-              <a:rPr lang="en-US" dirty="0" smtClean="0"/>
-              <a:t>3. Site design</a:t>
-            </a:r>
-            <a:endParaRPr lang="en-US" dirty="0"/>
-          </a:p>
-        </p:txBody>
-      </p:sp>
-      <p:sp>
-        <p:nvSpPr>
-          <p:cNvPr id="3" name="Content Placeholder 2"/>
-          <p:cNvSpPr>
-            <a:spLocks noGrp="1"/>
-          </p:cNvSpPr>
-          <p:nvPr>
-            <p:ph idx="1"/>
-          </p:nvPr>
-        </p:nvSpPr>
-        <p:spPr/>
-        <p:txBody>
-          <a:bodyPr/>
-          <a:lstStyle/>
-          <a:p>
-            <a:pPr lvl="1"/>
-            <a:r>
-              <a:rPr lang="en-US" dirty="0"/>
-              <a:t>Implementation of responsive design</a:t>
-            </a:r>
-          </a:p>
-          <a:p>
-            <a:pPr lvl="1"/>
-            <a:r>
-              <a:rPr lang="en-US" dirty="0"/>
-              <a:t>Testing in different screen resolution</a:t>
-            </a:r>
-          </a:p>
-          <a:p>
-            <a:pPr lvl="1"/>
-            <a:r>
-              <a:rPr lang="en-US" dirty="0"/>
-              <a:t>Usability</a:t>
-            </a:r>
-          </a:p>
-          <a:p>
-            <a:pPr lvl="1"/>
-            <a:r>
-              <a:rPr lang="en-US" dirty="0"/>
-              <a:t>Accessibility</a:t>
-            </a:r>
-          </a:p>
-          <a:p>
-            <a:endParaRPr lang="en-US" dirty="0"/>
-          </a:p>
-        </p:txBody>
-      </p:sp>
-    </p:spTree>
-    <p:extLst>
-      <p:ext uri="{BB962C8B-B14F-4D97-AF65-F5344CB8AC3E}">
-        <p14:creationId xmlns:p14="http://schemas.microsoft.com/office/powerpoint/2010/main" val="1582991963"/>
-      </p:ext>
-    </p:extLst>
-  </p:cSld>
-  <p:clrMapOvr>
-    <a:masterClrMapping/>
-  </p:clrMapOvr>
-  <p:timing>
-    <p:tnLst>
-      <p:par>
-        <p:cTn id="1" dur="indefinite" restart="never" nodeType="tmRoot"/>
-      </p:par>
-    </p:tnLst>
-  </p:timing>
-</p:sld>
-</file>
-
-<file path=ppt/slides/slide9.xml><?xml version="1.0" encoding="utf-8"?>
-<p:sld xmlns:a="http://schemas.openxmlformats.org/drawingml/2006/main" xmlns:r="http://schemas.openxmlformats.org/officeDocument/2006/relationships" xmlns:p="http://schemas.openxmlformats.org/presentationml/2006/main">
-  <p:cSld>
-    <p:spTree>
-      <p:nvGrpSpPr>
-        <p:cNvPr id="1" name=""/>
-        <p:cNvGrpSpPr/>
-        <p:nvPr/>
-      </p:nvGrpSpPr>
-      <p:grpSpPr>
-        <a:xfrm>
-          <a:off x="0" y="0"/>
-          <a:ext cx="0" cy="0"/>
-          <a:chOff x="0" y="0"/>
-          <a:chExt cx="0" cy="0"/>
-        </a:xfrm>
-      </p:grpSpPr>
-      <p:sp>
-        <p:nvSpPr>
-          <p:cNvPr id="2" name="Title 1"/>
-          <p:cNvSpPr>
-            <a:spLocks noGrp="1"/>
-          </p:cNvSpPr>
-          <p:nvPr>
-            <p:ph type="title"/>
-          </p:nvPr>
-        </p:nvSpPr>
-        <p:spPr/>
-        <p:txBody>
-          <a:bodyPr>
-            <a:normAutofit/>
-          </a:bodyPr>
-          <a:lstStyle/>
-          <a:p>
-            <a:pPr lvl="0"/>
-            <a:r>
-              <a:rPr lang="en-US" dirty="0" smtClean="0"/>
-              <a:t>4. Functionality (user stories)</a:t>
-            </a:r>
-            <a:endParaRPr lang="en-US" dirty="0"/>
-          </a:p>
-        </p:txBody>
-      </p:sp>
-      <p:sp>
-        <p:nvSpPr>
-          <p:cNvPr id="3" name="Content Placeholder 2"/>
-          <p:cNvSpPr>
-            <a:spLocks noGrp="1"/>
-          </p:cNvSpPr>
-          <p:nvPr>
-            <p:ph idx="1"/>
-          </p:nvPr>
-        </p:nvSpPr>
-        <p:spPr>
-          <a:xfrm>
-            <a:off x="1097280" y="1737359"/>
-            <a:ext cx="10058400" cy="4470009"/>
-          </a:xfrm>
-        </p:spPr>
-        <p:txBody>
-          <a:bodyPr>
-            <a:normAutofit fontScale="77500" lnSpcReduction="20000"/>
-          </a:bodyPr>
-          <a:lstStyle/>
-          <a:p>
-            <a:pPr>
-              <a:buFont typeface="Wingdings" charset="2"/>
-              <a:buChar char="Ø"/>
-            </a:pPr>
-            <a:endParaRPr lang="en-US" sz="800" b="1" dirty="0" smtClean="0"/>
-          </a:p>
-          <a:p>
-            <a:pPr>
-              <a:buFont typeface="Wingdings" charset="2"/>
-              <a:buChar char="Ø"/>
-            </a:pPr>
-            <a:r>
-              <a:rPr lang="en-US" b="1" dirty="0" smtClean="0"/>
-              <a:t>User:</a:t>
-            </a:r>
-          </a:p>
-          <a:p>
-            <a:pPr lvl="1"/>
-            <a:r>
-              <a:rPr lang="en-US" sz="2600" dirty="0" smtClean="0">
-                <a:solidFill>
-                  <a:schemeClr val="tx1"/>
-                </a:solidFill>
-              </a:rPr>
-              <a:t>As a user, I want to login/logout the system</a:t>
-            </a:r>
-          </a:p>
-          <a:p>
-            <a:pPr lvl="1"/>
-            <a:r>
-              <a:rPr lang="en-US" sz="2600" dirty="0" smtClean="0">
-                <a:solidFill>
-                  <a:schemeClr val="tx1"/>
-                </a:solidFill>
-              </a:rPr>
-              <a:t>As a user, I want to access website online</a:t>
-            </a:r>
-            <a:endParaRPr lang="en-US" sz="2600" b="1" dirty="0" smtClean="0"/>
-          </a:p>
-          <a:p>
-            <a:pPr>
-              <a:buFont typeface="Wingdings" charset="2"/>
-              <a:buChar char="Ø"/>
-            </a:pPr>
-            <a:r>
-              <a:rPr lang="en-US" b="1" dirty="0" smtClean="0"/>
-              <a:t>Admin:</a:t>
-            </a:r>
-          </a:p>
-          <a:p>
-            <a:pPr lvl="1"/>
-            <a:r>
-              <a:rPr lang="en-US" sz="2400" dirty="0">
-                <a:solidFill>
-                  <a:schemeClr val="tx1"/>
-                </a:solidFill>
-              </a:rPr>
-              <a:t>As an administrator, I want to manage account of Users</a:t>
-            </a:r>
-          </a:p>
-          <a:p>
-            <a:pPr lvl="1"/>
-            <a:r>
-              <a:rPr lang="en-US" sz="2400" dirty="0">
-                <a:solidFill>
-                  <a:schemeClr val="tx1"/>
-                </a:solidFill>
-              </a:rPr>
-              <a:t>As an administrator, I want to manage system </a:t>
-            </a:r>
-            <a:r>
-              <a:rPr lang="en-US" sz="2400" dirty="0" smtClean="0">
-                <a:solidFill>
-                  <a:schemeClr val="tx1"/>
-                </a:solidFill>
-              </a:rPr>
-              <a:t>data</a:t>
-            </a:r>
-          </a:p>
-          <a:p>
-            <a:pPr lvl="1"/>
-            <a:r>
-              <a:rPr lang="en-US" sz="2400" dirty="0" smtClean="0">
-                <a:solidFill>
-                  <a:schemeClr val="tx1"/>
-                </a:solidFill>
-              </a:rPr>
-              <a:t>As </a:t>
-            </a:r>
-            <a:r>
-              <a:rPr lang="en-US" sz="2400" dirty="0">
-                <a:solidFill>
-                  <a:schemeClr val="tx1"/>
-                </a:solidFill>
-              </a:rPr>
-              <a:t>an administrator, I want to add more situation options (sick, injury, etc</a:t>
-            </a:r>
-            <a:r>
-              <a:rPr lang="en-US" sz="2400" dirty="0" smtClean="0">
-                <a:solidFill>
-                  <a:schemeClr val="tx1"/>
-                </a:solidFill>
-              </a:rPr>
-              <a:t>.) as </a:t>
-            </a:r>
-            <a:endParaRPr lang="en-US" sz="2400" dirty="0">
-              <a:solidFill>
-                <a:schemeClr val="tx1"/>
-              </a:solidFill>
-            </a:endParaRPr>
-          </a:p>
-          <a:p>
-            <a:pPr lvl="1"/>
-            <a:r>
-              <a:rPr lang="en-US" sz="2400" dirty="0">
-                <a:solidFill>
-                  <a:schemeClr val="tx1"/>
-                </a:solidFill>
-              </a:rPr>
-              <a:t>As an administrator, I can view all claims in the system for each years</a:t>
-            </a:r>
-          </a:p>
-          <a:p>
-            <a:pPr lvl="1"/>
-            <a:r>
-              <a:rPr lang="en-US" sz="2400" dirty="0">
-                <a:solidFill>
-                  <a:schemeClr val="tx1"/>
-                </a:solidFill>
-              </a:rPr>
-              <a:t>As an administrator, I want to view items of assessment</a:t>
-            </a:r>
-          </a:p>
-          <a:p>
-            <a:pPr lvl="1"/>
-            <a:r>
-              <a:rPr lang="en-US" sz="2400" dirty="0">
-                <a:solidFill>
-                  <a:schemeClr val="tx1"/>
-                </a:solidFill>
-              </a:rPr>
-              <a:t>As an administrator, I want to set up closure date of claim</a:t>
-            </a:r>
-          </a:p>
-          <a:p>
-            <a:pPr>
-              <a:buFont typeface="Wingdings" charset="2"/>
-              <a:buChar char="Ø"/>
-            </a:pPr>
-            <a:r>
-              <a:rPr lang="en-US" b="1" dirty="0" smtClean="0"/>
-              <a:t>Manager:</a:t>
-            </a:r>
-            <a:endParaRPr lang="en-US" b="1" dirty="0"/>
-          </a:p>
-          <a:p>
-            <a:pPr lvl="1"/>
-            <a:r>
-              <a:rPr lang="en-US" sz="2400" dirty="0" smtClean="0">
-                <a:solidFill>
-                  <a:schemeClr val="tx1"/>
-                </a:solidFill>
-              </a:rPr>
-              <a:t>As </a:t>
-            </a:r>
-            <a:r>
-              <a:rPr lang="en-US" sz="2400" dirty="0">
-                <a:solidFill>
-                  <a:schemeClr val="tx1"/>
-                </a:solidFill>
-              </a:rPr>
-              <a:t>admin or manager, I want to see weekly report or customize the report details</a:t>
-            </a:r>
-          </a:p>
-          <a:p>
-            <a:pPr lvl="1"/>
-            <a:r>
-              <a:rPr lang="en-US" sz="2400" dirty="0">
-                <a:solidFill>
-                  <a:schemeClr val="tx1"/>
-                </a:solidFill>
-              </a:rPr>
-              <a:t>As an EC manager, I want to see all </a:t>
-            </a:r>
-            <a:r>
-              <a:rPr lang="en-US" sz="2400" dirty="0" smtClean="0">
-                <a:solidFill>
-                  <a:schemeClr val="tx1"/>
-                </a:solidFill>
-              </a:rPr>
-              <a:t>claims</a:t>
-            </a:r>
-            <a:endParaRPr lang="en-US" sz="2400" dirty="0">
-              <a:solidFill>
-                <a:schemeClr val="tx1"/>
-              </a:solidFill>
-            </a:endParaRPr>
-          </a:p>
-          <a:p>
-            <a:pPr lvl="1"/>
-            <a:r>
-              <a:rPr lang="en-US" sz="2400" dirty="0">
-                <a:solidFill>
-                  <a:schemeClr val="tx1"/>
-                </a:solidFill>
-              </a:rPr>
-              <a:t>As an EC Manager, I want to see claim Statistical Analysis </a:t>
-            </a:r>
-            <a:r>
-              <a:rPr lang="en-US" sz="2400" dirty="0" smtClean="0">
-                <a:solidFill>
-                  <a:schemeClr val="tx1"/>
-                </a:solidFill>
-              </a:rPr>
-              <a:t>(claims </a:t>
-            </a:r>
-            <a:r>
-              <a:rPr lang="en-US" sz="2400" dirty="0">
-                <a:solidFill>
-                  <a:schemeClr val="tx1"/>
-                </a:solidFill>
-              </a:rPr>
-              <a:t>per </a:t>
-            </a:r>
-            <a:r>
-              <a:rPr lang="en-US" sz="2400" dirty="0" smtClean="0">
-                <a:solidFill>
-                  <a:schemeClr val="tx1"/>
-                </a:solidFill>
-              </a:rPr>
-              <a:t>year, </a:t>
-            </a:r>
-            <a:r>
-              <a:rPr lang="en-US" sz="2400" dirty="0">
-                <a:solidFill>
-                  <a:schemeClr val="tx1"/>
-                </a:solidFill>
-              </a:rPr>
-              <a:t>per Faculty...)</a:t>
-            </a:r>
-          </a:p>
-          <a:p>
-            <a:pPr>
-              <a:buFont typeface="Wingdings" charset="2"/>
-              <a:buChar char="Ø"/>
-            </a:pPr>
-            <a:endParaRPr lang="en-US" dirty="0"/>
-          </a:p>
-        </p:txBody>
-      </p:sp>
-    </p:spTree>
-    <p:extLst>
-      <p:ext uri="{BB962C8B-B14F-4D97-AF65-F5344CB8AC3E}">
-        <p14:creationId xmlns:p14="http://schemas.microsoft.com/office/powerpoint/2010/main" val="504149955"/>
       </p:ext>
     </p:extLst>
   </p:cSld>

--- a/documents/Presentation.pptx
+++ b/documents/Presentation.pptx
@@ -5,7 +5,7 @@
     <p:sldMasterId id="2147483648" r:id="rId1"/>
   </p:sldMasterIdLst>
   <p:notesMasterIdLst>
-    <p:notesMasterId r:id="rId41"/>
+    <p:notesMasterId r:id="rId53"/>
   </p:notesMasterIdLst>
   <p:sldIdLst>
     <p:sldId id="256" r:id="rId2"/>
@@ -20,33 +20,45 @@
     <p:sldId id="276" r:id="rId11"/>
     <p:sldId id="277" r:id="rId12"/>
     <p:sldId id="278" r:id="rId13"/>
-    <p:sldId id="259" r:id="rId14"/>
-    <p:sldId id="261" r:id="rId15"/>
-    <p:sldId id="283" r:id="rId16"/>
-    <p:sldId id="284" r:id="rId17"/>
-    <p:sldId id="285" r:id="rId18"/>
-    <p:sldId id="286" r:id="rId19"/>
-    <p:sldId id="287" r:id="rId20"/>
-    <p:sldId id="288" r:id="rId21"/>
-    <p:sldId id="289" r:id="rId22"/>
-    <p:sldId id="290" r:id="rId23"/>
-    <p:sldId id="291" r:id="rId24"/>
-    <p:sldId id="292" r:id="rId25"/>
-    <p:sldId id="293" r:id="rId26"/>
-    <p:sldId id="294" r:id="rId27"/>
-    <p:sldId id="295" r:id="rId28"/>
-    <p:sldId id="296" r:id="rId29"/>
-    <p:sldId id="297" r:id="rId30"/>
-    <p:sldId id="298" r:id="rId31"/>
-    <p:sldId id="263" r:id="rId32"/>
-    <p:sldId id="264" r:id="rId33"/>
-    <p:sldId id="267" r:id="rId34"/>
-    <p:sldId id="268" r:id="rId35"/>
-    <p:sldId id="269" r:id="rId36"/>
-    <p:sldId id="270" r:id="rId37"/>
-    <p:sldId id="271" r:id="rId38"/>
-    <p:sldId id="272" r:id="rId39"/>
-    <p:sldId id="273" r:id="rId40"/>
+    <p:sldId id="313" r:id="rId14"/>
+    <p:sldId id="301" r:id="rId15"/>
+    <p:sldId id="302" r:id="rId16"/>
+    <p:sldId id="303" r:id="rId17"/>
+    <p:sldId id="304" r:id="rId18"/>
+    <p:sldId id="305" r:id="rId19"/>
+    <p:sldId id="306" r:id="rId20"/>
+    <p:sldId id="307" r:id="rId21"/>
+    <p:sldId id="308" r:id="rId22"/>
+    <p:sldId id="309" r:id="rId23"/>
+    <p:sldId id="310" r:id="rId24"/>
+    <p:sldId id="311" r:id="rId25"/>
+    <p:sldId id="312" r:id="rId26"/>
+    <p:sldId id="261" r:id="rId27"/>
+    <p:sldId id="283" r:id="rId28"/>
+    <p:sldId id="284" r:id="rId29"/>
+    <p:sldId id="285" r:id="rId30"/>
+    <p:sldId id="286" r:id="rId31"/>
+    <p:sldId id="287" r:id="rId32"/>
+    <p:sldId id="288" r:id="rId33"/>
+    <p:sldId id="289" r:id="rId34"/>
+    <p:sldId id="290" r:id="rId35"/>
+    <p:sldId id="291" r:id="rId36"/>
+    <p:sldId id="292" r:id="rId37"/>
+    <p:sldId id="293" r:id="rId38"/>
+    <p:sldId id="294" r:id="rId39"/>
+    <p:sldId id="295" r:id="rId40"/>
+    <p:sldId id="296" r:id="rId41"/>
+    <p:sldId id="297" r:id="rId42"/>
+    <p:sldId id="298" r:id="rId43"/>
+    <p:sldId id="263" r:id="rId44"/>
+    <p:sldId id="264" r:id="rId45"/>
+    <p:sldId id="267" r:id="rId46"/>
+    <p:sldId id="268" r:id="rId47"/>
+    <p:sldId id="269" r:id="rId48"/>
+    <p:sldId id="270" r:id="rId49"/>
+    <p:sldId id="271" r:id="rId50"/>
+    <p:sldId id="272" r:id="rId51"/>
+    <p:sldId id="273" r:id="rId52"/>
   </p:sldIdLst>
   <p:sldSz cx="12192000" cy="6858000"/>
   <p:notesSz cx="6858000" cy="9144000"/>
@@ -162,7 +174,19 @@
             <p14:sldId id="276"/>
             <p14:sldId id="277"/>
             <p14:sldId id="278"/>
-            <p14:sldId id="259"/>
+            <p14:sldId id="313"/>
+            <p14:sldId id="301"/>
+            <p14:sldId id="302"/>
+            <p14:sldId id="303"/>
+            <p14:sldId id="304"/>
+            <p14:sldId id="305"/>
+            <p14:sldId id="306"/>
+            <p14:sldId id="307"/>
+            <p14:sldId id="308"/>
+            <p14:sldId id="309"/>
+            <p14:sldId id="310"/>
+            <p14:sldId id="311"/>
+            <p14:sldId id="312"/>
             <p14:sldId id="261"/>
             <p14:sldId id="283"/>
             <p14:sldId id="284"/>
@@ -803,7 +827,7 @@
           <a:p>
             <a:fld id="{38B8B00D-0D5C-9F47-A927-FE449AEE3FE3}" type="slidenum">
               <a:rPr lang="en-US" smtClean="0"/>
-              <a:t>16</a:t>
+              <a:t>28</a:t>
             </a:fld>
             <a:endParaRPr lang="en-US"/>
           </a:p>
@@ -887,7 +911,7 @@
           <a:p>
             <a:fld id="{38B8B00D-0D5C-9F47-A927-FE449AEE3FE3}" type="slidenum">
               <a:rPr lang="en-US" smtClean="0"/>
-              <a:t>31</a:t>
+              <a:t>43</a:t>
             </a:fld>
             <a:endParaRPr lang="en-US"/>
           </a:p>
@@ -979,7 +1003,7 @@
           <a:p>
             <a:fld id="{38B8B00D-0D5C-9F47-A927-FE449AEE3FE3}" type="slidenum">
               <a:rPr lang="en-US" smtClean="0"/>
-              <a:t>32</a:t>
+              <a:t>44</a:t>
             </a:fld>
             <a:endParaRPr lang="en-US"/>
           </a:p>
@@ -1788,7 +1812,7 @@
           <a:p>
             <a:fld id="{38B8B00D-0D5C-9F47-A927-FE449AEE3FE3}" type="slidenum">
               <a:rPr lang="en-US" smtClean="0"/>
-              <a:t>15</a:t>
+              <a:t>27</a:t>
             </a:fld>
             <a:endParaRPr lang="en-US"/>
           </a:p>
@@ -6430,69 +6454,154 @@
         </p:nvSpPr>
         <p:spPr/>
         <p:txBody>
+          <a:bodyPr/>
+          <a:lstStyle/>
+          <a:p>
+            <a:pPr lvl="0"/>
+            <a:r>
+              <a:rPr lang="en-US" dirty="0" smtClean="0"/>
+              <a:t>4. Site </a:t>
+            </a:r>
+            <a:r>
+              <a:rPr lang="en-US" dirty="0" smtClean="0"/>
+              <a:t>design</a:t>
+            </a:r>
+            <a:endParaRPr lang="en-US" dirty="0"/>
+          </a:p>
+        </p:txBody>
+      </p:sp>
+      <p:sp>
+        <p:nvSpPr>
+          <p:cNvPr id="3" name="Content Placeholder 2"/>
+          <p:cNvSpPr>
+            <a:spLocks noGrp="1"/>
+          </p:cNvSpPr>
+          <p:nvPr>
+            <p:ph idx="1"/>
+          </p:nvPr>
+        </p:nvSpPr>
+        <p:spPr/>
+        <p:txBody>
           <a:bodyPr>
-            <a:normAutofit/>
+            <a:normAutofit fontScale="85000" lnSpcReduction="20000"/>
           </a:bodyPr>
           <a:lstStyle/>
           <a:p>
-            <a:pPr lvl="0"/>
-            <a:r>
-              <a:rPr lang="en-US" dirty="0"/>
-              <a:t>4</a:t>
-            </a:r>
-            <a:r>
-              <a:rPr lang="en-US" dirty="0" smtClean="0"/>
-              <a:t>. </a:t>
-            </a:r>
-            <a:r>
-              <a:rPr lang="en-US" dirty="0" smtClean="0"/>
-              <a:t>Site design</a:t>
-            </a:r>
+            <a:pPr lvl="1"/>
+            <a:r>
+              <a:rPr lang="en-US" sz="2200" dirty="0" smtClean="0"/>
+              <a:t>Libraries: </a:t>
+            </a:r>
+          </a:p>
+          <a:p>
+            <a:pPr lvl="2"/>
+            <a:r>
+              <a:rPr lang="en-US" sz="2200" dirty="0" smtClean="0"/>
+              <a:t>Twitter Bootstrap v3.3.7</a:t>
+            </a:r>
+          </a:p>
+          <a:p>
+            <a:pPr lvl="2"/>
+            <a:r>
+              <a:rPr lang="en-US" sz="2200" dirty="0" smtClean="0"/>
+              <a:t>JQuery v3.2.1</a:t>
+            </a:r>
+          </a:p>
+          <a:p>
+            <a:pPr lvl="2"/>
+            <a:r>
+              <a:rPr lang="en-US" sz="2200" dirty="0" smtClean="0"/>
+              <a:t>HTML 5</a:t>
+            </a:r>
+          </a:p>
+          <a:p>
+            <a:pPr lvl="2"/>
+            <a:r>
+              <a:rPr lang="en-US" sz="2200" dirty="0" smtClean="0"/>
+              <a:t>LTE Admin theme</a:t>
+            </a:r>
+            <a:endParaRPr lang="en-US" sz="2200" dirty="0"/>
+          </a:p>
+          <a:p>
+            <a:pPr lvl="1"/>
+            <a:r>
+              <a:rPr lang="en-US" sz="2200" dirty="0"/>
+              <a:t>Testing in different screen </a:t>
+            </a:r>
+            <a:r>
+              <a:rPr lang="en-US" sz="2200" dirty="0" smtClean="0"/>
+              <a:t>resolution</a:t>
+            </a:r>
+          </a:p>
+          <a:p>
+            <a:pPr lvl="2"/>
+            <a:r>
+              <a:rPr lang="en-US" sz="2200" dirty="0" smtClean="0"/>
+              <a:t>Desktop </a:t>
+            </a:r>
+          </a:p>
+          <a:p>
+            <a:pPr lvl="2"/>
+            <a:r>
+              <a:rPr lang="en-US" sz="2200" dirty="0" smtClean="0"/>
+              <a:t>Laptop</a:t>
+            </a:r>
+          </a:p>
+          <a:p>
+            <a:pPr lvl="2"/>
+            <a:r>
+              <a:rPr lang="en-US" sz="2200" dirty="0" smtClean="0"/>
+              <a:t>Tablet</a:t>
+            </a:r>
+            <a:endParaRPr lang="en-US" sz="2200" dirty="0"/>
+          </a:p>
+          <a:p>
+            <a:pPr lvl="1"/>
+            <a:r>
+              <a:rPr lang="en-US" sz="2200" dirty="0" smtClean="0"/>
+              <a:t>Usability</a:t>
+            </a:r>
+          </a:p>
+          <a:p>
+            <a:pPr lvl="2"/>
+            <a:r>
+              <a:rPr lang="en-US" sz="2200" dirty="0" smtClean="0"/>
+              <a:t>Standard icon</a:t>
+            </a:r>
+          </a:p>
+          <a:p>
+            <a:pPr lvl="2"/>
+            <a:r>
+              <a:rPr lang="en-US" sz="2200" dirty="0" smtClean="0"/>
+              <a:t>Easy to read</a:t>
+            </a:r>
+          </a:p>
+          <a:p>
+            <a:pPr lvl="2"/>
+            <a:r>
+              <a:rPr lang="en-US" sz="2200" dirty="0" smtClean="0"/>
+              <a:t>Common layout</a:t>
+            </a:r>
+            <a:endParaRPr lang="en-US" sz="2200" dirty="0"/>
+          </a:p>
+          <a:p>
+            <a:pPr lvl="1"/>
+            <a:r>
+              <a:rPr lang="en-US" sz="2200" dirty="0" smtClean="0"/>
+              <a:t>Accessibility</a:t>
+            </a:r>
+          </a:p>
+          <a:p>
+            <a:pPr lvl="1"/>
+            <a:endParaRPr lang="en-US" dirty="0" smtClean="0"/>
+          </a:p>
+          <a:p>
+            <a:pPr lvl="1"/>
+            <a:endParaRPr lang="en-US" dirty="0" smtClean="0"/>
+          </a:p>
+          <a:p>
+            <a:pPr lvl="2"/>
             <a:endParaRPr lang="en-US" dirty="0"/>
-          </a:p>
-        </p:txBody>
-      </p:sp>
-      <p:sp>
-        <p:nvSpPr>
-          <p:cNvPr id="3" name="Content Placeholder 2"/>
-          <p:cNvSpPr>
-            <a:spLocks noGrp="1"/>
-          </p:cNvSpPr>
-          <p:nvPr>
-            <p:ph idx="1"/>
-          </p:nvPr>
-        </p:nvSpPr>
-        <p:spPr/>
-        <p:txBody>
-          <a:bodyPr/>
-          <a:lstStyle/>
-          <a:p>
-            <a:pPr lvl="1"/>
-            <a:r>
-              <a:rPr lang="en-US" dirty="0"/>
-              <a:t>Implementation of responsive design</a:t>
-            </a:r>
-          </a:p>
-          <a:p>
-            <a:pPr lvl="1"/>
-            <a:r>
-              <a:rPr lang="en-US" dirty="0"/>
-              <a:t>Testing in different screen resolution</a:t>
-            </a:r>
-          </a:p>
-          <a:p>
-            <a:pPr lvl="1"/>
-            <a:r>
-              <a:rPr lang="en-US" dirty="0"/>
-              <a:t>Usability</a:t>
-            </a:r>
-          </a:p>
-          <a:p>
-            <a:pPr lvl="1"/>
-            <a:r>
-              <a:rPr lang="en-US" dirty="0"/>
-              <a:t>Accessibility</a:t>
-            </a:r>
           </a:p>
           <a:p>
             <a:endParaRPr lang="en-US" dirty="0"/>
@@ -6502,7 +6611,7 @@
     </p:spTree>
     <p:extLst>
       <p:ext uri="{BB962C8B-B14F-4D97-AF65-F5344CB8AC3E}">
-        <p14:creationId xmlns:p14="http://schemas.microsoft.com/office/powerpoint/2010/main" val="1582991963"/>
+        <p14:creationId xmlns:p14="http://schemas.microsoft.com/office/powerpoint/2010/main" val="981600885"/>
       </p:ext>
     </p:extLst>
   </p:cSld>
@@ -6551,38 +6660,69 @@
           <a:bodyPr/>
           <a:lstStyle/>
           <a:p>
-            <a:pPr lvl="0"/>
             <a:r>
               <a:rPr lang="en-US" dirty="0" smtClean="0"/>
-              <a:t>5</a:t>
-            </a:r>
+              <a:t>Bootstrap grid system</a:t>
+            </a:r>
+            <a:endParaRPr lang="en-US" dirty="0"/>
+          </a:p>
+        </p:txBody>
+      </p:sp>
+      <p:pic>
+        <p:nvPicPr>
+          <p:cNvPr id="4" name="Content Placeholder 3"/>
+          <p:cNvPicPr>
+            <a:picLocks noGrp="1" noChangeAspect="1"/>
+          </p:cNvPicPr>
+          <p:nvPr>
+            <p:ph idx="1"/>
+          </p:nvPr>
+        </p:nvPicPr>
+        <p:blipFill>
+          <a:blip r:embed="rId2">
+            <a:extLst>
+              <a:ext uri="{28A0092B-C50C-407E-A947-70E740481C1C}">
+                <a14:useLocalDpi xmlns:a14="http://schemas.microsoft.com/office/drawing/2010/main" val="0"/>
+              </a:ext>
+            </a:extLst>
+          </a:blip>
+          <a:stretch>
+            <a:fillRect/>
+          </a:stretch>
+        </p:blipFill>
+        <p:spPr>
+          <a:xfrm>
+            <a:off x="1393977" y="2106692"/>
+            <a:ext cx="8135485" cy="3781953"/>
+          </a:xfrm>
+        </p:spPr>
+      </p:pic>
+      <p:sp>
+        <p:nvSpPr>
+          <p:cNvPr id="6" name="TextBox 5"/>
+          <p:cNvSpPr txBox="1"/>
+          <p:nvPr/>
+        </p:nvSpPr>
+        <p:spPr>
+          <a:xfrm>
+            <a:off x="1296538" y="1737360"/>
+            <a:ext cx="5991367" cy="369332"/>
+          </a:xfrm>
+          <a:prstGeom prst="rect">
+            <a:avLst/>
+          </a:prstGeom>
+          <a:noFill/>
+        </p:spPr>
+        <p:txBody>
+          <a:bodyPr wrap="square" rtlCol="0">
+            <a:spAutoFit/>
+          </a:bodyPr>
+          <a:lstStyle/>
+          <a:p>
             <a:r>
               <a:rPr lang="en-US" dirty="0" smtClean="0"/>
-              <a:t>. </a:t>
-            </a:r>
-            <a:r>
-              <a:rPr lang="en-US" dirty="0" smtClean="0"/>
-              <a:t>Testing</a:t>
-            </a:r>
-            <a:endParaRPr lang="en-US" dirty="0"/>
-          </a:p>
-        </p:txBody>
-      </p:sp>
-      <p:sp>
-        <p:nvSpPr>
-          <p:cNvPr id="3" name="Content Placeholder 2"/>
-          <p:cNvSpPr>
-            <a:spLocks noGrp="1"/>
-          </p:cNvSpPr>
-          <p:nvPr>
-            <p:ph idx="1"/>
-          </p:nvPr>
-        </p:nvSpPr>
-        <p:spPr/>
-        <p:txBody>
-          <a:bodyPr/>
-          <a:lstStyle/>
-          <a:p>
+              <a:t>Difference screen size resolutions</a:t>
+            </a:r>
             <a:endParaRPr lang="en-US" dirty="0"/>
           </a:p>
         </p:txBody>
@@ -6590,7 +6730,7 @@
     </p:spTree>
     <p:extLst>
       <p:ext uri="{BB962C8B-B14F-4D97-AF65-F5344CB8AC3E}">
-        <p14:creationId xmlns:p14="http://schemas.microsoft.com/office/powerpoint/2010/main" val="391672032"/>
+        <p14:creationId xmlns:p14="http://schemas.microsoft.com/office/powerpoint/2010/main" val="1989419204"/>
       </p:ext>
     </p:extLst>
   </p:cSld>
@@ -6639,6 +6779,1913 @@
           <a:bodyPr/>
           <a:lstStyle/>
           <a:p>
+            <a:r>
+              <a:rPr lang="en-US" dirty="0" smtClean="0"/>
+              <a:t>Cont.</a:t>
+            </a:r>
+            <a:endParaRPr lang="en-US" dirty="0"/>
+          </a:p>
+        </p:txBody>
+      </p:sp>
+      <p:sp>
+        <p:nvSpPr>
+          <p:cNvPr id="3" name="Content Placeholder 2"/>
+          <p:cNvSpPr>
+            <a:spLocks noGrp="1"/>
+          </p:cNvSpPr>
+          <p:nvPr>
+            <p:ph idx="1"/>
+          </p:nvPr>
+        </p:nvSpPr>
+        <p:spPr/>
+        <p:txBody>
+          <a:bodyPr/>
+          <a:lstStyle/>
+          <a:p>
+            <a:r>
+              <a:rPr lang="en-US" dirty="0" smtClean="0"/>
+              <a:t>12 Columns</a:t>
+            </a:r>
+          </a:p>
+          <a:p>
+            <a:r>
+              <a:rPr lang="en-US" dirty="0" smtClean="0"/>
+              <a:t>Desktop: col-</a:t>
+            </a:r>
+            <a:r>
+              <a:rPr lang="en-US" dirty="0" err="1" smtClean="0"/>
+              <a:t>lg</a:t>
+            </a:r>
+            <a:r>
+              <a:rPr lang="en-US" dirty="0" smtClean="0"/>
+              <a:t>-(1-12)</a:t>
+            </a:r>
+          </a:p>
+          <a:p>
+            <a:r>
+              <a:rPr lang="en-US" dirty="0" smtClean="0"/>
+              <a:t>Laptop: col-md-(1-12)</a:t>
+            </a:r>
+          </a:p>
+          <a:p>
+            <a:r>
+              <a:rPr lang="en-US" dirty="0" smtClean="0"/>
+              <a:t>Tablet: col-</a:t>
+            </a:r>
+            <a:r>
+              <a:rPr lang="en-US" dirty="0" err="1" smtClean="0"/>
+              <a:t>sm</a:t>
+            </a:r>
+            <a:r>
+              <a:rPr lang="en-US" dirty="0" smtClean="0"/>
+              <a:t>-(1-12)</a:t>
+            </a:r>
+          </a:p>
+          <a:p>
+            <a:r>
+              <a:rPr lang="en-US" dirty="0" smtClean="0"/>
+              <a:t>Mobile: col-</a:t>
+            </a:r>
+            <a:r>
+              <a:rPr lang="en-US" dirty="0" err="1" smtClean="0"/>
+              <a:t>xs</a:t>
+            </a:r>
+            <a:r>
+              <a:rPr lang="en-US" dirty="0" smtClean="0"/>
+              <a:t>-(1-12)</a:t>
+            </a:r>
+          </a:p>
+          <a:p>
+            <a:endParaRPr lang="en-US" dirty="0" smtClean="0"/>
+          </a:p>
+          <a:p>
+            <a:endParaRPr lang="en-US" dirty="0"/>
+          </a:p>
+        </p:txBody>
+      </p:sp>
+      <p:pic>
+        <p:nvPicPr>
+          <p:cNvPr id="5" name="Picture 4"/>
+          <p:cNvPicPr>
+            <a:picLocks noChangeAspect="1"/>
+          </p:cNvPicPr>
+          <p:nvPr/>
+        </p:nvPicPr>
+        <p:blipFill>
+          <a:blip r:embed="rId2">
+            <a:extLst>
+              <a:ext uri="{28A0092B-C50C-407E-A947-70E740481C1C}">
+                <a14:useLocalDpi xmlns:a14="http://schemas.microsoft.com/office/drawing/2010/main" val="0"/>
+              </a:ext>
+            </a:extLst>
+          </a:blip>
+          <a:stretch>
+            <a:fillRect/>
+          </a:stretch>
+        </p:blipFill>
+        <p:spPr>
+          <a:xfrm>
+            <a:off x="3646882" y="2049568"/>
+            <a:ext cx="8076545" cy="2372056"/>
+          </a:xfrm>
+          <a:prstGeom prst="rect">
+            <a:avLst/>
+          </a:prstGeom>
+        </p:spPr>
+      </p:pic>
+    </p:spTree>
+    <p:extLst>
+      <p:ext uri="{BB962C8B-B14F-4D97-AF65-F5344CB8AC3E}">
+        <p14:creationId xmlns:p14="http://schemas.microsoft.com/office/powerpoint/2010/main" val="1995661485"/>
+      </p:ext>
+    </p:extLst>
+  </p:cSld>
+  <p:clrMapOvr>
+    <a:masterClrMapping/>
+  </p:clrMapOvr>
+  <p:timing>
+    <p:tnLst>
+      <p:par>
+        <p:cTn id="1" dur="indefinite" restart="never" nodeType="tmRoot"/>
+      </p:par>
+    </p:tnLst>
+  </p:timing>
+</p:sld>
+</file>
+
+<file path=ppt/slides/slide16.xml><?xml version="1.0" encoding="utf-8"?>
+<p:sld xmlns:a="http://schemas.openxmlformats.org/drawingml/2006/main" xmlns:r="http://schemas.openxmlformats.org/officeDocument/2006/relationships" xmlns:p="http://schemas.openxmlformats.org/presentationml/2006/main">
+  <p:cSld>
+    <p:spTree>
+      <p:nvGrpSpPr>
+        <p:cNvPr id="1" name=""/>
+        <p:cNvGrpSpPr/>
+        <p:nvPr/>
+      </p:nvGrpSpPr>
+      <p:grpSpPr>
+        <a:xfrm>
+          <a:off x="0" y="0"/>
+          <a:ext cx="0" cy="0"/>
+          <a:chOff x="0" y="0"/>
+          <a:chExt cx="0" cy="0"/>
+        </a:xfrm>
+      </p:grpSpPr>
+      <p:sp>
+        <p:nvSpPr>
+          <p:cNvPr id="2" name="Title 1"/>
+          <p:cNvSpPr>
+            <a:spLocks noGrp="1"/>
+          </p:cNvSpPr>
+          <p:nvPr>
+            <p:ph type="title"/>
+          </p:nvPr>
+        </p:nvSpPr>
+        <p:spPr/>
+        <p:txBody>
+          <a:bodyPr/>
+          <a:lstStyle/>
+          <a:p>
+            <a:r>
+              <a:rPr lang="en-US" dirty="0" smtClean="0"/>
+              <a:t>Design principle</a:t>
+            </a:r>
+            <a:endParaRPr lang="en-US" dirty="0"/>
+          </a:p>
+        </p:txBody>
+      </p:sp>
+      <p:sp>
+        <p:nvSpPr>
+          <p:cNvPr id="3" name="Content Placeholder 2"/>
+          <p:cNvSpPr>
+            <a:spLocks noGrp="1"/>
+          </p:cNvSpPr>
+          <p:nvPr>
+            <p:ph idx="1"/>
+          </p:nvPr>
+        </p:nvSpPr>
+        <p:spPr/>
+        <p:txBody>
+          <a:bodyPr/>
+          <a:lstStyle/>
+          <a:p>
+            <a:r>
+              <a:rPr lang="en-US" dirty="0" smtClean="0"/>
+              <a:t>Visibility</a:t>
+            </a:r>
+          </a:p>
+          <a:p>
+            <a:pPr lvl="1"/>
+            <a:r>
+              <a:rPr lang="en-US" dirty="0" smtClean="0"/>
+              <a:t>Clear content</a:t>
+            </a:r>
+          </a:p>
+          <a:p>
+            <a:pPr lvl="1"/>
+            <a:r>
+              <a:rPr lang="en-US" dirty="0" smtClean="0"/>
+              <a:t>Standard icons</a:t>
+            </a:r>
+          </a:p>
+          <a:p>
+            <a:pPr lvl="1"/>
+            <a:r>
+              <a:rPr lang="en-US" dirty="0" smtClean="0"/>
+              <a:t>Ease to use</a:t>
+            </a:r>
+          </a:p>
+        </p:txBody>
+      </p:sp>
+      <p:pic>
+        <p:nvPicPr>
+          <p:cNvPr id="4" name="Picture 3"/>
+          <p:cNvPicPr>
+            <a:picLocks noChangeAspect="1"/>
+          </p:cNvPicPr>
+          <p:nvPr/>
+        </p:nvPicPr>
+        <p:blipFill>
+          <a:blip r:embed="rId2">
+            <a:extLst>
+              <a:ext uri="{28A0092B-C50C-407E-A947-70E740481C1C}">
+                <a14:useLocalDpi xmlns:a14="http://schemas.microsoft.com/office/drawing/2010/main" val="0"/>
+              </a:ext>
+            </a:extLst>
+          </a:blip>
+          <a:stretch>
+            <a:fillRect/>
+          </a:stretch>
+        </p:blipFill>
+        <p:spPr>
+          <a:xfrm>
+            <a:off x="3076206" y="1874649"/>
+            <a:ext cx="8207445" cy="3965529"/>
+          </a:xfrm>
+          <a:prstGeom prst="rect">
+            <a:avLst/>
+          </a:prstGeom>
+        </p:spPr>
+      </p:pic>
+    </p:spTree>
+    <p:extLst>
+      <p:ext uri="{BB962C8B-B14F-4D97-AF65-F5344CB8AC3E}">
+        <p14:creationId xmlns:p14="http://schemas.microsoft.com/office/powerpoint/2010/main" val="1682979549"/>
+      </p:ext>
+    </p:extLst>
+  </p:cSld>
+  <p:clrMapOvr>
+    <a:masterClrMapping/>
+  </p:clrMapOvr>
+  <p:timing>
+    <p:tnLst>
+      <p:par>
+        <p:cTn id="1" dur="indefinite" restart="never" nodeType="tmRoot"/>
+      </p:par>
+    </p:tnLst>
+  </p:timing>
+</p:sld>
+</file>
+
+<file path=ppt/slides/slide17.xml><?xml version="1.0" encoding="utf-8"?>
+<p:sld xmlns:a="http://schemas.openxmlformats.org/drawingml/2006/main" xmlns:r="http://schemas.openxmlformats.org/officeDocument/2006/relationships" xmlns:p="http://schemas.openxmlformats.org/presentationml/2006/main">
+  <p:cSld>
+    <p:spTree>
+      <p:nvGrpSpPr>
+        <p:cNvPr id="1" name=""/>
+        <p:cNvGrpSpPr/>
+        <p:nvPr/>
+      </p:nvGrpSpPr>
+      <p:grpSpPr>
+        <a:xfrm>
+          <a:off x="0" y="0"/>
+          <a:ext cx="0" cy="0"/>
+          <a:chOff x="0" y="0"/>
+          <a:chExt cx="0" cy="0"/>
+        </a:xfrm>
+      </p:grpSpPr>
+      <p:sp>
+        <p:nvSpPr>
+          <p:cNvPr id="2" name="Title 1"/>
+          <p:cNvSpPr>
+            <a:spLocks noGrp="1"/>
+          </p:cNvSpPr>
+          <p:nvPr>
+            <p:ph type="title"/>
+          </p:nvPr>
+        </p:nvSpPr>
+        <p:spPr/>
+        <p:txBody>
+          <a:bodyPr/>
+          <a:lstStyle/>
+          <a:p>
+            <a:r>
+              <a:rPr lang="en-US" dirty="0" smtClean="0"/>
+              <a:t>Cont.</a:t>
+            </a:r>
+            <a:endParaRPr lang="en-US" dirty="0"/>
+          </a:p>
+        </p:txBody>
+      </p:sp>
+      <p:sp>
+        <p:nvSpPr>
+          <p:cNvPr id="3" name="Content Placeholder 2"/>
+          <p:cNvSpPr>
+            <a:spLocks noGrp="1"/>
+          </p:cNvSpPr>
+          <p:nvPr>
+            <p:ph idx="1"/>
+          </p:nvPr>
+        </p:nvSpPr>
+        <p:spPr/>
+        <p:txBody>
+          <a:bodyPr/>
+          <a:lstStyle/>
+          <a:p>
+            <a:r>
+              <a:rPr lang="en-US" dirty="0" smtClean="0"/>
+              <a:t>Consistency</a:t>
+            </a:r>
+          </a:p>
+          <a:p>
+            <a:pPr lvl="1"/>
+            <a:r>
+              <a:rPr lang="en-US" dirty="0"/>
+              <a:t>Uniform </a:t>
+            </a:r>
+            <a:r>
+              <a:rPr lang="en-US" dirty="0" smtClean="0"/>
+              <a:t>layout, color.</a:t>
+            </a:r>
+          </a:p>
+          <a:p>
+            <a:pPr lvl="1"/>
+            <a:r>
+              <a:rPr lang="en-US" dirty="0" smtClean="0"/>
+              <a:t>Button size, text field size.</a:t>
+            </a:r>
+          </a:p>
+          <a:p>
+            <a:pPr lvl="1"/>
+            <a:r>
+              <a:rPr lang="en-US" dirty="0" smtClean="0"/>
+              <a:t>font-size, font-family.</a:t>
+            </a:r>
+          </a:p>
+          <a:p>
+            <a:pPr lvl="1"/>
+            <a:endParaRPr lang="en-US" dirty="0"/>
+          </a:p>
+        </p:txBody>
+      </p:sp>
+      <p:pic>
+        <p:nvPicPr>
+          <p:cNvPr id="4" name="Picture 3"/>
+          <p:cNvPicPr>
+            <a:picLocks noChangeAspect="1"/>
+          </p:cNvPicPr>
+          <p:nvPr/>
+        </p:nvPicPr>
+        <p:blipFill>
+          <a:blip r:embed="rId2">
+            <a:extLst>
+              <a:ext uri="{28A0092B-C50C-407E-A947-70E740481C1C}">
+                <a14:useLocalDpi xmlns:a14="http://schemas.microsoft.com/office/drawing/2010/main" val="0"/>
+              </a:ext>
+            </a:extLst>
+          </a:blip>
+          <a:stretch>
+            <a:fillRect/>
+          </a:stretch>
+        </p:blipFill>
+        <p:spPr>
+          <a:xfrm>
+            <a:off x="4148918" y="2110704"/>
+            <a:ext cx="7724634" cy="3466472"/>
+          </a:xfrm>
+          <a:prstGeom prst="rect">
+            <a:avLst/>
+          </a:prstGeom>
+        </p:spPr>
+      </p:pic>
+    </p:spTree>
+    <p:extLst>
+      <p:ext uri="{BB962C8B-B14F-4D97-AF65-F5344CB8AC3E}">
+        <p14:creationId xmlns:p14="http://schemas.microsoft.com/office/powerpoint/2010/main" val="1330165406"/>
+      </p:ext>
+    </p:extLst>
+  </p:cSld>
+  <p:clrMapOvr>
+    <a:masterClrMapping/>
+  </p:clrMapOvr>
+  <p:timing>
+    <p:tnLst>
+      <p:par>
+        <p:cTn id="1" dur="indefinite" restart="never" nodeType="tmRoot"/>
+      </p:par>
+    </p:tnLst>
+  </p:timing>
+</p:sld>
+</file>
+
+<file path=ppt/slides/slide18.xml><?xml version="1.0" encoding="utf-8"?>
+<p:sld xmlns:a="http://schemas.openxmlformats.org/drawingml/2006/main" xmlns:r="http://schemas.openxmlformats.org/officeDocument/2006/relationships" xmlns:p="http://schemas.openxmlformats.org/presentationml/2006/main">
+  <p:cSld>
+    <p:spTree>
+      <p:nvGrpSpPr>
+        <p:cNvPr id="1" name=""/>
+        <p:cNvGrpSpPr/>
+        <p:nvPr/>
+      </p:nvGrpSpPr>
+      <p:grpSpPr>
+        <a:xfrm>
+          <a:off x="0" y="0"/>
+          <a:ext cx="0" cy="0"/>
+          <a:chOff x="0" y="0"/>
+          <a:chExt cx="0" cy="0"/>
+        </a:xfrm>
+      </p:grpSpPr>
+      <p:sp>
+        <p:nvSpPr>
+          <p:cNvPr id="2" name="Title 1"/>
+          <p:cNvSpPr>
+            <a:spLocks noGrp="1"/>
+          </p:cNvSpPr>
+          <p:nvPr>
+            <p:ph type="title"/>
+          </p:nvPr>
+        </p:nvSpPr>
+        <p:spPr/>
+        <p:txBody>
+          <a:bodyPr/>
+          <a:lstStyle/>
+          <a:p>
+            <a:r>
+              <a:rPr lang="en-US" dirty="0" smtClean="0"/>
+              <a:t>Cont.</a:t>
+            </a:r>
+            <a:endParaRPr lang="en-US" dirty="0"/>
+          </a:p>
+        </p:txBody>
+      </p:sp>
+      <p:sp>
+        <p:nvSpPr>
+          <p:cNvPr id="3" name="Content Placeholder 2"/>
+          <p:cNvSpPr>
+            <a:spLocks noGrp="1"/>
+          </p:cNvSpPr>
+          <p:nvPr>
+            <p:ph idx="1"/>
+          </p:nvPr>
+        </p:nvSpPr>
+        <p:spPr/>
+        <p:txBody>
+          <a:bodyPr/>
+          <a:lstStyle/>
+          <a:p>
+            <a:r>
+              <a:rPr lang="en-US" dirty="0" smtClean="0"/>
+              <a:t>Similarity: The site use common layout, the user do not need learn to use web site if they experience in the layout.</a:t>
+            </a:r>
+          </a:p>
+          <a:p>
+            <a:endParaRPr lang="en-US" dirty="0"/>
+          </a:p>
+        </p:txBody>
+      </p:sp>
+      <p:pic>
+        <p:nvPicPr>
+          <p:cNvPr id="4" name="Picture 3"/>
+          <p:cNvPicPr>
+            <a:picLocks noChangeAspect="1"/>
+          </p:cNvPicPr>
+          <p:nvPr/>
+        </p:nvPicPr>
+        <p:blipFill>
+          <a:blip r:embed="rId2">
+            <a:extLst>
+              <a:ext uri="{28A0092B-C50C-407E-A947-70E740481C1C}">
+                <a14:useLocalDpi xmlns:a14="http://schemas.microsoft.com/office/drawing/2010/main" val="0"/>
+              </a:ext>
+            </a:extLst>
+          </a:blip>
+          <a:stretch>
+            <a:fillRect/>
+          </a:stretch>
+        </p:blipFill>
+        <p:spPr>
+          <a:xfrm>
+            <a:off x="3859292" y="2323406"/>
+            <a:ext cx="6805069" cy="3053812"/>
+          </a:xfrm>
+          <a:prstGeom prst="rect">
+            <a:avLst/>
+          </a:prstGeom>
+        </p:spPr>
+      </p:pic>
+    </p:spTree>
+    <p:extLst>
+      <p:ext uri="{BB962C8B-B14F-4D97-AF65-F5344CB8AC3E}">
+        <p14:creationId xmlns:p14="http://schemas.microsoft.com/office/powerpoint/2010/main" val="785213372"/>
+      </p:ext>
+    </p:extLst>
+  </p:cSld>
+  <p:clrMapOvr>
+    <a:masterClrMapping/>
+  </p:clrMapOvr>
+  <p:timing>
+    <p:tnLst>
+      <p:par>
+        <p:cTn id="1" dur="indefinite" restart="never" nodeType="tmRoot"/>
+      </p:par>
+    </p:tnLst>
+  </p:timing>
+</p:sld>
+</file>
+
+<file path=ppt/slides/slide19.xml><?xml version="1.0" encoding="utf-8"?>
+<p:sld xmlns:a="http://schemas.openxmlformats.org/drawingml/2006/main" xmlns:r="http://schemas.openxmlformats.org/officeDocument/2006/relationships" xmlns:p="http://schemas.openxmlformats.org/presentationml/2006/main">
+  <p:cSld>
+    <p:spTree>
+      <p:nvGrpSpPr>
+        <p:cNvPr id="1" name=""/>
+        <p:cNvGrpSpPr/>
+        <p:nvPr/>
+      </p:nvGrpSpPr>
+      <p:grpSpPr>
+        <a:xfrm>
+          <a:off x="0" y="0"/>
+          <a:ext cx="0" cy="0"/>
+          <a:chOff x="0" y="0"/>
+          <a:chExt cx="0" cy="0"/>
+        </a:xfrm>
+      </p:grpSpPr>
+      <p:sp>
+        <p:nvSpPr>
+          <p:cNvPr id="2" name="Title 1"/>
+          <p:cNvSpPr>
+            <a:spLocks noGrp="1"/>
+          </p:cNvSpPr>
+          <p:nvPr>
+            <p:ph type="title"/>
+          </p:nvPr>
+        </p:nvSpPr>
+        <p:spPr/>
+        <p:txBody>
+          <a:bodyPr/>
+          <a:lstStyle/>
+          <a:p>
+            <a:r>
+              <a:rPr lang="en-US" dirty="0" smtClean="0"/>
+              <a:t>Cont.</a:t>
+            </a:r>
+            <a:endParaRPr lang="en-US" dirty="0"/>
+          </a:p>
+        </p:txBody>
+      </p:sp>
+      <p:sp>
+        <p:nvSpPr>
+          <p:cNvPr id="3" name="Content Placeholder 2"/>
+          <p:cNvSpPr>
+            <a:spLocks noGrp="1"/>
+          </p:cNvSpPr>
+          <p:nvPr>
+            <p:ph idx="1"/>
+          </p:nvPr>
+        </p:nvSpPr>
+        <p:spPr/>
+        <p:txBody>
+          <a:bodyPr/>
+          <a:lstStyle/>
+          <a:p>
+            <a:r>
+              <a:rPr lang="en-US" dirty="0" smtClean="0"/>
+              <a:t>Feedback</a:t>
+            </a:r>
+            <a:r>
+              <a:rPr lang="en-US" dirty="0"/>
+              <a:t>: System present effect for the user interaction</a:t>
+            </a:r>
+            <a:endParaRPr lang="en-US" dirty="0" smtClean="0"/>
+          </a:p>
+          <a:p>
+            <a:endParaRPr lang="en-US" dirty="0" smtClean="0"/>
+          </a:p>
+          <a:p>
+            <a:endParaRPr lang="en-US" dirty="0"/>
+          </a:p>
+        </p:txBody>
+      </p:sp>
+      <p:pic>
+        <p:nvPicPr>
+          <p:cNvPr id="4" name="Picture 3"/>
+          <p:cNvPicPr>
+            <a:picLocks noChangeAspect="1"/>
+          </p:cNvPicPr>
+          <p:nvPr/>
+        </p:nvPicPr>
+        <p:blipFill>
+          <a:blip r:embed="rId2">
+            <a:extLst>
+              <a:ext uri="{28A0092B-C50C-407E-A947-70E740481C1C}">
+                <a14:useLocalDpi xmlns:a14="http://schemas.microsoft.com/office/drawing/2010/main" val="0"/>
+              </a:ext>
+            </a:extLst>
+          </a:blip>
+          <a:stretch>
+            <a:fillRect/>
+          </a:stretch>
+        </p:blipFill>
+        <p:spPr>
+          <a:xfrm>
+            <a:off x="4372743" y="2281240"/>
+            <a:ext cx="6792851" cy="3232456"/>
+          </a:xfrm>
+          <a:prstGeom prst="rect">
+            <a:avLst/>
+          </a:prstGeom>
+        </p:spPr>
+      </p:pic>
+    </p:spTree>
+    <p:extLst>
+      <p:ext uri="{BB962C8B-B14F-4D97-AF65-F5344CB8AC3E}">
+        <p14:creationId xmlns:p14="http://schemas.microsoft.com/office/powerpoint/2010/main" val="794132389"/>
+      </p:ext>
+    </p:extLst>
+  </p:cSld>
+  <p:clrMapOvr>
+    <a:masterClrMapping/>
+  </p:clrMapOvr>
+  <p:timing>
+    <p:tnLst>
+      <p:par>
+        <p:cTn id="1" dur="indefinite" restart="never" nodeType="tmRoot"/>
+      </p:par>
+    </p:tnLst>
+  </p:timing>
+</p:sld>
+</file>
+
+<file path=ppt/slides/slide2.xml><?xml version="1.0" encoding="utf-8"?>
+<p:sld xmlns:a="http://schemas.openxmlformats.org/drawingml/2006/main" xmlns:r="http://schemas.openxmlformats.org/officeDocument/2006/relationships" xmlns:p="http://schemas.openxmlformats.org/presentationml/2006/main">
+  <p:cSld>
+    <p:spTree>
+      <p:nvGrpSpPr>
+        <p:cNvPr id="1" name=""/>
+        <p:cNvGrpSpPr/>
+        <p:nvPr/>
+      </p:nvGrpSpPr>
+      <p:grpSpPr>
+        <a:xfrm>
+          <a:off x="0" y="0"/>
+          <a:ext cx="0" cy="0"/>
+          <a:chOff x="0" y="0"/>
+          <a:chExt cx="0" cy="0"/>
+        </a:xfrm>
+      </p:grpSpPr>
+      <p:sp>
+        <p:nvSpPr>
+          <p:cNvPr id="2" name="Title 1"/>
+          <p:cNvSpPr>
+            <a:spLocks noGrp="1"/>
+          </p:cNvSpPr>
+          <p:nvPr>
+            <p:ph type="title"/>
+          </p:nvPr>
+        </p:nvSpPr>
+        <p:spPr/>
+        <p:txBody>
+          <a:bodyPr>
+            <a:normAutofit/>
+          </a:bodyPr>
+          <a:lstStyle/>
+          <a:p>
+            <a:r>
+              <a:rPr lang="en-US" sz="6000" dirty="0" smtClean="0"/>
+              <a:t>1. Introduction</a:t>
+            </a:r>
+            <a:endParaRPr lang="en-US" sz="6000" dirty="0"/>
+          </a:p>
+        </p:txBody>
+      </p:sp>
+      <p:sp>
+        <p:nvSpPr>
+          <p:cNvPr id="3" name="Content Placeholder 2"/>
+          <p:cNvSpPr>
+            <a:spLocks noGrp="1"/>
+          </p:cNvSpPr>
+          <p:nvPr>
+            <p:ph idx="1"/>
+          </p:nvPr>
+        </p:nvSpPr>
+        <p:spPr/>
+        <p:txBody>
+          <a:bodyPr>
+            <a:normAutofit fontScale="92500" lnSpcReduction="20000"/>
+          </a:bodyPr>
+          <a:lstStyle/>
+          <a:p>
+            <a:pPr>
+              <a:buFont typeface="Wingdings" charset="2"/>
+              <a:buChar char="Ø"/>
+            </a:pPr>
+            <a:r>
+              <a:rPr lang="en-US" sz="2800" dirty="0" smtClean="0"/>
+              <a:t>System description: </a:t>
+            </a:r>
+          </a:p>
+          <a:p>
+            <a:pPr lvl="1">
+              <a:buFont typeface="Wingdings" charset="2"/>
+              <a:buChar char="Ø"/>
+            </a:pPr>
+            <a:r>
+              <a:rPr lang="en-US" sz="2600" dirty="0" smtClean="0"/>
+              <a:t>ECM system is developed to </a:t>
+            </a:r>
+            <a:r>
+              <a:rPr lang="en-GB" sz="2600" dirty="0" smtClean="0"/>
+              <a:t>collect </a:t>
+            </a:r>
+            <a:r>
+              <a:rPr lang="en-GB" sz="2600" dirty="0"/>
+              <a:t>and </a:t>
+            </a:r>
+            <a:r>
+              <a:rPr lang="en-GB" sz="2600" dirty="0" smtClean="0"/>
+              <a:t>process </a:t>
+            </a:r>
+            <a:r>
+              <a:rPr lang="en-GB" sz="2600" dirty="0"/>
+              <a:t>Extenuating Circumstances (EC) </a:t>
+            </a:r>
+            <a:r>
+              <a:rPr lang="en-GB" sz="2600" dirty="0" smtClean="0"/>
+              <a:t>claims by students</a:t>
+            </a:r>
+            <a:r>
+              <a:rPr lang="en-US" sz="2600" dirty="0" smtClean="0"/>
+              <a:t>.  </a:t>
+            </a:r>
+          </a:p>
+          <a:p>
+            <a:pPr lvl="1">
+              <a:buFont typeface="Wingdings" charset="2"/>
+              <a:buChar char="Ø"/>
+            </a:pPr>
+            <a:r>
+              <a:rPr lang="en-US" sz="2600" dirty="0" smtClean="0"/>
+              <a:t>It is web-based secure role-based and has its own data management.</a:t>
+            </a:r>
+          </a:p>
+          <a:p>
+            <a:pPr>
+              <a:buFont typeface="Wingdings" charset="2"/>
+              <a:buChar char="Ø"/>
+            </a:pPr>
+            <a:r>
+              <a:rPr lang="en-US" sz="2800" dirty="0" smtClean="0"/>
+              <a:t>Members:</a:t>
+            </a:r>
+          </a:p>
+          <a:p>
+            <a:pPr lvl="1">
+              <a:buFont typeface="Wingdings" charset="2"/>
+              <a:buChar char="Ø"/>
+            </a:pPr>
+            <a:r>
+              <a:rPr lang="en-US" sz="2400" b="1" dirty="0" smtClean="0"/>
+              <a:t>Scrum master</a:t>
+            </a:r>
+            <a:r>
+              <a:rPr lang="en-US" sz="2400" dirty="0" smtClean="0"/>
+              <a:t>:</a:t>
+            </a:r>
+          </a:p>
+          <a:p>
+            <a:pPr lvl="2">
+              <a:buFont typeface="Wingdings" charset="2"/>
+              <a:buChar char="Ø"/>
+            </a:pPr>
+            <a:r>
+              <a:rPr lang="en-US" sz="2400" dirty="0"/>
+              <a:t>Phan </a:t>
+            </a:r>
+            <a:r>
+              <a:rPr lang="en-US" sz="2400" dirty="0" err="1"/>
+              <a:t>Tiến</a:t>
+            </a:r>
+            <a:r>
+              <a:rPr lang="en-US" sz="2400" dirty="0"/>
+              <a:t> </a:t>
+            </a:r>
+            <a:r>
+              <a:rPr lang="en-US" sz="2400" dirty="0" err="1" smtClean="0"/>
+              <a:t>Tùng</a:t>
+            </a:r>
+            <a:r>
+              <a:rPr lang="en-US" sz="2400" dirty="0" smtClean="0"/>
+              <a:t>: </a:t>
+            </a:r>
+            <a:r>
+              <a:rPr lang="en-US" sz="2400" dirty="0"/>
+              <a:t>product owner, product tester </a:t>
+            </a:r>
+            <a:endParaRPr lang="en-US" sz="2400" dirty="0" smtClean="0"/>
+          </a:p>
+          <a:p>
+            <a:pPr lvl="1">
+              <a:buFont typeface="Wingdings" charset="2"/>
+              <a:buChar char="Ø"/>
+            </a:pPr>
+            <a:r>
+              <a:rPr lang="en-US" sz="2400" b="1" dirty="0" smtClean="0"/>
+              <a:t>Scrum members</a:t>
+            </a:r>
+            <a:r>
+              <a:rPr lang="en-US" sz="2800" dirty="0" smtClean="0"/>
+              <a:t>:</a:t>
+            </a:r>
+          </a:p>
+          <a:p>
+            <a:pPr lvl="2">
+              <a:buFont typeface="Wingdings" charset="2"/>
+              <a:buChar char="Ø"/>
+            </a:pPr>
+            <a:r>
+              <a:rPr lang="en-US" sz="2400" dirty="0" err="1"/>
+              <a:t>Nguyễn</a:t>
+            </a:r>
+            <a:r>
+              <a:rPr lang="en-US" sz="2400" dirty="0"/>
+              <a:t> </a:t>
+            </a:r>
+            <a:r>
+              <a:rPr lang="en-US" sz="2400" dirty="0" err="1"/>
+              <a:t>Đức</a:t>
+            </a:r>
+            <a:r>
+              <a:rPr lang="en-US" sz="2400" dirty="0"/>
+              <a:t> </a:t>
+            </a:r>
+            <a:r>
+              <a:rPr lang="en-US" sz="2400" dirty="0" smtClean="0"/>
+              <a:t>Anh: </a:t>
+            </a:r>
+            <a:r>
+              <a:rPr lang="en-US" sz="2400" dirty="0"/>
+              <a:t>product tester </a:t>
+            </a:r>
+          </a:p>
+          <a:p>
+            <a:pPr lvl="2">
+              <a:buFont typeface="Wingdings" charset="2"/>
+              <a:buChar char="Ø"/>
+            </a:pPr>
+            <a:r>
+              <a:rPr lang="en-US" sz="2400" dirty="0" err="1" smtClean="0"/>
+              <a:t>Đàm</a:t>
+            </a:r>
+            <a:r>
+              <a:rPr lang="en-US" sz="2400" dirty="0" smtClean="0"/>
+              <a:t> </a:t>
+            </a:r>
+            <a:r>
+              <a:rPr lang="en-US" sz="2400" dirty="0"/>
+              <a:t>Cao </a:t>
+            </a:r>
+            <a:r>
+              <a:rPr lang="en-US" sz="2400" dirty="0" err="1"/>
+              <a:t>Sơn</a:t>
+            </a:r>
+            <a:r>
+              <a:rPr lang="en-US" sz="2400" dirty="0"/>
+              <a:t> </a:t>
+            </a:r>
+            <a:r>
+              <a:rPr lang="en-US" sz="2400" dirty="0" smtClean="0"/>
+              <a:t>: </a:t>
+            </a:r>
+            <a:r>
+              <a:rPr lang="en-US" sz="2400" dirty="0"/>
+              <a:t>programmer, designer </a:t>
+            </a:r>
+            <a:endParaRPr lang="en-US" sz="2400" dirty="0" smtClean="0"/>
+          </a:p>
+          <a:p>
+            <a:pPr lvl="2">
+              <a:buFont typeface="Wingdings" charset="2"/>
+              <a:buChar char="Ø"/>
+            </a:pPr>
+            <a:r>
+              <a:rPr lang="en-US" sz="2400" dirty="0" err="1" smtClean="0"/>
+              <a:t>Nguyễn</a:t>
+            </a:r>
+            <a:r>
+              <a:rPr lang="en-US" sz="2400" dirty="0" smtClean="0"/>
+              <a:t> </a:t>
+            </a:r>
+            <a:r>
+              <a:rPr lang="en-US" sz="2400" dirty="0" err="1"/>
+              <a:t>Hải</a:t>
+            </a:r>
+            <a:r>
+              <a:rPr lang="en-US" sz="2400" dirty="0"/>
+              <a:t> </a:t>
+            </a:r>
+            <a:r>
+              <a:rPr lang="en-US" sz="2400" dirty="0" smtClean="0"/>
+              <a:t>Nam: </a:t>
+            </a:r>
+            <a:r>
+              <a:rPr lang="en-US" sz="2400" dirty="0"/>
+              <a:t>programmer, </a:t>
+            </a:r>
+            <a:r>
+              <a:rPr lang="en-US" sz="2400" dirty="0" smtClean="0"/>
+              <a:t>designer</a:t>
+            </a:r>
+          </a:p>
+          <a:p>
+            <a:pPr lvl="2">
+              <a:buFont typeface="Wingdings" charset="2"/>
+              <a:buChar char="Ø"/>
+            </a:pPr>
+            <a:r>
+              <a:rPr lang="en-US" sz="2400" dirty="0" err="1" smtClean="0"/>
+              <a:t>Nguyễn</a:t>
+            </a:r>
+            <a:r>
+              <a:rPr lang="en-US" sz="2400" dirty="0" smtClean="0"/>
+              <a:t> </a:t>
+            </a:r>
+            <a:r>
+              <a:rPr lang="en-US" sz="2400" dirty="0" err="1"/>
+              <a:t>Văn</a:t>
+            </a:r>
+            <a:r>
+              <a:rPr lang="en-US" sz="2400" dirty="0"/>
+              <a:t> </a:t>
+            </a:r>
+            <a:r>
+              <a:rPr lang="en-US" sz="2400" dirty="0" err="1" smtClean="0"/>
+              <a:t>Ái</a:t>
+            </a:r>
+            <a:r>
+              <a:rPr lang="en-US" sz="2400" dirty="0" smtClean="0"/>
+              <a:t>: </a:t>
+            </a:r>
+            <a:r>
+              <a:rPr lang="en-US" sz="2400" dirty="0"/>
+              <a:t>programmer, unit tester</a:t>
+            </a:r>
+            <a:endParaRPr lang="en-US" sz="2400" dirty="0" smtClean="0"/>
+          </a:p>
+          <a:p>
+            <a:pPr lvl="2">
+              <a:buFont typeface="Wingdings" charset="2"/>
+              <a:buChar char="Ø"/>
+            </a:pPr>
+            <a:endParaRPr lang="en-US" sz="2000" dirty="0"/>
+          </a:p>
+          <a:p>
+            <a:pPr>
+              <a:buFont typeface="Wingdings" charset="2"/>
+              <a:buChar char="Ø"/>
+            </a:pPr>
+            <a:endParaRPr lang="en-US" sz="2800" dirty="0"/>
+          </a:p>
+        </p:txBody>
+      </p:sp>
+    </p:spTree>
+    <p:extLst>
+      <p:ext uri="{BB962C8B-B14F-4D97-AF65-F5344CB8AC3E}">
+        <p14:creationId xmlns:p14="http://schemas.microsoft.com/office/powerpoint/2010/main" val="2111819576"/>
+      </p:ext>
+    </p:extLst>
+  </p:cSld>
+  <p:clrMapOvr>
+    <a:masterClrMapping/>
+  </p:clrMapOvr>
+</p:sld>
+</file>
+
+<file path=ppt/slides/slide20.xml><?xml version="1.0" encoding="utf-8"?>
+<p:sld xmlns:a="http://schemas.openxmlformats.org/drawingml/2006/main" xmlns:r="http://schemas.openxmlformats.org/officeDocument/2006/relationships" xmlns:p="http://schemas.openxmlformats.org/presentationml/2006/main">
+  <p:cSld>
+    <p:spTree>
+      <p:nvGrpSpPr>
+        <p:cNvPr id="1" name=""/>
+        <p:cNvGrpSpPr/>
+        <p:nvPr/>
+      </p:nvGrpSpPr>
+      <p:grpSpPr>
+        <a:xfrm>
+          <a:off x="0" y="0"/>
+          <a:ext cx="0" cy="0"/>
+          <a:chOff x="0" y="0"/>
+          <a:chExt cx="0" cy="0"/>
+        </a:xfrm>
+      </p:grpSpPr>
+      <p:sp>
+        <p:nvSpPr>
+          <p:cNvPr id="2" name="Title 1"/>
+          <p:cNvSpPr>
+            <a:spLocks noGrp="1"/>
+          </p:cNvSpPr>
+          <p:nvPr>
+            <p:ph type="title"/>
+          </p:nvPr>
+        </p:nvSpPr>
+        <p:spPr/>
+        <p:txBody>
+          <a:bodyPr/>
+          <a:lstStyle/>
+          <a:p>
+            <a:r>
+              <a:rPr lang="en-US" dirty="0" smtClean="0"/>
+              <a:t>Bootstrap grid system</a:t>
+            </a:r>
+            <a:endParaRPr lang="en-US" dirty="0"/>
+          </a:p>
+        </p:txBody>
+      </p:sp>
+      <p:pic>
+        <p:nvPicPr>
+          <p:cNvPr id="4" name="Content Placeholder 3"/>
+          <p:cNvPicPr>
+            <a:picLocks noGrp="1" noChangeAspect="1"/>
+          </p:cNvPicPr>
+          <p:nvPr>
+            <p:ph idx="1"/>
+          </p:nvPr>
+        </p:nvPicPr>
+        <p:blipFill>
+          <a:blip r:embed="rId2">
+            <a:extLst>
+              <a:ext uri="{28A0092B-C50C-407E-A947-70E740481C1C}">
+                <a14:useLocalDpi xmlns:a14="http://schemas.microsoft.com/office/drawing/2010/main" val="0"/>
+              </a:ext>
+            </a:extLst>
+          </a:blip>
+          <a:stretch>
+            <a:fillRect/>
+          </a:stretch>
+        </p:blipFill>
+        <p:spPr>
+          <a:xfrm>
+            <a:off x="1393977" y="2106692"/>
+            <a:ext cx="8135485" cy="3781953"/>
+          </a:xfrm>
+        </p:spPr>
+      </p:pic>
+      <p:sp>
+        <p:nvSpPr>
+          <p:cNvPr id="6" name="TextBox 5"/>
+          <p:cNvSpPr txBox="1"/>
+          <p:nvPr/>
+        </p:nvSpPr>
+        <p:spPr>
+          <a:xfrm>
+            <a:off x="1296538" y="1737360"/>
+            <a:ext cx="5991367" cy="369332"/>
+          </a:xfrm>
+          <a:prstGeom prst="rect">
+            <a:avLst/>
+          </a:prstGeom>
+          <a:noFill/>
+        </p:spPr>
+        <p:txBody>
+          <a:bodyPr wrap="square" rtlCol="0">
+            <a:spAutoFit/>
+          </a:bodyPr>
+          <a:lstStyle/>
+          <a:p>
+            <a:r>
+              <a:rPr lang="en-US" dirty="0" smtClean="0"/>
+              <a:t>Difference screen size resolutions</a:t>
+            </a:r>
+            <a:endParaRPr lang="en-US" dirty="0"/>
+          </a:p>
+        </p:txBody>
+      </p:sp>
+    </p:spTree>
+    <p:extLst>
+      <p:ext uri="{BB962C8B-B14F-4D97-AF65-F5344CB8AC3E}">
+        <p14:creationId xmlns:p14="http://schemas.microsoft.com/office/powerpoint/2010/main" val="372195818"/>
+      </p:ext>
+    </p:extLst>
+  </p:cSld>
+  <p:clrMapOvr>
+    <a:masterClrMapping/>
+  </p:clrMapOvr>
+  <p:timing>
+    <p:tnLst>
+      <p:par>
+        <p:cTn id="1" dur="indefinite" restart="never" nodeType="tmRoot"/>
+      </p:par>
+    </p:tnLst>
+  </p:timing>
+</p:sld>
+</file>
+
+<file path=ppt/slides/slide21.xml><?xml version="1.0" encoding="utf-8"?>
+<p:sld xmlns:a="http://schemas.openxmlformats.org/drawingml/2006/main" xmlns:r="http://schemas.openxmlformats.org/officeDocument/2006/relationships" xmlns:p="http://schemas.openxmlformats.org/presentationml/2006/main">
+  <p:cSld>
+    <p:spTree>
+      <p:nvGrpSpPr>
+        <p:cNvPr id="1" name=""/>
+        <p:cNvGrpSpPr/>
+        <p:nvPr/>
+      </p:nvGrpSpPr>
+      <p:grpSpPr>
+        <a:xfrm>
+          <a:off x="0" y="0"/>
+          <a:ext cx="0" cy="0"/>
+          <a:chOff x="0" y="0"/>
+          <a:chExt cx="0" cy="0"/>
+        </a:xfrm>
+      </p:grpSpPr>
+      <p:sp>
+        <p:nvSpPr>
+          <p:cNvPr id="2" name="Title 1"/>
+          <p:cNvSpPr>
+            <a:spLocks noGrp="1"/>
+          </p:cNvSpPr>
+          <p:nvPr>
+            <p:ph type="title"/>
+          </p:nvPr>
+        </p:nvSpPr>
+        <p:spPr/>
+        <p:txBody>
+          <a:bodyPr/>
+          <a:lstStyle/>
+          <a:p>
+            <a:r>
+              <a:rPr lang="en-US" dirty="0" smtClean="0"/>
+              <a:t>Cont.</a:t>
+            </a:r>
+            <a:endParaRPr lang="en-US" dirty="0"/>
+          </a:p>
+        </p:txBody>
+      </p:sp>
+      <p:sp>
+        <p:nvSpPr>
+          <p:cNvPr id="3" name="Content Placeholder 2"/>
+          <p:cNvSpPr>
+            <a:spLocks noGrp="1"/>
+          </p:cNvSpPr>
+          <p:nvPr>
+            <p:ph idx="1"/>
+          </p:nvPr>
+        </p:nvSpPr>
+        <p:spPr/>
+        <p:txBody>
+          <a:bodyPr/>
+          <a:lstStyle/>
+          <a:p>
+            <a:r>
+              <a:rPr lang="en-US" dirty="0" smtClean="0"/>
+              <a:t>12 Columns</a:t>
+            </a:r>
+          </a:p>
+          <a:p>
+            <a:r>
+              <a:rPr lang="en-US" dirty="0" smtClean="0"/>
+              <a:t>Desktop: col-</a:t>
+            </a:r>
+            <a:r>
+              <a:rPr lang="en-US" dirty="0" err="1" smtClean="0"/>
+              <a:t>lg</a:t>
+            </a:r>
+            <a:r>
+              <a:rPr lang="en-US" dirty="0" smtClean="0"/>
+              <a:t>-(1-12)</a:t>
+            </a:r>
+          </a:p>
+          <a:p>
+            <a:r>
+              <a:rPr lang="en-US" dirty="0" smtClean="0"/>
+              <a:t>Laptop: col-md-(1-12)</a:t>
+            </a:r>
+          </a:p>
+          <a:p>
+            <a:r>
+              <a:rPr lang="en-US" dirty="0" smtClean="0"/>
+              <a:t>Tablet: col-</a:t>
+            </a:r>
+            <a:r>
+              <a:rPr lang="en-US" dirty="0" err="1" smtClean="0"/>
+              <a:t>sm</a:t>
+            </a:r>
+            <a:r>
+              <a:rPr lang="en-US" dirty="0" smtClean="0"/>
+              <a:t>-(1-12)</a:t>
+            </a:r>
+          </a:p>
+          <a:p>
+            <a:r>
+              <a:rPr lang="en-US" dirty="0" smtClean="0"/>
+              <a:t>Mobile: col-</a:t>
+            </a:r>
+            <a:r>
+              <a:rPr lang="en-US" dirty="0" err="1" smtClean="0"/>
+              <a:t>xs</a:t>
+            </a:r>
+            <a:r>
+              <a:rPr lang="en-US" dirty="0" smtClean="0"/>
+              <a:t>-(1-12)</a:t>
+            </a:r>
+          </a:p>
+          <a:p>
+            <a:endParaRPr lang="en-US" dirty="0" smtClean="0"/>
+          </a:p>
+          <a:p>
+            <a:endParaRPr lang="en-US" dirty="0"/>
+          </a:p>
+        </p:txBody>
+      </p:sp>
+      <p:pic>
+        <p:nvPicPr>
+          <p:cNvPr id="5" name="Picture 4"/>
+          <p:cNvPicPr>
+            <a:picLocks noChangeAspect="1"/>
+          </p:cNvPicPr>
+          <p:nvPr/>
+        </p:nvPicPr>
+        <p:blipFill>
+          <a:blip r:embed="rId2">
+            <a:extLst>
+              <a:ext uri="{28A0092B-C50C-407E-A947-70E740481C1C}">
+                <a14:useLocalDpi xmlns:a14="http://schemas.microsoft.com/office/drawing/2010/main" val="0"/>
+              </a:ext>
+            </a:extLst>
+          </a:blip>
+          <a:stretch>
+            <a:fillRect/>
+          </a:stretch>
+        </p:blipFill>
+        <p:spPr>
+          <a:xfrm>
+            <a:off x="3646882" y="2049568"/>
+            <a:ext cx="8076545" cy="2372056"/>
+          </a:xfrm>
+          <a:prstGeom prst="rect">
+            <a:avLst/>
+          </a:prstGeom>
+        </p:spPr>
+      </p:pic>
+    </p:spTree>
+    <p:extLst>
+      <p:ext uri="{BB962C8B-B14F-4D97-AF65-F5344CB8AC3E}">
+        <p14:creationId xmlns:p14="http://schemas.microsoft.com/office/powerpoint/2010/main" val="2022733062"/>
+      </p:ext>
+    </p:extLst>
+  </p:cSld>
+  <p:clrMapOvr>
+    <a:masterClrMapping/>
+  </p:clrMapOvr>
+  <p:timing>
+    <p:tnLst>
+      <p:par>
+        <p:cTn id="1" dur="indefinite" restart="never" nodeType="tmRoot"/>
+      </p:par>
+    </p:tnLst>
+  </p:timing>
+</p:sld>
+</file>
+
+<file path=ppt/slides/slide22.xml><?xml version="1.0" encoding="utf-8"?>
+<p:sld xmlns:a="http://schemas.openxmlformats.org/drawingml/2006/main" xmlns:r="http://schemas.openxmlformats.org/officeDocument/2006/relationships" xmlns:p="http://schemas.openxmlformats.org/presentationml/2006/main">
+  <p:cSld>
+    <p:spTree>
+      <p:nvGrpSpPr>
+        <p:cNvPr id="1" name=""/>
+        <p:cNvGrpSpPr/>
+        <p:nvPr/>
+      </p:nvGrpSpPr>
+      <p:grpSpPr>
+        <a:xfrm>
+          <a:off x="0" y="0"/>
+          <a:ext cx="0" cy="0"/>
+          <a:chOff x="0" y="0"/>
+          <a:chExt cx="0" cy="0"/>
+        </a:xfrm>
+      </p:grpSpPr>
+      <p:sp>
+        <p:nvSpPr>
+          <p:cNvPr id="2" name="Title 1"/>
+          <p:cNvSpPr>
+            <a:spLocks noGrp="1"/>
+          </p:cNvSpPr>
+          <p:nvPr>
+            <p:ph type="title"/>
+          </p:nvPr>
+        </p:nvSpPr>
+        <p:spPr/>
+        <p:txBody>
+          <a:bodyPr/>
+          <a:lstStyle/>
+          <a:p>
+            <a:r>
+              <a:rPr lang="en-US" dirty="0" smtClean="0"/>
+              <a:t>Design principle</a:t>
+            </a:r>
+            <a:endParaRPr lang="en-US" dirty="0"/>
+          </a:p>
+        </p:txBody>
+      </p:sp>
+      <p:sp>
+        <p:nvSpPr>
+          <p:cNvPr id="3" name="Content Placeholder 2"/>
+          <p:cNvSpPr>
+            <a:spLocks noGrp="1"/>
+          </p:cNvSpPr>
+          <p:nvPr>
+            <p:ph idx="1"/>
+          </p:nvPr>
+        </p:nvSpPr>
+        <p:spPr/>
+        <p:txBody>
+          <a:bodyPr/>
+          <a:lstStyle/>
+          <a:p>
+            <a:r>
+              <a:rPr lang="en-US" dirty="0" smtClean="0"/>
+              <a:t>Visibility</a:t>
+            </a:r>
+          </a:p>
+          <a:p>
+            <a:pPr lvl="1"/>
+            <a:r>
+              <a:rPr lang="en-US" dirty="0" smtClean="0"/>
+              <a:t>Clear content</a:t>
+            </a:r>
+          </a:p>
+          <a:p>
+            <a:pPr lvl="1"/>
+            <a:r>
+              <a:rPr lang="en-US" dirty="0" smtClean="0"/>
+              <a:t>Standard icons</a:t>
+            </a:r>
+          </a:p>
+          <a:p>
+            <a:pPr lvl="1"/>
+            <a:r>
+              <a:rPr lang="en-US" dirty="0" smtClean="0"/>
+              <a:t>Ease to use</a:t>
+            </a:r>
+          </a:p>
+        </p:txBody>
+      </p:sp>
+      <p:pic>
+        <p:nvPicPr>
+          <p:cNvPr id="4" name="Picture 3"/>
+          <p:cNvPicPr>
+            <a:picLocks noChangeAspect="1"/>
+          </p:cNvPicPr>
+          <p:nvPr/>
+        </p:nvPicPr>
+        <p:blipFill>
+          <a:blip r:embed="rId2">
+            <a:extLst>
+              <a:ext uri="{28A0092B-C50C-407E-A947-70E740481C1C}">
+                <a14:useLocalDpi xmlns:a14="http://schemas.microsoft.com/office/drawing/2010/main" val="0"/>
+              </a:ext>
+            </a:extLst>
+          </a:blip>
+          <a:stretch>
+            <a:fillRect/>
+          </a:stretch>
+        </p:blipFill>
+        <p:spPr>
+          <a:xfrm>
+            <a:off x="3076206" y="1874649"/>
+            <a:ext cx="8207445" cy="3965529"/>
+          </a:xfrm>
+          <a:prstGeom prst="rect">
+            <a:avLst/>
+          </a:prstGeom>
+        </p:spPr>
+      </p:pic>
+    </p:spTree>
+    <p:extLst>
+      <p:ext uri="{BB962C8B-B14F-4D97-AF65-F5344CB8AC3E}">
+        <p14:creationId xmlns:p14="http://schemas.microsoft.com/office/powerpoint/2010/main" val="1408441024"/>
+      </p:ext>
+    </p:extLst>
+  </p:cSld>
+  <p:clrMapOvr>
+    <a:masterClrMapping/>
+  </p:clrMapOvr>
+  <p:timing>
+    <p:tnLst>
+      <p:par>
+        <p:cTn id="1" dur="indefinite" restart="never" nodeType="tmRoot"/>
+      </p:par>
+    </p:tnLst>
+  </p:timing>
+</p:sld>
+</file>
+
+<file path=ppt/slides/slide23.xml><?xml version="1.0" encoding="utf-8"?>
+<p:sld xmlns:a="http://schemas.openxmlformats.org/drawingml/2006/main" xmlns:r="http://schemas.openxmlformats.org/officeDocument/2006/relationships" xmlns:p="http://schemas.openxmlformats.org/presentationml/2006/main">
+  <p:cSld>
+    <p:spTree>
+      <p:nvGrpSpPr>
+        <p:cNvPr id="1" name=""/>
+        <p:cNvGrpSpPr/>
+        <p:nvPr/>
+      </p:nvGrpSpPr>
+      <p:grpSpPr>
+        <a:xfrm>
+          <a:off x="0" y="0"/>
+          <a:ext cx="0" cy="0"/>
+          <a:chOff x="0" y="0"/>
+          <a:chExt cx="0" cy="0"/>
+        </a:xfrm>
+      </p:grpSpPr>
+      <p:sp>
+        <p:nvSpPr>
+          <p:cNvPr id="2" name="Title 1"/>
+          <p:cNvSpPr>
+            <a:spLocks noGrp="1"/>
+          </p:cNvSpPr>
+          <p:nvPr>
+            <p:ph type="title"/>
+          </p:nvPr>
+        </p:nvSpPr>
+        <p:spPr/>
+        <p:txBody>
+          <a:bodyPr/>
+          <a:lstStyle/>
+          <a:p>
+            <a:r>
+              <a:rPr lang="en-US" dirty="0" smtClean="0"/>
+              <a:t>Cont.</a:t>
+            </a:r>
+            <a:endParaRPr lang="en-US" dirty="0"/>
+          </a:p>
+        </p:txBody>
+      </p:sp>
+      <p:sp>
+        <p:nvSpPr>
+          <p:cNvPr id="3" name="Content Placeholder 2"/>
+          <p:cNvSpPr>
+            <a:spLocks noGrp="1"/>
+          </p:cNvSpPr>
+          <p:nvPr>
+            <p:ph idx="1"/>
+          </p:nvPr>
+        </p:nvSpPr>
+        <p:spPr/>
+        <p:txBody>
+          <a:bodyPr/>
+          <a:lstStyle/>
+          <a:p>
+            <a:r>
+              <a:rPr lang="en-US" dirty="0" smtClean="0"/>
+              <a:t>Consistency</a:t>
+            </a:r>
+          </a:p>
+          <a:p>
+            <a:pPr lvl="1"/>
+            <a:r>
+              <a:rPr lang="en-US" dirty="0"/>
+              <a:t>Uniform </a:t>
+            </a:r>
+            <a:r>
+              <a:rPr lang="en-US" dirty="0" smtClean="0"/>
+              <a:t>layout, color.</a:t>
+            </a:r>
+          </a:p>
+          <a:p>
+            <a:pPr lvl="1"/>
+            <a:r>
+              <a:rPr lang="en-US" dirty="0" smtClean="0"/>
+              <a:t>Button size, text field size.</a:t>
+            </a:r>
+          </a:p>
+          <a:p>
+            <a:pPr lvl="1"/>
+            <a:r>
+              <a:rPr lang="en-US" dirty="0" smtClean="0"/>
+              <a:t>font-size, font-family.</a:t>
+            </a:r>
+          </a:p>
+          <a:p>
+            <a:pPr lvl="1"/>
+            <a:endParaRPr lang="en-US" dirty="0"/>
+          </a:p>
+        </p:txBody>
+      </p:sp>
+      <p:pic>
+        <p:nvPicPr>
+          <p:cNvPr id="4" name="Picture 3"/>
+          <p:cNvPicPr>
+            <a:picLocks noChangeAspect="1"/>
+          </p:cNvPicPr>
+          <p:nvPr/>
+        </p:nvPicPr>
+        <p:blipFill>
+          <a:blip r:embed="rId2">
+            <a:extLst>
+              <a:ext uri="{28A0092B-C50C-407E-A947-70E740481C1C}">
+                <a14:useLocalDpi xmlns:a14="http://schemas.microsoft.com/office/drawing/2010/main" val="0"/>
+              </a:ext>
+            </a:extLst>
+          </a:blip>
+          <a:stretch>
+            <a:fillRect/>
+          </a:stretch>
+        </p:blipFill>
+        <p:spPr>
+          <a:xfrm>
+            <a:off x="4148918" y="2110704"/>
+            <a:ext cx="7724634" cy="3466472"/>
+          </a:xfrm>
+          <a:prstGeom prst="rect">
+            <a:avLst/>
+          </a:prstGeom>
+        </p:spPr>
+      </p:pic>
+    </p:spTree>
+    <p:extLst>
+      <p:ext uri="{BB962C8B-B14F-4D97-AF65-F5344CB8AC3E}">
+        <p14:creationId xmlns:p14="http://schemas.microsoft.com/office/powerpoint/2010/main" val="2103533134"/>
+      </p:ext>
+    </p:extLst>
+  </p:cSld>
+  <p:clrMapOvr>
+    <a:masterClrMapping/>
+  </p:clrMapOvr>
+  <p:timing>
+    <p:tnLst>
+      <p:par>
+        <p:cTn id="1" dur="indefinite" restart="never" nodeType="tmRoot"/>
+      </p:par>
+    </p:tnLst>
+  </p:timing>
+</p:sld>
+</file>
+
+<file path=ppt/slides/slide24.xml><?xml version="1.0" encoding="utf-8"?>
+<p:sld xmlns:a="http://schemas.openxmlformats.org/drawingml/2006/main" xmlns:r="http://schemas.openxmlformats.org/officeDocument/2006/relationships" xmlns:p="http://schemas.openxmlformats.org/presentationml/2006/main">
+  <p:cSld>
+    <p:spTree>
+      <p:nvGrpSpPr>
+        <p:cNvPr id="1" name=""/>
+        <p:cNvGrpSpPr/>
+        <p:nvPr/>
+      </p:nvGrpSpPr>
+      <p:grpSpPr>
+        <a:xfrm>
+          <a:off x="0" y="0"/>
+          <a:ext cx="0" cy="0"/>
+          <a:chOff x="0" y="0"/>
+          <a:chExt cx="0" cy="0"/>
+        </a:xfrm>
+      </p:grpSpPr>
+      <p:sp>
+        <p:nvSpPr>
+          <p:cNvPr id="2" name="Title 1"/>
+          <p:cNvSpPr>
+            <a:spLocks noGrp="1"/>
+          </p:cNvSpPr>
+          <p:nvPr>
+            <p:ph type="title"/>
+          </p:nvPr>
+        </p:nvSpPr>
+        <p:spPr/>
+        <p:txBody>
+          <a:bodyPr/>
+          <a:lstStyle/>
+          <a:p>
+            <a:r>
+              <a:rPr lang="en-US" dirty="0" smtClean="0"/>
+              <a:t>Cont.</a:t>
+            </a:r>
+            <a:endParaRPr lang="en-US" dirty="0"/>
+          </a:p>
+        </p:txBody>
+      </p:sp>
+      <p:sp>
+        <p:nvSpPr>
+          <p:cNvPr id="3" name="Content Placeholder 2"/>
+          <p:cNvSpPr>
+            <a:spLocks noGrp="1"/>
+          </p:cNvSpPr>
+          <p:nvPr>
+            <p:ph idx="1"/>
+          </p:nvPr>
+        </p:nvSpPr>
+        <p:spPr/>
+        <p:txBody>
+          <a:bodyPr/>
+          <a:lstStyle/>
+          <a:p>
+            <a:r>
+              <a:rPr lang="en-US" dirty="0" smtClean="0"/>
+              <a:t>Similarity: The site use common layout, the user do not need learn to use web site if they experience in the layout.</a:t>
+            </a:r>
+          </a:p>
+          <a:p>
+            <a:endParaRPr lang="en-US" dirty="0"/>
+          </a:p>
+        </p:txBody>
+      </p:sp>
+      <p:pic>
+        <p:nvPicPr>
+          <p:cNvPr id="4" name="Picture 3"/>
+          <p:cNvPicPr>
+            <a:picLocks noChangeAspect="1"/>
+          </p:cNvPicPr>
+          <p:nvPr/>
+        </p:nvPicPr>
+        <p:blipFill>
+          <a:blip r:embed="rId2">
+            <a:extLst>
+              <a:ext uri="{28A0092B-C50C-407E-A947-70E740481C1C}">
+                <a14:useLocalDpi xmlns:a14="http://schemas.microsoft.com/office/drawing/2010/main" val="0"/>
+              </a:ext>
+            </a:extLst>
+          </a:blip>
+          <a:stretch>
+            <a:fillRect/>
+          </a:stretch>
+        </p:blipFill>
+        <p:spPr>
+          <a:xfrm>
+            <a:off x="3859292" y="2323406"/>
+            <a:ext cx="6805069" cy="3053812"/>
+          </a:xfrm>
+          <a:prstGeom prst="rect">
+            <a:avLst/>
+          </a:prstGeom>
+        </p:spPr>
+      </p:pic>
+    </p:spTree>
+    <p:extLst>
+      <p:ext uri="{BB962C8B-B14F-4D97-AF65-F5344CB8AC3E}">
+        <p14:creationId xmlns:p14="http://schemas.microsoft.com/office/powerpoint/2010/main" val="58102577"/>
+      </p:ext>
+    </p:extLst>
+  </p:cSld>
+  <p:clrMapOvr>
+    <a:masterClrMapping/>
+  </p:clrMapOvr>
+  <p:timing>
+    <p:tnLst>
+      <p:par>
+        <p:cTn id="1" dur="indefinite" restart="never" nodeType="tmRoot"/>
+      </p:par>
+    </p:tnLst>
+  </p:timing>
+</p:sld>
+</file>
+
+<file path=ppt/slides/slide25.xml><?xml version="1.0" encoding="utf-8"?>
+<p:sld xmlns:a="http://schemas.openxmlformats.org/drawingml/2006/main" xmlns:r="http://schemas.openxmlformats.org/officeDocument/2006/relationships" xmlns:p="http://schemas.openxmlformats.org/presentationml/2006/main">
+  <p:cSld>
+    <p:spTree>
+      <p:nvGrpSpPr>
+        <p:cNvPr id="1" name=""/>
+        <p:cNvGrpSpPr/>
+        <p:nvPr/>
+      </p:nvGrpSpPr>
+      <p:grpSpPr>
+        <a:xfrm>
+          <a:off x="0" y="0"/>
+          <a:ext cx="0" cy="0"/>
+          <a:chOff x="0" y="0"/>
+          <a:chExt cx="0" cy="0"/>
+        </a:xfrm>
+      </p:grpSpPr>
+      <p:sp>
+        <p:nvSpPr>
+          <p:cNvPr id="2" name="Title 1"/>
+          <p:cNvSpPr>
+            <a:spLocks noGrp="1"/>
+          </p:cNvSpPr>
+          <p:nvPr>
+            <p:ph type="title"/>
+          </p:nvPr>
+        </p:nvSpPr>
+        <p:spPr/>
+        <p:txBody>
+          <a:bodyPr/>
+          <a:lstStyle/>
+          <a:p>
+            <a:r>
+              <a:rPr lang="en-US" dirty="0" smtClean="0"/>
+              <a:t>Cont.</a:t>
+            </a:r>
+            <a:endParaRPr lang="en-US" dirty="0"/>
+          </a:p>
+        </p:txBody>
+      </p:sp>
+      <p:sp>
+        <p:nvSpPr>
+          <p:cNvPr id="3" name="Content Placeholder 2"/>
+          <p:cNvSpPr>
+            <a:spLocks noGrp="1"/>
+          </p:cNvSpPr>
+          <p:nvPr>
+            <p:ph idx="1"/>
+          </p:nvPr>
+        </p:nvSpPr>
+        <p:spPr/>
+        <p:txBody>
+          <a:bodyPr/>
+          <a:lstStyle/>
+          <a:p>
+            <a:r>
+              <a:rPr lang="en-US" dirty="0" smtClean="0"/>
+              <a:t>Feedback</a:t>
+            </a:r>
+            <a:r>
+              <a:rPr lang="en-US" dirty="0"/>
+              <a:t>: System present effect for the user interaction</a:t>
+            </a:r>
+            <a:endParaRPr lang="en-US" dirty="0" smtClean="0"/>
+          </a:p>
+          <a:p>
+            <a:endParaRPr lang="en-US" dirty="0" smtClean="0"/>
+          </a:p>
+          <a:p>
+            <a:endParaRPr lang="en-US" dirty="0"/>
+          </a:p>
+        </p:txBody>
+      </p:sp>
+      <p:pic>
+        <p:nvPicPr>
+          <p:cNvPr id="4" name="Picture 3"/>
+          <p:cNvPicPr>
+            <a:picLocks noChangeAspect="1"/>
+          </p:cNvPicPr>
+          <p:nvPr/>
+        </p:nvPicPr>
+        <p:blipFill>
+          <a:blip r:embed="rId2">
+            <a:extLst>
+              <a:ext uri="{28A0092B-C50C-407E-A947-70E740481C1C}">
+                <a14:useLocalDpi xmlns:a14="http://schemas.microsoft.com/office/drawing/2010/main" val="0"/>
+              </a:ext>
+            </a:extLst>
+          </a:blip>
+          <a:stretch>
+            <a:fillRect/>
+          </a:stretch>
+        </p:blipFill>
+        <p:spPr>
+          <a:xfrm>
+            <a:off x="4372743" y="2281240"/>
+            <a:ext cx="6792851" cy="3232456"/>
+          </a:xfrm>
+          <a:prstGeom prst="rect">
+            <a:avLst/>
+          </a:prstGeom>
+        </p:spPr>
+      </p:pic>
+    </p:spTree>
+    <p:extLst>
+      <p:ext uri="{BB962C8B-B14F-4D97-AF65-F5344CB8AC3E}">
+        <p14:creationId xmlns:p14="http://schemas.microsoft.com/office/powerpoint/2010/main" val="1572435901"/>
+      </p:ext>
+    </p:extLst>
+  </p:cSld>
+  <p:clrMapOvr>
+    <a:masterClrMapping/>
+  </p:clrMapOvr>
+  <p:timing>
+    <p:tnLst>
+      <p:par>
+        <p:cTn id="1" dur="indefinite" restart="never" nodeType="tmRoot"/>
+      </p:par>
+    </p:tnLst>
+  </p:timing>
+</p:sld>
+</file>
+
+<file path=ppt/slides/slide26.xml><?xml version="1.0" encoding="utf-8"?>
+<p:sld xmlns:a="http://schemas.openxmlformats.org/drawingml/2006/main" xmlns:r="http://schemas.openxmlformats.org/officeDocument/2006/relationships" xmlns:p="http://schemas.openxmlformats.org/presentationml/2006/main">
+  <p:cSld>
+    <p:spTree>
+      <p:nvGrpSpPr>
+        <p:cNvPr id="1" name=""/>
+        <p:cNvGrpSpPr/>
+        <p:nvPr/>
+      </p:nvGrpSpPr>
+      <p:grpSpPr>
+        <a:xfrm>
+          <a:off x="0" y="0"/>
+          <a:ext cx="0" cy="0"/>
+          <a:chOff x="0" y="0"/>
+          <a:chExt cx="0" cy="0"/>
+        </a:xfrm>
+      </p:grpSpPr>
+      <p:sp>
+        <p:nvSpPr>
+          <p:cNvPr id="2" name="Title 1"/>
+          <p:cNvSpPr>
+            <a:spLocks noGrp="1"/>
+          </p:cNvSpPr>
+          <p:nvPr>
+            <p:ph type="title"/>
+          </p:nvPr>
+        </p:nvSpPr>
+        <p:spPr/>
+        <p:txBody>
+          <a:bodyPr/>
+          <a:lstStyle/>
+          <a:p>
+            <a:pPr lvl="0"/>
+            <a:r>
+              <a:rPr lang="en-US" dirty="0" smtClean="0"/>
+              <a:t>5</a:t>
+            </a:r>
+            <a:r>
+              <a:rPr lang="en-US" dirty="0" smtClean="0"/>
+              <a:t>. </a:t>
+            </a:r>
+            <a:r>
+              <a:rPr lang="en-US" dirty="0" smtClean="0"/>
+              <a:t>Testing</a:t>
+            </a:r>
+            <a:endParaRPr lang="en-US" dirty="0"/>
+          </a:p>
+        </p:txBody>
+      </p:sp>
+      <p:sp>
+        <p:nvSpPr>
+          <p:cNvPr id="3" name="Content Placeholder 2"/>
+          <p:cNvSpPr>
+            <a:spLocks noGrp="1"/>
+          </p:cNvSpPr>
+          <p:nvPr>
+            <p:ph idx="1"/>
+          </p:nvPr>
+        </p:nvSpPr>
+        <p:spPr/>
+        <p:txBody>
+          <a:bodyPr/>
+          <a:lstStyle/>
+          <a:p>
+            <a:endParaRPr lang="en-US" dirty="0"/>
+          </a:p>
+        </p:txBody>
+      </p:sp>
+    </p:spTree>
+    <p:extLst>
+      <p:ext uri="{BB962C8B-B14F-4D97-AF65-F5344CB8AC3E}">
+        <p14:creationId xmlns:p14="http://schemas.microsoft.com/office/powerpoint/2010/main" val="391672032"/>
+      </p:ext>
+    </p:extLst>
+  </p:cSld>
+  <p:clrMapOvr>
+    <a:masterClrMapping/>
+  </p:clrMapOvr>
+  <p:timing>
+    <p:tnLst>
+      <p:par>
+        <p:cTn id="1" dur="indefinite" restart="never" nodeType="tmRoot"/>
+      </p:par>
+    </p:tnLst>
+  </p:timing>
+</p:sld>
+</file>
+
+<file path=ppt/slides/slide27.xml><?xml version="1.0" encoding="utf-8"?>
+<p:sld xmlns:a="http://schemas.openxmlformats.org/drawingml/2006/main" xmlns:r="http://schemas.openxmlformats.org/officeDocument/2006/relationships" xmlns:p="http://schemas.openxmlformats.org/presentationml/2006/main">
+  <p:cSld>
+    <p:spTree>
+      <p:nvGrpSpPr>
+        <p:cNvPr id="1" name=""/>
+        <p:cNvGrpSpPr/>
+        <p:nvPr/>
+      </p:nvGrpSpPr>
+      <p:grpSpPr>
+        <a:xfrm>
+          <a:off x="0" y="0"/>
+          <a:ext cx="0" cy="0"/>
+          <a:chOff x="0" y="0"/>
+          <a:chExt cx="0" cy="0"/>
+        </a:xfrm>
+      </p:grpSpPr>
+      <p:sp>
+        <p:nvSpPr>
+          <p:cNvPr id="2" name="Title 1"/>
+          <p:cNvSpPr>
+            <a:spLocks noGrp="1"/>
+          </p:cNvSpPr>
+          <p:nvPr>
+            <p:ph type="title"/>
+          </p:nvPr>
+        </p:nvSpPr>
+        <p:spPr/>
+        <p:txBody>
+          <a:bodyPr/>
+          <a:lstStyle/>
+          <a:p>
             <a:pPr lvl="0"/>
             <a:r>
               <a:rPr lang="en-US" dirty="0" smtClean="0"/>
@@ -6748,7 +8795,7 @@
 </p:sld>
 </file>
 
-<file path=ppt/slides/slide16.xml><?xml version="1.0" encoding="utf-8"?>
+<file path=ppt/slides/slide28.xml><?xml version="1.0" encoding="utf-8"?>
 <p:sld xmlns:a="http://schemas.openxmlformats.org/drawingml/2006/main" xmlns:r="http://schemas.openxmlformats.org/officeDocument/2006/relationships" xmlns:p="http://schemas.openxmlformats.org/presentationml/2006/main">
   <p:cSld>
     <p:spTree>
@@ -6837,7 +8884,7 @@
 </p:sld>
 </file>
 
-<file path=ppt/slides/slide17.xml><?xml version="1.0" encoding="utf-8"?>
+<file path=ppt/slides/slide29.xml><?xml version="1.0" encoding="utf-8"?>
 <p:sld xmlns:a="http://schemas.openxmlformats.org/drawingml/2006/main" xmlns:r="http://schemas.openxmlformats.org/officeDocument/2006/relationships" xmlns:p="http://schemas.openxmlformats.org/presentationml/2006/main">
   <p:cSld>
     <p:spTree>
@@ -6981,1483 +9028,6 @@
     <p:extLst>
       <p:ext uri="{BB962C8B-B14F-4D97-AF65-F5344CB8AC3E}">
         <p14:creationId xmlns:p14="http://schemas.microsoft.com/office/powerpoint/2010/main" val="581575115"/>
-      </p:ext>
-    </p:extLst>
-  </p:cSld>
-  <p:clrMapOvr>
-    <a:masterClrMapping/>
-  </p:clrMapOvr>
-  <p:timing>
-    <p:tnLst>
-      <p:par>
-        <p:cTn id="1" dur="indefinite" restart="never" nodeType="tmRoot"/>
-      </p:par>
-    </p:tnLst>
-  </p:timing>
-</p:sld>
-</file>
-
-<file path=ppt/slides/slide18.xml><?xml version="1.0" encoding="utf-8"?>
-<p:sld xmlns:a="http://schemas.openxmlformats.org/drawingml/2006/main" xmlns:r="http://schemas.openxmlformats.org/officeDocument/2006/relationships" xmlns:p="http://schemas.openxmlformats.org/presentationml/2006/main">
-  <p:cSld>
-    <p:spTree>
-      <p:nvGrpSpPr>
-        <p:cNvPr id="1" name=""/>
-        <p:cNvGrpSpPr/>
-        <p:nvPr/>
-      </p:nvGrpSpPr>
-      <p:grpSpPr>
-        <a:xfrm>
-          <a:off x="0" y="0"/>
-          <a:ext cx="0" cy="0"/>
-          <a:chOff x="0" y="0"/>
-          <a:chExt cx="0" cy="0"/>
-        </a:xfrm>
-      </p:grpSpPr>
-      <p:sp>
-        <p:nvSpPr>
-          <p:cNvPr id="2" name="Title 1"/>
-          <p:cNvSpPr>
-            <a:spLocks noGrp="1"/>
-          </p:cNvSpPr>
-          <p:nvPr>
-            <p:ph type="title"/>
-          </p:nvPr>
-        </p:nvSpPr>
-        <p:spPr/>
-        <p:txBody>
-          <a:bodyPr/>
-          <a:lstStyle/>
-          <a:p>
-            <a:r>
-              <a:rPr lang="en-US" dirty="0" smtClean="0"/>
-              <a:t>Sprint 1</a:t>
-            </a:r>
-            <a:endParaRPr lang="en-US" dirty="0"/>
-          </a:p>
-        </p:txBody>
-      </p:sp>
-      <p:pic>
-        <p:nvPicPr>
-          <p:cNvPr id="4" name="Content Placeholder 3"/>
-          <p:cNvPicPr>
-            <a:picLocks noGrp="1" noChangeAspect="1"/>
-          </p:cNvPicPr>
-          <p:nvPr>
-            <p:ph idx="1"/>
-          </p:nvPr>
-        </p:nvPicPr>
-        <p:blipFill>
-          <a:blip r:embed="rId2">
-            <a:extLst>
-              <a:ext uri="{28A0092B-C50C-407E-A947-70E740481C1C}">
-                <a14:useLocalDpi xmlns:a14="http://schemas.microsoft.com/office/drawing/2010/main" val="0"/>
-              </a:ext>
-            </a:extLst>
-          </a:blip>
-          <a:stretch>
-            <a:fillRect/>
-          </a:stretch>
-        </p:blipFill>
-        <p:spPr>
-          <a:xfrm>
-            <a:off x="1584009" y="1804035"/>
-            <a:ext cx="9084942" cy="4403791"/>
-          </a:xfrm>
-        </p:spPr>
-      </p:pic>
-    </p:spTree>
-    <p:extLst>
-      <p:ext uri="{BB962C8B-B14F-4D97-AF65-F5344CB8AC3E}">
-        <p14:creationId xmlns:p14="http://schemas.microsoft.com/office/powerpoint/2010/main" val="1334880308"/>
-      </p:ext>
-    </p:extLst>
-  </p:cSld>
-  <p:clrMapOvr>
-    <a:masterClrMapping/>
-  </p:clrMapOvr>
-  <p:timing>
-    <p:tnLst>
-      <p:par>
-        <p:cTn id="1" dur="indefinite" restart="never" nodeType="tmRoot"/>
-      </p:par>
-    </p:tnLst>
-  </p:timing>
-</p:sld>
-</file>
-
-<file path=ppt/slides/slide19.xml><?xml version="1.0" encoding="utf-8"?>
-<p:sld xmlns:a="http://schemas.openxmlformats.org/drawingml/2006/main" xmlns:r="http://schemas.openxmlformats.org/officeDocument/2006/relationships" xmlns:p="http://schemas.openxmlformats.org/presentationml/2006/main">
-  <p:cSld>
-    <p:spTree>
-      <p:nvGrpSpPr>
-        <p:cNvPr id="1" name=""/>
-        <p:cNvGrpSpPr/>
-        <p:nvPr/>
-      </p:nvGrpSpPr>
-      <p:grpSpPr>
-        <a:xfrm>
-          <a:off x="0" y="0"/>
-          <a:ext cx="0" cy="0"/>
-          <a:chOff x="0" y="0"/>
-          <a:chExt cx="0" cy="0"/>
-        </a:xfrm>
-      </p:grpSpPr>
-      <p:sp>
-        <p:nvSpPr>
-          <p:cNvPr id="2" name="Title 1"/>
-          <p:cNvSpPr>
-            <a:spLocks noGrp="1"/>
-          </p:cNvSpPr>
-          <p:nvPr>
-            <p:ph type="title"/>
-          </p:nvPr>
-        </p:nvSpPr>
-        <p:spPr/>
-        <p:txBody>
-          <a:bodyPr/>
-          <a:lstStyle/>
-          <a:p>
-            <a:r>
-              <a:rPr lang="en-US" dirty="0" smtClean="0"/>
-              <a:t>Sprint 2</a:t>
-            </a:r>
-            <a:endParaRPr lang="en-US" dirty="0"/>
-          </a:p>
-        </p:txBody>
-      </p:sp>
-      <p:pic>
-        <p:nvPicPr>
-          <p:cNvPr id="4" name="Content Placeholder 3"/>
-          <p:cNvPicPr>
-            <a:picLocks noGrp="1" noChangeAspect="1"/>
-          </p:cNvPicPr>
-          <p:nvPr>
-            <p:ph idx="1"/>
-          </p:nvPr>
-        </p:nvPicPr>
-        <p:blipFill>
-          <a:blip r:embed="rId2">
-            <a:extLst>
-              <a:ext uri="{28A0092B-C50C-407E-A947-70E740481C1C}">
-                <a14:useLocalDpi xmlns:a14="http://schemas.microsoft.com/office/drawing/2010/main" val="0"/>
-              </a:ext>
-            </a:extLst>
-          </a:blip>
-          <a:stretch>
-            <a:fillRect/>
-          </a:stretch>
-        </p:blipFill>
-        <p:spPr>
-          <a:xfrm>
-            <a:off x="1097280" y="1875638"/>
-            <a:ext cx="10058400" cy="3144825"/>
-          </a:xfrm>
-        </p:spPr>
-      </p:pic>
-    </p:spTree>
-    <p:extLst>
-      <p:ext uri="{BB962C8B-B14F-4D97-AF65-F5344CB8AC3E}">
-        <p14:creationId xmlns:p14="http://schemas.microsoft.com/office/powerpoint/2010/main" val="571676347"/>
-      </p:ext>
-    </p:extLst>
-  </p:cSld>
-  <p:clrMapOvr>
-    <a:masterClrMapping/>
-  </p:clrMapOvr>
-  <p:timing>
-    <p:tnLst>
-      <p:par>
-        <p:cTn id="1" dur="indefinite" restart="never" nodeType="tmRoot"/>
-      </p:par>
-    </p:tnLst>
-  </p:timing>
-</p:sld>
-</file>
-
-<file path=ppt/slides/slide2.xml><?xml version="1.0" encoding="utf-8"?>
-<p:sld xmlns:a="http://schemas.openxmlformats.org/drawingml/2006/main" xmlns:r="http://schemas.openxmlformats.org/officeDocument/2006/relationships" xmlns:p="http://schemas.openxmlformats.org/presentationml/2006/main">
-  <p:cSld>
-    <p:spTree>
-      <p:nvGrpSpPr>
-        <p:cNvPr id="1" name=""/>
-        <p:cNvGrpSpPr/>
-        <p:nvPr/>
-      </p:nvGrpSpPr>
-      <p:grpSpPr>
-        <a:xfrm>
-          <a:off x="0" y="0"/>
-          <a:ext cx="0" cy="0"/>
-          <a:chOff x="0" y="0"/>
-          <a:chExt cx="0" cy="0"/>
-        </a:xfrm>
-      </p:grpSpPr>
-      <p:sp>
-        <p:nvSpPr>
-          <p:cNvPr id="2" name="Title 1"/>
-          <p:cNvSpPr>
-            <a:spLocks noGrp="1"/>
-          </p:cNvSpPr>
-          <p:nvPr>
-            <p:ph type="title"/>
-          </p:nvPr>
-        </p:nvSpPr>
-        <p:spPr/>
-        <p:txBody>
-          <a:bodyPr>
-            <a:normAutofit/>
-          </a:bodyPr>
-          <a:lstStyle/>
-          <a:p>
-            <a:r>
-              <a:rPr lang="en-US" sz="6000" dirty="0" smtClean="0"/>
-              <a:t>1. Introduction</a:t>
-            </a:r>
-            <a:endParaRPr lang="en-US" sz="6000" dirty="0"/>
-          </a:p>
-        </p:txBody>
-      </p:sp>
-      <p:sp>
-        <p:nvSpPr>
-          <p:cNvPr id="3" name="Content Placeholder 2"/>
-          <p:cNvSpPr>
-            <a:spLocks noGrp="1"/>
-          </p:cNvSpPr>
-          <p:nvPr>
-            <p:ph idx="1"/>
-          </p:nvPr>
-        </p:nvSpPr>
-        <p:spPr/>
-        <p:txBody>
-          <a:bodyPr>
-            <a:normAutofit fontScale="92500" lnSpcReduction="20000"/>
-          </a:bodyPr>
-          <a:lstStyle/>
-          <a:p>
-            <a:pPr>
-              <a:buFont typeface="Wingdings" charset="2"/>
-              <a:buChar char="Ø"/>
-            </a:pPr>
-            <a:r>
-              <a:rPr lang="en-US" sz="2800" dirty="0" smtClean="0"/>
-              <a:t>System description: </a:t>
-            </a:r>
-          </a:p>
-          <a:p>
-            <a:pPr lvl="1">
-              <a:buFont typeface="Wingdings" charset="2"/>
-              <a:buChar char="Ø"/>
-            </a:pPr>
-            <a:r>
-              <a:rPr lang="en-US" sz="2600" dirty="0" smtClean="0"/>
-              <a:t>ECM system is developed to </a:t>
-            </a:r>
-            <a:r>
-              <a:rPr lang="en-GB" sz="2600" dirty="0" smtClean="0"/>
-              <a:t>collect </a:t>
-            </a:r>
-            <a:r>
-              <a:rPr lang="en-GB" sz="2600" dirty="0"/>
-              <a:t>and </a:t>
-            </a:r>
-            <a:r>
-              <a:rPr lang="en-GB" sz="2600" dirty="0" smtClean="0"/>
-              <a:t>process </a:t>
-            </a:r>
-            <a:r>
-              <a:rPr lang="en-GB" sz="2600" dirty="0"/>
-              <a:t>Extenuating Circumstances (EC) </a:t>
-            </a:r>
-            <a:r>
-              <a:rPr lang="en-GB" sz="2600" dirty="0" smtClean="0"/>
-              <a:t>claims by students</a:t>
-            </a:r>
-            <a:r>
-              <a:rPr lang="en-US" sz="2600" dirty="0" smtClean="0"/>
-              <a:t>.  </a:t>
-            </a:r>
-          </a:p>
-          <a:p>
-            <a:pPr lvl="1">
-              <a:buFont typeface="Wingdings" charset="2"/>
-              <a:buChar char="Ø"/>
-            </a:pPr>
-            <a:r>
-              <a:rPr lang="en-US" sz="2600" dirty="0" smtClean="0"/>
-              <a:t>It is web-based secure role-based and has its own data management.</a:t>
-            </a:r>
-          </a:p>
-          <a:p>
-            <a:pPr>
-              <a:buFont typeface="Wingdings" charset="2"/>
-              <a:buChar char="Ø"/>
-            </a:pPr>
-            <a:r>
-              <a:rPr lang="en-US" sz="2800" dirty="0" smtClean="0"/>
-              <a:t>Members:</a:t>
-            </a:r>
-          </a:p>
-          <a:p>
-            <a:pPr lvl="1">
-              <a:buFont typeface="Wingdings" charset="2"/>
-              <a:buChar char="Ø"/>
-            </a:pPr>
-            <a:r>
-              <a:rPr lang="en-US" sz="2400" b="1" dirty="0" smtClean="0"/>
-              <a:t>Scrum master</a:t>
-            </a:r>
-            <a:r>
-              <a:rPr lang="en-US" sz="2400" dirty="0" smtClean="0"/>
-              <a:t>:</a:t>
-            </a:r>
-          </a:p>
-          <a:p>
-            <a:pPr lvl="2">
-              <a:buFont typeface="Wingdings" charset="2"/>
-              <a:buChar char="Ø"/>
-            </a:pPr>
-            <a:r>
-              <a:rPr lang="en-US" sz="2400" dirty="0"/>
-              <a:t>Phan </a:t>
-            </a:r>
-            <a:r>
-              <a:rPr lang="en-US" sz="2400" dirty="0" err="1"/>
-              <a:t>Tiến</a:t>
-            </a:r>
-            <a:r>
-              <a:rPr lang="en-US" sz="2400" dirty="0"/>
-              <a:t> </a:t>
-            </a:r>
-            <a:r>
-              <a:rPr lang="en-US" sz="2400" dirty="0" err="1" smtClean="0"/>
-              <a:t>Tùng</a:t>
-            </a:r>
-            <a:r>
-              <a:rPr lang="en-US" sz="2400" dirty="0" smtClean="0"/>
-              <a:t>: </a:t>
-            </a:r>
-            <a:r>
-              <a:rPr lang="en-US" sz="2400" dirty="0"/>
-              <a:t>product owner, product tester </a:t>
-            </a:r>
-            <a:endParaRPr lang="en-US" sz="2400" dirty="0" smtClean="0"/>
-          </a:p>
-          <a:p>
-            <a:pPr lvl="1">
-              <a:buFont typeface="Wingdings" charset="2"/>
-              <a:buChar char="Ø"/>
-            </a:pPr>
-            <a:r>
-              <a:rPr lang="en-US" sz="2400" b="1" dirty="0" smtClean="0"/>
-              <a:t>Scrum members</a:t>
-            </a:r>
-            <a:r>
-              <a:rPr lang="en-US" sz="2800" dirty="0" smtClean="0"/>
-              <a:t>:</a:t>
-            </a:r>
-          </a:p>
-          <a:p>
-            <a:pPr lvl="2">
-              <a:buFont typeface="Wingdings" charset="2"/>
-              <a:buChar char="Ø"/>
-            </a:pPr>
-            <a:r>
-              <a:rPr lang="en-US" sz="2400" dirty="0" err="1"/>
-              <a:t>Nguyễn</a:t>
-            </a:r>
-            <a:r>
-              <a:rPr lang="en-US" sz="2400" dirty="0"/>
-              <a:t> </a:t>
-            </a:r>
-            <a:r>
-              <a:rPr lang="en-US" sz="2400" dirty="0" err="1"/>
-              <a:t>Đức</a:t>
-            </a:r>
-            <a:r>
-              <a:rPr lang="en-US" sz="2400" dirty="0"/>
-              <a:t> </a:t>
-            </a:r>
-            <a:r>
-              <a:rPr lang="en-US" sz="2400" dirty="0" smtClean="0"/>
-              <a:t>Anh: </a:t>
-            </a:r>
-            <a:r>
-              <a:rPr lang="en-US" sz="2400" dirty="0"/>
-              <a:t>product tester </a:t>
-            </a:r>
-          </a:p>
-          <a:p>
-            <a:pPr lvl="2">
-              <a:buFont typeface="Wingdings" charset="2"/>
-              <a:buChar char="Ø"/>
-            </a:pPr>
-            <a:r>
-              <a:rPr lang="en-US" sz="2400" dirty="0" err="1" smtClean="0"/>
-              <a:t>Đàm</a:t>
-            </a:r>
-            <a:r>
-              <a:rPr lang="en-US" sz="2400" dirty="0" smtClean="0"/>
-              <a:t> </a:t>
-            </a:r>
-            <a:r>
-              <a:rPr lang="en-US" sz="2400" dirty="0"/>
-              <a:t>Cao </a:t>
-            </a:r>
-            <a:r>
-              <a:rPr lang="en-US" sz="2400" dirty="0" err="1"/>
-              <a:t>Sơn</a:t>
-            </a:r>
-            <a:r>
-              <a:rPr lang="en-US" sz="2400" dirty="0"/>
-              <a:t> </a:t>
-            </a:r>
-            <a:r>
-              <a:rPr lang="en-US" sz="2400" dirty="0" smtClean="0"/>
-              <a:t>: </a:t>
-            </a:r>
-            <a:r>
-              <a:rPr lang="en-US" sz="2400" dirty="0"/>
-              <a:t>programmer, designer </a:t>
-            </a:r>
-            <a:endParaRPr lang="en-US" sz="2400" dirty="0" smtClean="0"/>
-          </a:p>
-          <a:p>
-            <a:pPr lvl="2">
-              <a:buFont typeface="Wingdings" charset="2"/>
-              <a:buChar char="Ø"/>
-            </a:pPr>
-            <a:r>
-              <a:rPr lang="en-US" sz="2400" dirty="0" err="1" smtClean="0"/>
-              <a:t>Nguyễn</a:t>
-            </a:r>
-            <a:r>
-              <a:rPr lang="en-US" sz="2400" dirty="0" smtClean="0"/>
-              <a:t> </a:t>
-            </a:r>
-            <a:r>
-              <a:rPr lang="en-US" sz="2400" dirty="0" err="1"/>
-              <a:t>Hải</a:t>
-            </a:r>
-            <a:r>
-              <a:rPr lang="en-US" sz="2400" dirty="0"/>
-              <a:t> </a:t>
-            </a:r>
-            <a:r>
-              <a:rPr lang="en-US" sz="2400" dirty="0" smtClean="0"/>
-              <a:t>Nam: </a:t>
-            </a:r>
-            <a:r>
-              <a:rPr lang="en-US" sz="2400" dirty="0"/>
-              <a:t>programmer, </a:t>
-            </a:r>
-            <a:r>
-              <a:rPr lang="en-US" sz="2400" dirty="0" smtClean="0"/>
-              <a:t>designer</a:t>
-            </a:r>
-          </a:p>
-          <a:p>
-            <a:pPr lvl="2">
-              <a:buFont typeface="Wingdings" charset="2"/>
-              <a:buChar char="Ø"/>
-            </a:pPr>
-            <a:r>
-              <a:rPr lang="en-US" sz="2400" dirty="0" err="1" smtClean="0"/>
-              <a:t>Nguyễn</a:t>
-            </a:r>
-            <a:r>
-              <a:rPr lang="en-US" sz="2400" dirty="0" smtClean="0"/>
-              <a:t> </a:t>
-            </a:r>
-            <a:r>
-              <a:rPr lang="en-US" sz="2400" dirty="0" err="1"/>
-              <a:t>Văn</a:t>
-            </a:r>
-            <a:r>
-              <a:rPr lang="en-US" sz="2400" dirty="0"/>
-              <a:t> </a:t>
-            </a:r>
-            <a:r>
-              <a:rPr lang="en-US" sz="2400" dirty="0" err="1" smtClean="0"/>
-              <a:t>Ái</a:t>
-            </a:r>
-            <a:r>
-              <a:rPr lang="en-US" sz="2400" dirty="0" smtClean="0"/>
-              <a:t>: </a:t>
-            </a:r>
-            <a:r>
-              <a:rPr lang="en-US" sz="2400" dirty="0"/>
-              <a:t>programmer, unit tester</a:t>
-            </a:r>
-            <a:endParaRPr lang="en-US" sz="2400" dirty="0" smtClean="0"/>
-          </a:p>
-          <a:p>
-            <a:pPr lvl="2">
-              <a:buFont typeface="Wingdings" charset="2"/>
-              <a:buChar char="Ø"/>
-            </a:pPr>
-            <a:endParaRPr lang="en-US" sz="2000" dirty="0"/>
-          </a:p>
-          <a:p>
-            <a:pPr>
-              <a:buFont typeface="Wingdings" charset="2"/>
-              <a:buChar char="Ø"/>
-            </a:pPr>
-            <a:endParaRPr lang="en-US" sz="2800" dirty="0"/>
-          </a:p>
-        </p:txBody>
-      </p:sp>
-    </p:spTree>
-    <p:extLst>
-      <p:ext uri="{BB962C8B-B14F-4D97-AF65-F5344CB8AC3E}">
-        <p14:creationId xmlns:p14="http://schemas.microsoft.com/office/powerpoint/2010/main" val="2111819576"/>
-      </p:ext>
-    </p:extLst>
-  </p:cSld>
-  <p:clrMapOvr>
-    <a:masterClrMapping/>
-  </p:clrMapOvr>
-</p:sld>
-</file>
-
-<file path=ppt/slides/slide20.xml><?xml version="1.0" encoding="utf-8"?>
-<p:sld xmlns:a="http://schemas.openxmlformats.org/drawingml/2006/main" xmlns:r="http://schemas.openxmlformats.org/officeDocument/2006/relationships" xmlns:p="http://schemas.openxmlformats.org/presentationml/2006/main">
-  <p:cSld>
-    <p:spTree>
-      <p:nvGrpSpPr>
-        <p:cNvPr id="1" name=""/>
-        <p:cNvGrpSpPr/>
-        <p:nvPr/>
-      </p:nvGrpSpPr>
-      <p:grpSpPr>
-        <a:xfrm>
-          <a:off x="0" y="0"/>
-          <a:ext cx="0" cy="0"/>
-          <a:chOff x="0" y="0"/>
-          <a:chExt cx="0" cy="0"/>
-        </a:xfrm>
-      </p:grpSpPr>
-      <p:sp>
-        <p:nvSpPr>
-          <p:cNvPr id="2" name="Title 1"/>
-          <p:cNvSpPr>
-            <a:spLocks noGrp="1"/>
-          </p:cNvSpPr>
-          <p:nvPr>
-            <p:ph type="title"/>
-          </p:nvPr>
-        </p:nvSpPr>
-        <p:spPr/>
-        <p:txBody>
-          <a:bodyPr/>
-          <a:lstStyle/>
-          <a:p>
-            <a:r>
-              <a:rPr lang="en-US" dirty="0" smtClean="0"/>
-              <a:t>Sprint 2 (</a:t>
-            </a:r>
-            <a:r>
-              <a:rPr lang="en-US" dirty="0" err="1" smtClean="0"/>
-              <a:t>cont</a:t>
-            </a:r>
-            <a:r>
-              <a:rPr lang="en-US" dirty="0" smtClean="0"/>
-              <a:t>)</a:t>
-            </a:r>
-            <a:endParaRPr lang="en-US" dirty="0"/>
-          </a:p>
-        </p:txBody>
-      </p:sp>
-      <p:pic>
-        <p:nvPicPr>
-          <p:cNvPr id="4" name="Content Placeholder 3"/>
-          <p:cNvPicPr>
-            <a:picLocks noGrp="1" noChangeAspect="1"/>
-          </p:cNvPicPr>
-          <p:nvPr>
-            <p:ph idx="1"/>
-          </p:nvPr>
-        </p:nvPicPr>
-        <p:blipFill>
-          <a:blip r:embed="rId2">
-            <a:extLst>
-              <a:ext uri="{28A0092B-C50C-407E-A947-70E740481C1C}">
-                <a14:useLocalDpi xmlns:a14="http://schemas.microsoft.com/office/drawing/2010/main" val="0"/>
-              </a:ext>
-            </a:extLst>
-          </a:blip>
-          <a:stretch>
-            <a:fillRect/>
-          </a:stretch>
-        </p:blipFill>
-        <p:spPr>
-          <a:xfrm>
-            <a:off x="1391918" y="1813560"/>
-            <a:ext cx="9469124" cy="4476960"/>
-          </a:xfrm>
-        </p:spPr>
-      </p:pic>
-    </p:spTree>
-    <p:extLst>
-      <p:ext uri="{BB962C8B-B14F-4D97-AF65-F5344CB8AC3E}">
-        <p14:creationId xmlns:p14="http://schemas.microsoft.com/office/powerpoint/2010/main" val="322527351"/>
-      </p:ext>
-    </p:extLst>
-  </p:cSld>
-  <p:clrMapOvr>
-    <a:masterClrMapping/>
-  </p:clrMapOvr>
-  <p:timing>
-    <p:tnLst>
-      <p:par>
-        <p:cTn id="1" dur="indefinite" restart="never" nodeType="tmRoot"/>
-      </p:par>
-    </p:tnLst>
-  </p:timing>
-</p:sld>
-</file>
-
-<file path=ppt/slides/slide21.xml><?xml version="1.0" encoding="utf-8"?>
-<p:sld xmlns:a="http://schemas.openxmlformats.org/drawingml/2006/main" xmlns:r="http://schemas.openxmlformats.org/officeDocument/2006/relationships" xmlns:p="http://schemas.openxmlformats.org/presentationml/2006/main">
-  <p:cSld>
-    <p:spTree>
-      <p:nvGrpSpPr>
-        <p:cNvPr id="1" name=""/>
-        <p:cNvGrpSpPr/>
-        <p:nvPr/>
-      </p:nvGrpSpPr>
-      <p:grpSpPr>
-        <a:xfrm>
-          <a:off x="0" y="0"/>
-          <a:ext cx="0" cy="0"/>
-          <a:chOff x="0" y="0"/>
-          <a:chExt cx="0" cy="0"/>
-        </a:xfrm>
-      </p:grpSpPr>
-      <p:sp>
-        <p:nvSpPr>
-          <p:cNvPr id="2" name="Title 1"/>
-          <p:cNvSpPr>
-            <a:spLocks noGrp="1"/>
-          </p:cNvSpPr>
-          <p:nvPr>
-            <p:ph type="title"/>
-          </p:nvPr>
-        </p:nvSpPr>
-        <p:spPr/>
-        <p:txBody>
-          <a:bodyPr/>
-          <a:lstStyle/>
-          <a:p>
-            <a:r>
-              <a:rPr lang="en-US" dirty="0"/>
-              <a:t>Sprint 2 (</a:t>
-            </a:r>
-            <a:r>
-              <a:rPr lang="en-US" dirty="0" err="1"/>
-              <a:t>cont</a:t>
-            </a:r>
-            <a:r>
-              <a:rPr lang="en-US" dirty="0"/>
-              <a:t>)</a:t>
-            </a:r>
-          </a:p>
-        </p:txBody>
-      </p:sp>
-      <p:pic>
-        <p:nvPicPr>
-          <p:cNvPr id="4" name="Content Placeholder 3"/>
-          <p:cNvPicPr>
-            <a:picLocks noGrp="1" noChangeAspect="1"/>
-          </p:cNvPicPr>
-          <p:nvPr>
-            <p:ph idx="1"/>
-          </p:nvPr>
-        </p:nvPicPr>
-        <p:blipFill>
-          <a:blip r:embed="rId2">
-            <a:extLst>
-              <a:ext uri="{28A0092B-C50C-407E-A947-70E740481C1C}">
-                <a14:useLocalDpi xmlns:a14="http://schemas.microsoft.com/office/drawing/2010/main" val="0"/>
-              </a:ext>
-            </a:extLst>
-          </a:blip>
-          <a:stretch>
-            <a:fillRect/>
-          </a:stretch>
-        </p:blipFill>
-        <p:spPr>
-          <a:xfrm>
-            <a:off x="1773924" y="1846263"/>
-            <a:ext cx="8705111" cy="4208827"/>
-          </a:xfrm>
-        </p:spPr>
-      </p:pic>
-    </p:spTree>
-    <p:extLst>
-      <p:ext uri="{BB962C8B-B14F-4D97-AF65-F5344CB8AC3E}">
-        <p14:creationId xmlns:p14="http://schemas.microsoft.com/office/powerpoint/2010/main" val="468463229"/>
-      </p:ext>
-    </p:extLst>
-  </p:cSld>
-  <p:clrMapOvr>
-    <a:masterClrMapping/>
-  </p:clrMapOvr>
-  <p:timing>
-    <p:tnLst>
-      <p:par>
-        <p:cTn id="1" dur="indefinite" restart="never" nodeType="tmRoot"/>
-      </p:par>
-    </p:tnLst>
-  </p:timing>
-</p:sld>
-</file>
-
-<file path=ppt/slides/slide22.xml><?xml version="1.0" encoding="utf-8"?>
-<p:sld xmlns:a="http://schemas.openxmlformats.org/drawingml/2006/main" xmlns:r="http://schemas.openxmlformats.org/officeDocument/2006/relationships" xmlns:p="http://schemas.openxmlformats.org/presentationml/2006/main">
-  <p:cSld>
-    <p:spTree>
-      <p:nvGrpSpPr>
-        <p:cNvPr id="1" name=""/>
-        <p:cNvGrpSpPr/>
-        <p:nvPr/>
-      </p:nvGrpSpPr>
-      <p:grpSpPr>
-        <a:xfrm>
-          <a:off x="0" y="0"/>
-          <a:ext cx="0" cy="0"/>
-          <a:chOff x="0" y="0"/>
-          <a:chExt cx="0" cy="0"/>
-        </a:xfrm>
-      </p:grpSpPr>
-      <p:sp>
-        <p:nvSpPr>
-          <p:cNvPr id="2" name="Title 1"/>
-          <p:cNvSpPr>
-            <a:spLocks noGrp="1"/>
-          </p:cNvSpPr>
-          <p:nvPr>
-            <p:ph type="title"/>
-          </p:nvPr>
-        </p:nvSpPr>
-        <p:spPr/>
-        <p:txBody>
-          <a:bodyPr/>
-          <a:lstStyle/>
-          <a:p>
-            <a:r>
-              <a:rPr lang="en-US" dirty="0"/>
-              <a:t>Sprint 2 (</a:t>
-            </a:r>
-            <a:r>
-              <a:rPr lang="en-US" dirty="0" err="1"/>
-              <a:t>cont</a:t>
-            </a:r>
-            <a:r>
-              <a:rPr lang="en-US" dirty="0"/>
-              <a:t>)</a:t>
-            </a:r>
-          </a:p>
-        </p:txBody>
-      </p:sp>
-      <p:pic>
-        <p:nvPicPr>
-          <p:cNvPr id="4" name="Content Placeholder 3"/>
-          <p:cNvPicPr>
-            <a:picLocks noGrp="1" noChangeAspect="1"/>
-          </p:cNvPicPr>
-          <p:nvPr>
-            <p:ph idx="1"/>
-          </p:nvPr>
-        </p:nvPicPr>
-        <p:blipFill>
-          <a:blip r:embed="rId2">
-            <a:extLst>
-              <a:ext uri="{28A0092B-C50C-407E-A947-70E740481C1C}">
-                <a14:useLocalDpi xmlns:a14="http://schemas.microsoft.com/office/drawing/2010/main" val="0"/>
-              </a:ext>
-            </a:extLst>
-          </a:blip>
-          <a:stretch>
-            <a:fillRect/>
-          </a:stretch>
-        </p:blipFill>
-        <p:spPr>
-          <a:xfrm>
-            <a:off x="1096963" y="2081607"/>
-            <a:ext cx="10058400" cy="2199487"/>
-          </a:xfrm>
-        </p:spPr>
-      </p:pic>
-    </p:spTree>
-    <p:extLst>
-      <p:ext uri="{BB962C8B-B14F-4D97-AF65-F5344CB8AC3E}">
-        <p14:creationId xmlns:p14="http://schemas.microsoft.com/office/powerpoint/2010/main" val="786439901"/>
-      </p:ext>
-    </p:extLst>
-  </p:cSld>
-  <p:clrMapOvr>
-    <a:masterClrMapping/>
-  </p:clrMapOvr>
-  <p:timing>
-    <p:tnLst>
-      <p:par>
-        <p:cTn id="1" dur="indefinite" restart="never" nodeType="tmRoot"/>
-      </p:par>
-    </p:tnLst>
-  </p:timing>
-</p:sld>
-</file>
-
-<file path=ppt/slides/slide23.xml><?xml version="1.0" encoding="utf-8"?>
-<p:sld xmlns:a="http://schemas.openxmlformats.org/drawingml/2006/main" xmlns:r="http://schemas.openxmlformats.org/officeDocument/2006/relationships" xmlns:p="http://schemas.openxmlformats.org/presentationml/2006/main">
-  <p:cSld>
-    <p:spTree>
-      <p:nvGrpSpPr>
-        <p:cNvPr id="1" name=""/>
-        <p:cNvGrpSpPr/>
-        <p:nvPr/>
-      </p:nvGrpSpPr>
-      <p:grpSpPr>
-        <a:xfrm>
-          <a:off x="0" y="0"/>
-          <a:ext cx="0" cy="0"/>
-          <a:chOff x="0" y="0"/>
-          <a:chExt cx="0" cy="0"/>
-        </a:xfrm>
-      </p:grpSpPr>
-      <p:sp>
-        <p:nvSpPr>
-          <p:cNvPr id="2" name="Title 1"/>
-          <p:cNvSpPr>
-            <a:spLocks noGrp="1"/>
-          </p:cNvSpPr>
-          <p:nvPr>
-            <p:ph type="title"/>
-          </p:nvPr>
-        </p:nvSpPr>
-        <p:spPr/>
-        <p:txBody>
-          <a:bodyPr/>
-          <a:lstStyle/>
-          <a:p>
-            <a:r>
-              <a:rPr lang="en-US" dirty="0"/>
-              <a:t>Sprint 3</a:t>
-            </a:r>
-          </a:p>
-        </p:txBody>
-      </p:sp>
-      <p:pic>
-        <p:nvPicPr>
-          <p:cNvPr id="4" name="Content Placeholder 3"/>
-          <p:cNvPicPr>
-            <a:picLocks noGrp="1" noChangeAspect="1"/>
-          </p:cNvPicPr>
-          <p:nvPr>
-            <p:ph idx="1"/>
-          </p:nvPr>
-        </p:nvPicPr>
-        <p:blipFill>
-          <a:blip r:embed="rId2">
-            <a:extLst>
-              <a:ext uri="{28A0092B-C50C-407E-A947-70E740481C1C}">
-                <a14:useLocalDpi xmlns:a14="http://schemas.microsoft.com/office/drawing/2010/main" val="0"/>
-              </a:ext>
-            </a:extLst>
-          </a:blip>
-          <a:stretch>
-            <a:fillRect/>
-          </a:stretch>
-        </p:blipFill>
-        <p:spPr>
-          <a:xfrm>
-            <a:off x="1583352" y="1846263"/>
-            <a:ext cx="9086256" cy="4173537"/>
-          </a:xfrm>
-        </p:spPr>
-      </p:pic>
-    </p:spTree>
-    <p:extLst>
-      <p:ext uri="{BB962C8B-B14F-4D97-AF65-F5344CB8AC3E}">
-        <p14:creationId xmlns:p14="http://schemas.microsoft.com/office/powerpoint/2010/main" val="2081052469"/>
-      </p:ext>
-    </p:extLst>
-  </p:cSld>
-  <p:clrMapOvr>
-    <a:masterClrMapping/>
-  </p:clrMapOvr>
-  <p:timing>
-    <p:tnLst>
-      <p:par>
-        <p:cTn id="1" dur="indefinite" restart="never" nodeType="tmRoot"/>
-      </p:par>
-    </p:tnLst>
-  </p:timing>
-</p:sld>
-</file>
-
-<file path=ppt/slides/slide24.xml><?xml version="1.0" encoding="utf-8"?>
-<p:sld xmlns:a="http://schemas.openxmlformats.org/drawingml/2006/main" xmlns:r="http://schemas.openxmlformats.org/officeDocument/2006/relationships" xmlns:p="http://schemas.openxmlformats.org/presentationml/2006/main">
-  <p:cSld>
-    <p:spTree>
-      <p:nvGrpSpPr>
-        <p:cNvPr id="1" name=""/>
-        <p:cNvGrpSpPr/>
-        <p:nvPr/>
-      </p:nvGrpSpPr>
-      <p:grpSpPr>
-        <a:xfrm>
-          <a:off x="0" y="0"/>
-          <a:ext cx="0" cy="0"/>
-          <a:chOff x="0" y="0"/>
-          <a:chExt cx="0" cy="0"/>
-        </a:xfrm>
-      </p:grpSpPr>
-      <p:sp>
-        <p:nvSpPr>
-          <p:cNvPr id="2" name="Title 1"/>
-          <p:cNvSpPr>
-            <a:spLocks noGrp="1"/>
-          </p:cNvSpPr>
-          <p:nvPr>
-            <p:ph type="title"/>
-          </p:nvPr>
-        </p:nvSpPr>
-        <p:spPr/>
-        <p:txBody>
-          <a:bodyPr/>
-          <a:lstStyle/>
-          <a:p>
-            <a:r>
-              <a:rPr lang="en-US" dirty="0" smtClean="0"/>
-              <a:t>Sprint 4</a:t>
-            </a:r>
-            <a:endParaRPr lang="en-US" dirty="0"/>
-          </a:p>
-        </p:txBody>
-      </p:sp>
-      <p:pic>
-        <p:nvPicPr>
-          <p:cNvPr id="5" name="Content Placeholder 4"/>
-          <p:cNvPicPr>
-            <a:picLocks noGrp="1" noChangeAspect="1"/>
-          </p:cNvPicPr>
-          <p:nvPr>
-            <p:ph idx="1"/>
-          </p:nvPr>
-        </p:nvPicPr>
-        <p:blipFill>
-          <a:blip r:embed="rId2">
-            <a:extLst>
-              <a:ext uri="{28A0092B-C50C-407E-A947-70E740481C1C}">
-                <a14:useLocalDpi xmlns:a14="http://schemas.microsoft.com/office/drawing/2010/main" val="0"/>
-              </a:ext>
-            </a:extLst>
-          </a:blip>
-          <a:stretch>
-            <a:fillRect/>
-          </a:stretch>
-        </p:blipFill>
-        <p:spPr>
-          <a:xfrm>
-            <a:off x="1819595" y="1846263"/>
-            <a:ext cx="8613769" cy="4183062"/>
-          </a:xfrm>
-        </p:spPr>
-      </p:pic>
-    </p:spTree>
-    <p:extLst>
-      <p:ext uri="{BB962C8B-B14F-4D97-AF65-F5344CB8AC3E}">
-        <p14:creationId xmlns:p14="http://schemas.microsoft.com/office/powerpoint/2010/main" val="182687794"/>
-      </p:ext>
-    </p:extLst>
-  </p:cSld>
-  <p:clrMapOvr>
-    <a:masterClrMapping/>
-  </p:clrMapOvr>
-  <p:timing>
-    <p:tnLst>
-      <p:par>
-        <p:cTn id="1" dur="indefinite" restart="never" nodeType="tmRoot"/>
-      </p:par>
-    </p:tnLst>
-  </p:timing>
-</p:sld>
-</file>
-
-<file path=ppt/slides/slide25.xml><?xml version="1.0" encoding="utf-8"?>
-<p:sld xmlns:a="http://schemas.openxmlformats.org/drawingml/2006/main" xmlns:r="http://schemas.openxmlformats.org/officeDocument/2006/relationships" xmlns:p="http://schemas.openxmlformats.org/presentationml/2006/main">
-  <p:cSld>
-    <p:spTree>
-      <p:nvGrpSpPr>
-        <p:cNvPr id="1" name=""/>
-        <p:cNvGrpSpPr/>
-        <p:nvPr/>
-      </p:nvGrpSpPr>
-      <p:grpSpPr>
-        <a:xfrm>
-          <a:off x="0" y="0"/>
-          <a:ext cx="0" cy="0"/>
-          <a:chOff x="0" y="0"/>
-          <a:chExt cx="0" cy="0"/>
-        </a:xfrm>
-      </p:grpSpPr>
-      <p:sp>
-        <p:nvSpPr>
-          <p:cNvPr id="2" name="Title 1"/>
-          <p:cNvSpPr>
-            <a:spLocks noGrp="1"/>
-          </p:cNvSpPr>
-          <p:nvPr>
-            <p:ph type="title"/>
-          </p:nvPr>
-        </p:nvSpPr>
-        <p:spPr/>
-        <p:txBody>
-          <a:bodyPr/>
-          <a:lstStyle/>
-          <a:p>
-            <a:r>
-              <a:rPr lang="en-US" dirty="0" err="1" smtClean="0"/>
-              <a:t>Burndown</a:t>
-            </a:r>
-            <a:r>
-              <a:rPr lang="en-US" dirty="0" smtClean="0"/>
-              <a:t> Chart</a:t>
-            </a:r>
-            <a:endParaRPr lang="en-US" dirty="0"/>
-          </a:p>
-        </p:txBody>
-      </p:sp>
-      <p:pic>
-        <p:nvPicPr>
-          <p:cNvPr id="6" name="Content Placeholder 5"/>
-          <p:cNvPicPr>
-            <a:picLocks noGrp="1" noChangeAspect="1"/>
-          </p:cNvPicPr>
-          <p:nvPr>
-            <p:ph idx="1"/>
-          </p:nvPr>
-        </p:nvPicPr>
-        <p:blipFill>
-          <a:blip r:embed="rId2">
-            <a:extLst>
-              <a:ext uri="{28A0092B-C50C-407E-A947-70E740481C1C}">
-                <a14:useLocalDpi xmlns:a14="http://schemas.microsoft.com/office/drawing/2010/main" val="0"/>
-              </a:ext>
-            </a:extLst>
-          </a:blip>
-          <a:stretch>
-            <a:fillRect/>
-          </a:stretch>
-        </p:blipFill>
-        <p:spPr>
-          <a:xfrm>
-            <a:off x="2487263" y="2008188"/>
-            <a:ext cx="7277799" cy="4022725"/>
-          </a:xfrm>
-        </p:spPr>
-      </p:pic>
-    </p:spTree>
-    <p:extLst>
-      <p:ext uri="{BB962C8B-B14F-4D97-AF65-F5344CB8AC3E}">
-        <p14:creationId xmlns:p14="http://schemas.microsoft.com/office/powerpoint/2010/main" val="1679622195"/>
-      </p:ext>
-    </p:extLst>
-  </p:cSld>
-  <p:clrMapOvr>
-    <a:masterClrMapping/>
-  </p:clrMapOvr>
-  <p:timing>
-    <p:tnLst>
-      <p:par>
-        <p:cTn id="1" dur="indefinite" restart="never" nodeType="tmRoot"/>
-      </p:par>
-    </p:tnLst>
-  </p:timing>
-</p:sld>
-</file>
-
-<file path=ppt/slides/slide26.xml><?xml version="1.0" encoding="utf-8"?>
-<p:sld xmlns:a="http://schemas.openxmlformats.org/drawingml/2006/main" xmlns:r="http://schemas.openxmlformats.org/officeDocument/2006/relationships" xmlns:p="http://schemas.openxmlformats.org/presentationml/2006/main">
-  <p:cSld>
-    <p:spTree>
-      <p:nvGrpSpPr>
-        <p:cNvPr id="1" name=""/>
-        <p:cNvGrpSpPr/>
-        <p:nvPr/>
-      </p:nvGrpSpPr>
-      <p:grpSpPr>
-        <a:xfrm>
-          <a:off x="0" y="0"/>
-          <a:ext cx="0" cy="0"/>
-          <a:chOff x="0" y="0"/>
-          <a:chExt cx="0" cy="0"/>
-        </a:xfrm>
-      </p:grpSpPr>
-      <p:sp>
-        <p:nvSpPr>
-          <p:cNvPr id="2" name="Title 1"/>
-          <p:cNvSpPr>
-            <a:spLocks noGrp="1"/>
-          </p:cNvSpPr>
-          <p:nvPr>
-            <p:ph type="title"/>
-          </p:nvPr>
-        </p:nvSpPr>
-        <p:spPr/>
-        <p:txBody>
-          <a:bodyPr/>
-          <a:lstStyle/>
-          <a:p>
-            <a:r>
-              <a:rPr lang="en-US" dirty="0" err="1"/>
-              <a:t>Burndown</a:t>
-            </a:r>
-            <a:r>
-              <a:rPr lang="en-US" dirty="0"/>
-              <a:t> </a:t>
-            </a:r>
-            <a:r>
-              <a:rPr lang="en-US" dirty="0" smtClean="0"/>
-              <a:t>Chart (</a:t>
-            </a:r>
-            <a:r>
-              <a:rPr lang="en-US" dirty="0" err="1" smtClean="0"/>
-              <a:t>cont</a:t>
-            </a:r>
-            <a:r>
-              <a:rPr lang="en-US" dirty="0" smtClean="0"/>
-              <a:t>)</a:t>
-            </a:r>
-            <a:endParaRPr lang="en-US" dirty="0"/>
-          </a:p>
-        </p:txBody>
-      </p:sp>
-      <p:pic>
-        <p:nvPicPr>
-          <p:cNvPr id="4" name="Content Placeholder 3"/>
-          <p:cNvPicPr>
-            <a:picLocks noGrp="1" noChangeAspect="1"/>
-          </p:cNvPicPr>
-          <p:nvPr>
-            <p:ph idx="1"/>
-          </p:nvPr>
-        </p:nvPicPr>
-        <p:blipFill>
-          <a:blip r:embed="rId2">
-            <a:extLst>
-              <a:ext uri="{28A0092B-C50C-407E-A947-70E740481C1C}">
-                <a14:useLocalDpi xmlns:a14="http://schemas.microsoft.com/office/drawing/2010/main" val="0"/>
-              </a:ext>
-            </a:extLst>
-          </a:blip>
-          <a:stretch>
-            <a:fillRect/>
-          </a:stretch>
-        </p:blipFill>
-        <p:spPr>
-          <a:xfrm>
-            <a:off x="2481130" y="1846263"/>
-            <a:ext cx="7290065" cy="4022725"/>
-          </a:xfrm>
-        </p:spPr>
-      </p:pic>
-    </p:spTree>
-    <p:extLst>
-      <p:ext uri="{BB962C8B-B14F-4D97-AF65-F5344CB8AC3E}">
-        <p14:creationId xmlns:p14="http://schemas.microsoft.com/office/powerpoint/2010/main" val="737691550"/>
-      </p:ext>
-    </p:extLst>
-  </p:cSld>
-  <p:clrMapOvr>
-    <a:masterClrMapping/>
-  </p:clrMapOvr>
-  <p:timing>
-    <p:tnLst>
-      <p:par>
-        <p:cTn id="1" dur="indefinite" restart="never" nodeType="tmRoot"/>
-      </p:par>
-    </p:tnLst>
-  </p:timing>
-</p:sld>
-</file>
-
-<file path=ppt/slides/slide27.xml><?xml version="1.0" encoding="utf-8"?>
-<p:sld xmlns:a="http://schemas.openxmlformats.org/drawingml/2006/main" xmlns:r="http://schemas.openxmlformats.org/officeDocument/2006/relationships" xmlns:p="http://schemas.openxmlformats.org/presentationml/2006/main">
-  <p:cSld>
-    <p:spTree>
-      <p:nvGrpSpPr>
-        <p:cNvPr id="1" name=""/>
-        <p:cNvGrpSpPr/>
-        <p:nvPr/>
-      </p:nvGrpSpPr>
-      <p:grpSpPr>
-        <a:xfrm>
-          <a:off x="0" y="0"/>
-          <a:ext cx="0" cy="0"/>
-          <a:chOff x="0" y="0"/>
-          <a:chExt cx="0" cy="0"/>
-        </a:xfrm>
-      </p:grpSpPr>
-      <p:sp>
-        <p:nvSpPr>
-          <p:cNvPr id="2" name="Title 1"/>
-          <p:cNvSpPr>
-            <a:spLocks noGrp="1"/>
-          </p:cNvSpPr>
-          <p:nvPr>
-            <p:ph type="title"/>
-          </p:nvPr>
-        </p:nvSpPr>
-        <p:spPr/>
-        <p:txBody>
-          <a:bodyPr/>
-          <a:lstStyle/>
-          <a:p>
-            <a:r>
-              <a:rPr lang="en-US" dirty="0" err="1"/>
-              <a:t>Burndown</a:t>
-            </a:r>
-            <a:r>
-              <a:rPr lang="en-US" dirty="0"/>
-              <a:t> Chart (</a:t>
-            </a:r>
-            <a:r>
-              <a:rPr lang="en-US" dirty="0" err="1"/>
-              <a:t>cont</a:t>
-            </a:r>
-            <a:r>
-              <a:rPr lang="en-US" dirty="0"/>
-              <a:t>)</a:t>
-            </a:r>
-          </a:p>
-        </p:txBody>
-      </p:sp>
-      <p:pic>
-        <p:nvPicPr>
-          <p:cNvPr id="4" name="Content Placeholder 3"/>
-          <p:cNvPicPr>
-            <a:picLocks noGrp="1" noChangeAspect="1"/>
-          </p:cNvPicPr>
-          <p:nvPr>
-            <p:ph idx="1"/>
-          </p:nvPr>
-        </p:nvPicPr>
-        <p:blipFill>
-          <a:blip r:embed="rId2">
-            <a:extLst>
-              <a:ext uri="{28A0092B-C50C-407E-A947-70E740481C1C}">
-                <a14:useLocalDpi xmlns:a14="http://schemas.microsoft.com/office/drawing/2010/main" val="0"/>
-              </a:ext>
-            </a:extLst>
-          </a:blip>
-          <a:stretch>
-            <a:fillRect/>
-          </a:stretch>
-        </p:blipFill>
-        <p:spPr>
-          <a:xfrm>
-            <a:off x="2481130" y="1846263"/>
-            <a:ext cx="7290065" cy="4022725"/>
-          </a:xfrm>
-        </p:spPr>
-      </p:pic>
-    </p:spTree>
-    <p:extLst>
-      <p:ext uri="{BB962C8B-B14F-4D97-AF65-F5344CB8AC3E}">
-        <p14:creationId xmlns:p14="http://schemas.microsoft.com/office/powerpoint/2010/main" val="958786719"/>
-      </p:ext>
-    </p:extLst>
-  </p:cSld>
-  <p:clrMapOvr>
-    <a:masterClrMapping/>
-  </p:clrMapOvr>
-  <p:timing>
-    <p:tnLst>
-      <p:par>
-        <p:cTn id="1" dur="indefinite" restart="never" nodeType="tmRoot"/>
-      </p:par>
-    </p:tnLst>
-  </p:timing>
-</p:sld>
-</file>
-
-<file path=ppt/slides/slide28.xml><?xml version="1.0" encoding="utf-8"?>
-<p:sld xmlns:a="http://schemas.openxmlformats.org/drawingml/2006/main" xmlns:r="http://schemas.openxmlformats.org/officeDocument/2006/relationships" xmlns:p="http://schemas.openxmlformats.org/presentationml/2006/main">
-  <p:cSld>
-    <p:spTree>
-      <p:nvGrpSpPr>
-        <p:cNvPr id="1" name=""/>
-        <p:cNvGrpSpPr/>
-        <p:nvPr/>
-      </p:nvGrpSpPr>
-      <p:grpSpPr>
-        <a:xfrm>
-          <a:off x="0" y="0"/>
-          <a:ext cx="0" cy="0"/>
-          <a:chOff x="0" y="0"/>
-          <a:chExt cx="0" cy="0"/>
-        </a:xfrm>
-      </p:grpSpPr>
-      <p:sp>
-        <p:nvSpPr>
-          <p:cNvPr id="2" name="Title 1"/>
-          <p:cNvSpPr>
-            <a:spLocks noGrp="1"/>
-          </p:cNvSpPr>
-          <p:nvPr>
-            <p:ph type="title"/>
-          </p:nvPr>
-        </p:nvSpPr>
-        <p:spPr/>
-        <p:txBody>
-          <a:bodyPr/>
-          <a:lstStyle/>
-          <a:p>
-            <a:r>
-              <a:rPr lang="en-US" dirty="0" err="1"/>
-              <a:t>Burndown</a:t>
-            </a:r>
-            <a:r>
-              <a:rPr lang="en-US" dirty="0"/>
-              <a:t> Chart (</a:t>
-            </a:r>
-            <a:r>
-              <a:rPr lang="en-US" dirty="0" err="1"/>
-              <a:t>cont</a:t>
-            </a:r>
-            <a:r>
-              <a:rPr lang="en-US" dirty="0"/>
-              <a:t>)</a:t>
-            </a:r>
-          </a:p>
-        </p:txBody>
-      </p:sp>
-      <p:pic>
-        <p:nvPicPr>
-          <p:cNvPr id="4" name="Content Placeholder 3"/>
-          <p:cNvPicPr>
-            <a:picLocks noGrp="1" noChangeAspect="1"/>
-          </p:cNvPicPr>
-          <p:nvPr>
-            <p:ph idx="1"/>
-          </p:nvPr>
-        </p:nvPicPr>
-        <p:blipFill>
-          <a:blip r:embed="rId2">
-            <a:extLst>
-              <a:ext uri="{28A0092B-C50C-407E-A947-70E740481C1C}">
-                <a14:useLocalDpi xmlns:a14="http://schemas.microsoft.com/office/drawing/2010/main" val="0"/>
-              </a:ext>
-            </a:extLst>
-          </a:blip>
-          <a:stretch>
-            <a:fillRect/>
-          </a:stretch>
-        </p:blipFill>
-        <p:spPr>
-          <a:xfrm>
-            <a:off x="2560832" y="1846263"/>
-            <a:ext cx="7130661" cy="4022725"/>
-          </a:xfrm>
-        </p:spPr>
-      </p:pic>
-    </p:spTree>
-    <p:extLst>
-      <p:ext uri="{BB962C8B-B14F-4D97-AF65-F5344CB8AC3E}">
-        <p14:creationId xmlns:p14="http://schemas.microsoft.com/office/powerpoint/2010/main" val="1758582792"/>
-      </p:ext>
-    </p:extLst>
-  </p:cSld>
-  <p:clrMapOvr>
-    <a:masterClrMapping/>
-  </p:clrMapOvr>
-  <p:timing>
-    <p:tnLst>
-      <p:par>
-        <p:cTn id="1" dur="indefinite" restart="never" nodeType="tmRoot"/>
-      </p:par>
-    </p:tnLst>
-  </p:timing>
-</p:sld>
-</file>
-
-<file path=ppt/slides/slide29.xml><?xml version="1.0" encoding="utf-8"?>
-<p:sld xmlns:a="http://schemas.openxmlformats.org/drawingml/2006/main" xmlns:r="http://schemas.openxmlformats.org/officeDocument/2006/relationships" xmlns:p="http://schemas.openxmlformats.org/presentationml/2006/main">
-  <p:cSld>
-    <p:spTree>
-      <p:nvGrpSpPr>
-        <p:cNvPr id="1" name=""/>
-        <p:cNvGrpSpPr/>
-        <p:nvPr/>
-      </p:nvGrpSpPr>
-      <p:grpSpPr>
-        <a:xfrm>
-          <a:off x="0" y="0"/>
-          <a:ext cx="0" cy="0"/>
-          <a:chOff x="0" y="0"/>
-          <a:chExt cx="0" cy="0"/>
-        </a:xfrm>
-      </p:grpSpPr>
-      <p:sp>
-        <p:nvSpPr>
-          <p:cNvPr id="2" name="Title 1"/>
-          <p:cNvSpPr>
-            <a:spLocks noGrp="1"/>
-          </p:cNvSpPr>
-          <p:nvPr>
-            <p:ph type="title"/>
-          </p:nvPr>
-        </p:nvSpPr>
-        <p:spPr/>
-        <p:txBody>
-          <a:bodyPr/>
-          <a:lstStyle/>
-          <a:p>
-            <a:r>
-              <a:rPr lang="en-US" dirty="0" smtClean="0"/>
-              <a:t>Daily Meeting</a:t>
-            </a:r>
-            <a:endParaRPr lang="en-US" dirty="0"/>
-          </a:p>
-        </p:txBody>
-      </p:sp>
-      <p:sp>
-        <p:nvSpPr>
-          <p:cNvPr id="3" name="Content Placeholder 2"/>
-          <p:cNvSpPr>
-            <a:spLocks noGrp="1"/>
-          </p:cNvSpPr>
-          <p:nvPr>
-            <p:ph idx="1"/>
-          </p:nvPr>
-        </p:nvSpPr>
-        <p:spPr/>
-        <p:txBody>
-          <a:bodyPr/>
-          <a:lstStyle/>
-          <a:p>
-            <a:r>
-              <a:rPr lang="en-US" dirty="0" smtClean="0"/>
-              <a:t>From day: 6/3/2017 – 31/3/2017</a:t>
-            </a:r>
-          </a:p>
-          <a:p>
-            <a:r>
-              <a:rPr lang="en-US" dirty="0" smtClean="0"/>
-              <a:t>Total meetings minutes: 380 minutes</a:t>
-            </a:r>
-          </a:p>
-          <a:p>
-            <a:endParaRPr lang="en-US" dirty="0" smtClean="0"/>
-          </a:p>
-        </p:txBody>
-      </p:sp>
-    </p:spTree>
-    <p:extLst>
-      <p:ext uri="{BB962C8B-B14F-4D97-AF65-F5344CB8AC3E}">
-        <p14:creationId xmlns:p14="http://schemas.microsoft.com/office/powerpoint/2010/main" val="683551483"/>
       </p:ext>
     </p:extLst>
   </p:cSld>
@@ -8671,6 +9241,1242 @@
           <a:p>
             <a:r>
               <a:rPr lang="en-US" dirty="0" smtClean="0"/>
+              <a:t>Sprint 1</a:t>
+            </a:r>
+            <a:endParaRPr lang="en-US" dirty="0"/>
+          </a:p>
+        </p:txBody>
+      </p:sp>
+      <p:pic>
+        <p:nvPicPr>
+          <p:cNvPr id="4" name="Content Placeholder 3"/>
+          <p:cNvPicPr>
+            <a:picLocks noGrp="1" noChangeAspect="1"/>
+          </p:cNvPicPr>
+          <p:nvPr>
+            <p:ph idx="1"/>
+          </p:nvPr>
+        </p:nvPicPr>
+        <p:blipFill>
+          <a:blip r:embed="rId2">
+            <a:extLst>
+              <a:ext uri="{28A0092B-C50C-407E-A947-70E740481C1C}">
+                <a14:useLocalDpi xmlns:a14="http://schemas.microsoft.com/office/drawing/2010/main" val="0"/>
+              </a:ext>
+            </a:extLst>
+          </a:blip>
+          <a:stretch>
+            <a:fillRect/>
+          </a:stretch>
+        </p:blipFill>
+        <p:spPr>
+          <a:xfrm>
+            <a:off x="1584009" y="1804035"/>
+            <a:ext cx="9084942" cy="4403791"/>
+          </a:xfrm>
+        </p:spPr>
+      </p:pic>
+    </p:spTree>
+    <p:extLst>
+      <p:ext uri="{BB962C8B-B14F-4D97-AF65-F5344CB8AC3E}">
+        <p14:creationId xmlns:p14="http://schemas.microsoft.com/office/powerpoint/2010/main" val="1334880308"/>
+      </p:ext>
+    </p:extLst>
+  </p:cSld>
+  <p:clrMapOvr>
+    <a:masterClrMapping/>
+  </p:clrMapOvr>
+  <p:timing>
+    <p:tnLst>
+      <p:par>
+        <p:cTn id="1" dur="indefinite" restart="never" nodeType="tmRoot"/>
+      </p:par>
+    </p:tnLst>
+  </p:timing>
+</p:sld>
+</file>
+
+<file path=ppt/slides/slide31.xml><?xml version="1.0" encoding="utf-8"?>
+<p:sld xmlns:a="http://schemas.openxmlformats.org/drawingml/2006/main" xmlns:r="http://schemas.openxmlformats.org/officeDocument/2006/relationships" xmlns:p="http://schemas.openxmlformats.org/presentationml/2006/main">
+  <p:cSld>
+    <p:spTree>
+      <p:nvGrpSpPr>
+        <p:cNvPr id="1" name=""/>
+        <p:cNvGrpSpPr/>
+        <p:nvPr/>
+      </p:nvGrpSpPr>
+      <p:grpSpPr>
+        <a:xfrm>
+          <a:off x="0" y="0"/>
+          <a:ext cx="0" cy="0"/>
+          <a:chOff x="0" y="0"/>
+          <a:chExt cx="0" cy="0"/>
+        </a:xfrm>
+      </p:grpSpPr>
+      <p:sp>
+        <p:nvSpPr>
+          <p:cNvPr id="2" name="Title 1"/>
+          <p:cNvSpPr>
+            <a:spLocks noGrp="1"/>
+          </p:cNvSpPr>
+          <p:nvPr>
+            <p:ph type="title"/>
+          </p:nvPr>
+        </p:nvSpPr>
+        <p:spPr/>
+        <p:txBody>
+          <a:bodyPr/>
+          <a:lstStyle/>
+          <a:p>
+            <a:r>
+              <a:rPr lang="en-US" dirty="0" smtClean="0"/>
+              <a:t>Sprint 2</a:t>
+            </a:r>
+            <a:endParaRPr lang="en-US" dirty="0"/>
+          </a:p>
+        </p:txBody>
+      </p:sp>
+      <p:pic>
+        <p:nvPicPr>
+          <p:cNvPr id="4" name="Content Placeholder 3"/>
+          <p:cNvPicPr>
+            <a:picLocks noGrp="1" noChangeAspect="1"/>
+          </p:cNvPicPr>
+          <p:nvPr>
+            <p:ph idx="1"/>
+          </p:nvPr>
+        </p:nvPicPr>
+        <p:blipFill>
+          <a:blip r:embed="rId2">
+            <a:extLst>
+              <a:ext uri="{28A0092B-C50C-407E-A947-70E740481C1C}">
+                <a14:useLocalDpi xmlns:a14="http://schemas.microsoft.com/office/drawing/2010/main" val="0"/>
+              </a:ext>
+            </a:extLst>
+          </a:blip>
+          <a:stretch>
+            <a:fillRect/>
+          </a:stretch>
+        </p:blipFill>
+        <p:spPr>
+          <a:xfrm>
+            <a:off x="1097280" y="1875638"/>
+            <a:ext cx="10058400" cy="3144825"/>
+          </a:xfrm>
+        </p:spPr>
+      </p:pic>
+    </p:spTree>
+    <p:extLst>
+      <p:ext uri="{BB962C8B-B14F-4D97-AF65-F5344CB8AC3E}">
+        <p14:creationId xmlns:p14="http://schemas.microsoft.com/office/powerpoint/2010/main" val="571676347"/>
+      </p:ext>
+    </p:extLst>
+  </p:cSld>
+  <p:clrMapOvr>
+    <a:masterClrMapping/>
+  </p:clrMapOvr>
+  <p:timing>
+    <p:tnLst>
+      <p:par>
+        <p:cTn id="1" dur="indefinite" restart="never" nodeType="tmRoot"/>
+      </p:par>
+    </p:tnLst>
+  </p:timing>
+</p:sld>
+</file>
+
+<file path=ppt/slides/slide32.xml><?xml version="1.0" encoding="utf-8"?>
+<p:sld xmlns:a="http://schemas.openxmlformats.org/drawingml/2006/main" xmlns:r="http://schemas.openxmlformats.org/officeDocument/2006/relationships" xmlns:p="http://schemas.openxmlformats.org/presentationml/2006/main">
+  <p:cSld>
+    <p:spTree>
+      <p:nvGrpSpPr>
+        <p:cNvPr id="1" name=""/>
+        <p:cNvGrpSpPr/>
+        <p:nvPr/>
+      </p:nvGrpSpPr>
+      <p:grpSpPr>
+        <a:xfrm>
+          <a:off x="0" y="0"/>
+          <a:ext cx="0" cy="0"/>
+          <a:chOff x="0" y="0"/>
+          <a:chExt cx="0" cy="0"/>
+        </a:xfrm>
+      </p:grpSpPr>
+      <p:sp>
+        <p:nvSpPr>
+          <p:cNvPr id="2" name="Title 1"/>
+          <p:cNvSpPr>
+            <a:spLocks noGrp="1"/>
+          </p:cNvSpPr>
+          <p:nvPr>
+            <p:ph type="title"/>
+          </p:nvPr>
+        </p:nvSpPr>
+        <p:spPr/>
+        <p:txBody>
+          <a:bodyPr/>
+          <a:lstStyle/>
+          <a:p>
+            <a:r>
+              <a:rPr lang="en-US" dirty="0" smtClean="0"/>
+              <a:t>Sprint 2 (</a:t>
+            </a:r>
+            <a:r>
+              <a:rPr lang="en-US" dirty="0" err="1" smtClean="0"/>
+              <a:t>cont</a:t>
+            </a:r>
+            <a:r>
+              <a:rPr lang="en-US" dirty="0" smtClean="0"/>
+              <a:t>)</a:t>
+            </a:r>
+            <a:endParaRPr lang="en-US" dirty="0"/>
+          </a:p>
+        </p:txBody>
+      </p:sp>
+      <p:pic>
+        <p:nvPicPr>
+          <p:cNvPr id="4" name="Content Placeholder 3"/>
+          <p:cNvPicPr>
+            <a:picLocks noGrp="1" noChangeAspect="1"/>
+          </p:cNvPicPr>
+          <p:nvPr>
+            <p:ph idx="1"/>
+          </p:nvPr>
+        </p:nvPicPr>
+        <p:blipFill>
+          <a:blip r:embed="rId2">
+            <a:extLst>
+              <a:ext uri="{28A0092B-C50C-407E-A947-70E740481C1C}">
+                <a14:useLocalDpi xmlns:a14="http://schemas.microsoft.com/office/drawing/2010/main" val="0"/>
+              </a:ext>
+            </a:extLst>
+          </a:blip>
+          <a:stretch>
+            <a:fillRect/>
+          </a:stretch>
+        </p:blipFill>
+        <p:spPr>
+          <a:xfrm>
+            <a:off x="1391918" y="1813560"/>
+            <a:ext cx="9469124" cy="4476960"/>
+          </a:xfrm>
+        </p:spPr>
+      </p:pic>
+    </p:spTree>
+    <p:extLst>
+      <p:ext uri="{BB962C8B-B14F-4D97-AF65-F5344CB8AC3E}">
+        <p14:creationId xmlns:p14="http://schemas.microsoft.com/office/powerpoint/2010/main" val="322527351"/>
+      </p:ext>
+    </p:extLst>
+  </p:cSld>
+  <p:clrMapOvr>
+    <a:masterClrMapping/>
+  </p:clrMapOvr>
+  <p:timing>
+    <p:tnLst>
+      <p:par>
+        <p:cTn id="1" dur="indefinite" restart="never" nodeType="tmRoot"/>
+      </p:par>
+    </p:tnLst>
+  </p:timing>
+</p:sld>
+</file>
+
+<file path=ppt/slides/slide33.xml><?xml version="1.0" encoding="utf-8"?>
+<p:sld xmlns:a="http://schemas.openxmlformats.org/drawingml/2006/main" xmlns:r="http://schemas.openxmlformats.org/officeDocument/2006/relationships" xmlns:p="http://schemas.openxmlformats.org/presentationml/2006/main">
+  <p:cSld>
+    <p:spTree>
+      <p:nvGrpSpPr>
+        <p:cNvPr id="1" name=""/>
+        <p:cNvGrpSpPr/>
+        <p:nvPr/>
+      </p:nvGrpSpPr>
+      <p:grpSpPr>
+        <a:xfrm>
+          <a:off x="0" y="0"/>
+          <a:ext cx="0" cy="0"/>
+          <a:chOff x="0" y="0"/>
+          <a:chExt cx="0" cy="0"/>
+        </a:xfrm>
+      </p:grpSpPr>
+      <p:sp>
+        <p:nvSpPr>
+          <p:cNvPr id="2" name="Title 1"/>
+          <p:cNvSpPr>
+            <a:spLocks noGrp="1"/>
+          </p:cNvSpPr>
+          <p:nvPr>
+            <p:ph type="title"/>
+          </p:nvPr>
+        </p:nvSpPr>
+        <p:spPr/>
+        <p:txBody>
+          <a:bodyPr/>
+          <a:lstStyle/>
+          <a:p>
+            <a:r>
+              <a:rPr lang="en-US" dirty="0"/>
+              <a:t>Sprint 2 (</a:t>
+            </a:r>
+            <a:r>
+              <a:rPr lang="en-US" dirty="0" err="1"/>
+              <a:t>cont</a:t>
+            </a:r>
+            <a:r>
+              <a:rPr lang="en-US" dirty="0"/>
+              <a:t>)</a:t>
+            </a:r>
+          </a:p>
+        </p:txBody>
+      </p:sp>
+      <p:pic>
+        <p:nvPicPr>
+          <p:cNvPr id="4" name="Content Placeholder 3"/>
+          <p:cNvPicPr>
+            <a:picLocks noGrp="1" noChangeAspect="1"/>
+          </p:cNvPicPr>
+          <p:nvPr>
+            <p:ph idx="1"/>
+          </p:nvPr>
+        </p:nvPicPr>
+        <p:blipFill>
+          <a:blip r:embed="rId2">
+            <a:extLst>
+              <a:ext uri="{28A0092B-C50C-407E-A947-70E740481C1C}">
+                <a14:useLocalDpi xmlns:a14="http://schemas.microsoft.com/office/drawing/2010/main" val="0"/>
+              </a:ext>
+            </a:extLst>
+          </a:blip>
+          <a:stretch>
+            <a:fillRect/>
+          </a:stretch>
+        </p:blipFill>
+        <p:spPr>
+          <a:xfrm>
+            <a:off x="1773924" y="1846263"/>
+            <a:ext cx="8705111" cy="4208827"/>
+          </a:xfrm>
+        </p:spPr>
+      </p:pic>
+    </p:spTree>
+    <p:extLst>
+      <p:ext uri="{BB962C8B-B14F-4D97-AF65-F5344CB8AC3E}">
+        <p14:creationId xmlns:p14="http://schemas.microsoft.com/office/powerpoint/2010/main" val="468463229"/>
+      </p:ext>
+    </p:extLst>
+  </p:cSld>
+  <p:clrMapOvr>
+    <a:masterClrMapping/>
+  </p:clrMapOvr>
+  <p:timing>
+    <p:tnLst>
+      <p:par>
+        <p:cTn id="1" dur="indefinite" restart="never" nodeType="tmRoot"/>
+      </p:par>
+    </p:tnLst>
+  </p:timing>
+</p:sld>
+</file>
+
+<file path=ppt/slides/slide34.xml><?xml version="1.0" encoding="utf-8"?>
+<p:sld xmlns:a="http://schemas.openxmlformats.org/drawingml/2006/main" xmlns:r="http://schemas.openxmlformats.org/officeDocument/2006/relationships" xmlns:p="http://schemas.openxmlformats.org/presentationml/2006/main">
+  <p:cSld>
+    <p:spTree>
+      <p:nvGrpSpPr>
+        <p:cNvPr id="1" name=""/>
+        <p:cNvGrpSpPr/>
+        <p:nvPr/>
+      </p:nvGrpSpPr>
+      <p:grpSpPr>
+        <a:xfrm>
+          <a:off x="0" y="0"/>
+          <a:ext cx="0" cy="0"/>
+          <a:chOff x="0" y="0"/>
+          <a:chExt cx="0" cy="0"/>
+        </a:xfrm>
+      </p:grpSpPr>
+      <p:sp>
+        <p:nvSpPr>
+          <p:cNvPr id="2" name="Title 1"/>
+          <p:cNvSpPr>
+            <a:spLocks noGrp="1"/>
+          </p:cNvSpPr>
+          <p:nvPr>
+            <p:ph type="title"/>
+          </p:nvPr>
+        </p:nvSpPr>
+        <p:spPr/>
+        <p:txBody>
+          <a:bodyPr/>
+          <a:lstStyle/>
+          <a:p>
+            <a:r>
+              <a:rPr lang="en-US" dirty="0"/>
+              <a:t>Sprint 2 (</a:t>
+            </a:r>
+            <a:r>
+              <a:rPr lang="en-US" dirty="0" err="1"/>
+              <a:t>cont</a:t>
+            </a:r>
+            <a:r>
+              <a:rPr lang="en-US" dirty="0"/>
+              <a:t>)</a:t>
+            </a:r>
+          </a:p>
+        </p:txBody>
+      </p:sp>
+      <p:pic>
+        <p:nvPicPr>
+          <p:cNvPr id="4" name="Content Placeholder 3"/>
+          <p:cNvPicPr>
+            <a:picLocks noGrp="1" noChangeAspect="1"/>
+          </p:cNvPicPr>
+          <p:nvPr>
+            <p:ph idx="1"/>
+          </p:nvPr>
+        </p:nvPicPr>
+        <p:blipFill>
+          <a:blip r:embed="rId2">
+            <a:extLst>
+              <a:ext uri="{28A0092B-C50C-407E-A947-70E740481C1C}">
+                <a14:useLocalDpi xmlns:a14="http://schemas.microsoft.com/office/drawing/2010/main" val="0"/>
+              </a:ext>
+            </a:extLst>
+          </a:blip>
+          <a:stretch>
+            <a:fillRect/>
+          </a:stretch>
+        </p:blipFill>
+        <p:spPr>
+          <a:xfrm>
+            <a:off x="1096963" y="2081607"/>
+            <a:ext cx="10058400" cy="2199487"/>
+          </a:xfrm>
+        </p:spPr>
+      </p:pic>
+    </p:spTree>
+    <p:extLst>
+      <p:ext uri="{BB962C8B-B14F-4D97-AF65-F5344CB8AC3E}">
+        <p14:creationId xmlns:p14="http://schemas.microsoft.com/office/powerpoint/2010/main" val="786439901"/>
+      </p:ext>
+    </p:extLst>
+  </p:cSld>
+  <p:clrMapOvr>
+    <a:masterClrMapping/>
+  </p:clrMapOvr>
+  <p:timing>
+    <p:tnLst>
+      <p:par>
+        <p:cTn id="1" dur="indefinite" restart="never" nodeType="tmRoot"/>
+      </p:par>
+    </p:tnLst>
+  </p:timing>
+</p:sld>
+</file>
+
+<file path=ppt/slides/slide35.xml><?xml version="1.0" encoding="utf-8"?>
+<p:sld xmlns:a="http://schemas.openxmlformats.org/drawingml/2006/main" xmlns:r="http://schemas.openxmlformats.org/officeDocument/2006/relationships" xmlns:p="http://schemas.openxmlformats.org/presentationml/2006/main">
+  <p:cSld>
+    <p:spTree>
+      <p:nvGrpSpPr>
+        <p:cNvPr id="1" name=""/>
+        <p:cNvGrpSpPr/>
+        <p:nvPr/>
+      </p:nvGrpSpPr>
+      <p:grpSpPr>
+        <a:xfrm>
+          <a:off x="0" y="0"/>
+          <a:ext cx="0" cy="0"/>
+          <a:chOff x="0" y="0"/>
+          <a:chExt cx="0" cy="0"/>
+        </a:xfrm>
+      </p:grpSpPr>
+      <p:sp>
+        <p:nvSpPr>
+          <p:cNvPr id="2" name="Title 1"/>
+          <p:cNvSpPr>
+            <a:spLocks noGrp="1"/>
+          </p:cNvSpPr>
+          <p:nvPr>
+            <p:ph type="title"/>
+          </p:nvPr>
+        </p:nvSpPr>
+        <p:spPr/>
+        <p:txBody>
+          <a:bodyPr/>
+          <a:lstStyle/>
+          <a:p>
+            <a:r>
+              <a:rPr lang="en-US" dirty="0"/>
+              <a:t>Sprint 3</a:t>
+            </a:r>
+          </a:p>
+        </p:txBody>
+      </p:sp>
+      <p:pic>
+        <p:nvPicPr>
+          <p:cNvPr id="4" name="Content Placeholder 3"/>
+          <p:cNvPicPr>
+            <a:picLocks noGrp="1" noChangeAspect="1"/>
+          </p:cNvPicPr>
+          <p:nvPr>
+            <p:ph idx="1"/>
+          </p:nvPr>
+        </p:nvPicPr>
+        <p:blipFill>
+          <a:blip r:embed="rId2">
+            <a:extLst>
+              <a:ext uri="{28A0092B-C50C-407E-A947-70E740481C1C}">
+                <a14:useLocalDpi xmlns:a14="http://schemas.microsoft.com/office/drawing/2010/main" val="0"/>
+              </a:ext>
+            </a:extLst>
+          </a:blip>
+          <a:stretch>
+            <a:fillRect/>
+          </a:stretch>
+        </p:blipFill>
+        <p:spPr>
+          <a:xfrm>
+            <a:off x="1583352" y="1846263"/>
+            <a:ext cx="9086256" cy="4173537"/>
+          </a:xfrm>
+        </p:spPr>
+      </p:pic>
+    </p:spTree>
+    <p:extLst>
+      <p:ext uri="{BB962C8B-B14F-4D97-AF65-F5344CB8AC3E}">
+        <p14:creationId xmlns:p14="http://schemas.microsoft.com/office/powerpoint/2010/main" val="2081052469"/>
+      </p:ext>
+    </p:extLst>
+  </p:cSld>
+  <p:clrMapOvr>
+    <a:masterClrMapping/>
+  </p:clrMapOvr>
+  <p:timing>
+    <p:tnLst>
+      <p:par>
+        <p:cTn id="1" dur="indefinite" restart="never" nodeType="tmRoot"/>
+      </p:par>
+    </p:tnLst>
+  </p:timing>
+</p:sld>
+</file>
+
+<file path=ppt/slides/slide36.xml><?xml version="1.0" encoding="utf-8"?>
+<p:sld xmlns:a="http://schemas.openxmlformats.org/drawingml/2006/main" xmlns:r="http://schemas.openxmlformats.org/officeDocument/2006/relationships" xmlns:p="http://schemas.openxmlformats.org/presentationml/2006/main">
+  <p:cSld>
+    <p:spTree>
+      <p:nvGrpSpPr>
+        <p:cNvPr id="1" name=""/>
+        <p:cNvGrpSpPr/>
+        <p:nvPr/>
+      </p:nvGrpSpPr>
+      <p:grpSpPr>
+        <a:xfrm>
+          <a:off x="0" y="0"/>
+          <a:ext cx="0" cy="0"/>
+          <a:chOff x="0" y="0"/>
+          <a:chExt cx="0" cy="0"/>
+        </a:xfrm>
+      </p:grpSpPr>
+      <p:sp>
+        <p:nvSpPr>
+          <p:cNvPr id="2" name="Title 1"/>
+          <p:cNvSpPr>
+            <a:spLocks noGrp="1"/>
+          </p:cNvSpPr>
+          <p:nvPr>
+            <p:ph type="title"/>
+          </p:nvPr>
+        </p:nvSpPr>
+        <p:spPr/>
+        <p:txBody>
+          <a:bodyPr/>
+          <a:lstStyle/>
+          <a:p>
+            <a:r>
+              <a:rPr lang="en-US" dirty="0" smtClean="0"/>
+              <a:t>Sprint 4</a:t>
+            </a:r>
+            <a:endParaRPr lang="en-US" dirty="0"/>
+          </a:p>
+        </p:txBody>
+      </p:sp>
+      <p:pic>
+        <p:nvPicPr>
+          <p:cNvPr id="5" name="Content Placeholder 4"/>
+          <p:cNvPicPr>
+            <a:picLocks noGrp="1" noChangeAspect="1"/>
+          </p:cNvPicPr>
+          <p:nvPr>
+            <p:ph idx="1"/>
+          </p:nvPr>
+        </p:nvPicPr>
+        <p:blipFill>
+          <a:blip r:embed="rId2">
+            <a:extLst>
+              <a:ext uri="{28A0092B-C50C-407E-A947-70E740481C1C}">
+                <a14:useLocalDpi xmlns:a14="http://schemas.microsoft.com/office/drawing/2010/main" val="0"/>
+              </a:ext>
+            </a:extLst>
+          </a:blip>
+          <a:stretch>
+            <a:fillRect/>
+          </a:stretch>
+        </p:blipFill>
+        <p:spPr>
+          <a:xfrm>
+            <a:off x="1819595" y="1846263"/>
+            <a:ext cx="8613769" cy="4183062"/>
+          </a:xfrm>
+        </p:spPr>
+      </p:pic>
+    </p:spTree>
+    <p:extLst>
+      <p:ext uri="{BB962C8B-B14F-4D97-AF65-F5344CB8AC3E}">
+        <p14:creationId xmlns:p14="http://schemas.microsoft.com/office/powerpoint/2010/main" val="182687794"/>
+      </p:ext>
+    </p:extLst>
+  </p:cSld>
+  <p:clrMapOvr>
+    <a:masterClrMapping/>
+  </p:clrMapOvr>
+  <p:timing>
+    <p:tnLst>
+      <p:par>
+        <p:cTn id="1" dur="indefinite" restart="never" nodeType="tmRoot"/>
+      </p:par>
+    </p:tnLst>
+  </p:timing>
+</p:sld>
+</file>
+
+<file path=ppt/slides/slide37.xml><?xml version="1.0" encoding="utf-8"?>
+<p:sld xmlns:a="http://schemas.openxmlformats.org/drawingml/2006/main" xmlns:r="http://schemas.openxmlformats.org/officeDocument/2006/relationships" xmlns:p="http://schemas.openxmlformats.org/presentationml/2006/main">
+  <p:cSld>
+    <p:spTree>
+      <p:nvGrpSpPr>
+        <p:cNvPr id="1" name=""/>
+        <p:cNvGrpSpPr/>
+        <p:nvPr/>
+      </p:nvGrpSpPr>
+      <p:grpSpPr>
+        <a:xfrm>
+          <a:off x="0" y="0"/>
+          <a:ext cx="0" cy="0"/>
+          <a:chOff x="0" y="0"/>
+          <a:chExt cx="0" cy="0"/>
+        </a:xfrm>
+      </p:grpSpPr>
+      <p:sp>
+        <p:nvSpPr>
+          <p:cNvPr id="2" name="Title 1"/>
+          <p:cNvSpPr>
+            <a:spLocks noGrp="1"/>
+          </p:cNvSpPr>
+          <p:nvPr>
+            <p:ph type="title"/>
+          </p:nvPr>
+        </p:nvSpPr>
+        <p:spPr/>
+        <p:txBody>
+          <a:bodyPr/>
+          <a:lstStyle/>
+          <a:p>
+            <a:r>
+              <a:rPr lang="en-US" dirty="0" err="1" smtClean="0"/>
+              <a:t>Burndown</a:t>
+            </a:r>
+            <a:r>
+              <a:rPr lang="en-US" dirty="0" smtClean="0"/>
+              <a:t> Chart</a:t>
+            </a:r>
+            <a:endParaRPr lang="en-US" dirty="0"/>
+          </a:p>
+        </p:txBody>
+      </p:sp>
+      <p:pic>
+        <p:nvPicPr>
+          <p:cNvPr id="6" name="Content Placeholder 5"/>
+          <p:cNvPicPr>
+            <a:picLocks noGrp="1" noChangeAspect="1"/>
+          </p:cNvPicPr>
+          <p:nvPr>
+            <p:ph idx="1"/>
+          </p:nvPr>
+        </p:nvPicPr>
+        <p:blipFill>
+          <a:blip r:embed="rId2">
+            <a:extLst>
+              <a:ext uri="{28A0092B-C50C-407E-A947-70E740481C1C}">
+                <a14:useLocalDpi xmlns:a14="http://schemas.microsoft.com/office/drawing/2010/main" val="0"/>
+              </a:ext>
+            </a:extLst>
+          </a:blip>
+          <a:stretch>
+            <a:fillRect/>
+          </a:stretch>
+        </p:blipFill>
+        <p:spPr>
+          <a:xfrm>
+            <a:off x="2487263" y="2008188"/>
+            <a:ext cx="7277799" cy="4022725"/>
+          </a:xfrm>
+        </p:spPr>
+      </p:pic>
+    </p:spTree>
+    <p:extLst>
+      <p:ext uri="{BB962C8B-B14F-4D97-AF65-F5344CB8AC3E}">
+        <p14:creationId xmlns:p14="http://schemas.microsoft.com/office/powerpoint/2010/main" val="1679622195"/>
+      </p:ext>
+    </p:extLst>
+  </p:cSld>
+  <p:clrMapOvr>
+    <a:masterClrMapping/>
+  </p:clrMapOvr>
+  <p:timing>
+    <p:tnLst>
+      <p:par>
+        <p:cTn id="1" dur="indefinite" restart="never" nodeType="tmRoot"/>
+      </p:par>
+    </p:tnLst>
+  </p:timing>
+</p:sld>
+</file>
+
+<file path=ppt/slides/slide38.xml><?xml version="1.0" encoding="utf-8"?>
+<p:sld xmlns:a="http://schemas.openxmlformats.org/drawingml/2006/main" xmlns:r="http://schemas.openxmlformats.org/officeDocument/2006/relationships" xmlns:p="http://schemas.openxmlformats.org/presentationml/2006/main">
+  <p:cSld>
+    <p:spTree>
+      <p:nvGrpSpPr>
+        <p:cNvPr id="1" name=""/>
+        <p:cNvGrpSpPr/>
+        <p:nvPr/>
+      </p:nvGrpSpPr>
+      <p:grpSpPr>
+        <a:xfrm>
+          <a:off x="0" y="0"/>
+          <a:ext cx="0" cy="0"/>
+          <a:chOff x="0" y="0"/>
+          <a:chExt cx="0" cy="0"/>
+        </a:xfrm>
+      </p:grpSpPr>
+      <p:sp>
+        <p:nvSpPr>
+          <p:cNvPr id="2" name="Title 1"/>
+          <p:cNvSpPr>
+            <a:spLocks noGrp="1"/>
+          </p:cNvSpPr>
+          <p:nvPr>
+            <p:ph type="title"/>
+          </p:nvPr>
+        </p:nvSpPr>
+        <p:spPr/>
+        <p:txBody>
+          <a:bodyPr/>
+          <a:lstStyle/>
+          <a:p>
+            <a:r>
+              <a:rPr lang="en-US" dirty="0" err="1"/>
+              <a:t>Burndown</a:t>
+            </a:r>
+            <a:r>
+              <a:rPr lang="en-US" dirty="0"/>
+              <a:t> </a:t>
+            </a:r>
+            <a:r>
+              <a:rPr lang="en-US" dirty="0" smtClean="0"/>
+              <a:t>Chart (</a:t>
+            </a:r>
+            <a:r>
+              <a:rPr lang="en-US" dirty="0" err="1" smtClean="0"/>
+              <a:t>cont</a:t>
+            </a:r>
+            <a:r>
+              <a:rPr lang="en-US" dirty="0" smtClean="0"/>
+              <a:t>)</a:t>
+            </a:r>
+            <a:endParaRPr lang="en-US" dirty="0"/>
+          </a:p>
+        </p:txBody>
+      </p:sp>
+      <p:pic>
+        <p:nvPicPr>
+          <p:cNvPr id="4" name="Content Placeholder 3"/>
+          <p:cNvPicPr>
+            <a:picLocks noGrp="1" noChangeAspect="1"/>
+          </p:cNvPicPr>
+          <p:nvPr>
+            <p:ph idx="1"/>
+          </p:nvPr>
+        </p:nvPicPr>
+        <p:blipFill>
+          <a:blip r:embed="rId2">
+            <a:extLst>
+              <a:ext uri="{28A0092B-C50C-407E-A947-70E740481C1C}">
+                <a14:useLocalDpi xmlns:a14="http://schemas.microsoft.com/office/drawing/2010/main" val="0"/>
+              </a:ext>
+            </a:extLst>
+          </a:blip>
+          <a:stretch>
+            <a:fillRect/>
+          </a:stretch>
+        </p:blipFill>
+        <p:spPr>
+          <a:xfrm>
+            <a:off x="2481130" y="1846263"/>
+            <a:ext cx="7290065" cy="4022725"/>
+          </a:xfrm>
+        </p:spPr>
+      </p:pic>
+    </p:spTree>
+    <p:extLst>
+      <p:ext uri="{BB962C8B-B14F-4D97-AF65-F5344CB8AC3E}">
+        <p14:creationId xmlns:p14="http://schemas.microsoft.com/office/powerpoint/2010/main" val="737691550"/>
+      </p:ext>
+    </p:extLst>
+  </p:cSld>
+  <p:clrMapOvr>
+    <a:masterClrMapping/>
+  </p:clrMapOvr>
+  <p:timing>
+    <p:tnLst>
+      <p:par>
+        <p:cTn id="1" dur="indefinite" restart="never" nodeType="tmRoot"/>
+      </p:par>
+    </p:tnLst>
+  </p:timing>
+</p:sld>
+</file>
+
+<file path=ppt/slides/slide39.xml><?xml version="1.0" encoding="utf-8"?>
+<p:sld xmlns:a="http://schemas.openxmlformats.org/drawingml/2006/main" xmlns:r="http://schemas.openxmlformats.org/officeDocument/2006/relationships" xmlns:p="http://schemas.openxmlformats.org/presentationml/2006/main">
+  <p:cSld>
+    <p:spTree>
+      <p:nvGrpSpPr>
+        <p:cNvPr id="1" name=""/>
+        <p:cNvGrpSpPr/>
+        <p:nvPr/>
+      </p:nvGrpSpPr>
+      <p:grpSpPr>
+        <a:xfrm>
+          <a:off x="0" y="0"/>
+          <a:ext cx="0" cy="0"/>
+          <a:chOff x="0" y="0"/>
+          <a:chExt cx="0" cy="0"/>
+        </a:xfrm>
+      </p:grpSpPr>
+      <p:sp>
+        <p:nvSpPr>
+          <p:cNvPr id="2" name="Title 1"/>
+          <p:cNvSpPr>
+            <a:spLocks noGrp="1"/>
+          </p:cNvSpPr>
+          <p:nvPr>
+            <p:ph type="title"/>
+          </p:nvPr>
+        </p:nvSpPr>
+        <p:spPr/>
+        <p:txBody>
+          <a:bodyPr/>
+          <a:lstStyle/>
+          <a:p>
+            <a:r>
+              <a:rPr lang="en-US" dirty="0" err="1"/>
+              <a:t>Burndown</a:t>
+            </a:r>
+            <a:r>
+              <a:rPr lang="en-US" dirty="0"/>
+              <a:t> Chart (</a:t>
+            </a:r>
+            <a:r>
+              <a:rPr lang="en-US" dirty="0" err="1"/>
+              <a:t>cont</a:t>
+            </a:r>
+            <a:r>
+              <a:rPr lang="en-US" dirty="0"/>
+              <a:t>)</a:t>
+            </a:r>
+          </a:p>
+        </p:txBody>
+      </p:sp>
+      <p:pic>
+        <p:nvPicPr>
+          <p:cNvPr id="4" name="Content Placeholder 3"/>
+          <p:cNvPicPr>
+            <a:picLocks noGrp="1" noChangeAspect="1"/>
+          </p:cNvPicPr>
+          <p:nvPr>
+            <p:ph idx="1"/>
+          </p:nvPr>
+        </p:nvPicPr>
+        <p:blipFill>
+          <a:blip r:embed="rId2">
+            <a:extLst>
+              <a:ext uri="{28A0092B-C50C-407E-A947-70E740481C1C}">
+                <a14:useLocalDpi xmlns:a14="http://schemas.microsoft.com/office/drawing/2010/main" val="0"/>
+              </a:ext>
+            </a:extLst>
+          </a:blip>
+          <a:stretch>
+            <a:fillRect/>
+          </a:stretch>
+        </p:blipFill>
+        <p:spPr>
+          <a:xfrm>
+            <a:off x="2481130" y="1846263"/>
+            <a:ext cx="7290065" cy="4022725"/>
+          </a:xfrm>
+        </p:spPr>
+      </p:pic>
+    </p:spTree>
+    <p:extLst>
+      <p:ext uri="{BB962C8B-B14F-4D97-AF65-F5344CB8AC3E}">
+        <p14:creationId xmlns:p14="http://schemas.microsoft.com/office/powerpoint/2010/main" val="958786719"/>
+      </p:ext>
+    </p:extLst>
+  </p:cSld>
+  <p:clrMapOvr>
+    <a:masterClrMapping/>
+  </p:clrMapOvr>
+  <p:timing>
+    <p:tnLst>
+      <p:par>
+        <p:cTn id="1" dur="indefinite" restart="never" nodeType="tmRoot"/>
+      </p:par>
+    </p:tnLst>
+  </p:timing>
+</p:sld>
+</file>
+
+<file path=ppt/slides/slide4.xml><?xml version="1.0" encoding="utf-8"?>
+<p:sld xmlns:a="http://schemas.openxmlformats.org/drawingml/2006/main" xmlns:r="http://schemas.openxmlformats.org/officeDocument/2006/relationships" xmlns:p="http://schemas.openxmlformats.org/presentationml/2006/main">
+  <p:cSld>
+    <p:spTree>
+      <p:nvGrpSpPr>
+        <p:cNvPr id="1" name=""/>
+        <p:cNvGrpSpPr/>
+        <p:nvPr/>
+      </p:nvGrpSpPr>
+      <p:grpSpPr>
+        <a:xfrm>
+          <a:off x="0" y="0"/>
+          <a:ext cx="0" cy="0"/>
+          <a:chOff x="0" y="0"/>
+          <a:chExt cx="0" cy="0"/>
+        </a:xfrm>
+      </p:grpSpPr>
+      <p:sp>
+        <p:nvSpPr>
+          <p:cNvPr id="18" name="Title 17"/>
+          <p:cNvSpPr>
+            <a:spLocks noGrp="1"/>
+          </p:cNvSpPr>
+          <p:nvPr>
+            <p:ph type="title"/>
+          </p:nvPr>
+        </p:nvSpPr>
+        <p:spPr/>
+        <p:txBody>
+          <a:bodyPr/>
+          <a:lstStyle/>
+          <a:p>
+            <a:r>
+              <a:rPr lang="en-US" dirty="0" smtClean="0"/>
+              <a:t>Extenuating circumstances</a:t>
+            </a:r>
+            <a:endParaRPr lang="en-US" dirty="0"/>
+          </a:p>
+        </p:txBody>
+      </p:sp>
+      <p:sp>
+        <p:nvSpPr>
+          <p:cNvPr id="19" name="Content Placeholder 18"/>
+          <p:cNvSpPr>
+            <a:spLocks noGrp="1"/>
+          </p:cNvSpPr>
+          <p:nvPr>
+            <p:ph idx="1"/>
+          </p:nvPr>
+        </p:nvSpPr>
+        <p:spPr/>
+        <p:txBody>
+          <a:bodyPr>
+            <a:normAutofit/>
+          </a:bodyPr>
+          <a:lstStyle/>
+          <a:p>
+            <a:r>
+              <a:rPr lang="en-US" sz="2400" dirty="0" smtClean="0"/>
+              <a:t>- The process</a:t>
+            </a:r>
+          </a:p>
+          <a:p>
+            <a:r>
+              <a:rPr lang="en-US" sz="2400" dirty="0"/>
+              <a:t>- </a:t>
+            </a:r>
+            <a:r>
+              <a:rPr lang="en-US" sz="2400" dirty="0" smtClean="0"/>
+              <a:t>Informing school </a:t>
+            </a:r>
+            <a:r>
+              <a:rPr lang="en-US" sz="2400" dirty="0"/>
+              <a:t>of the circumstances that have affected </a:t>
+            </a:r>
+            <a:r>
+              <a:rPr lang="en-US" sz="2400" dirty="0" smtClean="0"/>
+              <a:t>student</a:t>
+            </a:r>
+            <a:endParaRPr lang="en-US" sz="2400" dirty="0"/>
+          </a:p>
+        </p:txBody>
+      </p:sp>
+    </p:spTree>
+    <p:extLst>
+      <p:ext uri="{BB962C8B-B14F-4D97-AF65-F5344CB8AC3E}">
+        <p14:creationId xmlns:p14="http://schemas.microsoft.com/office/powerpoint/2010/main" val="760715267"/>
+      </p:ext>
+    </p:extLst>
+  </p:cSld>
+  <p:clrMapOvr>
+    <a:masterClrMapping/>
+  </p:clrMapOvr>
+  <p:timing>
+    <p:tnLst>
+      <p:par>
+        <p:cTn id="1" dur="indefinite" restart="never" nodeType="tmRoot"/>
+      </p:par>
+    </p:tnLst>
+  </p:timing>
+</p:sld>
+</file>
+
+<file path=ppt/slides/slide40.xml><?xml version="1.0" encoding="utf-8"?>
+<p:sld xmlns:a="http://schemas.openxmlformats.org/drawingml/2006/main" xmlns:r="http://schemas.openxmlformats.org/officeDocument/2006/relationships" xmlns:p="http://schemas.openxmlformats.org/presentationml/2006/main">
+  <p:cSld>
+    <p:spTree>
+      <p:nvGrpSpPr>
+        <p:cNvPr id="1" name=""/>
+        <p:cNvGrpSpPr/>
+        <p:nvPr/>
+      </p:nvGrpSpPr>
+      <p:grpSpPr>
+        <a:xfrm>
+          <a:off x="0" y="0"/>
+          <a:ext cx="0" cy="0"/>
+          <a:chOff x="0" y="0"/>
+          <a:chExt cx="0" cy="0"/>
+        </a:xfrm>
+      </p:grpSpPr>
+      <p:sp>
+        <p:nvSpPr>
+          <p:cNvPr id="2" name="Title 1"/>
+          <p:cNvSpPr>
+            <a:spLocks noGrp="1"/>
+          </p:cNvSpPr>
+          <p:nvPr>
+            <p:ph type="title"/>
+          </p:nvPr>
+        </p:nvSpPr>
+        <p:spPr/>
+        <p:txBody>
+          <a:bodyPr/>
+          <a:lstStyle/>
+          <a:p>
+            <a:r>
+              <a:rPr lang="en-US" dirty="0" err="1"/>
+              <a:t>Burndown</a:t>
+            </a:r>
+            <a:r>
+              <a:rPr lang="en-US" dirty="0"/>
+              <a:t> Chart (</a:t>
+            </a:r>
+            <a:r>
+              <a:rPr lang="en-US" dirty="0" err="1"/>
+              <a:t>cont</a:t>
+            </a:r>
+            <a:r>
+              <a:rPr lang="en-US" dirty="0"/>
+              <a:t>)</a:t>
+            </a:r>
+          </a:p>
+        </p:txBody>
+      </p:sp>
+      <p:pic>
+        <p:nvPicPr>
+          <p:cNvPr id="4" name="Content Placeholder 3"/>
+          <p:cNvPicPr>
+            <a:picLocks noGrp="1" noChangeAspect="1"/>
+          </p:cNvPicPr>
+          <p:nvPr>
+            <p:ph idx="1"/>
+          </p:nvPr>
+        </p:nvPicPr>
+        <p:blipFill>
+          <a:blip r:embed="rId2">
+            <a:extLst>
+              <a:ext uri="{28A0092B-C50C-407E-A947-70E740481C1C}">
+                <a14:useLocalDpi xmlns:a14="http://schemas.microsoft.com/office/drawing/2010/main" val="0"/>
+              </a:ext>
+            </a:extLst>
+          </a:blip>
+          <a:stretch>
+            <a:fillRect/>
+          </a:stretch>
+        </p:blipFill>
+        <p:spPr>
+          <a:xfrm>
+            <a:off x="2560832" y="1846263"/>
+            <a:ext cx="7130661" cy="4022725"/>
+          </a:xfrm>
+        </p:spPr>
+      </p:pic>
+    </p:spTree>
+    <p:extLst>
+      <p:ext uri="{BB962C8B-B14F-4D97-AF65-F5344CB8AC3E}">
+        <p14:creationId xmlns:p14="http://schemas.microsoft.com/office/powerpoint/2010/main" val="1758582792"/>
+      </p:ext>
+    </p:extLst>
+  </p:cSld>
+  <p:clrMapOvr>
+    <a:masterClrMapping/>
+  </p:clrMapOvr>
+  <p:timing>
+    <p:tnLst>
+      <p:par>
+        <p:cTn id="1" dur="indefinite" restart="never" nodeType="tmRoot"/>
+      </p:par>
+    </p:tnLst>
+  </p:timing>
+</p:sld>
+</file>
+
+<file path=ppt/slides/slide41.xml><?xml version="1.0" encoding="utf-8"?>
+<p:sld xmlns:a="http://schemas.openxmlformats.org/drawingml/2006/main" xmlns:r="http://schemas.openxmlformats.org/officeDocument/2006/relationships" xmlns:p="http://schemas.openxmlformats.org/presentationml/2006/main">
+  <p:cSld>
+    <p:spTree>
+      <p:nvGrpSpPr>
+        <p:cNvPr id="1" name=""/>
+        <p:cNvGrpSpPr/>
+        <p:nvPr/>
+      </p:nvGrpSpPr>
+      <p:grpSpPr>
+        <a:xfrm>
+          <a:off x="0" y="0"/>
+          <a:ext cx="0" cy="0"/>
+          <a:chOff x="0" y="0"/>
+          <a:chExt cx="0" cy="0"/>
+        </a:xfrm>
+      </p:grpSpPr>
+      <p:sp>
+        <p:nvSpPr>
+          <p:cNvPr id="2" name="Title 1"/>
+          <p:cNvSpPr>
+            <a:spLocks noGrp="1"/>
+          </p:cNvSpPr>
+          <p:nvPr>
+            <p:ph type="title"/>
+          </p:nvPr>
+        </p:nvSpPr>
+        <p:spPr/>
+        <p:txBody>
+          <a:bodyPr/>
+          <a:lstStyle/>
+          <a:p>
+            <a:r>
+              <a:rPr lang="en-US" dirty="0" smtClean="0"/>
+              <a:t>Daily Meeting</a:t>
+            </a:r>
+            <a:endParaRPr lang="en-US" dirty="0"/>
+          </a:p>
+        </p:txBody>
+      </p:sp>
+      <p:sp>
+        <p:nvSpPr>
+          <p:cNvPr id="3" name="Content Placeholder 2"/>
+          <p:cNvSpPr>
+            <a:spLocks noGrp="1"/>
+          </p:cNvSpPr>
+          <p:nvPr>
+            <p:ph idx="1"/>
+          </p:nvPr>
+        </p:nvSpPr>
+        <p:spPr/>
+        <p:txBody>
+          <a:bodyPr/>
+          <a:lstStyle/>
+          <a:p>
+            <a:r>
+              <a:rPr lang="en-US" dirty="0" smtClean="0"/>
+              <a:t>From day: 6/3/2017 – 31/3/2017</a:t>
+            </a:r>
+          </a:p>
+          <a:p>
+            <a:r>
+              <a:rPr lang="en-US" dirty="0" smtClean="0"/>
+              <a:t>Total meetings minutes: 380 minutes</a:t>
+            </a:r>
+          </a:p>
+          <a:p>
+            <a:endParaRPr lang="en-US" dirty="0" smtClean="0"/>
+          </a:p>
+        </p:txBody>
+      </p:sp>
+    </p:spTree>
+    <p:extLst>
+      <p:ext uri="{BB962C8B-B14F-4D97-AF65-F5344CB8AC3E}">
+        <p14:creationId xmlns:p14="http://schemas.microsoft.com/office/powerpoint/2010/main" val="683551483"/>
+      </p:ext>
+    </p:extLst>
+  </p:cSld>
+  <p:clrMapOvr>
+    <a:masterClrMapping/>
+  </p:clrMapOvr>
+  <p:timing>
+    <p:tnLst>
+      <p:par>
+        <p:cTn id="1" dur="indefinite" restart="never" nodeType="tmRoot"/>
+      </p:par>
+    </p:tnLst>
+  </p:timing>
+</p:sld>
+</file>
+
+<file path=ppt/slides/slide42.xml><?xml version="1.0" encoding="utf-8"?>
+<p:sld xmlns:a="http://schemas.openxmlformats.org/drawingml/2006/main" xmlns:r="http://schemas.openxmlformats.org/officeDocument/2006/relationships" xmlns:p="http://schemas.openxmlformats.org/presentationml/2006/main">
+  <p:cSld>
+    <p:spTree>
+      <p:nvGrpSpPr>
+        <p:cNvPr id="1" name=""/>
+        <p:cNvGrpSpPr/>
+        <p:nvPr/>
+      </p:nvGrpSpPr>
+      <p:grpSpPr>
+        <a:xfrm>
+          <a:off x="0" y="0"/>
+          <a:ext cx="0" cy="0"/>
+          <a:chOff x="0" y="0"/>
+          <a:chExt cx="0" cy="0"/>
+        </a:xfrm>
+      </p:grpSpPr>
+      <p:sp>
+        <p:nvSpPr>
+          <p:cNvPr id="2" name="Title 1"/>
+          <p:cNvSpPr>
+            <a:spLocks noGrp="1"/>
+          </p:cNvSpPr>
+          <p:nvPr>
+            <p:ph type="title"/>
+          </p:nvPr>
+        </p:nvSpPr>
+        <p:spPr/>
+        <p:txBody>
+          <a:bodyPr/>
+          <a:lstStyle/>
+          <a:p>
+            <a:r>
+              <a:rPr lang="en-US" dirty="0" smtClean="0"/>
               <a:t>Daily meeting Logs(demo)</a:t>
             </a:r>
             <a:endParaRPr lang="en-US" dirty="0"/>
@@ -8726,7 +10532,7 @@
 </p:sld>
 </file>
 
-<file path=ppt/slides/slide31.xml><?xml version="1.0" encoding="utf-8"?>
+<file path=ppt/slides/slide43.xml><?xml version="1.0" encoding="utf-8"?>
 <p:sld xmlns:a="http://schemas.openxmlformats.org/drawingml/2006/main" xmlns:r="http://schemas.openxmlformats.org/officeDocument/2006/relationships" xmlns:p="http://schemas.openxmlformats.org/presentationml/2006/main">
   <p:cSld>
     <p:spTree>
@@ -8860,7 +10666,7 @@
 </p:sld>
 </file>
 
-<file path=ppt/slides/slide32.xml><?xml version="1.0" encoding="utf-8"?>
+<file path=ppt/slides/slide44.xml><?xml version="1.0" encoding="utf-8"?>
 <p:sld xmlns:a="http://schemas.openxmlformats.org/drawingml/2006/main" xmlns:r="http://schemas.openxmlformats.org/officeDocument/2006/relationships" xmlns:p="http://schemas.openxmlformats.org/presentationml/2006/main">
   <p:cSld>
     <p:spTree>
@@ -9012,7 +10818,7 @@
 </p:sld>
 </file>
 
-<file path=ppt/slides/slide33.xml><?xml version="1.0" encoding="utf-8"?>
+<file path=ppt/slides/slide45.xml><?xml version="1.0" encoding="utf-8"?>
 <p:sld xmlns:a="http://schemas.openxmlformats.org/drawingml/2006/main" xmlns:r="http://schemas.openxmlformats.org/officeDocument/2006/relationships" xmlns:p="http://schemas.openxmlformats.org/presentationml/2006/main">
   <p:cSld>
     <p:spTree>
@@ -9275,7 +11081,7 @@
 </p:sld>
 </file>
 
-<file path=ppt/slides/slide34.xml><?xml version="1.0" encoding="utf-8"?>
+<file path=ppt/slides/slide46.xml><?xml version="1.0" encoding="utf-8"?>
 <p:sld xmlns:a="http://schemas.openxmlformats.org/drawingml/2006/main" xmlns:r="http://schemas.openxmlformats.org/officeDocument/2006/relationships" xmlns:p="http://schemas.openxmlformats.org/presentationml/2006/main">
   <p:cSld>
     <p:spTree>
@@ -9503,7 +11309,7 @@
 </p:sld>
 </file>
 
-<file path=ppt/slides/slide35.xml><?xml version="1.0" encoding="utf-8"?>
+<file path=ppt/slides/slide47.xml><?xml version="1.0" encoding="utf-8"?>
 <p:sld xmlns:a="http://schemas.openxmlformats.org/drawingml/2006/main" xmlns:r="http://schemas.openxmlformats.org/officeDocument/2006/relationships" xmlns:p="http://schemas.openxmlformats.org/presentationml/2006/main">
   <p:cSld>
     <p:spTree>
@@ -9620,7 +11426,7 @@
 </p:sld>
 </file>
 
-<file path=ppt/slides/slide36.xml><?xml version="1.0" encoding="utf-8"?>
+<file path=ppt/slides/slide48.xml><?xml version="1.0" encoding="utf-8"?>
 <p:sld xmlns:a="http://schemas.openxmlformats.org/drawingml/2006/main" xmlns:r="http://schemas.openxmlformats.org/officeDocument/2006/relationships" xmlns:p="http://schemas.openxmlformats.org/presentationml/2006/main">
   <p:cSld>
     <p:spTree>
@@ -9751,7 +11557,7 @@
 </p:sld>
 </file>
 
-<file path=ppt/slides/slide37.xml><?xml version="1.0" encoding="utf-8"?>
+<file path=ppt/slides/slide49.xml><?xml version="1.0" encoding="utf-8"?>
 <p:sld xmlns:a="http://schemas.openxmlformats.org/drawingml/2006/main" xmlns:r="http://schemas.openxmlformats.org/officeDocument/2006/relationships" xmlns:p="http://schemas.openxmlformats.org/presentationml/2006/main">
   <p:cSld>
     <p:spTree>
@@ -9869,381 +11675,6 @@
   <p:clrMapOvr>
     <a:masterClrMapping/>
   </p:clrMapOvr>
-</p:sld>
-</file>
-
-<file path=ppt/slides/slide38.xml><?xml version="1.0" encoding="utf-8"?>
-<p:sld xmlns:a="http://schemas.openxmlformats.org/drawingml/2006/main" xmlns:r="http://schemas.openxmlformats.org/officeDocument/2006/relationships" xmlns:p="http://schemas.openxmlformats.org/presentationml/2006/main">
-  <p:cSld>
-    <p:spTree>
-      <p:nvGrpSpPr>
-        <p:cNvPr id="1" name=""/>
-        <p:cNvGrpSpPr/>
-        <p:nvPr/>
-      </p:nvGrpSpPr>
-      <p:grpSpPr>
-        <a:xfrm>
-          <a:off x="0" y="0"/>
-          <a:ext cx="0" cy="0"/>
-          <a:chOff x="0" y="0"/>
-          <a:chExt cx="0" cy="0"/>
-        </a:xfrm>
-      </p:grpSpPr>
-      <p:sp>
-        <p:nvSpPr>
-          <p:cNvPr id="2" name="Title 1"/>
-          <p:cNvSpPr>
-            <a:spLocks noGrp="1"/>
-          </p:cNvSpPr>
-          <p:nvPr>
-            <p:ph type="title"/>
-          </p:nvPr>
-        </p:nvSpPr>
-        <p:spPr/>
-        <p:txBody>
-          <a:bodyPr/>
-          <a:lstStyle/>
-          <a:p>
-            <a:r>
-              <a:rPr lang="en-US" dirty="0" smtClean="0"/>
-              <a:t>Demo 5: system reports </a:t>
-            </a:r>
-            <a:endParaRPr lang="en-US" dirty="0"/>
-          </a:p>
-        </p:txBody>
-      </p:sp>
-      <p:sp>
-        <p:nvSpPr>
-          <p:cNvPr id="3" name="Content Placeholder 2"/>
-          <p:cNvSpPr>
-            <a:spLocks noGrp="1"/>
-          </p:cNvSpPr>
-          <p:nvPr>
-            <p:ph idx="1"/>
-          </p:nvPr>
-        </p:nvSpPr>
-        <p:spPr/>
-        <p:txBody>
-          <a:bodyPr>
-            <a:normAutofit/>
-          </a:bodyPr>
-          <a:lstStyle/>
-          <a:p>
-            <a:pPr>
-              <a:buFont typeface="Wingdings" charset="2"/>
-              <a:buChar char="Ø"/>
-            </a:pPr>
-            <a:r>
-              <a:rPr lang="en-US" sz="2800" dirty="0" smtClean="0"/>
-              <a:t>Claims per year</a:t>
-            </a:r>
-          </a:p>
-          <a:p>
-            <a:pPr>
-              <a:buFont typeface="Wingdings" charset="2"/>
-              <a:buChar char="Ø"/>
-            </a:pPr>
-            <a:r>
-              <a:rPr lang="en-US" sz="2800" dirty="0" smtClean="0"/>
-              <a:t>Claims per faculty</a:t>
-            </a:r>
-          </a:p>
-          <a:p>
-            <a:pPr>
-              <a:buFont typeface="Wingdings" charset="2"/>
-              <a:buChar char="Ø"/>
-            </a:pPr>
-            <a:r>
-              <a:rPr lang="en-US" sz="2800" dirty="0" smtClean="0"/>
-              <a:t>Processed claims per year</a:t>
-            </a:r>
-          </a:p>
-          <a:p>
-            <a:pPr>
-              <a:buFont typeface="Wingdings" charset="2"/>
-              <a:buChar char="Ø"/>
-            </a:pPr>
-            <a:r>
-              <a:rPr lang="en-US" sz="2800" dirty="0" smtClean="0"/>
-              <a:t>Claims per circumstance</a:t>
-            </a:r>
-          </a:p>
-          <a:p>
-            <a:pPr>
-              <a:buFont typeface="Wingdings" charset="2"/>
-              <a:buChar char="Ø"/>
-            </a:pPr>
-            <a:r>
-              <a:rPr lang="en-US" sz="2800" dirty="0" smtClean="0"/>
-              <a:t>Claims per validation</a:t>
-            </a:r>
-          </a:p>
-          <a:p>
-            <a:pPr>
-              <a:buFont typeface="Wingdings" charset="2"/>
-              <a:buChar char="Ø"/>
-            </a:pPr>
-            <a:r>
-              <a:rPr lang="en-US" sz="2800" dirty="0" smtClean="0"/>
-              <a:t>Custom claim reports</a:t>
-            </a:r>
-            <a:endParaRPr lang="en-US" sz="2800" dirty="0"/>
-          </a:p>
-        </p:txBody>
-      </p:sp>
-    </p:spTree>
-    <p:extLst>
-      <p:ext uri="{BB962C8B-B14F-4D97-AF65-F5344CB8AC3E}">
-        <p14:creationId xmlns:p14="http://schemas.microsoft.com/office/powerpoint/2010/main" val="1496077575"/>
-      </p:ext>
-    </p:extLst>
-  </p:cSld>
-  <p:clrMapOvr>
-    <a:masterClrMapping/>
-  </p:clrMapOvr>
-  <p:timing>
-    <p:tnLst>
-      <p:par>
-        <p:cTn id="1" dur="indefinite" restart="never" nodeType="tmRoot"/>
-      </p:par>
-    </p:tnLst>
-  </p:timing>
-</p:sld>
-</file>
-
-<file path=ppt/slides/slide39.xml><?xml version="1.0" encoding="utf-8"?>
-<p:sld xmlns:a="http://schemas.openxmlformats.org/drawingml/2006/main" xmlns:r="http://schemas.openxmlformats.org/officeDocument/2006/relationships" xmlns:p="http://schemas.openxmlformats.org/presentationml/2006/main">
-  <p:cSld>
-    <p:spTree>
-      <p:nvGrpSpPr>
-        <p:cNvPr id="1" name=""/>
-        <p:cNvGrpSpPr/>
-        <p:nvPr/>
-      </p:nvGrpSpPr>
-      <p:grpSpPr>
-        <a:xfrm>
-          <a:off x="0" y="0"/>
-          <a:ext cx="0" cy="0"/>
-          <a:chOff x="0" y="0"/>
-          <a:chExt cx="0" cy="0"/>
-        </a:xfrm>
-      </p:grpSpPr>
-      <p:sp>
-        <p:nvSpPr>
-          <p:cNvPr id="2" name="Title 1"/>
-          <p:cNvSpPr>
-            <a:spLocks noGrp="1"/>
-          </p:cNvSpPr>
-          <p:nvPr>
-            <p:ph type="title"/>
-          </p:nvPr>
-        </p:nvSpPr>
-        <p:spPr/>
-        <p:txBody>
-          <a:bodyPr/>
-          <a:lstStyle/>
-          <a:p>
-            <a:pPr algn="ctr"/>
-            <a:r>
-              <a:rPr lang="en-US" b="1" dirty="0" err="1" smtClean="0"/>
-              <a:t>ECManagement</a:t>
-            </a:r>
-            <a:r>
-              <a:rPr lang="en-US" b="1" dirty="0" smtClean="0"/>
-              <a:t> System</a:t>
-            </a:r>
-            <a:endParaRPr lang="en-US" b="1" dirty="0"/>
-          </a:p>
-        </p:txBody>
-      </p:sp>
-      <p:sp>
-        <p:nvSpPr>
-          <p:cNvPr id="3" name="Content Placeholder 2"/>
-          <p:cNvSpPr>
-            <a:spLocks noGrp="1"/>
-          </p:cNvSpPr>
-          <p:nvPr>
-            <p:ph idx="1"/>
-          </p:nvPr>
-        </p:nvSpPr>
-        <p:spPr/>
-        <p:txBody>
-          <a:bodyPr/>
-          <a:lstStyle/>
-          <a:p>
-            <a:pPr algn="ctr"/>
-            <a:endParaRPr lang="en-US" dirty="0" smtClean="0">
-              <a:hlinkClick r:id="rId2"/>
-            </a:endParaRPr>
-          </a:p>
-          <a:p>
-            <a:pPr algn="ctr"/>
-            <a:r>
-              <a:rPr lang="en-US" sz="2800" dirty="0" smtClean="0"/>
-              <a:t>Website: </a:t>
-            </a:r>
-            <a:r>
-              <a:rPr lang="en-US" sz="2800" dirty="0">
-                <a:hlinkClick r:id="rId2"/>
-              </a:rPr>
-              <a:t>http://ecmsystem.ga/</a:t>
-            </a:r>
-            <a:r>
-              <a:rPr lang="en-US" sz="2800" dirty="0"/>
-              <a:t> </a:t>
-            </a:r>
-          </a:p>
-          <a:p>
-            <a:pPr algn="ctr"/>
-            <a:endParaRPr lang="en-US" sz="2800" dirty="0" smtClean="0"/>
-          </a:p>
-          <a:p>
-            <a:pPr algn="ctr"/>
-            <a:r>
-              <a:rPr lang="en-US" sz="2800" dirty="0" smtClean="0"/>
-              <a:t>Screencast: </a:t>
-            </a:r>
-            <a:r>
-              <a:rPr lang="en-US" sz="2800" dirty="0">
-                <a:hlinkClick r:id="rId3"/>
-              </a:rPr>
-              <a:t>http://rebrand.ly/ewsd_g2_cw_kaka</a:t>
-            </a:r>
-            <a:r>
-              <a:rPr lang="en-US" sz="2800" dirty="0"/>
-              <a:t> </a:t>
-            </a:r>
-            <a:br>
-              <a:rPr lang="en-US" sz="2800" dirty="0"/>
-            </a:br>
-            <a:endParaRPr lang="en-US" sz="2800" dirty="0"/>
-          </a:p>
-          <a:p>
-            <a:pPr algn="ctr"/>
-            <a:endParaRPr lang="en-US" sz="2800" dirty="0"/>
-          </a:p>
-        </p:txBody>
-      </p:sp>
-    </p:spTree>
-    <p:extLst>
-      <p:ext uri="{BB962C8B-B14F-4D97-AF65-F5344CB8AC3E}">
-        <p14:creationId xmlns:p14="http://schemas.microsoft.com/office/powerpoint/2010/main" val="401412654"/>
-      </p:ext>
-    </p:extLst>
-  </p:cSld>
-  <p:clrMapOvr>
-    <a:masterClrMapping/>
-  </p:clrMapOvr>
-  <p:timing>
-    <p:tnLst>
-      <p:par>
-        <p:cTn id="1" dur="indefinite" restart="never" nodeType="tmRoot"/>
-      </p:par>
-    </p:tnLst>
-  </p:timing>
-</p:sld>
-</file>
-
-<file path=ppt/slides/slide4.xml><?xml version="1.0" encoding="utf-8"?>
-<p:sld xmlns:a="http://schemas.openxmlformats.org/drawingml/2006/main" xmlns:r="http://schemas.openxmlformats.org/officeDocument/2006/relationships" xmlns:p="http://schemas.openxmlformats.org/presentationml/2006/main">
-  <p:cSld>
-    <p:spTree>
-      <p:nvGrpSpPr>
-        <p:cNvPr id="1" name=""/>
-        <p:cNvGrpSpPr/>
-        <p:nvPr/>
-      </p:nvGrpSpPr>
-      <p:grpSpPr>
-        <a:xfrm>
-          <a:off x="0" y="0"/>
-          <a:ext cx="0" cy="0"/>
-          <a:chOff x="0" y="0"/>
-          <a:chExt cx="0" cy="0"/>
-        </a:xfrm>
-      </p:grpSpPr>
-      <p:sp>
-        <p:nvSpPr>
-          <p:cNvPr id="18" name="Title 17"/>
-          <p:cNvSpPr>
-            <a:spLocks noGrp="1"/>
-          </p:cNvSpPr>
-          <p:nvPr>
-            <p:ph type="title"/>
-          </p:nvPr>
-        </p:nvSpPr>
-        <p:spPr/>
-        <p:txBody>
-          <a:bodyPr/>
-          <a:lstStyle/>
-          <a:p>
-            <a:r>
-              <a:rPr lang="en-US" dirty="0" smtClean="0"/>
-              <a:t>Extenuating circumstances</a:t>
-            </a:r>
-            <a:endParaRPr lang="en-US" dirty="0"/>
-          </a:p>
-        </p:txBody>
-      </p:sp>
-      <p:sp>
-        <p:nvSpPr>
-          <p:cNvPr id="19" name="Content Placeholder 18"/>
-          <p:cNvSpPr>
-            <a:spLocks noGrp="1"/>
-          </p:cNvSpPr>
-          <p:nvPr>
-            <p:ph idx="1"/>
-          </p:nvPr>
-        </p:nvSpPr>
-        <p:spPr/>
-        <p:txBody>
-          <a:bodyPr>
-            <a:normAutofit/>
-          </a:bodyPr>
-          <a:lstStyle/>
-          <a:p>
-            <a:r>
-              <a:rPr lang="en-US" sz="2400" dirty="0" smtClean="0"/>
-              <a:t>- The process</a:t>
-            </a:r>
-          </a:p>
-          <a:p>
-            <a:r>
-              <a:rPr lang="en-US" sz="2400" dirty="0"/>
-              <a:t>- </a:t>
-            </a:r>
-            <a:r>
-              <a:rPr lang="en-US" sz="2400" dirty="0" smtClean="0"/>
-              <a:t>Informing school </a:t>
-            </a:r>
-            <a:r>
-              <a:rPr lang="en-US" sz="2400" dirty="0"/>
-              <a:t>of the circumstances that have affected </a:t>
-            </a:r>
-            <a:r>
-              <a:rPr lang="en-US" sz="2400" dirty="0" smtClean="0"/>
-              <a:t>student</a:t>
-            </a:r>
-            <a:endParaRPr lang="en-US" sz="2400" dirty="0"/>
-          </a:p>
-        </p:txBody>
-      </p:sp>
-    </p:spTree>
-    <p:extLst>
-      <p:ext uri="{BB962C8B-B14F-4D97-AF65-F5344CB8AC3E}">
-        <p14:creationId xmlns:p14="http://schemas.microsoft.com/office/powerpoint/2010/main" val="760715267"/>
-      </p:ext>
-    </p:extLst>
-  </p:cSld>
-  <p:clrMapOvr>
-    <a:masterClrMapping/>
-  </p:clrMapOvr>
-  <p:timing>
-    <p:tnLst>
-      <p:par>
-        <p:cTn id="1" dur="indefinite" restart="never" nodeType="tmRoot"/>
-      </p:par>
-    </p:tnLst>
-  </p:timing>
 </p:sld>
 </file>
 
@@ -10320,6 +11751,278 @@
     <p:extLst>
       <p:ext uri="{BB962C8B-B14F-4D97-AF65-F5344CB8AC3E}">
         <p14:creationId xmlns:p14="http://schemas.microsoft.com/office/powerpoint/2010/main" val="1348443942"/>
+      </p:ext>
+    </p:extLst>
+  </p:cSld>
+  <p:clrMapOvr>
+    <a:masterClrMapping/>
+  </p:clrMapOvr>
+  <p:timing>
+    <p:tnLst>
+      <p:par>
+        <p:cTn id="1" dur="indefinite" restart="never" nodeType="tmRoot"/>
+      </p:par>
+    </p:tnLst>
+  </p:timing>
+</p:sld>
+</file>
+
+<file path=ppt/slides/slide50.xml><?xml version="1.0" encoding="utf-8"?>
+<p:sld xmlns:a="http://schemas.openxmlformats.org/drawingml/2006/main" xmlns:r="http://schemas.openxmlformats.org/officeDocument/2006/relationships" xmlns:p="http://schemas.openxmlformats.org/presentationml/2006/main">
+  <p:cSld>
+    <p:spTree>
+      <p:nvGrpSpPr>
+        <p:cNvPr id="1" name=""/>
+        <p:cNvGrpSpPr/>
+        <p:nvPr/>
+      </p:nvGrpSpPr>
+      <p:grpSpPr>
+        <a:xfrm>
+          <a:off x="0" y="0"/>
+          <a:ext cx="0" cy="0"/>
+          <a:chOff x="0" y="0"/>
+          <a:chExt cx="0" cy="0"/>
+        </a:xfrm>
+      </p:grpSpPr>
+      <p:sp>
+        <p:nvSpPr>
+          <p:cNvPr id="2" name="Title 1"/>
+          <p:cNvSpPr>
+            <a:spLocks noGrp="1"/>
+          </p:cNvSpPr>
+          <p:nvPr>
+            <p:ph type="title"/>
+          </p:nvPr>
+        </p:nvSpPr>
+        <p:spPr/>
+        <p:txBody>
+          <a:bodyPr/>
+          <a:lstStyle/>
+          <a:p>
+            <a:r>
+              <a:rPr lang="en-US" dirty="0" smtClean="0"/>
+              <a:t>Demo 5: system reports </a:t>
+            </a:r>
+            <a:endParaRPr lang="en-US" dirty="0"/>
+          </a:p>
+        </p:txBody>
+      </p:sp>
+      <p:sp>
+        <p:nvSpPr>
+          <p:cNvPr id="3" name="Content Placeholder 2"/>
+          <p:cNvSpPr>
+            <a:spLocks noGrp="1"/>
+          </p:cNvSpPr>
+          <p:nvPr>
+            <p:ph idx="1"/>
+          </p:nvPr>
+        </p:nvSpPr>
+        <p:spPr/>
+        <p:txBody>
+          <a:bodyPr>
+            <a:normAutofit/>
+          </a:bodyPr>
+          <a:lstStyle/>
+          <a:p>
+            <a:pPr>
+              <a:buFont typeface="Wingdings" charset="2"/>
+              <a:buChar char="Ø"/>
+            </a:pPr>
+            <a:r>
+              <a:rPr lang="en-US" sz="2800" dirty="0" smtClean="0"/>
+              <a:t>Claims per year</a:t>
+            </a:r>
+          </a:p>
+          <a:p>
+            <a:pPr>
+              <a:buFont typeface="Wingdings" charset="2"/>
+              <a:buChar char="Ø"/>
+            </a:pPr>
+            <a:r>
+              <a:rPr lang="en-US" sz="2800" dirty="0" smtClean="0"/>
+              <a:t>Claims per faculty</a:t>
+            </a:r>
+          </a:p>
+          <a:p>
+            <a:pPr>
+              <a:buFont typeface="Wingdings" charset="2"/>
+              <a:buChar char="Ø"/>
+            </a:pPr>
+            <a:r>
+              <a:rPr lang="en-US" sz="2800" dirty="0" smtClean="0"/>
+              <a:t>Processed claims per year</a:t>
+            </a:r>
+          </a:p>
+          <a:p>
+            <a:pPr>
+              <a:buFont typeface="Wingdings" charset="2"/>
+              <a:buChar char="Ø"/>
+            </a:pPr>
+            <a:r>
+              <a:rPr lang="en-US" sz="2800" dirty="0" smtClean="0"/>
+              <a:t>Claims per circumstance</a:t>
+            </a:r>
+          </a:p>
+          <a:p>
+            <a:pPr>
+              <a:buFont typeface="Wingdings" charset="2"/>
+              <a:buChar char="Ø"/>
+            </a:pPr>
+            <a:r>
+              <a:rPr lang="en-US" sz="2800" dirty="0" smtClean="0"/>
+              <a:t>Claims per validation</a:t>
+            </a:r>
+          </a:p>
+          <a:p>
+            <a:pPr>
+              <a:buFont typeface="Wingdings" charset="2"/>
+              <a:buChar char="Ø"/>
+            </a:pPr>
+            <a:r>
+              <a:rPr lang="en-US" sz="2800" dirty="0" smtClean="0"/>
+              <a:t>Custom claim reports</a:t>
+            </a:r>
+            <a:endParaRPr lang="en-US" sz="2800" dirty="0"/>
+          </a:p>
+        </p:txBody>
+      </p:sp>
+    </p:spTree>
+    <p:extLst>
+      <p:ext uri="{BB962C8B-B14F-4D97-AF65-F5344CB8AC3E}">
+        <p14:creationId xmlns:p14="http://schemas.microsoft.com/office/powerpoint/2010/main" val="1496077575"/>
+      </p:ext>
+    </p:extLst>
+  </p:cSld>
+  <p:clrMapOvr>
+    <a:masterClrMapping/>
+  </p:clrMapOvr>
+  <p:timing>
+    <p:tnLst>
+      <p:par>
+        <p:cTn id="1" dur="indefinite" restart="never" nodeType="tmRoot"/>
+      </p:par>
+    </p:tnLst>
+  </p:timing>
+</p:sld>
+</file>
+
+<file path=ppt/slides/slide51.xml><?xml version="1.0" encoding="utf-8"?>
+<p:sld xmlns:a="http://schemas.openxmlformats.org/drawingml/2006/main" xmlns:r="http://schemas.openxmlformats.org/officeDocument/2006/relationships" xmlns:p="http://schemas.openxmlformats.org/presentationml/2006/main">
+  <p:cSld>
+    <p:spTree>
+      <p:nvGrpSpPr>
+        <p:cNvPr id="1" name=""/>
+        <p:cNvGrpSpPr/>
+        <p:nvPr/>
+      </p:nvGrpSpPr>
+      <p:grpSpPr>
+        <a:xfrm>
+          <a:off x="0" y="0"/>
+          <a:ext cx="0" cy="0"/>
+          <a:chOff x="0" y="0"/>
+          <a:chExt cx="0" cy="0"/>
+        </a:xfrm>
+      </p:grpSpPr>
+      <p:sp>
+        <p:nvSpPr>
+          <p:cNvPr id="2" name="Title 1"/>
+          <p:cNvSpPr>
+            <a:spLocks noGrp="1"/>
+          </p:cNvSpPr>
+          <p:nvPr>
+            <p:ph type="title"/>
+          </p:nvPr>
+        </p:nvSpPr>
+        <p:spPr/>
+        <p:txBody>
+          <a:bodyPr/>
+          <a:lstStyle/>
+          <a:p>
+            <a:pPr algn="ctr"/>
+            <a:r>
+              <a:rPr lang="en-US" b="1" dirty="0" err="1" smtClean="0"/>
+              <a:t>ECManagement</a:t>
+            </a:r>
+            <a:r>
+              <a:rPr lang="en-US" b="1" dirty="0" smtClean="0"/>
+              <a:t> System</a:t>
+            </a:r>
+            <a:endParaRPr lang="en-US" b="1" dirty="0"/>
+          </a:p>
+        </p:txBody>
+      </p:sp>
+      <p:sp>
+        <p:nvSpPr>
+          <p:cNvPr id="3" name="Content Placeholder 2"/>
+          <p:cNvSpPr>
+            <a:spLocks noGrp="1"/>
+          </p:cNvSpPr>
+          <p:nvPr>
+            <p:ph idx="1"/>
+          </p:nvPr>
+        </p:nvSpPr>
+        <p:spPr/>
+        <p:txBody>
+          <a:bodyPr/>
+          <a:lstStyle/>
+          <a:p>
+            <a:pPr algn="ctr"/>
+            <a:endParaRPr lang="en-US" dirty="0" smtClean="0">
+              <a:hlinkClick r:id="rId2"/>
+            </a:endParaRPr>
+          </a:p>
+          <a:p>
+            <a:pPr algn="ctr"/>
+            <a:r>
+              <a:rPr lang="en-US" sz="2800" dirty="0" smtClean="0"/>
+              <a:t>Website: </a:t>
+            </a:r>
+            <a:r>
+              <a:rPr lang="en-US" sz="2800" dirty="0">
+                <a:hlinkClick r:id="rId2"/>
+              </a:rPr>
+              <a:t>http://ecmsystem.ga/</a:t>
+            </a:r>
+            <a:r>
+              <a:rPr lang="en-US" sz="2800" dirty="0"/>
+              <a:t> </a:t>
+            </a:r>
+          </a:p>
+          <a:p>
+            <a:pPr algn="ctr"/>
+            <a:endParaRPr lang="en-US" sz="2800" dirty="0" smtClean="0"/>
+          </a:p>
+          <a:p>
+            <a:pPr algn="ctr"/>
+            <a:r>
+              <a:rPr lang="en-US" sz="2800" dirty="0" smtClean="0"/>
+              <a:t>Screencast: </a:t>
+            </a:r>
+            <a:r>
+              <a:rPr lang="en-US" sz="2800" dirty="0">
+                <a:hlinkClick r:id="rId3"/>
+              </a:rPr>
+              <a:t>http://rebrand.ly/ewsd_g2_cw_kaka</a:t>
+            </a:r>
+            <a:r>
+              <a:rPr lang="en-US" sz="2800" dirty="0"/>
+              <a:t> </a:t>
+            </a:r>
+            <a:br>
+              <a:rPr lang="en-US" sz="2800" dirty="0"/>
+            </a:br>
+            <a:endParaRPr lang="en-US" sz="2800" dirty="0"/>
+          </a:p>
+          <a:p>
+            <a:pPr algn="ctr"/>
+            <a:endParaRPr lang="en-US" sz="2800" dirty="0"/>
+          </a:p>
+        </p:txBody>
+      </p:sp>
+    </p:spTree>
+    <p:extLst>
+      <p:ext uri="{BB962C8B-B14F-4D97-AF65-F5344CB8AC3E}">
+        <p14:creationId xmlns:p14="http://schemas.microsoft.com/office/powerpoint/2010/main" val="401412654"/>
       </p:ext>
     </p:extLst>
   </p:cSld>

--- a/documents/Presentation.pptx
+++ b/documents/Presentation.pptx
@@ -5,7 +5,7 @@
     <p:sldMasterId id="2147483648" r:id="rId1"/>
   </p:sldMasterIdLst>
   <p:notesMasterIdLst>
-    <p:notesMasterId r:id="rId53"/>
+    <p:notesMasterId r:id="rId61"/>
   </p:notesMasterIdLst>
   <p:sldIdLst>
     <p:sldId id="256" r:id="rId2"/>
@@ -34,31 +34,39 @@
     <p:sldId id="311" r:id="rId25"/>
     <p:sldId id="312" r:id="rId26"/>
     <p:sldId id="261" r:id="rId27"/>
-    <p:sldId id="283" r:id="rId28"/>
-    <p:sldId id="284" r:id="rId29"/>
-    <p:sldId id="285" r:id="rId30"/>
-    <p:sldId id="286" r:id="rId31"/>
-    <p:sldId id="287" r:id="rId32"/>
-    <p:sldId id="288" r:id="rId33"/>
-    <p:sldId id="289" r:id="rId34"/>
-    <p:sldId id="290" r:id="rId35"/>
-    <p:sldId id="291" r:id="rId36"/>
-    <p:sldId id="292" r:id="rId37"/>
-    <p:sldId id="293" r:id="rId38"/>
-    <p:sldId id="294" r:id="rId39"/>
-    <p:sldId id="295" r:id="rId40"/>
-    <p:sldId id="296" r:id="rId41"/>
-    <p:sldId id="297" r:id="rId42"/>
-    <p:sldId id="298" r:id="rId43"/>
-    <p:sldId id="263" r:id="rId44"/>
-    <p:sldId id="264" r:id="rId45"/>
-    <p:sldId id="267" r:id="rId46"/>
-    <p:sldId id="268" r:id="rId47"/>
-    <p:sldId id="269" r:id="rId48"/>
-    <p:sldId id="270" r:id="rId49"/>
-    <p:sldId id="271" r:id="rId50"/>
-    <p:sldId id="272" r:id="rId51"/>
-    <p:sldId id="273" r:id="rId52"/>
+    <p:sldId id="314" r:id="rId28"/>
+    <p:sldId id="315" r:id="rId29"/>
+    <p:sldId id="316" r:id="rId30"/>
+    <p:sldId id="317" r:id="rId31"/>
+    <p:sldId id="319" r:id="rId32"/>
+    <p:sldId id="320" r:id="rId33"/>
+    <p:sldId id="321" r:id="rId34"/>
+    <p:sldId id="322" r:id="rId35"/>
+    <p:sldId id="283" r:id="rId36"/>
+    <p:sldId id="284" r:id="rId37"/>
+    <p:sldId id="285" r:id="rId38"/>
+    <p:sldId id="286" r:id="rId39"/>
+    <p:sldId id="287" r:id="rId40"/>
+    <p:sldId id="288" r:id="rId41"/>
+    <p:sldId id="289" r:id="rId42"/>
+    <p:sldId id="290" r:id="rId43"/>
+    <p:sldId id="291" r:id="rId44"/>
+    <p:sldId id="292" r:id="rId45"/>
+    <p:sldId id="293" r:id="rId46"/>
+    <p:sldId id="294" r:id="rId47"/>
+    <p:sldId id="295" r:id="rId48"/>
+    <p:sldId id="296" r:id="rId49"/>
+    <p:sldId id="297" r:id="rId50"/>
+    <p:sldId id="298" r:id="rId51"/>
+    <p:sldId id="263" r:id="rId52"/>
+    <p:sldId id="264" r:id="rId53"/>
+    <p:sldId id="267" r:id="rId54"/>
+    <p:sldId id="268" r:id="rId55"/>
+    <p:sldId id="269" r:id="rId56"/>
+    <p:sldId id="270" r:id="rId57"/>
+    <p:sldId id="271" r:id="rId58"/>
+    <p:sldId id="272" r:id="rId59"/>
+    <p:sldId id="273" r:id="rId60"/>
   </p:sldIdLst>
   <p:sldSz cx="12192000" cy="6858000"/>
   <p:notesSz cx="6858000" cy="9144000"/>
@@ -188,6 +196,14 @@
             <p14:sldId id="311"/>
             <p14:sldId id="312"/>
             <p14:sldId id="261"/>
+            <p14:sldId id="314"/>
+            <p14:sldId id="315"/>
+            <p14:sldId id="316"/>
+            <p14:sldId id="317"/>
+            <p14:sldId id="319"/>
+            <p14:sldId id="320"/>
+            <p14:sldId id="321"/>
+            <p14:sldId id="322"/>
             <p14:sldId id="283"/>
             <p14:sldId id="284"/>
             <p14:sldId id="285"/>
@@ -827,7 +843,7 @@
           <a:p>
             <a:fld id="{38B8B00D-0D5C-9F47-A927-FE449AEE3FE3}" type="slidenum">
               <a:rPr lang="en-US" smtClean="0"/>
-              <a:t>28</a:t>
+              <a:t>36</a:t>
             </a:fld>
             <a:endParaRPr lang="en-US"/>
           </a:p>
@@ -911,7 +927,7 @@
           <a:p>
             <a:fld id="{38B8B00D-0D5C-9F47-A927-FE449AEE3FE3}" type="slidenum">
               <a:rPr lang="en-US" smtClean="0"/>
-              <a:t>43</a:t>
+              <a:t>51</a:t>
             </a:fld>
             <a:endParaRPr lang="en-US"/>
           </a:p>
@@ -1003,7 +1019,7 @@
           <a:p>
             <a:fld id="{38B8B00D-0D5C-9F47-A927-FE449AEE3FE3}" type="slidenum">
               <a:rPr lang="en-US" smtClean="0"/>
-              <a:t>44</a:t>
+              <a:t>52</a:t>
             </a:fld>
             <a:endParaRPr lang="en-US"/>
           </a:p>
@@ -1812,7 +1828,7 @@
           <a:p>
             <a:fld id="{38B8B00D-0D5C-9F47-A927-FE449AEE3FE3}" type="slidenum">
               <a:rPr lang="en-US" smtClean="0"/>
-              <a:t>27</a:t>
+              <a:t>35</a:t>
             </a:fld>
             <a:endParaRPr lang="en-US"/>
           </a:p>
@@ -5571,11 +5587,7 @@
           <a:p>
             <a:r>
               <a:rPr lang="en-US" dirty="0" smtClean="0"/>
-              <a:t>Database </a:t>
-            </a:r>
-            <a:r>
-              <a:rPr lang="en-US" dirty="0" smtClean="0"/>
-              <a:t>– Claims (cont.)</a:t>
+              <a:t>Database – Claims (cont.)</a:t>
             </a:r>
             <a:endParaRPr lang="en-US" dirty="0"/>
           </a:p>
@@ -5872,11 +5884,7 @@
           <a:p>
             <a:r>
               <a:rPr lang="en-US" dirty="0" smtClean="0"/>
-              <a:t>Database </a:t>
-            </a:r>
-            <a:r>
-              <a:rPr lang="en-US" dirty="0" smtClean="0"/>
-              <a:t>– Assessments (cont.)</a:t>
+              <a:t>Database – Assessments (cont.)</a:t>
             </a:r>
             <a:endParaRPr lang="en-US" dirty="0"/>
           </a:p>
@@ -6170,11 +6178,7 @@
           <a:p>
             <a:r>
               <a:rPr lang="en-US" dirty="0" smtClean="0"/>
-              <a:t>Database </a:t>
-            </a:r>
-            <a:r>
-              <a:rPr lang="en-US" dirty="0" smtClean="0"/>
-              <a:t>– Model</a:t>
+              <a:t>Database – Model</a:t>
             </a:r>
             <a:endParaRPr lang="en-US" dirty="0"/>
           </a:p>
@@ -6460,11 +6464,7 @@
             <a:pPr lvl="0"/>
             <a:r>
               <a:rPr lang="en-US" dirty="0" smtClean="0"/>
-              <a:t>4. Site </a:t>
-            </a:r>
-            <a:r>
-              <a:rPr lang="en-US" dirty="0" smtClean="0"/>
-              <a:t>design</a:t>
+              <a:t>4. Site design</a:t>
             </a:r>
             <a:endParaRPr lang="en-US" dirty="0"/>
           </a:p>
@@ -8601,15 +8601,7 @@
             <a:pPr lvl="0"/>
             <a:r>
               <a:rPr lang="en-US" dirty="0" smtClean="0"/>
-              <a:t>5</a:t>
-            </a:r>
-            <a:r>
-              <a:rPr lang="en-US" dirty="0" smtClean="0"/>
-              <a:t>. </a:t>
-            </a:r>
-            <a:r>
-              <a:rPr lang="en-US" dirty="0" smtClean="0"/>
-              <a:t>Testing</a:t>
+              <a:t>5. Testing</a:t>
             </a:r>
             <a:endParaRPr lang="en-US" dirty="0"/>
           </a:p>
@@ -8627,10 +8619,40 @@
         </p:nvSpPr>
         <p:spPr/>
         <p:txBody>
-          <a:bodyPr/>
-          <a:lstStyle/>
-          <a:p>
-            <a:endParaRPr lang="en-US" dirty="0"/>
+          <a:bodyPr>
+            <a:normAutofit/>
+          </a:bodyPr>
+          <a:lstStyle/>
+          <a:p>
+            <a:pPr>
+              <a:buFont typeface="Wingdings" charset="2"/>
+              <a:buChar char="Ø"/>
+            </a:pPr>
+            <a:r>
+              <a:rPr lang="en-US" sz="2800" dirty="0" smtClean="0"/>
+              <a:t>Test logs</a:t>
+            </a:r>
+          </a:p>
+          <a:p>
+            <a:pPr>
+              <a:buFont typeface="Wingdings" charset="2"/>
+              <a:buChar char="Ø"/>
+            </a:pPr>
+            <a:r>
+              <a:rPr lang="en-US" sz="2800" dirty="0" smtClean="0"/>
+              <a:t>Test plan</a:t>
+            </a:r>
+          </a:p>
+          <a:p>
+            <a:pPr>
+              <a:buFont typeface="Wingdings" charset="2"/>
+              <a:buChar char="Ø"/>
+            </a:pPr>
+            <a:r>
+              <a:rPr lang="en-US" sz="2800" dirty="0" smtClean="0"/>
+              <a:t>Unit tests</a:t>
+            </a:r>
+            <a:endParaRPr lang="en-US" sz="2800" dirty="0"/>
           </a:p>
         </p:txBody>
       </p:sp>
@@ -8689,109 +8711,51 @@
             <a:pPr lvl="0"/>
             <a:r>
               <a:rPr lang="en-US" dirty="0" smtClean="0"/>
-              <a:t>6. Agile </a:t>
-            </a:r>
-            <a:r>
-              <a:rPr lang="en-US" dirty="0" smtClean="0"/>
-              <a:t>methodology</a:t>
+              <a:t>Test-log</a:t>
             </a:r>
             <a:endParaRPr lang="en-US" dirty="0"/>
           </a:p>
         </p:txBody>
       </p:sp>
-      <p:sp>
-        <p:nvSpPr>
-          <p:cNvPr id="3" name="Content Placeholder 2"/>
-          <p:cNvSpPr>
-            <a:spLocks noGrp="1"/>
-          </p:cNvSpPr>
+      <p:pic>
+        <p:nvPicPr>
+          <p:cNvPr id="4" name="Content Placeholder 3"/>
+          <p:cNvPicPr>
+            <a:picLocks noGrp="1" noChangeAspect="1"/>
+          </p:cNvPicPr>
           <p:nvPr>
             <p:ph idx="1"/>
           </p:nvPr>
-        </p:nvSpPr>
-        <p:spPr/>
-        <p:txBody>
-          <a:bodyPr/>
-          <a:lstStyle/>
-          <a:p>
-            <a:pPr>
-              <a:buFont typeface="Wingdings" panose="05000000000000000000" pitchFamily="2" charset="2"/>
-              <a:buChar char="Ø"/>
-            </a:pPr>
-            <a:r>
-              <a:rPr lang="en-US" dirty="0"/>
-              <a:t>Product backlog</a:t>
-            </a:r>
-          </a:p>
-          <a:p>
-            <a:pPr>
-              <a:buFont typeface="Wingdings" panose="05000000000000000000" pitchFamily="2" charset="2"/>
-              <a:buChar char="Ø"/>
-            </a:pPr>
-            <a:endParaRPr lang="en-US" dirty="0"/>
-          </a:p>
-          <a:p>
-            <a:pPr>
-              <a:buFont typeface="Wingdings" panose="05000000000000000000" pitchFamily="2" charset="2"/>
-              <a:buChar char="Ø"/>
-            </a:pPr>
-            <a:r>
-              <a:rPr lang="en-US" dirty="0" smtClean="0"/>
-              <a:t>Sprint </a:t>
-            </a:r>
-            <a:r>
-              <a:rPr lang="en-US" dirty="0"/>
-              <a:t>(backlog, </a:t>
-            </a:r>
-            <a:r>
-              <a:rPr lang="en-US" dirty="0" err="1"/>
-              <a:t>burndown</a:t>
-            </a:r>
-            <a:r>
-              <a:rPr lang="en-US" dirty="0"/>
-              <a:t> chart)</a:t>
-            </a:r>
-          </a:p>
-          <a:p>
-            <a:pPr>
-              <a:buFont typeface="Wingdings" panose="05000000000000000000" pitchFamily="2" charset="2"/>
-              <a:buChar char="Ø"/>
-            </a:pPr>
-            <a:endParaRPr lang="en-US" dirty="0"/>
-          </a:p>
-          <a:p>
-            <a:pPr>
-              <a:buFont typeface="Wingdings" panose="05000000000000000000" pitchFamily="2" charset="2"/>
-              <a:buChar char="Ø"/>
-            </a:pPr>
-            <a:r>
-              <a:rPr lang="en-US" dirty="0" smtClean="0"/>
-              <a:t>Summary </a:t>
-            </a:r>
-            <a:r>
-              <a:rPr lang="en-US" dirty="0"/>
-              <a:t>of meeting minutes</a:t>
-            </a:r>
-          </a:p>
-        </p:txBody>
-      </p:sp>
+        </p:nvPicPr>
+        <p:blipFill>
+          <a:blip r:embed="rId2">
+            <a:extLst>
+              <a:ext uri="{28A0092B-C50C-407E-A947-70E740481C1C}">
+                <a14:useLocalDpi xmlns:a14="http://schemas.microsoft.com/office/drawing/2010/main" val="0"/>
+              </a:ext>
+            </a:extLst>
+          </a:blip>
+          <a:stretch>
+            <a:fillRect/>
+          </a:stretch>
+        </p:blipFill>
+        <p:spPr>
+          <a:xfrm>
+            <a:off x="1096963" y="2086558"/>
+            <a:ext cx="10058400" cy="3542134"/>
+          </a:xfrm>
+        </p:spPr>
+      </p:pic>
     </p:spTree>
     <p:extLst>
       <p:ext uri="{BB962C8B-B14F-4D97-AF65-F5344CB8AC3E}">
-        <p14:creationId xmlns:p14="http://schemas.microsoft.com/office/powerpoint/2010/main" val="1570770156"/>
+        <p14:creationId xmlns:p14="http://schemas.microsoft.com/office/powerpoint/2010/main" val="513437006"/>
       </p:ext>
     </p:extLst>
   </p:cSld>
   <p:clrMapOvr>
     <a:masterClrMapping/>
   </p:clrMapOvr>
-  <p:timing>
-    <p:tnLst>
-      <p:par>
-        <p:cTn id="1" dur="indefinite" restart="never" nodeType="tmRoot"/>
-      </p:par>
-    </p:tnLst>
-  </p:timing>
 </p:sld>
 </file>
 
@@ -8828,8 +8792,8 @@
           <a:lstStyle/>
           <a:p>
             <a:r>
-              <a:rPr lang="en-US" dirty="0" smtClean="0"/>
-              <a:t>Product Backlog</a:t>
+              <a:rPr lang="en-US" dirty="0"/>
+              <a:t>Test-log (cont.)</a:t>
             </a:r>
             <a:endParaRPr lang="en-US" dirty="0"/>
           </a:p>
@@ -8846,7 +8810,7 @@
           </p:nvPr>
         </p:nvPicPr>
         <p:blipFill>
-          <a:blip r:embed="rId3">
+          <a:blip r:embed="rId2">
             <a:extLst>
               <a:ext uri="{28A0092B-C50C-407E-A947-70E740481C1C}">
                 <a14:useLocalDpi xmlns:a14="http://schemas.microsoft.com/office/drawing/2010/main" val="0"/>
@@ -8859,28 +8823,21 @@
         </p:blipFill>
         <p:spPr>
           <a:xfrm>
-            <a:off x="1097280" y="1922466"/>
-            <a:ext cx="10058400" cy="3355968"/>
+            <a:off x="1096963" y="2093063"/>
+            <a:ext cx="10058400" cy="3529124"/>
           </a:xfrm>
         </p:spPr>
       </p:pic>
     </p:spTree>
     <p:extLst>
       <p:ext uri="{BB962C8B-B14F-4D97-AF65-F5344CB8AC3E}">
-        <p14:creationId xmlns:p14="http://schemas.microsoft.com/office/powerpoint/2010/main" val="3298940"/>
+        <p14:creationId xmlns:p14="http://schemas.microsoft.com/office/powerpoint/2010/main" val="746466196"/>
       </p:ext>
     </p:extLst>
   </p:cSld>
   <p:clrMapOvr>
     <a:masterClrMapping/>
   </p:clrMapOvr>
-  <p:timing>
-    <p:tnLst>
-      <p:par>
-        <p:cTn id="1" dur="indefinite" restart="never" nodeType="tmRoot"/>
-      </p:par>
-    </p:tnLst>
-  </p:timing>
 </p:sld>
 </file>
 
@@ -8918,20 +8875,9 @@
           <a:p>
             <a:r>
               <a:rPr lang="en-US" dirty="0"/>
-              <a:t>Product </a:t>
-            </a:r>
-            <a:r>
-              <a:rPr lang="en-US" dirty="0" smtClean="0"/>
-              <a:t>Backlog (</a:t>
-            </a:r>
-            <a:r>
-              <a:rPr lang="en-US" dirty="0" err="1" smtClean="0"/>
-              <a:t>cont</a:t>
-            </a:r>
-            <a:r>
-              <a:rPr lang="en-US" dirty="0"/>
-              <a:t>)</a:t>
-            </a:r>
+              <a:t>Test-log (cont.)</a:t>
+            </a:r>
+            <a:endParaRPr lang="en-US" dirty="0"/>
           </a:p>
         </p:txBody>
       </p:sp>
@@ -8959,88 +8905,21 @@
         </p:blipFill>
         <p:spPr>
           <a:xfrm>
-            <a:off x="1249726" y="2057903"/>
-            <a:ext cx="5363323" cy="990738"/>
+            <a:off x="1096963" y="2253840"/>
+            <a:ext cx="10058400" cy="3207570"/>
           </a:xfrm>
-        </p:spPr>
-      </p:pic>
-      <p:pic>
-        <p:nvPicPr>
-          <p:cNvPr id="5" name="Picture 4"/>
-          <p:cNvPicPr>
-            <a:picLocks noChangeAspect="1"/>
-          </p:cNvPicPr>
-          <p:nvPr/>
-        </p:nvPicPr>
-        <p:blipFill>
-          <a:blip r:embed="rId3">
-            <a:extLst>
-              <a:ext uri="{28A0092B-C50C-407E-A947-70E740481C1C}">
-                <a14:useLocalDpi xmlns:a14="http://schemas.microsoft.com/office/drawing/2010/main" val="0"/>
-              </a:ext>
-            </a:extLst>
-          </a:blip>
-          <a:stretch>
-            <a:fillRect/>
-          </a:stretch>
-        </p:blipFill>
-        <p:spPr>
-          <a:xfrm>
-            <a:off x="1249726" y="4017698"/>
-            <a:ext cx="5896798" cy="647790"/>
-          </a:xfrm>
-          <a:prstGeom prst="rect">
-            <a:avLst/>
-          </a:prstGeom>
-        </p:spPr>
-      </p:pic>
-      <p:pic>
-        <p:nvPicPr>
-          <p:cNvPr id="6" name="Picture 5"/>
-          <p:cNvPicPr>
-            <a:picLocks noChangeAspect="1"/>
-          </p:cNvPicPr>
-          <p:nvPr/>
-        </p:nvPicPr>
-        <p:blipFill>
-          <a:blip r:embed="rId4">
-            <a:extLst>
-              <a:ext uri="{28A0092B-C50C-407E-A947-70E740481C1C}">
-                <a14:useLocalDpi xmlns:a14="http://schemas.microsoft.com/office/drawing/2010/main" val="0"/>
-              </a:ext>
-            </a:extLst>
-          </a:blip>
-          <a:stretch>
-            <a:fillRect/>
-          </a:stretch>
-        </p:blipFill>
-        <p:spPr>
-          <a:xfrm>
-            <a:off x="1249726" y="3048641"/>
-            <a:ext cx="4686954" cy="952633"/>
-          </a:xfrm>
-          <a:prstGeom prst="rect">
-            <a:avLst/>
-          </a:prstGeom>
         </p:spPr>
       </p:pic>
     </p:spTree>
     <p:extLst>
       <p:ext uri="{BB962C8B-B14F-4D97-AF65-F5344CB8AC3E}">
-        <p14:creationId xmlns:p14="http://schemas.microsoft.com/office/powerpoint/2010/main" val="581575115"/>
+        <p14:creationId xmlns:p14="http://schemas.microsoft.com/office/powerpoint/2010/main" val="257890398"/>
       </p:ext>
     </p:extLst>
   </p:cSld>
   <p:clrMapOvr>
     <a:masterClrMapping/>
   </p:clrMapOvr>
-  <p:timing>
-    <p:tnLst>
-      <p:par>
-        <p:cTn id="1" dur="indefinite" restart="never" nodeType="tmRoot"/>
-      </p:par>
-    </p:tnLst>
-  </p:timing>
 </p:sld>
 </file>
 
@@ -9240,6 +9119,862 @@
           <a:lstStyle/>
           <a:p>
             <a:r>
+              <a:rPr lang="en-US" dirty="0"/>
+              <a:t>Test-log (cont.)</a:t>
+            </a:r>
+            <a:endParaRPr lang="en-US" dirty="0"/>
+          </a:p>
+        </p:txBody>
+      </p:sp>
+      <p:pic>
+        <p:nvPicPr>
+          <p:cNvPr id="4" name="Content Placeholder 3"/>
+          <p:cNvPicPr>
+            <a:picLocks noGrp="1" noChangeAspect="1"/>
+          </p:cNvPicPr>
+          <p:nvPr>
+            <p:ph idx="1"/>
+          </p:nvPr>
+        </p:nvPicPr>
+        <p:blipFill>
+          <a:blip r:embed="rId2">
+            <a:extLst>
+              <a:ext uri="{28A0092B-C50C-407E-A947-70E740481C1C}">
+                <a14:useLocalDpi xmlns:a14="http://schemas.microsoft.com/office/drawing/2010/main" val="0"/>
+              </a:ext>
+            </a:extLst>
+          </a:blip>
+          <a:stretch>
+            <a:fillRect/>
+          </a:stretch>
+        </p:blipFill>
+        <p:spPr>
+          <a:xfrm>
+            <a:off x="1096963" y="2185161"/>
+            <a:ext cx="10058400" cy="3344929"/>
+          </a:xfrm>
+        </p:spPr>
+      </p:pic>
+    </p:spTree>
+    <p:extLst>
+      <p:ext uri="{BB962C8B-B14F-4D97-AF65-F5344CB8AC3E}">
+        <p14:creationId xmlns:p14="http://schemas.microsoft.com/office/powerpoint/2010/main" val="741919540"/>
+      </p:ext>
+    </p:extLst>
+  </p:cSld>
+  <p:clrMapOvr>
+    <a:masterClrMapping/>
+  </p:clrMapOvr>
+</p:sld>
+</file>
+
+<file path=ppt/slides/slide31.xml><?xml version="1.0" encoding="utf-8"?>
+<p:sld xmlns:a="http://schemas.openxmlformats.org/drawingml/2006/main" xmlns:r="http://schemas.openxmlformats.org/officeDocument/2006/relationships" xmlns:p="http://schemas.openxmlformats.org/presentationml/2006/main">
+  <p:cSld>
+    <p:spTree>
+      <p:nvGrpSpPr>
+        <p:cNvPr id="1" name=""/>
+        <p:cNvGrpSpPr/>
+        <p:nvPr/>
+      </p:nvGrpSpPr>
+      <p:grpSpPr>
+        <a:xfrm>
+          <a:off x="0" y="0"/>
+          <a:ext cx="0" cy="0"/>
+          <a:chOff x="0" y="0"/>
+          <a:chExt cx="0" cy="0"/>
+        </a:xfrm>
+      </p:grpSpPr>
+      <p:sp>
+        <p:nvSpPr>
+          <p:cNvPr id="2" name="Title 1"/>
+          <p:cNvSpPr>
+            <a:spLocks noGrp="1"/>
+          </p:cNvSpPr>
+          <p:nvPr>
+            <p:ph type="title"/>
+          </p:nvPr>
+        </p:nvSpPr>
+        <p:spPr/>
+        <p:txBody>
+          <a:bodyPr/>
+          <a:lstStyle/>
+          <a:p>
+            <a:r>
+              <a:rPr lang="en-US" dirty="0" smtClean="0"/>
+              <a:t>Test-plan</a:t>
+            </a:r>
+            <a:endParaRPr lang="en-US" dirty="0"/>
+          </a:p>
+        </p:txBody>
+      </p:sp>
+      <p:pic>
+        <p:nvPicPr>
+          <p:cNvPr id="4" name="Content Placeholder 3"/>
+          <p:cNvPicPr>
+            <a:picLocks noGrp="1" noChangeAspect="1"/>
+          </p:cNvPicPr>
+          <p:nvPr>
+            <p:ph idx="1"/>
+          </p:nvPr>
+        </p:nvPicPr>
+        <p:blipFill>
+          <a:blip r:embed="rId2">
+            <a:extLst>
+              <a:ext uri="{28A0092B-C50C-407E-A947-70E740481C1C}">
+                <a14:useLocalDpi xmlns:a14="http://schemas.microsoft.com/office/drawing/2010/main" val="0"/>
+              </a:ext>
+            </a:extLst>
+          </a:blip>
+          <a:stretch>
+            <a:fillRect/>
+          </a:stretch>
+        </p:blipFill>
+        <p:spPr>
+          <a:xfrm>
+            <a:off x="2381605" y="1846263"/>
+            <a:ext cx="7489115" cy="4022725"/>
+          </a:xfrm>
+        </p:spPr>
+      </p:pic>
+    </p:spTree>
+    <p:extLst>
+      <p:ext uri="{BB962C8B-B14F-4D97-AF65-F5344CB8AC3E}">
+        <p14:creationId xmlns:p14="http://schemas.microsoft.com/office/powerpoint/2010/main" val="583676075"/>
+      </p:ext>
+    </p:extLst>
+  </p:cSld>
+  <p:clrMapOvr>
+    <a:masterClrMapping/>
+  </p:clrMapOvr>
+</p:sld>
+</file>
+
+<file path=ppt/slides/slide32.xml><?xml version="1.0" encoding="utf-8"?>
+<p:sld xmlns:a="http://schemas.openxmlformats.org/drawingml/2006/main" xmlns:r="http://schemas.openxmlformats.org/officeDocument/2006/relationships" xmlns:p="http://schemas.openxmlformats.org/presentationml/2006/main">
+  <p:cSld>
+    <p:spTree>
+      <p:nvGrpSpPr>
+        <p:cNvPr id="1" name=""/>
+        <p:cNvGrpSpPr/>
+        <p:nvPr/>
+      </p:nvGrpSpPr>
+      <p:grpSpPr>
+        <a:xfrm>
+          <a:off x="0" y="0"/>
+          <a:ext cx="0" cy="0"/>
+          <a:chOff x="0" y="0"/>
+          <a:chExt cx="0" cy="0"/>
+        </a:xfrm>
+      </p:grpSpPr>
+      <p:sp>
+        <p:nvSpPr>
+          <p:cNvPr id="2" name="Title 1"/>
+          <p:cNvSpPr>
+            <a:spLocks noGrp="1"/>
+          </p:cNvSpPr>
+          <p:nvPr>
+            <p:ph type="title"/>
+          </p:nvPr>
+        </p:nvSpPr>
+        <p:spPr/>
+        <p:txBody>
+          <a:bodyPr/>
+          <a:lstStyle/>
+          <a:p>
+            <a:r>
+              <a:rPr lang="en-US" dirty="0" smtClean="0"/>
+              <a:t>Test-plan (cont.)</a:t>
+            </a:r>
+            <a:endParaRPr lang="en-US" dirty="0"/>
+          </a:p>
+        </p:txBody>
+      </p:sp>
+      <p:pic>
+        <p:nvPicPr>
+          <p:cNvPr id="4" name="Content Placeholder 3"/>
+          <p:cNvPicPr>
+            <a:picLocks noGrp="1" noChangeAspect="1"/>
+          </p:cNvPicPr>
+          <p:nvPr>
+            <p:ph idx="1"/>
+          </p:nvPr>
+        </p:nvPicPr>
+        <p:blipFill>
+          <a:blip r:embed="rId2">
+            <a:extLst>
+              <a:ext uri="{28A0092B-C50C-407E-A947-70E740481C1C}">
+                <a14:useLocalDpi xmlns:a14="http://schemas.microsoft.com/office/drawing/2010/main" val="0"/>
+              </a:ext>
+            </a:extLst>
+          </a:blip>
+          <a:stretch>
+            <a:fillRect/>
+          </a:stretch>
+        </p:blipFill>
+        <p:spPr>
+          <a:xfrm>
+            <a:off x="2711524" y="1846263"/>
+            <a:ext cx="6829277" cy="4022725"/>
+          </a:xfrm>
+        </p:spPr>
+      </p:pic>
+    </p:spTree>
+    <p:extLst>
+      <p:ext uri="{BB962C8B-B14F-4D97-AF65-F5344CB8AC3E}">
+        <p14:creationId xmlns:p14="http://schemas.microsoft.com/office/powerpoint/2010/main" val="138493029"/>
+      </p:ext>
+    </p:extLst>
+  </p:cSld>
+  <p:clrMapOvr>
+    <a:masterClrMapping/>
+  </p:clrMapOvr>
+</p:sld>
+</file>
+
+<file path=ppt/slides/slide33.xml><?xml version="1.0" encoding="utf-8"?>
+<p:sld xmlns:a="http://schemas.openxmlformats.org/drawingml/2006/main" xmlns:r="http://schemas.openxmlformats.org/officeDocument/2006/relationships" xmlns:p="http://schemas.openxmlformats.org/presentationml/2006/main">
+  <p:cSld>
+    <p:spTree>
+      <p:nvGrpSpPr>
+        <p:cNvPr id="1" name=""/>
+        <p:cNvGrpSpPr/>
+        <p:nvPr/>
+      </p:nvGrpSpPr>
+      <p:grpSpPr>
+        <a:xfrm>
+          <a:off x="0" y="0"/>
+          <a:ext cx="0" cy="0"/>
+          <a:chOff x="0" y="0"/>
+          <a:chExt cx="0" cy="0"/>
+        </a:xfrm>
+      </p:grpSpPr>
+      <p:sp>
+        <p:nvSpPr>
+          <p:cNvPr id="2" name="Title 1"/>
+          <p:cNvSpPr>
+            <a:spLocks noGrp="1"/>
+          </p:cNvSpPr>
+          <p:nvPr>
+            <p:ph type="title"/>
+          </p:nvPr>
+        </p:nvSpPr>
+        <p:spPr/>
+        <p:txBody>
+          <a:bodyPr/>
+          <a:lstStyle/>
+          <a:p>
+            <a:r>
+              <a:rPr lang="en-US" dirty="0"/>
+              <a:t>Test-plan (cont.)</a:t>
+            </a:r>
+            <a:endParaRPr lang="en-US" dirty="0"/>
+          </a:p>
+        </p:txBody>
+      </p:sp>
+      <p:pic>
+        <p:nvPicPr>
+          <p:cNvPr id="5" name="Content Placeholder 4"/>
+          <p:cNvPicPr>
+            <a:picLocks noGrp="1" noChangeAspect="1"/>
+          </p:cNvPicPr>
+          <p:nvPr>
+            <p:ph idx="1"/>
+          </p:nvPr>
+        </p:nvPicPr>
+        <p:blipFill>
+          <a:blip r:embed="rId2">
+            <a:extLst>
+              <a:ext uri="{28A0092B-C50C-407E-A947-70E740481C1C}">
+                <a14:useLocalDpi xmlns:a14="http://schemas.microsoft.com/office/drawing/2010/main" val="0"/>
+              </a:ext>
+            </a:extLst>
+          </a:blip>
+          <a:stretch>
+            <a:fillRect/>
+          </a:stretch>
+        </p:blipFill>
+        <p:spPr>
+          <a:xfrm>
+            <a:off x="1948867" y="2862124"/>
+            <a:ext cx="8354591" cy="1991003"/>
+          </a:xfrm>
+        </p:spPr>
+      </p:pic>
+    </p:spTree>
+    <p:extLst>
+      <p:ext uri="{BB962C8B-B14F-4D97-AF65-F5344CB8AC3E}">
+        <p14:creationId xmlns:p14="http://schemas.microsoft.com/office/powerpoint/2010/main" val="1927548702"/>
+      </p:ext>
+    </p:extLst>
+  </p:cSld>
+  <p:clrMapOvr>
+    <a:masterClrMapping/>
+  </p:clrMapOvr>
+</p:sld>
+</file>
+
+<file path=ppt/slides/slide34.xml><?xml version="1.0" encoding="utf-8"?>
+<p:sld xmlns:a="http://schemas.openxmlformats.org/drawingml/2006/main" xmlns:r="http://schemas.openxmlformats.org/officeDocument/2006/relationships" xmlns:p="http://schemas.openxmlformats.org/presentationml/2006/main">
+  <p:cSld>
+    <p:spTree>
+      <p:nvGrpSpPr>
+        <p:cNvPr id="1" name=""/>
+        <p:cNvGrpSpPr/>
+        <p:nvPr/>
+      </p:nvGrpSpPr>
+      <p:grpSpPr>
+        <a:xfrm>
+          <a:off x="0" y="0"/>
+          <a:ext cx="0" cy="0"/>
+          <a:chOff x="0" y="0"/>
+          <a:chExt cx="0" cy="0"/>
+        </a:xfrm>
+      </p:grpSpPr>
+      <p:sp>
+        <p:nvSpPr>
+          <p:cNvPr id="2" name="Title 1"/>
+          <p:cNvSpPr>
+            <a:spLocks noGrp="1"/>
+          </p:cNvSpPr>
+          <p:nvPr>
+            <p:ph type="title"/>
+          </p:nvPr>
+        </p:nvSpPr>
+        <p:spPr/>
+        <p:txBody>
+          <a:bodyPr/>
+          <a:lstStyle/>
+          <a:p>
+            <a:r>
+              <a:rPr lang="en-US" dirty="0" smtClean="0"/>
+              <a:t>Unit tests</a:t>
+            </a:r>
+            <a:endParaRPr lang="en-US" dirty="0"/>
+          </a:p>
+        </p:txBody>
+      </p:sp>
+      <p:pic>
+        <p:nvPicPr>
+          <p:cNvPr id="6" name="Content Placeholder 5"/>
+          <p:cNvPicPr>
+            <a:picLocks noGrp="1" noChangeAspect="1"/>
+          </p:cNvPicPr>
+          <p:nvPr>
+            <p:ph idx="1"/>
+          </p:nvPr>
+        </p:nvPicPr>
+        <p:blipFill>
+          <a:blip r:embed="rId2">
+            <a:extLst>
+              <a:ext uri="{28A0092B-C50C-407E-A947-70E740481C1C}">
+                <a14:useLocalDpi xmlns:a14="http://schemas.microsoft.com/office/drawing/2010/main" val="0"/>
+              </a:ext>
+            </a:extLst>
+          </a:blip>
+          <a:stretch>
+            <a:fillRect/>
+          </a:stretch>
+        </p:blipFill>
+        <p:spPr>
+          <a:xfrm>
+            <a:off x="1097280" y="1737360"/>
+            <a:ext cx="10058400" cy="1309317"/>
+          </a:xfrm>
+        </p:spPr>
+      </p:pic>
+      <p:pic>
+        <p:nvPicPr>
+          <p:cNvPr id="7" name="Picture 6"/>
+          <p:cNvPicPr>
+            <a:picLocks noChangeAspect="1"/>
+          </p:cNvPicPr>
+          <p:nvPr/>
+        </p:nvPicPr>
+        <p:blipFill>
+          <a:blip r:embed="rId3">
+            <a:extLst>
+              <a:ext uri="{28A0092B-C50C-407E-A947-70E740481C1C}">
+                <a14:useLocalDpi xmlns:a14="http://schemas.microsoft.com/office/drawing/2010/main" val="0"/>
+              </a:ext>
+            </a:extLst>
+          </a:blip>
+          <a:stretch>
+            <a:fillRect/>
+          </a:stretch>
+        </p:blipFill>
+        <p:spPr>
+          <a:xfrm>
+            <a:off x="1097280" y="3198218"/>
+            <a:ext cx="3924300" cy="2806700"/>
+          </a:xfrm>
+          <a:prstGeom prst="rect">
+            <a:avLst/>
+          </a:prstGeom>
+        </p:spPr>
+      </p:pic>
+      <p:pic>
+        <p:nvPicPr>
+          <p:cNvPr id="8" name="Picture 7"/>
+          <p:cNvPicPr>
+            <a:picLocks noChangeAspect="1"/>
+          </p:cNvPicPr>
+          <p:nvPr/>
+        </p:nvPicPr>
+        <p:blipFill>
+          <a:blip r:embed="rId4">
+            <a:extLst>
+              <a:ext uri="{28A0092B-C50C-407E-A947-70E740481C1C}">
+                <a14:useLocalDpi xmlns:a14="http://schemas.microsoft.com/office/drawing/2010/main" val="0"/>
+              </a:ext>
+            </a:extLst>
+          </a:blip>
+          <a:stretch>
+            <a:fillRect/>
+          </a:stretch>
+        </p:blipFill>
+        <p:spPr>
+          <a:xfrm>
+            <a:off x="7244080" y="3198218"/>
+            <a:ext cx="3911600" cy="2806700"/>
+          </a:xfrm>
+          <a:prstGeom prst="rect">
+            <a:avLst/>
+          </a:prstGeom>
+        </p:spPr>
+      </p:pic>
+    </p:spTree>
+    <p:extLst>
+      <p:ext uri="{BB962C8B-B14F-4D97-AF65-F5344CB8AC3E}">
+        <p14:creationId xmlns:p14="http://schemas.microsoft.com/office/powerpoint/2010/main" val="1566694215"/>
+      </p:ext>
+    </p:extLst>
+  </p:cSld>
+  <p:clrMapOvr>
+    <a:masterClrMapping/>
+  </p:clrMapOvr>
+</p:sld>
+</file>
+
+<file path=ppt/slides/slide35.xml><?xml version="1.0" encoding="utf-8"?>
+<p:sld xmlns:a="http://schemas.openxmlformats.org/drawingml/2006/main" xmlns:r="http://schemas.openxmlformats.org/officeDocument/2006/relationships" xmlns:p="http://schemas.openxmlformats.org/presentationml/2006/main">
+  <p:cSld>
+    <p:spTree>
+      <p:nvGrpSpPr>
+        <p:cNvPr id="1" name=""/>
+        <p:cNvGrpSpPr/>
+        <p:nvPr/>
+      </p:nvGrpSpPr>
+      <p:grpSpPr>
+        <a:xfrm>
+          <a:off x="0" y="0"/>
+          <a:ext cx="0" cy="0"/>
+          <a:chOff x="0" y="0"/>
+          <a:chExt cx="0" cy="0"/>
+        </a:xfrm>
+      </p:grpSpPr>
+      <p:sp>
+        <p:nvSpPr>
+          <p:cNvPr id="2" name="Title 1"/>
+          <p:cNvSpPr>
+            <a:spLocks noGrp="1"/>
+          </p:cNvSpPr>
+          <p:nvPr>
+            <p:ph type="title"/>
+          </p:nvPr>
+        </p:nvSpPr>
+        <p:spPr/>
+        <p:txBody>
+          <a:bodyPr/>
+          <a:lstStyle/>
+          <a:p>
+            <a:pPr lvl="0"/>
+            <a:r>
+              <a:rPr lang="en-US" dirty="0" smtClean="0"/>
+              <a:t>6. Agile methodology</a:t>
+            </a:r>
+            <a:endParaRPr lang="en-US" dirty="0"/>
+          </a:p>
+        </p:txBody>
+      </p:sp>
+      <p:sp>
+        <p:nvSpPr>
+          <p:cNvPr id="3" name="Content Placeholder 2"/>
+          <p:cNvSpPr>
+            <a:spLocks noGrp="1"/>
+          </p:cNvSpPr>
+          <p:nvPr>
+            <p:ph idx="1"/>
+          </p:nvPr>
+        </p:nvSpPr>
+        <p:spPr/>
+        <p:txBody>
+          <a:bodyPr/>
+          <a:lstStyle/>
+          <a:p>
+            <a:pPr>
+              <a:buFont typeface="Wingdings" panose="05000000000000000000" pitchFamily="2" charset="2"/>
+              <a:buChar char="Ø"/>
+            </a:pPr>
+            <a:r>
+              <a:rPr lang="en-US" dirty="0"/>
+              <a:t>Product backlog</a:t>
+            </a:r>
+          </a:p>
+          <a:p>
+            <a:pPr>
+              <a:buFont typeface="Wingdings" panose="05000000000000000000" pitchFamily="2" charset="2"/>
+              <a:buChar char="Ø"/>
+            </a:pPr>
+            <a:endParaRPr lang="en-US" dirty="0"/>
+          </a:p>
+          <a:p>
+            <a:pPr>
+              <a:buFont typeface="Wingdings" panose="05000000000000000000" pitchFamily="2" charset="2"/>
+              <a:buChar char="Ø"/>
+            </a:pPr>
+            <a:r>
+              <a:rPr lang="en-US" dirty="0" smtClean="0"/>
+              <a:t>Sprint </a:t>
+            </a:r>
+            <a:r>
+              <a:rPr lang="en-US" dirty="0"/>
+              <a:t>(backlog, </a:t>
+            </a:r>
+            <a:r>
+              <a:rPr lang="en-US" dirty="0" err="1"/>
+              <a:t>burndown</a:t>
+            </a:r>
+            <a:r>
+              <a:rPr lang="en-US" dirty="0"/>
+              <a:t> chart)</a:t>
+            </a:r>
+          </a:p>
+          <a:p>
+            <a:pPr>
+              <a:buFont typeface="Wingdings" panose="05000000000000000000" pitchFamily="2" charset="2"/>
+              <a:buChar char="Ø"/>
+            </a:pPr>
+            <a:endParaRPr lang="en-US" dirty="0"/>
+          </a:p>
+          <a:p>
+            <a:pPr>
+              <a:buFont typeface="Wingdings" panose="05000000000000000000" pitchFamily="2" charset="2"/>
+              <a:buChar char="Ø"/>
+            </a:pPr>
+            <a:r>
+              <a:rPr lang="en-US" dirty="0" smtClean="0"/>
+              <a:t>Summary </a:t>
+            </a:r>
+            <a:r>
+              <a:rPr lang="en-US" dirty="0"/>
+              <a:t>of meeting minutes</a:t>
+            </a:r>
+          </a:p>
+        </p:txBody>
+      </p:sp>
+    </p:spTree>
+    <p:extLst>
+      <p:ext uri="{BB962C8B-B14F-4D97-AF65-F5344CB8AC3E}">
+        <p14:creationId xmlns:p14="http://schemas.microsoft.com/office/powerpoint/2010/main" val="1570770156"/>
+      </p:ext>
+    </p:extLst>
+  </p:cSld>
+  <p:clrMapOvr>
+    <a:masterClrMapping/>
+  </p:clrMapOvr>
+  <p:timing>
+    <p:tnLst>
+      <p:par>
+        <p:cTn id="1" dur="indefinite" restart="never" nodeType="tmRoot"/>
+      </p:par>
+    </p:tnLst>
+  </p:timing>
+</p:sld>
+</file>
+
+<file path=ppt/slides/slide36.xml><?xml version="1.0" encoding="utf-8"?>
+<p:sld xmlns:a="http://schemas.openxmlformats.org/drawingml/2006/main" xmlns:r="http://schemas.openxmlformats.org/officeDocument/2006/relationships" xmlns:p="http://schemas.openxmlformats.org/presentationml/2006/main">
+  <p:cSld>
+    <p:spTree>
+      <p:nvGrpSpPr>
+        <p:cNvPr id="1" name=""/>
+        <p:cNvGrpSpPr/>
+        <p:nvPr/>
+      </p:nvGrpSpPr>
+      <p:grpSpPr>
+        <a:xfrm>
+          <a:off x="0" y="0"/>
+          <a:ext cx="0" cy="0"/>
+          <a:chOff x="0" y="0"/>
+          <a:chExt cx="0" cy="0"/>
+        </a:xfrm>
+      </p:grpSpPr>
+      <p:sp>
+        <p:nvSpPr>
+          <p:cNvPr id="2" name="Title 1"/>
+          <p:cNvSpPr>
+            <a:spLocks noGrp="1"/>
+          </p:cNvSpPr>
+          <p:nvPr>
+            <p:ph type="title"/>
+          </p:nvPr>
+        </p:nvSpPr>
+        <p:spPr/>
+        <p:txBody>
+          <a:bodyPr/>
+          <a:lstStyle/>
+          <a:p>
+            <a:r>
+              <a:rPr lang="en-US" dirty="0" smtClean="0"/>
+              <a:t>Product Backlog</a:t>
+            </a:r>
+            <a:endParaRPr lang="en-US" dirty="0"/>
+          </a:p>
+        </p:txBody>
+      </p:sp>
+      <p:pic>
+        <p:nvPicPr>
+          <p:cNvPr id="4" name="Content Placeholder 3"/>
+          <p:cNvPicPr>
+            <a:picLocks noGrp="1" noChangeAspect="1"/>
+          </p:cNvPicPr>
+          <p:nvPr>
+            <p:ph idx="1"/>
+          </p:nvPr>
+        </p:nvPicPr>
+        <p:blipFill>
+          <a:blip r:embed="rId3">
+            <a:extLst>
+              <a:ext uri="{28A0092B-C50C-407E-A947-70E740481C1C}">
+                <a14:useLocalDpi xmlns:a14="http://schemas.microsoft.com/office/drawing/2010/main" val="0"/>
+              </a:ext>
+            </a:extLst>
+          </a:blip>
+          <a:stretch>
+            <a:fillRect/>
+          </a:stretch>
+        </p:blipFill>
+        <p:spPr>
+          <a:xfrm>
+            <a:off x="1097280" y="1922466"/>
+            <a:ext cx="10058400" cy="3355968"/>
+          </a:xfrm>
+        </p:spPr>
+      </p:pic>
+    </p:spTree>
+    <p:extLst>
+      <p:ext uri="{BB962C8B-B14F-4D97-AF65-F5344CB8AC3E}">
+        <p14:creationId xmlns:p14="http://schemas.microsoft.com/office/powerpoint/2010/main" val="3298940"/>
+      </p:ext>
+    </p:extLst>
+  </p:cSld>
+  <p:clrMapOvr>
+    <a:masterClrMapping/>
+  </p:clrMapOvr>
+  <p:timing>
+    <p:tnLst>
+      <p:par>
+        <p:cTn id="1" dur="indefinite" restart="never" nodeType="tmRoot"/>
+      </p:par>
+    </p:tnLst>
+  </p:timing>
+</p:sld>
+</file>
+
+<file path=ppt/slides/slide37.xml><?xml version="1.0" encoding="utf-8"?>
+<p:sld xmlns:a="http://schemas.openxmlformats.org/drawingml/2006/main" xmlns:r="http://schemas.openxmlformats.org/officeDocument/2006/relationships" xmlns:p="http://schemas.openxmlformats.org/presentationml/2006/main">
+  <p:cSld>
+    <p:spTree>
+      <p:nvGrpSpPr>
+        <p:cNvPr id="1" name=""/>
+        <p:cNvGrpSpPr/>
+        <p:nvPr/>
+      </p:nvGrpSpPr>
+      <p:grpSpPr>
+        <a:xfrm>
+          <a:off x="0" y="0"/>
+          <a:ext cx="0" cy="0"/>
+          <a:chOff x="0" y="0"/>
+          <a:chExt cx="0" cy="0"/>
+        </a:xfrm>
+      </p:grpSpPr>
+      <p:sp>
+        <p:nvSpPr>
+          <p:cNvPr id="2" name="Title 1"/>
+          <p:cNvSpPr>
+            <a:spLocks noGrp="1"/>
+          </p:cNvSpPr>
+          <p:nvPr>
+            <p:ph type="title"/>
+          </p:nvPr>
+        </p:nvSpPr>
+        <p:spPr/>
+        <p:txBody>
+          <a:bodyPr/>
+          <a:lstStyle/>
+          <a:p>
+            <a:r>
+              <a:rPr lang="en-US" dirty="0"/>
+              <a:t>Product </a:t>
+            </a:r>
+            <a:r>
+              <a:rPr lang="en-US" dirty="0" smtClean="0"/>
+              <a:t>Backlog (</a:t>
+            </a:r>
+            <a:r>
+              <a:rPr lang="en-US" dirty="0" err="1" smtClean="0"/>
+              <a:t>cont</a:t>
+            </a:r>
+            <a:r>
+              <a:rPr lang="en-US" dirty="0"/>
+              <a:t>)</a:t>
+            </a:r>
+          </a:p>
+        </p:txBody>
+      </p:sp>
+      <p:pic>
+        <p:nvPicPr>
+          <p:cNvPr id="4" name="Content Placeholder 3"/>
+          <p:cNvPicPr>
+            <a:picLocks noGrp="1" noChangeAspect="1"/>
+          </p:cNvPicPr>
+          <p:nvPr>
+            <p:ph idx="1"/>
+          </p:nvPr>
+        </p:nvPicPr>
+        <p:blipFill>
+          <a:blip r:embed="rId2">
+            <a:extLst>
+              <a:ext uri="{28A0092B-C50C-407E-A947-70E740481C1C}">
+                <a14:useLocalDpi xmlns:a14="http://schemas.microsoft.com/office/drawing/2010/main" val="0"/>
+              </a:ext>
+            </a:extLst>
+          </a:blip>
+          <a:stretch>
+            <a:fillRect/>
+          </a:stretch>
+        </p:blipFill>
+        <p:spPr>
+          <a:xfrm>
+            <a:off x="1249726" y="2057903"/>
+            <a:ext cx="5363323" cy="990738"/>
+          </a:xfrm>
+        </p:spPr>
+      </p:pic>
+      <p:pic>
+        <p:nvPicPr>
+          <p:cNvPr id="5" name="Picture 4"/>
+          <p:cNvPicPr>
+            <a:picLocks noChangeAspect="1"/>
+          </p:cNvPicPr>
+          <p:nvPr/>
+        </p:nvPicPr>
+        <p:blipFill>
+          <a:blip r:embed="rId3">
+            <a:extLst>
+              <a:ext uri="{28A0092B-C50C-407E-A947-70E740481C1C}">
+                <a14:useLocalDpi xmlns:a14="http://schemas.microsoft.com/office/drawing/2010/main" val="0"/>
+              </a:ext>
+            </a:extLst>
+          </a:blip>
+          <a:stretch>
+            <a:fillRect/>
+          </a:stretch>
+        </p:blipFill>
+        <p:spPr>
+          <a:xfrm>
+            <a:off x="1249726" y="4017698"/>
+            <a:ext cx="5896798" cy="647790"/>
+          </a:xfrm>
+          <a:prstGeom prst="rect">
+            <a:avLst/>
+          </a:prstGeom>
+        </p:spPr>
+      </p:pic>
+      <p:pic>
+        <p:nvPicPr>
+          <p:cNvPr id="6" name="Picture 5"/>
+          <p:cNvPicPr>
+            <a:picLocks noChangeAspect="1"/>
+          </p:cNvPicPr>
+          <p:nvPr/>
+        </p:nvPicPr>
+        <p:blipFill>
+          <a:blip r:embed="rId4">
+            <a:extLst>
+              <a:ext uri="{28A0092B-C50C-407E-A947-70E740481C1C}">
+                <a14:useLocalDpi xmlns:a14="http://schemas.microsoft.com/office/drawing/2010/main" val="0"/>
+              </a:ext>
+            </a:extLst>
+          </a:blip>
+          <a:stretch>
+            <a:fillRect/>
+          </a:stretch>
+        </p:blipFill>
+        <p:spPr>
+          <a:xfrm>
+            <a:off x="1249726" y="3048641"/>
+            <a:ext cx="4686954" cy="952633"/>
+          </a:xfrm>
+          <a:prstGeom prst="rect">
+            <a:avLst/>
+          </a:prstGeom>
+        </p:spPr>
+      </p:pic>
+    </p:spTree>
+    <p:extLst>
+      <p:ext uri="{BB962C8B-B14F-4D97-AF65-F5344CB8AC3E}">
+        <p14:creationId xmlns:p14="http://schemas.microsoft.com/office/powerpoint/2010/main" val="581575115"/>
+      </p:ext>
+    </p:extLst>
+  </p:cSld>
+  <p:clrMapOvr>
+    <a:masterClrMapping/>
+  </p:clrMapOvr>
+  <p:timing>
+    <p:tnLst>
+      <p:par>
+        <p:cTn id="1" dur="indefinite" restart="never" nodeType="tmRoot"/>
+      </p:par>
+    </p:tnLst>
+  </p:timing>
+</p:sld>
+</file>
+
+<file path=ppt/slides/slide38.xml><?xml version="1.0" encoding="utf-8"?>
+<p:sld xmlns:a="http://schemas.openxmlformats.org/drawingml/2006/main" xmlns:r="http://schemas.openxmlformats.org/officeDocument/2006/relationships" xmlns:p="http://schemas.openxmlformats.org/presentationml/2006/main">
+  <p:cSld>
+    <p:spTree>
+      <p:nvGrpSpPr>
+        <p:cNvPr id="1" name=""/>
+        <p:cNvGrpSpPr/>
+        <p:nvPr/>
+      </p:nvGrpSpPr>
+      <p:grpSpPr>
+        <a:xfrm>
+          <a:off x="0" y="0"/>
+          <a:ext cx="0" cy="0"/>
+          <a:chOff x="0" y="0"/>
+          <a:chExt cx="0" cy="0"/>
+        </a:xfrm>
+      </p:grpSpPr>
+      <p:sp>
+        <p:nvSpPr>
+          <p:cNvPr id="2" name="Title 1"/>
+          <p:cNvSpPr>
+            <a:spLocks noGrp="1"/>
+          </p:cNvSpPr>
+          <p:nvPr>
+            <p:ph type="title"/>
+          </p:nvPr>
+        </p:nvSpPr>
+        <p:spPr/>
+        <p:txBody>
+          <a:bodyPr/>
+          <a:lstStyle/>
+          <a:p>
+            <a:r>
               <a:rPr lang="en-US" dirty="0" smtClean="0"/>
               <a:t>Sprint 1</a:t>
             </a:r>
@@ -9296,7 +10031,7 @@
 </p:sld>
 </file>
 
-<file path=ppt/slides/slide31.xml><?xml version="1.0" encoding="utf-8"?>
+<file path=ppt/slides/slide39.xml><?xml version="1.0" encoding="utf-8"?>
 <p:sld xmlns:a="http://schemas.openxmlformats.org/drawingml/2006/main" xmlns:r="http://schemas.openxmlformats.org/officeDocument/2006/relationships" xmlns:p="http://schemas.openxmlformats.org/presentationml/2006/main">
   <p:cSld>
     <p:spTree>
@@ -9385,7 +10120,110 @@
 </p:sld>
 </file>
 
-<file path=ppt/slides/slide32.xml><?xml version="1.0" encoding="utf-8"?>
+<file path=ppt/slides/slide4.xml><?xml version="1.0" encoding="utf-8"?>
+<p:sld xmlns:a="http://schemas.openxmlformats.org/drawingml/2006/main" xmlns:r="http://schemas.openxmlformats.org/officeDocument/2006/relationships" xmlns:p="http://schemas.openxmlformats.org/presentationml/2006/main">
+  <p:cSld>
+    <p:spTree>
+      <p:nvGrpSpPr>
+        <p:cNvPr id="1" name=""/>
+        <p:cNvGrpSpPr/>
+        <p:nvPr/>
+      </p:nvGrpSpPr>
+      <p:grpSpPr>
+        <a:xfrm>
+          <a:off x="0" y="0"/>
+          <a:ext cx="0" cy="0"/>
+          <a:chOff x="0" y="0"/>
+          <a:chExt cx="0" cy="0"/>
+        </a:xfrm>
+      </p:grpSpPr>
+      <p:sp>
+        <p:nvSpPr>
+          <p:cNvPr id="18" name="Title 17"/>
+          <p:cNvSpPr>
+            <a:spLocks noGrp="1"/>
+          </p:cNvSpPr>
+          <p:nvPr>
+            <p:ph type="title"/>
+          </p:nvPr>
+        </p:nvSpPr>
+        <p:spPr/>
+        <p:txBody>
+          <a:bodyPr/>
+          <a:lstStyle/>
+          <a:p>
+            <a:r>
+              <a:rPr lang="en-US" dirty="0" smtClean="0"/>
+              <a:t>Extenuating circumstances</a:t>
+            </a:r>
+            <a:endParaRPr lang="en-US" dirty="0"/>
+          </a:p>
+        </p:txBody>
+      </p:sp>
+      <p:sp>
+        <p:nvSpPr>
+          <p:cNvPr id="19" name="Content Placeholder 18"/>
+          <p:cNvSpPr>
+            <a:spLocks noGrp="1"/>
+          </p:cNvSpPr>
+          <p:nvPr>
+            <p:ph idx="1"/>
+          </p:nvPr>
+        </p:nvSpPr>
+        <p:spPr/>
+        <p:txBody>
+          <a:bodyPr>
+            <a:normAutofit/>
+          </a:bodyPr>
+          <a:lstStyle/>
+          <a:p>
+            <a:r>
+              <a:rPr lang="en-US" sz="2400" dirty="0" smtClean="0"/>
+              <a:t>- The process</a:t>
+            </a:r>
+          </a:p>
+          <a:p>
+            <a:r>
+              <a:rPr lang="en-US" sz="2400" dirty="0"/>
+              <a:t>- </a:t>
+            </a:r>
+            <a:r>
+              <a:rPr lang="en-US" sz="2400" dirty="0" smtClean="0"/>
+              <a:t>Informing school </a:t>
+            </a:r>
+            <a:r>
+              <a:rPr lang="en-US" sz="2400" dirty="0"/>
+              <a:t>of the circumstances that have affected </a:t>
+            </a:r>
+            <a:r>
+              <a:rPr lang="en-US" sz="2400" dirty="0" smtClean="0"/>
+              <a:t>student</a:t>
+            </a:r>
+            <a:endParaRPr lang="en-US" sz="2400" dirty="0"/>
+          </a:p>
+        </p:txBody>
+      </p:sp>
+    </p:spTree>
+    <p:extLst>
+      <p:ext uri="{BB962C8B-B14F-4D97-AF65-F5344CB8AC3E}">
+        <p14:creationId xmlns:p14="http://schemas.microsoft.com/office/powerpoint/2010/main" val="760715267"/>
+      </p:ext>
+    </p:extLst>
+  </p:cSld>
+  <p:clrMapOvr>
+    <a:masterClrMapping/>
+  </p:clrMapOvr>
+  <p:timing>
+    <p:tnLst>
+      <p:par>
+        <p:cTn id="1" dur="indefinite" restart="never" nodeType="tmRoot"/>
+      </p:par>
+    </p:tnLst>
+  </p:timing>
+</p:sld>
+</file>
+
+<file path=ppt/slides/slide40.xml><?xml version="1.0" encoding="utf-8"?>
 <p:sld xmlns:a="http://schemas.openxmlformats.org/drawingml/2006/main" xmlns:r="http://schemas.openxmlformats.org/officeDocument/2006/relationships" xmlns:p="http://schemas.openxmlformats.org/presentationml/2006/main">
   <p:cSld>
     <p:spTree>
@@ -9482,7 +10320,7 @@
 </p:sld>
 </file>
 
-<file path=ppt/slides/slide33.xml><?xml version="1.0" encoding="utf-8"?>
+<file path=ppt/slides/slide41.xml><?xml version="1.0" encoding="utf-8"?>
 <p:sld xmlns:a="http://schemas.openxmlformats.org/drawingml/2006/main" xmlns:r="http://schemas.openxmlformats.org/officeDocument/2006/relationships" xmlns:p="http://schemas.openxmlformats.org/presentationml/2006/main">
   <p:cSld>
     <p:spTree>
@@ -9578,7 +10416,7 @@
 </p:sld>
 </file>
 
-<file path=ppt/slides/slide34.xml><?xml version="1.0" encoding="utf-8"?>
+<file path=ppt/slides/slide42.xml><?xml version="1.0" encoding="utf-8"?>
 <p:sld xmlns:a="http://schemas.openxmlformats.org/drawingml/2006/main" xmlns:r="http://schemas.openxmlformats.org/officeDocument/2006/relationships" xmlns:p="http://schemas.openxmlformats.org/presentationml/2006/main">
   <p:cSld>
     <p:spTree>
@@ -9674,7 +10512,7 @@
 </p:sld>
 </file>
 
-<file path=ppt/slides/slide35.xml><?xml version="1.0" encoding="utf-8"?>
+<file path=ppt/slides/slide43.xml><?xml version="1.0" encoding="utf-8"?>
 <p:sld xmlns:a="http://schemas.openxmlformats.org/drawingml/2006/main" xmlns:r="http://schemas.openxmlformats.org/officeDocument/2006/relationships" xmlns:p="http://schemas.openxmlformats.org/presentationml/2006/main">
   <p:cSld>
     <p:spTree>
@@ -9762,7 +10600,7 @@
 </p:sld>
 </file>
 
-<file path=ppt/slides/slide36.xml><?xml version="1.0" encoding="utf-8"?>
+<file path=ppt/slides/slide44.xml><?xml version="1.0" encoding="utf-8"?>
 <p:sld xmlns:a="http://schemas.openxmlformats.org/drawingml/2006/main" xmlns:r="http://schemas.openxmlformats.org/officeDocument/2006/relationships" xmlns:p="http://schemas.openxmlformats.org/presentationml/2006/main">
   <p:cSld>
     <p:spTree>
@@ -9851,7 +10689,7 @@
 </p:sld>
 </file>
 
-<file path=ppt/slides/slide37.xml><?xml version="1.0" encoding="utf-8"?>
+<file path=ppt/slides/slide45.xml><?xml version="1.0" encoding="utf-8"?>
 <p:sld xmlns:a="http://schemas.openxmlformats.org/drawingml/2006/main" xmlns:r="http://schemas.openxmlformats.org/officeDocument/2006/relationships" xmlns:p="http://schemas.openxmlformats.org/presentationml/2006/main">
   <p:cSld>
     <p:spTree>
@@ -9944,7 +10782,7 @@
 </p:sld>
 </file>
 
-<file path=ppt/slides/slide38.xml><?xml version="1.0" encoding="utf-8"?>
+<file path=ppt/slides/slide46.xml><?xml version="1.0" encoding="utf-8"?>
 <p:sld xmlns:a="http://schemas.openxmlformats.org/drawingml/2006/main" xmlns:r="http://schemas.openxmlformats.org/officeDocument/2006/relationships" xmlns:p="http://schemas.openxmlformats.org/presentationml/2006/main">
   <p:cSld>
     <p:spTree>
@@ -10049,7 +10887,7 @@
 </p:sld>
 </file>
 
-<file path=ppt/slides/slide39.xml><?xml version="1.0" encoding="utf-8"?>
+<file path=ppt/slides/slide47.xml><?xml version="1.0" encoding="utf-8"?>
 <p:sld xmlns:a="http://schemas.openxmlformats.org/drawingml/2006/main" xmlns:r="http://schemas.openxmlformats.org/officeDocument/2006/relationships" xmlns:p="http://schemas.openxmlformats.org/presentationml/2006/main">
   <p:cSld>
     <p:spTree>
@@ -10149,110 +10987,7 @@
 </p:sld>
 </file>
 
-<file path=ppt/slides/slide4.xml><?xml version="1.0" encoding="utf-8"?>
-<p:sld xmlns:a="http://schemas.openxmlformats.org/drawingml/2006/main" xmlns:r="http://schemas.openxmlformats.org/officeDocument/2006/relationships" xmlns:p="http://schemas.openxmlformats.org/presentationml/2006/main">
-  <p:cSld>
-    <p:spTree>
-      <p:nvGrpSpPr>
-        <p:cNvPr id="1" name=""/>
-        <p:cNvGrpSpPr/>
-        <p:nvPr/>
-      </p:nvGrpSpPr>
-      <p:grpSpPr>
-        <a:xfrm>
-          <a:off x="0" y="0"/>
-          <a:ext cx="0" cy="0"/>
-          <a:chOff x="0" y="0"/>
-          <a:chExt cx="0" cy="0"/>
-        </a:xfrm>
-      </p:grpSpPr>
-      <p:sp>
-        <p:nvSpPr>
-          <p:cNvPr id="18" name="Title 17"/>
-          <p:cNvSpPr>
-            <a:spLocks noGrp="1"/>
-          </p:cNvSpPr>
-          <p:nvPr>
-            <p:ph type="title"/>
-          </p:nvPr>
-        </p:nvSpPr>
-        <p:spPr/>
-        <p:txBody>
-          <a:bodyPr/>
-          <a:lstStyle/>
-          <a:p>
-            <a:r>
-              <a:rPr lang="en-US" dirty="0" smtClean="0"/>
-              <a:t>Extenuating circumstances</a:t>
-            </a:r>
-            <a:endParaRPr lang="en-US" dirty="0"/>
-          </a:p>
-        </p:txBody>
-      </p:sp>
-      <p:sp>
-        <p:nvSpPr>
-          <p:cNvPr id="19" name="Content Placeholder 18"/>
-          <p:cNvSpPr>
-            <a:spLocks noGrp="1"/>
-          </p:cNvSpPr>
-          <p:nvPr>
-            <p:ph idx="1"/>
-          </p:nvPr>
-        </p:nvSpPr>
-        <p:spPr/>
-        <p:txBody>
-          <a:bodyPr>
-            <a:normAutofit/>
-          </a:bodyPr>
-          <a:lstStyle/>
-          <a:p>
-            <a:r>
-              <a:rPr lang="en-US" sz="2400" dirty="0" smtClean="0"/>
-              <a:t>- The process</a:t>
-            </a:r>
-          </a:p>
-          <a:p>
-            <a:r>
-              <a:rPr lang="en-US" sz="2400" dirty="0"/>
-              <a:t>- </a:t>
-            </a:r>
-            <a:r>
-              <a:rPr lang="en-US" sz="2400" dirty="0" smtClean="0"/>
-              <a:t>Informing school </a:t>
-            </a:r>
-            <a:r>
-              <a:rPr lang="en-US" sz="2400" dirty="0"/>
-              <a:t>of the circumstances that have affected </a:t>
-            </a:r>
-            <a:r>
-              <a:rPr lang="en-US" sz="2400" dirty="0" smtClean="0"/>
-              <a:t>student</a:t>
-            </a:r>
-            <a:endParaRPr lang="en-US" sz="2400" dirty="0"/>
-          </a:p>
-        </p:txBody>
-      </p:sp>
-    </p:spTree>
-    <p:extLst>
-      <p:ext uri="{BB962C8B-B14F-4D97-AF65-F5344CB8AC3E}">
-        <p14:creationId xmlns:p14="http://schemas.microsoft.com/office/powerpoint/2010/main" val="760715267"/>
-      </p:ext>
-    </p:extLst>
-  </p:cSld>
-  <p:clrMapOvr>
-    <a:masterClrMapping/>
-  </p:clrMapOvr>
-  <p:timing>
-    <p:tnLst>
-      <p:par>
-        <p:cTn id="1" dur="indefinite" restart="never" nodeType="tmRoot"/>
-      </p:par>
-    </p:tnLst>
-  </p:timing>
-</p:sld>
-</file>
-
-<file path=ppt/slides/slide40.xml><?xml version="1.0" encoding="utf-8"?>
+<file path=ppt/slides/slide48.xml><?xml version="1.0" encoding="utf-8"?>
 <p:sld xmlns:a="http://schemas.openxmlformats.org/drawingml/2006/main" xmlns:r="http://schemas.openxmlformats.org/officeDocument/2006/relationships" xmlns:p="http://schemas.openxmlformats.org/presentationml/2006/main">
   <p:cSld>
     <p:spTree>
@@ -10352,7 +11087,7 @@
 </p:sld>
 </file>
 
-<file path=ppt/slides/slide41.xml><?xml version="1.0" encoding="utf-8"?>
+<file path=ppt/slides/slide49.xml><?xml version="1.0" encoding="utf-8"?>
 <p:sld xmlns:a="http://schemas.openxmlformats.org/drawingml/2006/main" xmlns:r="http://schemas.openxmlformats.org/officeDocument/2006/relationships" xmlns:p="http://schemas.openxmlformats.org/presentationml/2006/main">
   <p:cSld>
     <p:spTree>
@@ -10440,1241 +11175,6 @@
       </p:par>
     </p:tnLst>
   </p:timing>
-</p:sld>
-</file>
-
-<file path=ppt/slides/slide42.xml><?xml version="1.0" encoding="utf-8"?>
-<p:sld xmlns:a="http://schemas.openxmlformats.org/drawingml/2006/main" xmlns:r="http://schemas.openxmlformats.org/officeDocument/2006/relationships" xmlns:p="http://schemas.openxmlformats.org/presentationml/2006/main">
-  <p:cSld>
-    <p:spTree>
-      <p:nvGrpSpPr>
-        <p:cNvPr id="1" name=""/>
-        <p:cNvGrpSpPr/>
-        <p:nvPr/>
-      </p:nvGrpSpPr>
-      <p:grpSpPr>
-        <a:xfrm>
-          <a:off x="0" y="0"/>
-          <a:ext cx="0" cy="0"/>
-          <a:chOff x="0" y="0"/>
-          <a:chExt cx="0" cy="0"/>
-        </a:xfrm>
-      </p:grpSpPr>
-      <p:sp>
-        <p:nvSpPr>
-          <p:cNvPr id="2" name="Title 1"/>
-          <p:cNvSpPr>
-            <a:spLocks noGrp="1"/>
-          </p:cNvSpPr>
-          <p:nvPr>
-            <p:ph type="title"/>
-          </p:nvPr>
-        </p:nvSpPr>
-        <p:spPr/>
-        <p:txBody>
-          <a:bodyPr/>
-          <a:lstStyle/>
-          <a:p>
-            <a:r>
-              <a:rPr lang="en-US" dirty="0" smtClean="0"/>
-              <a:t>Daily meeting Logs(demo)</a:t>
-            </a:r>
-            <a:endParaRPr lang="en-US" dirty="0"/>
-          </a:p>
-        </p:txBody>
-      </p:sp>
-      <p:pic>
-        <p:nvPicPr>
-          <p:cNvPr id="4" name="Content Placeholder 3"/>
-          <p:cNvPicPr>
-            <a:picLocks noGrp="1" noChangeAspect="1"/>
-          </p:cNvPicPr>
-          <p:nvPr>
-            <p:ph idx="1"/>
-          </p:nvPr>
-        </p:nvPicPr>
-        <p:blipFill>
-          <a:blip r:embed="rId2">
-            <a:extLst>
-              <a:ext uri="{28A0092B-C50C-407E-A947-70E740481C1C}">
-                <a14:useLocalDpi xmlns:a14="http://schemas.microsoft.com/office/drawing/2010/main" val="0"/>
-              </a:ext>
-            </a:extLst>
-          </a:blip>
-          <a:stretch>
-            <a:fillRect/>
-          </a:stretch>
-        </p:blipFill>
-        <p:spPr>
-          <a:xfrm>
-            <a:off x="2442210" y="1846263"/>
-            <a:ext cx="7368578" cy="4022725"/>
-          </a:xfrm>
-        </p:spPr>
-      </p:pic>
-    </p:spTree>
-    <p:extLst>
-      <p:ext uri="{BB962C8B-B14F-4D97-AF65-F5344CB8AC3E}">
-        <p14:creationId xmlns:p14="http://schemas.microsoft.com/office/powerpoint/2010/main" val="1559746978"/>
-      </p:ext>
-    </p:extLst>
-  </p:cSld>
-  <p:clrMapOvr>
-    <a:masterClrMapping/>
-  </p:clrMapOvr>
-  <p:timing>
-    <p:tnLst>
-      <p:par>
-        <p:cTn id="1" dur="indefinite" restart="never" nodeType="tmRoot"/>
-      </p:par>
-    </p:tnLst>
-  </p:timing>
-</p:sld>
-</file>
-
-<file path=ppt/slides/slide43.xml><?xml version="1.0" encoding="utf-8"?>
-<p:sld xmlns:a="http://schemas.openxmlformats.org/drawingml/2006/main" xmlns:r="http://schemas.openxmlformats.org/officeDocument/2006/relationships" xmlns:p="http://schemas.openxmlformats.org/presentationml/2006/main">
-  <p:cSld>
-    <p:spTree>
-      <p:nvGrpSpPr>
-        <p:cNvPr id="1" name=""/>
-        <p:cNvGrpSpPr/>
-        <p:nvPr/>
-      </p:nvGrpSpPr>
-      <p:grpSpPr>
-        <a:xfrm>
-          <a:off x="0" y="0"/>
-          <a:ext cx="0" cy="0"/>
-          <a:chOff x="0" y="0"/>
-          <a:chExt cx="0" cy="0"/>
-        </a:xfrm>
-      </p:grpSpPr>
-      <p:sp>
-        <p:nvSpPr>
-          <p:cNvPr id="2" name="Title 1"/>
-          <p:cNvSpPr>
-            <a:spLocks noGrp="1"/>
-          </p:cNvSpPr>
-          <p:nvPr>
-            <p:ph type="title"/>
-          </p:nvPr>
-        </p:nvSpPr>
-        <p:spPr/>
-        <p:txBody>
-          <a:bodyPr/>
-          <a:lstStyle/>
-          <a:p>
-            <a:pPr algn="ctr"/>
-            <a:r>
-              <a:rPr lang="en-US" b="1" dirty="0" smtClean="0"/>
-              <a:t>Demo Plan</a:t>
-            </a:r>
-            <a:endParaRPr lang="en-US" b="1" dirty="0"/>
-          </a:p>
-        </p:txBody>
-      </p:sp>
-      <p:sp>
-        <p:nvSpPr>
-          <p:cNvPr id="3" name="Content Placeholder 2"/>
-          <p:cNvSpPr>
-            <a:spLocks noGrp="1"/>
-          </p:cNvSpPr>
-          <p:nvPr>
-            <p:ph idx="1"/>
-          </p:nvPr>
-        </p:nvSpPr>
-        <p:spPr/>
-        <p:txBody>
-          <a:bodyPr/>
-          <a:lstStyle/>
-          <a:p>
-            <a:pPr>
-              <a:buFont typeface="Wingdings" charset="2"/>
-              <a:buChar char="Ø"/>
-            </a:pPr>
-            <a:r>
-              <a:rPr lang="en-US" sz="2800" dirty="0" smtClean="0"/>
-              <a:t>Demo all system features</a:t>
-            </a:r>
-          </a:p>
-          <a:p>
-            <a:pPr>
-              <a:buFont typeface="Wingdings" charset="2"/>
-              <a:buChar char="Ø"/>
-            </a:pPr>
-            <a:r>
-              <a:rPr lang="en-US" sz="2800" dirty="0" smtClean="0"/>
-              <a:t>Demo data validation</a:t>
-            </a:r>
-          </a:p>
-          <a:p>
-            <a:pPr>
-              <a:buFont typeface="Wingdings" charset="2"/>
-              <a:buChar char="Ø"/>
-            </a:pPr>
-            <a:r>
-              <a:rPr lang="en-US" sz="2800" dirty="0" smtClean="0"/>
-              <a:t>Demo date-time relations</a:t>
-            </a:r>
-          </a:p>
-          <a:p>
-            <a:pPr>
-              <a:buFont typeface="Wingdings" charset="2"/>
-              <a:buChar char="Ø"/>
-            </a:pPr>
-            <a:r>
-              <a:rPr lang="en-US" sz="2800" dirty="0" smtClean="0"/>
-              <a:t>Demo authorization (different roles or authorities)</a:t>
-            </a:r>
-          </a:p>
-          <a:p>
-            <a:pPr>
-              <a:buFont typeface="Wingdings" charset="2"/>
-              <a:buChar char="Ø"/>
-            </a:pPr>
-            <a:r>
-              <a:rPr lang="en-US" sz="2800" dirty="0" smtClean="0"/>
-              <a:t>Demo all system reports</a:t>
-            </a:r>
-          </a:p>
-          <a:p>
-            <a:pPr>
-              <a:buFont typeface="Wingdings" charset="2"/>
-              <a:buChar char="Ø"/>
-            </a:pPr>
-            <a:endParaRPr lang="en-US" dirty="0" smtClean="0"/>
-          </a:p>
-        </p:txBody>
-      </p:sp>
-    </p:spTree>
-    <p:extLst>
-      <p:ext uri="{BB962C8B-B14F-4D97-AF65-F5344CB8AC3E}">
-        <p14:creationId xmlns:p14="http://schemas.microsoft.com/office/powerpoint/2010/main" val="233902115"/>
-      </p:ext>
-    </p:extLst>
-  </p:cSld>
-  <p:clrMapOvr>
-    <a:masterClrMapping/>
-  </p:clrMapOvr>
-  <p:timing>
-    <p:tnLst>
-      <p:par>
-        <p:cTn id="1" dur="indefinite" restart="never" nodeType="tmRoot"/>
-      </p:par>
-    </p:tnLst>
-  </p:timing>
-</p:sld>
-</file>
-
-<file path=ppt/slides/slide44.xml><?xml version="1.0" encoding="utf-8"?>
-<p:sld xmlns:a="http://schemas.openxmlformats.org/drawingml/2006/main" xmlns:r="http://schemas.openxmlformats.org/officeDocument/2006/relationships" xmlns:p="http://schemas.openxmlformats.org/presentationml/2006/main">
-  <p:cSld>
-    <p:spTree>
-      <p:nvGrpSpPr>
-        <p:cNvPr id="1" name=""/>
-        <p:cNvGrpSpPr/>
-        <p:nvPr/>
-      </p:nvGrpSpPr>
-      <p:grpSpPr>
-        <a:xfrm>
-          <a:off x="0" y="0"/>
-          <a:ext cx="0" cy="0"/>
-          <a:chOff x="0" y="0"/>
-          <a:chExt cx="0" cy="0"/>
-        </a:xfrm>
-      </p:grpSpPr>
-      <p:sp>
-        <p:nvSpPr>
-          <p:cNvPr id="2" name="Title 1"/>
-          <p:cNvSpPr>
-            <a:spLocks noGrp="1"/>
-          </p:cNvSpPr>
-          <p:nvPr>
-            <p:ph type="title"/>
-          </p:nvPr>
-        </p:nvSpPr>
-        <p:spPr/>
-        <p:txBody>
-          <a:bodyPr/>
-          <a:lstStyle/>
-          <a:p>
-            <a:r>
-              <a:rPr lang="en-US" dirty="0" smtClean="0"/>
-              <a:t>Demo 1: all system features</a:t>
-            </a:r>
-            <a:endParaRPr lang="en-US" dirty="0"/>
-          </a:p>
-        </p:txBody>
-      </p:sp>
-      <p:sp>
-        <p:nvSpPr>
-          <p:cNvPr id="3" name="Content Placeholder 2"/>
-          <p:cNvSpPr>
-            <a:spLocks noGrp="1"/>
-          </p:cNvSpPr>
-          <p:nvPr>
-            <p:ph idx="1"/>
-          </p:nvPr>
-        </p:nvSpPr>
-        <p:spPr/>
-        <p:txBody>
-          <a:bodyPr>
-            <a:normAutofit/>
-          </a:bodyPr>
-          <a:lstStyle/>
-          <a:p>
-            <a:pPr>
-              <a:buFont typeface="Wingdings" charset="2"/>
-              <a:buChar char="Ø"/>
-            </a:pPr>
-            <a:r>
-              <a:rPr lang="en-US" sz="2800" dirty="0" smtClean="0"/>
-              <a:t>Authentication (login, logout)</a:t>
-            </a:r>
-          </a:p>
-          <a:p>
-            <a:pPr>
-              <a:buFont typeface="Wingdings" charset="2"/>
-              <a:buChar char="Ø"/>
-            </a:pPr>
-            <a:r>
-              <a:rPr lang="en-US" sz="2800" dirty="0" smtClean="0"/>
-              <a:t>Student submits claims</a:t>
-            </a:r>
-          </a:p>
-          <a:p>
-            <a:pPr>
-              <a:buFont typeface="Wingdings" charset="2"/>
-              <a:buChar char="Ø"/>
-            </a:pPr>
-            <a:r>
-              <a:rPr lang="en-US" sz="2800" dirty="0" smtClean="0"/>
-              <a:t>Student submits evidences</a:t>
-            </a:r>
-          </a:p>
-          <a:p>
-            <a:pPr>
-              <a:buFont typeface="Wingdings" charset="2"/>
-              <a:buChar char="Ø"/>
-            </a:pPr>
-            <a:r>
-              <a:rPr lang="en-US" sz="2800" dirty="0" smtClean="0"/>
-              <a:t>Student receive email which contains the decision of claim</a:t>
-            </a:r>
-          </a:p>
-          <a:p>
-            <a:pPr>
-              <a:buFont typeface="Wingdings" charset="2"/>
-              <a:buChar char="Ø"/>
-            </a:pPr>
-            <a:r>
-              <a:rPr lang="en-US" sz="2800" dirty="0" smtClean="0"/>
-              <a:t>Student views all submitted claims</a:t>
-            </a:r>
-          </a:p>
-          <a:p>
-            <a:pPr>
-              <a:buFont typeface="Wingdings" charset="2"/>
-              <a:buChar char="Ø"/>
-            </a:pPr>
-            <a:r>
-              <a:rPr lang="en-US" sz="2800" dirty="0" smtClean="0"/>
-              <a:t>Student searches and sorts claims</a:t>
-            </a:r>
-          </a:p>
-          <a:p>
-            <a:pPr>
-              <a:buFont typeface="Wingdings" charset="2"/>
-              <a:buChar char="Ø"/>
-            </a:pPr>
-            <a:endParaRPr lang="en-US" dirty="0" smtClean="0"/>
-          </a:p>
-          <a:p>
-            <a:pPr>
-              <a:buFont typeface="Wingdings" charset="2"/>
-              <a:buChar char="Ø"/>
-            </a:pPr>
-            <a:endParaRPr lang="en-US" dirty="0"/>
-          </a:p>
-        </p:txBody>
-      </p:sp>
-    </p:spTree>
-    <p:extLst>
-      <p:ext uri="{BB962C8B-B14F-4D97-AF65-F5344CB8AC3E}">
-        <p14:creationId xmlns:p14="http://schemas.microsoft.com/office/powerpoint/2010/main" val="913001290"/>
-      </p:ext>
-    </p:extLst>
-  </p:cSld>
-  <p:clrMapOvr>
-    <a:masterClrMapping/>
-  </p:clrMapOvr>
-  <p:timing>
-    <p:tnLst>
-      <p:par>
-        <p:cTn id="1" dur="indefinite" restart="never" nodeType="tmRoot"/>
-      </p:par>
-    </p:tnLst>
-  </p:timing>
-</p:sld>
-</file>
-
-<file path=ppt/slides/slide45.xml><?xml version="1.0" encoding="utf-8"?>
-<p:sld xmlns:a="http://schemas.openxmlformats.org/drawingml/2006/main" xmlns:r="http://schemas.openxmlformats.org/officeDocument/2006/relationships" xmlns:p="http://schemas.openxmlformats.org/presentationml/2006/main">
-  <p:cSld>
-    <p:spTree>
-      <p:nvGrpSpPr>
-        <p:cNvPr id="1" name=""/>
-        <p:cNvGrpSpPr/>
-        <p:nvPr/>
-      </p:nvGrpSpPr>
-      <p:grpSpPr>
-        <a:xfrm>
-          <a:off x="0" y="0"/>
-          <a:ext cx="0" cy="0"/>
-          <a:chOff x="0" y="0"/>
-          <a:chExt cx="0" cy="0"/>
-        </a:xfrm>
-      </p:grpSpPr>
-      <p:sp>
-        <p:nvSpPr>
-          <p:cNvPr id="2" name="Title 1"/>
-          <p:cNvSpPr>
-            <a:spLocks noGrp="1"/>
-          </p:cNvSpPr>
-          <p:nvPr>
-            <p:ph type="title"/>
-          </p:nvPr>
-        </p:nvSpPr>
-        <p:spPr/>
-        <p:txBody>
-          <a:bodyPr/>
-          <a:lstStyle/>
-          <a:p>
-            <a:r>
-              <a:rPr lang="en-US" dirty="0" smtClean="0"/>
-              <a:t>Demo 1: </a:t>
-            </a:r>
-            <a:r>
-              <a:rPr lang="en-US" dirty="0"/>
-              <a:t>all system </a:t>
-            </a:r>
-            <a:r>
-              <a:rPr lang="en-US" dirty="0" smtClean="0"/>
-              <a:t>features (cont.)</a:t>
-            </a:r>
-            <a:endParaRPr lang="en-US" dirty="0"/>
-          </a:p>
-        </p:txBody>
-      </p:sp>
-      <p:sp>
-        <p:nvSpPr>
-          <p:cNvPr id="3" name="Content Placeholder 2"/>
-          <p:cNvSpPr>
-            <a:spLocks noGrp="1"/>
-          </p:cNvSpPr>
-          <p:nvPr>
-            <p:ph idx="1"/>
-          </p:nvPr>
-        </p:nvSpPr>
-        <p:spPr/>
-        <p:txBody>
-          <a:bodyPr>
-            <a:normAutofit fontScale="92500"/>
-          </a:bodyPr>
-          <a:lstStyle/>
-          <a:p>
-            <a:pPr>
-              <a:buFont typeface="Wingdings" charset="2"/>
-              <a:buChar char="Ø"/>
-            </a:pPr>
-            <a:r>
-              <a:rPr lang="en-US" sz="2800" dirty="0" smtClean="0">
-                <a:solidFill>
-                  <a:schemeClr val="tx1"/>
-                </a:solidFill>
-              </a:rPr>
-              <a:t>Coordinator receives </a:t>
-            </a:r>
-            <a:r>
-              <a:rPr lang="en-US" sz="2800" dirty="0">
-                <a:solidFill>
-                  <a:schemeClr val="tx1"/>
-                </a:solidFill>
-              </a:rPr>
-              <a:t>email of notification when new claim is submitted</a:t>
-            </a:r>
-          </a:p>
-          <a:p>
-            <a:pPr>
-              <a:buFont typeface="Wingdings" charset="2"/>
-              <a:buChar char="Ø"/>
-            </a:pPr>
-            <a:r>
-              <a:rPr lang="en-US" sz="2800" dirty="0" smtClean="0">
-                <a:solidFill>
-                  <a:schemeClr val="tx1"/>
-                </a:solidFill>
-              </a:rPr>
-              <a:t>Coordinator processes </a:t>
-            </a:r>
-            <a:r>
-              <a:rPr lang="en-US" sz="2800" dirty="0">
-                <a:solidFill>
-                  <a:schemeClr val="tx1"/>
-                </a:solidFill>
-              </a:rPr>
-              <a:t>new claim</a:t>
-            </a:r>
-          </a:p>
-          <a:p>
-            <a:pPr>
-              <a:buFont typeface="Wingdings" charset="2"/>
-              <a:buChar char="Ø"/>
-            </a:pPr>
-            <a:r>
-              <a:rPr lang="en-US" sz="2800" dirty="0" smtClean="0">
-                <a:solidFill>
-                  <a:schemeClr val="tx1"/>
-                </a:solidFill>
-              </a:rPr>
-              <a:t>Coordinator views all </a:t>
-            </a:r>
-            <a:r>
-              <a:rPr lang="en-US" sz="2800" dirty="0">
-                <a:solidFill>
-                  <a:schemeClr val="tx1"/>
-                </a:solidFill>
-              </a:rPr>
-              <a:t>the process of my </a:t>
-            </a:r>
-            <a:r>
-              <a:rPr lang="en-US" sz="2800" dirty="0" smtClean="0">
-                <a:solidFill>
-                  <a:schemeClr val="tx1"/>
-                </a:solidFill>
-              </a:rPr>
-              <a:t>Faculty</a:t>
-            </a:r>
-          </a:p>
-          <a:p>
-            <a:pPr>
-              <a:buFont typeface="Wingdings" charset="2"/>
-              <a:buChar char="Ø"/>
-            </a:pPr>
-            <a:endParaRPr lang="en-US" sz="2800" dirty="0" smtClean="0">
-              <a:solidFill>
-                <a:schemeClr val="tx1"/>
-              </a:solidFill>
-            </a:endParaRPr>
-          </a:p>
-          <a:p>
-            <a:pPr>
-              <a:buFont typeface="Wingdings" charset="2"/>
-              <a:buChar char="Ø"/>
-            </a:pPr>
-            <a:r>
-              <a:rPr lang="en-US" sz="2800" dirty="0">
-                <a:solidFill>
-                  <a:schemeClr val="tx1"/>
-                </a:solidFill>
-              </a:rPr>
-              <a:t>Manager views all </a:t>
-            </a:r>
-            <a:r>
-              <a:rPr lang="en-US" sz="2800" dirty="0" smtClean="0">
-                <a:solidFill>
-                  <a:schemeClr val="tx1"/>
-                </a:solidFill>
-              </a:rPr>
-              <a:t>claims</a:t>
-            </a:r>
-          </a:p>
-          <a:p>
-            <a:pPr>
-              <a:buFont typeface="Wingdings" charset="2"/>
-              <a:buChar char="Ø"/>
-            </a:pPr>
-            <a:r>
-              <a:rPr lang="en-US" sz="2800" dirty="0">
-                <a:solidFill>
-                  <a:schemeClr val="tx1"/>
-                </a:solidFill>
-              </a:rPr>
-              <a:t>Manager view claim reports (statistics</a:t>
-            </a:r>
-            <a:r>
-              <a:rPr lang="en-US" sz="2800" dirty="0" smtClean="0">
-                <a:solidFill>
-                  <a:schemeClr val="tx1"/>
-                </a:solidFill>
-              </a:rPr>
-              <a:t>)</a:t>
-            </a:r>
-          </a:p>
-          <a:p>
-            <a:pPr marL="91440" lvl="1" indent="-91440">
-              <a:spcBef>
-                <a:spcPts val="1200"/>
-              </a:spcBef>
-              <a:spcAft>
-                <a:spcPts val="200"/>
-              </a:spcAft>
-              <a:buSzPct val="100000"/>
-              <a:buFont typeface="Wingdings" charset="2"/>
-              <a:buChar char="Ø"/>
-            </a:pPr>
-            <a:r>
-              <a:rPr lang="en-US" sz="2800" dirty="0" smtClean="0">
-                <a:solidFill>
-                  <a:schemeClr val="tx1"/>
-                </a:solidFill>
-              </a:rPr>
-              <a:t>Admin </a:t>
-            </a:r>
-            <a:r>
-              <a:rPr lang="en-US" sz="2800" dirty="0">
-                <a:solidFill>
-                  <a:schemeClr val="tx1"/>
-                </a:solidFill>
-              </a:rPr>
-              <a:t>or </a:t>
-            </a:r>
-            <a:r>
-              <a:rPr lang="en-US" sz="2800" dirty="0" smtClean="0">
-                <a:solidFill>
-                  <a:schemeClr val="tx1"/>
-                </a:solidFill>
-              </a:rPr>
-              <a:t>manager views weekly </a:t>
-            </a:r>
-            <a:r>
-              <a:rPr lang="en-US" sz="2800" dirty="0">
-                <a:solidFill>
-                  <a:schemeClr val="tx1"/>
-                </a:solidFill>
-              </a:rPr>
-              <a:t>report or customize the report details</a:t>
-            </a:r>
-          </a:p>
-          <a:p>
-            <a:endParaRPr lang="en-US" dirty="0"/>
-          </a:p>
-        </p:txBody>
-      </p:sp>
-    </p:spTree>
-    <p:extLst>
-      <p:ext uri="{BB962C8B-B14F-4D97-AF65-F5344CB8AC3E}">
-        <p14:creationId xmlns:p14="http://schemas.microsoft.com/office/powerpoint/2010/main" val="562138506"/>
-      </p:ext>
-    </p:extLst>
-  </p:cSld>
-  <p:clrMapOvr>
-    <a:masterClrMapping/>
-  </p:clrMapOvr>
-  <p:timing>
-    <p:tnLst>
-      <p:par>
-        <p:cTn id="1" dur="indefinite" restart="never" nodeType="tmRoot"/>
-      </p:par>
-    </p:tnLst>
-  </p:timing>
-</p:sld>
-</file>
-
-<file path=ppt/slides/slide46.xml><?xml version="1.0" encoding="utf-8"?>
-<p:sld xmlns:a="http://schemas.openxmlformats.org/drawingml/2006/main" xmlns:r="http://schemas.openxmlformats.org/officeDocument/2006/relationships" xmlns:p="http://schemas.openxmlformats.org/presentationml/2006/main">
-  <p:cSld>
-    <p:spTree>
-      <p:nvGrpSpPr>
-        <p:cNvPr id="1" name=""/>
-        <p:cNvGrpSpPr/>
-        <p:nvPr/>
-      </p:nvGrpSpPr>
-      <p:grpSpPr>
-        <a:xfrm>
-          <a:off x="0" y="0"/>
-          <a:ext cx="0" cy="0"/>
-          <a:chOff x="0" y="0"/>
-          <a:chExt cx="0" cy="0"/>
-        </a:xfrm>
-      </p:grpSpPr>
-      <p:sp>
-        <p:nvSpPr>
-          <p:cNvPr id="2" name="Title 1"/>
-          <p:cNvSpPr>
-            <a:spLocks noGrp="1"/>
-          </p:cNvSpPr>
-          <p:nvPr>
-            <p:ph type="title"/>
-          </p:nvPr>
-        </p:nvSpPr>
-        <p:spPr/>
-        <p:txBody>
-          <a:bodyPr/>
-          <a:lstStyle/>
-          <a:p>
-            <a:r>
-              <a:rPr lang="en-US" dirty="0" smtClean="0"/>
-              <a:t>Demo 1: </a:t>
-            </a:r>
-            <a:r>
-              <a:rPr lang="en-US" dirty="0"/>
-              <a:t>all system features (cont.)</a:t>
-            </a:r>
-          </a:p>
-        </p:txBody>
-      </p:sp>
-      <p:sp>
-        <p:nvSpPr>
-          <p:cNvPr id="3" name="Content Placeholder 2"/>
-          <p:cNvSpPr>
-            <a:spLocks noGrp="1"/>
-          </p:cNvSpPr>
-          <p:nvPr>
-            <p:ph idx="1"/>
-          </p:nvPr>
-        </p:nvSpPr>
-        <p:spPr/>
-        <p:txBody>
-          <a:bodyPr>
-            <a:normAutofit/>
-          </a:bodyPr>
-          <a:lstStyle/>
-          <a:p>
-            <a:pPr marL="0" indent="-292608">
-              <a:buFont typeface="Wingdings" charset="2"/>
-              <a:buChar char="Ø"/>
-            </a:pPr>
-            <a:r>
-              <a:rPr lang="en-US" sz="2600" dirty="0" smtClean="0">
-                <a:solidFill>
-                  <a:schemeClr val="tx1"/>
-                </a:solidFill>
-              </a:rPr>
-              <a:t>Admin </a:t>
-            </a:r>
-            <a:r>
-              <a:rPr lang="en-US" sz="2600" dirty="0">
-                <a:solidFill>
-                  <a:schemeClr val="tx1"/>
-                </a:solidFill>
-              </a:rPr>
-              <a:t>manages account of Users</a:t>
-            </a:r>
-          </a:p>
-          <a:p>
-            <a:pPr>
-              <a:buFont typeface="Wingdings" charset="2"/>
-              <a:buChar char="Ø"/>
-            </a:pPr>
-            <a:r>
-              <a:rPr lang="en-US" sz="2600" dirty="0">
-                <a:solidFill>
-                  <a:schemeClr val="tx1"/>
-                </a:solidFill>
-              </a:rPr>
-              <a:t>Admin manages system data</a:t>
-            </a:r>
-          </a:p>
-          <a:p>
-            <a:pPr>
-              <a:buFont typeface="Wingdings" charset="2"/>
-              <a:buChar char="Ø"/>
-            </a:pPr>
-            <a:r>
-              <a:rPr lang="en-US" sz="2600" dirty="0" smtClean="0">
-                <a:solidFill>
-                  <a:schemeClr val="tx1"/>
-                </a:solidFill>
-              </a:rPr>
-              <a:t>Admin </a:t>
-            </a:r>
-            <a:r>
-              <a:rPr lang="en-US" sz="2600" dirty="0">
-                <a:solidFill>
-                  <a:schemeClr val="tx1"/>
-                </a:solidFill>
-              </a:rPr>
-              <a:t>views all claims in the system for each years</a:t>
-            </a:r>
-          </a:p>
-          <a:p>
-            <a:pPr>
-              <a:buFont typeface="Wingdings" charset="2"/>
-              <a:buChar char="Ø"/>
-            </a:pPr>
-            <a:r>
-              <a:rPr lang="en-US" sz="2600" dirty="0">
-                <a:solidFill>
-                  <a:schemeClr val="tx1"/>
-                </a:solidFill>
-              </a:rPr>
-              <a:t>Admin views items of assessment</a:t>
-            </a:r>
-          </a:p>
-          <a:p>
-            <a:pPr>
-              <a:buFont typeface="Wingdings" charset="2"/>
-              <a:buChar char="Ø"/>
-            </a:pPr>
-            <a:r>
-              <a:rPr lang="en-US" sz="2600" dirty="0">
-                <a:solidFill>
-                  <a:schemeClr val="tx1"/>
-                </a:solidFill>
-              </a:rPr>
-              <a:t>Admin sets up closure date of </a:t>
-            </a:r>
-            <a:r>
-              <a:rPr lang="en-US" sz="2600" dirty="0" smtClean="0">
-                <a:solidFill>
-                  <a:schemeClr val="tx1"/>
-                </a:solidFill>
-              </a:rPr>
-              <a:t>claims</a:t>
-            </a:r>
-            <a:endParaRPr lang="en-US" sz="2600" dirty="0">
-              <a:solidFill>
-                <a:schemeClr val="tx1"/>
-              </a:solidFill>
-            </a:endParaRPr>
-          </a:p>
-          <a:p>
-            <a:pPr>
-              <a:buFont typeface="Wingdings" charset="2"/>
-              <a:buChar char="Ø"/>
-            </a:pPr>
-            <a:r>
-              <a:rPr lang="en-US" sz="2600" dirty="0">
-                <a:solidFill>
-                  <a:schemeClr val="tx1"/>
-                </a:solidFill>
-              </a:rPr>
-              <a:t>Admin sets up closure date of </a:t>
-            </a:r>
-            <a:r>
-              <a:rPr lang="en-US" sz="2600" dirty="0" smtClean="0">
-                <a:solidFill>
-                  <a:schemeClr val="tx1"/>
-                </a:solidFill>
-              </a:rPr>
-              <a:t>items</a:t>
-            </a:r>
-          </a:p>
-          <a:p>
-            <a:pPr>
-              <a:buFont typeface="Wingdings" charset="2"/>
-              <a:buChar char="Ø"/>
-            </a:pPr>
-            <a:r>
-              <a:rPr lang="en-US" sz="2600" dirty="0" smtClean="0">
-                <a:solidFill>
-                  <a:schemeClr val="tx1"/>
-                </a:solidFill>
-              </a:rPr>
-              <a:t>User accesses website online</a:t>
-            </a:r>
-            <a:endParaRPr lang="en-US" sz="2600" dirty="0">
-              <a:solidFill>
-                <a:schemeClr val="tx1"/>
-              </a:solidFill>
-            </a:endParaRPr>
-          </a:p>
-          <a:p>
-            <a:pPr>
-              <a:buFont typeface="Wingdings" charset="2"/>
-              <a:buChar char="Ø"/>
-            </a:pPr>
-            <a:endParaRPr lang="en-US" dirty="0" smtClean="0"/>
-          </a:p>
-          <a:p>
-            <a:pPr>
-              <a:buFont typeface="Wingdings" charset="2"/>
-              <a:buChar char="Ø"/>
-            </a:pPr>
-            <a:endParaRPr lang="en-US" dirty="0"/>
-          </a:p>
-        </p:txBody>
-      </p:sp>
-    </p:spTree>
-    <p:extLst>
-      <p:ext uri="{BB962C8B-B14F-4D97-AF65-F5344CB8AC3E}">
-        <p14:creationId xmlns:p14="http://schemas.microsoft.com/office/powerpoint/2010/main" val="1963626366"/>
-      </p:ext>
-    </p:extLst>
-  </p:cSld>
-  <p:clrMapOvr>
-    <a:masterClrMapping/>
-  </p:clrMapOvr>
-</p:sld>
-</file>
-
-<file path=ppt/slides/slide47.xml><?xml version="1.0" encoding="utf-8"?>
-<p:sld xmlns:a="http://schemas.openxmlformats.org/drawingml/2006/main" xmlns:r="http://schemas.openxmlformats.org/officeDocument/2006/relationships" xmlns:p="http://schemas.openxmlformats.org/presentationml/2006/main">
-  <p:cSld>
-    <p:spTree>
-      <p:nvGrpSpPr>
-        <p:cNvPr id="1" name=""/>
-        <p:cNvGrpSpPr/>
-        <p:nvPr/>
-      </p:nvGrpSpPr>
-      <p:grpSpPr>
-        <a:xfrm>
-          <a:off x="0" y="0"/>
-          <a:ext cx="0" cy="0"/>
-          <a:chOff x="0" y="0"/>
-          <a:chExt cx="0" cy="0"/>
-        </a:xfrm>
-      </p:grpSpPr>
-      <p:sp>
-        <p:nvSpPr>
-          <p:cNvPr id="2" name="Title 1"/>
-          <p:cNvSpPr>
-            <a:spLocks noGrp="1"/>
-          </p:cNvSpPr>
-          <p:nvPr>
-            <p:ph type="title"/>
-          </p:nvPr>
-        </p:nvSpPr>
-        <p:spPr/>
-        <p:txBody>
-          <a:bodyPr/>
-          <a:lstStyle/>
-          <a:p>
-            <a:r>
-              <a:rPr lang="en-US" dirty="0" smtClean="0"/>
-              <a:t>Demo 2: data validation (form)</a:t>
-            </a:r>
-            <a:endParaRPr lang="en-US" dirty="0"/>
-          </a:p>
-        </p:txBody>
-      </p:sp>
-      <p:sp>
-        <p:nvSpPr>
-          <p:cNvPr id="3" name="Content Placeholder 2"/>
-          <p:cNvSpPr>
-            <a:spLocks noGrp="1"/>
-          </p:cNvSpPr>
-          <p:nvPr>
-            <p:ph idx="1"/>
-          </p:nvPr>
-        </p:nvSpPr>
-        <p:spPr/>
-        <p:txBody>
-          <a:bodyPr/>
-          <a:lstStyle/>
-          <a:p>
-            <a:pPr>
-              <a:buFont typeface="Wingdings" charset="2"/>
-              <a:buChar char="Ø"/>
-            </a:pPr>
-            <a:r>
-              <a:rPr lang="en-US" sz="3000" dirty="0"/>
-              <a:t>Text </a:t>
-            </a:r>
-            <a:r>
-              <a:rPr lang="en-US" sz="3000" dirty="0" smtClean="0"/>
-              <a:t>validation (title, content, name, username, code</a:t>
-            </a:r>
-            <a:r>
-              <a:rPr lang="mr-IN" sz="3000" dirty="0" smtClean="0"/>
-              <a:t>…</a:t>
-            </a:r>
-            <a:r>
-              <a:rPr lang="en-US" sz="3000" dirty="0" smtClean="0"/>
-              <a:t>)</a:t>
-            </a:r>
-            <a:endParaRPr lang="en-US" sz="3000" dirty="0"/>
-          </a:p>
-          <a:p>
-            <a:pPr>
-              <a:buFont typeface="Wingdings" charset="2"/>
-              <a:buChar char="Ø"/>
-            </a:pPr>
-            <a:r>
-              <a:rPr lang="en-US" sz="3000" dirty="0"/>
-              <a:t>Date </a:t>
-            </a:r>
-            <a:r>
-              <a:rPr lang="en-US" sz="3000" dirty="0" smtClean="0"/>
-              <a:t>validation (closure date)</a:t>
-            </a:r>
-          </a:p>
-          <a:p>
-            <a:pPr>
-              <a:buFont typeface="Wingdings" charset="2"/>
-              <a:buChar char="Ø"/>
-            </a:pPr>
-            <a:r>
-              <a:rPr lang="en-US" sz="3000" dirty="0" smtClean="0"/>
-              <a:t>File validation (upload file)</a:t>
-            </a:r>
-            <a:endParaRPr lang="en-US" sz="3000" dirty="0"/>
-          </a:p>
-        </p:txBody>
-      </p:sp>
-    </p:spTree>
-    <p:extLst>
-      <p:ext uri="{BB962C8B-B14F-4D97-AF65-F5344CB8AC3E}">
-        <p14:creationId xmlns:p14="http://schemas.microsoft.com/office/powerpoint/2010/main" val="756852199"/>
-      </p:ext>
-    </p:extLst>
-  </p:cSld>
-  <p:clrMapOvr>
-    <a:masterClrMapping/>
-  </p:clrMapOvr>
-</p:sld>
-</file>
-
-<file path=ppt/slides/slide48.xml><?xml version="1.0" encoding="utf-8"?>
-<p:sld xmlns:a="http://schemas.openxmlformats.org/drawingml/2006/main" xmlns:r="http://schemas.openxmlformats.org/officeDocument/2006/relationships" xmlns:p="http://schemas.openxmlformats.org/presentationml/2006/main">
-  <p:cSld>
-    <p:spTree>
-      <p:nvGrpSpPr>
-        <p:cNvPr id="1" name=""/>
-        <p:cNvGrpSpPr/>
-        <p:nvPr/>
-      </p:nvGrpSpPr>
-      <p:grpSpPr>
-        <a:xfrm>
-          <a:off x="0" y="0"/>
-          <a:ext cx="0" cy="0"/>
-          <a:chOff x="0" y="0"/>
-          <a:chExt cx="0" cy="0"/>
-        </a:xfrm>
-      </p:grpSpPr>
-      <p:sp>
-        <p:nvSpPr>
-          <p:cNvPr id="2" name="Title 1"/>
-          <p:cNvSpPr>
-            <a:spLocks noGrp="1"/>
-          </p:cNvSpPr>
-          <p:nvPr>
-            <p:ph type="title"/>
-          </p:nvPr>
-        </p:nvSpPr>
-        <p:spPr/>
-        <p:txBody>
-          <a:bodyPr/>
-          <a:lstStyle/>
-          <a:p>
-            <a:r>
-              <a:rPr lang="en-US" dirty="0" smtClean="0"/>
-              <a:t>Demo 3: date-time relations </a:t>
-            </a:r>
-            <a:endParaRPr lang="en-US" dirty="0"/>
-          </a:p>
-        </p:txBody>
-      </p:sp>
-      <p:sp>
-        <p:nvSpPr>
-          <p:cNvPr id="3" name="Content Placeholder 2"/>
-          <p:cNvSpPr>
-            <a:spLocks noGrp="1"/>
-          </p:cNvSpPr>
-          <p:nvPr>
-            <p:ph idx="1"/>
-          </p:nvPr>
-        </p:nvSpPr>
-        <p:spPr/>
-        <p:txBody>
-          <a:bodyPr/>
-          <a:lstStyle/>
-          <a:p>
-            <a:pPr>
-              <a:buFont typeface="Wingdings" charset="2"/>
-              <a:buChar char="Ø"/>
-            </a:pPr>
-            <a:r>
-              <a:rPr lang="en-US" sz="2800" dirty="0" smtClean="0"/>
-              <a:t>Date of claim submissions</a:t>
-            </a:r>
-          </a:p>
-          <a:p>
-            <a:pPr>
-              <a:buFont typeface="Wingdings" charset="2"/>
-              <a:buChar char="Ø"/>
-            </a:pPr>
-            <a:r>
-              <a:rPr lang="en-US" sz="2800" dirty="0" smtClean="0"/>
-              <a:t>Date of evidence submissions</a:t>
-            </a:r>
-          </a:p>
-          <a:p>
-            <a:pPr>
-              <a:buFont typeface="Wingdings" charset="2"/>
-              <a:buChar char="Ø"/>
-            </a:pPr>
-            <a:r>
-              <a:rPr lang="en-US" sz="2800" dirty="0" smtClean="0"/>
-              <a:t>Closure date of claims</a:t>
-            </a:r>
-          </a:p>
-          <a:p>
-            <a:pPr>
-              <a:buFont typeface="Wingdings" charset="2"/>
-              <a:buChar char="Ø"/>
-            </a:pPr>
-            <a:r>
-              <a:rPr lang="en-US" sz="2800" dirty="0"/>
-              <a:t>Closure date of </a:t>
-            </a:r>
-            <a:r>
-              <a:rPr lang="en-US" sz="2800" dirty="0" smtClean="0"/>
-              <a:t>items</a:t>
-            </a:r>
-          </a:p>
-          <a:p>
-            <a:pPr>
-              <a:buFont typeface="Wingdings" charset="2"/>
-              <a:buChar char="Ø"/>
-            </a:pPr>
-            <a:r>
-              <a:rPr lang="en-US" sz="2800" dirty="0" smtClean="0"/>
-              <a:t>Processed date of claims</a:t>
-            </a:r>
-            <a:endParaRPr lang="en-US" sz="2800" dirty="0"/>
-          </a:p>
-          <a:p>
-            <a:pPr>
-              <a:buFont typeface="Wingdings" charset="2"/>
-              <a:buChar char="Ø"/>
-            </a:pPr>
-            <a:endParaRPr lang="en-US" dirty="0"/>
-          </a:p>
-        </p:txBody>
-      </p:sp>
-    </p:spTree>
-    <p:extLst>
-      <p:ext uri="{BB962C8B-B14F-4D97-AF65-F5344CB8AC3E}">
-        <p14:creationId xmlns:p14="http://schemas.microsoft.com/office/powerpoint/2010/main" val="132336000"/>
-      </p:ext>
-    </p:extLst>
-  </p:cSld>
-  <p:clrMapOvr>
-    <a:masterClrMapping/>
-  </p:clrMapOvr>
-</p:sld>
-</file>
-
-<file path=ppt/slides/slide49.xml><?xml version="1.0" encoding="utf-8"?>
-<p:sld xmlns:a="http://schemas.openxmlformats.org/drawingml/2006/main" xmlns:r="http://schemas.openxmlformats.org/officeDocument/2006/relationships" xmlns:p="http://schemas.openxmlformats.org/presentationml/2006/main">
-  <p:cSld>
-    <p:spTree>
-      <p:nvGrpSpPr>
-        <p:cNvPr id="1" name=""/>
-        <p:cNvGrpSpPr/>
-        <p:nvPr/>
-      </p:nvGrpSpPr>
-      <p:grpSpPr>
-        <a:xfrm>
-          <a:off x="0" y="0"/>
-          <a:ext cx="0" cy="0"/>
-          <a:chOff x="0" y="0"/>
-          <a:chExt cx="0" cy="0"/>
-        </a:xfrm>
-      </p:grpSpPr>
-      <p:sp>
-        <p:nvSpPr>
-          <p:cNvPr id="2" name="Title 1"/>
-          <p:cNvSpPr>
-            <a:spLocks noGrp="1"/>
-          </p:cNvSpPr>
-          <p:nvPr>
-            <p:ph type="title"/>
-          </p:nvPr>
-        </p:nvSpPr>
-        <p:spPr/>
-        <p:txBody>
-          <a:bodyPr/>
-          <a:lstStyle/>
-          <a:p>
-            <a:r>
-              <a:rPr lang="en-US" dirty="0" smtClean="0"/>
-              <a:t>Demo 4: authorization</a:t>
-            </a:r>
-            <a:endParaRPr lang="en-US" dirty="0"/>
-          </a:p>
-        </p:txBody>
-      </p:sp>
-      <p:sp>
-        <p:nvSpPr>
-          <p:cNvPr id="3" name="Content Placeholder 2"/>
-          <p:cNvSpPr>
-            <a:spLocks noGrp="1"/>
-          </p:cNvSpPr>
-          <p:nvPr>
-            <p:ph idx="1"/>
-          </p:nvPr>
-        </p:nvSpPr>
-        <p:spPr/>
-        <p:txBody>
-          <a:bodyPr/>
-          <a:lstStyle/>
-          <a:p>
-            <a:pPr>
-              <a:buFont typeface="Wingdings" charset="2"/>
-              <a:buChar char="Ø"/>
-            </a:pPr>
-            <a:r>
-              <a:rPr lang="en-US" sz="2800" dirty="0" smtClean="0"/>
-              <a:t>List all system roles or authorities</a:t>
-            </a:r>
-          </a:p>
-          <a:p>
-            <a:pPr>
-              <a:buFont typeface="Wingdings" charset="2"/>
-              <a:buChar char="Ø"/>
-            </a:pPr>
-            <a:r>
-              <a:rPr lang="en-US" sz="2800" dirty="0" smtClean="0"/>
-              <a:t>Authorized areas of each role</a:t>
-            </a:r>
-          </a:p>
-          <a:p>
-            <a:pPr>
-              <a:buFont typeface="Wingdings" charset="2"/>
-              <a:buChar char="Ø"/>
-            </a:pPr>
-            <a:r>
-              <a:rPr lang="en-US" sz="2800" dirty="0" smtClean="0"/>
-              <a:t>Reponses unauthorized messages</a:t>
-            </a:r>
-          </a:p>
-          <a:p>
-            <a:pPr>
-              <a:buFont typeface="Wingdings" charset="2"/>
-              <a:buChar char="Ø"/>
-            </a:pPr>
-            <a:r>
-              <a:rPr lang="en-US" sz="2800" dirty="0"/>
-              <a:t>Reponses </a:t>
-            </a:r>
-            <a:r>
-              <a:rPr lang="en-US" sz="2800" dirty="0" smtClean="0"/>
-              <a:t>not found messages</a:t>
-            </a:r>
-            <a:endParaRPr lang="en-US" sz="2800" dirty="0"/>
-          </a:p>
-          <a:p>
-            <a:pPr>
-              <a:buFont typeface="Wingdings" charset="2"/>
-              <a:buChar char="Ø"/>
-            </a:pPr>
-            <a:endParaRPr lang="en-US" dirty="0"/>
-          </a:p>
-        </p:txBody>
-      </p:sp>
-    </p:spTree>
-    <p:extLst>
-      <p:ext uri="{BB962C8B-B14F-4D97-AF65-F5344CB8AC3E}">
-        <p14:creationId xmlns:p14="http://schemas.microsoft.com/office/powerpoint/2010/main" val="1495225163"/>
-      </p:ext>
-    </p:extLst>
-  </p:cSld>
-  <p:clrMapOvr>
-    <a:masterClrMapping/>
-  </p:clrMapOvr>
 </p:sld>
 </file>
 
@@ -11801,6 +11301,1241 @@
           <a:p>
             <a:r>
               <a:rPr lang="en-US" dirty="0" smtClean="0"/>
+              <a:t>Daily meeting Logs(demo)</a:t>
+            </a:r>
+            <a:endParaRPr lang="en-US" dirty="0"/>
+          </a:p>
+        </p:txBody>
+      </p:sp>
+      <p:pic>
+        <p:nvPicPr>
+          <p:cNvPr id="4" name="Content Placeholder 3"/>
+          <p:cNvPicPr>
+            <a:picLocks noGrp="1" noChangeAspect="1"/>
+          </p:cNvPicPr>
+          <p:nvPr>
+            <p:ph idx="1"/>
+          </p:nvPr>
+        </p:nvPicPr>
+        <p:blipFill>
+          <a:blip r:embed="rId2">
+            <a:extLst>
+              <a:ext uri="{28A0092B-C50C-407E-A947-70E740481C1C}">
+                <a14:useLocalDpi xmlns:a14="http://schemas.microsoft.com/office/drawing/2010/main" val="0"/>
+              </a:ext>
+            </a:extLst>
+          </a:blip>
+          <a:stretch>
+            <a:fillRect/>
+          </a:stretch>
+        </p:blipFill>
+        <p:spPr>
+          <a:xfrm>
+            <a:off x="2442210" y="1846263"/>
+            <a:ext cx="7368578" cy="4022725"/>
+          </a:xfrm>
+        </p:spPr>
+      </p:pic>
+    </p:spTree>
+    <p:extLst>
+      <p:ext uri="{BB962C8B-B14F-4D97-AF65-F5344CB8AC3E}">
+        <p14:creationId xmlns:p14="http://schemas.microsoft.com/office/powerpoint/2010/main" val="1559746978"/>
+      </p:ext>
+    </p:extLst>
+  </p:cSld>
+  <p:clrMapOvr>
+    <a:masterClrMapping/>
+  </p:clrMapOvr>
+  <p:timing>
+    <p:tnLst>
+      <p:par>
+        <p:cTn id="1" dur="indefinite" restart="never" nodeType="tmRoot"/>
+      </p:par>
+    </p:tnLst>
+  </p:timing>
+</p:sld>
+</file>
+
+<file path=ppt/slides/slide51.xml><?xml version="1.0" encoding="utf-8"?>
+<p:sld xmlns:a="http://schemas.openxmlformats.org/drawingml/2006/main" xmlns:r="http://schemas.openxmlformats.org/officeDocument/2006/relationships" xmlns:p="http://schemas.openxmlformats.org/presentationml/2006/main">
+  <p:cSld>
+    <p:spTree>
+      <p:nvGrpSpPr>
+        <p:cNvPr id="1" name=""/>
+        <p:cNvGrpSpPr/>
+        <p:nvPr/>
+      </p:nvGrpSpPr>
+      <p:grpSpPr>
+        <a:xfrm>
+          <a:off x="0" y="0"/>
+          <a:ext cx="0" cy="0"/>
+          <a:chOff x="0" y="0"/>
+          <a:chExt cx="0" cy="0"/>
+        </a:xfrm>
+      </p:grpSpPr>
+      <p:sp>
+        <p:nvSpPr>
+          <p:cNvPr id="2" name="Title 1"/>
+          <p:cNvSpPr>
+            <a:spLocks noGrp="1"/>
+          </p:cNvSpPr>
+          <p:nvPr>
+            <p:ph type="title"/>
+          </p:nvPr>
+        </p:nvSpPr>
+        <p:spPr/>
+        <p:txBody>
+          <a:bodyPr/>
+          <a:lstStyle/>
+          <a:p>
+            <a:pPr algn="ctr"/>
+            <a:r>
+              <a:rPr lang="en-US" b="1" dirty="0" smtClean="0"/>
+              <a:t>Demo Plan</a:t>
+            </a:r>
+            <a:endParaRPr lang="en-US" b="1" dirty="0"/>
+          </a:p>
+        </p:txBody>
+      </p:sp>
+      <p:sp>
+        <p:nvSpPr>
+          <p:cNvPr id="3" name="Content Placeholder 2"/>
+          <p:cNvSpPr>
+            <a:spLocks noGrp="1"/>
+          </p:cNvSpPr>
+          <p:nvPr>
+            <p:ph idx="1"/>
+          </p:nvPr>
+        </p:nvSpPr>
+        <p:spPr/>
+        <p:txBody>
+          <a:bodyPr/>
+          <a:lstStyle/>
+          <a:p>
+            <a:pPr>
+              <a:buFont typeface="Wingdings" charset="2"/>
+              <a:buChar char="Ø"/>
+            </a:pPr>
+            <a:r>
+              <a:rPr lang="en-US" sz="2800" dirty="0" smtClean="0"/>
+              <a:t>Demo all system features</a:t>
+            </a:r>
+          </a:p>
+          <a:p>
+            <a:pPr>
+              <a:buFont typeface="Wingdings" charset="2"/>
+              <a:buChar char="Ø"/>
+            </a:pPr>
+            <a:r>
+              <a:rPr lang="en-US" sz="2800" dirty="0" smtClean="0"/>
+              <a:t>Demo data validation</a:t>
+            </a:r>
+          </a:p>
+          <a:p>
+            <a:pPr>
+              <a:buFont typeface="Wingdings" charset="2"/>
+              <a:buChar char="Ø"/>
+            </a:pPr>
+            <a:r>
+              <a:rPr lang="en-US" sz="2800" dirty="0" smtClean="0"/>
+              <a:t>Demo date-time relations</a:t>
+            </a:r>
+          </a:p>
+          <a:p>
+            <a:pPr>
+              <a:buFont typeface="Wingdings" charset="2"/>
+              <a:buChar char="Ø"/>
+            </a:pPr>
+            <a:r>
+              <a:rPr lang="en-US" sz="2800" dirty="0" smtClean="0"/>
+              <a:t>Demo authorization (different roles or authorities)</a:t>
+            </a:r>
+          </a:p>
+          <a:p>
+            <a:pPr>
+              <a:buFont typeface="Wingdings" charset="2"/>
+              <a:buChar char="Ø"/>
+            </a:pPr>
+            <a:r>
+              <a:rPr lang="en-US" sz="2800" dirty="0" smtClean="0"/>
+              <a:t>Demo all system reports</a:t>
+            </a:r>
+          </a:p>
+          <a:p>
+            <a:pPr>
+              <a:buFont typeface="Wingdings" charset="2"/>
+              <a:buChar char="Ø"/>
+            </a:pPr>
+            <a:endParaRPr lang="en-US" dirty="0" smtClean="0"/>
+          </a:p>
+        </p:txBody>
+      </p:sp>
+    </p:spTree>
+    <p:extLst>
+      <p:ext uri="{BB962C8B-B14F-4D97-AF65-F5344CB8AC3E}">
+        <p14:creationId xmlns:p14="http://schemas.microsoft.com/office/powerpoint/2010/main" val="233902115"/>
+      </p:ext>
+    </p:extLst>
+  </p:cSld>
+  <p:clrMapOvr>
+    <a:masterClrMapping/>
+  </p:clrMapOvr>
+  <p:timing>
+    <p:tnLst>
+      <p:par>
+        <p:cTn id="1" dur="indefinite" restart="never" nodeType="tmRoot"/>
+      </p:par>
+    </p:tnLst>
+  </p:timing>
+</p:sld>
+</file>
+
+<file path=ppt/slides/slide52.xml><?xml version="1.0" encoding="utf-8"?>
+<p:sld xmlns:a="http://schemas.openxmlformats.org/drawingml/2006/main" xmlns:r="http://schemas.openxmlformats.org/officeDocument/2006/relationships" xmlns:p="http://schemas.openxmlformats.org/presentationml/2006/main">
+  <p:cSld>
+    <p:spTree>
+      <p:nvGrpSpPr>
+        <p:cNvPr id="1" name=""/>
+        <p:cNvGrpSpPr/>
+        <p:nvPr/>
+      </p:nvGrpSpPr>
+      <p:grpSpPr>
+        <a:xfrm>
+          <a:off x="0" y="0"/>
+          <a:ext cx="0" cy="0"/>
+          <a:chOff x="0" y="0"/>
+          <a:chExt cx="0" cy="0"/>
+        </a:xfrm>
+      </p:grpSpPr>
+      <p:sp>
+        <p:nvSpPr>
+          <p:cNvPr id="2" name="Title 1"/>
+          <p:cNvSpPr>
+            <a:spLocks noGrp="1"/>
+          </p:cNvSpPr>
+          <p:nvPr>
+            <p:ph type="title"/>
+          </p:nvPr>
+        </p:nvSpPr>
+        <p:spPr/>
+        <p:txBody>
+          <a:bodyPr/>
+          <a:lstStyle/>
+          <a:p>
+            <a:r>
+              <a:rPr lang="en-US" dirty="0" smtClean="0"/>
+              <a:t>Demo 1: all system features</a:t>
+            </a:r>
+            <a:endParaRPr lang="en-US" dirty="0"/>
+          </a:p>
+        </p:txBody>
+      </p:sp>
+      <p:sp>
+        <p:nvSpPr>
+          <p:cNvPr id="3" name="Content Placeholder 2"/>
+          <p:cNvSpPr>
+            <a:spLocks noGrp="1"/>
+          </p:cNvSpPr>
+          <p:nvPr>
+            <p:ph idx="1"/>
+          </p:nvPr>
+        </p:nvSpPr>
+        <p:spPr/>
+        <p:txBody>
+          <a:bodyPr>
+            <a:normAutofit/>
+          </a:bodyPr>
+          <a:lstStyle/>
+          <a:p>
+            <a:pPr>
+              <a:buFont typeface="Wingdings" charset="2"/>
+              <a:buChar char="Ø"/>
+            </a:pPr>
+            <a:r>
+              <a:rPr lang="en-US" sz="2800" dirty="0" smtClean="0"/>
+              <a:t>Authentication (login, logout)</a:t>
+            </a:r>
+          </a:p>
+          <a:p>
+            <a:pPr>
+              <a:buFont typeface="Wingdings" charset="2"/>
+              <a:buChar char="Ø"/>
+            </a:pPr>
+            <a:r>
+              <a:rPr lang="en-US" sz="2800" dirty="0" smtClean="0"/>
+              <a:t>Student submits claims</a:t>
+            </a:r>
+          </a:p>
+          <a:p>
+            <a:pPr>
+              <a:buFont typeface="Wingdings" charset="2"/>
+              <a:buChar char="Ø"/>
+            </a:pPr>
+            <a:r>
+              <a:rPr lang="en-US" sz="2800" dirty="0" smtClean="0"/>
+              <a:t>Student submits evidences</a:t>
+            </a:r>
+          </a:p>
+          <a:p>
+            <a:pPr>
+              <a:buFont typeface="Wingdings" charset="2"/>
+              <a:buChar char="Ø"/>
+            </a:pPr>
+            <a:r>
+              <a:rPr lang="en-US" sz="2800" dirty="0" smtClean="0"/>
+              <a:t>Student receive email which contains the decision of claim</a:t>
+            </a:r>
+          </a:p>
+          <a:p>
+            <a:pPr>
+              <a:buFont typeface="Wingdings" charset="2"/>
+              <a:buChar char="Ø"/>
+            </a:pPr>
+            <a:r>
+              <a:rPr lang="en-US" sz="2800" dirty="0" smtClean="0"/>
+              <a:t>Student views all submitted claims</a:t>
+            </a:r>
+          </a:p>
+          <a:p>
+            <a:pPr>
+              <a:buFont typeface="Wingdings" charset="2"/>
+              <a:buChar char="Ø"/>
+            </a:pPr>
+            <a:r>
+              <a:rPr lang="en-US" sz="2800" dirty="0" smtClean="0"/>
+              <a:t>Student searches and sorts claims</a:t>
+            </a:r>
+          </a:p>
+          <a:p>
+            <a:pPr>
+              <a:buFont typeface="Wingdings" charset="2"/>
+              <a:buChar char="Ø"/>
+            </a:pPr>
+            <a:endParaRPr lang="en-US" dirty="0" smtClean="0"/>
+          </a:p>
+          <a:p>
+            <a:pPr>
+              <a:buFont typeface="Wingdings" charset="2"/>
+              <a:buChar char="Ø"/>
+            </a:pPr>
+            <a:endParaRPr lang="en-US" dirty="0"/>
+          </a:p>
+        </p:txBody>
+      </p:sp>
+    </p:spTree>
+    <p:extLst>
+      <p:ext uri="{BB962C8B-B14F-4D97-AF65-F5344CB8AC3E}">
+        <p14:creationId xmlns:p14="http://schemas.microsoft.com/office/powerpoint/2010/main" val="913001290"/>
+      </p:ext>
+    </p:extLst>
+  </p:cSld>
+  <p:clrMapOvr>
+    <a:masterClrMapping/>
+  </p:clrMapOvr>
+  <p:timing>
+    <p:tnLst>
+      <p:par>
+        <p:cTn id="1" dur="indefinite" restart="never" nodeType="tmRoot"/>
+      </p:par>
+    </p:tnLst>
+  </p:timing>
+</p:sld>
+</file>
+
+<file path=ppt/slides/slide53.xml><?xml version="1.0" encoding="utf-8"?>
+<p:sld xmlns:a="http://schemas.openxmlformats.org/drawingml/2006/main" xmlns:r="http://schemas.openxmlformats.org/officeDocument/2006/relationships" xmlns:p="http://schemas.openxmlformats.org/presentationml/2006/main">
+  <p:cSld>
+    <p:spTree>
+      <p:nvGrpSpPr>
+        <p:cNvPr id="1" name=""/>
+        <p:cNvGrpSpPr/>
+        <p:nvPr/>
+      </p:nvGrpSpPr>
+      <p:grpSpPr>
+        <a:xfrm>
+          <a:off x="0" y="0"/>
+          <a:ext cx="0" cy="0"/>
+          <a:chOff x="0" y="0"/>
+          <a:chExt cx="0" cy="0"/>
+        </a:xfrm>
+      </p:grpSpPr>
+      <p:sp>
+        <p:nvSpPr>
+          <p:cNvPr id="2" name="Title 1"/>
+          <p:cNvSpPr>
+            <a:spLocks noGrp="1"/>
+          </p:cNvSpPr>
+          <p:nvPr>
+            <p:ph type="title"/>
+          </p:nvPr>
+        </p:nvSpPr>
+        <p:spPr/>
+        <p:txBody>
+          <a:bodyPr/>
+          <a:lstStyle/>
+          <a:p>
+            <a:r>
+              <a:rPr lang="en-US" dirty="0" smtClean="0"/>
+              <a:t>Demo 1: </a:t>
+            </a:r>
+            <a:r>
+              <a:rPr lang="en-US" dirty="0"/>
+              <a:t>all system </a:t>
+            </a:r>
+            <a:r>
+              <a:rPr lang="en-US" dirty="0" smtClean="0"/>
+              <a:t>features (cont.)</a:t>
+            </a:r>
+            <a:endParaRPr lang="en-US" dirty="0"/>
+          </a:p>
+        </p:txBody>
+      </p:sp>
+      <p:sp>
+        <p:nvSpPr>
+          <p:cNvPr id="3" name="Content Placeholder 2"/>
+          <p:cNvSpPr>
+            <a:spLocks noGrp="1"/>
+          </p:cNvSpPr>
+          <p:nvPr>
+            <p:ph idx="1"/>
+          </p:nvPr>
+        </p:nvSpPr>
+        <p:spPr/>
+        <p:txBody>
+          <a:bodyPr>
+            <a:normAutofit fontScale="92500"/>
+          </a:bodyPr>
+          <a:lstStyle/>
+          <a:p>
+            <a:pPr>
+              <a:buFont typeface="Wingdings" charset="2"/>
+              <a:buChar char="Ø"/>
+            </a:pPr>
+            <a:r>
+              <a:rPr lang="en-US" sz="2800" dirty="0" smtClean="0">
+                <a:solidFill>
+                  <a:schemeClr val="tx1"/>
+                </a:solidFill>
+              </a:rPr>
+              <a:t>Coordinator receives </a:t>
+            </a:r>
+            <a:r>
+              <a:rPr lang="en-US" sz="2800" dirty="0">
+                <a:solidFill>
+                  <a:schemeClr val="tx1"/>
+                </a:solidFill>
+              </a:rPr>
+              <a:t>email of notification when new claim is submitted</a:t>
+            </a:r>
+          </a:p>
+          <a:p>
+            <a:pPr>
+              <a:buFont typeface="Wingdings" charset="2"/>
+              <a:buChar char="Ø"/>
+            </a:pPr>
+            <a:r>
+              <a:rPr lang="en-US" sz="2800" dirty="0" smtClean="0">
+                <a:solidFill>
+                  <a:schemeClr val="tx1"/>
+                </a:solidFill>
+              </a:rPr>
+              <a:t>Coordinator processes </a:t>
+            </a:r>
+            <a:r>
+              <a:rPr lang="en-US" sz="2800" dirty="0">
+                <a:solidFill>
+                  <a:schemeClr val="tx1"/>
+                </a:solidFill>
+              </a:rPr>
+              <a:t>new claim</a:t>
+            </a:r>
+          </a:p>
+          <a:p>
+            <a:pPr>
+              <a:buFont typeface="Wingdings" charset="2"/>
+              <a:buChar char="Ø"/>
+            </a:pPr>
+            <a:r>
+              <a:rPr lang="en-US" sz="2800" dirty="0" smtClean="0">
+                <a:solidFill>
+                  <a:schemeClr val="tx1"/>
+                </a:solidFill>
+              </a:rPr>
+              <a:t>Coordinator views all </a:t>
+            </a:r>
+            <a:r>
+              <a:rPr lang="en-US" sz="2800" dirty="0">
+                <a:solidFill>
+                  <a:schemeClr val="tx1"/>
+                </a:solidFill>
+              </a:rPr>
+              <a:t>the process of my </a:t>
+            </a:r>
+            <a:r>
+              <a:rPr lang="en-US" sz="2800" dirty="0" smtClean="0">
+                <a:solidFill>
+                  <a:schemeClr val="tx1"/>
+                </a:solidFill>
+              </a:rPr>
+              <a:t>Faculty</a:t>
+            </a:r>
+          </a:p>
+          <a:p>
+            <a:pPr>
+              <a:buFont typeface="Wingdings" charset="2"/>
+              <a:buChar char="Ø"/>
+            </a:pPr>
+            <a:endParaRPr lang="en-US" sz="2800" dirty="0" smtClean="0">
+              <a:solidFill>
+                <a:schemeClr val="tx1"/>
+              </a:solidFill>
+            </a:endParaRPr>
+          </a:p>
+          <a:p>
+            <a:pPr>
+              <a:buFont typeface="Wingdings" charset="2"/>
+              <a:buChar char="Ø"/>
+            </a:pPr>
+            <a:r>
+              <a:rPr lang="en-US" sz="2800" dirty="0">
+                <a:solidFill>
+                  <a:schemeClr val="tx1"/>
+                </a:solidFill>
+              </a:rPr>
+              <a:t>Manager views all </a:t>
+            </a:r>
+            <a:r>
+              <a:rPr lang="en-US" sz="2800" dirty="0" smtClean="0">
+                <a:solidFill>
+                  <a:schemeClr val="tx1"/>
+                </a:solidFill>
+              </a:rPr>
+              <a:t>claims</a:t>
+            </a:r>
+          </a:p>
+          <a:p>
+            <a:pPr>
+              <a:buFont typeface="Wingdings" charset="2"/>
+              <a:buChar char="Ø"/>
+            </a:pPr>
+            <a:r>
+              <a:rPr lang="en-US" sz="2800" dirty="0">
+                <a:solidFill>
+                  <a:schemeClr val="tx1"/>
+                </a:solidFill>
+              </a:rPr>
+              <a:t>Manager view claim reports (statistics</a:t>
+            </a:r>
+            <a:r>
+              <a:rPr lang="en-US" sz="2800" dirty="0" smtClean="0">
+                <a:solidFill>
+                  <a:schemeClr val="tx1"/>
+                </a:solidFill>
+              </a:rPr>
+              <a:t>)</a:t>
+            </a:r>
+          </a:p>
+          <a:p>
+            <a:pPr marL="91440" lvl="1" indent="-91440">
+              <a:spcBef>
+                <a:spcPts val="1200"/>
+              </a:spcBef>
+              <a:spcAft>
+                <a:spcPts val="200"/>
+              </a:spcAft>
+              <a:buSzPct val="100000"/>
+              <a:buFont typeface="Wingdings" charset="2"/>
+              <a:buChar char="Ø"/>
+            </a:pPr>
+            <a:r>
+              <a:rPr lang="en-US" sz="2800" dirty="0" smtClean="0">
+                <a:solidFill>
+                  <a:schemeClr val="tx1"/>
+                </a:solidFill>
+              </a:rPr>
+              <a:t>Admin </a:t>
+            </a:r>
+            <a:r>
+              <a:rPr lang="en-US" sz="2800" dirty="0">
+                <a:solidFill>
+                  <a:schemeClr val="tx1"/>
+                </a:solidFill>
+              </a:rPr>
+              <a:t>or </a:t>
+            </a:r>
+            <a:r>
+              <a:rPr lang="en-US" sz="2800" dirty="0" smtClean="0">
+                <a:solidFill>
+                  <a:schemeClr val="tx1"/>
+                </a:solidFill>
+              </a:rPr>
+              <a:t>manager views weekly </a:t>
+            </a:r>
+            <a:r>
+              <a:rPr lang="en-US" sz="2800" dirty="0">
+                <a:solidFill>
+                  <a:schemeClr val="tx1"/>
+                </a:solidFill>
+              </a:rPr>
+              <a:t>report or customize the report details</a:t>
+            </a:r>
+          </a:p>
+          <a:p>
+            <a:endParaRPr lang="en-US" dirty="0"/>
+          </a:p>
+        </p:txBody>
+      </p:sp>
+    </p:spTree>
+    <p:extLst>
+      <p:ext uri="{BB962C8B-B14F-4D97-AF65-F5344CB8AC3E}">
+        <p14:creationId xmlns:p14="http://schemas.microsoft.com/office/powerpoint/2010/main" val="562138506"/>
+      </p:ext>
+    </p:extLst>
+  </p:cSld>
+  <p:clrMapOvr>
+    <a:masterClrMapping/>
+  </p:clrMapOvr>
+  <p:timing>
+    <p:tnLst>
+      <p:par>
+        <p:cTn id="1" dur="indefinite" restart="never" nodeType="tmRoot"/>
+      </p:par>
+    </p:tnLst>
+  </p:timing>
+</p:sld>
+</file>
+
+<file path=ppt/slides/slide54.xml><?xml version="1.0" encoding="utf-8"?>
+<p:sld xmlns:a="http://schemas.openxmlformats.org/drawingml/2006/main" xmlns:r="http://schemas.openxmlformats.org/officeDocument/2006/relationships" xmlns:p="http://schemas.openxmlformats.org/presentationml/2006/main">
+  <p:cSld>
+    <p:spTree>
+      <p:nvGrpSpPr>
+        <p:cNvPr id="1" name=""/>
+        <p:cNvGrpSpPr/>
+        <p:nvPr/>
+      </p:nvGrpSpPr>
+      <p:grpSpPr>
+        <a:xfrm>
+          <a:off x="0" y="0"/>
+          <a:ext cx="0" cy="0"/>
+          <a:chOff x="0" y="0"/>
+          <a:chExt cx="0" cy="0"/>
+        </a:xfrm>
+      </p:grpSpPr>
+      <p:sp>
+        <p:nvSpPr>
+          <p:cNvPr id="2" name="Title 1"/>
+          <p:cNvSpPr>
+            <a:spLocks noGrp="1"/>
+          </p:cNvSpPr>
+          <p:nvPr>
+            <p:ph type="title"/>
+          </p:nvPr>
+        </p:nvSpPr>
+        <p:spPr/>
+        <p:txBody>
+          <a:bodyPr/>
+          <a:lstStyle/>
+          <a:p>
+            <a:r>
+              <a:rPr lang="en-US" dirty="0" smtClean="0"/>
+              <a:t>Demo 1: </a:t>
+            </a:r>
+            <a:r>
+              <a:rPr lang="en-US" dirty="0"/>
+              <a:t>all system features (cont.)</a:t>
+            </a:r>
+          </a:p>
+        </p:txBody>
+      </p:sp>
+      <p:sp>
+        <p:nvSpPr>
+          <p:cNvPr id="3" name="Content Placeholder 2"/>
+          <p:cNvSpPr>
+            <a:spLocks noGrp="1"/>
+          </p:cNvSpPr>
+          <p:nvPr>
+            <p:ph idx="1"/>
+          </p:nvPr>
+        </p:nvSpPr>
+        <p:spPr/>
+        <p:txBody>
+          <a:bodyPr>
+            <a:normAutofit/>
+          </a:bodyPr>
+          <a:lstStyle/>
+          <a:p>
+            <a:pPr marL="0" indent="-292608">
+              <a:buFont typeface="Wingdings" charset="2"/>
+              <a:buChar char="Ø"/>
+            </a:pPr>
+            <a:r>
+              <a:rPr lang="en-US" sz="2600" dirty="0" smtClean="0">
+                <a:solidFill>
+                  <a:schemeClr val="tx1"/>
+                </a:solidFill>
+              </a:rPr>
+              <a:t>Admin </a:t>
+            </a:r>
+            <a:r>
+              <a:rPr lang="en-US" sz="2600" dirty="0">
+                <a:solidFill>
+                  <a:schemeClr val="tx1"/>
+                </a:solidFill>
+              </a:rPr>
+              <a:t>manages account of Users</a:t>
+            </a:r>
+          </a:p>
+          <a:p>
+            <a:pPr>
+              <a:buFont typeface="Wingdings" charset="2"/>
+              <a:buChar char="Ø"/>
+            </a:pPr>
+            <a:r>
+              <a:rPr lang="en-US" sz="2600" dirty="0">
+                <a:solidFill>
+                  <a:schemeClr val="tx1"/>
+                </a:solidFill>
+              </a:rPr>
+              <a:t>Admin manages system data</a:t>
+            </a:r>
+          </a:p>
+          <a:p>
+            <a:pPr>
+              <a:buFont typeface="Wingdings" charset="2"/>
+              <a:buChar char="Ø"/>
+            </a:pPr>
+            <a:r>
+              <a:rPr lang="en-US" sz="2600" dirty="0" smtClean="0">
+                <a:solidFill>
+                  <a:schemeClr val="tx1"/>
+                </a:solidFill>
+              </a:rPr>
+              <a:t>Admin </a:t>
+            </a:r>
+            <a:r>
+              <a:rPr lang="en-US" sz="2600" dirty="0">
+                <a:solidFill>
+                  <a:schemeClr val="tx1"/>
+                </a:solidFill>
+              </a:rPr>
+              <a:t>views all claims in the system for each years</a:t>
+            </a:r>
+          </a:p>
+          <a:p>
+            <a:pPr>
+              <a:buFont typeface="Wingdings" charset="2"/>
+              <a:buChar char="Ø"/>
+            </a:pPr>
+            <a:r>
+              <a:rPr lang="en-US" sz="2600" dirty="0">
+                <a:solidFill>
+                  <a:schemeClr val="tx1"/>
+                </a:solidFill>
+              </a:rPr>
+              <a:t>Admin views items of assessment</a:t>
+            </a:r>
+          </a:p>
+          <a:p>
+            <a:pPr>
+              <a:buFont typeface="Wingdings" charset="2"/>
+              <a:buChar char="Ø"/>
+            </a:pPr>
+            <a:r>
+              <a:rPr lang="en-US" sz="2600" dirty="0">
+                <a:solidFill>
+                  <a:schemeClr val="tx1"/>
+                </a:solidFill>
+              </a:rPr>
+              <a:t>Admin sets up closure date of </a:t>
+            </a:r>
+            <a:r>
+              <a:rPr lang="en-US" sz="2600" dirty="0" smtClean="0">
+                <a:solidFill>
+                  <a:schemeClr val="tx1"/>
+                </a:solidFill>
+              </a:rPr>
+              <a:t>claims</a:t>
+            </a:r>
+            <a:endParaRPr lang="en-US" sz="2600" dirty="0">
+              <a:solidFill>
+                <a:schemeClr val="tx1"/>
+              </a:solidFill>
+            </a:endParaRPr>
+          </a:p>
+          <a:p>
+            <a:pPr>
+              <a:buFont typeface="Wingdings" charset="2"/>
+              <a:buChar char="Ø"/>
+            </a:pPr>
+            <a:r>
+              <a:rPr lang="en-US" sz="2600" dirty="0">
+                <a:solidFill>
+                  <a:schemeClr val="tx1"/>
+                </a:solidFill>
+              </a:rPr>
+              <a:t>Admin sets up closure date of </a:t>
+            </a:r>
+            <a:r>
+              <a:rPr lang="en-US" sz="2600" dirty="0" smtClean="0">
+                <a:solidFill>
+                  <a:schemeClr val="tx1"/>
+                </a:solidFill>
+              </a:rPr>
+              <a:t>items</a:t>
+            </a:r>
+          </a:p>
+          <a:p>
+            <a:pPr>
+              <a:buFont typeface="Wingdings" charset="2"/>
+              <a:buChar char="Ø"/>
+            </a:pPr>
+            <a:r>
+              <a:rPr lang="en-US" sz="2600" dirty="0" smtClean="0">
+                <a:solidFill>
+                  <a:schemeClr val="tx1"/>
+                </a:solidFill>
+              </a:rPr>
+              <a:t>User accesses website online</a:t>
+            </a:r>
+            <a:endParaRPr lang="en-US" sz="2600" dirty="0">
+              <a:solidFill>
+                <a:schemeClr val="tx1"/>
+              </a:solidFill>
+            </a:endParaRPr>
+          </a:p>
+          <a:p>
+            <a:pPr>
+              <a:buFont typeface="Wingdings" charset="2"/>
+              <a:buChar char="Ø"/>
+            </a:pPr>
+            <a:endParaRPr lang="en-US" dirty="0" smtClean="0"/>
+          </a:p>
+          <a:p>
+            <a:pPr>
+              <a:buFont typeface="Wingdings" charset="2"/>
+              <a:buChar char="Ø"/>
+            </a:pPr>
+            <a:endParaRPr lang="en-US" dirty="0"/>
+          </a:p>
+        </p:txBody>
+      </p:sp>
+    </p:spTree>
+    <p:extLst>
+      <p:ext uri="{BB962C8B-B14F-4D97-AF65-F5344CB8AC3E}">
+        <p14:creationId xmlns:p14="http://schemas.microsoft.com/office/powerpoint/2010/main" val="1963626366"/>
+      </p:ext>
+    </p:extLst>
+  </p:cSld>
+  <p:clrMapOvr>
+    <a:masterClrMapping/>
+  </p:clrMapOvr>
+</p:sld>
+</file>
+
+<file path=ppt/slides/slide55.xml><?xml version="1.0" encoding="utf-8"?>
+<p:sld xmlns:a="http://schemas.openxmlformats.org/drawingml/2006/main" xmlns:r="http://schemas.openxmlformats.org/officeDocument/2006/relationships" xmlns:p="http://schemas.openxmlformats.org/presentationml/2006/main">
+  <p:cSld>
+    <p:spTree>
+      <p:nvGrpSpPr>
+        <p:cNvPr id="1" name=""/>
+        <p:cNvGrpSpPr/>
+        <p:nvPr/>
+      </p:nvGrpSpPr>
+      <p:grpSpPr>
+        <a:xfrm>
+          <a:off x="0" y="0"/>
+          <a:ext cx="0" cy="0"/>
+          <a:chOff x="0" y="0"/>
+          <a:chExt cx="0" cy="0"/>
+        </a:xfrm>
+      </p:grpSpPr>
+      <p:sp>
+        <p:nvSpPr>
+          <p:cNvPr id="2" name="Title 1"/>
+          <p:cNvSpPr>
+            <a:spLocks noGrp="1"/>
+          </p:cNvSpPr>
+          <p:nvPr>
+            <p:ph type="title"/>
+          </p:nvPr>
+        </p:nvSpPr>
+        <p:spPr/>
+        <p:txBody>
+          <a:bodyPr/>
+          <a:lstStyle/>
+          <a:p>
+            <a:r>
+              <a:rPr lang="en-US" dirty="0" smtClean="0"/>
+              <a:t>Demo 2: data validation (form)</a:t>
+            </a:r>
+            <a:endParaRPr lang="en-US" dirty="0"/>
+          </a:p>
+        </p:txBody>
+      </p:sp>
+      <p:sp>
+        <p:nvSpPr>
+          <p:cNvPr id="3" name="Content Placeholder 2"/>
+          <p:cNvSpPr>
+            <a:spLocks noGrp="1"/>
+          </p:cNvSpPr>
+          <p:nvPr>
+            <p:ph idx="1"/>
+          </p:nvPr>
+        </p:nvSpPr>
+        <p:spPr/>
+        <p:txBody>
+          <a:bodyPr/>
+          <a:lstStyle/>
+          <a:p>
+            <a:pPr>
+              <a:buFont typeface="Wingdings" charset="2"/>
+              <a:buChar char="Ø"/>
+            </a:pPr>
+            <a:r>
+              <a:rPr lang="en-US" sz="3000" dirty="0"/>
+              <a:t>Text </a:t>
+            </a:r>
+            <a:r>
+              <a:rPr lang="en-US" sz="3000" dirty="0" smtClean="0"/>
+              <a:t>validation (title, content, name, username, code</a:t>
+            </a:r>
+            <a:r>
+              <a:rPr lang="mr-IN" sz="3000" dirty="0" smtClean="0"/>
+              <a:t>…</a:t>
+            </a:r>
+            <a:r>
+              <a:rPr lang="en-US" sz="3000" dirty="0" smtClean="0"/>
+              <a:t>)</a:t>
+            </a:r>
+            <a:endParaRPr lang="en-US" sz="3000" dirty="0"/>
+          </a:p>
+          <a:p>
+            <a:pPr>
+              <a:buFont typeface="Wingdings" charset="2"/>
+              <a:buChar char="Ø"/>
+            </a:pPr>
+            <a:r>
+              <a:rPr lang="en-US" sz="3000" dirty="0"/>
+              <a:t>Date </a:t>
+            </a:r>
+            <a:r>
+              <a:rPr lang="en-US" sz="3000" dirty="0" smtClean="0"/>
+              <a:t>validation (closure date)</a:t>
+            </a:r>
+          </a:p>
+          <a:p>
+            <a:pPr>
+              <a:buFont typeface="Wingdings" charset="2"/>
+              <a:buChar char="Ø"/>
+            </a:pPr>
+            <a:r>
+              <a:rPr lang="en-US" sz="3000" dirty="0" smtClean="0"/>
+              <a:t>File validation (upload file)</a:t>
+            </a:r>
+            <a:endParaRPr lang="en-US" sz="3000" dirty="0"/>
+          </a:p>
+        </p:txBody>
+      </p:sp>
+    </p:spTree>
+    <p:extLst>
+      <p:ext uri="{BB962C8B-B14F-4D97-AF65-F5344CB8AC3E}">
+        <p14:creationId xmlns:p14="http://schemas.microsoft.com/office/powerpoint/2010/main" val="756852199"/>
+      </p:ext>
+    </p:extLst>
+  </p:cSld>
+  <p:clrMapOvr>
+    <a:masterClrMapping/>
+  </p:clrMapOvr>
+</p:sld>
+</file>
+
+<file path=ppt/slides/slide56.xml><?xml version="1.0" encoding="utf-8"?>
+<p:sld xmlns:a="http://schemas.openxmlformats.org/drawingml/2006/main" xmlns:r="http://schemas.openxmlformats.org/officeDocument/2006/relationships" xmlns:p="http://schemas.openxmlformats.org/presentationml/2006/main">
+  <p:cSld>
+    <p:spTree>
+      <p:nvGrpSpPr>
+        <p:cNvPr id="1" name=""/>
+        <p:cNvGrpSpPr/>
+        <p:nvPr/>
+      </p:nvGrpSpPr>
+      <p:grpSpPr>
+        <a:xfrm>
+          <a:off x="0" y="0"/>
+          <a:ext cx="0" cy="0"/>
+          <a:chOff x="0" y="0"/>
+          <a:chExt cx="0" cy="0"/>
+        </a:xfrm>
+      </p:grpSpPr>
+      <p:sp>
+        <p:nvSpPr>
+          <p:cNvPr id="2" name="Title 1"/>
+          <p:cNvSpPr>
+            <a:spLocks noGrp="1"/>
+          </p:cNvSpPr>
+          <p:nvPr>
+            <p:ph type="title"/>
+          </p:nvPr>
+        </p:nvSpPr>
+        <p:spPr/>
+        <p:txBody>
+          <a:bodyPr/>
+          <a:lstStyle/>
+          <a:p>
+            <a:r>
+              <a:rPr lang="en-US" dirty="0" smtClean="0"/>
+              <a:t>Demo 3: date-time relations </a:t>
+            </a:r>
+            <a:endParaRPr lang="en-US" dirty="0"/>
+          </a:p>
+        </p:txBody>
+      </p:sp>
+      <p:sp>
+        <p:nvSpPr>
+          <p:cNvPr id="3" name="Content Placeholder 2"/>
+          <p:cNvSpPr>
+            <a:spLocks noGrp="1"/>
+          </p:cNvSpPr>
+          <p:nvPr>
+            <p:ph idx="1"/>
+          </p:nvPr>
+        </p:nvSpPr>
+        <p:spPr/>
+        <p:txBody>
+          <a:bodyPr/>
+          <a:lstStyle/>
+          <a:p>
+            <a:pPr>
+              <a:buFont typeface="Wingdings" charset="2"/>
+              <a:buChar char="Ø"/>
+            </a:pPr>
+            <a:r>
+              <a:rPr lang="en-US" sz="2800" dirty="0" smtClean="0"/>
+              <a:t>Date of claim submissions</a:t>
+            </a:r>
+          </a:p>
+          <a:p>
+            <a:pPr>
+              <a:buFont typeface="Wingdings" charset="2"/>
+              <a:buChar char="Ø"/>
+            </a:pPr>
+            <a:r>
+              <a:rPr lang="en-US" sz="2800" dirty="0" smtClean="0"/>
+              <a:t>Date of evidence submissions</a:t>
+            </a:r>
+          </a:p>
+          <a:p>
+            <a:pPr>
+              <a:buFont typeface="Wingdings" charset="2"/>
+              <a:buChar char="Ø"/>
+            </a:pPr>
+            <a:r>
+              <a:rPr lang="en-US" sz="2800" dirty="0" smtClean="0"/>
+              <a:t>Closure date of claims</a:t>
+            </a:r>
+          </a:p>
+          <a:p>
+            <a:pPr>
+              <a:buFont typeface="Wingdings" charset="2"/>
+              <a:buChar char="Ø"/>
+            </a:pPr>
+            <a:r>
+              <a:rPr lang="en-US" sz="2800" dirty="0"/>
+              <a:t>Closure date of </a:t>
+            </a:r>
+            <a:r>
+              <a:rPr lang="en-US" sz="2800" dirty="0" smtClean="0"/>
+              <a:t>items</a:t>
+            </a:r>
+          </a:p>
+          <a:p>
+            <a:pPr>
+              <a:buFont typeface="Wingdings" charset="2"/>
+              <a:buChar char="Ø"/>
+            </a:pPr>
+            <a:r>
+              <a:rPr lang="en-US" sz="2800" dirty="0" smtClean="0"/>
+              <a:t>Processed date of claims</a:t>
+            </a:r>
+            <a:endParaRPr lang="en-US" sz="2800" dirty="0"/>
+          </a:p>
+          <a:p>
+            <a:pPr>
+              <a:buFont typeface="Wingdings" charset="2"/>
+              <a:buChar char="Ø"/>
+            </a:pPr>
+            <a:endParaRPr lang="en-US" dirty="0"/>
+          </a:p>
+        </p:txBody>
+      </p:sp>
+    </p:spTree>
+    <p:extLst>
+      <p:ext uri="{BB962C8B-B14F-4D97-AF65-F5344CB8AC3E}">
+        <p14:creationId xmlns:p14="http://schemas.microsoft.com/office/powerpoint/2010/main" val="132336000"/>
+      </p:ext>
+    </p:extLst>
+  </p:cSld>
+  <p:clrMapOvr>
+    <a:masterClrMapping/>
+  </p:clrMapOvr>
+</p:sld>
+</file>
+
+<file path=ppt/slides/slide57.xml><?xml version="1.0" encoding="utf-8"?>
+<p:sld xmlns:a="http://schemas.openxmlformats.org/drawingml/2006/main" xmlns:r="http://schemas.openxmlformats.org/officeDocument/2006/relationships" xmlns:p="http://schemas.openxmlformats.org/presentationml/2006/main">
+  <p:cSld>
+    <p:spTree>
+      <p:nvGrpSpPr>
+        <p:cNvPr id="1" name=""/>
+        <p:cNvGrpSpPr/>
+        <p:nvPr/>
+      </p:nvGrpSpPr>
+      <p:grpSpPr>
+        <a:xfrm>
+          <a:off x="0" y="0"/>
+          <a:ext cx="0" cy="0"/>
+          <a:chOff x="0" y="0"/>
+          <a:chExt cx="0" cy="0"/>
+        </a:xfrm>
+      </p:grpSpPr>
+      <p:sp>
+        <p:nvSpPr>
+          <p:cNvPr id="2" name="Title 1"/>
+          <p:cNvSpPr>
+            <a:spLocks noGrp="1"/>
+          </p:cNvSpPr>
+          <p:nvPr>
+            <p:ph type="title"/>
+          </p:nvPr>
+        </p:nvSpPr>
+        <p:spPr/>
+        <p:txBody>
+          <a:bodyPr/>
+          <a:lstStyle/>
+          <a:p>
+            <a:r>
+              <a:rPr lang="en-US" dirty="0" smtClean="0"/>
+              <a:t>Demo 4: authorization</a:t>
+            </a:r>
+            <a:endParaRPr lang="en-US" dirty="0"/>
+          </a:p>
+        </p:txBody>
+      </p:sp>
+      <p:sp>
+        <p:nvSpPr>
+          <p:cNvPr id="3" name="Content Placeholder 2"/>
+          <p:cNvSpPr>
+            <a:spLocks noGrp="1"/>
+          </p:cNvSpPr>
+          <p:nvPr>
+            <p:ph idx="1"/>
+          </p:nvPr>
+        </p:nvSpPr>
+        <p:spPr/>
+        <p:txBody>
+          <a:bodyPr/>
+          <a:lstStyle/>
+          <a:p>
+            <a:pPr>
+              <a:buFont typeface="Wingdings" charset="2"/>
+              <a:buChar char="Ø"/>
+            </a:pPr>
+            <a:r>
+              <a:rPr lang="en-US" sz="2800" dirty="0" smtClean="0"/>
+              <a:t>List all system roles or authorities</a:t>
+            </a:r>
+          </a:p>
+          <a:p>
+            <a:pPr>
+              <a:buFont typeface="Wingdings" charset="2"/>
+              <a:buChar char="Ø"/>
+            </a:pPr>
+            <a:r>
+              <a:rPr lang="en-US" sz="2800" dirty="0" smtClean="0"/>
+              <a:t>Authorized areas of each role</a:t>
+            </a:r>
+          </a:p>
+          <a:p>
+            <a:pPr>
+              <a:buFont typeface="Wingdings" charset="2"/>
+              <a:buChar char="Ø"/>
+            </a:pPr>
+            <a:r>
+              <a:rPr lang="en-US" sz="2800" dirty="0" smtClean="0"/>
+              <a:t>Reponses unauthorized messages</a:t>
+            </a:r>
+          </a:p>
+          <a:p>
+            <a:pPr>
+              <a:buFont typeface="Wingdings" charset="2"/>
+              <a:buChar char="Ø"/>
+            </a:pPr>
+            <a:r>
+              <a:rPr lang="en-US" sz="2800" dirty="0"/>
+              <a:t>Reponses </a:t>
+            </a:r>
+            <a:r>
+              <a:rPr lang="en-US" sz="2800" dirty="0" smtClean="0"/>
+              <a:t>not found messages</a:t>
+            </a:r>
+            <a:endParaRPr lang="en-US" sz="2800" dirty="0"/>
+          </a:p>
+          <a:p>
+            <a:pPr>
+              <a:buFont typeface="Wingdings" charset="2"/>
+              <a:buChar char="Ø"/>
+            </a:pPr>
+            <a:endParaRPr lang="en-US" dirty="0"/>
+          </a:p>
+        </p:txBody>
+      </p:sp>
+    </p:spTree>
+    <p:extLst>
+      <p:ext uri="{BB962C8B-B14F-4D97-AF65-F5344CB8AC3E}">
+        <p14:creationId xmlns:p14="http://schemas.microsoft.com/office/powerpoint/2010/main" val="1495225163"/>
+      </p:ext>
+    </p:extLst>
+  </p:cSld>
+  <p:clrMapOvr>
+    <a:masterClrMapping/>
+  </p:clrMapOvr>
+</p:sld>
+</file>
+
+<file path=ppt/slides/slide58.xml><?xml version="1.0" encoding="utf-8"?>
+<p:sld xmlns:a="http://schemas.openxmlformats.org/drawingml/2006/main" xmlns:r="http://schemas.openxmlformats.org/officeDocument/2006/relationships" xmlns:p="http://schemas.openxmlformats.org/presentationml/2006/main">
+  <p:cSld>
+    <p:spTree>
+      <p:nvGrpSpPr>
+        <p:cNvPr id="1" name=""/>
+        <p:cNvGrpSpPr/>
+        <p:nvPr/>
+      </p:nvGrpSpPr>
+      <p:grpSpPr>
+        <a:xfrm>
+          <a:off x="0" y="0"/>
+          <a:ext cx="0" cy="0"/>
+          <a:chOff x="0" y="0"/>
+          <a:chExt cx="0" cy="0"/>
+        </a:xfrm>
+      </p:grpSpPr>
+      <p:sp>
+        <p:nvSpPr>
+          <p:cNvPr id="2" name="Title 1"/>
+          <p:cNvSpPr>
+            <a:spLocks noGrp="1"/>
+          </p:cNvSpPr>
+          <p:nvPr>
+            <p:ph type="title"/>
+          </p:nvPr>
+        </p:nvSpPr>
+        <p:spPr/>
+        <p:txBody>
+          <a:bodyPr/>
+          <a:lstStyle/>
+          <a:p>
+            <a:r>
+              <a:rPr lang="en-US" dirty="0" smtClean="0"/>
               <a:t>Demo 5: system reports </a:t>
             </a:r>
             <a:endParaRPr lang="en-US" dirty="0"/>
@@ -11906,7 +12641,7 @@
 </p:sld>
 </file>
 
-<file path=ppt/slides/slide51.xml><?xml version="1.0" encoding="utf-8"?>
+<file path=ppt/slides/slide59.xml><?xml version="1.0" encoding="utf-8"?>
 <p:sld xmlns:a="http://schemas.openxmlformats.org/drawingml/2006/main" xmlns:r="http://schemas.openxmlformats.org/officeDocument/2006/relationships" xmlns:p="http://schemas.openxmlformats.org/presentationml/2006/main">
   <p:cSld>
     <p:spTree>
@@ -12080,11 +12815,7 @@
             </a:r>
             <a:r>
               <a:rPr lang="en-US" dirty="0" smtClean="0"/>
-              <a:t>. </a:t>
-            </a:r>
-            <a:r>
-              <a:rPr lang="en-US" dirty="0" smtClean="0"/>
-              <a:t>Functionality (user stories)</a:t>
+              <a:t>. Functionality (user stories)</a:t>
             </a:r>
             <a:endParaRPr lang="en-US" dirty="0"/>
           </a:p>
@@ -12666,11 +13397,7 @@
             </a:r>
             <a:r>
               <a:rPr lang="en-US" dirty="0" smtClean="0"/>
-              <a:t>. </a:t>
-            </a:r>
-            <a:r>
-              <a:rPr lang="en-US" dirty="0" smtClean="0"/>
-              <a:t>Database</a:t>
+              <a:t>. Database</a:t>
             </a:r>
             <a:endParaRPr lang="en-US" dirty="0"/>
           </a:p>
@@ -12993,11 +13720,7 @@
           <a:p>
             <a:r>
               <a:rPr lang="en-US" dirty="0" smtClean="0"/>
-              <a:t>Database </a:t>
-            </a:r>
-            <a:r>
-              <a:rPr lang="en-US" dirty="0" smtClean="0"/>
-              <a:t>– Users and Roles (cont.)</a:t>
+              <a:t>Database – Users and Roles (cont.)</a:t>
             </a:r>
             <a:endParaRPr lang="en-US" dirty="0"/>
           </a:p>
